--- a/trunk/tesi/presentazione/Barbagallo-IMDB.pptx
+++ b/trunk/tesi/presentazione/Barbagallo-IMDB.pptx
@@ -4,20 +4,25 @@
   <p:sldMasterIdLst>
     <p:sldMasterId id="2147483660" r:id="rId1"/>
   </p:sldMasterIdLst>
+  <p:notesMasterIdLst>
+    <p:notesMasterId r:id="rId17"/>
+  </p:notesMasterIdLst>
   <p:sldIdLst>
     <p:sldId id="256" r:id="rId2"/>
     <p:sldId id="257" r:id="rId3"/>
-    <p:sldId id="258" r:id="rId4"/>
-    <p:sldId id="259" r:id="rId5"/>
-    <p:sldId id="260" r:id="rId6"/>
-    <p:sldId id="261" r:id="rId7"/>
-    <p:sldId id="262" r:id="rId8"/>
+    <p:sldId id="260" r:id="rId4"/>
+    <p:sldId id="258" r:id="rId5"/>
+    <p:sldId id="259" r:id="rId6"/>
+    <p:sldId id="262" r:id="rId7"/>
+    <p:sldId id="261" r:id="rId8"/>
     <p:sldId id="263" r:id="rId9"/>
     <p:sldId id="264" r:id="rId10"/>
     <p:sldId id="265" r:id="rId11"/>
     <p:sldId id="266" r:id="rId12"/>
-    <p:sldId id="267" r:id="rId13"/>
-    <p:sldId id="268" r:id="rId14"/>
+    <p:sldId id="268" r:id="rId13"/>
+    <p:sldId id="269" r:id="rId14"/>
+    <p:sldId id="270" r:id="rId15"/>
+    <p:sldId id="271" r:id="rId16"/>
   </p:sldIdLst>
   <p:sldSz cx="9144000" cy="6858000" type="screen4x3"/>
   <p:notesSz cx="6858000" cy="9144000"/>
@@ -119,6 +124,591 @@
 </p:presentation>
 </file>
 
+<file path=ppt/notesMasters/notesMaster1.xml><?xml version="1.0" encoding="utf-8"?>
+<p:notesMaster xmlns:a="http://schemas.openxmlformats.org/drawingml/2006/main" xmlns:r="http://schemas.openxmlformats.org/officeDocument/2006/relationships" xmlns:p="http://schemas.openxmlformats.org/presentationml/2006/main">
+  <p:cSld>
+    <p:bg>
+      <p:bgRef idx="1001">
+        <a:schemeClr val="bg1"/>
+      </p:bgRef>
+    </p:bg>
+    <p:spTree>
+      <p:nvGrpSpPr>
+        <p:cNvPr id="1" name=""/>
+        <p:cNvGrpSpPr/>
+        <p:nvPr/>
+      </p:nvGrpSpPr>
+      <p:grpSpPr>
+        <a:xfrm>
+          <a:off x="0" y="0"/>
+          <a:ext cx="0" cy="0"/>
+          <a:chOff x="0" y="0"/>
+          <a:chExt cx="0" cy="0"/>
+        </a:xfrm>
+      </p:grpSpPr>
+      <p:sp>
+        <p:nvSpPr>
+          <p:cNvPr id="2" name="Segnaposto intestazione 1"/>
+          <p:cNvSpPr>
+            <a:spLocks noGrp="1"/>
+          </p:cNvSpPr>
+          <p:nvPr>
+            <p:ph type="hdr" sz="quarter"/>
+          </p:nvPr>
+        </p:nvSpPr>
+        <p:spPr>
+          <a:xfrm>
+            <a:off x="0" y="0"/>
+            <a:ext cx="2971800" cy="457200"/>
+          </a:xfrm>
+          <a:prstGeom prst="rect">
+            <a:avLst/>
+          </a:prstGeom>
+        </p:spPr>
+        <p:txBody>
+          <a:bodyPr vert="horz" lIns="91440" tIns="45720" rIns="91440" bIns="45720" rtlCol="0"/>
+          <a:lstStyle>
+            <a:lvl1pPr algn="l">
+              <a:defRPr sz="1200"/>
+            </a:lvl1pPr>
+          </a:lstStyle>
+          <a:p>
+            <a:endParaRPr lang="it-IT" dirty="0"/>
+          </a:p>
+        </p:txBody>
+      </p:sp>
+      <p:sp>
+        <p:nvSpPr>
+          <p:cNvPr id="3" name="Segnaposto data 2"/>
+          <p:cNvSpPr>
+            <a:spLocks noGrp="1"/>
+          </p:cNvSpPr>
+          <p:nvPr>
+            <p:ph type="dt" idx="1"/>
+          </p:nvPr>
+        </p:nvSpPr>
+        <p:spPr>
+          <a:xfrm>
+            <a:off x="3884613" y="0"/>
+            <a:ext cx="2971800" cy="457200"/>
+          </a:xfrm>
+          <a:prstGeom prst="rect">
+            <a:avLst/>
+          </a:prstGeom>
+        </p:spPr>
+        <p:txBody>
+          <a:bodyPr vert="horz" lIns="91440" tIns="45720" rIns="91440" bIns="45720" rtlCol="0"/>
+          <a:lstStyle>
+            <a:lvl1pPr algn="r">
+              <a:defRPr sz="1200"/>
+            </a:lvl1pPr>
+          </a:lstStyle>
+          <a:p>
+            <a:fld id="{23F755C8-B5BC-4E8F-B906-339D1A3E340F}" type="datetimeFigureOut">
+              <a:rPr lang="it-IT" smtClean="0"/>
+              <a:t>15/12/2008</a:t>
+            </a:fld>
+            <a:endParaRPr lang="it-IT" dirty="0"/>
+          </a:p>
+        </p:txBody>
+      </p:sp>
+      <p:sp>
+        <p:nvSpPr>
+          <p:cNvPr id="4" name="Segnaposto immagine diapositiva 3"/>
+          <p:cNvSpPr>
+            <a:spLocks noGrp="1" noRot="1" noChangeAspect="1"/>
+          </p:cNvSpPr>
+          <p:nvPr>
+            <p:ph type="sldImg" idx="2"/>
+          </p:nvPr>
+        </p:nvSpPr>
+        <p:spPr>
+          <a:xfrm>
+            <a:off x="1143000" y="685800"/>
+            <a:ext cx="4572000" cy="3429000"/>
+          </a:xfrm>
+          <a:prstGeom prst="rect">
+            <a:avLst/>
+          </a:prstGeom>
+          <a:noFill/>
+          <a:ln w="12700">
+            <a:solidFill>
+              <a:prstClr val="black"/>
+            </a:solidFill>
+          </a:ln>
+        </p:spPr>
+        <p:txBody>
+          <a:bodyPr vert="horz" lIns="91440" tIns="45720" rIns="91440" bIns="45720" rtlCol="0" anchor="ctr"/>
+          <a:lstStyle/>
+          <a:p>
+            <a:endParaRPr lang="it-IT" dirty="0"/>
+          </a:p>
+        </p:txBody>
+      </p:sp>
+      <p:sp>
+        <p:nvSpPr>
+          <p:cNvPr id="5" name="Segnaposto note 4"/>
+          <p:cNvSpPr>
+            <a:spLocks noGrp="1"/>
+          </p:cNvSpPr>
+          <p:nvPr>
+            <p:ph type="body" sz="quarter" idx="3"/>
+          </p:nvPr>
+        </p:nvSpPr>
+        <p:spPr>
+          <a:xfrm>
+            <a:off x="685800" y="4343400"/>
+            <a:ext cx="5486400" cy="4114800"/>
+          </a:xfrm>
+          <a:prstGeom prst="rect">
+            <a:avLst/>
+          </a:prstGeom>
+        </p:spPr>
+        <p:txBody>
+          <a:bodyPr vert="horz" lIns="91440" tIns="45720" rIns="91440" bIns="45720" rtlCol="0">
+            <a:normAutofit/>
+          </a:bodyPr>
+          <a:lstStyle/>
+          <a:p>
+            <a:pPr lvl="0"/>
+            <a:r>
+              <a:rPr lang="it-IT" smtClean="0"/>
+              <a:t>Fare clic per modificare stili del testo dello schema</a:t>
+            </a:r>
+          </a:p>
+          <a:p>
+            <a:pPr lvl="1"/>
+            <a:r>
+              <a:rPr lang="it-IT" smtClean="0"/>
+              <a:t>Secondo livello</a:t>
+            </a:r>
+          </a:p>
+          <a:p>
+            <a:pPr lvl="2"/>
+            <a:r>
+              <a:rPr lang="it-IT" smtClean="0"/>
+              <a:t>Terzo livello</a:t>
+            </a:r>
+          </a:p>
+          <a:p>
+            <a:pPr lvl="3"/>
+            <a:r>
+              <a:rPr lang="it-IT" smtClean="0"/>
+              <a:t>Quarto livello</a:t>
+            </a:r>
+          </a:p>
+          <a:p>
+            <a:pPr lvl="4"/>
+            <a:r>
+              <a:rPr lang="it-IT" smtClean="0"/>
+              <a:t>Quinto livello</a:t>
+            </a:r>
+            <a:endParaRPr lang="it-IT"/>
+          </a:p>
+        </p:txBody>
+      </p:sp>
+      <p:sp>
+        <p:nvSpPr>
+          <p:cNvPr id="6" name="Segnaposto piè di pagina 5"/>
+          <p:cNvSpPr>
+            <a:spLocks noGrp="1"/>
+          </p:cNvSpPr>
+          <p:nvPr>
+            <p:ph type="ftr" sz="quarter" idx="4"/>
+          </p:nvPr>
+        </p:nvSpPr>
+        <p:spPr>
+          <a:xfrm>
+            <a:off x="0" y="8685213"/>
+            <a:ext cx="2971800" cy="457200"/>
+          </a:xfrm>
+          <a:prstGeom prst="rect">
+            <a:avLst/>
+          </a:prstGeom>
+        </p:spPr>
+        <p:txBody>
+          <a:bodyPr vert="horz" lIns="91440" tIns="45720" rIns="91440" bIns="45720" rtlCol="0" anchor="b"/>
+          <a:lstStyle>
+            <a:lvl1pPr algn="l">
+              <a:defRPr sz="1200"/>
+            </a:lvl1pPr>
+          </a:lstStyle>
+          <a:p>
+            <a:endParaRPr lang="it-IT" dirty="0"/>
+          </a:p>
+        </p:txBody>
+      </p:sp>
+      <p:sp>
+        <p:nvSpPr>
+          <p:cNvPr id="7" name="Segnaposto numero diapositiva 6"/>
+          <p:cNvSpPr>
+            <a:spLocks noGrp="1"/>
+          </p:cNvSpPr>
+          <p:nvPr>
+            <p:ph type="sldNum" sz="quarter" idx="5"/>
+          </p:nvPr>
+        </p:nvSpPr>
+        <p:spPr>
+          <a:xfrm>
+            <a:off x="3884613" y="8685213"/>
+            <a:ext cx="2971800" cy="457200"/>
+          </a:xfrm>
+          <a:prstGeom prst="rect">
+            <a:avLst/>
+          </a:prstGeom>
+        </p:spPr>
+        <p:txBody>
+          <a:bodyPr vert="horz" lIns="91440" tIns="45720" rIns="91440" bIns="45720" rtlCol="0" anchor="b"/>
+          <a:lstStyle>
+            <a:lvl1pPr algn="r">
+              <a:defRPr sz="1200"/>
+            </a:lvl1pPr>
+          </a:lstStyle>
+          <a:p>
+            <a:fld id="{06112A3B-D3CD-4C64-AF08-DDC9323A61EB}" type="slidenum">
+              <a:rPr lang="it-IT" smtClean="0"/>
+              <a:t>‹N›</a:t>
+            </a:fld>
+            <a:endParaRPr lang="it-IT" dirty="0"/>
+          </a:p>
+        </p:txBody>
+      </p:sp>
+    </p:spTree>
+  </p:cSld>
+  <p:clrMap bg1="lt1" tx1="dk1" bg2="lt2" tx2="dk2" accent1="accent1" accent2="accent2" accent3="accent3" accent4="accent4" accent5="accent5" accent6="accent6" hlink="hlink" folHlink="folHlink"/>
+  <p:notesStyle>
+    <a:lvl1pPr marL="0" algn="l" defTabSz="914400" rtl="0" eaLnBrk="1" latinLnBrk="0" hangingPunct="1">
+      <a:defRPr sz="1200" kern="1200">
+        <a:solidFill>
+          <a:schemeClr val="tx1"/>
+        </a:solidFill>
+        <a:latin typeface="+mn-lt"/>
+        <a:ea typeface="+mn-ea"/>
+        <a:cs typeface="+mn-cs"/>
+      </a:defRPr>
+    </a:lvl1pPr>
+    <a:lvl2pPr marL="457200" algn="l" defTabSz="914400" rtl="0" eaLnBrk="1" latinLnBrk="0" hangingPunct="1">
+      <a:defRPr sz="1200" kern="1200">
+        <a:solidFill>
+          <a:schemeClr val="tx1"/>
+        </a:solidFill>
+        <a:latin typeface="+mn-lt"/>
+        <a:ea typeface="+mn-ea"/>
+        <a:cs typeface="+mn-cs"/>
+      </a:defRPr>
+    </a:lvl2pPr>
+    <a:lvl3pPr marL="914400" algn="l" defTabSz="914400" rtl="0" eaLnBrk="1" latinLnBrk="0" hangingPunct="1">
+      <a:defRPr sz="1200" kern="1200">
+        <a:solidFill>
+          <a:schemeClr val="tx1"/>
+        </a:solidFill>
+        <a:latin typeface="+mn-lt"/>
+        <a:ea typeface="+mn-ea"/>
+        <a:cs typeface="+mn-cs"/>
+      </a:defRPr>
+    </a:lvl3pPr>
+    <a:lvl4pPr marL="1371600" algn="l" defTabSz="914400" rtl="0" eaLnBrk="1" latinLnBrk="0" hangingPunct="1">
+      <a:defRPr sz="1200" kern="1200">
+        <a:solidFill>
+          <a:schemeClr val="tx1"/>
+        </a:solidFill>
+        <a:latin typeface="+mn-lt"/>
+        <a:ea typeface="+mn-ea"/>
+        <a:cs typeface="+mn-cs"/>
+      </a:defRPr>
+    </a:lvl4pPr>
+    <a:lvl5pPr marL="1828800" algn="l" defTabSz="914400" rtl="0" eaLnBrk="1" latinLnBrk="0" hangingPunct="1">
+      <a:defRPr sz="1200" kern="1200">
+        <a:solidFill>
+          <a:schemeClr val="tx1"/>
+        </a:solidFill>
+        <a:latin typeface="+mn-lt"/>
+        <a:ea typeface="+mn-ea"/>
+        <a:cs typeface="+mn-cs"/>
+      </a:defRPr>
+    </a:lvl5pPr>
+    <a:lvl6pPr marL="2286000" algn="l" defTabSz="914400" rtl="0" eaLnBrk="1" latinLnBrk="0" hangingPunct="1">
+      <a:defRPr sz="1200" kern="1200">
+        <a:solidFill>
+          <a:schemeClr val="tx1"/>
+        </a:solidFill>
+        <a:latin typeface="+mn-lt"/>
+        <a:ea typeface="+mn-ea"/>
+        <a:cs typeface="+mn-cs"/>
+      </a:defRPr>
+    </a:lvl6pPr>
+    <a:lvl7pPr marL="2743200" algn="l" defTabSz="914400" rtl="0" eaLnBrk="1" latinLnBrk="0" hangingPunct="1">
+      <a:defRPr sz="1200" kern="1200">
+        <a:solidFill>
+          <a:schemeClr val="tx1"/>
+        </a:solidFill>
+        <a:latin typeface="+mn-lt"/>
+        <a:ea typeface="+mn-ea"/>
+        <a:cs typeface="+mn-cs"/>
+      </a:defRPr>
+    </a:lvl7pPr>
+    <a:lvl8pPr marL="3200400" algn="l" defTabSz="914400" rtl="0" eaLnBrk="1" latinLnBrk="0" hangingPunct="1">
+      <a:defRPr sz="1200" kern="1200">
+        <a:solidFill>
+          <a:schemeClr val="tx1"/>
+        </a:solidFill>
+        <a:latin typeface="+mn-lt"/>
+        <a:ea typeface="+mn-ea"/>
+        <a:cs typeface="+mn-cs"/>
+      </a:defRPr>
+    </a:lvl8pPr>
+    <a:lvl9pPr marL="3657600" algn="l" defTabSz="914400" rtl="0" eaLnBrk="1" latinLnBrk="0" hangingPunct="1">
+      <a:defRPr sz="1200" kern="1200">
+        <a:solidFill>
+          <a:schemeClr val="tx1"/>
+        </a:solidFill>
+        <a:latin typeface="+mn-lt"/>
+        <a:ea typeface="+mn-ea"/>
+        <a:cs typeface="+mn-cs"/>
+      </a:defRPr>
+    </a:lvl9pPr>
+  </p:notesStyle>
+</p:notesMaster>
+</file>
+
+<file path=ppt/notesSlides/notesSlide1.xml><?xml version="1.0" encoding="utf-8"?>
+<p:notes xmlns:a="http://schemas.openxmlformats.org/drawingml/2006/main" xmlns:r="http://schemas.openxmlformats.org/officeDocument/2006/relationships" xmlns:p="http://schemas.openxmlformats.org/presentationml/2006/main">
+  <p:cSld>
+    <p:spTree>
+      <p:nvGrpSpPr>
+        <p:cNvPr id="1" name=""/>
+        <p:cNvGrpSpPr/>
+        <p:nvPr/>
+      </p:nvGrpSpPr>
+      <p:grpSpPr>
+        <a:xfrm>
+          <a:off x="0" y="0"/>
+          <a:ext cx="0" cy="0"/>
+          <a:chOff x="0" y="0"/>
+          <a:chExt cx="0" cy="0"/>
+        </a:xfrm>
+      </p:grpSpPr>
+      <p:sp>
+        <p:nvSpPr>
+          <p:cNvPr id="2" name="Segnaposto immagine diapositiva 1"/>
+          <p:cNvSpPr>
+            <a:spLocks noGrp="1" noRot="1" noChangeAspect="1"/>
+          </p:cNvSpPr>
+          <p:nvPr>
+            <p:ph type="sldImg"/>
+          </p:nvPr>
+        </p:nvSpPr>
+        <p:spPr/>
+      </p:sp>
+      <p:sp>
+        <p:nvSpPr>
+          <p:cNvPr id="3" name="Segnaposto note 2"/>
+          <p:cNvSpPr>
+            <a:spLocks noGrp="1"/>
+          </p:cNvSpPr>
+          <p:nvPr>
+            <p:ph type="body" idx="1"/>
+          </p:nvPr>
+        </p:nvSpPr>
+        <p:spPr/>
+        <p:txBody>
+          <a:bodyPr>
+            <a:normAutofit/>
+          </a:bodyPr>
+          <a:lstStyle/>
+          <a:p>
+            <a:r>
+              <a:rPr lang="it-IT" dirty="0" err="1" smtClean="0"/>
+              <a:t>Caching</a:t>
+            </a:r>
+            <a:r>
+              <a:rPr lang="it-IT" dirty="0" smtClean="0"/>
+              <a:t>: </a:t>
+            </a:r>
+          </a:p>
+          <a:p>
+            <a:pPr lvl="1"/>
+            <a:r>
+              <a:rPr lang="it-IT" dirty="0" smtClean="0"/>
+              <a:t>cache </a:t>
+            </a:r>
+            <a:r>
+              <a:rPr lang="it-IT" dirty="0" err="1" smtClean="0"/>
+              <a:t>synchronization</a:t>
+            </a:r>
+            <a:endParaRPr lang="it-IT" dirty="0" smtClean="0"/>
+          </a:p>
+          <a:p>
+            <a:pPr lvl="1"/>
+            <a:r>
+              <a:rPr lang="it-IT" dirty="0" smtClean="0"/>
+              <a:t>cache </a:t>
+            </a:r>
+            <a:r>
+              <a:rPr lang="it-IT" dirty="0" err="1" smtClean="0"/>
+              <a:t>lookup</a:t>
+            </a:r>
+            <a:endParaRPr lang="it-IT" dirty="0" smtClean="0"/>
+          </a:p>
+          <a:p>
+            <a:endParaRPr lang="it-IT" dirty="0" smtClean="0"/>
+          </a:p>
+          <a:p>
+            <a:r>
+              <a:rPr lang="it-IT" dirty="0" err="1" smtClean="0"/>
+              <a:t>Data-transfer</a:t>
+            </a:r>
+            <a:r>
+              <a:rPr lang="it-IT" dirty="0" smtClean="0"/>
+              <a:t> </a:t>
+            </a:r>
+            <a:r>
+              <a:rPr lang="it-IT" dirty="0" err="1" smtClean="0"/>
+              <a:t>overhead</a:t>
+            </a:r>
+            <a:r>
+              <a:rPr lang="it-IT" dirty="0" smtClean="0"/>
+              <a:t>: </a:t>
+            </a:r>
+          </a:p>
+          <a:p>
+            <a:pPr lvl="1"/>
+            <a:r>
+              <a:rPr lang="it-IT" dirty="0" smtClean="0"/>
+              <a:t>file system cache </a:t>
+            </a:r>
+          </a:p>
+          <a:p>
+            <a:pPr lvl="1"/>
+            <a:r>
+              <a:rPr lang="it-IT" dirty="0" smtClean="0"/>
+              <a:t>database API, copy</a:t>
+            </a:r>
+            <a:r>
+              <a:rPr lang="it-IT" baseline="0" dirty="0" smtClean="0"/>
+              <a:t> </a:t>
+            </a:r>
+            <a:r>
+              <a:rPr lang="it-IT" baseline="0" dirty="0" err="1" smtClean="0"/>
+              <a:t>of</a:t>
+            </a:r>
+            <a:r>
+              <a:rPr lang="it-IT" baseline="0" dirty="0" smtClean="0"/>
+              <a:t> data in </a:t>
+            </a:r>
+            <a:r>
+              <a:rPr lang="it-IT" baseline="0" dirty="0" err="1" smtClean="0"/>
+              <a:t>main</a:t>
+            </a:r>
+            <a:r>
+              <a:rPr lang="it-IT" baseline="0" dirty="0" smtClean="0"/>
+              <a:t> </a:t>
+            </a:r>
+            <a:r>
+              <a:rPr lang="it-IT" baseline="0" dirty="0" err="1" smtClean="0"/>
+              <a:t>memory</a:t>
+            </a:r>
+            <a:endParaRPr lang="it-IT" dirty="0" smtClean="0"/>
+          </a:p>
+          <a:p>
+            <a:endParaRPr lang="it-IT" dirty="0" smtClean="0"/>
+          </a:p>
+          <a:p>
+            <a:r>
+              <a:rPr lang="it-IT" dirty="0" err="1" smtClean="0"/>
+              <a:t>Transaction</a:t>
+            </a:r>
+            <a:r>
+              <a:rPr lang="it-IT" dirty="0" smtClean="0"/>
+              <a:t> processing: </a:t>
+            </a:r>
+          </a:p>
+          <a:p>
+            <a:pPr marL="0" marR="0" lvl="1" indent="0" algn="l" defTabSz="914400" rtl="0" eaLnBrk="1" fontAlgn="auto" latinLnBrk="0" hangingPunct="1">
+              <a:lnSpc>
+                <a:spcPct val="100000"/>
+              </a:lnSpc>
+              <a:spcBef>
+                <a:spcPts val="0"/>
+              </a:spcBef>
+              <a:spcAft>
+                <a:spcPts val="0"/>
+              </a:spcAft>
+              <a:buClrTx/>
+              <a:buSzTx/>
+              <a:buFontTx/>
+              <a:buNone/>
+              <a:tabLst/>
+              <a:defRPr/>
+            </a:pPr>
+            <a:r>
+              <a:rPr lang="it-IT" baseline="0" dirty="0" smtClean="0"/>
+              <a:t>          </a:t>
+            </a:r>
+            <a:r>
+              <a:rPr lang="it-IT" dirty="0" err="1" smtClean="0"/>
+              <a:t>recovery</a:t>
+            </a:r>
+            <a:r>
+              <a:rPr lang="it-IT" dirty="0" smtClean="0"/>
+              <a:t> </a:t>
+            </a:r>
+            <a:r>
+              <a:rPr lang="it-IT" dirty="0" err="1" smtClean="0"/>
+              <a:t>process</a:t>
+            </a:r>
+            <a:r>
+              <a:rPr lang="it-IT" dirty="0" smtClean="0"/>
+              <a:t>, veloce e senza file</a:t>
+            </a:r>
+          </a:p>
+          <a:p>
+            <a:pPr lvl="1"/>
+            <a:r>
+              <a:rPr lang="it-IT" dirty="0" err="1" smtClean="0"/>
+              <a:t>transaction</a:t>
+            </a:r>
+            <a:r>
+              <a:rPr lang="it-IT" dirty="0" smtClean="0"/>
+              <a:t> log file non serve, perché si perde l’immagine in caso di crash</a:t>
+            </a:r>
+          </a:p>
+          <a:p>
+            <a:endParaRPr lang="it-IT" dirty="0"/>
+          </a:p>
+        </p:txBody>
+      </p:sp>
+      <p:sp>
+        <p:nvSpPr>
+          <p:cNvPr id="4" name="Segnaposto numero diapositiva 3"/>
+          <p:cNvSpPr>
+            <a:spLocks noGrp="1"/>
+          </p:cNvSpPr>
+          <p:nvPr>
+            <p:ph type="sldNum" sz="quarter" idx="10"/>
+          </p:nvPr>
+        </p:nvSpPr>
+        <p:spPr/>
+        <p:txBody>
+          <a:bodyPr/>
+          <a:lstStyle/>
+          <a:p>
+            <a:fld id="{06112A3B-D3CD-4C64-AF08-DDC9323A61EB}" type="slidenum">
+              <a:rPr lang="it-IT" smtClean="0"/>
+              <a:t>5</a:t>
+            </a:fld>
+            <a:endParaRPr lang="it-IT"/>
+          </a:p>
+        </p:txBody>
+      </p:sp>
+    </p:spTree>
+  </p:cSld>
+  <p:clrMapOvr>
+    <a:masterClrMapping/>
+  </p:clrMapOvr>
+</p:notes>
+</file>
+
 <file path=ppt/slideLayouts/slideLayout1.xml><?xml version="1.0" encoding="utf-8"?>
 <p:sldLayout xmlns:a="http://schemas.openxmlformats.org/drawingml/2006/main" xmlns:r="http://schemas.openxmlformats.org/officeDocument/2006/relationships" xmlns:p="http://schemas.openxmlformats.org/presentationml/2006/main" showMasterSp="0" type="title" preserve="1">
   <p:cSld name="Diapositiva titolo">
@@ -184,7 +774,7 @@
           </a:lstStyle>
           <a:p>
             <a:pPr algn="ctr" eaLnBrk="1" latinLnBrk="0" hangingPunct="1"/>
-            <a:endParaRPr kumimoji="0" lang="en-US"/>
+            <a:endParaRPr kumimoji="0" lang="en-US" dirty="0"/>
           </a:p>
         </p:txBody>
       </p:sp>
@@ -368,9 +958,9 @@
             <a:fld id="{5FABFC92-4644-45C7-8B88-DDEEC91723C1}" type="datetimeFigureOut">
               <a:rPr lang="it-IT" smtClean="0"/>
               <a:pPr/>
-              <a:t>11/12/2008</a:t>
+              <a:t>15/12/2008</a:t>
             </a:fld>
-            <a:endParaRPr lang="it-IT"/>
+            <a:endParaRPr lang="it-IT" dirty="0"/>
           </a:p>
         </p:txBody>
       </p:sp>
@@ -389,7 +979,7 @@
           <a:bodyPr/>
           <a:lstStyle/>
           <a:p>
-            <a:endParaRPr lang="it-IT"/>
+            <a:endParaRPr lang="it-IT" dirty="0"/>
           </a:p>
         </p:txBody>
       </p:sp>
@@ -413,7 +1003,7 @@
               <a:pPr/>
               <a:t>‹N›</a:t>
             </a:fld>
-            <a:endParaRPr lang="it-IT"/>
+            <a:endParaRPr lang="it-IT" dirty="0"/>
           </a:p>
         </p:txBody>
       </p:sp>
@@ -467,7 +1057,7 @@
           </a:lstStyle>
           <a:p>
             <a:pPr algn="ctr" eaLnBrk="1" latinLnBrk="0" hangingPunct="1"/>
-            <a:endParaRPr kumimoji="0" lang="en-US"/>
+            <a:endParaRPr kumimoji="0" lang="en-US" dirty="0"/>
           </a:p>
         </p:txBody>
       </p:sp>
@@ -593,9 +1183,9 @@
             <a:fld id="{5FABFC92-4644-45C7-8B88-DDEEC91723C1}" type="datetimeFigureOut">
               <a:rPr lang="it-IT" smtClean="0"/>
               <a:pPr/>
-              <a:t>11/12/2008</a:t>
+              <a:t>15/12/2008</a:t>
             </a:fld>
-            <a:endParaRPr lang="it-IT"/>
+            <a:endParaRPr lang="it-IT" dirty="0"/>
           </a:p>
         </p:txBody>
       </p:sp>
@@ -614,7 +1204,7 @@
           <a:bodyPr/>
           <a:lstStyle/>
           <a:p>
-            <a:endParaRPr lang="it-IT"/>
+            <a:endParaRPr lang="it-IT" dirty="0"/>
           </a:p>
         </p:txBody>
       </p:sp>
@@ -638,7 +1228,7 @@
               <a:pPr/>
               <a:t>‹N›</a:t>
             </a:fld>
-            <a:endParaRPr lang="it-IT"/>
+            <a:endParaRPr lang="it-IT" dirty="0"/>
           </a:p>
         </p:txBody>
       </p:sp>
@@ -717,7 +1307,7 @@
           </a:lstStyle>
           <a:p>
             <a:pPr algn="ctr" eaLnBrk="1" latinLnBrk="0" hangingPunct="1"/>
-            <a:endParaRPr kumimoji="0" lang="en-US"/>
+            <a:endParaRPr kumimoji="0" lang="en-US" dirty="0"/>
           </a:p>
         </p:txBody>
       </p:sp>
@@ -764,7 +1354,7 @@
           </a:lstStyle>
           <a:p>
             <a:pPr algn="ctr" eaLnBrk="1" latinLnBrk="0" hangingPunct="1"/>
-            <a:endParaRPr kumimoji="0" lang="en-US"/>
+            <a:endParaRPr kumimoji="0" lang="en-US" dirty="0"/>
           </a:p>
         </p:txBody>
       </p:sp>
@@ -875,9 +1465,9 @@
             <a:fld id="{5FABFC92-4644-45C7-8B88-DDEEC91723C1}" type="datetimeFigureOut">
               <a:rPr lang="it-IT" smtClean="0"/>
               <a:pPr/>
-              <a:t>11/12/2008</a:t>
+              <a:t>15/12/2008</a:t>
             </a:fld>
-            <a:endParaRPr lang="it-IT"/>
+            <a:endParaRPr lang="it-IT" dirty="0"/>
           </a:p>
         </p:txBody>
       </p:sp>
@@ -901,7 +1491,7 @@
           <a:bodyPr/>
           <a:lstStyle/>
           <a:p>
-            <a:endParaRPr lang="it-IT"/>
+            <a:endParaRPr lang="it-IT" dirty="0"/>
           </a:p>
         </p:txBody>
       </p:sp>
@@ -925,7 +1515,7 @@
               <a:pPr/>
               <a:t>‹N›</a:t>
             </a:fld>
-            <a:endParaRPr lang="it-IT"/>
+            <a:endParaRPr lang="it-IT" dirty="0"/>
           </a:p>
         </p:txBody>
       </p:sp>
@@ -1056,9 +1646,9 @@
             <a:fld id="{5FABFC92-4644-45C7-8B88-DDEEC91723C1}" type="datetimeFigureOut">
               <a:rPr lang="it-IT" smtClean="0"/>
               <a:pPr/>
-              <a:t>11/12/2008</a:t>
+              <a:t>15/12/2008</a:t>
             </a:fld>
-            <a:endParaRPr lang="it-IT"/>
+            <a:endParaRPr lang="it-IT" dirty="0"/>
           </a:p>
         </p:txBody>
       </p:sp>
@@ -1077,7 +1667,7 @@
           <a:bodyPr/>
           <a:lstStyle/>
           <a:p>
-            <a:endParaRPr lang="it-IT"/>
+            <a:endParaRPr lang="it-IT" dirty="0"/>
           </a:p>
         </p:txBody>
       </p:sp>
@@ -1101,7 +1691,7 @@
               <a:pPr/>
               <a:t>‹N›</a:t>
             </a:fld>
-            <a:endParaRPr lang="it-IT"/>
+            <a:endParaRPr lang="it-IT" dirty="0"/>
           </a:p>
         </p:txBody>
       </p:sp>
@@ -1178,7 +1768,7 @@
           </a:lstStyle>
           <a:p>
             <a:pPr algn="ctr" eaLnBrk="1" latinLnBrk="0" hangingPunct="1"/>
-            <a:endParaRPr kumimoji="0" lang="en-US"/>
+            <a:endParaRPr kumimoji="0" lang="en-US" dirty="0"/>
           </a:p>
         </p:txBody>
       </p:sp>
@@ -1232,7 +1822,7 @@
           </a:lstStyle>
           <a:p>
             <a:pPr algn="ctr" eaLnBrk="1" latinLnBrk="0" hangingPunct="1"/>
-            <a:endParaRPr kumimoji="0" lang="en-US"/>
+            <a:endParaRPr kumimoji="0" lang="en-US" dirty="0"/>
           </a:p>
         </p:txBody>
       </p:sp>
@@ -1416,9 +2006,9 @@
             <a:fld id="{5FABFC92-4644-45C7-8B88-DDEEC91723C1}" type="datetimeFigureOut">
               <a:rPr lang="it-IT" smtClean="0"/>
               <a:pPr/>
-              <a:t>11/12/2008</a:t>
+              <a:t>15/12/2008</a:t>
             </a:fld>
-            <a:endParaRPr lang="it-IT"/>
+            <a:endParaRPr lang="it-IT" dirty="0"/>
           </a:p>
         </p:txBody>
       </p:sp>
@@ -1437,7 +2027,7 @@
           <a:bodyPr/>
           <a:lstStyle/>
           <a:p>
-            <a:endParaRPr lang="it-IT"/>
+            <a:endParaRPr lang="it-IT" dirty="0"/>
           </a:p>
         </p:txBody>
       </p:sp>
@@ -1461,7 +2051,7 @@
               <a:pPr/>
               <a:t>‹N›</a:t>
             </a:fld>
-            <a:endParaRPr lang="it-IT"/>
+            <a:endParaRPr lang="it-IT" dirty="0"/>
           </a:p>
         </p:txBody>
       </p:sp>
@@ -1705,9 +2295,9 @@
             <a:fld id="{5FABFC92-4644-45C7-8B88-DDEEC91723C1}" type="datetimeFigureOut">
               <a:rPr lang="it-IT" smtClean="0"/>
               <a:pPr/>
-              <a:t>11/12/2008</a:t>
+              <a:t>15/12/2008</a:t>
             </a:fld>
-            <a:endParaRPr lang="it-IT"/>
+            <a:endParaRPr lang="it-IT" dirty="0"/>
           </a:p>
         </p:txBody>
       </p:sp>
@@ -1726,7 +2316,7 @@
           <a:bodyPr/>
           <a:lstStyle/>
           <a:p>
-            <a:endParaRPr lang="it-IT"/>
+            <a:endParaRPr lang="it-IT" dirty="0"/>
           </a:p>
         </p:txBody>
       </p:sp>
@@ -1750,7 +2340,7 @@
               <a:pPr/>
               <a:t>‹N›</a:t>
             </a:fld>
-            <a:endParaRPr lang="it-IT"/>
+            <a:endParaRPr lang="it-IT" dirty="0"/>
           </a:p>
         </p:txBody>
       </p:sp>
@@ -2129,9 +2719,9 @@
             <a:fld id="{5FABFC92-4644-45C7-8B88-DDEEC91723C1}" type="datetimeFigureOut">
               <a:rPr lang="it-IT" smtClean="0"/>
               <a:pPr/>
-              <a:t>11/12/2008</a:t>
+              <a:t>15/12/2008</a:t>
             </a:fld>
-            <a:endParaRPr lang="it-IT"/>
+            <a:endParaRPr lang="it-IT" dirty="0"/>
           </a:p>
         </p:txBody>
       </p:sp>
@@ -2150,7 +2740,7 @@
           <a:bodyPr/>
           <a:lstStyle/>
           <a:p>
-            <a:endParaRPr lang="it-IT"/>
+            <a:endParaRPr lang="it-IT" dirty="0"/>
           </a:p>
         </p:txBody>
       </p:sp>
@@ -2174,7 +2764,7 @@
               <a:pPr/>
               <a:t>‹N›</a:t>
             </a:fld>
-            <a:endParaRPr lang="it-IT"/>
+            <a:endParaRPr lang="it-IT" dirty="0"/>
           </a:p>
         </p:txBody>
       </p:sp>
@@ -2246,9 +2836,9 @@
             <a:fld id="{5FABFC92-4644-45C7-8B88-DDEEC91723C1}" type="datetimeFigureOut">
               <a:rPr lang="it-IT" smtClean="0"/>
               <a:pPr/>
-              <a:t>11/12/2008</a:t>
+              <a:t>15/12/2008</a:t>
             </a:fld>
-            <a:endParaRPr lang="it-IT"/>
+            <a:endParaRPr lang="it-IT" dirty="0"/>
           </a:p>
         </p:txBody>
       </p:sp>
@@ -2267,7 +2857,7 @@
           <a:bodyPr/>
           <a:lstStyle/>
           <a:p>
-            <a:endParaRPr lang="it-IT"/>
+            <a:endParaRPr lang="it-IT" dirty="0"/>
           </a:p>
         </p:txBody>
       </p:sp>
@@ -2291,7 +2881,7 @@
               <a:pPr/>
               <a:t>‹N›</a:t>
             </a:fld>
-            <a:endParaRPr lang="it-IT"/>
+            <a:endParaRPr lang="it-IT" dirty="0"/>
           </a:p>
         </p:txBody>
       </p:sp>
@@ -2338,9 +2928,9 @@
             <a:fld id="{5FABFC92-4644-45C7-8B88-DDEEC91723C1}" type="datetimeFigureOut">
               <a:rPr lang="it-IT" smtClean="0"/>
               <a:pPr/>
-              <a:t>11/12/2008</a:t>
+              <a:t>15/12/2008</a:t>
             </a:fld>
-            <a:endParaRPr lang="it-IT"/>
+            <a:endParaRPr lang="it-IT" dirty="0"/>
           </a:p>
         </p:txBody>
       </p:sp>
@@ -2359,7 +2949,7 @@
           <a:bodyPr/>
           <a:lstStyle/>
           <a:p>
-            <a:endParaRPr lang="it-IT"/>
+            <a:endParaRPr lang="it-IT" dirty="0"/>
           </a:p>
         </p:txBody>
       </p:sp>
@@ -2383,7 +2973,7 @@
               <a:pPr/>
               <a:t>‹N›</a:t>
             </a:fld>
-            <a:endParaRPr lang="it-IT"/>
+            <a:endParaRPr lang="it-IT" dirty="0"/>
           </a:p>
         </p:txBody>
       </p:sp>
@@ -2618,9 +3208,9 @@
             <a:fld id="{5FABFC92-4644-45C7-8B88-DDEEC91723C1}" type="datetimeFigureOut">
               <a:rPr lang="it-IT" smtClean="0"/>
               <a:pPr/>
-              <a:t>11/12/2008</a:t>
+              <a:t>15/12/2008</a:t>
             </a:fld>
-            <a:endParaRPr lang="it-IT"/>
+            <a:endParaRPr lang="it-IT" dirty="0"/>
           </a:p>
         </p:txBody>
       </p:sp>
@@ -2639,7 +3229,7 @@
           <a:bodyPr/>
           <a:lstStyle/>
           <a:p>
-            <a:endParaRPr lang="it-IT"/>
+            <a:endParaRPr lang="it-IT" dirty="0"/>
           </a:p>
         </p:txBody>
       </p:sp>
@@ -2663,7 +3253,7 @@
               <a:pPr/>
               <a:t>‹N›</a:t>
             </a:fld>
-            <a:endParaRPr lang="it-IT"/>
+            <a:endParaRPr lang="it-IT" dirty="0"/>
           </a:p>
         </p:txBody>
       </p:sp>
@@ -2710,7 +3300,7 @@
           </a:lstStyle>
           <a:p>
             <a:pPr algn="ctr" eaLnBrk="1" latinLnBrk="0" hangingPunct="1"/>
-            <a:endParaRPr kumimoji="0" lang="en-US"/>
+            <a:endParaRPr kumimoji="0" lang="en-US" dirty="0"/>
           </a:p>
         </p:txBody>
       </p:sp>
@@ -2757,7 +3347,7 @@
           </a:lstStyle>
           <a:p>
             <a:pPr algn="ctr" eaLnBrk="1" latinLnBrk="0" hangingPunct="1"/>
-            <a:endParaRPr kumimoji="0" lang="en-US"/>
+            <a:endParaRPr kumimoji="0" lang="en-US" dirty="0"/>
           </a:p>
         </p:txBody>
       </p:sp>
@@ -2890,7 +3480,7 @@
           </a:lstStyle>
           <a:p>
             <a:r>
-              <a:rPr kumimoji="0" lang="it-IT" smtClean="0"/>
+              <a:rPr kumimoji="0" lang="it-IT" dirty="0" smtClean="0"/>
               <a:t>Fare clic sull'icona per inserire un'immagine</a:t>
             </a:r>
             <a:endParaRPr kumimoji="0" lang="en-US" dirty="0"/>
@@ -2986,9 +3576,9 @@
             <a:fld id="{5FABFC92-4644-45C7-8B88-DDEEC91723C1}" type="datetimeFigureOut">
               <a:rPr lang="it-IT" smtClean="0"/>
               <a:pPr/>
-              <a:t>11/12/2008</a:t>
+              <a:t>15/12/2008</a:t>
             </a:fld>
-            <a:endParaRPr lang="it-IT"/>
+            <a:endParaRPr lang="it-IT" dirty="0"/>
           </a:p>
         </p:txBody>
       </p:sp>
@@ -3035,7 +3625,7 @@
           </a:lstStyle>
           <a:p>
             <a:pPr algn="ctr" eaLnBrk="1" latinLnBrk="0" hangingPunct="1"/>
-            <a:endParaRPr kumimoji="0" lang="en-US"/>
+            <a:endParaRPr kumimoji="0" lang="en-US" dirty="0"/>
           </a:p>
         </p:txBody>
       </p:sp>
@@ -3082,7 +3672,7 @@
           </a:lstStyle>
           <a:p>
             <a:pPr algn="ctr" eaLnBrk="1" latinLnBrk="0" hangingPunct="1"/>
-            <a:endParaRPr kumimoji="0" lang="en-US"/>
+            <a:endParaRPr kumimoji="0" lang="en-US" dirty="0"/>
           </a:p>
         </p:txBody>
       </p:sp>
@@ -3116,7 +3706,7 @@
             </a:lvl1pPr>
           </a:lstStyle>
           <a:p>
-            <a:endParaRPr lang="it-IT"/>
+            <a:endParaRPr lang="it-IT" dirty="0"/>
           </a:p>
         </p:txBody>
       </p:sp>
@@ -3145,7 +3735,7 @@
               <a:pPr/>
               <a:t>‹N›</a:t>
             </a:fld>
-            <a:endParaRPr lang="it-IT"/>
+            <a:endParaRPr lang="it-IT" dirty="0"/>
           </a:p>
         </p:txBody>
       </p:sp>
@@ -3229,7 +3819,7 @@
           </a:lstStyle>
           <a:p>
             <a:pPr algn="ctr" eaLnBrk="1" latinLnBrk="0" hangingPunct="1"/>
-            <a:endParaRPr kumimoji="0" lang="en-US"/>
+            <a:endParaRPr kumimoji="0" lang="en-US" dirty="0"/>
           </a:p>
         </p:txBody>
       </p:sp>
@@ -3276,7 +3866,7 @@
           </a:lstStyle>
           <a:p>
             <a:pPr algn="ctr" eaLnBrk="1" latinLnBrk="0" hangingPunct="1"/>
-            <a:endParaRPr kumimoji="0" lang="en-US"/>
+            <a:endParaRPr kumimoji="0" lang="en-US" dirty="0"/>
           </a:p>
         </p:txBody>
       </p:sp>
@@ -3425,9 +4015,9 @@
             <a:fld id="{5FABFC92-4644-45C7-8B88-DDEEC91723C1}" type="datetimeFigureOut">
               <a:rPr lang="it-IT" smtClean="0"/>
               <a:pPr/>
-              <a:t>11/12/2008</a:t>
+              <a:t>15/12/2008</a:t>
             </a:fld>
-            <a:endParaRPr lang="it-IT"/>
+            <a:endParaRPr lang="it-IT" dirty="0"/>
           </a:p>
         </p:txBody>
       </p:sp>
@@ -3465,7 +4055,7 @@
             <a:extLst/>
           </a:lstStyle>
           <a:p>
-            <a:endParaRPr lang="it-IT"/>
+            <a:endParaRPr lang="it-IT" dirty="0"/>
           </a:p>
         </p:txBody>
       </p:sp>
@@ -3508,7 +4098,7 @@
               <a:pPr/>
               <a:t>‹N›</a:t>
             </a:fld>
-            <a:endParaRPr lang="it-IT"/>
+            <a:endParaRPr lang="it-IT" dirty="0"/>
           </a:p>
         </p:txBody>
       </p:sp>
@@ -4155,14 +4745,14 @@
           <a:lstStyle/>
           <a:p>
             <a:r>
-              <a:rPr lang="it-IT" dirty="0" err="1" smtClean="0">
+              <a:rPr lang="en-US" dirty="0" smtClean="0">
                 <a:solidFill>
                   <a:srgbClr val="FFC000"/>
                 </a:solidFill>
               </a:rPr>
-              <a:t>Summary</a:t>
-            </a:r>
-            <a:endParaRPr lang="it-IT" dirty="0">
+              <a:t>Functional View</a:t>
+            </a:r>
+            <a:endParaRPr lang="en-US" dirty="0">
               <a:solidFill>
                 <a:srgbClr val="FFC000"/>
               </a:solidFill>
@@ -4205,29 +4795,907 @@
           <a:noFill/>
         </p:spPr>
       </p:pic>
-      <p:sp>
-        <p:nvSpPr>
-          <p:cNvPr id="6" name="Segnaposto contenuto 5"/>
-          <p:cNvSpPr>
-            <a:spLocks noGrp="1"/>
-          </p:cNvSpPr>
-          <p:nvPr>
-            <p:ph idx="1"/>
-          </p:nvPr>
+      <p:pic>
+        <p:nvPicPr>
+          <p:cNvPr id="5" name="Picture 3"/>
+          <p:cNvPicPr>
+            <a:picLocks noChangeAspect="1" noChangeArrowheads="1"/>
+          </p:cNvPicPr>
+          <p:nvPr/>
+        </p:nvPicPr>
+        <p:blipFill>
+          <a:blip r:embed="rId3" cstate="print"/>
+          <a:srcRect l="5649" t="9071" r="9609" b="6380"/>
+          <a:stretch>
+            <a:fillRect/>
+          </a:stretch>
+        </p:blipFill>
+        <p:spPr bwMode="auto">
+          <a:xfrm>
+            <a:off x="6387412" y="3845486"/>
+            <a:ext cx="1071570" cy="785818"/>
+          </a:xfrm>
+          <a:prstGeom prst="rect">
+            <a:avLst/>
+          </a:prstGeom>
+          <a:noFill/>
+          <a:ln w="9525">
+            <a:noFill/>
+            <a:miter lim="800000"/>
+            <a:headEnd/>
+            <a:tailEnd/>
+          </a:ln>
+          <a:effectLst/>
+        </p:spPr>
+      </p:pic>
+      <p:pic>
+        <p:nvPicPr>
+          <p:cNvPr id="7" name="Picture 5"/>
+          <p:cNvPicPr>
+            <a:picLocks noChangeAspect="1" noChangeArrowheads="1"/>
+          </p:cNvPicPr>
+          <p:nvPr/>
+        </p:nvPicPr>
+        <p:blipFill>
+          <a:blip r:embed="rId4"/>
+          <a:srcRect t="7462" b="-1452"/>
+          <a:stretch>
+            <a:fillRect/>
+          </a:stretch>
+        </p:blipFill>
+        <p:spPr bwMode="auto">
+          <a:xfrm>
+            <a:off x="1743942" y="3774048"/>
+            <a:ext cx="643123" cy="785818"/>
+          </a:xfrm>
+          <a:prstGeom prst="rect">
+            <a:avLst/>
+          </a:prstGeom>
+          <a:noFill/>
+          <a:ln w="9525">
+            <a:noFill/>
+            <a:miter lim="800000"/>
+            <a:headEnd/>
+            <a:tailEnd/>
+          </a:ln>
+          <a:effectLst/>
+        </p:spPr>
+      </p:pic>
+      <p:pic>
+        <p:nvPicPr>
+          <p:cNvPr id="8" name="Picture 8" descr="C:\Users\error0\Desktop\gear_140.png"/>
+          <p:cNvPicPr>
+            <a:picLocks noChangeAspect="1" noChangeArrowheads="1"/>
+          </p:cNvPicPr>
+          <p:nvPr/>
+        </p:nvPicPr>
+        <p:blipFill>
+          <a:blip r:embed="rId5"/>
+          <a:srcRect/>
+          <a:stretch>
+            <a:fillRect/>
+          </a:stretch>
+        </p:blipFill>
+        <p:spPr bwMode="auto">
+          <a:xfrm>
+            <a:off x="3943560" y="3604070"/>
+            <a:ext cx="1157968" cy="1157968"/>
+          </a:xfrm>
+          <a:prstGeom prst="rect">
+            <a:avLst/>
+          </a:prstGeom>
+          <a:ln>
+            <a:noFill/>
+          </a:ln>
+          <a:effectLst>
+            <a:outerShdw blurRad="292100" dist="139700" dir="2700000" algn="tl" rotWithShape="0">
+              <a:srgbClr val="333333">
+                <a:alpha val="65000"/>
+              </a:srgbClr>
+            </a:outerShdw>
+          </a:effectLst>
+        </p:spPr>
+      </p:pic>
+      <p:sp>
+        <p:nvSpPr>
+          <p:cNvPr id="9" name="Freccia a destra 8"/>
+          <p:cNvSpPr/>
+          <p:nvPr/>
         </p:nvSpPr>
         <p:spPr>
           <a:xfrm>
-            <a:off x="457200" y="1775191"/>
-            <a:ext cx="8043890" cy="4625609"/>
+            <a:off x="2672636" y="4119096"/>
+            <a:ext cx="1214446" cy="128698"/>
           </a:xfrm>
+          <a:prstGeom prst="rightArrow">
+            <a:avLst/>
+          </a:prstGeom>
         </p:spPr>
-        <p:txBody>
-          <a:bodyPr>
-            <a:normAutofit/>
+        <p:style>
+          <a:lnRef idx="1">
+            <a:schemeClr val="accent1"/>
+          </a:lnRef>
+          <a:fillRef idx="3">
+            <a:schemeClr val="accent1"/>
+          </a:fillRef>
+          <a:effectRef idx="2">
+            <a:schemeClr val="accent1"/>
+          </a:effectRef>
+          <a:fontRef idx="minor">
+            <a:schemeClr val="lt1"/>
+          </a:fontRef>
+        </p:style>
+        <p:txBody>
+          <a:bodyPr rtlCol="0" anchor="ctr"/>
+          <a:lstStyle/>
+          <a:p>
+            <a:pPr algn="ctr"/>
+            <a:endParaRPr lang="it-IT"/>
+          </a:p>
+        </p:txBody>
+      </p:sp>
+      <p:sp>
+        <p:nvSpPr>
+          <p:cNvPr id="10" name="Freccia a destra 9"/>
+          <p:cNvSpPr/>
+          <p:nvPr/>
+        </p:nvSpPr>
+        <p:spPr>
+          <a:xfrm>
+            <a:off x="5130104" y="4119096"/>
+            <a:ext cx="1185870" cy="128698"/>
+          </a:xfrm>
+          <a:prstGeom prst="rightArrow">
+            <a:avLst/>
+          </a:prstGeom>
+        </p:spPr>
+        <p:style>
+          <a:lnRef idx="1">
+            <a:schemeClr val="accent1"/>
+          </a:lnRef>
+          <a:fillRef idx="3">
+            <a:schemeClr val="accent1"/>
+          </a:fillRef>
+          <a:effectRef idx="2">
+            <a:schemeClr val="accent1"/>
+          </a:effectRef>
+          <a:fontRef idx="minor">
+            <a:schemeClr val="lt1"/>
+          </a:fontRef>
+        </p:style>
+        <p:txBody>
+          <a:bodyPr rtlCol="0" anchor="ctr"/>
+          <a:lstStyle/>
+          <a:p>
+            <a:pPr algn="ctr"/>
+            <a:endParaRPr lang="it-IT"/>
+          </a:p>
+        </p:txBody>
+      </p:sp>
+      <p:sp>
+        <p:nvSpPr>
+          <p:cNvPr id="11" name="CasellaDiTesto 10"/>
+          <p:cNvSpPr txBox="1"/>
+          <p:nvPr/>
+        </p:nvSpPr>
+        <p:spPr>
+          <a:xfrm>
+            <a:off x="714348" y="4535582"/>
+            <a:ext cx="2922595" cy="461665"/>
+          </a:xfrm>
+          <a:prstGeom prst="rect">
+            <a:avLst/>
+          </a:prstGeom>
+          <a:noFill/>
+        </p:spPr>
+        <p:txBody>
+          <a:bodyPr wrap="none" rtlCol="0">
+            <a:spAutoFit/>
           </a:bodyPr>
           <a:lstStyle/>
           <a:p>
-            <a:endParaRPr lang="it-IT" dirty="0"/>
+            <a:r>
+              <a:rPr lang="en-US" sz="2400" smtClean="0"/>
+              <a:t>bench-properties.xml</a:t>
+            </a:r>
+            <a:endParaRPr lang="en-US" sz="2400"/>
+          </a:p>
+        </p:txBody>
+      </p:sp>
+      <p:sp>
+        <p:nvSpPr>
+          <p:cNvPr id="12" name="CasellaDiTesto 11"/>
+          <p:cNvSpPr txBox="1"/>
+          <p:nvPr/>
+        </p:nvSpPr>
+        <p:spPr>
+          <a:xfrm>
+            <a:off x="6000760" y="4680792"/>
+            <a:ext cx="2185116" cy="461665"/>
+          </a:xfrm>
+          <a:prstGeom prst="rect">
+            <a:avLst/>
+          </a:prstGeom>
+          <a:noFill/>
+        </p:spPr>
+        <p:txBody>
+          <a:bodyPr wrap="square" rtlCol="0">
+            <a:spAutoFit/>
+          </a:bodyPr>
+          <a:lstStyle/>
+          <a:p>
+            <a:r>
+              <a:rPr lang="en-US" sz="2400" smtClean="0"/>
+              <a:t>benchmark.pdf</a:t>
+            </a:r>
+            <a:endParaRPr lang="en-US" sz="2400"/>
+          </a:p>
+        </p:txBody>
+      </p:sp>
+      <p:pic>
+        <p:nvPicPr>
+          <p:cNvPr id="13" name="Picture 2"/>
+          <p:cNvPicPr>
+            <a:picLocks noChangeAspect="1" noChangeArrowheads="1"/>
+          </p:cNvPicPr>
+          <p:nvPr/>
+        </p:nvPicPr>
+        <p:blipFill>
+          <a:blip r:embed="rId6" cstate="print"/>
+          <a:srcRect/>
+          <a:stretch>
+            <a:fillRect/>
+          </a:stretch>
+        </p:blipFill>
+        <p:spPr bwMode="auto">
+          <a:xfrm>
+            <a:off x="6101660" y="2890533"/>
+            <a:ext cx="652717" cy="457518"/>
+          </a:xfrm>
+          <a:prstGeom prst="rect">
+            <a:avLst/>
+          </a:prstGeom>
+          <a:ln>
+            <a:noFill/>
+          </a:ln>
+          <a:effectLst>
+            <a:outerShdw blurRad="292100" dist="139700" dir="2700000" algn="tl" rotWithShape="0">
+              <a:srgbClr val="333333">
+                <a:alpha val="65000"/>
+              </a:srgbClr>
+            </a:outerShdw>
+          </a:effectLst>
+        </p:spPr>
+      </p:pic>
+      <p:pic>
+        <p:nvPicPr>
+          <p:cNvPr id="14" name="Picture 2"/>
+          <p:cNvPicPr>
+            <a:picLocks noChangeAspect="1" noChangeArrowheads="1"/>
+          </p:cNvPicPr>
+          <p:nvPr/>
+        </p:nvPicPr>
+        <p:blipFill>
+          <a:blip r:embed="rId7" cstate="print"/>
+          <a:srcRect/>
+          <a:stretch>
+            <a:fillRect/>
+          </a:stretch>
+        </p:blipFill>
+        <p:spPr bwMode="auto">
+          <a:xfrm>
+            <a:off x="6598982" y="2747657"/>
+            <a:ext cx="680500" cy="457530"/>
+          </a:xfrm>
+          <a:prstGeom prst="rect">
+            <a:avLst/>
+          </a:prstGeom>
+          <a:ln>
+            <a:noFill/>
+          </a:ln>
+          <a:effectLst>
+            <a:outerShdw blurRad="292100" dist="139700" dir="2700000" algn="tl" rotWithShape="0">
+              <a:srgbClr val="333333">
+                <a:alpha val="65000"/>
+              </a:srgbClr>
+            </a:outerShdw>
+          </a:effectLst>
+        </p:spPr>
+      </p:pic>
+      <p:pic>
+        <p:nvPicPr>
+          <p:cNvPr id="15" name="Picture 2"/>
+          <p:cNvPicPr>
+            <a:picLocks noChangeAspect="1" noChangeArrowheads="1"/>
+          </p:cNvPicPr>
+          <p:nvPr/>
+        </p:nvPicPr>
+        <p:blipFill>
+          <a:blip r:embed="rId8" cstate="print"/>
+          <a:srcRect/>
+          <a:stretch>
+            <a:fillRect/>
+          </a:stretch>
+        </p:blipFill>
+        <p:spPr bwMode="auto">
+          <a:xfrm>
+            <a:off x="7122663" y="2604781"/>
+            <a:ext cx="652515" cy="457530"/>
+          </a:xfrm>
+          <a:prstGeom prst="rect">
+            <a:avLst/>
+          </a:prstGeom>
+          <a:ln>
+            <a:noFill/>
+          </a:ln>
+          <a:effectLst>
+            <a:outerShdw blurRad="292100" dist="139700" dir="2700000" algn="tl" rotWithShape="0">
+              <a:srgbClr val="333333">
+                <a:alpha val="65000"/>
+              </a:srgbClr>
+            </a:outerShdw>
+          </a:effectLst>
+        </p:spPr>
+      </p:pic>
+      <p:sp>
+        <p:nvSpPr>
+          <p:cNvPr id="17" name="Disco magnetico 16"/>
+          <p:cNvSpPr/>
+          <p:nvPr/>
+        </p:nvSpPr>
+        <p:spPr>
+          <a:xfrm>
+            <a:off x="3744206" y="5429264"/>
+            <a:ext cx="428628" cy="428856"/>
+          </a:xfrm>
+          <a:prstGeom prst="flowChartMagneticDisk">
+            <a:avLst/>
+          </a:prstGeom>
+          <a:ln w="50800"/>
+          <a:effectLst>
+            <a:outerShdw blurRad="50800" dist="38100" dir="2700000" algn="tl" rotWithShape="0">
+              <a:prstClr val="black">
+                <a:alpha val="40000"/>
+              </a:prstClr>
+            </a:outerShdw>
+          </a:effectLst>
+          <a:scene3d>
+            <a:camera prst="orthographicFront"/>
+            <a:lightRig rig="threePt" dir="t"/>
+          </a:scene3d>
+          <a:sp3d>
+            <a:bevelT w="0"/>
+          </a:sp3d>
+        </p:spPr>
+        <p:style>
+          <a:lnRef idx="2">
+            <a:schemeClr val="accent1">
+              <a:shade val="50000"/>
+            </a:schemeClr>
+          </a:lnRef>
+          <a:fillRef idx="1">
+            <a:schemeClr val="accent1"/>
+          </a:fillRef>
+          <a:effectRef idx="0">
+            <a:schemeClr val="accent1"/>
+          </a:effectRef>
+          <a:fontRef idx="minor">
+            <a:schemeClr val="lt1"/>
+          </a:fontRef>
+        </p:style>
+        <p:txBody>
+          <a:bodyPr rtlCol="0" anchor="ctr"/>
+          <a:lstStyle/>
+          <a:p>
+            <a:pPr algn="ctr"/>
+            <a:endParaRPr lang="it-IT"/>
+          </a:p>
+        </p:txBody>
+      </p:sp>
+      <p:sp>
+        <p:nvSpPr>
+          <p:cNvPr id="18" name="Disco magnetico 17"/>
+          <p:cNvSpPr/>
+          <p:nvPr/>
+        </p:nvSpPr>
+        <p:spPr>
+          <a:xfrm>
+            <a:off x="4101396" y="5500702"/>
+            <a:ext cx="428628" cy="428856"/>
+          </a:xfrm>
+          <a:prstGeom prst="flowChartMagneticDisk">
+            <a:avLst/>
+          </a:prstGeom>
+          <a:ln w="50800"/>
+          <a:effectLst>
+            <a:outerShdw blurRad="50800" dist="38100" dir="2700000" algn="tl" rotWithShape="0">
+              <a:prstClr val="black">
+                <a:alpha val="40000"/>
+              </a:prstClr>
+            </a:outerShdw>
+          </a:effectLst>
+          <a:scene3d>
+            <a:camera prst="orthographicFront"/>
+            <a:lightRig rig="threePt" dir="t"/>
+          </a:scene3d>
+          <a:sp3d>
+            <a:bevelT w="0"/>
+          </a:sp3d>
+        </p:spPr>
+        <p:style>
+          <a:lnRef idx="2">
+            <a:schemeClr val="accent1">
+              <a:shade val="50000"/>
+            </a:schemeClr>
+          </a:lnRef>
+          <a:fillRef idx="1">
+            <a:schemeClr val="accent1"/>
+          </a:fillRef>
+          <a:effectRef idx="0">
+            <a:schemeClr val="accent1"/>
+          </a:effectRef>
+          <a:fontRef idx="minor">
+            <a:schemeClr val="lt1"/>
+          </a:fontRef>
+        </p:style>
+        <p:txBody>
+          <a:bodyPr rtlCol="0" anchor="ctr"/>
+          <a:lstStyle/>
+          <a:p>
+            <a:pPr algn="ctr"/>
+            <a:endParaRPr lang="it-IT"/>
+          </a:p>
+        </p:txBody>
+      </p:sp>
+      <p:sp>
+        <p:nvSpPr>
+          <p:cNvPr id="19" name="Disco magnetico 18"/>
+          <p:cNvSpPr/>
+          <p:nvPr/>
+        </p:nvSpPr>
+        <p:spPr>
+          <a:xfrm>
+            <a:off x="4458586" y="5571913"/>
+            <a:ext cx="428628" cy="428856"/>
+          </a:xfrm>
+          <a:prstGeom prst="flowChartMagneticDisk">
+            <a:avLst/>
+          </a:prstGeom>
+          <a:ln w="50800"/>
+          <a:effectLst>
+            <a:outerShdw blurRad="50800" dist="38100" dir="2700000" algn="tl" rotWithShape="0">
+              <a:prstClr val="black">
+                <a:alpha val="40000"/>
+              </a:prstClr>
+            </a:outerShdw>
+          </a:effectLst>
+          <a:scene3d>
+            <a:camera prst="orthographicFront"/>
+            <a:lightRig rig="threePt" dir="t"/>
+          </a:scene3d>
+          <a:sp3d>
+            <a:bevelT w="0"/>
+          </a:sp3d>
+        </p:spPr>
+        <p:style>
+          <a:lnRef idx="2">
+            <a:schemeClr val="accent1">
+              <a:shade val="50000"/>
+            </a:schemeClr>
+          </a:lnRef>
+          <a:fillRef idx="1">
+            <a:schemeClr val="accent1"/>
+          </a:fillRef>
+          <a:effectRef idx="0">
+            <a:schemeClr val="accent1"/>
+          </a:effectRef>
+          <a:fontRef idx="minor">
+            <a:schemeClr val="lt1"/>
+          </a:fontRef>
+        </p:style>
+        <p:txBody>
+          <a:bodyPr rtlCol="0" anchor="ctr"/>
+          <a:lstStyle/>
+          <a:p>
+            <a:pPr algn="ctr"/>
+            <a:endParaRPr lang="it-IT"/>
+          </a:p>
+        </p:txBody>
+      </p:sp>
+      <p:sp>
+        <p:nvSpPr>
+          <p:cNvPr id="20" name="Disco magnetico 19"/>
+          <p:cNvSpPr/>
+          <p:nvPr/>
+        </p:nvSpPr>
+        <p:spPr>
+          <a:xfrm>
+            <a:off x="4815776" y="5643578"/>
+            <a:ext cx="428628" cy="428856"/>
+          </a:xfrm>
+          <a:prstGeom prst="flowChartMagneticDisk">
+            <a:avLst/>
+          </a:prstGeom>
+          <a:ln w="50800"/>
+          <a:effectLst>
+            <a:outerShdw blurRad="50800" dist="38100" dir="2700000" algn="tl" rotWithShape="0">
+              <a:prstClr val="black">
+                <a:alpha val="40000"/>
+              </a:prstClr>
+            </a:outerShdw>
+          </a:effectLst>
+          <a:scene3d>
+            <a:camera prst="orthographicFront"/>
+            <a:lightRig rig="threePt" dir="t"/>
+          </a:scene3d>
+          <a:sp3d>
+            <a:bevelT w="0"/>
+          </a:sp3d>
+        </p:spPr>
+        <p:style>
+          <a:lnRef idx="2">
+            <a:schemeClr val="accent1">
+              <a:shade val="50000"/>
+            </a:schemeClr>
+          </a:lnRef>
+          <a:fillRef idx="1">
+            <a:schemeClr val="accent1"/>
+          </a:fillRef>
+          <a:effectRef idx="0">
+            <a:schemeClr val="accent1"/>
+          </a:effectRef>
+          <a:fontRef idx="minor">
+            <a:schemeClr val="lt1"/>
+          </a:fontRef>
+        </p:style>
+        <p:txBody>
+          <a:bodyPr rtlCol="0" anchor="ctr"/>
+          <a:lstStyle/>
+          <a:p>
+            <a:pPr algn="ctr"/>
+            <a:endParaRPr lang="it-IT"/>
+          </a:p>
+        </p:txBody>
+      </p:sp>
+      <p:sp>
+        <p:nvSpPr>
+          <p:cNvPr id="23" name="CasellaDiTesto 22"/>
+          <p:cNvSpPr txBox="1"/>
+          <p:nvPr/>
+        </p:nvSpPr>
+        <p:spPr>
+          <a:xfrm>
+            <a:off x="3643306" y="6134891"/>
+            <a:ext cx="1685050" cy="461665"/>
+          </a:xfrm>
+          <a:prstGeom prst="rect">
+            <a:avLst/>
+          </a:prstGeom>
+          <a:noFill/>
+        </p:spPr>
+        <p:txBody>
+          <a:bodyPr wrap="square" rtlCol="0">
+            <a:spAutoFit/>
+          </a:bodyPr>
+          <a:lstStyle/>
+          <a:p>
+            <a:r>
+              <a:rPr lang="en-US" sz="2400" smtClean="0"/>
+              <a:t>databases</a:t>
+            </a:r>
+            <a:endParaRPr lang="en-US" sz="2400"/>
+          </a:p>
+        </p:txBody>
+      </p:sp>
+      <p:pic>
+        <p:nvPicPr>
+          <p:cNvPr id="24" name="Picture 2"/>
+          <p:cNvPicPr>
+            <a:picLocks noChangeAspect="1" noChangeArrowheads="1"/>
+          </p:cNvPicPr>
+          <p:nvPr/>
+        </p:nvPicPr>
+        <p:blipFill>
+          <a:blip r:embed="rId9"/>
+          <a:srcRect r="60360" b="16129"/>
+          <a:stretch>
+            <a:fillRect/>
+          </a:stretch>
+        </p:blipFill>
+        <p:spPr bwMode="auto">
+          <a:xfrm>
+            <a:off x="3794273" y="2004898"/>
+            <a:ext cx="664313" cy="781160"/>
+          </a:xfrm>
+          <a:prstGeom prst="rect">
+            <a:avLst/>
+          </a:prstGeom>
+          <a:ln>
+            <a:noFill/>
+          </a:ln>
+          <a:effectLst>
+            <a:outerShdw blurRad="292100" dist="139700" dir="2700000" algn="tl" rotWithShape="0">
+              <a:srgbClr val="333333">
+                <a:alpha val="65000"/>
+              </a:srgbClr>
+            </a:outerShdw>
+          </a:effectLst>
+        </p:spPr>
+      </p:pic>
+      <p:pic>
+        <p:nvPicPr>
+          <p:cNvPr id="26" name="Picture 2"/>
+          <p:cNvPicPr>
+            <a:picLocks noChangeAspect="1" noChangeArrowheads="1"/>
+          </p:cNvPicPr>
+          <p:nvPr/>
+        </p:nvPicPr>
+        <p:blipFill>
+          <a:blip r:embed="rId9"/>
+          <a:srcRect r="60360" b="16129"/>
+          <a:stretch>
+            <a:fillRect/>
+          </a:stretch>
+        </p:blipFill>
+        <p:spPr bwMode="auto">
+          <a:xfrm>
+            <a:off x="4222901" y="2076336"/>
+            <a:ext cx="664313" cy="781160"/>
+          </a:xfrm>
+          <a:prstGeom prst="rect">
+            <a:avLst/>
+          </a:prstGeom>
+          <a:ln>
+            <a:noFill/>
+          </a:ln>
+          <a:effectLst>
+            <a:outerShdw blurRad="292100" dist="139700" dir="2700000" algn="tl" rotWithShape="0">
+              <a:srgbClr val="333333">
+                <a:alpha val="65000"/>
+              </a:srgbClr>
+            </a:outerShdw>
+          </a:effectLst>
+        </p:spPr>
+      </p:pic>
+      <p:pic>
+        <p:nvPicPr>
+          <p:cNvPr id="27" name="Picture 2"/>
+          <p:cNvPicPr>
+            <a:picLocks noChangeAspect="1" noChangeArrowheads="1"/>
+          </p:cNvPicPr>
+          <p:nvPr/>
+        </p:nvPicPr>
+        <p:blipFill>
+          <a:blip r:embed="rId9"/>
+          <a:srcRect r="60360" b="16129"/>
+          <a:stretch>
+            <a:fillRect/>
+          </a:stretch>
+        </p:blipFill>
+        <p:spPr bwMode="auto">
+          <a:xfrm>
+            <a:off x="4651529" y="2147774"/>
+            <a:ext cx="664313" cy="781160"/>
+          </a:xfrm>
+          <a:prstGeom prst="rect">
+            <a:avLst/>
+          </a:prstGeom>
+          <a:ln>
+            <a:noFill/>
+          </a:ln>
+          <a:effectLst>
+            <a:outerShdw blurRad="292100" dist="139700" dir="2700000" algn="tl" rotWithShape="0">
+              <a:srgbClr val="333333">
+                <a:alpha val="65000"/>
+              </a:srgbClr>
+            </a:outerShdw>
+          </a:effectLst>
+        </p:spPr>
+      </p:pic>
+      <p:sp>
+        <p:nvSpPr>
+          <p:cNvPr id="29" name="CasellaDiTesto 28"/>
+          <p:cNvSpPr txBox="1"/>
+          <p:nvPr/>
+        </p:nvSpPr>
+        <p:spPr>
+          <a:xfrm>
+            <a:off x="4071934" y="1457678"/>
+            <a:ext cx="803425" cy="461665"/>
+          </a:xfrm>
+          <a:prstGeom prst="rect">
+            <a:avLst/>
+          </a:prstGeom>
+          <a:noFill/>
+        </p:spPr>
+        <p:txBody>
+          <a:bodyPr wrap="none" rtlCol="0">
+            <a:spAutoFit/>
+          </a:bodyPr>
+          <a:lstStyle/>
+          <a:p>
+            <a:r>
+              <a:rPr lang="en-US" sz="2400" smtClean="0"/>
+              <a:t>tests</a:t>
+            </a:r>
+            <a:endParaRPr lang="en-US" sz="2400" smtClean="0"/>
+          </a:p>
+        </p:txBody>
+      </p:sp>
+      <p:sp>
+        <p:nvSpPr>
+          <p:cNvPr id="30" name="CasellaDiTesto 29"/>
+          <p:cNvSpPr txBox="1"/>
+          <p:nvPr/>
+        </p:nvSpPr>
+        <p:spPr>
+          <a:xfrm>
+            <a:off x="6447464" y="2071678"/>
+            <a:ext cx="1053494" cy="461665"/>
+          </a:xfrm>
+          <a:prstGeom prst="rect">
+            <a:avLst/>
+          </a:prstGeom>
+          <a:noFill/>
+        </p:spPr>
+        <p:txBody>
+          <a:bodyPr wrap="none" rtlCol="0">
+            <a:spAutoFit/>
+          </a:bodyPr>
+          <a:lstStyle/>
+          <a:p>
+            <a:r>
+              <a:rPr lang="en-US" sz="2400" smtClean="0"/>
+              <a:t>graphs</a:t>
+            </a:r>
+            <a:endParaRPr lang="en-US" sz="2400" smtClean="0"/>
+          </a:p>
+        </p:txBody>
+      </p:sp>
+      <p:sp>
+        <p:nvSpPr>
+          <p:cNvPr id="34" name="Parentesi graffa aperta 33"/>
+          <p:cNvSpPr/>
+          <p:nvPr/>
+        </p:nvSpPr>
+        <p:spPr>
+          <a:xfrm rot="16200000">
+            <a:off x="4406347" y="2657529"/>
+            <a:ext cx="322876" cy="1294314"/>
+          </a:xfrm>
+          <a:prstGeom prst="leftBrace">
+            <a:avLst>
+              <a:gd name="adj1" fmla="val 31034"/>
+              <a:gd name="adj2" fmla="val 50000"/>
+            </a:avLst>
+          </a:prstGeom>
+          <a:ln w="38100"/>
+          <a:effectLst>
+            <a:outerShdw blurRad="50800" dist="38100" dir="2700000" algn="tl" rotWithShape="0">
+              <a:prstClr val="black">
+                <a:alpha val="40000"/>
+              </a:prstClr>
+            </a:outerShdw>
+          </a:effectLst>
+        </p:spPr>
+        <p:style>
+          <a:lnRef idx="1">
+            <a:schemeClr val="accent1"/>
+          </a:lnRef>
+          <a:fillRef idx="0">
+            <a:schemeClr val="accent1"/>
+          </a:fillRef>
+          <a:effectRef idx="0">
+            <a:schemeClr val="accent1"/>
+          </a:effectRef>
+          <a:fontRef idx="minor">
+            <a:schemeClr val="tx1"/>
+          </a:fontRef>
+        </p:style>
+        <p:txBody>
+          <a:bodyPr rtlCol="0" anchor="ctr"/>
+          <a:lstStyle/>
+          <a:p>
+            <a:pPr algn="ctr"/>
+            <a:endParaRPr lang="it-IT"/>
+          </a:p>
+        </p:txBody>
+      </p:sp>
+      <p:sp>
+        <p:nvSpPr>
+          <p:cNvPr id="35" name="Parentesi graffa aperta 34"/>
+          <p:cNvSpPr/>
+          <p:nvPr/>
+        </p:nvSpPr>
+        <p:spPr>
+          <a:xfrm rot="5400000">
+            <a:off x="4406347" y="4443479"/>
+            <a:ext cx="322876" cy="1294314"/>
+          </a:xfrm>
+          <a:prstGeom prst="leftBrace">
+            <a:avLst>
+              <a:gd name="adj1" fmla="val 31034"/>
+              <a:gd name="adj2" fmla="val 50000"/>
+            </a:avLst>
+          </a:prstGeom>
+          <a:ln w="38100"/>
+          <a:effectLst>
+            <a:outerShdw blurRad="50800" dist="38100" dir="2700000" algn="tl" rotWithShape="0">
+              <a:prstClr val="black">
+                <a:alpha val="40000"/>
+              </a:prstClr>
+            </a:outerShdw>
+          </a:effectLst>
+        </p:spPr>
+        <p:style>
+          <a:lnRef idx="1">
+            <a:schemeClr val="accent1"/>
+          </a:lnRef>
+          <a:fillRef idx="0">
+            <a:schemeClr val="accent1"/>
+          </a:fillRef>
+          <a:effectRef idx="0">
+            <a:schemeClr val="accent1"/>
+          </a:effectRef>
+          <a:fontRef idx="minor">
+            <a:schemeClr val="tx1"/>
+          </a:fontRef>
+        </p:style>
+        <p:txBody>
+          <a:bodyPr rtlCol="0" anchor="ctr"/>
+          <a:lstStyle/>
+          <a:p>
+            <a:pPr algn="ctr"/>
+            <a:endParaRPr lang="it-IT"/>
+          </a:p>
+        </p:txBody>
+      </p:sp>
+      <p:sp>
+        <p:nvSpPr>
+          <p:cNvPr id="36" name="Parentesi graffa aperta 35"/>
+          <p:cNvSpPr/>
+          <p:nvPr/>
+        </p:nvSpPr>
+        <p:spPr>
+          <a:xfrm rot="16200000">
+            <a:off x="6835239" y="2977595"/>
+            <a:ext cx="322876" cy="1294314"/>
+          </a:xfrm>
+          <a:prstGeom prst="leftBrace">
+            <a:avLst>
+              <a:gd name="adj1" fmla="val 31034"/>
+              <a:gd name="adj2" fmla="val 50000"/>
+            </a:avLst>
+          </a:prstGeom>
+          <a:ln w="38100"/>
+          <a:effectLst>
+            <a:outerShdw blurRad="50800" dist="38100" dir="2700000" algn="tl" rotWithShape="0">
+              <a:prstClr val="black">
+                <a:alpha val="40000"/>
+              </a:prstClr>
+            </a:outerShdw>
+          </a:effectLst>
+        </p:spPr>
+        <p:style>
+          <a:lnRef idx="1">
+            <a:schemeClr val="accent1"/>
+          </a:lnRef>
+          <a:fillRef idx="0">
+            <a:schemeClr val="accent1"/>
+          </a:fillRef>
+          <a:effectRef idx="0">
+            <a:schemeClr val="accent1"/>
+          </a:effectRef>
+          <a:fontRef idx="minor">
+            <a:schemeClr val="tx1"/>
+          </a:fontRef>
+        </p:style>
+        <p:txBody>
+          <a:bodyPr rtlCol="0" anchor="ctr"/>
+          <a:lstStyle/>
+          <a:p>
+            <a:pPr algn="ctr"/>
+            <a:endParaRPr lang="it-IT"/>
           </a:p>
         </p:txBody>
       </p:sp>
@@ -4242,9 +5710,961 @@
   <p:timing>
     <p:tnLst>
       <p:par>
-        <p:cTn id="1" dur="indefinite" restart="never" nodeType="tmRoot"/>
+        <p:cTn id="1" dur="indefinite" restart="never" nodeType="tmRoot">
+          <p:childTnLst>
+            <p:seq concurrent="1" nextAc="seek">
+              <p:cTn id="2" dur="indefinite" nodeType="mainSeq">
+                <p:childTnLst>
+                  <p:par>
+                    <p:cTn id="3" fill="hold">
+                      <p:stCondLst>
+                        <p:cond delay="indefinite"/>
+                      </p:stCondLst>
+                      <p:childTnLst>
+                        <p:par>
+                          <p:cTn id="4" fill="hold">
+                            <p:stCondLst>
+                              <p:cond delay="0"/>
+                            </p:stCondLst>
+                            <p:childTnLst>
+                              <p:par>
+                                <p:cTn id="5" presetID="10" presetClass="entr" presetSubtype="0" fill="hold" nodeType="clickEffect">
+                                  <p:stCondLst>
+                                    <p:cond delay="0"/>
+                                  </p:stCondLst>
+                                  <p:childTnLst>
+                                    <p:set>
+                                      <p:cBhvr>
+                                        <p:cTn id="6" dur="1" fill="hold">
+                                          <p:stCondLst>
+                                            <p:cond delay="0"/>
+                                          </p:stCondLst>
+                                        </p:cTn>
+                                        <p:tgtEl>
+                                          <p:spTgt spid="8"/>
+                                        </p:tgtEl>
+                                        <p:attrNameLst>
+                                          <p:attrName>style.visibility</p:attrName>
+                                        </p:attrNameLst>
+                                      </p:cBhvr>
+                                      <p:to>
+                                        <p:strVal val="visible"/>
+                                      </p:to>
+                                    </p:set>
+                                    <p:animEffect transition="in" filter="fade">
+                                      <p:cBhvr>
+                                        <p:cTn id="7" dur="1000"/>
+                                        <p:tgtEl>
+                                          <p:spTgt spid="8"/>
+                                        </p:tgtEl>
+                                      </p:cBhvr>
+                                    </p:animEffect>
+                                  </p:childTnLst>
+                                </p:cTn>
+                              </p:par>
+                            </p:childTnLst>
+                          </p:cTn>
+                        </p:par>
+                      </p:childTnLst>
+                    </p:cTn>
+                  </p:par>
+                  <p:par>
+                    <p:cTn id="8" fill="hold">
+                      <p:stCondLst>
+                        <p:cond delay="indefinite"/>
+                      </p:stCondLst>
+                      <p:childTnLst>
+                        <p:par>
+                          <p:cTn id="9" fill="hold">
+                            <p:stCondLst>
+                              <p:cond delay="0"/>
+                            </p:stCondLst>
+                            <p:childTnLst>
+                              <p:par>
+                                <p:cTn id="10" presetID="10" presetClass="entr" presetSubtype="0" fill="hold" nodeType="clickEffect">
+                                  <p:stCondLst>
+                                    <p:cond delay="0"/>
+                                  </p:stCondLst>
+                                  <p:childTnLst>
+                                    <p:set>
+                                      <p:cBhvr>
+                                        <p:cTn id="11" dur="1" fill="hold">
+                                          <p:stCondLst>
+                                            <p:cond delay="0"/>
+                                          </p:stCondLst>
+                                        </p:cTn>
+                                        <p:tgtEl>
+                                          <p:spTgt spid="24"/>
+                                        </p:tgtEl>
+                                        <p:attrNameLst>
+                                          <p:attrName>style.visibility</p:attrName>
+                                        </p:attrNameLst>
+                                      </p:cBhvr>
+                                      <p:to>
+                                        <p:strVal val="visible"/>
+                                      </p:to>
+                                    </p:set>
+                                    <p:animEffect transition="in" filter="fade">
+                                      <p:cBhvr>
+                                        <p:cTn id="12" dur="1000"/>
+                                        <p:tgtEl>
+                                          <p:spTgt spid="24"/>
+                                        </p:tgtEl>
+                                      </p:cBhvr>
+                                    </p:animEffect>
+                                  </p:childTnLst>
+                                </p:cTn>
+                              </p:par>
+                              <p:par>
+                                <p:cTn id="13" presetID="10" presetClass="entr" presetSubtype="0" fill="hold" nodeType="withEffect">
+                                  <p:stCondLst>
+                                    <p:cond delay="0"/>
+                                  </p:stCondLst>
+                                  <p:childTnLst>
+                                    <p:set>
+                                      <p:cBhvr>
+                                        <p:cTn id="14" dur="1" fill="hold">
+                                          <p:stCondLst>
+                                            <p:cond delay="0"/>
+                                          </p:stCondLst>
+                                        </p:cTn>
+                                        <p:tgtEl>
+                                          <p:spTgt spid="26"/>
+                                        </p:tgtEl>
+                                        <p:attrNameLst>
+                                          <p:attrName>style.visibility</p:attrName>
+                                        </p:attrNameLst>
+                                      </p:cBhvr>
+                                      <p:to>
+                                        <p:strVal val="visible"/>
+                                      </p:to>
+                                    </p:set>
+                                    <p:animEffect transition="in" filter="fade">
+                                      <p:cBhvr>
+                                        <p:cTn id="15" dur="1000"/>
+                                        <p:tgtEl>
+                                          <p:spTgt spid="26"/>
+                                        </p:tgtEl>
+                                      </p:cBhvr>
+                                    </p:animEffect>
+                                  </p:childTnLst>
+                                </p:cTn>
+                              </p:par>
+                              <p:par>
+                                <p:cTn id="16" presetID="10" presetClass="entr" presetSubtype="0" fill="hold" nodeType="withEffect">
+                                  <p:stCondLst>
+                                    <p:cond delay="0"/>
+                                  </p:stCondLst>
+                                  <p:childTnLst>
+                                    <p:set>
+                                      <p:cBhvr>
+                                        <p:cTn id="17" dur="1" fill="hold">
+                                          <p:stCondLst>
+                                            <p:cond delay="0"/>
+                                          </p:stCondLst>
+                                        </p:cTn>
+                                        <p:tgtEl>
+                                          <p:spTgt spid="27"/>
+                                        </p:tgtEl>
+                                        <p:attrNameLst>
+                                          <p:attrName>style.visibility</p:attrName>
+                                        </p:attrNameLst>
+                                      </p:cBhvr>
+                                      <p:to>
+                                        <p:strVal val="visible"/>
+                                      </p:to>
+                                    </p:set>
+                                    <p:animEffect transition="in" filter="fade">
+                                      <p:cBhvr>
+                                        <p:cTn id="18" dur="1000"/>
+                                        <p:tgtEl>
+                                          <p:spTgt spid="27"/>
+                                        </p:tgtEl>
+                                      </p:cBhvr>
+                                    </p:animEffect>
+                                  </p:childTnLst>
+                                </p:cTn>
+                              </p:par>
+                              <p:par>
+                                <p:cTn id="19" presetID="10" presetClass="entr" presetSubtype="0" fill="hold" grpId="0" nodeType="withEffect">
+                                  <p:stCondLst>
+                                    <p:cond delay="0"/>
+                                  </p:stCondLst>
+                                  <p:childTnLst>
+                                    <p:set>
+                                      <p:cBhvr>
+                                        <p:cTn id="20" dur="1" fill="hold">
+                                          <p:stCondLst>
+                                            <p:cond delay="0"/>
+                                          </p:stCondLst>
+                                        </p:cTn>
+                                        <p:tgtEl>
+                                          <p:spTgt spid="34"/>
+                                        </p:tgtEl>
+                                        <p:attrNameLst>
+                                          <p:attrName>style.visibility</p:attrName>
+                                        </p:attrNameLst>
+                                      </p:cBhvr>
+                                      <p:to>
+                                        <p:strVal val="visible"/>
+                                      </p:to>
+                                    </p:set>
+                                    <p:animEffect transition="in" filter="fade">
+                                      <p:cBhvr>
+                                        <p:cTn id="21" dur="1000"/>
+                                        <p:tgtEl>
+                                          <p:spTgt spid="34"/>
+                                        </p:tgtEl>
+                                      </p:cBhvr>
+                                    </p:animEffect>
+                                  </p:childTnLst>
+                                </p:cTn>
+                              </p:par>
+                              <p:par>
+                                <p:cTn id="22" presetID="10" presetClass="entr" presetSubtype="0" fill="hold" grpId="0" nodeType="withEffect">
+                                  <p:stCondLst>
+                                    <p:cond delay="0"/>
+                                  </p:stCondLst>
+                                  <p:childTnLst>
+                                    <p:set>
+                                      <p:cBhvr>
+                                        <p:cTn id="23" dur="1" fill="hold">
+                                          <p:stCondLst>
+                                            <p:cond delay="0"/>
+                                          </p:stCondLst>
+                                        </p:cTn>
+                                        <p:tgtEl>
+                                          <p:spTgt spid="29"/>
+                                        </p:tgtEl>
+                                        <p:attrNameLst>
+                                          <p:attrName>style.visibility</p:attrName>
+                                        </p:attrNameLst>
+                                      </p:cBhvr>
+                                      <p:to>
+                                        <p:strVal val="visible"/>
+                                      </p:to>
+                                    </p:set>
+                                    <p:animEffect transition="in" filter="fade">
+                                      <p:cBhvr>
+                                        <p:cTn id="24" dur="1000"/>
+                                        <p:tgtEl>
+                                          <p:spTgt spid="29"/>
+                                        </p:tgtEl>
+                                      </p:cBhvr>
+                                    </p:animEffect>
+                                  </p:childTnLst>
+                                </p:cTn>
+                              </p:par>
+                            </p:childTnLst>
+                          </p:cTn>
+                        </p:par>
+                      </p:childTnLst>
+                    </p:cTn>
+                  </p:par>
+                  <p:par>
+                    <p:cTn id="25" fill="hold">
+                      <p:stCondLst>
+                        <p:cond delay="indefinite"/>
+                      </p:stCondLst>
+                      <p:childTnLst>
+                        <p:par>
+                          <p:cTn id="26" fill="hold">
+                            <p:stCondLst>
+                              <p:cond delay="0"/>
+                            </p:stCondLst>
+                            <p:childTnLst>
+                              <p:par>
+                                <p:cTn id="27" presetID="10" presetClass="entr" presetSubtype="0" fill="hold" grpId="0" nodeType="clickEffect">
+                                  <p:stCondLst>
+                                    <p:cond delay="0"/>
+                                  </p:stCondLst>
+                                  <p:childTnLst>
+                                    <p:set>
+                                      <p:cBhvr>
+                                        <p:cTn id="28" dur="1" fill="hold">
+                                          <p:stCondLst>
+                                            <p:cond delay="0"/>
+                                          </p:stCondLst>
+                                        </p:cTn>
+                                        <p:tgtEl>
+                                          <p:spTgt spid="17"/>
+                                        </p:tgtEl>
+                                        <p:attrNameLst>
+                                          <p:attrName>style.visibility</p:attrName>
+                                        </p:attrNameLst>
+                                      </p:cBhvr>
+                                      <p:to>
+                                        <p:strVal val="visible"/>
+                                      </p:to>
+                                    </p:set>
+                                    <p:animEffect transition="in" filter="fade">
+                                      <p:cBhvr>
+                                        <p:cTn id="29" dur="1000"/>
+                                        <p:tgtEl>
+                                          <p:spTgt spid="17"/>
+                                        </p:tgtEl>
+                                      </p:cBhvr>
+                                    </p:animEffect>
+                                  </p:childTnLst>
+                                </p:cTn>
+                              </p:par>
+                              <p:par>
+                                <p:cTn id="30" presetID="10" presetClass="entr" presetSubtype="0" fill="hold" grpId="0" nodeType="withEffect">
+                                  <p:stCondLst>
+                                    <p:cond delay="0"/>
+                                  </p:stCondLst>
+                                  <p:childTnLst>
+                                    <p:set>
+                                      <p:cBhvr>
+                                        <p:cTn id="31" dur="1" fill="hold">
+                                          <p:stCondLst>
+                                            <p:cond delay="0"/>
+                                          </p:stCondLst>
+                                        </p:cTn>
+                                        <p:tgtEl>
+                                          <p:spTgt spid="18"/>
+                                        </p:tgtEl>
+                                        <p:attrNameLst>
+                                          <p:attrName>style.visibility</p:attrName>
+                                        </p:attrNameLst>
+                                      </p:cBhvr>
+                                      <p:to>
+                                        <p:strVal val="visible"/>
+                                      </p:to>
+                                    </p:set>
+                                    <p:animEffect transition="in" filter="fade">
+                                      <p:cBhvr>
+                                        <p:cTn id="32" dur="1000"/>
+                                        <p:tgtEl>
+                                          <p:spTgt spid="18"/>
+                                        </p:tgtEl>
+                                      </p:cBhvr>
+                                    </p:animEffect>
+                                  </p:childTnLst>
+                                </p:cTn>
+                              </p:par>
+                              <p:par>
+                                <p:cTn id="33" presetID="10" presetClass="entr" presetSubtype="0" fill="hold" grpId="0" nodeType="withEffect">
+                                  <p:stCondLst>
+                                    <p:cond delay="0"/>
+                                  </p:stCondLst>
+                                  <p:childTnLst>
+                                    <p:set>
+                                      <p:cBhvr>
+                                        <p:cTn id="34" dur="1" fill="hold">
+                                          <p:stCondLst>
+                                            <p:cond delay="0"/>
+                                          </p:stCondLst>
+                                        </p:cTn>
+                                        <p:tgtEl>
+                                          <p:spTgt spid="19"/>
+                                        </p:tgtEl>
+                                        <p:attrNameLst>
+                                          <p:attrName>style.visibility</p:attrName>
+                                        </p:attrNameLst>
+                                      </p:cBhvr>
+                                      <p:to>
+                                        <p:strVal val="visible"/>
+                                      </p:to>
+                                    </p:set>
+                                    <p:animEffect transition="in" filter="fade">
+                                      <p:cBhvr>
+                                        <p:cTn id="35" dur="1000"/>
+                                        <p:tgtEl>
+                                          <p:spTgt spid="19"/>
+                                        </p:tgtEl>
+                                      </p:cBhvr>
+                                    </p:animEffect>
+                                  </p:childTnLst>
+                                </p:cTn>
+                              </p:par>
+                              <p:par>
+                                <p:cTn id="36" presetID="10" presetClass="entr" presetSubtype="0" fill="hold" grpId="0" nodeType="withEffect">
+                                  <p:stCondLst>
+                                    <p:cond delay="0"/>
+                                  </p:stCondLst>
+                                  <p:childTnLst>
+                                    <p:set>
+                                      <p:cBhvr>
+                                        <p:cTn id="37" dur="1" fill="hold">
+                                          <p:stCondLst>
+                                            <p:cond delay="0"/>
+                                          </p:stCondLst>
+                                        </p:cTn>
+                                        <p:tgtEl>
+                                          <p:spTgt spid="20"/>
+                                        </p:tgtEl>
+                                        <p:attrNameLst>
+                                          <p:attrName>style.visibility</p:attrName>
+                                        </p:attrNameLst>
+                                      </p:cBhvr>
+                                      <p:to>
+                                        <p:strVal val="visible"/>
+                                      </p:to>
+                                    </p:set>
+                                    <p:animEffect transition="in" filter="fade">
+                                      <p:cBhvr>
+                                        <p:cTn id="38" dur="1000"/>
+                                        <p:tgtEl>
+                                          <p:spTgt spid="20"/>
+                                        </p:tgtEl>
+                                      </p:cBhvr>
+                                    </p:animEffect>
+                                  </p:childTnLst>
+                                </p:cTn>
+                              </p:par>
+                              <p:par>
+                                <p:cTn id="39" presetID="10" presetClass="entr" presetSubtype="0" fill="hold" grpId="0" nodeType="withEffect">
+                                  <p:stCondLst>
+                                    <p:cond delay="0"/>
+                                  </p:stCondLst>
+                                  <p:childTnLst>
+                                    <p:set>
+                                      <p:cBhvr>
+                                        <p:cTn id="40" dur="1" fill="hold">
+                                          <p:stCondLst>
+                                            <p:cond delay="0"/>
+                                          </p:stCondLst>
+                                        </p:cTn>
+                                        <p:tgtEl>
+                                          <p:spTgt spid="35"/>
+                                        </p:tgtEl>
+                                        <p:attrNameLst>
+                                          <p:attrName>style.visibility</p:attrName>
+                                        </p:attrNameLst>
+                                      </p:cBhvr>
+                                      <p:to>
+                                        <p:strVal val="visible"/>
+                                      </p:to>
+                                    </p:set>
+                                    <p:animEffect transition="in" filter="fade">
+                                      <p:cBhvr>
+                                        <p:cTn id="41" dur="1000"/>
+                                        <p:tgtEl>
+                                          <p:spTgt spid="35"/>
+                                        </p:tgtEl>
+                                      </p:cBhvr>
+                                    </p:animEffect>
+                                  </p:childTnLst>
+                                </p:cTn>
+                              </p:par>
+                              <p:par>
+                                <p:cTn id="42" presetID="10" presetClass="entr" presetSubtype="0" fill="hold" grpId="0" nodeType="withEffect">
+                                  <p:stCondLst>
+                                    <p:cond delay="0"/>
+                                  </p:stCondLst>
+                                  <p:childTnLst>
+                                    <p:set>
+                                      <p:cBhvr>
+                                        <p:cTn id="43" dur="1" fill="hold">
+                                          <p:stCondLst>
+                                            <p:cond delay="0"/>
+                                          </p:stCondLst>
+                                        </p:cTn>
+                                        <p:tgtEl>
+                                          <p:spTgt spid="23"/>
+                                        </p:tgtEl>
+                                        <p:attrNameLst>
+                                          <p:attrName>style.visibility</p:attrName>
+                                        </p:attrNameLst>
+                                      </p:cBhvr>
+                                      <p:to>
+                                        <p:strVal val="visible"/>
+                                      </p:to>
+                                    </p:set>
+                                    <p:animEffect transition="in" filter="fade">
+                                      <p:cBhvr>
+                                        <p:cTn id="44" dur="1000"/>
+                                        <p:tgtEl>
+                                          <p:spTgt spid="23"/>
+                                        </p:tgtEl>
+                                      </p:cBhvr>
+                                    </p:animEffect>
+                                  </p:childTnLst>
+                                </p:cTn>
+                              </p:par>
+                            </p:childTnLst>
+                          </p:cTn>
+                        </p:par>
+                      </p:childTnLst>
+                    </p:cTn>
+                  </p:par>
+                  <p:par>
+                    <p:cTn id="45" fill="hold">
+                      <p:stCondLst>
+                        <p:cond delay="indefinite"/>
+                      </p:stCondLst>
+                      <p:childTnLst>
+                        <p:par>
+                          <p:cTn id="46" fill="hold">
+                            <p:stCondLst>
+                              <p:cond delay="0"/>
+                            </p:stCondLst>
+                            <p:childTnLst>
+                              <p:par>
+                                <p:cTn id="47" presetID="10" presetClass="entr" presetSubtype="0" fill="hold" grpId="0" nodeType="clickEffect">
+                                  <p:stCondLst>
+                                    <p:cond delay="0"/>
+                                  </p:stCondLst>
+                                  <p:childTnLst>
+                                    <p:set>
+                                      <p:cBhvr>
+                                        <p:cTn id="48" dur="1" fill="hold">
+                                          <p:stCondLst>
+                                            <p:cond delay="0"/>
+                                          </p:stCondLst>
+                                        </p:cTn>
+                                        <p:tgtEl>
+                                          <p:spTgt spid="9"/>
+                                        </p:tgtEl>
+                                        <p:attrNameLst>
+                                          <p:attrName>style.visibility</p:attrName>
+                                        </p:attrNameLst>
+                                      </p:cBhvr>
+                                      <p:to>
+                                        <p:strVal val="visible"/>
+                                      </p:to>
+                                    </p:set>
+                                    <p:animEffect transition="in" filter="fade">
+                                      <p:cBhvr>
+                                        <p:cTn id="49" dur="1000"/>
+                                        <p:tgtEl>
+                                          <p:spTgt spid="9"/>
+                                        </p:tgtEl>
+                                      </p:cBhvr>
+                                    </p:animEffect>
+                                  </p:childTnLst>
+                                </p:cTn>
+                              </p:par>
+                              <p:par>
+                                <p:cTn id="50" presetID="10" presetClass="entr" presetSubtype="0" fill="hold" nodeType="withEffect">
+                                  <p:stCondLst>
+                                    <p:cond delay="0"/>
+                                  </p:stCondLst>
+                                  <p:childTnLst>
+                                    <p:set>
+                                      <p:cBhvr>
+                                        <p:cTn id="51" dur="1" fill="hold">
+                                          <p:stCondLst>
+                                            <p:cond delay="0"/>
+                                          </p:stCondLst>
+                                        </p:cTn>
+                                        <p:tgtEl>
+                                          <p:spTgt spid="7"/>
+                                        </p:tgtEl>
+                                        <p:attrNameLst>
+                                          <p:attrName>style.visibility</p:attrName>
+                                        </p:attrNameLst>
+                                      </p:cBhvr>
+                                      <p:to>
+                                        <p:strVal val="visible"/>
+                                      </p:to>
+                                    </p:set>
+                                    <p:animEffect transition="in" filter="fade">
+                                      <p:cBhvr>
+                                        <p:cTn id="52" dur="1000"/>
+                                        <p:tgtEl>
+                                          <p:spTgt spid="7"/>
+                                        </p:tgtEl>
+                                      </p:cBhvr>
+                                    </p:animEffect>
+                                  </p:childTnLst>
+                                </p:cTn>
+                              </p:par>
+                              <p:par>
+                                <p:cTn id="53" presetID="10" presetClass="entr" presetSubtype="0" fill="hold" grpId="0" nodeType="withEffect">
+                                  <p:stCondLst>
+                                    <p:cond delay="0"/>
+                                  </p:stCondLst>
+                                  <p:childTnLst>
+                                    <p:set>
+                                      <p:cBhvr>
+                                        <p:cTn id="54" dur="1" fill="hold">
+                                          <p:stCondLst>
+                                            <p:cond delay="0"/>
+                                          </p:stCondLst>
+                                        </p:cTn>
+                                        <p:tgtEl>
+                                          <p:spTgt spid="11"/>
+                                        </p:tgtEl>
+                                        <p:attrNameLst>
+                                          <p:attrName>style.visibility</p:attrName>
+                                        </p:attrNameLst>
+                                      </p:cBhvr>
+                                      <p:to>
+                                        <p:strVal val="visible"/>
+                                      </p:to>
+                                    </p:set>
+                                    <p:animEffect transition="in" filter="fade">
+                                      <p:cBhvr>
+                                        <p:cTn id="55" dur="1000"/>
+                                        <p:tgtEl>
+                                          <p:spTgt spid="11"/>
+                                        </p:tgtEl>
+                                      </p:cBhvr>
+                                    </p:animEffect>
+                                  </p:childTnLst>
+                                </p:cTn>
+                              </p:par>
+                            </p:childTnLst>
+                          </p:cTn>
+                        </p:par>
+                      </p:childTnLst>
+                    </p:cTn>
+                  </p:par>
+                  <p:par>
+                    <p:cTn id="56" fill="hold">
+                      <p:stCondLst>
+                        <p:cond delay="indefinite"/>
+                      </p:stCondLst>
+                      <p:childTnLst>
+                        <p:par>
+                          <p:cTn id="57" fill="hold">
+                            <p:stCondLst>
+                              <p:cond delay="0"/>
+                            </p:stCondLst>
+                            <p:childTnLst>
+                              <p:par>
+                                <p:cTn id="58" presetID="10" presetClass="entr" presetSubtype="0" fill="hold" nodeType="clickEffect">
+                                  <p:stCondLst>
+                                    <p:cond delay="0"/>
+                                  </p:stCondLst>
+                                  <p:childTnLst>
+                                    <p:set>
+                                      <p:cBhvr>
+                                        <p:cTn id="59" dur="1" fill="hold">
+                                          <p:stCondLst>
+                                            <p:cond delay="0"/>
+                                          </p:stCondLst>
+                                        </p:cTn>
+                                        <p:tgtEl>
+                                          <p:spTgt spid="5"/>
+                                        </p:tgtEl>
+                                        <p:attrNameLst>
+                                          <p:attrName>style.visibility</p:attrName>
+                                        </p:attrNameLst>
+                                      </p:cBhvr>
+                                      <p:to>
+                                        <p:strVal val="visible"/>
+                                      </p:to>
+                                    </p:set>
+                                    <p:animEffect transition="in" filter="fade">
+                                      <p:cBhvr>
+                                        <p:cTn id="60" dur="1000"/>
+                                        <p:tgtEl>
+                                          <p:spTgt spid="5"/>
+                                        </p:tgtEl>
+                                      </p:cBhvr>
+                                    </p:animEffect>
+                                  </p:childTnLst>
+                                </p:cTn>
+                              </p:par>
+                              <p:par>
+                                <p:cTn id="61" presetID="10" presetClass="entr" presetSubtype="0" fill="hold" grpId="0" nodeType="withEffect">
+                                  <p:stCondLst>
+                                    <p:cond delay="0"/>
+                                  </p:stCondLst>
+                                  <p:childTnLst>
+                                    <p:set>
+                                      <p:cBhvr>
+                                        <p:cTn id="62" dur="1" fill="hold">
+                                          <p:stCondLst>
+                                            <p:cond delay="0"/>
+                                          </p:stCondLst>
+                                        </p:cTn>
+                                        <p:tgtEl>
+                                          <p:spTgt spid="12"/>
+                                        </p:tgtEl>
+                                        <p:attrNameLst>
+                                          <p:attrName>style.visibility</p:attrName>
+                                        </p:attrNameLst>
+                                      </p:cBhvr>
+                                      <p:to>
+                                        <p:strVal val="visible"/>
+                                      </p:to>
+                                    </p:set>
+                                    <p:animEffect transition="in" filter="fade">
+                                      <p:cBhvr>
+                                        <p:cTn id="63" dur="1000"/>
+                                        <p:tgtEl>
+                                          <p:spTgt spid="12"/>
+                                        </p:tgtEl>
+                                      </p:cBhvr>
+                                    </p:animEffect>
+                                  </p:childTnLst>
+                                </p:cTn>
+                              </p:par>
+                              <p:par>
+                                <p:cTn id="64" presetID="10" presetClass="entr" presetSubtype="0" fill="hold" grpId="0" nodeType="withEffect">
+                                  <p:stCondLst>
+                                    <p:cond delay="0"/>
+                                  </p:stCondLst>
+                                  <p:childTnLst>
+                                    <p:set>
+                                      <p:cBhvr>
+                                        <p:cTn id="65" dur="1" fill="hold">
+                                          <p:stCondLst>
+                                            <p:cond delay="0"/>
+                                          </p:stCondLst>
+                                        </p:cTn>
+                                        <p:tgtEl>
+                                          <p:spTgt spid="10"/>
+                                        </p:tgtEl>
+                                        <p:attrNameLst>
+                                          <p:attrName>style.visibility</p:attrName>
+                                        </p:attrNameLst>
+                                      </p:cBhvr>
+                                      <p:to>
+                                        <p:strVal val="visible"/>
+                                      </p:to>
+                                    </p:set>
+                                    <p:animEffect transition="in" filter="fade">
+                                      <p:cBhvr>
+                                        <p:cTn id="66" dur="1000"/>
+                                        <p:tgtEl>
+                                          <p:spTgt spid="10"/>
+                                        </p:tgtEl>
+                                      </p:cBhvr>
+                                    </p:animEffect>
+                                  </p:childTnLst>
+                                </p:cTn>
+                              </p:par>
+                            </p:childTnLst>
+                          </p:cTn>
+                        </p:par>
+                      </p:childTnLst>
+                    </p:cTn>
+                  </p:par>
+                  <p:par>
+                    <p:cTn id="67" fill="hold">
+                      <p:stCondLst>
+                        <p:cond delay="indefinite"/>
+                      </p:stCondLst>
+                      <p:childTnLst>
+                        <p:par>
+                          <p:cTn id="68" fill="hold">
+                            <p:stCondLst>
+                              <p:cond delay="0"/>
+                            </p:stCondLst>
+                            <p:childTnLst>
+                              <p:par>
+                                <p:cTn id="69" presetID="10" presetClass="entr" presetSubtype="0" fill="hold" grpId="0" nodeType="clickEffect">
+                                  <p:stCondLst>
+                                    <p:cond delay="0"/>
+                                  </p:stCondLst>
+                                  <p:childTnLst>
+                                    <p:set>
+                                      <p:cBhvr>
+                                        <p:cTn id="70" dur="1" fill="hold">
+                                          <p:stCondLst>
+                                            <p:cond delay="0"/>
+                                          </p:stCondLst>
+                                        </p:cTn>
+                                        <p:tgtEl>
+                                          <p:spTgt spid="36"/>
+                                        </p:tgtEl>
+                                        <p:attrNameLst>
+                                          <p:attrName>style.visibility</p:attrName>
+                                        </p:attrNameLst>
+                                      </p:cBhvr>
+                                      <p:to>
+                                        <p:strVal val="visible"/>
+                                      </p:to>
+                                    </p:set>
+                                    <p:animEffect transition="in" filter="fade">
+                                      <p:cBhvr>
+                                        <p:cTn id="71" dur="1000"/>
+                                        <p:tgtEl>
+                                          <p:spTgt spid="36"/>
+                                        </p:tgtEl>
+                                      </p:cBhvr>
+                                    </p:animEffect>
+                                  </p:childTnLst>
+                                </p:cTn>
+                              </p:par>
+                              <p:par>
+                                <p:cTn id="72" presetID="10" presetClass="entr" presetSubtype="0" fill="hold" nodeType="withEffect">
+                                  <p:stCondLst>
+                                    <p:cond delay="0"/>
+                                  </p:stCondLst>
+                                  <p:childTnLst>
+                                    <p:set>
+                                      <p:cBhvr>
+                                        <p:cTn id="73" dur="1" fill="hold">
+                                          <p:stCondLst>
+                                            <p:cond delay="0"/>
+                                          </p:stCondLst>
+                                        </p:cTn>
+                                        <p:tgtEl>
+                                          <p:spTgt spid="15"/>
+                                        </p:tgtEl>
+                                        <p:attrNameLst>
+                                          <p:attrName>style.visibility</p:attrName>
+                                        </p:attrNameLst>
+                                      </p:cBhvr>
+                                      <p:to>
+                                        <p:strVal val="visible"/>
+                                      </p:to>
+                                    </p:set>
+                                    <p:animEffect transition="in" filter="fade">
+                                      <p:cBhvr>
+                                        <p:cTn id="74" dur="1000"/>
+                                        <p:tgtEl>
+                                          <p:spTgt spid="15"/>
+                                        </p:tgtEl>
+                                      </p:cBhvr>
+                                    </p:animEffect>
+                                  </p:childTnLst>
+                                </p:cTn>
+                              </p:par>
+                              <p:par>
+                                <p:cTn id="75" presetID="10" presetClass="entr" presetSubtype="0" fill="hold" nodeType="withEffect">
+                                  <p:stCondLst>
+                                    <p:cond delay="0"/>
+                                  </p:stCondLst>
+                                  <p:childTnLst>
+                                    <p:set>
+                                      <p:cBhvr>
+                                        <p:cTn id="76" dur="1" fill="hold">
+                                          <p:stCondLst>
+                                            <p:cond delay="0"/>
+                                          </p:stCondLst>
+                                        </p:cTn>
+                                        <p:tgtEl>
+                                          <p:spTgt spid="14"/>
+                                        </p:tgtEl>
+                                        <p:attrNameLst>
+                                          <p:attrName>style.visibility</p:attrName>
+                                        </p:attrNameLst>
+                                      </p:cBhvr>
+                                      <p:to>
+                                        <p:strVal val="visible"/>
+                                      </p:to>
+                                    </p:set>
+                                    <p:animEffect transition="in" filter="fade">
+                                      <p:cBhvr>
+                                        <p:cTn id="77" dur="1000"/>
+                                        <p:tgtEl>
+                                          <p:spTgt spid="14"/>
+                                        </p:tgtEl>
+                                      </p:cBhvr>
+                                    </p:animEffect>
+                                  </p:childTnLst>
+                                </p:cTn>
+                              </p:par>
+                              <p:par>
+                                <p:cTn id="78" presetID="10" presetClass="entr" presetSubtype="0" fill="hold" nodeType="withEffect">
+                                  <p:stCondLst>
+                                    <p:cond delay="0"/>
+                                  </p:stCondLst>
+                                  <p:childTnLst>
+                                    <p:set>
+                                      <p:cBhvr>
+                                        <p:cTn id="79" dur="1" fill="hold">
+                                          <p:stCondLst>
+                                            <p:cond delay="0"/>
+                                          </p:stCondLst>
+                                        </p:cTn>
+                                        <p:tgtEl>
+                                          <p:spTgt spid="13"/>
+                                        </p:tgtEl>
+                                        <p:attrNameLst>
+                                          <p:attrName>style.visibility</p:attrName>
+                                        </p:attrNameLst>
+                                      </p:cBhvr>
+                                      <p:to>
+                                        <p:strVal val="visible"/>
+                                      </p:to>
+                                    </p:set>
+                                    <p:animEffect transition="in" filter="fade">
+                                      <p:cBhvr>
+                                        <p:cTn id="80" dur="1000"/>
+                                        <p:tgtEl>
+                                          <p:spTgt spid="13"/>
+                                        </p:tgtEl>
+                                      </p:cBhvr>
+                                    </p:animEffect>
+                                  </p:childTnLst>
+                                </p:cTn>
+                              </p:par>
+                              <p:par>
+                                <p:cTn id="81" presetID="10" presetClass="entr" presetSubtype="0" fill="hold" grpId="0" nodeType="withEffect">
+                                  <p:stCondLst>
+                                    <p:cond delay="0"/>
+                                  </p:stCondLst>
+                                  <p:childTnLst>
+                                    <p:set>
+                                      <p:cBhvr>
+                                        <p:cTn id="82" dur="1" fill="hold">
+                                          <p:stCondLst>
+                                            <p:cond delay="0"/>
+                                          </p:stCondLst>
+                                        </p:cTn>
+                                        <p:tgtEl>
+                                          <p:spTgt spid="30"/>
+                                        </p:tgtEl>
+                                        <p:attrNameLst>
+                                          <p:attrName>style.visibility</p:attrName>
+                                        </p:attrNameLst>
+                                      </p:cBhvr>
+                                      <p:to>
+                                        <p:strVal val="visible"/>
+                                      </p:to>
+                                    </p:set>
+                                    <p:animEffect transition="in" filter="fade">
+                                      <p:cBhvr>
+                                        <p:cTn id="83" dur="1000"/>
+                                        <p:tgtEl>
+                                          <p:spTgt spid="30"/>
+                                        </p:tgtEl>
+                                      </p:cBhvr>
+                                    </p:animEffect>
+                                  </p:childTnLst>
+                                </p:cTn>
+                              </p:par>
+                            </p:childTnLst>
+                          </p:cTn>
+                        </p:par>
+                      </p:childTnLst>
+                    </p:cTn>
+                  </p:par>
+                </p:childTnLst>
+              </p:cTn>
+              <p:prevCondLst>
+                <p:cond evt="onPrev" delay="0">
+                  <p:tgtEl>
+                    <p:sldTgt/>
+                  </p:tgtEl>
+                </p:cond>
+              </p:prevCondLst>
+              <p:nextCondLst>
+                <p:cond evt="onNext" delay="0">
+                  <p:tgtEl>
+                    <p:sldTgt/>
+                  </p:tgtEl>
+                </p:cond>
+              </p:nextCondLst>
+            </p:seq>
+          </p:childTnLst>
+        </p:cTn>
       </p:par>
     </p:tnLst>
+    <p:bldLst>
+      <p:bldP spid="9" grpId="0" animBg="1"/>
+      <p:bldP spid="10" grpId="0" animBg="1"/>
+      <p:bldP spid="11" grpId="0"/>
+      <p:bldP spid="12" grpId="0"/>
+      <p:bldP spid="17" grpId="0" animBg="1"/>
+      <p:bldP spid="18" grpId="0" animBg="1"/>
+      <p:bldP spid="19" grpId="0" animBg="1"/>
+      <p:bldP spid="20" grpId="0" animBg="1"/>
+      <p:bldP spid="23" grpId="0"/>
+      <p:bldP spid="29" grpId="0"/>
+      <p:bldP spid="30" grpId="0"/>
+      <p:bldP spid="34" grpId="0" animBg="1"/>
+      <p:bldP spid="35" grpId="0" animBg="1"/>
+      <p:bldP spid="36" grpId="0" animBg="1"/>
+    </p:bldLst>
   </p:timing>
 </p:sld>
 </file>
@@ -4284,14 +6704,14 @@
           <a:lstStyle/>
           <a:p>
             <a:r>
-              <a:rPr lang="it-IT" dirty="0" err="1" smtClean="0">
+              <a:rPr lang="en-US" dirty="0" smtClean="0">
                 <a:solidFill>
                   <a:srgbClr val="FFC000"/>
                 </a:solidFill>
               </a:rPr>
-              <a:t>Summary</a:t>
-            </a:r>
-            <a:endParaRPr lang="it-IT" dirty="0">
+              <a:t>Concurrent View</a:t>
+            </a:r>
+            <a:endParaRPr lang="en-US" dirty="0">
               <a:solidFill>
                 <a:srgbClr val="FFC000"/>
               </a:solidFill>
@@ -4334,32 +6754,39 @@
           <a:noFill/>
         </p:spPr>
       </p:pic>
-      <p:sp>
-        <p:nvSpPr>
-          <p:cNvPr id="6" name="Segnaposto contenuto 5"/>
-          <p:cNvSpPr>
-            <a:spLocks noGrp="1"/>
-          </p:cNvSpPr>
-          <p:nvPr>
-            <p:ph idx="1"/>
-          </p:nvPr>
-        </p:nvSpPr>
-        <p:spPr>
+      <p:pic>
+        <p:nvPicPr>
+          <p:cNvPr id="1026" name="Picture 2"/>
+          <p:cNvPicPr>
+            <a:picLocks noChangeAspect="1" noChangeArrowheads="1"/>
+          </p:cNvPicPr>
+          <p:nvPr/>
+        </p:nvPicPr>
+        <p:blipFill>
+          <a:blip r:embed="rId3"/>
+          <a:srcRect/>
+          <a:stretch>
+            <a:fillRect/>
+          </a:stretch>
+        </p:blipFill>
+        <p:spPr bwMode="auto">
           <a:xfrm>
-            <a:off x="457200" y="1775191"/>
-            <a:ext cx="8043890" cy="4625609"/>
+            <a:off x="428596" y="1643050"/>
+            <a:ext cx="8309965" cy="4991205"/>
           </a:xfrm>
+          <a:prstGeom prst="rect">
+            <a:avLst/>
+          </a:prstGeom>
+          <a:noFill/>
+          <a:ln w="9525">
+            <a:noFill/>
+            <a:miter lim="800000"/>
+            <a:headEnd/>
+            <a:tailEnd/>
+          </a:ln>
+          <a:effectLst/>
         </p:spPr>
-        <p:txBody>
-          <a:bodyPr>
-            <a:normAutofit/>
-          </a:bodyPr>
-          <a:lstStyle/>
-          <a:p>
-            <a:endParaRPr lang="it-IT" dirty="0"/>
-          </a:p>
-        </p:txBody>
-      </p:sp>
+      </p:pic>
     </p:spTree>
   </p:cSld>
   <p:clrMapOvr>
@@ -4405,22 +6832,27 @@
             <p:ph type="title"/>
           </p:nvPr>
         </p:nvSpPr>
-        <p:spPr/>
+        <p:spPr>
+          <a:xfrm>
+            <a:off x="457200" y="155448"/>
+            <a:ext cx="6257940" cy="1252728"/>
+          </a:xfrm>
+        </p:spPr>
         <p:txBody>
           <a:bodyPr>
-            <a:normAutofit/>
+            <a:normAutofit fontScale="90000"/>
           </a:bodyPr>
           <a:lstStyle/>
           <a:p>
             <a:r>
-              <a:rPr lang="it-IT" dirty="0" err="1" smtClean="0">
+              <a:rPr lang="en-US" dirty="0" smtClean="0">
                 <a:solidFill>
                   <a:srgbClr val="FFC000"/>
                 </a:solidFill>
               </a:rPr>
-              <a:t>Summary</a:t>
-            </a:r>
-            <a:endParaRPr lang="it-IT" dirty="0">
+              <a:t>Real Time Prepaid System Configuration</a:t>
+            </a:r>
+            <a:endParaRPr lang="en-US" dirty="0">
               <a:solidFill>
                 <a:srgbClr val="FFC000"/>
               </a:solidFill>
@@ -4463,32 +6895,138 @@
           <a:noFill/>
         </p:spPr>
       </p:pic>
-      <p:sp>
-        <p:nvSpPr>
-          <p:cNvPr id="6" name="Segnaposto contenuto 5"/>
-          <p:cNvSpPr>
-            <a:spLocks noGrp="1"/>
-          </p:cNvSpPr>
-          <p:nvPr>
-            <p:ph idx="1"/>
-          </p:nvPr>
-        </p:nvSpPr>
-        <p:spPr>
+      <p:pic>
+        <p:nvPicPr>
+          <p:cNvPr id="2052" name="Picture 4"/>
+          <p:cNvPicPr>
+            <a:picLocks noChangeAspect="1" noChangeArrowheads="1"/>
+          </p:cNvPicPr>
+          <p:nvPr/>
+        </p:nvPicPr>
+        <p:blipFill>
+          <a:blip r:embed="rId3"/>
+          <a:srcRect l="6445" t="16875" r="27929" b="24062"/>
+          <a:stretch>
+            <a:fillRect/>
+          </a:stretch>
+        </p:blipFill>
+        <p:spPr bwMode="auto">
           <a:xfrm>
-            <a:off x="457200" y="1775191"/>
-            <a:ext cx="8043890" cy="4625609"/>
+            <a:off x="0" y="1571611"/>
+            <a:ext cx="9144000" cy="5143500"/>
           </a:xfrm>
+          <a:prstGeom prst="rect">
+            <a:avLst/>
+          </a:prstGeom>
+          <a:noFill/>
+          <a:ln w="9525">
+            <a:noFill/>
+            <a:miter lim="800000"/>
+            <a:headEnd/>
+            <a:tailEnd/>
+          </a:ln>
+          <a:effectLst/>
         </p:spPr>
-        <p:txBody>
-          <a:bodyPr>
-            <a:normAutofit/>
-          </a:bodyPr>
-          <a:lstStyle/>
-          <a:p>
-            <a:endParaRPr lang="it-IT" dirty="0"/>
-          </a:p>
-        </p:txBody>
-      </p:sp>
+      </p:pic>
+      <p:pic>
+        <p:nvPicPr>
+          <p:cNvPr id="14" name="Picture 4"/>
+          <p:cNvPicPr>
+            <a:picLocks noChangeAspect="1" noChangeArrowheads="1"/>
+          </p:cNvPicPr>
+          <p:nvPr/>
+        </p:nvPicPr>
+        <p:blipFill>
+          <a:blip r:embed="rId3"/>
+          <a:srcRect l="6445" t="16875" r="46455" b="72570"/>
+          <a:stretch>
+            <a:fillRect/>
+          </a:stretch>
+        </p:blipFill>
+        <p:spPr bwMode="auto">
+          <a:xfrm>
+            <a:off x="-1" y="1571611"/>
+            <a:ext cx="9144001" cy="1285885"/>
+          </a:xfrm>
+          <a:prstGeom prst="rect">
+            <a:avLst/>
+          </a:prstGeom>
+          <a:noFill/>
+          <a:ln w="9525">
+            <a:noFill/>
+            <a:miter lim="800000"/>
+            <a:headEnd/>
+            <a:tailEnd/>
+          </a:ln>
+          <a:effectLst/>
+        </p:spPr>
+      </p:pic>
+      <p:pic>
+        <p:nvPicPr>
+          <p:cNvPr id="15" name="Picture 4"/>
+          <p:cNvPicPr>
+            <a:picLocks noChangeAspect="1" noChangeArrowheads="1"/>
+          </p:cNvPicPr>
+          <p:nvPr/>
+        </p:nvPicPr>
+        <p:blipFill>
+          <a:blip r:embed="rId3"/>
+          <a:srcRect l="6445" t="27539" r="43823" b="42929"/>
+          <a:stretch>
+            <a:fillRect/>
+          </a:stretch>
+        </p:blipFill>
+        <p:spPr bwMode="auto">
+          <a:xfrm>
+            <a:off x="-1" y="2500306"/>
+            <a:ext cx="9046787" cy="3357586"/>
+          </a:xfrm>
+          <a:prstGeom prst="rect">
+            <a:avLst/>
+          </a:prstGeom>
+          <a:noFill/>
+          <a:ln w="9525">
+            <a:noFill/>
+            <a:miter lim="800000"/>
+            <a:headEnd/>
+            <a:tailEnd/>
+          </a:ln>
+          <a:effectLst/>
+        </p:spPr>
+      </p:pic>
+      <p:pic>
+        <p:nvPicPr>
+          <p:cNvPr id="16" name="Picture 4"/>
+          <p:cNvPicPr>
+            <a:picLocks noChangeAspect="1" noChangeArrowheads="1"/>
+          </p:cNvPicPr>
+          <p:nvPr/>
+        </p:nvPicPr>
+        <p:blipFill>
+          <a:blip r:embed="rId3"/>
+          <a:srcRect l="6445" t="56962" r="27929" b="24062"/>
+          <a:stretch>
+            <a:fillRect/>
+          </a:stretch>
+        </p:blipFill>
+        <p:spPr bwMode="auto">
+          <a:xfrm>
+            <a:off x="-33" y="4500570"/>
+            <a:ext cx="12701591" cy="2295503"/>
+          </a:xfrm>
+          <a:prstGeom prst="rect">
+            <a:avLst/>
+          </a:prstGeom>
+          <a:noFill/>
+          <a:ln w="9525">
+            <a:noFill/>
+            <a:miter lim="800000"/>
+            <a:headEnd/>
+            <a:tailEnd/>
+          </a:ln>
+          <a:effectLst/>
+        </p:spPr>
+      </p:pic>
     </p:spTree>
   </p:cSld>
   <p:clrMapOvr>
@@ -4500,7 +7038,673 @@
   <p:timing>
     <p:tnLst>
       <p:par>
-        <p:cTn id="1" dur="indefinite" restart="never" nodeType="tmRoot"/>
+        <p:cTn id="1" dur="indefinite" restart="never" nodeType="tmRoot">
+          <p:childTnLst>
+            <p:seq concurrent="1" nextAc="seek">
+              <p:cTn id="2" dur="indefinite" nodeType="mainSeq">
+                <p:childTnLst>
+                  <p:par>
+                    <p:cTn id="3" fill="hold">
+                      <p:stCondLst>
+                        <p:cond delay="indefinite"/>
+                      </p:stCondLst>
+                      <p:childTnLst>
+                        <p:par>
+                          <p:cTn id="4" fill="hold">
+                            <p:stCondLst>
+                              <p:cond delay="0"/>
+                            </p:stCondLst>
+                            <p:childTnLst>
+                              <p:par>
+                                <p:cTn id="5" presetID="9" presetClass="emph" presetSubtype="0" nodeType="clickEffect">
+                                  <p:stCondLst>
+                                    <p:cond delay="0"/>
+                                  </p:stCondLst>
+                                  <p:childTnLst>
+                                    <p:set>
+                                      <p:cBhvr rctx="PPT">
+                                        <p:cTn id="6" dur="indefinite"/>
+                                        <p:tgtEl>
+                                          <p:spTgt spid="2052"/>
+                                        </p:tgtEl>
+                                        <p:attrNameLst>
+                                          <p:attrName>style.opacity</p:attrName>
+                                        </p:attrNameLst>
+                                      </p:cBhvr>
+                                      <p:to>
+                                        <p:strVal val="0.25"/>
+                                      </p:to>
+                                    </p:set>
+                                    <p:animEffect filter="image" prLst="opacity: 0.25">
+                                      <p:cBhvr rctx="IE">
+                                        <p:cTn id="7" dur="indefinite"/>
+                                        <p:tgtEl>
+                                          <p:spTgt spid="2052"/>
+                                        </p:tgtEl>
+                                      </p:cBhvr>
+                                    </p:animEffect>
+                                  </p:childTnLst>
+                                </p:cTn>
+                              </p:par>
+                            </p:childTnLst>
+                          </p:cTn>
+                        </p:par>
+                      </p:childTnLst>
+                    </p:cTn>
+                  </p:par>
+                  <p:par>
+                    <p:cTn id="8" fill="hold">
+                      <p:stCondLst>
+                        <p:cond delay="indefinite"/>
+                      </p:stCondLst>
+                      <p:childTnLst>
+                        <p:par>
+                          <p:cTn id="9" fill="hold">
+                            <p:stCondLst>
+                              <p:cond delay="0"/>
+                            </p:stCondLst>
+                            <p:childTnLst>
+                              <p:par>
+                                <p:cTn id="10" presetID="53" presetClass="entr" presetSubtype="0" fill="hold" nodeType="clickEffect">
+                                  <p:stCondLst>
+                                    <p:cond delay="0"/>
+                                  </p:stCondLst>
+                                  <p:childTnLst>
+                                    <p:set>
+                                      <p:cBhvr>
+                                        <p:cTn id="11" dur="1" fill="hold">
+                                          <p:stCondLst>
+                                            <p:cond delay="0"/>
+                                          </p:stCondLst>
+                                        </p:cTn>
+                                        <p:tgtEl>
+                                          <p:spTgt spid="14"/>
+                                        </p:tgtEl>
+                                        <p:attrNameLst>
+                                          <p:attrName>style.visibility</p:attrName>
+                                        </p:attrNameLst>
+                                      </p:cBhvr>
+                                      <p:to>
+                                        <p:strVal val="visible"/>
+                                      </p:to>
+                                    </p:set>
+                                    <p:anim calcmode="lin" valueType="num">
+                                      <p:cBhvr>
+                                        <p:cTn id="12" dur="500" fill="hold"/>
+                                        <p:tgtEl>
+                                          <p:spTgt spid="14"/>
+                                        </p:tgtEl>
+                                        <p:attrNameLst>
+                                          <p:attrName>ppt_w</p:attrName>
+                                        </p:attrNameLst>
+                                      </p:cBhvr>
+                                      <p:tavLst>
+                                        <p:tav tm="0">
+                                          <p:val>
+                                            <p:fltVal val="0"/>
+                                          </p:val>
+                                        </p:tav>
+                                        <p:tav tm="100000">
+                                          <p:val>
+                                            <p:strVal val="#ppt_w"/>
+                                          </p:val>
+                                        </p:tav>
+                                      </p:tavLst>
+                                    </p:anim>
+                                    <p:anim calcmode="lin" valueType="num">
+                                      <p:cBhvr>
+                                        <p:cTn id="13" dur="500" fill="hold"/>
+                                        <p:tgtEl>
+                                          <p:spTgt spid="14"/>
+                                        </p:tgtEl>
+                                        <p:attrNameLst>
+                                          <p:attrName>ppt_h</p:attrName>
+                                        </p:attrNameLst>
+                                      </p:cBhvr>
+                                      <p:tavLst>
+                                        <p:tav tm="0">
+                                          <p:val>
+                                            <p:fltVal val="0"/>
+                                          </p:val>
+                                        </p:tav>
+                                        <p:tav tm="100000">
+                                          <p:val>
+                                            <p:strVal val="#ppt_h"/>
+                                          </p:val>
+                                        </p:tav>
+                                      </p:tavLst>
+                                    </p:anim>
+                                    <p:animEffect transition="in" filter="fade">
+                                      <p:cBhvr>
+                                        <p:cTn id="14" dur="500"/>
+                                        <p:tgtEl>
+                                          <p:spTgt spid="14"/>
+                                        </p:tgtEl>
+                                      </p:cBhvr>
+                                    </p:animEffect>
+                                  </p:childTnLst>
+                                </p:cTn>
+                              </p:par>
+                            </p:childTnLst>
+                          </p:cTn>
+                        </p:par>
+                      </p:childTnLst>
+                    </p:cTn>
+                  </p:par>
+                  <p:par>
+                    <p:cTn id="15" fill="hold">
+                      <p:stCondLst>
+                        <p:cond delay="indefinite"/>
+                      </p:stCondLst>
+                      <p:childTnLst>
+                        <p:par>
+                          <p:cTn id="16" fill="hold">
+                            <p:stCondLst>
+                              <p:cond delay="0"/>
+                            </p:stCondLst>
+                            <p:childTnLst>
+                              <p:par>
+                                <p:cTn id="17" presetID="53" presetClass="exit" presetSubtype="0" fill="hold" nodeType="clickEffect">
+                                  <p:stCondLst>
+                                    <p:cond delay="0"/>
+                                  </p:stCondLst>
+                                  <p:childTnLst>
+                                    <p:anim calcmode="lin" valueType="num">
+                                      <p:cBhvr>
+                                        <p:cTn id="18" dur="500"/>
+                                        <p:tgtEl>
+                                          <p:spTgt spid="14"/>
+                                        </p:tgtEl>
+                                        <p:attrNameLst>
+                                          <p:attrName>ppt_w</p:attrName>
+                                        </p:attrNameLst>
+                                      </p:cBhvr>
+                                      <p:tavLst>
+                                        <p:tav tm="0">
+                                          <p:val>
+                                            <p:strVal val="ppt_w"/>
+                                          </p:val>
+                                        </p:tav>
+                                        <p:tav tm="100000">
+                                          <p:val>
+                                            <p:fltVal val="0"/>
+                                          </p:val>
+                                        </p:tav>
+                                      </p:tavLst>
+                                    </p:anim>
+                                    <p:anim calcmode="lin" valueType="num">
+                                      <p:cBhvr>
+                                        <p:cTn id="19" dur="500"/>
+                                        <p:tgtEl>
+                                          <p:spTgt spid="14"/>
+                                        </p:tgtEl>
+                                        <p:attrNameLst>
+                                          <p:attrName>ppt_h</p:attrName>
+                                        </p:attrNameLst>
+                                      </p:cBhvr>
+                                      <p:tavLst>
+                                        <p:tav tm="0">
+                                          <p:val>
+                                            <p:strVal val="ppt_h"/>
+                                          </p:val>
+                                        </p:tav>
+                                        <p:tav tm="100000">
+                                          <p:val>
+                                            <p:fltVal val="0"/>
+                                          </p:val>
+                                        </p:tav>
+                                      </p:tavLst>
+                                    </p:anim>
+                                    <p:animEffect transition="out" filter="fade">
+                                      <p:cBhvr>
+                                        <p:cTn id="20" dur="500"/>
+                                        <p:tgtEl>
+                                          <p:spTgt spid="14"/>
+                                        </p:tgtEl>
+                                      </p:cBhvr>
+                                    </p:animEffect>
+                                    <p:set>
+                                      <p:cBhvr>
+                                        <p:cTn id="21" dur="1" fill="hold">
+                                          <p:stCondLst>
+                                            <p:cond delay="499"/>
+                                          </p:stCondLst>
+                                        </p:cTn>
+                                        <p:tgtEl>
+                                          <p:spTgt spid="14"/>
+                                        </p:tgtEl>
+                                        <p:attrNameLst>
+                                          <p:attrName>style.visibility</p:attrName>
+                                        </p:attrNameLst>
+                                      </p:cBhvr>
+                                      <p:to>
+                                        <p:strVal val="hidden"/>
+                                      </p:to>
+                                    </p:set>
+                                  </p:childTnLst>
+                                </p:cTn>
+                              </p:par>
+                            </p:childTnLst>
+                          </p:cTn>
+                        </p:par>
+                      </p:childTnLst>
+                    </p:cTn>
+                  </p:par>
+                  <p:par>
+                    <p:cTn id="22" fill="hold">
+                      <p:stCondLst>
+                        <p:cond delay="indefinite"/>
+                      </p:stCondLst>
+                      <p:childTnLst>
+                        <p:par>
+                          <p:cTn id="23" fill="hold">
+                            <p:stCondLst>
+                              <p:cond delay="0"/>
+                            </p:stCondLst>
+                            <p:childTnLst>
+                              <p:par>
+                                <p:cTn id="24" presetID="53" presetClass="entr" presetSubtype="0" fill="hold" nodeType="clickEffect">
+                                  <p:stCondLst>
+                                    <p:cond delay="0"/>
+                                  </p:stCondLst>
+                                  <p:childTnLst>
+                                    <p:set>
+                                      <p:cBhvr>
+                                        <p:cTn id="25" dur="1" fill="hold">
+                                          <p:stCondLst>
+                                            <p:cond delay="0"/>
+                                          </p:stCondLst>
+                                        </p:cTn>
+                                        <p:tgtEl>
+                                          <p:spTgt spid="15"/>
+                                        </p:tgtEl>
+                                        <p:attrNameLst>
+                                          <p:attrName>style.visibility</p:attrName>
+                                        </p:attrNameLst>
+                                      </p:cBhvr>
+                                      <p:to>
+                                        <p:strVal val="visible"/>
+                                      </p:to>
+                                    </p:set>
+                                    <p:anim calcmode="lin" valueType="num">
+                                      <p:cBhvr>
+                                        <p:cTn id="26" dur="500" fill="hold"/>
+                                        <p:tgtEl>
+                                          <p:spTgt spid="15"/>
+                                        </p:tgtEl>
+                                        <p:attrNameLst>
+                                          <p:attrName>ppt_w</p:attrName>
+                                        </p:attrNameLst>
+                                      </p:cBhvr>
+                                      <p:tavLst>
+                                        <p:tav tm="0">
+                                          <p:val>
+                                            <p:fltVal val="0"/>
+                                          </p:val>
+                                        </p:tav>
+                                        <p:tav tm="100000">
+                                          <p:val>
+                                            <p:strVal val="#ppt_w"/>
+                                          </p:val>
+                                        </p:tav>
+                                      </p:tavLst>
+                                    </p:anim>
+                                    <p:anim calcmode="lin" valueType="num">
+                                      <p:cBhvr>
+                                        <p:cTn id="27" dur="500" fill="hold"/>
+                                        <p:tgtEl>
+                                          <p:spTgt spid="15"/>
+                                        </p:tgtEl>
+                                        <p:attrNameLst>
+                                          <p:attrName>ppt_h</p:attrName>
+                                        </p:attrNameLst>
+                                      </p:cBhvr>
+                                      <p:tavLst>
+                                        <p:tav tm="0">
+                                          <p:val>
+                                            <p:fltVal val="0"/>
+                                          </p:val>
+                                        </p:tav>
+                                        <p:tav tm="100000">
+                                          <p:val>
+                                            <p:strVal val="#ppt_h"/>
+                                          </p:val>
+                                        </p:tav>
+                                      </p:tavLst>
+                                    </p:anim>
+                                    <p:animEffect transition="in" filter="fade">
+                                      <p:cBhvr>
+                                        <p:cTn id="28" dur="500"/>
+                                        <p:tgtEl>
+                                          <p:spTgt spid="15"/>
+                                        </p:tgtEl>
+                                      </p:cBhvr>
+                                    </p:animEffect>
+                                  </p:childTnLst>
+                                </p:cTn>
+                              </p:par>
+                            </p:childTnLst>
+                          </p:cTn>
+                        </p:par>
+                      </p:childTnLst>
+                    </p:cTn>
+                  </p:par>
+                  <p:par>
+                    <p:cTn id="29" fill="hold">
+                      <p:stCondLst>
+                        <p:cond delay="indefinite"/>
+                      </p:stCondLst>
+                      <p:childTnLst>
+                        <p:par>
+                          <p:cTn id="30" fill="hold">
+                            <p:stCondLst>
+                              <p:cond delay="0"/>
+                            </p:stCondLst>
+                            <p:childTnLst>
+                              <p:par>
+                                <p:cTn id="31" presetID="53" presetClass="exit" presetSubtype="0" fill="hold" nodeType="clickEffect">
+                                  <p:stCondLst>
+                                    <p:cond delay="0"/>
+                                  </p:stCondLst>
+                                  <p:childTnLst>
+                                    <p:anim calcmode="lin" valueType="num">
+                                      <p:cBhvr>
+                                        <p:cTn id="32" dur="500"/>
+                                        <p:tgtEl>
+                                          <p:spTgt spid="15"/>
+                                        </p:tgtEl>
+                                        <p:attrNameLst>
+                                          <p:attrName>ppt_w</p:attrName>
+                                        </p:attrNameLst>
+                                      </p:cBhvr>
+                                      <p:tavLst>
+                                        <p:tav tm="0">
+                                          <p:val>
+                                            <p:strVal val="ppt_w"/>
+                                          </p:val>
+                                        </p:tav>
+                                        <p:tav tm="100000">
+                                          <p:val>
+                                            <p:fltVal val="0"/>
+                                          </p:val>
+                                        </p:tav>
+                                      </p:tavLst>
+                                    </p:anim>
+                                    <p:anim calcmode="lin" valueType="num">
+                                      <p:cBhvr>
+                                        <p:cTn id="33" dur="500"/>
+                                        <p:tgtEl>
+                                          <p:spTgt spid="15"/>
+                                        </p:tgtEl>
+                                        <p:attrNameLst>
+                                          <p:attrName>ppt_h</p:attrName>
+                                        </p:attrNameLst>
+                                      </p:cBhvr>
+                                      <p:tavLst>
+                                        <p:tav tm="0">
+                                          <p:val>
+                                            <p:strVal val="ppt_h"/>
+                                          </p:val>
+                                        </p:tav>
+                                        <p:tav tm="100000">
+                                          <p:val>
+                                            <p:fltVal val="0"/>
+                                          </p:val>
+                                        </p:tav>
+                                      </p:tavLst>
+                                    </p:anim>
+                                    <p:animEffect transition="out" filter="fade">
+                                      <p:cBhvr>
+                                        <p:cTn id="34" dur="500"/>
+                                        <p:tgtEl>
+                                          <p:spTgt spid="15"/>
+                                        </p:tgtEl>
+                                      </p:cBhvr>
+                                    </p:animEffect>
+                                    <p:set>
+                                      <p:cBhvr>
+                                        <p:cTn id="35" dur="1" fill="hold">
+                                          <p:stCondLst>
+                                            <p:cond delay="499"/>
+                                          </p:stCondLst>
+                                        </p:cTn>
+                                        <p:tgtEl>
+                                          <p:spTgt spid="15"/>
+                                        </p:tgtEl>
+                                        <p:attrNameLst>
+                                          <p:attrName>style.visibility</p:attrName>
+                                        </p:attrNameLst>
+                                      </p:cBhvr>
+                                      <p:to>
+                                        <p:strVal val="hidden"/>
+                                      </p:to>
+                                    </p:set>
+                                  </p:childTnLst>
+                                </p:cTn>
+                              </p:par>
+                            </p:childTnLst>
+                          </p:cTn>
+                        </p:par>
+                      </p:childTnLst>
+                    </p:cTn>
+                  </p:par>
+                  <p:par>
+                    <p:cTn id="36" fill="hold">
+                      <p:stCondLst>
+                        <p:cond delay="indefinite"/>
+                      </p:stCondLst>
+                      <p:childTnLst>
+                        <p:par>
+                          <p:cTn id="37" fill="hold">
+                            <p:stCondLst>
+                              <p:cond delay="0"/>
+                            </p:stCondLst>
+                            <p:childTnLst>
+                              <p:par>
+                                <p:cTn id="38" presetID="53" presetClass="entr" presetSubtype="0" fill="hold" nodeType="clickEffect">
+                                  <p:stCondLst>
+                                    <p:cond delay="0"/>
+                                  </p:stCondLst>
+                                  <p:childTnLst>
+                                    <p:set>
+                                      <p:cBhvr>
+                                        <p:cTn id="39" dur="1" fill="hold">
+                                          <p:stCondLst>
+                                            <p:cond delay="0"/>
+                                          </p:stCondLst>
+                                        </p:cTn>
+                                        <p:tgtEl>
+                                          <p:spTgt spid="16"/>
+                                        </p:tgtEl>
+                                        <p:attrNameLst>
+                                          <p:attrName>style.visibility</p:attrName>
+                                        </p:attrNameLst>
+                                      </p:cBhvr>
+                                      <p:to>
+                                        <p:strVal val="visible"/>
+                                      </p:to>
+                                    </p:set>
+                                    <p:anim calcmode="lin" valueType="num">
+                                      <p:cBhvr>
+                                        <p:cTn id="40" dur="500" fill="hold"/>
+                                        <p:tgtEl>
+                                          <p:spTgt spid="16"/>
+                                        </p:tgtEl>
+                                        <p:attrNameLst>
+                                          <p:attrName>ppt_w</p:attrName>
+                                        </p:attrNameLst>
+                                      </p:cBhvr>
+                                      <p:tavLst>
+                                        <p:tav tm="0">
+                                          <p:val>
+                                            <p:fltVal val="0"/>
+                                          </p:val>
+                                        </p:tav>
+                                        <p:tav tm="100000">
+                                          <p:val>
+                                            <p:strVal val="#ppt_w"/>
+                                          </p:val>
+                                        </p:tav>
+                                      </p:tavLst>
+                                    </p:anim>
+                                    <p:anim calcmode="lin" valueType="num">
+                                      <p:cBhvr>
+                                        <p:cTn id="41" dur="500" fill="hold"/>
+                                        <p:tgtEl>
+                                          <p:spTgt spid="16"/>
+                                        </p:tgtEl>
+                                        <p:attrNameLst>
+                                          <p:attrName>ppt_h</p:attrName>
+                                        </p:attrNameLst>
+                                      </p:cBhvr>
+                                      <p:tavLst>
+                                        <p:tav tm="0">
+                                          <p:val>
+                                            <p:fltVal val="0"/>
+                                          </p:val>
+                                        </p:tav>
+                                        <p:tav tm="100000">
+                                          <p:val>
+                                            <p:strVal val="#ppt_h"/>
+                                          </p:val>
+                                        </p:tav>
+                                      </p:tavLst>
+                                    </p:anim>
+                                    <p:animEffect transition="in" filter="fade">
+                                      <p:cBhvr>
+                                        <p:cTn id="42" dur="500"/>
+                                        <p:tgtEl>
+                                          <p:spTgt spid="16"/>
+                                        </p:tgtEl>
+                                      </p:cBhvr>
+                                    </p:animEffect>
+                                  </p:childTnLst>
+                                </p:cTn>
+                              </p:par>
+                            </p:childTnLst>
+                          </p:cTn>
+                        </p:par>
+                      </p:childTnLst>
+                    </p:cTn>
+                  </p:par>
+                  <p:par>
+                    <p:cTn id="43" fill="hold">
+                      <p:stCondLst>
+                        <p:cond delay="indefinite"/>
+                      </p:stCondLst>
+                      <p:childTnLst>
+                        <p:par>
+                          <p:cTn id="44" fill="hold">
+                            <p:stCondLst>
+                              <p:cond delay="0"/>
+                            </p:stCondLst>
+                            <p:childTnLst>
+                              <p:par>
+                                <p:cTn id="45" presetID="53" presetClass="exit" presetSubtype="0" fill="hold" nodeType="clickEffect">
+                                  <p:stCondLst>
+                                    <p:cond delay="0"/>
+                                  </p:stCondLst>
+                                  <p:childTnLst>
+                                    <p:anim calcmode="lin" valueType="num">
+                                      <p:cBhvr>
+                                        <p:cTn id="46" dur="500"/>
+                                        <p:tgtEl>
+                                          <p:spTgt spid="16"/>
+                                        </p:tgtEl>
+                                        <p:attrNameLst>
+                                          <p:attrName>ppt_w</p:attrName>
+                                        </p:attrNameLst>
+                                      </p:cBhvr>
+                                      <p:tavLst>
+                                        <p:tav tm="0">
+                                          <p:val>
+                                            <p:strVal val="ppt_w"/>
+                                          </p:val>
+                                        </p:tav>
+                                        <p:tav tm="100000">
+                                          <p:val>
+                                            <p:fltVal val="0"/>
+                                          </p:val>
+                                        </p:tav>
+                                      </p:tavLst>
+                                    </p:anim>
+                                    <p:anim calcmode="lin" valueType="num">
+                                      <p:cBhvr>
+                                        <p:cTn id="47" dur="500"/>
+                                        <p:tgtEl>
+                                          <p:spTgt spid="16"/>
+                                        </p:tgtEl>
+                                        <p:attrNameLst>
+                                          <p:attrName>ppt_h</p:attrName>
+                                        </p:attrNameLst>
+                                      </p:cBhvr>
+                                      <p:tavLst>
+                                        <p:tav tm="0">
+                                          <p:val>
+                                            <p:strVal val="ppt_h"/>
+                                          </p:val>
+                                        </p:tav>
+                                        <p:tav tm="100000">
+                                          <p:val>
+                                            <p:fltVal val="0"/>
+                                          </p:val>
+                                        </p:tav>
+                                      </p:tavLst>
+                                    </p:anim>
+                                    <p:animEffect transition="out" filter="fade">
+                                      <p:cBhvr>
+                                        <p:cTn id="48" dur="500"/>
+                                        <p:tgtEl>
+                                          <p:spTgt spid="16"/>
+                                        </p:tgtEl>
+                                      </p:cBhvr>
+                                    </p:animEffect>
+                                    <p:set>
+                                      <p:cBhvr>
+                                        <p:cTn id="49" dur="1" fill="hold">
+                                          <p:stCondLst>
+                                            <p:cond delay="499"/>
+                                          </p:stCondLst>
+                                        </p:cTn>
+                                        <p:tgtEl>
+                                          <p:spTgt spid="16"/>
+                                        </p:tgtEl>
+                                        <p:attrNameLst>
+                                          <p:attrName>style.visibility</p:attrName>
+                                        </p:attrNameLst>
+                                      </p:cBhvr>
+                                      <p:to>
+                                        <p:strVal val="hidden"/>
+                                      </p:to>
+                                    </p:set>
+                                  </p:childTnLst>
+                                </p:cTn>
+                              </p:par>
+                            </p:childTnLst>
+                          </p:cTn>
+                        </p:par>
+                      </p:childTnLst>
+                    </p:cTn>
+                  </p:par>
+                </p:childTnLst>
+              </p:cTn>
+              <p:prevCondLst>
+                <p:cond evt="onPrev" delay="0">
+                  <p:tgtEl>
+                    <p:sldTgt/>
+                  </p:tgtEl>
+                </p:cond>
+              </p:prevCondLst>
+              <p:nextCondLst>
+                <p:cond evt="onNext" delay="0">
+                  <p:tgtEl>
+                    <p:sldTgt/>
+                  </p:tgtEl>
+                </p:cond>
+              </p:nextCondLst>
+            </p:seq>
+          </p:childTnLst>
+        </p:cTn>
       </p:par>
     </p:tnLst>
   </p:timing>
@@ -4534,7 +7738,12 @@
             <p:ph type="title"/>
           </p:nvPr>
         </p:nvSpPr>
-        <p:spPr/>
+        <p:spPr>
+          <a:xfrm>
+            <a:off x="457200" y="155448"/>
+            <a:ext cx="6257940" cy="1252728"/>
+          </a:xfrm>
+        </p:spPr>
         <p:txBody>
           <a:bodyPr>
             <a:normAutofit/>
@@ -4542,14 +7751,14 @@
           <a:lstStyle/>
           <a:p>
             <a:r>
-              <a:rPr lang="it-IT" dirty="0" err="1" smtClean="0">
+              <a:rPr lang="en-US" dirty="0" smtClean="0">
                 <a:solidFill>
                   <a:srgbClr val="FFC000"/>
                 </a:solidFill>
               </a:rPr>
-              <a:t>Summary</a:t>
-            </a:r>
-            <a:endParaRPr lang="it-IT" dirty="0">
+              <a:t>Throughput</a:t>
+            </a:r>
+            <a:endParaRPr lang="en-US" dirty="0">
               <a:solidFill>
                 <a:srgbClr val="FFC000"/>
               </a:solidFill>
@@ -4592,6 +7801,274 @@
           <a:noFill/>
         </p:spPr>
       </p:pic>
+      <p:pic>
+        <p:nvPicPr>
+          <p:cNvPr id="3074" name="Picture 2" descr="C:\Users\error0\Documents\universita\tesi\workspace\tesi\tex\img\result10.jpg"/>
+          <p:cNvPicPr>
+            <a:picLocks noChangeAspect="1" noChangeArrowheads="1"/>
+          </p:cNvPicPr>
+          <p:nvPr/>
+        </p:nvPicPr>
+        <p:blipFill>
+          <a:blip r:embed="rId3"/>
+          <a:srcRect t="15095" b="5390"/>
+          <a:stretch>
+            <a:fillRect/>
+          </a:stretch>
+        </p:blipFill>
+        <p:spPr bwMode="auto">
+          <a:xfrm>
+            <a:off x="273612" y="1500174"/>
+            <a:ext cx="8727544" cy="4857784"/>
+          </a:xfrm>
+          <a:prstGeom prst="rect">
+            <a:avLst/>
+          </a:prstGeom>
+          <a:noFill/>
+        </p:spPr>
+      </p:pic>
+    </p:spTree>
+  </p:cSld>
+  <p:clrMapOvr>
+    <a:masterClrMapping/>
+  </p:clrMapOvr>
+  <p:transition>
+    <p:fade/>
+  </p:transition>
+  <p:timing>
+    <p:tnLst>
+      <p:par>
+        <p:cTn id="1" dur="indefinite" restart="never" nodeType="tmRoot"/>
+      </p:par>
+    </p:tnLst>
+  </p:timing>
+</p:sld>
+</file>
+
+<file path=ppt/slides/slide14.xml><?xml version="1.0" encoding="utf-8"?>
+<p:sld xmlns:a="http://schemas.openxmlformats.org/drawingml/2006/main" xmlns:r="http://schemas.openxmlformats.org/officeDocument/2006/relationships" xmlns:p="http://schemas.openxmlformats.org/presentationml/2006/main">
+  <p:cSld>
+    <p:spTree>
+      <p:nvGrpSpPr>
+        <p:cNvPr id="1" name=""/>
+        <p:cNvGrpSpPr/>
+        <p:nvPr/>
+      </p:nvGrpSpPr>
+      <p:grpSpPr>
+        <a:xfrm>
+          <a:off x="0" y="0"/>
+          <a:ext cx="0" cy="0"/>
+          <a:chOff x="0" y="0"/>
+          <a:chExt cx="0" cy="0"/>
+        </a:xfrm>
+      </p:grpSpPr>
+      <p:sp>
+        <p:nvSpPr>
+          <p:cNvPr id="2" name="Titolo 1"/>
+          <p:cNvSpPr>
+            <a:spLocks noGrp="1"/>
+          </p:cNvSpPr>
+          <p:nvPr>
+            <p:ph type="title"/>
+          </p:nvPr>
+        </p:nvSpPr>
+        <p:spPr>
+          <a:xfrm>
+            <a:off x="457200" y="155448"/>
+            <a:ext cx="6257940" cy="1252728"/>
+          </a:xfrm>
+        </p:spPr>
+        <p:txBody>
+          <a:bodyPr>
+            <a:normAutofit/>
+          </a:bodyPr>
+          <a:lstStyle/>
+          <a:p>
+            <a:r>
+              <a:rPr lang="en-US" dirty="0" smtClean="0">
+                <a:solidFill>
+                  <a:srgbClr val="FFC000"/>
+                </a:solidFill>
+              </a:rPr>
+              <a:t>Memory Usage</a:t>
+            </a:r>
+            <a:endParaRPr lang="en-US" dirty="0">
+              <a:solidFill>
+                <a:srgbClr val="FFC000"/>
+              </a:solidFill>
+            </a:endParaRPr>
+          </a:p>
+        </p:txBody>
+      </p:sp>
+      <p:pic>
+        <p:nvPicPr>
+          <p:cNvPr id="4" name="Picture 4" descr="C:\Users\error0\Desktop\logoRoma32.gif"/>
+          <p:cNvPicPr>
+            <a:picLocks noChangeAspect="1" noChangeArrowheads="1"/>
+          </p:cNvPicPr>
+          <p:nvPr/>
+        </p:nvPicPr>
+        <p:blipFill>
+          <a:blip r:embed="rId2">
+            <a:duotone>
+              <a:schemeClr val="accent1">
+                <a:shade val="45000"/>
+                <a:satMod val="135000"/>
+              </a:schemeClr>
+              <a:prstClr val="white"/>
+            </a:duotone>
+            <a:lum bright="20000"/>
+          </a:blip>
+          <a:srcRect/>
+          <a:stretch>
+            <a:fillRect/>
+          </a:stretch>
+        </p:blipFill>
+        <p:spPr bwMode="auto">
+          <a:xfrm>
+            <a:off x="6858016" y="153964"/>
+            <a:ext cx="2214578" cy="1131896"/>
+          </a:xfrm>
+          <a:prstGeom prst="rect">
+            <a:avLst/>
+          </a:prstGeom>
+          <a:noFill/>
+        </p:spPr>
+      </p:pic>
+      <p:pic>
+        <p:nvPicPr>
+          <p:cNvPr id="4098" name="Picture 2" descr="C:\Users\error0\Documents\universita\tesi\workspace\tesi\tex\img\result11.jpg"/>
+          <p:cNvPicPr>
+            <a:picLocks noChangeAspect="1" noChangeArrowheads="1"/>
+          </p:cNvPicPr>
+          <p:nvPr/>
+        </p:nvPicPr>
+        <p:blipFill>
+          <a:blip r:embed="rId3"/>
+          <a:srcRect t="14643" r="-250" b="5000"/>
+          <a:stretch>
+            <a:fillRect/>
+          </a:stretch>
+        </p:blipFill>
+        <p:spPr bwMode="auto">
+          <a:xfrm>
+            <a:off x="33020" y="1571612"/>
+            <a:ext cx="9039574" cy="5072098"/>
+          </a:xfrm>
+          <a:prstGeom prst="rect">
+            <a:avLst/>
+          </a:prstGeom>
+          <a:noFill/>
+        </p:spPr>
+      </p:pic>
+    </p:spTree>
+  </p:cSld>
+  <p:clrMapOvr>
+    <a:masterClrMapping/>
+  </p:clrMapOvr>
+  <p:transition>
+    <p:fade/>
+  </p:transition>
+  <p:timing>
+    <p:tnLst>
+      <p:par>
+        <p:cTn id="1" dur="indefinite" restart="never" nodeType="tmRoot"/>
+      </p:par>
+    </p:tnLst>
+  </p:timing>
+</p:sld>
+</file>
+
+<file path=ppt/slides/slide15.xml><?xml version="1.0" encoding="utf-8"?>
+<p:sld xmlns:a="http://schemas.openxmlformats.org/drawingml/2006/main" xmlns:r="http://schemas.openxmlformats.org/officeDocument/2006/relationships" xmlns:p="http://schemas.openxmlformats.org/presentationml/2006/main">
+  <p:cSld>
+    <p:spTree>
+      <p:nvGrpSpPr>
+        <p:cNvPr id="1" name=""/>
+        <p:cNvGrpSpPr/>
+        <p:nvPr/>
+      </p:nvGrpSpPr>
+      <p:grpSpPr>
+        <a:xfrm>
+          <a:off x="0" y="0"/>
+          <a:ext cx="0" cy="0"/>
+          <a:chOff x="0" y="0"/>
+          <a:chExt cx="0" cy="0"/>
+        </a:xfrm>
+      </p:grpSpPr>
+      <p:sp>
+        <p:nvSpPr>
+          <p:cNvPr id="2" name="Titolo 1"/>
+          <p:cNvSpPr>
+            <a:spLocks noGrp="1"/>
+          </p:cNvSpPr>
+          <p:nvPr>
+            <p:ph type="title"/>
+          </p:nvPr>
+        </p:nvSpPr>
+        <p:spPr>
+          <a:xfrm>
+            <a:off x="457200" y="155448"/>
+            <a:ext cx="6257940" cy="1252728"/>
+          </a:xfrm>
+        </p:spPr>
+        <p:txBody>
+          <a:bodyPr>
+            <a:normAutofit/>
+          </a:bodyPr>
+          <a:lstStyle/>
+          <a:p>
+            <a:r>
+              <a:rPr lang="en-US" dirty="0" smtClean="0">
+                <a:solidFill>
+                  <a:srgbClr val="FFC000"/>
+                </a:solidFill>
+              </a:rPr>
+              <a:t>Conclusion</a:t>
+            </a:r>
+            <a:endParaRPr lang="en-US" dirty="0">
+              <a:solidFill>
+                <a:srgbClr val="FFC000"/>
+              </a:solidFill>
+            </a:endParaRPr>
+          </a:p>
+        </p:txBody>
+      </p:sp>
+      <p:pic>
+        <p:nvPicPr>
+          <p:cNvPr id="4" name="Picture 4" descr="C:\Users\error0\Desktop\logoRoma32.gif"/>
+          <p:cNvPicPr>
+            <a:picLocks noChangeAspect="1" noChangeArrowheads="1"/>
+          </p:cNvPicPr>
+          <p:nvPr/>
+        </p:nvPicPr>
+        <p:blipFill>
+          <a:blip r:embed="rId2">
+            <a:duotone>
+              <a:schemeClr val="accent1">
+                <a:shade val="45000"/>
+                <a:satMod val="135000"/>
+              </a:schemeClr>
+              <a:prstClr val="white"/>
+            </a:duotone>
+            <a:lum bright="20000"/>
+          </a:blip>
+          <a:srcRect/>
+          <a:stretch>
+            <a:fillRect/>
+          </a:stretch>
+        </p:blipFill>
+        <p:spPr bwMode="auto">
+          <a:xfrm>
+            <a:off x="6858016" y="153964"/>
+            <a:ext cx="2214578" cy="1131896"/>
+          </a:xfrm>
+          <a:prstGeom prst="rect">
+            <a:avLst/>
+          </a:prstGeom>
+          <a:noFill/>
+        </p:spPr>
+      </p:pic>
       <p:sp>
         <p:nvSpPr>
           <p:cNvPr id="6" name="Segnaposto contenuto 5"/>
@@ -4610,11 +8087,186 @@
         </p:spPr>
         <p:txBody>
           <a:bodyPr>
-            <a:normAutofit/>
+            <a:normAutofit fontScale="77500" lnSpcReduction="20000"/>
           </a:bodyPr>
           <a:lstStyle/>
           <a:p>
-            <a:endParaRPr lang="it-IT" dirty="0"/>
+            <a:r>
+              <a:rPr lang="en-US" dirty="0" err="1" smtClean="0"/>
+              <a:t>contributi</a:t>
+            </a:r>
+            <a:r>
+              <a:rPr lang="en-US" dirty="0" smtClean="0"/>
+              <a:t>:</a:t>
+            </a:r>
+          </a:p>
+          <a:p>
+            <a:r>
+              <a:rPr lang="en-US" dirty="0" smtClean="0"/>
+              <a:t>- </a:t>
+            </a:r>
+            <a:r>
+              <a:rPr lang="en-US" dirty="0" err="1" smtClean="0"/>
+              <a:t>introduzione</a:t>
+            </a:r>
+            <a:r>
+              <a:rPr lang="en-US" dirty="0" smtClean="0"/>
+              <a:t> </a:t>
+            </a:r>
+            <a:r>
+              <a:rPr lang="en-US" dirty="0" err="1" smtClean="0"/>
+              <a:t>agli</a:t>
+            </a:r>
+            <a:r>
+              <a:rPr lang="en-US" dirty="0" smtClean="0"/>
+              <a:t> IMDB</a:t>
+            </a:r>
+          </a:p>
+          <a:p>
+            <a:r>
+              <a:rPr lang="en-US" dirty="0" smtClean="0"/>
+              <a:t>- </a:t>
+            </a:r>
+            <a:r>
+              <a:rPr lang="en-US" dirty="0" err="1" smtClean="0"/>
+              <a:t>diversi</a:t>
+            </a:r>
+            <a:r>
+              <a:rPr lang="en-US" dirty="0" smtClean="0"/>
+              <a:t> </a:t>
+            </a:r>
+            <a:r>
+              <a:rPr lang="en-US" dirty="0" err="1" smtClean="0"/>
+              <a:t>prodotti</a:t>
+            </a:r>
+            <a:r>
+              <a:rPr lang="en-US" dirty="0" smtClean="0"/>
+              <a:t> </a:t>
+            </a:r>
+            <a:r>
+              <a:rPr lang="en-US" dirty="0" err="1" smtClean="0"/>
+              <a:t>analizzati</a:t>
+            </a:r>
+            <a:r>
+              <a:rPr lang="en-US" dirty="0" smtClean="0"/>
+              <a:t> in-depth</a:t>
+            </a:r>
+          </a:p>
+          <a:p>
+            <a:r>
+              <a:rPr lang="en-US" dirty="0" smtClean="0"/>
+              <a:t>- </a:t>
+            </a:r>
+            <a:r>
+              <a:rPr lang="en-US" dirty="0" err="1" smtClean="0"/>
+              <a:t>introduzione</a:t>
+            </a:r>
+            <a:r>
+              <a:rPr lang="en-US" dirty="0" smtClean="0"/>
+              <a:t> al </a:t>
+            </a:r>
+            <a:r>
+              <a:rPr lang="en-US" dirty="0" err="1" smtClean="0"/>
+              <a:t>problema</a:t>
+            </a:r>
+            <a:r>
+              <a:rPr lang="en-US" dirty="0" smtClean="0"/>
+              <a:t> </a:t>
+            </a:r>
+            <a:r>
+              <a:rPr lang="en-US" dirty="0" err="1" smtClean="0"/>
+              <a:t>delle</a:t>
+            </a:r>
+            <a:r>
+              <a:rPr lang="en-US" dirty="0" smtClean="0"/>
+              <a:t> performance analysis</a:t>
+            </a:r>
+          </a:p>
+          <a:p>
+            <a:r>
+              <a:rPr lang="en-US" dirty="0" smtClean="0"/>
+              <a:t>- user guide</a:t>
+            </a:r>
+          </a:p>
+          <a:p>
+            <a:r>
+              <a:rPr lang="en-US" dirty="0" smtClean="0"/>
+              <a:t>- </a:t>
+            </a:r>
+            <a:r>
+              <a:rPr lang="en-US" dirty="0" err="1" smtClean="0"/>
+              <a:t>possibilità</a:t>
+            </a:r>
+            <a:r>
+              <a:rPr lang="en-US" dirty="0" smtClean="0"/>
+              <a:t> </a:t>
+            </a:r>
+            <a:r>
+              <a:rPr lang="en-US" dirty="0" err="1" smtClean="0"/>
+              <a:t>di</a:t>
+            </a:r>
+            <a:r>
+              <a:rPr lang="en-US" dirty="0" smtClean="0"/>
+              <a:t> </a:t>
+            </a:r>
+            <a:r>
+              <a:rPr lang="en-US" dirty="0" err="1" smtClean="0"/>
+              <a:t>definire</a:t>
+            </a:r>
+            <a:r>
+              <a:rPr lang="en-US" dirty="0" smtClean="0"/>
+              <a:t> </a:t>
+            </a:r>
+            <a:r>
+              <a:rPr lang="en-US" dirty="0" err="1" smtClean="0"/>
+              <a:t>grafici</a:t>
+            </a:r>
+            <a:r>
+              <a:rPr lang="en-US" dirty="0" smtClean="0"/>
+              <a:t> </a:t>
+            </a:r>
+          </a:p>
+          <a:p>
+            <a:endParaRPr lang="en-US" dirty="0" smtClean="0"/>
+          </a:p>
+          <a:p>
+            <a:r>
+              <a:rPr lang="en-US" dirty="0" smtClean="0"/>
+              <a:t>future development:</a:t>
+            </a:r>
+          </a:p>
+          <a:p>
+            <a:r>
+              <a:rPr lang="en-US" dirty="0" smtClean="0"/>
+              <a:t>- new tests and databases</a:t>
+            </a:r>
+          </a:p>
+          <a:p>
+            <a:r>
+              <a:rPr lang="en-US" dirty="0" smtClean="0"/>
+              <a:t>- new reporters</a:t>
+            </a:r>
+          </a:p>
+          <a:p>
+            <a:r>
+              <a:rPr lang="en-US" dirty="0" smtClean="0"/>
+              <a:t>- new GUI con reporters </a:t>
+            </a:r>
+            <a:r>
+              <a:rPr lang="en-US" dirty="0" err="1" smtClean="0"/>
+              <a:t>generati</a:t>
+            </a:r>
+            <a:r>
+              <a:rPr lang="en-US" dirty="0" smtClean="0"/>
+              <a:t> a posteriori</a:t>
+            </a:r>
+          </a:p>
+          <a:p>
+            <a:r>
+              <a:rPr lang="en-US" dirty="0" smtClean="0"/>
+              <a:t>- new layer technology for mapping (framework in the framework)</a:t>
+            </a:r>
+            <a:endParaRPr lang="en-US" dirty="0"/>
           </a:p>
         </p:txBody>
       </p:sp>
@@ -4761,7 +8413,7 @@
           <a:lstStyle/>
           <a:p>
             <a:pPr algn="ctr"/>
-            <a:endParaRPr lang="it-IT"/>
+            <a:endParaRPr lang="it-IT" dirty="0"/>
           </a:p>
         </p:txBody>
       </p:sp>
@@ -4783,14 +8435,14 @@
           <a:lstStyle/>
           <a:p>
             <a:r>
-              <a:rPr lang="it-IT" dirty="0" err="1" smtClean="0">
+              <a:rPr lang="en-US" dirty="0" smtClean="0">
                 <a:solidFill>
                   <a:srgbClr val="FFC000"/>
                 </a:solidFill>
               </a:rPr>
               <a:t>Context</a:t>
             </a:r>
-            <a:endParaRPr lang="it-IT" dirty="0">
+            <a:endParaRPr lang="en-US" dirty="0">
               <a:solidFill>
                 <a:srgbClr val="FFC000"/>
               </a:solidFill>
@@ -4865,11 +8517,7 @@
             </a:r>
             <a:r>
               <a:rPr lang="en-US" dirty="0" smtClean="0"/>
-              <a:t> is a structured collection of </a:t>
-            </a:r>
-            <a:r>
-              <a:rPr lang="en-US" dirty="0" smtClean="0"/>
-              <a:t>data</a:t>
+              <a:t> is a structured collection of data</a:t>
             </a:r>
           </a:p>
           <a:p>
@@ -4894,11 +8542,7 @@
             </a:r>
             <a:r>
               <a:rPr lang="en-US" dirty="0" smtClean="0"/>
-              <a:t>) is computer software that manages </a:t>
-            </a:r>
-            <a:r>
-              <a:rPr lang="en-US" dirty="0" smtClean="0"/>
-              <a:t>databases</a:t>
+              <a:t>) is computer software that manages databases</a:t>
             </a:r>
           </a:p>
           <a:p>
@@ -4923,11 +8567,7 @@
             </a:r>
             <a:r>
               <a:rPr lang="en-US" dirty="0" smtClean="0"/>
-              <a:t>) </a:t>
-            </a:r>
-            <a:r>
-              <a:rPr lang="en-US" dirty="0" smtClean="0"/>
-              <a:t>is a database management system that primarily relies on main memory</a:t>
+              <a:t>) is a database management system that primarily relies on main memory</a:t>
             </a:r>
             <a:endParaRPr lang="it-IT" dirty="0"/>
           </a:p>
@@ -4975,7 +8615,7 @@
           <a:lstStyle/>
           <a:p>
             <a:pPr algn="ctr"/>
-            <a:endParaRPr lang="it-IT"/>
+            <a:endParaRPr lang="it-IT" dirty="0"/>
           </a:p>
         </p:txBody>
       </p:sp>
@@ -5601,7 +9241,15 @@
                   <a:srgbClr val="FFC000"/>
                 </a:solidFill>
               </a:rPr>
-              <a:t>Summary</a:t>
+              <a:t>Application</a:t>
+            </a:r>
+            <a:r>
+              <a:rPr lang="it-IT" dirty="0" smtClean="0">
+                <a:solidFill>
+                  <a:srgbClr val="FFC000"/>
+                </a:solidFill>
+              </a:rPr>
+              <a:t> Scenario</a:t>
             </a:r>
             <a:endParaRPr lang="it-IT" dirty="0">
               <a:solidFill>
@@ -5664,180 +9312,45 @@
         </p:spPr>
         <p:txBody>
           <a:bodyPr>
-            <a:normAutofit fontScale="92500" lnSpcReduction="20000"/>
+            <a:normAutofit/>
           </a:bodyPr>
           <a:lstStyle/>
           <a:p>
             <a:r>
-              <a:rPr lang="it-IT" dirty="0" err="1" smtClean="0"/>
-              <a:t>Comparison</a:t>
-            </a:r>
-            <a:r>
-              <a:rPr lang="it-IT" dirty="0" smtClean="0"/>
-              <a:t> </a:t>
-            </a:r>
-            <a:r>
-              <a:rPr lang="it-IT" dirty="0" err="1" smtClean="0"/>
-              <a:t>Against</a:t>
-            </a:r>
-            <a:r>
-              <a:rPr lang="it-IT" dirty="0" smtClean="0"/>
-              <a:t> </a:t>
-            </a:r>
-            <a:r>
-              <a:rPr lang="it-IT" dirty="0" err="1" smtClean="0"/>
-              <a:t>Traditional</a:t>
-            </a:r>
-            <a:r>
-              <a:rPr lang="it-IT" dirty="0" smtClean="0"/>
-              <a:t> DBMS</a:t>
-            </a:r>
-          </a:p>
-          <a:p>
-            <a:r>
-              <a:rPr lang="it-IT" dirty="0" err="1" smtClean="0"/>
-              <a:t>Advantages</a:t>
-            </a:r>
-            <a:r>
-              <a:rPr lang="it-IT" dirty="0" smtClean="0"/>
-              <a:t> and </a:t>
-            </a:r>
-            <a:r>
-              <a:rPr lang="it-IT" dirty="0" err="1" smtClean="0"/>
-              <a:t>Disadvantages</a:t>
-            </a:r>
-            <a:endParaRPr lang="it-IT" dirty="0" smtClean="0"/>
-          </a:p>
-          <a:p>
-            <a:r>
-              <a:rPr lang="it-IT" dirty="0" smtClean="0"/>
-              <a:t>Performance </a:t>
-            </a:r>
-            <a:r>
-              <a:rPr lang="it-IT" dirty="0" err="1" smtClean="0"/>
-              <a:t>Analysis</a:t>
-            </a:r>
-            <a:endParaRPr lang="it-IT" dirty="0" smtClean="0"/>
-          </a:p>
-          <a:p>
-            <a:r>
-              <a:rPr lang="it-IT" dirty="0" smtClean="0"/>
-              <a:t>Benchmark</a:t>
-            </a:r>
-          </a:p>
-          <a:p>
-            <a:r>
-              <a:rPr lang="it-IT" dirty="0" err="1" smtClean="0"/>
-              <a:t>Functional</a:t>
-            </a:r>
-            <a:r>
-              <a:rPr lang="it-IT" dirty="0" smtClean="0"/>
-              <a:t> </a:t>
-            </a:r>
-            <a:r>
-              <a:rPr lang="it-IT" dirty="0" err="1" smtClean="0"/>
-              <a:t>View</a:t>
-            </a:r>
-            <a:endParaRPr lang="it-IT" dirty="0" smtClean="0"/>
-          </a:p>
-          <a:p>
-            <a:r>
-              <a:rPr lang="it-IT" dirty="0" err="1" smtClean="0"/>
-              <a:t>Development</a:t>
-            </a:r>
-            <a:r>
-              <a:rPr lang="it-IT" dirty="0" smtClean="0"/>
-              <a:t> </a:t>
-            </a:r>
-            <a:r>
-              <a:rPr lang="it-IT" dirty="0" err="1" smtClean="0"/>
-              <a:t>View</a:t>
-            </a:r>
-            <a:endParaRPr lang="it-IT" dirty="0" smtClean="0"/>
-          </a:p>
-          <a:p>
-            <a:r>
-              <a:rPr lang="it-IT" dirty="0" err="1" smtClean="0"/>
-              <a:t>Real</a:t>
-            </a:r>
-            <a:r>
-              <a:rPr lang="it-IT" dirty="0" smtClean="0"/>
-              <a:t> </a:t>
-            </a:r>
-            <a:r>
-              <a:rPr lang="it-IT" dirty="0" err="1" smtClean="0"/>
-              <a:t>Time</a:t>
-            </a:r>
-            <a:r>
-              <a:rPr lang="it-IT" dirty="0" smtClean="0"/>
-              <a:t> </a:t>
-            </a:r>
-            <a:r>
-              <a:rPr lang="it-IT" dirty="0" err="1" smtClean="0"/>
-              <a:t>Prepaid</a:t>
-            </a:r>
-            <a:r>
-              <a:rPr lang="it-IT" dirty="0" smtClean="0"/>
-              <a:t> System – </a:t>
-            </a:r>
-            <a:r>
-              <a:rPr lang="it-IT" dirty="0" err="1" smtClean="0"/>
-              <a:t>configuration</a:t>
-            </a:r>
-            <a:endParaRPr lang="it-IT" dirty="0" smtClean="0"/>
-          </a:p>
-          <a:p>
-            <a:r>
-              <a:rPr lang="it-IT" dirty="0" err="1" smtClean="0"/>
-              <a:t>Result</a:t>
-            </a:r>
-            <a:r>
-              <a:rPr lang="it-IT" dirty="0" smtClean="0"/>
-              <a:t> 1</a:t>
-            </a:r>
-          </a:p>
-          <a:p>
-            <a:r>
-              <a:rPr lang="it-IT" dirty="0" err="1" smtClean="0"/>
-              <a:t>Result</a:t>
-            </a:r>
-            <a:r>
-              <a:rPr lang="it-IT" dirty="0" smtClean="0"/>
-              <a:t> 2</a:t>
-            </a:r>
-          </a:p>
-          <a:p>
-            <a:r>
-              <a:rPr lang="it-IT" dirty="0" err="1" smtClean="0"/>
-              <a:t>Conclusion</a:t>
-            </a:r>
-            <a:r>
-              <a:rPr lang="it-IT" dirty="0" smtClean="0"/>
-              <a:t>: </a:t>
-            </a:r>
-            <a:r>
-              <a:rPr lang="it-IT" dirty="0" err="1" smtClean="0"/>
-              <a:t>Contributions</a:t>
-            </a:r>
-            <a:endParaRPr lang="it-IT" dirty="0" smtClean="0"/>
-          </a:p>
-          <a:p>
-            <a:r>
-              <a:rPr lang="it-IT" dirty="0" err="1" smtClean="0"/>
-              <a:t>Conlusion</a:t>
-            </a:r>
-            <a:r>
-              <a:rPr lang="it-IT" dirty="0" smtClean="0"/>
-              <a:t>: Future </a:t>
-            </a:r>
-            <a:r>
-              <a:rPr lang="it-IT" dirty="0" err="1" smtClean="0"/>
-              <a:t>Development</a:t>
-            </a:r>
-            <a:endParaRPr lang="it-IT" dirty="0" smtClean="0"/>
-          </a:p>
-          <a:p>
-            <a:endParaRPr lang="it-IT" dirty="0"/>
+              <a:rPr lang="en-US" dirty="0" smtClean="0"/>
+              <a:t>Real time applications with no durability needs (</a:t>
+            </a:r>
+            <a:r>
+              <a:rPr lang="en-US" dirty="0" err="1" smtClean="0"/>
+              <a:t>eg</a:t>
+            </a:r>
+            <a:r>
+              <a:rPr lang="en-US" dirty="0" smtClean="0"/>
+              <a:t>: router)</a:t>
+            </a:r>
+          </a:p>
+          <a:p>
+            <a:endParaRPr lang="en-US" dirty="0" smtClean="0"/>
+          </a:p>
+          <a:p>
+            <a:r>
+              <a:rPr lang="en-US" dirty="0" smtClean="0"/>
+              <a:t>Real time applications with durability needs which require high throughput and </a:t>
+            </a:r>
+            <a:r>
+              <a:rPr lang="en-US" b="1" dirty="0" smtClean="0"/>
+              <a:t>low latency</a:t>
+            </a:r>
+          </a:p>
+          <a:p>
+            <a:endParaRPr lang="en-US" dirty="0" smtClean="0"/>
+          </a:p>
+          <a:p>
+            <a:r>
+              <a:rPr lang="en-US" dirty="0" smtClean="0"/>
+              <a:t>Traditional applications during the testing phase</a:t>
+            </a:r>
+            <a:endParaRPr lang="en-US" dirty="0"/>
           </a:p>
         </p:txBody>
       </p:sp>
@@ -5852,7 +9365,213 @@
   <p:timing>
     <p:tnLst>
       <p:par>
-        <p:cTn id="1" dur="indefinite" restart="never" nodeType="tmRoot"/>
+        <p:cTn id="1" dur="indefinite" restart="never" nodeType="tmRoot">
+          <p:childTnLst>
+            <p:seq concurrent="1" nextAc="seek">
+              <p:cTn id="2" dur="indefinite" nodeType="mainSeq">
+                <p:childTnLst>
+                  <p:par>
+                    <p:cTn id="3" fill="hold">
+                      <p:stCondLst>
+                        <p:cond delay="indefinite"/>
+                      </p:stCondLst>
+                      <p:childTnLst>
+                        <p:par>
+                          <p:cTn id="4" fill="hold">
+                            <p:stCondLst>
+                              <p:cond delay="0"/>
+                            </p:stCondLst>
+                            <p:childTnLst>
+                              <p:par>
+                                <p:cTn id="5" presetID="10" presetClass="entr" presetSubtype="0" fill="hold" nodeType="clickEffect">
+                                  <p:stCondLst>
+                                    <p:cond delay="0"/>
+                                  </p:stCondLst>
+                                  <p:childTnLst>
+                                    <p:set>
+                                      <p:cBhvr>
+                                        <p:cTn id="6" dur="1" fill="hold">
+                                          <p:stCondLst>
+                                            <p:cond delay="0"/>
+                                          </p:stCondLst>
+                                        </p:cTn>
+                                        <p:tgtEl>
+                                          <p:spTgt spid="6">
+                                            <p:txEl>
+                                              <p:pRg st="0" end="0"/>
+                                            </p:txEl>
+                                          </p:spTgt>
+                                        </p:tgtEl>
+                                        <p:attrNameLst>
+                                          <p:attrName>style.visibility</p:attrName>
+                                        </p:attrNameLst>
+                                      </p:cBhvr>
+                                      <p:to>
+                                        <p:strVal val="visible"/>
+                                      </p:to>
+                                    </p:set>
+                                    <p:animEffect transition="in" filter="fade">
+                                      <p:cBhvr>
+                                        <p:cTn id="7" dur="1000"/>
+                                        <p:tgtEl>
+                                          <p:spTgt spid="6">
+                                            <p:txEl>
+                                              <p:pRg st="0" end="0"/>
+                                            </p:txEl>
+                                          </p:spTgt>
+                                        </p:tgtEl>
+                                      </p:cBhvr>
+                                    </p:animEffect>
+                                  </p:childTnLst>
+                                </p:cTn>
+                              </p:par>
+                            </p:childTnLst>
+                          </p:cTn>
+                        </p:par>
+                      </p:childTnLst>
+                    </p:cTn>
+                  </p:par>
+                  <p:par>
+                    <p:cTn id="8" fill="hold">
+                      <p:stCondLst>
+                        <p:cond delay="indefinite"/>
+                      </p:stCondLst>
+                      <p:childTnLst>
+                        <p:par>
+                          <p:cTn id="9" fill="hold">
+                            <p:stCondLst>
+                              <p:cond delay="0"/>
+                            </p:stCondLst>
+                            <p:childTnLst>
+                              <p:par>
+                                <p:cTn id="10" presetID="10" presetClass="entr" presetSubtype="0" fill="hold" nodeType="clickEffect">
+                                  <p:stCondLst>
+                                    <p:cond delay="0"/>
+                                  </p:stCondLst>
+                                  <p:childTnLst>
+                                    <p:set>
+                                      <p:cBhvr>
+                                        <p:cTn id="11" dur="1" fill="hold">
+                                          <p:stCondLst>
+                                            <p:cond delay="0"/>
+                                          </p:stCondLst>
+                                        </p:cTn>
+                                        <p:tgtEl>
+                                          <p:spTgt spid="6">
+                                            <p:txEl>
+                                              <p:pRg st="2" end="2"/>
+                                            </p:txEl>
+                                          </p:spTgt>
+                                        </p:tgtEl>
+                                        <p:attrNameLst>
+                                          <p:attrName>style.visibility</p:attrName>
+                                        </p:attrNameLst>
+                                      </p:cBhvr>
+                                      <p:to>
+                                        <p:strVal val="visible"/>
+                                      </p:to>
+                                    </p:set>
+                                    <p:animEffect transition="in" filter="fade">
+                                      <p:cBhvr>
+                                        <p:cTn id="12" dur="1000"/>
+                                        <p:tgtEl>
+                                          <p:spTgt spid="6">
+                                            <p:txEl>
+                                              <p:pRg st="2" end="2"/>
+                                            </p:txEl>
+                                          </p:spTgt>
+                                        </p:tgtEl>
+                                      </p:cBhvr>
+                                    </p:animEffect>
+                                  </p:childTnLst>
+                                </p:cTn>
+                              </p:par>
+                            </p:childTnLst>
+                          </p:cTn>
+                        </p:par>
+                      </p:childTnLst>
+                    </p:cTn>
+                  </p:par>
+                  <p:par>
+                    <p:cTn id="13" fill="hold">
+                      <p:stCondLst>
+                        <p:cond delay="indefinite"/>
+                      </p:stCondLst>
+                      <p:childTnLst>
+                        <p:par>
+                          <p:cTn id="14" fill="hold">
+                            <p:stCondLst>
+                              <p:cond delay="0"/>
+                            </p:stCondLst>
+                            <p:childTnLst>
+                              <p:par>
+                                <p:cTn id="15" presetID="10" presetClass="entr" presetSubtype="0" fill="hold" nodeType="clickEffect">
+                                  <p:stCondLst>
+                                    <p:cond delay="0"/>
+                                  </p:stCondLst>
+                                  <p:childTnLst>
+                                    <p:set>
+                                      <p:cBhvr>
+                                        <p:cTn id="16" dur="1" fill="hold">
+                                          <p:stCondLst>
+                                            <p:cond delay="0"/>
+                                          </p:stCondLst>
+                                        </p:cTn>
+                                        <p:tgtEl>
+                                          <p:spTgt spid="6">
+                                            <p:txEl>
+                                              <p:pRg st="4" end="4"/>
+                                            </p:txEl>
+                                          </p:spTgt>
+                                        </p:tgtEl>
+                                        <p:attrNameLst>
+                                          <p:attrName>style.visibility</p:attrName>
+                                        </p:attrNameLst>
+                                      </p:cBhvr>
+                                      <p:to>
+                                        <p:strVal val="visible"/>
+                                      </p:to>
+                                    </p:set>
+                                    <p:animEffect transition="in" filter="fade">
+                                      <p:cBhvr>
+                                        <p:cTn id="17" dur="1000"/>
+                                        <p:tgtEl>
+                                          <p:spTgt spid="6">
+                                            <p:txEl>
+                                              <p:pRg st="4" end="4"/>
+                                            </p:txEl>
+                                          </p:spTgt>
+                                        </p:tgtEl>
+                                      </p:cBhvr>
+                                    </p:animEffect>
+                                  </p:childTnLst>
+                                </p:cTn>
+                              </p:par>
+                            </p:childTnLst>
+                          </p:cTn>
+                        </p:par>
+                      </p:childTnLst>
+                    </p:cTn>
+                  </p:par>
+                </p:childTnLst>
+              </p:cTn>
+              <p:prevCondLst>
+                <p:cond evt="onPrev" delay="0">
+                  <p:tgtEl>
+                    <p:sldTgt/>
+                  </p:tgtEl>
+                </p:cond>
+              </p:prevCondLst>
+              <p:nextCondLst>
+                <p:cond evt="onNext" delay="0">
+                  <p:tgtEl>
+                    <p:sldTgt/>
+                  </p:tgtEl>
+                </p:cond>
+              </p:nextCondLst>
+            </p:seq>
+          </p:childTnLst>
+        </p:cTn>
       </p:par>
     </p:tnLst>
   </p:timing>
@@ -5889,7 +9608,7 @@
         <p:spPr/>
         <p:txBody>
           <a:bodyPr>
-            <a:normAutofit fontScale="90000"/>
+            <a:normAutofit/>
           </a:bodyPr>
           <a:lstStyle/>
           <a:p>
@@ -5899,54 +9618,7 @@
                   <a:srgbClr val="FFC000"/>
                 </a:solidFill>
               </a:rPr>
-              <a:t>Comparison</a:t>
-            </a:r>
-            <a:r>
-              <a:rPr lang="it-IT" dirty="0" smtClean="0">
-                <a:solidFill>
-                  <a:srgbClr val="FFC000"/>
-                </a:solidFill>
-              </a:rPr>
-              <a:t> </a:t>
-            </a:r>
-            <a:r>
-              <a:rPr lang="it-IT" dirty="0" err="1" smtClean="0">
-                <a:solidFill>
-                  <a:srgbClr val="FFC000"/>
-                </a:solidFill>
-              </a:rPr>
-              <a:t>Against</a:t>
-            </a:r>
-            <a:r>
-              <a:rPr lang="it-IT" dirty="0" smtClean="0">
-                <a:solidFill>
-                  <a:srgbClr val="FFC000"/>
-                </a:solidFill>
-              </a:rPr>
-              <a:t> </a:t>
-            </a:r>
-            <a:br>
-              <a:rPr lang="it-IT" dirty="0" smtClean="0">
-                <a:solidFill>
-                  <a:srgbClr val="FFC000"/>
-                </a:solidFill>
-              </a:rPr>
-            </a:br>
-            <a:r>
-              <a:rPr lang="it-IT" dirty="0" err="1" smtClean="0">
-                <a:solidFill>
-                  <a:srgbClr val="FFC000"/>
-                </a:solidFill>
-              </a:rPr>
-              <a:t>Traditional</a:t>
-            </a:r>
-            <a:r>
-              <a:rPr lang="it-IT" dirty="0" smtClean="0">
-                <a:solidFill>
-                  <a:srgbClr val="FFC000"/>
-                </a:solidFill>
-              </a:rPr>
-              <a:t> DBMS</a:t>
+              <a:t>Summary</a:t>
             </a:r>
             <a:endParaRPr lang="it-IT" dirty="0">
               <a:solidFill>
@@ -6009,107 +9681,81 @@
         </p:spPr>
         <p:txBody>
           <a:bodyPr>
-            <a:normAutofit/>
+            <a:normAutofit fontScale="92500" lnSpcReduction="20000"/>
           </a:bodyPr>
           <a:lstStyle/>
           <a:p>
             <a:r>
-              <a:rPr lang="it-IT" dirty="0" err="1" smtClean="0"/>
-              <a:t>Caching</a:t>
-            </a:r>
-            <a:r>
-              <a:rPr lang="it-IT" dirty="0" smtClean="0"/>
-              <a:t>: cache </a:t>
-            </a:r>
-            <a:r>
-              <a:rPr lang="it-IT" dirty="0" err="1" smtClean="0"/>
-              <a:t>synchronization</a:t>
-            </a:r>
-            <a:r>
-              <a:rPr lang="it-IT" dirty="0" smtClean="0"/>
-              <a:t> and cache </a:t>
-            </a:r>
-            <a:r>
-              <a:rPr lang="it-IT" dirty="0" err="1" smtClean="0"/>
-              <a:t>lookup</a:t>
-            </a:r>
-            <a:endParaRPr lang="it-IT" dirty="0" smtClean="0"/>
-          </a:p>
-          <a:p>
-            <a:endParaRPr lang="it-IT" dirty="0" smtClean="0"/>
-          </a:p>
-          <a:p>
-            <a:r>
-              <a:rPr lang="it-IT" dirty="0" err="1" smtClean="0"/>
-              <a:t>Data-transfer</a:t>
-            </a:r>
-            <a:r>
-              <a:rPr lang="it-IT" dirty="0" smtClean="0"/>
-              <a:t> </a:t>
-            </a:r>
-            <a:r>
-              <a:rPr lang="it-IT" dirty="0" err="1" smtClean="0"/>
-              <a:t>overhead</a:t>
-            </a:r>
-            <a:r>
-              <a:rPr lang="it-IT" dirty="0" smtClean="0"/>
-              <a:t>: file system cache and copy </a:t>
-            </a:r>
-            <a:r>
-              <a:rPr lang="it-IT" dirty="0" err="1" smtClean="0"/>
-              <a:t>of</a:t>
-            </a:r>
-            <a:r>
-              <a:rPr lang="it-IT" dirty="0" smtClean="0"/>
-              <a:t> data in </a:t>
-            </a:r>
-            <a:r>
-              <a:rPr lang="it-IT" dirty="0" err="1" smtClean="0"/>
-              <a:t>main</a:t>
-            </a:r>
-            <a:r>
-              <a:rPr lang="it-IT" dirty="0" smtClean="0"/>
-              <a:t> </a:t>
-            </a:r>
-            <a:r>
-              <a:rPr lang="it-IT" dirty="0" err="1" smtClean="0"/>
-              <a:t>memory</a:t>
-            </a:r>
-            <a:endParaRPr lang="it-IT" dirty="0" smtClean="0"/>
-          </a:p>
-          <a:p>
-            <a:endParaRPr lang="it-IT" dirty="0" smtClean="0"/>
-          </a:p>
-          <a:p>
-            <a:r>
-              <a:rPr lang="it-IT" dirty="0" err="1" smtClean="0"/>
-              <a:t>Transaction</a:t>
-            </a:r>
-            <a:r>
-              <a:rPr lang="it-IT" dirty="0" smtClean="0"/>
-              <a:t> processing: </a:t>
-            </a:r>
-            <a:r>
-              <a:rPr lang="it-IT" dirty="0" err="1" smtClean="0"/>
-              <a:t>transaction</a:t>
-            </a:r>
-            <a:r>
-              <a:rPr lang="it-IT" dirty="0" smtClean="0"/>
-              <a:t> log file and </a:t>
-            </a:r>
-            <a:r>
-              <a:rPr lang="it-IT" dirty="0" err="1" smtClean="0"/>
-              <a:t>recovery</a:t>
-            </a:r>
-            <a:r>
-              <a:rPr lang="it-IT" dirty="0" smtClean="0"/>
-              <a:t> </a:t>
-            </a:r>
-            <a:r>
-              <a:rPr lang="it-IT" dirty="0" err="1" smtClean="0"/>
-              <a:t>process</a:t>
-            </a:r>
-            <a:endParaRPr lang="it-IT" dirty="0"/>
+              <a:rPr lang="en-US" dirty="0" smtClean="0"/>
+              <a:t>Comparison Against Traditional DBMS</a:t>
+            </a:r>
+          </a:p>
+          <a:p>
+            <a:r>
+              <a:rPr lang="en-US" dirty="0" smtClean="0"/>
+              <a:t>Advantages and Disadvantages</a:t>
+            </a:r>
+          </a:p>
+          <a:p>
+            <a:r>
+              <a:rPr lang="en-US" dirty="0" smtClean="0"/>
+              <a:t>Performance Analysis</a:t>
+            </a:r>
+          </a:p>
+          <a:p>
+            <a:r>
+              <a:rPr lang="en-US" dirty="0" smtClean="0"/>
+              <a:t>Benchmark</a:t>
+            </a:r>
+          </a:p>
+          <a:p>
+            <a:r>
+              <a:rPr lang="en-US" dirty="0" smtClean="0"/>
+              <a:t>Functional View</a:t>
+            </a:r>
+          </a:p>
+          <a:p>
+            <a:r>
+              <a:rPr lang="en-US" dirty="0" smtClean="0"/>
+              <a:t>Development View</a:t>
+            </a:r>
+          </a:p>
+          <a:p>
+            <a:r>
+              <a:rPr lang="en-US" dirty="0" smtClean="0"/>
+              <a:t>Real Time Prepaid System – configuration</a:t>
+            </a:r>
+          </a:p>
+          <a:p>
+            <a:r>
+              <a:rPr lang="en-US" dirty="0" smtClean="0"/>
+              <a:t>Result 1</a:t>
+            </a:r>
+          </a:p>
+          <a:p>
+            <a:r>
+              <a:rPr lang="en-US" dirty="0" smtClean="0"/>
+              <a:t>Result 2</a:t>
+            </a:r>
+          </a:p>
+          <a:p>
+            <a:r>
+              <a:rPr lang="en-US" dirty="0" smtClean="0"/>
+              <a:t>Conclusion: Contributions</a:t>
+            </a:r>
+          </a:p>
+          <a:p>
+            <a:r>
+              <a:rPr lang="en-US" dirty="0" err="1" smtClean="0"/>
+              <a:t>Conlusion</a:t>
+            </a:r>
+            <a:r>
+              <a:rPr lang="en-US" dirty="0" smtClean="0"/>
+              <a:t>: Future Development</a:t>
+            </a:r>
+          </a:p>
+          <a:p>
+            <a:endParaRPr lang="en-US" dirty="0"/>
           </a:p>
         </p:txBody>
       </p:sp>
@@ -6161,19 +9807,1193 @@
         <p:spPr/>
         <p:txBody>
           <a:bodyPr>
-            <a:normAutofit/>
+            <a:normAutofit fontScale="90000"/>
           </a:bodyPr>
           <a:lstStyle/>
           <a:p>
+            <a:r>
+              <a:rPr lang="en-US" dirty="0" smtClean="0">
+                <a:solidFill>
+                  <a:srgbClr val="FFC000"/>
+                </a:solidFill>
+              </a:rPr>
+              <a:t>Comparison</a:t>
+            </a:r>
+            <a:r>
+              <a:rPr lang="it-IT" dirty="0" smtClean="0">
+                <a:solidFill>
+                  <a:srgbClr val="FFC000"/>
+                </a:solidFill>
+              </a:rPr>
+              <a:t> </a:t>
+            </a:r>
             <a:r>
               <a:rPr lang="it-IT" dirty="0" err="1" smtClean="0">
                 <a:solidFill>
                   <a:srgbClr val="FFC000"/>
                 </a:solidFill>
               </a:rPr>
-              <a:t>Summary</a:t>
+              <a:t>Against</a:t>
+            </a:r>
+            <a:r>
+              <a:rPr lang="it-IT" dirty="0" smtClean="0">
+                <a:solidFill>
+                  <a:srgbClr val="FFC000"/>
+                </a:solidFill>
+              </a:rPr>
+              <a:t> </a:t>
+            </a:r>
+            <a:br>
+              <a:rPr lang="it-IT" dirty="0" smtClean="0">
+                <a:solidFill>
+                  <a:srgbClr val="FFC000"/>
+                </a:solidFill>
+              </a:rPr>
+            </a:br>
+            <a:r>
+              <a:rPr lang="it-IT" dirty="0" err="1" smtClean="0">
+                <a:solidFill>
+                  <a:srgbClr val="FFC000"/>
+                </a:solidFill>
+              </a:rPr>
+              <a:t>Traditional</a:t>
+            </a:r>
+            <a:r>
+              <a:rPr lang="it-IT" dirty="0" smtClean="0">
+                <a:solidFill>
+                  <a:srgbClr val="FFC000"/>
+                </a:solidFill>
+              </a:rPr>
+              <a:t> DBMS</a:t>
             </a:r>
             <a:endParaRPr lang="it-IT" dirty="0">
+              <a:solidFill>
+                <a:srgbClr val="FFC000"/>
+              </a:solidFill>
+            </a:endParaRPr>
+          </a:p>
+        </p:txBody>
+      </p:sp>
+      <p:pic>
+        <p:nvPicPr>
+          <p:cNvPr id="4" name="Picture 4" descr="C:\Users\error0\Desktop\logoRoma32.gif"/>
+          <p:cNvPicPr>
+            <a:picLocks noChangeAspect="1" noChangeArrowheads="1"/>
+          </p:cNvPicPr>
+          <p:nvPr/>
+        </p:nvPicPr>
+        <p:blipFill>
+          <a:blip r:embed="rId3">
+            <a:duotone>
+              <a:schemeClr val="accent1">
+                <a:shade val="45000"/>
+                <a:satMod val="135000"/>
+              </a:schemeClr>
+              <a:prstClr val="white"/>
+            </a:duotone>
+            <a:lum bright="20000"/>
+          </a:blip>
+          <a:srcRect/>
+          <a:stretch>
+            <a:fillRect/>
+          </a:stretch>
+        </p:blipFill>
+        <p:spPr bwMode="auto">
+          <a:xfrm>
+            <a:off x="6858016" y="153964"/>
+            <a:ext cx="2214578" cy="1131896"/>
+          </a:xfrm>
+          <a:prstGeom prst="rect">
+            <a:avLst/>
+          </a:prstGeom>
+          <a:noFill/>
+        </p:spPr>
+      </p:pic>
+      <p:sp>
+        <p:nvSpPr>
+          <p:cNvPr id="6" name="Segnaposto contenuto 5"/>
+          <p:cNvSpPr>
+            <a:spLocks noGrp="1"/>
+          </p:cNvSpPr>
+          <p:nvPr>
+            <p:ph idx="1"/>
+          </p:nvPr>
+        </p:nvSpPr>
+        <p:spPr>
+          <a:xfrm>
+            <a:off x="214282" y="1857364"/>
+            <a:ext cx="4357718" cy="4329122"/>
+          </a:xfrm>
+        </p:spPr>
+        <p:txBody>
+          <a:bodyPr>
+            <a:normAutofit/>
+          </a:bodyPr>
+          <a:lstStyle/>
+          <a:p>
+            <a:r>
+              <a:rPr lang="en-US" sz="3000" dirty="0" smtClean="0"/>
+              <a:t>Caching</a:t>
+            </a:r>
+          </a:p>
+          <a:p>
+            <a:endParaRPr lang="en-US" sz="3000" dirty="0" smtClean="0"/>
+          </a:p>
+          <a:p>
+            <a:endParaRPr lang="en-US" sz="3000" dirty="0" smtClean="0"/>
+          </a:p>
+          <a:p>
+            <a:r>
+              <a:rPr lang="en-US" sz="3000" dirty="0" smtClean="0"/>
+              <a:t>Data-transfer overhead</a:t>
+            </a:r>
+          </a:p>
+          <a:p>
+            <a:endParaRPr lang="en-US" sz="3000" dirty="0" smtClean="0"/>
+          </a:p>
+          <a:p>
+            <a:endParaRPr lang="en-US" sz="3000" dirty="0" smtClean="0"/>
+          </a:p>
+          <a:p>
+            <a:r>
+              <a:rPr lang="en-US" sz="3000" dirty="0" smtClean="0"/>
+              <a:t>Transaction processing </a:t>
+            </a:r>
+          </a:p>
+        </p:txBody>
+      </p:sp>
+      <p:sp>
+        <p:nvSpPr>
+          <p:cNvPr id="5" name="Rettangolo 4"/>
+          <p:cNvSpPr/>
+          <p:nvPr/>
+        </p:nvSpPr>
+        <p:spPr>
+          <a:xfrm>
+            <a:off x="4643438" y="1785926"/>
+            <a:ext cx="1785950" cy="857256"/>
+          </a:xfrm>
+          <a:prstGeom prst="rect">
+            <a:avLst/>
+          </a:prstGeom>
+        </p:spPr>
+        <p:style>
+          <a:lnRef idx="0">
+            <a:schemeClr val="accent1"/>
+          </a:lnRef>
+          <a:fillRef idx="3">
+            <a:schemeClr val="accent1"/>
+          </a:fillRef>
+          <a:effectRef idx="3">
+            <a:schemeClr val="accent1"/>
+          </a:effectRef>
+          <a:fontRef idx="minor">
+            <a:schemeClr val="lt1"/>
+          </a:fontRef>
+        </p:style>
+        <p:txBody>
+          <a:bodyPr rtlCol="0" anchor="ctr"/>
+          <a:lstStyle/>
+          <a:p>
+            <a:pPr algn="ctr"/>
+            <a:r>
+              <a:rPr lang="en-US" sz="2200" b="1" dirty="0" smtClean="0"/>
+              <a:t>Application</a:t>
+            </a:r>
+            <a:endParaRPr lang="en-US" sz="2200" b="1" dirty="0"/>
+          </a:p>
+        </p:txBody>
+      </p:sp>
+      <p:sp>
+        <p:nvSpPr>
+          <p:cNvPr id="7" name="Rettangolo 6"/>
+          <p:cNvSpPr/>
+          <p:nvPr/>
+        </p:nvSpPr>
+        <p:spPr>
+          <a:xfrm>
+            <a:off x="4643438" y="4357694"/>
+            <a:ext cx="1785950" cy="857256"/>
+          </a:xfrm>
+          <a:prstGeom prst="rect">
+            <a:avLst/>
+          </a:prstGeom>
+        </p:spPr>
+        <p:style>
+          <a:lnRef idx="0">
+            <a:schemeClr val="accent1"/>
+          </a:lnRef>
+          <a:fillRef idx="3">
+            <a:schemeClr val="accent1"/>
+          </a:fillRef>
+          <a:effectRef idx="3">
+            <a:schemeClr val="accent1"/>
+          </a:effectRef>
+          <a:fontRef idx="minor">
+            <a:schemeClr val="lt1"/>
+          </a:fontRef>
+        </p:style>
+        <p:txBody>
+          <a:bodyPr rtlCol="0" anchor="ctr"/>
+          <a:lstStyle/>
+          <a:p>
+            <a:pPr algn="ctr"/>
+            <a:r>
+              <a:rPr lang="it-IT" sz="2200" b="1" dirty="0" smtClean="0"/>
+              <a:t>File System</a:t>
+            </a:r>
+            <a:endParaRPr lang="it-IT" sz="2200" b="1" dirty="0"/>
+          </a:p>
+        </p:txBody>
+      </p:sp>
+      <p:sp>
+        <p:nvSpPr>
+          <p:cNvPr id="8" name="Rettangolo 7"/>
+          <p:cNvSpPr/>
+          <p:nvPr/>
+        </p:nvSpPr>
+        <p:spPr>
+          <a:xfrm>
+            <a:off x="4643438" y="3071810"/>
+            <a:ext cx="1785950" cy="857256"/>
+          </a:xfrm>
+          <a:prstGeom prst="rect">
+            <a:avLst/>
+          </a:prstGeom>
+        </p:spPr>
+        <p:style>
+          <a:lnRef idx="0">
+            <a:schemeClr val="accent1"/>
+          </a:lnRef>
+          <a:fillRef idx="3">
+            <a:schemeClr val="accent1"/>
+          </a:fillRef>
+          <a:effectRef idx="3">
+            <a:schemeClr val="accent1"/>
+          </a:effectRef>
+          <a:fontRef idx="minor">
+            <a:schemeClr val="lt1"/>
+          </a:fontRef>
+        </p:style>
+        <p:txBody>
+          <a:bodyPr rtlCol="0" anchor="ctr"/>
+          <a:lstStyle/>
+          <a:p>
+            <a:pPr algn="ctr"/>
+            <a:r>
+              <a:rPr lang="it-IT" sz="2200" b="1" dirty="0" smtClean="0"/>
+              <a:t>Database </a:t>
+            </a:r>
+            <a:r>
+              <a:rPr lang="it-IT" sz="2200" b="1" dirty="0" err="1" smtClean="0"/>
+              <a:t>Runtime</a:t>
+            </a:r>
+            <a:endParaRPr lang="it-IT" sz="2200" b="1" dirty="0"/>
+          </a:p>
+        </p:txBody>
+      </p:sp>
+      <p:sp>
+        <p:nvSpPr>
+          <p:cNvPr id="9" name="Rettangolo 8"/>
+          <p:cNvSpPr/>
+          <p:nvPr/>
+        </p:nvSpPr>
+        <p:spPr>
+          <a:xfrm>
+            <a:off x="7143768" y="3071810"/>
+            <a:ext cx="1785950" cy="857256"/>
+          </a:xfrm>
+          <a:prstGeom prst="rect">
+            <a:avLst/>
+          </a:prstGeom>
+        </p:spPr>
+        <p:style>
+          <a:lnRef idx="0">
+            <a:schemeClr val="accent1"/>
+          </a:lnRef>
+          <a:fillRef idx="3">
+            <a:schemeClr val="accent1"/>
+          </a:fillRef>
+          <a:effectRef idx="3">
+            <a:schemeClr val="accent1"/>
+          </a:effectRef>
+          <a:fontRef idx="minor">
+            <a:schemeClr val="lt1"/>
+          </a:fontRef>
+        </p:style>
+        <p:txBody>
+          <a:bodyPr rtlCol="0" anchor="ctr"/>
+          <a:lstStyle/>
+          <a:p>
+            <a:pPr algn="ctr"/>
+            <a:r>
+              <a:rPr lang="it-IT" sz="2200" b="1" dirty="0" smtClean="0"/>
+              <a:t>Database Cache</a:t>
+            </a:r>
+            <a:endParaRPr lang="it-IT" sz="2200" b="1" dirty="0"/>
+          </a:p>
+        </p:txBody>
+      </p:sp>
+      <p:sp>
+        <p:nvSpPr>
+          <p:cNvPr id="10" name="Rettangolo 9"/>
+          <p:cNvSpPr/>
+          <p:nvPr/>
+        </p:nvSpPr>
+        <p:spPr>
+          <a:xfrm>
+            <a:off x="7143768" y="4357694"/>
+            <a:ext cx="1785950" cy="857256"/>
+          </a:xfrm>
+          <a:prstGeom prst="rect">
+            <a:avLst/>
+          </a:prstGeom>
+        </p:spPr>
+        <p:style>
+          <a:lnRef idx="0">
+            <a:schemeClr val="accent1"/>
+          </a:lnRef>
+          <a:fillRef idx="3">
+            <a:schemeClr val="accent1"/>
+          </a:fillRef>
+          <a:effectRef idx="3">
+            <a:schemeClr val="accent1"/>
+          </a:effectRef>
+          <a:fontRef idx="minor">
+            <a:schemeClr val="lt1"/>
+          </a:fontRef>
+        </p:style>
+        <p:txBody>
+          <a:bodyPr rtlCol="0" anchor="ctr"/>
+          <a:lstStyle/>
+          <a:p>
+            <a:pPr algn="ctr"/>
+            <a:r>
+              <a:rPr lang="it-IT" sz="2200" b="1" dirty="0" smtClean="0"/>
+              <a:t>File System Cache</a:t>
+            </a:r>
+            <a:endParaRPr lang="it-IT" sz="2200" b="1" dirty="0"/>
+          </a:p>
+        </p:txBody>
+      </p:sp>
+      <p:sp>
+        <p:nvSpPr>
+          <p:cNvPr id="11" name="Rettangolo 10"/>
+          <p:cNvSpPr/>
+          <p:nvPr/>
+        </p:nvSpPr>
+        <p:spPr>
+          <a:xfrm>
+            <a:off x="4643438" y="5715016"/>
+            <a:ext cx="1785950" cy="857256"/>
+          </a:xfrm>
+          <a:prstGeom prst="rect">
+            <a:avLst/>
+          </a:prstGeom>
+        </p:spPr>
+        <p:style>
+          <a:lnRef idx="0">
+            <a:schemeClr val="accent1"/>
+          </a:lnRef>
+          <a:fillRef idx="3">
+            <a:schemeClr val="accent1"/>
+          </a:fillRef>
+          <a:effectRef idx="3">
+            <a:schemeClr val="accent1"/>
+          </a:effectRef>
+          <a:fontRef idx="minor">
+            <a:schemeClr val="lt1"/>
+          </a:fontRef>
+        </p:style>
+        <p:txBody>
+          <a:bodyPr rtlCol="0" anchor="ctr"/>
+          <a:lstStyle/>
+          <a:p>
+            <a:pPr algn="ctr"/>
+            <a:r>
+              <a:rPr lang="it-IT" sz="2200" b="1" dirty="0" smtClean="0"/>
+              <a:t>Hard Disk</a:t>
+            </a:r>
+            <a:endParaRPr lang="it-IT" sz="2200" b="1" dirty="0"/>
+          </a:p>
+        </p:txBody>
+      </p:sp>
+      <p:cxnSp>
+        <p:nvCxnSpPr>
+          <p:cNvPr id="15" name="Connettore 2 14"/>
+          <p:cNvCxnSpPr>
+            <a:stCxn id="5" idx="2"/>
+            <a:endCxn id="8" idx="0"/>
+          </p:cNvCxnSpPr>
+          <p:nvPr/>
+        </p:nvCxnSpPr>
+        <p:spPr>
+          <a:xfrm rot="5400000">
+            <a:off x="5322099" y="2857496"/>
+            <a:ext cx="428628" cy="1588"/>
+          </a:xfrm>
+          <a:prstGeom prst="straightConnector1">
+            <a:avLst/>
+          </a:prstGeom>
+          <a:ln w="28575">
+            <a:headEnd type="arrow"/>
+            <a:tailEnd type="arrow"/>
+          </a:ln>
+        </p:spPr>
+        <p:style>
+          <a:lnRef idx="1">
+            <a:schemeClr val="accent1"/>
+          </a:lnRef>
+          <a:fillRef idx="0">
+            <a:schemeClr val="accent1"/>
+          </a:fillRef>
+          <a:effectRef idx="0">
+            <a:schemeClr val="accent1"/>
+          </a:effectRef>
+          <a:fontRef idx="minor">
+            <a:schemeClr val="tx1"/>
+          </a:fontRef>
+        </p:style>
+      </p:cxnSp>
+      <p:cxnSp>
+        <p:nvCxnSpPr>
+          <p:cNvPr id="17" name="Connettore 2 16"/>
+          <p:cNvCxnSpPr>
+            <a:stCxn id="9" idx="1"/>
+            <a:endCxn id="8" idx="3"/>
+          </p:cNvCxnSpPr>
+          <p:nvPr/>
+        </p:nvCxnSpPr>
+        <p:spPr>
+          <a:xfrm rot="10800000">
+            <a:off x="6429388" y="3500438"/>
+            <a:ext cx="714380" cy="1588"/>
+          </a:xfrm>
+          <a:prstGeom prst="straightConnector1">
+            <a:avLst/>
+          </a:prstGeom>
+          <a:ln w="28575">
+            <a:headEnd type="arrow"/>
+            <a:tailEnd type="arrow"/>
+          </a:ln>
+        </p:spPr>
+        <p:style>
+          <a:lnRef idx="1">
+            <a:schemeClr val="accent1"/>
+          </a:lnRef>
+          <a:fillRef idx="0">
+            <a:schemeClr val="accent1"/>
+          </a:fillRef>
+          <a:effectRef idx="0">
+            <a:schemeClr val="accent1"/>
+          </a:effectRef>
+          <a:fontRef idx="minor">
+            <a:schemeClr val="tx1"/>
+          </a:fontRef>
+        </p:style>
+      </p:cxnSp>
+      <p:cxnSp>
+        <p:nvCxnSpPr>
+          <p:cNvPr id="20" name="Connettore 2 19"/>
+          <p:cNvCxnSpPr>
+            <a:stCxn id="8" idx="2"/>
+            <a:endCxn id="7" idx="0"/>
+          </p:cNvCxnSpPr>
+          <p:nvPr/>
+        </p:nvCxnSpPr>
+        <p:spPr>
+          <a:xfrm rot="5400000">
+            <a:off x="5322099" y="4143380"/>
+            <a:ext cx="428628" cy="1588"/>
+          </a:xfrm>
+          <a:prstGeom prst="straightConnector1">
+            <a:avLst/>
+          </a:prstGeom>
+          <a:ln w="28575">
+            <a:headEnd type="arrow"/>
+            <a:tailEnd type="arrow"/>
+          </a:ln>
+        </p:spPr>
+        <p:style>
+          <a:lnRef idx="1">
+            <a:schemeClr val="accent1"/>
+          </a:lnRef>
+          <a:fillRef idx="0">
+            <a:schemeClr val="accent1"/>
+          </a:fillRef>
+          <a:effectRef idx="0">
+            <a:schemeClr val="accent1"/>
+          </a:effectRef>
+          <a:fontRef idx="minor">
+            <a:schemeClr val="tx1"/>
+          </a:fontRef>
+        </p:style>
+      </p:cxnSp>
+      <p:cxnSp>
+        <p:nvCxnSpPr>
+          <p:cNvPr id="23" name="Connettore 2 22"/>
+          <p:cNvCxnSpPr>
+            <a:stCxn id="7" idx="3"/>
+            <a:endCxn id="10" idx="1"/>
+          </p:cNvCxnSpPr>
+          <p:nvPr/>
+        </p:nvCxnSpPr>
+        <p:spPr>
+          <a:xfrm>
+            <a:off x="6429388" y="4786322"/>
+            <a:ext cx="714380" cy="1588"/>
+          </a:xfrm>
+          <a:prstGeom prst="straightConnector1">
+            <a:avLst/>
+          </a:prstGeom>
+          <a:ln w="28575">
+            <a:headEnd type="arrow"/>
+            <a:tailEnd type="arrow"/>
+          </a:ln>
+        </p:spPr>
+        <p:style>
+          <a:lnRef idx="1">
+            <a:schemeClr val="accent1"/>
+          </a:lnRef>
+          <a:fillRef idx="0">
+            <a:schemeClr val="accent1"/>
+          </a:fillRef>
+          <a:effectRef idx="0">
+            <a:schemeClr val="accent1"/>
+          </a:effectRef>
+          <a:fontRef idx="minor">
+            <a:schemeClr val="tx1"/>
+          </a:fontRef>
+        </p:style>
+      </p:cxnSp>
+      <p:cxnSp>
+        <p:nvCxnSpPr>
+          <p:cNvPr id="26" name="Connettore 2 25"/>
+          <p:cNvCxnSpPr>
+            <a:stCxn id="11" idx="0"/>
+            <a:endCxn id="7" idx="2"/>
+          </p:cNvCxnSpPr>
+          <p:nvPr/>
+        </p:nvCxnSpPr>
+        <p:spPr>
+          <a:xfrm rot="5400000" flipH="1" flipV="1">
+            <a:off x="5286380" y="5464983"/>
+            <a:ext cx="500066" cy="1588"/>
+          </a:xfrm>
+          <a:prstGeom prst="straightConnector1">
+            <a:avLst/>
+          </a:prstGeom>
+          <a:ln w="28575">
+            <a:headEnd type="arrow"/>
+            <a:tailEnd type="arrow"/>
+          </a:ln>
+        </p:spPr>
+        <p:style>
+          <a:lnRef idx="1">
+            <a:schemeClr val="accent1"/>
+          </a:lnRef>
+          <a:fillRef idx="0">
+            <a:schemeClr val="accent1"/>
+          </a:fillRef>
+          <a:effectRef idx="0">
+            <a:schemeClr val="accent1"/>
+          </a:effectRef>
+          <a:fontRef idx="minor">
+            <a:schemeClr val="tx1"/>
+          </a:fontRef>
+        </p:style>
+      </p:cxnSp>
+      <p:sp>
+        <p:nvSpPr>
+          <p:cNvPr id="29" name="Per 28"/>
+          <p:cNvSpPr/>
+          <p:nvPr/>
+        </p:nvSpPr>
+        <p:spPr>
+          <a:xfrm>
+            <a:off x="4643438" y="4357694"/>
+            <a:ext cx="1785950" cy="857256"/>
+          </a:xfrm>
+          <a:prstGeom prst="mathMultiply">
+            <a:avLst>
+              <a:gd name="adj1" fmla="val 8751"/>
+            </a:avLst>
+          </a:prstGeom>
+        </p:spPr>
+        <p:style>
+          <a:lnRef idx="1">
+            <a:schemeClr val="accent6"/>
+          </a:lnRef>
+          <a:fillRef idx="3">
+            <a:schemeClr val="accent6"/>
+          </a:fillRef>
+          <a:effectRef idx="2">
+            <a:schemeClr val="accent6"/>
+          </a:effectRef>
+          <a:fontRef idx="minor">
+            <a:schemeClr val="lt1"/>
+          </a:fontRef>
+        </p:style>
+        <p:txBody>
+          <a:bodyPr rtlCol="0" anchor="ctr"/>
+          <a:lstStyle/>
+          <a:p>
+            <a:pPr algn="ctr"/>
+            <a:endParaRPr lang="it-IT"/>
+          </a:p>
+        </p:txBody>
+      </p:sp>
+      <p:sp>
+        <p:nvSpPr>
+          <p:cNvPr id="31" name="Per 30"/>
+          <p:cNvSpPr/>
+          <p:nvPr/>
+        </p:nvSpPr>
+        <p:spPr>
+          <a:xfrm>
+            <a:off x="4643438" y="5715016"/>
+            <a:ext cx="1785950" cy="857256"/>
+          </a:xfrm>
+          <a:prstGeom prst="mathMultiply">
+            <a:avLst>
+              <a:gd name="adj1" fmla="val 8751"/>
+            </a:avLst>
+          </a:prstGeom>
+        </p:spPr>
+        <p:style>
+          <a:lnRef idx="1">
+            <a:schemeClr val="accent6"/>
+          </a:lnRef>
+          <a:fillRef idx="3">
+            <a:schemeClr val="accent6"/>
+          </a:fillRef>
+          <a:effectRef idx="2">
+            <a:schemeClr val="accent6"/>
+          </a:effectRef>
+          <a:fontRef idx="minor">
+            <a:schemeClr val="lt1"/>
+          </a:fontRef>
+        </p:style>
+        <p:txBody>
+          <a:bodyPr rtlCol="0" anchor="ctr"/>
+          <a:lstStyle/>
+          <a:p>
+            <a:pPr algn="ctr"/>
+            <a:endParaRPr lang="it-IT"/>
+          </a:p>
+        </p:txBody>
+      </p:sp>
+      <p:sp>
+        <p:nvSpPr>
+          <p:cNvPr id="32" name="Per 31"/>
+          <p:cNvSpPr/>
+          <p:nvPr/>
+        </p:nvSpPr>
+        <p:spPr>
+          <a:xfrm>
+            <a:off x="7143768" y="4357694"/>
+            <a:ext cx="1785950" cy="857256"/>
+          </a:xfrm>
+          <a:prstGeom prst="mathMultiply">
+            <a:avLst>
+              <a:gd name="adj1" fmla="val 8751"/>
+            </a:avLst>
+          </a:prstGeom>
+        </p:spPr>
+        <p:style>
+          <a:lnRef idx="1">
+            <a:schemeClr val="accent6"/>
+          </a:lnRef>
+          <a:fillRef idx="3">
+            <a:schemeClr val="accent6"/>
+          </a:fillRef>
+          <a:effectRef idx="2">
+            <a:schemeClr val="accent6"/>
+          </a:effectRef>
+          <a:fontRef idx="minor">
+            <a:schemeClr val="lt1"/>
+          </a:fontRef>
+        </p:style>
+        <p:txBody>
+          <a:bodyPr rtlCol="0" anchor="ctr"/>
+          <a:lstStyle/>
+          <a:p>
+            <a:pPr algn="ctr"/>
+            <a:endParaRPr lang="it-IT"/>
+          </a:p>
+        </p:txBody>
+      </p:sp>
+      <p:sp>
+        <p:nvSpPr>
+          <p:cNvPr id="33" name="Per 32"/>
+          <p:cNvSpPr/>
+          <p:nvPr/>
+        </p:nvSpPr>
+        <p:spPr>
+          <a:xfrm>
+            <a:off x="7143768" y="3071810"/>
+            <a:ext cx="1785950" cy="857256"/>
+          </a:xfrm>
+          <a:prstGeom prst="mathMultiply">
+            <a:avLst>
+              <a:gd name="adj1" fmla="val 8751"/>
+            </a:avLst>
+          </a:prstGeom>
+        </p:spPr>
+        <p:style>
+          <a:lnRef idx="1">
+            <a:schemeClr val="accent6"/>
+          </a:lnRef>
+          <a:fillRef idx="3">
+            <a:schemeClr val="accent6"/>
+          </a:fillRef>
+          <a:effectRef idx="2">
+            <a:schemeClr val="accent6"/>
+          </a:effectRef>
+          <a:fontRef idx="minor">
+            <a:schemeClr val="lt1"/>
+          </a:fontRef>
+        </p:style>
+        <p:txBody>
+          <a:bodyPr rtlCol="0" anchor="ctr"/>
+          <a:lstStyle/>
+          <a:p>
+            <a:pPr algn="ctr"/>
+            <a:endParaRPr lang="it-IT"/>
+          </a:p>
+        </p:txBody>
+      </p:sp>
+    </p:spTree>
+  </p:cSld>
+  <p:clrMapOvr>
+    <a:masterClrMapping/>
+  </p:clrMapOvr>
+  <p:transition>
+    <p:fade/>
+  </p:transition>
+  <p:timing>
+    <p:tnLst>
+      <p:par>
+        <p:cTn id="1" dur="indefinite" restart="never" nodeType="tmRoot">
+          <p:childTnLst>
+            <p:seq concurrent="1" nextAc="seek">
+              <p:cTn id="2" dur="indefinite" nodeType="mainSeq">
+                <p:childTnLst>
+                  <p:par>
+                    <p:cTn id="3" fill="hold">
+                      <p:stCondLst>
+                        <p:cond delay="indefinite"/>
+                      </p:stCondLst>
+                      <p:childTnLst>
+                        <p:par>
+                          <p:cTn id="4" fill="hold">
+                            <p:stCondLst>
+                              <p:cond delay="0"/>
+                            </p:stCondLst>
+                            <p:childTnLst>
+                              <p:par>
+                                <p:cTn id="5" presetID="10" presetClass="entr" presetSubtype="0" fill="hold" nodeType="clickEffect">
+                                  <p:stCondLst>
+                                    <p:cond delay="0"/>
+                                  </p:stCondLst>
+                                  <p:childTnLst>
+                                    <p:set>
+                                      <p:cBhvr>
+                                        <p:cTn id="6" dur="1" fill="hold">
+                                          <p:stCondLst>
+                                            <p:cond delay="0"/>
+                                          </p:stCondLst>
+                                        </p:cTn>
+                                        <p:tgtEl>
+                                          <p:spTgt spid="6">
+                                            <p:txEl>
+                                              <p:pRg st="0" end="0"/>
+                                            </p:txEl>
+                                          </p:spTgt>
+                                        </p:tgtEl>
+                                        <p:attrNameLst>
+                                          <p:attrName>style.visibility</p:attrName>
+                                        </p:attrNameLst>
+                                      </p:cBhvr>
+                                      <p:to>
+                                        <p:strVal val="visible"/>
+                                      </p:to>
+                                    </p:set>
+                                    <p:animEffect transition="in" filter="fade">
+                                      <p:cBhvr>
+                                        <p:cTn id="7" dur="1000"/>
+                                        <p:tgtEl>
+                                          <p:spTgt spid="6">
+                                            <p:txEl>
+                                              <p:pRg st="0" end="0"/>
+                                            </p:txEl>
+                                          </p:spTgt>
+                                        </p:tgtEl>
+                                      </p:cBhvr>
+                                    </p:animEffect>
+                                  </p:childTnLst>
+                                </p:cTn>
+                              </p:par>
+                            </p:childTnLst>
+                          </p:cTn>
+                        </p:par>
+                      </p:childTnLst>
+                    </p:cTn>
+                  </p:par>
+                  <p:par>
+                    <p:cTn id="8" fill="hold">
+                      <p:stCondLst>
+                        <p:cond delay="indefinite"/>
+                      </p:stCondLst>
+                      <p:childTnLst>
+                        <p:par>
+                          <p:cTn id="9" fill="hold">
+                            <p:stCondLst>
+                              <p:cond delay="0"/>
+                            </p:stCondLst>
+                            <p:childTnLst>
+                              <p:par>
+                                <p:cTn id="10" presetID="10" presetClass="entr" presetSubtype="0" fill="hold" nodeType="clickEffect">
+                                  <p:stCondLst>
+                                    <p:cond delay="0"/>
+                                  </p:stCondLst>
+                                  <p:childTnLst>
+                                    <p:set>
+                                      <p:cBhvr>
+                                        <p:cTn id="11" dur="1" fill="hold">
+                                          <p:stCondLst>
+                                            <p:cond delay="0"/>
+                                          </p:stCondLst>
+                                        </p:cTn>
+                                        <p:tgtEl>
+                                          <p:spTgt spid="6">
+                                            <p:txEl>
+                                              <p:pRg st="3" end="3"/>
+                                            </p:txEl>
+                                          </p:spTgt>
+                                        </p:tgtEl>
+                                        <p:attrNameLst>
+                                          <p:attrName>style.visibility</p:attrName>
+                                        </p:attrNameLst>
+                                      </p:cBhvr>
+                                      <p:to>
+                                        <p:strVal val="visible"/>
+                                      </p:to>
+                                    </p:set>
+                                    <p:animEffect transition="in" filter="fade">
+                                      <p:cBhvr>
+                                        <p:cTn id="12" dur="1000"/>
+                                        <p:tgtEl>
+                                          <p:spTgt spid="6">
+                                            <p:txEl>
+                                              <p:pRg st="3" end="3"/>
+                                            </p:txEl>
+                                          </p:spTgt>
+                                        </p:tgtEl>
+                                      </p:cBhvr>
+                                    </p:animEffect>
+                                  </p:childTnLst>
+                                </p:cTn>
+                              </p:par>
+                            </p:childTnLst>
+                          </p:cTn>
+                        </p:par>
+                      </p:childTnLst>
+                    </p:cTn>
+                  </p:par>
+                  <p:par>
+                    <p:cTn id="13" fill="hold">
+                      <p:stCondLst>
+                        <p:cond delay="indefinite"/>
+                      </p:stCondLst>
+                      <p:childTnLst>
+                        <p:par>
+                          <p:cTn id="14" fill="hold">
+                            <p:stCondLst>
+                              <p:cond delay="0"/>
+                            </p:stCondLst>
+                            <p:childTnLst>
+                              <p:par>
+                                <p:cTn id="15" presetID="10" presetClass="entr" presetSubtype="0" fill="hold" nodeType="clickEffect">
+                                  <p:stCondLst>
+                                    <p:cond delay="0"/>
+                                  </p:stCondLst>
+                                  <p:childTnLst>
+                                    <p:set>
+                                      <p:cBhvr>
+                                        <p:cTn id="16" dur="1" fill="hold">
+                                          <p:stCondLst>
+                                            <p:cond delay="0"/>
+                                          </p:stCondLst>
+                                        </p:cTn>
+                                        <p:tgtEl>
+                                          <p:spTgt spid="6">
+                                            <p:txEl>
+                                              <p:pRg st="6" end="6"/>
+                                            </p:txEl>
+                                          </p:spTgt>
+                                        </p:tgtEl>
+                                        <p:attrNameLst>
+                                          <p:attrName>style.visibility</p:attrName>
+                                        </p:attrNameLst>
+                                      </p:cBhvr>
+                                      <p:to>
+                                        <p:strVal val="visible"/>
+                                      </p:to>
+                                    </p:set>
+                                    <p:animEffect transition="in" filter="fade">
+                                      <p:cBhvr>
+                                        <p:cTn id="17" dur="1000"/>
+                                        <p:tgtEl>
+                                          <p:spTgt spid="6">
+                                            <p:txEl>
+                                              <p:pRg st="6" end="6"/>
+                                            </p:txEl>
+                                          </p:spTgt>
+                                        </p:tgtEl>
+                                      </p:cBhvr>
+                                    </p:animEffect>
+                                  </p:childTnLst>
+                                </p:cTn>
+                              </p:par>
+                            </p:childTnLst>
+                          </p:cTn>
+                        </p:par>
+                      </p:childTnLst>
+                    </p:cTn>
+                  </p:par>
+                  <p:par>
+                    <p:cTn id="18" fill="hold">
+                      <p:stCondLst>
+                        <p:cond delay="indefinite"/>
+                      </p:stCondLst>
+                      <p:childTnLst>
+                        <p:par>
+                          <p:cTn id="19" fill="hold">
+                            <p:stCondLst>
+                              <p:cond delay="0"/>
+                            </p:stCondLst>
+                            <p:childTnLst>
+                              <p:par>
+                                <p:cTn id="20" presetID="10" presetClass="entr" presetSubtype="0" fill="hold" grpId="0" nodeType="clickEffect">
+                                  <p:stCondLst>
+                                    <p:cond delay="0"/>
+                                  </p:stCondLst>
+                                  <p:childTnLst>
+                                    <p:set>
+                                      <p:cBhvr>
+                                        <p:cTn id="21" dur="1" fill="hold">
+                                          <p:stCondLst>
+                                            <p:cond delay="0"/>
+                                          </p:stCondLst>
+                                        </p:cTn>
+                                        <p:tgtEl>
+                                          <p:spTgt spid="29"/>
+                                        </p:tgtEl>
+                                        <p:attrNameLst>
+                                          <p:attrName>style.visibility</p:attrName>
+                                        </p:attrNameLst>
+                                      </p:cBhvr>
+                                      <p:to>
+                                        <p:strVal val="visible"/>
+                                      </p:to>
+                                    </p:set>
+                                    <p:animEffect transition="in" filter="fade">
+                                      <p:cBhvr>
+                                        <p:cTn id="22" dur="1000"/>
+                                        <p:tgtEl>
+                                          <p:spTgt spid="29"/>
+                                        </p:tgtEl>
+                                      </p:cBhvr>
+                                    </p:animEffect>
+                                  </p:childTnLst>
+                                </p:cTn>
+                              </p:par>
+                              <p:par>
+                                <p:cTn id="23" presetID="10" presetClass="entr" presetSubtype="0" fill="hold" grpId="0" nodeType="withEffect">
+                                  <p:stCondLst>
+                                    <p:cond delay="0"/>
+                                  </p:stCondLst>
+                                  <p:childTnLst>
+                                    <p:set>
+                                      <p:cBhvr>
+                                        <p:cTn id="24" dur="1" fill="hold">
+                                          <p:stCondLst>
+                                            <p:cond delay="0"/>
+                                          </p:stCondLst>
+                                        </p:cTn>
+                                        <p:tgtEl>
+                                          <p:spTgt spid="31"/>
+                                        </p:tgtEl>
+                                        <p:attrNameLst>
+                                          <p:attrName>style.visibility</p:attrName>
+                                        </p:attrNameLst>
+                                      </p:cBhvr>
+                                      <p:to>
+                                        <p:strVal val="visible"/>
+                                      </p:to>
+                                    </p:set>
+                                    <p:animEffect transition="in" filter="fade">
+                                      <p:cBhvr>
+                                        <p:cTn id="25" dur="1000"/>
+                                        <p:tgtEl>
+                                          <p:spTgt spid="31"/>
+                                        </p:tgtEl>
+                                      </p:cBhvr>
+                                    </p:animEffect>
+                                  </p:childTnLst>
+                                </p:cTn>
+                              </p:par>
+                              <p:par>
+                                <p:cTn id="26" presetID="10" presetClass="entr" presetSubtype="0" fill="hold" grpId="0" nodeType="withEffect">
+                                  <p:stCondLst>
+                                    <p:cond delay="0"/>
+                                  </p:stCondLst>
+                                  <p:childTnLst>
+                                    <p:set>
+                                      <p:cBhvr>
+                                        <p:cTn id="27" dur="1" fill="hold">
+                                          <p:stCondLst>
+                                            <p:cond delay="0"/>
+                                          </p:stCondLst>
+                                        </p:cTn>
+                                        <p:tgtEl>
+                                          <p:spTgt spid="33"/>
+                                        </p:tgtEl>
+                                        <p:attrNameLst>
+                                          <p:attrName>style.visibility</p:attrName>
+                                        </p:attrNameLst>
+                                      </p:cBhvr>
+                                      <p:to>
+                                        <p:strVal val="visible"/>
+                                      </p:to>
+                                    </p:set>
+                                    <p:animEffect transition="in" filter="fade">
+                                      <p:cBhvr>
+                                        <p:cTn id="28" dur="1000"/>
+                                        <p:tgtEl>
+                                          <p:spTgt spid="33"/>
+                                        </p:tgtEl>
+                                      </p:cBhvr>
+                                    </p:animEffect>
+                                  </p:childTnLst>
+                                </p:cTn>
+                              </p:par>
+                              <p:par>
+                                <p:cTn id="29" presetID="10" presetClass="entr" presetSubtype="0" fill="hold" grpId="0" nodeType="withEffect">
+                                  <p:stCondLst>
+                                    <p:cond delay="0"/>
+                                  </p:stCondLst>
+                                  <p:childTnLst>
+                                    <p:set>
+                                      <p:cBhvr>
+                                        <p:cTn id="30" dur="1" fill="hold">
+                                          <p:stCondLst>
+                                            <p:cond delay="0"/>
+                                          </p:stCondLst>
+                                        </p:cTn>
+                                        <p:tgtEl>
+                                          <p:spTgt spid="32"/>
+                                        </p:tgtEl>
+                                        <p:attrNameLst>
+                                          <p:attrName>style.visibility</p:attrName>
+                                        </p:attrNameLst>
+                                      </p:cBhvr>
+                                      <p:to>
+                                        <p:strVal val="visible"/>
+                                      </p:to>
+                                    </p:set>
+                                    <p:animEffect transition="in" filter="fade">
+                                      <p:cBhvr>
+                                        <p:cTn id="31" dur="1000"/>
+                                        <p:tgtEl>
+                                          <p:spTgt spid="32"/>
+                                        </p:tgtEl>
+                                      </p:cBhvr>
+                                    </p:animEffect>
+                                  </p:childTnLst>
+                                </p:cTn>
+                              </p:par>
+                            </p:childTnLst>
+                          </p:cTn>
+                        </p:par>
+                      </p:childTnLst>
+                    </p:cTn>
+                  </p:par>
+                </p:childTnLst>
+              </p:cTn>
+              <p:prevCondLst>
+                <p:cond evt="onPrev" delay="0">
+                  <p:tgtEl>
+                    <p:sldTgt/>
+                  </p:tgtEl>
+                </p:cond>
+              </p:prevCondLst>
+              <p:nextCondLst>
+                <p:cond evt="onNext" delay="0">
+                  <p:tgtEl>
+                    <p:sldTgt/>
+                  </p:tgtEl>
+                </p:cond>
+              </p:nextCondLst>
+            </p:seq>
+          </p:childTnLst>
+        </p:cTn>
+      </p:par>
+    </p:tnLst>
+    <p:bldLst>
+      <p:bldP spid="29" grpId="0" animBg="1"/>
+      <p:bldP spid="31" grpId="0" animBg="1"/>
+      <p:bldP spid="32" grpId="0" animBg="1"/>
+      <p:bldP spid="33" grpId="0" animBg="1"/>
+    </p:bldLst>
+  </p:timing>
+</p:sld>
+</file>
+
+<file path=ppt/slides/slide6.xml><?xml version="1.0" encoding="utf-8"?>
+<p:sld xmlns:a="http://schemas.openxmlformats.org/drawingml/2006/main" xmlns:r="http://schemas.openxmlformats.org/officeDocument/2006/relationships" xmlns:p="http://schemas.openxmlformats.org/presentationml/2006/main">
+  <p:cSld>
+    <p:spTree>
+      <p:nvGrpSpPr>
+        <p:cNvPr id="1" name=""/>
+        <p:cNvGrpSpPr/>
+        <p:nvPr/>
+      </p:nvGrpSpPr>
+      <p:grpSpPr>
+        <a:xfrm>
+          <a:off x="0" y="0"/>
+          <a:ext cx="0" cy="0"/>
+          <a:chOff x="0" y="0"/>
+          <a:chExt cx="0" cy="0"/>
+        </a:xfrm>
+      </p:grpSpPr>
+      <p:sp>
+        <p:nvSpPr>
+          <p:cNvPr id="2" name="Titolo 1"/>
+          <p:cNvSpPr>
+            <a:spLocks noGrp="1"/>
+          </p:cNvSpPr>
+          <p:nvPr>
+            <p:ph type="title"/>
+          </p:nvPr>
+        </p:nvSpPr>
+        <p:spPr/>
+        <p:txBody>
+          <a:bodyPr>
+            <a:normAutofit/>
+          </a:bodyPr>
+          <a:lstStyle/>
+          <a:p>
+            <a:r>
+              <a:rPr lang="en-US" dirty="0" smtClean="0">
+                <a:solidFill>
+                  <a:srgbClr val="FFC000"/>
+                </a:solidFill>
+              </a:rPr>
+              <a:t>Adding Durability</a:t>
+            </a:r>
+            <a:endParaRPr lang="en-US" dirty="0">
               <a:solidFill>
                 <a:srgbClr val="FFC000"/>
               </a:solidFill>
@@ -6238,7 +11058,59 @@
           </a:bodyPr>
           <a:lstStyle/>
           <a:p>
-            <a:endParaRPr lang="it-IT" dirty="0"/>
+            <a:r>
+              <a:rPr lang="it-IT" dirty="0" smtClean="0"/>
+              <a:t>On-line backup</a:t>
+            </a:r>
+          </a:p>
+          <a:p>
+            <a:endParaRPr lang="it-IT" dirty="0" smtClean="0"/>
+          </a:p>
+          <a:p>
+            <a:r>
+              <a:rPr lang="it-IT" dirty="0" smtClean="0"/>
+              <a:t>High </a:t>
+            </a:r>
+            <a:r>
+              <a:rPr lang="it-IT" dirty="0" err="1" smtClean="0"/>
+              <a:t>availability</a:t>
+            </a:r>
+            <a:r>
+              <a:rPr lang="it-IT" dirty="0" smtClean="0"/>
+              <a:t> </a:t>
+            </a:r>
+            <a:r>
+              <a:rPr lang="it-IT" dirty="0" err="1" smtClean="0"/>
+              <a:t>implementation</a:t>
+            </a:r>
+            <a:endParaRPr lang="it-IT" dirty="0" smtClean="0"/>
+          </a:p>
+          <a:p>
+            <a:endParaRPr lang="it-IT" dirty="0" smtClean="0"/>
+          </a:p>
+          <a:p>
+            <a:r>
+              <a:rPr lang="it-IT" dirty="0" smtClean="0"/>
+              <a:t>Non volatile RAM</a:t>
+            </a:r>
+          </a:p>
+          <a:p>
+            <a:endParaRPr lang="it-IT" dirty="0" smtClean="0"/>
+          </a:p>
+          <a:p>
+            <a:r>
+              <a:rPr lang="it-IT" dirty="0" err="1" smtClean="0"/>
+              <a:t>Transaction</a:t>
+            </a:r>
+            <a:r>
+              <a:rPr lang="it-IT" dirty="0" smtClean="0"/>
+              <a:t> </a:t>
+            </a:r>
+            <a:r>
+              <a:rPr lang="it-IT" dirty="0" err="1" smtClean="0"/>
+              <a:t>logging</a:t>
+            </a:r>
+            <a:endParaRPr lang="en-US" dirty="0"/>
           </a:p>
         </p:txBody>
       </p:sp>
@@ -6260,7 +11132,7 @@
 </p:sld>
 </file>
 
-<file path=ppt/slides/slide6.xml><?xml version="1.0" encoding="utf-8"?>
+<file path=ppt/slides/slide7.xml><?xml version="1.0" encoding="utf-8"?>
 <p:sld xmlns:a="http://schemas.openxmlformats.org/drawingml/2006/main" xmlns:r="http://schemas.openxmlformats.org/officeDocument/2006/relationships" xmlns:p="http://schemas.openxmlformats.org/presentationml/2006/main">
   <p:cSld>
     <p:spTree>
@@ -6287,7 +11159,12 @@
             <p:ph type="title"/>
           </p:nvPr>
         </p:nvSpPr>
-        <p:spPr/>
+        <p:spPr>
+          <a:xfrm>
+            <a:off x="214282" y="0"/>
+            <a:ext cx="6572296" cy="1467018"/>
+          </a:xfrm>
+        </p:spPr>
         <p:txBody>
           <a:bodyPr>
             <a:normAutofit/>
@@ -6295,14 +11172,14 @@
           <a:lstStyle/>
           <a:p>
             <a:r>
-              <a:rPr lang="it-IT" dirty="0" err="1" smtClean="0">
+              <a:rPr lang="en-US" sz="4000" dirty="0" smtClean="0">
                 <a:solidFill>
                   <a:srgbClr val="FFC000"/>
                 </a:solidFill>
               </a:rPr>
-              <a:t>Summary</a:t>
-            </a:r>
-            <a:endParaRPr lang="it-IT" dirty="0">
+              <a:t>Advantages &amp; Disadvantages</a:t>
+            </a:r>
+            <a:endParaRPr lang="en-US" sz="4000" dirty="0">
               <a:solidFill>
                 <a:srgbClr val="FFC000"/>
               </a:solidFill>
@@ -6367,7 +11244,50 @@
           </a:bodyPr>
           <a:lstStyle/>
           <a:p>
-            <a:endParaRPr lang="it-IT" dirty="0"/>
+            <a:r>
+              <a:rPr lang="en-US" dirty="0" smtClean="0"/>
+              <a:t>Lightweight</a:t>
+            </a:r>
+          </a:p>
+          <a:p>
+            <a:r>
+              <a:rPr lang="en-US" dirty="0" smtClean="0"/>
+              <a:t>Robustness</a:t>
+            </a:r>
+          </a:p>
+          <a:p>
+            <a:r>
+              <a:rPr lang="en-US" dirty="0" smtClean="0"/>
+              <a:t>High performance</a:t>
+            </a:r>
+          </a:p>
+          <a:p>
+            <a:endParaRPr lang="en-US" dirty="0" smtClean="0"/>
+          </a:p>
+          <a:p>
+            <a:r>
+              <a:rPr lang="en-US" dirty="0" smtClean="0"/>
+              <a:t>Huge amount of RAM</a:t>
+            </a:r>
+          </a:p>
+          <a:p>
+            <a:r>
+              <a:rPr lang="en-US" dirty="0" smtClean="0"/>
+              <a:t>Durability</a:t>
+            </a:r>
+          </a:p>
+          <a:p>
+            <a:r>
+              <a:rPr lang="en-US" dirty="0" smtClean="0"/>
+              <a:t>Slow startup</a:t>
+            </a:r>
+          </a:p>
+          <a:p>
+            <a:r>
+              <a:rPr lang="en-US" dirty="0" smtClean="0"/>
+              <a:t>Slow snapshot</a:t>
+            </a:r>
+            <a:endParaRPr lang="en-US" dirty="0"/>
           </a:p>
         </p:txBody>
       </p:sp>
@@ -6389,7 +11309,7 @@
 </p:sld>
 </file>
 
-<file path=ppt/slides/slide7.xml><?xml version="1.0" encoding="utf-8"?>
+<file path=ppt/slides/slide8.xml><?xml version="1.0" encoding="utf-8"?>
 <p:sld xmlns:a="http://schemas.openxmlformats.org/drawingml/2006/main" xmlns:r="http://schemas.openxmlformats.org/officeDocument/2006/relationships" xmlns:p="http://schemas.openxmlformats.org/presentationml/2006/main">
   <p:cSld>
     <p:spTree>
@@ -6424,14 +11344,14 @@
           <a:lstStyle/>
           <a:p>
             <a:r>
-              <a:rPr lang="it-IT" dirty="0" err="1" smtClean="0">
+              <a:rPr lang="en-US" dirty="0" smtClean="0">
                 <a:solidFill>
                   <a:srgbClr val="FFC000"/>
                 </a:solidFill>
               </a:rPr>
-              <a:t>Summary</a:t>
-            </a:r>
-            <a:endParaRPr lang="it-IT" dirty="0">
+              <a:t>Performance Analysis</a:t>
+            </a:r>
+            <a:endParaRPr lang="en-US" dirty="0">
               <a:solidFill>
                 <a:srgbClr val="FFC000"/>
               </a:solidFill>
@@ -6492,11 +11412,296 @@
         </p:spPr>
         <p:txBody>
           <a:bodyPr>
-            <a:normAutofit/>
+            <a:normAutofit fontScale="92500" lnSpcReduction="20000"/>
           </a:bodyPr>
           <a:lstStyle/>
           <a:p>
-            <a:endParaRPr lang="it-IT" dirty="0"/>
+            <a:r>
+              <a:rPr lang="en-US" dirty="0" smtClean="0"/>
+              <a:t>Databases are only slower or faster given a specific set of criteria in a given </a:t>
+            </a:r>
+            <a:r>
+              <a:rPr lang="en-US" dirty="0" smtClean="0"/>
+              <a:t>benchmark</a:t>
+            </a:r>
+          </a:p>
+          <a:p>
+            <a:pPr lvl="1"/>
+            <a:r>
+              <a:rPr lang="en-US" dirty="0" smtClean="0"/>
+              <a:t>Execution platform</a:t>
+            </a:r>
+          </a:p>
+          <a:p>
+            <a:pPr lvl="1"/>
+            <a:r>
+              <a:rPr lang="en-US" dirty="0" smtClean="0"/>
+              <a:t>Test scenario</a:t>
+            </a:r>
+          </a:p>
+          <a:p>
+            <a:pPr lvl="1"/>
+            <a:r>
+              <a:rPr lang="en-US" dirty="0" smtClean="0"/>
+              <a:t>Test implementation</a:t>
+            </a:r>
+          </a:p>
+          <a:p>
+            <a:endParaRPr lang="en-US" dirty="0" smtClean="0"/>
+          </a:p>
+          <a:p>
+            <a:r>
+              <a:rPr lang="en-US" dirty="0" smtClean="0"/>
+              <a:t>Load test case: Real </a:t>
+            </a:r>
+            <a:r>
+              <a:rPr lang="en-US" dirty="0" smtClean="0"/>
+              <a:t>T</a:t>
+            </a:r>
+            <a:r>
+              <a:rPr lang="en-US" dirty="0" smtClean="0"/>
+              <a:t>ime </a:t>
+            </a:r>
+            <a:r>
+              <a:rPr lang="en-US" dirty="0" smtClean="0"/>
+              <a:t>P</a:t>
+            </a:r>
+            <a:r>
+              <a:rPr lang="en-US" dirty="0" smtClean="0"/>
+              <a:t>repaid </a:t>
+            </a:r>
+            <a:r>
+              <a:rPr lang="en-US" dirty="0" smtClean="0"/>
+              <a:t>S</a:t>
+            </a:r>
+            <a:r>
+              <a:rPr lang="en-US" dirty="0" smtClean="0"/>
+              <a:t>ystem</a:t>
+            </a:r>
+          </a:p>
+          <a:p>
+            <a:endParaRPr lang="en-US" dirty="0" smtClean="0"/>
+          </a:p>
+          <a:p>
+            <a:endParaRPr lang="en-US" dirty="0" smtClean="0"/>
+          </a:p>
+          <a:p>
+            <a:pPr>
+              <a:buNone/>
+            </a:pPr>
+            <a:r>
+              <a:rPr lang="it-IT" dirty="0" smtClean="0"/>
+              <a:t> </a:t>
+            </a:r>
+          </a:p>
+          <a:p>
+            <a:pPr>
+              <a:buNone/>
+            </a:pPr>
+            <a:r>
+              <a:rPr lang="it-IT" dirty="0" smtClean="0"/>
+              <a:t> </a:t>
+            </a:r>
+            <a:endParaRPr lang="en-US" dirty="0" smtClean="0"/>
+          </a:p>
+        </p:txBody>
+      </p:sp>
+      <p:sp>
+        <p:nvSpPr>
+          <p:cNvPr id="16" name="Parentesi graffa chiusa 15"/>
+          <p:cNvSpPr/>
+          <p:nvPr/>
+        </p:nvSpPr>
+        <p:spPr>
+          <a:xfrm rot="16200000">
+            <a:off x="3893339" y="1607331"/>
+            <a:ext cx="857256" cy="6786610"/>
+          </a:xfrm>
+          <a:prstGeom prst="rightBrace">
+            <a:avLst>
+              <a:gd name="adj1" fmla="val 90554"/>
+              <a:gd name="adj2" fmla="val 49813"/>
+            </a:avLst>
+          </a:prstGeom>
+        </p:spPr>
+        <p:style>
+          <a:lnRef idx="1">
+            <a:schemeClr val="accent1"/>
+          </a:lnRef>
+          <a:fillRef idx="0">
+            <a:schemeClr val="accent1"/>
+          </a:fillRef>
+          <a:effectRef idx="0">
+            <a:schemeClr val="accent1"/>
+          </a:effectRef>
+          <a:fontRef idx="minor">
+            <a:schemeClr val="tx1"/>
+          </a:fontRef>
+        </p:style>
+        <p:txBody>
+          <a:bodyPr rtlCol="0" anchor="ctr"/>
+          <a:lstStyle/>
+          <a:p>
+            <a:pPr algn="ctr"/>
+            <a:endParaRPr lang="it-IT"/>
+          </a:p>
+        </p:txBody>
+      </p:sp>
+      <p:sp>
+        <p:nvSpPr>
+          <p:cNvPr id="17" name="Elaborazione predefinita 16"/>
+          <p:cNvSpPr/>
+          <p:nvPr/>
+        </p:nvSpPr>
+        <p:spPr>
+          <a:xfrm>
+            <a:off x="428596" y="5500702"/>
+            <a:ext cx="1785950" cy="785818"/>
+          </a:xfrm>
+          <a:prstGeom prst="flowChartPredefinedProcess">
+            <a:avLst/>
+          </a:prstGeom>
+          <a:solidFill>
+            <a:schemeClr val="bg1"/>
+          </a:solidFill>
+          <a:ln>
+            <a:solidFill>
+              <a:schemeClr val="tx1"/>
+            </a:solidFill>
+          </a:ln>
+        </p:spPr>
+        <p:style>
+          <a:lnRef idx="1">
+            <a:schemeClr val="accent1"/>
+          </a:lnRef>
+          <a:fillRef idx="2">
+            <a:schemeClr val="accent1"/>
+          </a:fillRef>
+          <a:effectRef idx="1">
+            <a:schemeClr val="accent1"/>
+          </a:effectRef>
+          <a:fontRef idx="minor">
+            <a:schemeClr val="dk1"/>
+          </a:fontRef>
+        </p:style>
+        <p:txBody>
+          <a:bodyPr rtlCol="0" anchor="ctr"/>
+          <a:lstStyle/>
+          <a:p>
+            <a:pPr algn="ctr"/>
+            <a:r>
+              <a:rPr lang="en-US" sz="2200" dirty="0" smtClean="0"/>
+              <a:t>Balance</a:t>
+            </a:r>
+            <a:r>
+              <a:rPr lang="it-IT" sz="2200" dirty="0" smtClean="0"/>
+              <a:t> </a:t>
+            </a:r>
+            <a:r>
+              <a:rPr lang="en-US" sz="2200" dirty="0" smtClean="0"/>
+              <a:t>check</a:t>
+            </a:r>
+            <a:endParaRPr lang="en-US" sz="2200" dirty="0"/>
+          </a:p>
+        </p:txBody>
+      </p:sp>
+      <p:sp>
+        <p:nvSpPr>
+          <p:cNvPr id="18" name="Elaborazione predefinita 17"/>
+          <p:cNvSpPr/>
+          <p:nvPr/>
+        </p:nvSpPr>
+        <p:spPr>
+          <a:xfrm>
+            <a:off x="2571736" y="5500702"/>
+            <a:ext cx="3571900" cy="785818"/>
+          </a:xfrm>
+          <a:prstGeom prst="flowChartPredefinedProcess">
+            <a:avLst/>
+          </a:prstGeom>
+          <a:solidFill>
+            <a:schemeClr val="bg1"/>
+          </a:solidFill>
+          <a:ln>
+            <a:solidFill>
+              <a:schemeClr val="tx1"/>
+            </a:solidFill>
+          </a:ln>
+        </p:spPr>
+        <p:style>
+          <a:lnRef idx="1">
+            <a:schemeClr val="accent1"/>
+          </a:lnRef>
+          <a:fillRef idx="2">
+            <a:schemeClr val="accent1"/>
+          </a:fillRef>
+          <a:effectRef idx="1">
+            <a:schemeClr val="accent1"/>
+          </a:effectRef>
+          <a:fontRef idx="minor">
+            <a:schemeClr val="dk1"/>
+          </a:fontRef>
+        </p:style>
+        <p:txBody>
+          <a:bodyPr rtlCol="0" anchor="ctr"/>
+          <a:lstStyle/>
+          <a:p>
+            <a:pPr algn="ctr"/>
+            <a:r>
+              <a:rPr lang="en-US" sz="2200" dirty="0" smtClean="0"/>
+              <a:t>Service authorization and management</a:t>
+            </a:r>
+            <a:endParaRPr lang="en-US" sz="2200" dirty="0"/>
+          </a:p>
+        </p:txBody>
+      </p:sp>
+      <p:sp>
+        <p:nvSpPr>
+          <p:cNvPr id="19" name="Elaborazione predefinita 18"/>
+          <p:cNvSpPr/>
+          <p:nvPr/>
+        </p:nvSpPr>
+        <p:spPr>
+          <a:xfrm>
+            <a:off x="6500826" y="5500702"/>
+            <a:ext cx="2357454" cy="785818"/>
+          </a:xfrm>
+          <a:prstGeom prst="flowChartPredefinedProcess">
+            <a:avLst/>
+          </a:prstGeom>
+          <a:solidFill>
+            <a:schemeClr val="bg1"/>
+          </a:solidFill>
+          <a:ln>
+            <a:solidFill>
+              <a:schemeClr val="tx1"/>
+            </a:solidFill>
+          </a:ln>
+        </p:spPr>
+        <p:style>
+          <a:lnRef idx="1">
+            <a:schemeClr val="accent1"/>
+          </a:lnRef>
+          <a:fillRef idx="2">
+            <a:schemeClr val="accent1"/>
+          </a:fillRef>
+          <a:effectRef idx="1">
+            <a:schemeClr val="accent1"/>
+          </a:effectRef>
+          <a:fontRef idx="minor">
+            <a:schemeClr val="dk1"/>
+          </a:fontRef>
+        </p:style>
+        <p:txBody>
+          <a:bodyPr rtlCol="0" anchor="ctr"/>
+          <a:lstStyle/>
+          <a:p>
+            <a:pPr algn="ctr"/>
+            <a:r>
+              <a:rPr lang="en-US" sz="2200" dirty="0" smtClean="0"/>
+              <a:t>Accounts management</a:t>
+            </a:r>
+            <a:endParaRPr lang="en-US" sz="2200" dirty="0"/>
           </a:p>
         </p:txBody>
       </p:sp>
@@ -6511,14 +11716,488 @@
   <p:timing>
     <p:tnLst>
       <p:par>
-        <p:cTn id="1" dur="indefinite" restart="never" nodeType="tmRoot"/>
+        <p:cTn id="1" dur="indefinite" restart="never" nodeType="tmRoot">
+          <p:childTnLst>
+            <p:seq concurrent="1" nextAc="seek">
+              <p:cTn id="2" dur="indefinite" nodeType="mainSeq">
+                <p:childTnLst>
+                  <p:par>
+                    <p:cTn id="3" fill="hold">
+                      <p:stCondLst>
+                        <p:cond delay="indefinite"/>
+                      </p:stCondLst>
+                      <p:childTnLst>
+                        <p:par>
+                          <p:cTn id="4" fill="hold">
+                            <p:stCondLst>
+                              <p:cond delay="0"/>
+                            </p:stCondLst>
+                            <p:childTnLst>
+                              <p:par>
+                                <p:cTn id="5" presetID="10" presetClass="entr" presetSubtype="0" fill="hold" nodeType="clickEffect">
+                                  <p:stCondLst>
+                                    <p:cond delay="0"/>
+                                  </p:stCondLst>
+                                  <p:childTnLst>
+                                    <p:set>
+                                      <p:cBhvr>
+                                        <p:cTn id="6" dur="1" fill="hold">
+                                          <p:stCondLst>
+                                            <p:cond delay="0"/>
+                                          </p:stCondLst>
+                                        </p:cTn>
+                                        <p:tgtEl>
+                                          <p:spTgt spid="6">
+                                            <p:txEl>
+                                              <p:pRg st="0" end="0"/>
+                                            </p:txEl>
+                                          </p:spTgt>
+                                        </p:tgtEl>
+                                        <p:attrNameLst>
+                                          <p:attrName>style.visibility</p:attrName>
+                                        </p:attrNameLst>
+                                      </p:cBhvr>
+                                      <p:to>
+                                        <p:strVal val="visible"/>
+                                      </p:to>
+                                    </p:set>
+                                    <p:animEffect transition="in" filter="fade">
+                                      <p:cBhvr>
+                                        <p:cTn id="7" dur="1000"/>
+                                        <p:tgtEl>
+                                          <p:spTgt spid="6">
+                                            <p:txEl>
+                                              <p:pRg st="0" end="0"/>
+                                            </p:txEl>
+                                          </p:spTgt>
+                                        </p:tgtEl>
+                                      </p:cBhvr>
+                                    </p:animEffect>
+                                  </p:childTnLst>
+                                </p:cTn>
+                              </p:par>
+                            </p:childTnLst>
+                          </p:cTn>
+                        </p:par>
+                      </p:childTnLst>
+                    </p:cTn>
+                  </p:par>
+                  <p:par>
+                    <p:cTn id="8" fill="hold">
+                      <p:stCondLst>
+                        <p:cond delay="indefinite"/>
+                      </p:stCondLst>
+                      <p:childTnLst>
+                        <p:par>
+                          <p:cTn id="9" fill="hold">
+                            <p:stCondLst>
+                              <p:cond delay="0"/>
+                            </p:stCondLst>
+                            <p:childTnLst>
+                              <p:par>
+                                <p:cTn id="10" presetID="10" presetClass="entr" presetSubtype="0" fill="hold" nodeType="clickEffect">
+                                  <p:stCondLst>
+                                    <p:cond delay="0"/>
+                                  </p:stCondLst>
+                                  <p:childTnLst>
+                                    <p:set>
+                                      <p:cBhvr>
+                                        <p:cTn id="11" dur="1" fill="hold">
+                                          <p:stCondLst>
+                                            <p:cond delay="0"/>
+                                          </p:stCondLst>
+                                        </p:cTn>
+                                        <p:tgtEl>
+                                          <p:spTgt spid="6">
+                                            <p:txEl>
+                                              <p:pRg st="1" end="1"/>
+                                            </p:txEl>
+                                          </p:spTgt>
+                                        </p:tgtEl>
+                                        <p:attrNameLst>
+                                          <p:attrName>style.visibility</p:attrName>
+                                        </p:attrNameLst>
+                                      </p:cBhvr>
+                                      <p:to>
+                                        <p:strVal val="visible"/>
+                                      </p:to>
+                                    </p:set>
+                                    <p:animEffect transition="in" filter="fade">
+                                      <p:cBhvr>
+                                        <p:cTn id="12" dur="1000"/>
+                                        <p:tgtEl>
+                                          <p:spTgt spid="6">
+                                            <p:txEl>
+                                              <p:pRg st="1" end="1"/>
+                                            </p:txEl>
+                                          </p:spTgt>
+                                        </p:tgtEl>
+                                      </p:cBhvr>
+                                    </p:animEffect>
+                                  </p:childTnLst>
+                                </p:cTn>
+                              </p:par>
+                            </p:childTnLst>
+                          </p:cTn>
+                        </p:par>
+                        <p:par>
+                          <p:cTn id="13" fill="hold">
+                            <p:stCondLst>
+                              <p:cond delay="1000"/>
+                            </p:stCondLst>
+                            <p:childTnLst>
+                              <p:par>
+                                <p:cTn id="14" presetID="10" presetClass="entr" presetSubtype="0" fill="hold" nodeType="afterEffect">
+                                  <p:stCondLst>
+                                    <p:cond delay="0"/>
+                                  </p:stCondLst>
+                                  <p:childTnLst>
+                                    <p:set>
+                                      <p:cBhvr>
+                                        <p:cTn id="15" dur="1" fill="hold">
+                                          <p:stCondLst>
+                                            <p:cond delay="0"/>
+                                          </p:stCondLst>
+                                        </p:cTn>
+                                        <p:tgtEl>
+                                          <p:spTgt spid="6">
+                                            <p:txEl>
+                                              <p:pRg st="2" end="2"/>
+                                            </p:txEl>
+                                          </p:spTgt>
+                                        </p:tgtEl>
+                                        <p:attrNameLst>
+                                          <p:attrName>style.visibility</p:attrName>
+                                        </p:attrNameLst>
+                                      </p:cBhvr>
+                                      <p:to>
+                                        <p:strVal val="visible"/>
+                                      </p:to>
+                                    </p:set>
+                                    <p:animEffect transition="in" filter="fade">
+                                      <p:cBhvr>
+                                        <p:cTn id="16" dur="1000"/>
+                                        <p:tgtEl>
+                                          <p:spTgt spid="6">
+                                            <p:txEl>
+                                              <p:pRg st="2" end="2"/>
+                                            </p:txEl>
+                                          </p:spTgt>
+                                        </p:tgtEl>
+                                      </p:cBhvr>
+                                    </p:animEffect>
+                                  </p:childTnLst>
+                                </p:cTn>
+                              </p:par>
+                            </p:childTnLst>
+                          </p:cTn>
+                        </p:par>
+                        <p:par>
+                          <p:cTn id="17" fill="hold">
+                            <p:stCondLst>
+                              <p:cond delay="2000"/>
+                            </p:stCondLst>
+                            <p:childTnLst>
+                              <p:par>
+                                <p:cTn id="18" presetID="10" presetClass="entr" presetSubtype="0" fill="hold" nodeType="afterEffect">
+                                  <p:stCondLst>
+                                    <p:cond delay="0"/>
+                                  </p:stCondLst>
+                                  <p:childTnLst>
+                                    <p:set>
+                                      <p:cBhvr>
+                                        <p:cTn id="19" dur="1" fill="hold">
+                                          <p:stCondLst>
+                                            <p:cond delay="0"/>
+                                          </p:stCondLst>
+                                        </p:cTn>
+                                        <p:tgtEl>
+                                          <p:spTgt spid="6">
+                                            <p:txEl>
+                                              <p:pRg st="3" end="3"/>
+                                            </p:txEl>
+                                          </p:spTgt>
+                                        </p:tgtEl>
+                                        <p:attrNameLst>
+                                          <p:attrName>style.visibility</p:attrName>
+                                        </p:attrNameLst>
+                                      </p:cBhvr>
+                                      <p:to>
+                                        <p:strVal val="visible"/>
+                                      </p:to>
+                                    </p:set>
+                                    <p:animEffect transition="in" filter="fade">
+                                      <p:cBhvr>
+                                        <p:cTn id="20" dur="1000"/>
+                                        <p:tgtEl>
+                                          <p:spTgt spid="6">
+                                            <p:txEl>
+                                              <p:pRg st="3" end="3"/>
+                                            </p:txEl>
+                                          </p:spTgt>
+                                        </p:tgtEl>
+                                      </p:cBhvr>
+                                    </p:animEffect>
+                                  </p:childTnLst>
+                                </p:cTn>
+                              </p:par>
+                            </p:childTnLst>
+                          </p:cTn>
+                        </p:par>
+                      </p:childTnLst>
+                    </p:cTn>
+                  </p:par>
+                  <p:par>
+                    <p:cTn id="21" fill="hold">
+                      <p:stCondLst>
+                        <p:cond delay="indefinite"/>
+                      </p:stCondLst>
+                      <p:childTnLst>
+                        <p:par>
+                          <p:cTn id="22" fill="hold">
+                            <p:stCondLst>
+                              <p:cond delay="0"/>
+                            </p:stCondLst>
+                            <p:childTnLst>
+                              <p:par>
+                                <p:cTn id="23" presetID="10" presetClass="entr" presetSubtype="0" fill="hold" nodeType="clickEffect">
+                                  <p:stCondLst>
+                                    <p:cond delay="0"/>
+                                  </p:stCondLst>
+                                  <p:childTnLst>
+                                    <p:set>
+                                      <p:cBhvr>
+                                        <p:cTn id="24" dur="1" fill="hold">
+                                          <p:stCondLst>
+                                            <p:cond delay="0"/>
+                                          </p:stCondLst>
+                                        </p:cTn>
+                                        <p:tgtEl>
+                                          <p:spTgt spid="6">
+                                            <p:txEl>
+                                              <p:pRg st="5" end="5"/>
+                                            </p:txEl>
+                                          </p:spTgt>
+                                        </p:tgtEl>
+                                        <p:attrNameLst>
+                                          <p:attrName>style.visibility</p:attrName>
+                                        </p:attrNameLst>
+                                      </p:cBhvr>
+                                      <p:to>
+                                        <p:strVal val="visible"/>
+                                      </p:to>
+                                    </p:set>
+                                    <p:animEffect transition="in" filter="fade">
+                                      <p:cBhvr>
+                                        <p:cTn id="25" dur="1000"/>
+                                        <p:tgtEl>
+                                          <p:spTgt spid="6">
+                                            <p:txEl>
+                                              <p:pRg st="5" end="5"/>
+                                            </p:txEl>
+                                          </p:spTgt>
+                                        </p:tgtEl>
+                                      </p:cBhvr>
+                                    </p:animEffect>
+                                  </p:childTnLst>
+                                </p:cTn>
+                              </p:par>
+                            </p:childTnLst>
+                          </p:cTn>
+                        </p:par>
+                      </p:childTnLst>
+                    </p:cTn>
+                  </p:par>
+                  <p:par>
+                    <p:cTn id="26" fill="hold">
+                      <p:stCondLst>
+                        <p:cond delay="indefinite"/>
+                      </p:stCondLst>
+                      <p:childTnLst>
+                        <p:par>
+                          <p:cTn id="27" fill="hold">
+                            <p:stCondLst>
+                              <p:cond delay="0"/>
+                            </p:stCondLst>
+                            <p:childTnLst>
+                              <p:par>
+                                <p:cTn id="28" presetID="10" presetClass="entr" presetSubtype="0" fill="hold" grpId="0" nodeType="clickEffect">
+                                  <p:stCondLst>
+                                    <p:cond delay="0"/>
+                                  </p:stCondLst>
+                                  <p:childTnLst>
+                                    <p:set>
+                                      <p:cBhvr>
+                                        <p:cTn id="29" dur="1" fill="hold">
+                                          <p:stCondLst>
+                                            <p:cond delay="0"/>
+                                          </p:stCondLst>
+                                        </p:cTn>
+                                        <p:tgtEl>
+                                          <p:spTgt spid="16"/>
+                                        </p:tgtEl>
+                                        <p:attrNameLst>
+                                          <p:attrName>style.visibility</p:attrName>
+                                        </p:attrNameLst>
+                                      </p:cBhvr>
+                                      <p:to>
+                                        <p:strVal val="visible"/>
+                                      </p:to>
+                                    </p:set>
+                                    <p:animEffect transition="in" filter="fade">
+                                      <p:cBhvr>
+                                        <p:cTn id="30" dur="1000"/>
+                                        <p:tgtEl>
+                                          <p:spTgt spid="16"/>
+                                        </p:tgtEl>
+                                      </p:cBhvr>
+                                    </p:animEffect>
+                                  </p:childTnLst>
+                                </p:cTn>
+                              </p:par>
+                              <p:par>
+                                <p:cTn id="31" presetID="10" presetClass="entr" presetSubtype="0" fill="hold" grpId="0" nodeType="withEffect">
+                                  <p:stCondLst>
+                                    <p:cond delay="0"/>
+                                  </p:stCondLst>
+                                  <p:childTnLst>
+                                    <p:set>
+                                      <p:cBhvr>
+                                        <p:cTn id="32" dur="1" fill="hold">
+                                          <p:stCondLst>
+                                            <p:cond delay="0"/>
+                                          </p:stCondLst>
+                                        </p:cTn>
+                                        <p:tgtEl>
+                                          <p:spTgt spid="19"/>
+                                        </p:tgtEl>
+                                        <p:attrNameLst>
+                                          <p:attrName>style.visibility</p:attrName>
+                                        </p:attrNameLst>
+                                      </p:cBhvr>
+                                      <p:to>
+                                        <p:strVal val="visible"/>
+                                      </p:to>
+                                    </p:set>
+                                    <p:animEffect transition="in" filter="fade">
+                                      <p:cBhvr>
+                                        <p:cTn id="33" dur="1000"/>
+                                        <p:tgtEl>
+                                          <p:spTgt spid="19"/>
+                                        </p:tgtEl>
+                                      </p:cBhvr>
+                                    </p:animEffect>
+                                  </p:childTnLst>
+                                </p:cTn>
+                              </p:par>
+                              <p:par>
+                                <p:cTn id="34" presetID="10" presetClass="entr" presetSubtype="0" fill="hold" grpId="0" nodeType="withEffect">
+                                  <p:stCondLst>
+                                    <p:cond delay="0"/>
+                                  </p:stCondLst>
+                                  <p:childTnLst>
+                                    <p:set>
+                                      <p:cBhvr>
+                                        <p:cTn id="35" dur="1" fill="hold">
+                                          <p:stCondLst>
+                                            <p:cond delay="0"/>
+                                          </p:stCondLst>
+                                        </p:cTn>
+                                        <p:tgtEl>
+                                          <p:spTgt spid="18"/>
+                                        </p:tgtEl>
+                                        <p:attrNameLst>
+                                          <p:attrName>style.visibility</p:attrName>
+                                        </p:attrNameLst>
+                                      </p:cBhvr>
+                                      <p:to>
+                                        <p:strVal val="visible"/>
+                                      </p:to>
+                                    </p:set>
+                                    <p:animEffect transition="in" filter="fade">
+                                      <p:cBhvr>
+                                        <p:cTn id="36" dur="1000"/>
+                                        <p:tgtEl>
+                                          <p:spTgt spid="18"/>
+                                        </p:tgtEl>
+                                      </p:cBhvr>
+                                    </p:animEffect>
+                                  </p:childTnLst>
+                                </p:cTn>
+                              </p:par>
+                              <p:par>
+                                <p:cTn id="37" presetID="10" presetClass="entr" presetSubtype="0" fill="hold" grpId="0" nodeType="withEffect">
+                                  <p:stCondLst>
+                                    <p:cond delay="0"/>
+                                  </p:stCondLst>
+                                  <p:childTnLst>
+                                    <p:set>
+                                      <p:cBhvr>
+                                        <p:cTn id="38" dur="1" fill="hold">
+                                          <p:stCondLst>
+                                            <p:cond delay="0"/>
+                                          </p:stCondLst>
+                                        </p:cTn>
+                                        <p:tgtEl>
+                                          <p:spTgt spid="17"/>
+                                        </p:tgtEl>
+                                        <p:attrNameLst>
+                                          <p:attrName>style.visibility</p:attrName>
+                                        </p:attrNameLst>
+                                      </p:cBhvr>
+                                      <p:to>
+                                        <p:strVal val="visible"/>
+                                      </p:to>
+                                    </p:set>
+                                    <p:animEffect transition="in" filter="fade">
+                                      <p:cBhvr>
+                                        <p:cTn id="39" dur="1000"/>
+                                        <p:tgtEl>
+                                          <p:spTgt spid="17"/>
+                                        </p:tgtEl>
+                                      </p:cBhvr>
+                                    </p:animEffect>
+                                  </p:childTnLst>
+                                </p:cTn>
+                              </p:par>
+                            </p:childTnLst>
+                          </p:cTn>
+                        </p:par>
+                      </p:childTnLst>
+                    </p:cTn>
+                  </p:par>
+                </p:childTnLst>
+              </p:cTn>
+              <p:prevCondLst>
+                <p:cond evt="onPrev" delay="0">
+                  <p:tgtEl>
+                    <p:sldTgt/>
+                  </p:tgtEl>
+                </p:cond>
+              </p:prevCondLst>
+              <p:nextCondLst>
+                <p:cond evt="onNext" delay="0">
+                  <p:tgtEl>
+                    <p:sldTgt/>
+                  </p:tgtEl>
+                </p:cond>
+              </p:nextCondLst>
+            </p:seq>
+          </p:childTnLst>
+        </p:cTn>
       </p:par>
     </p:tnLst>
+    <p:bldLst>
+      <p:bldP spid="16" grpId="0" animBg="1"/>
+      <p:bldP spid="17" grpId="0" animBg="1"/>
+      <p:bldP spid="18" grpId="0" animBg="1"/>
+      <p:bldP spid="19" grpId="0" animBg="1"/>
+    </p:bldLst>
   </p:timing>
 </p:sld>
 </file>
 
-<file path=ppt/slides/slide8.xml><?xml version="1.0" encoding="utf-8"?>
+<file path=ppt/slides/slide9.xml><?xml version="1.0" encoding="utf-8"?>
 <p:sld xmlns:a="http://schemas.openxmlformats.org/drawingml/2006/main" xmlns:r="http://schemas.openxmlformats.org/officeDocument/2006/relationships" xmlns:p="http://schemas.openxmlformats.org/presentationml/2006/main">
   <p:cSld>
     <p:spTree>
@@ -6553,14 +12232,14 @@
           <a:lstStyle/>
           <a:p>
             <a:r>
-              <a:rPr lang="it-IT" dirty="0" err="1" smtClean="0">
+              <a:rPr lang="en-US" dirty="0" smtClean="0">
                 <a:solidFill>
                   <a:srgbClr val="FFC000"/>
                 </a:solidFill>
               </a:rPr>
-              <a:t>Summary</a:t>
-            </a:r>
-            <a:endParaRPr lang="it-IT" dirty="0">
+              <a:t>Benchmark</a:t>
+            </a:r>
+            <a:endParaRPr lang="en-US" dirty="0">
               <a:solidFill>
                 <a:srgbClr val="FFC000"/>
               </a:solidFill>
@@ -6621,11 +12300,148 @@
         </p:spPr>
         <p:txBody>
           <a:bodyPr>
-            <a:normAutofit/>
+            <a:normAutofit fontScale="92500" lnSpcReduction="10000"/>
           </a:bodyPr>
           <a:lstStyle/>
           <a:p>
-            <a:endParaRPr lang="it-IT" dirty="0"/>
+            <a:r>
+              <a:rPr lang="en-US" dirty="0" smtClean="0"/>
+              <a:t>A benchmark is a point of reference used to measure the performance</a:t>
+            </a:r>
+          </a:p>
+          <a:p>
+            <a:endParaRPr lang="en-US" dirty="0" smtClean="0"/>
+          </a:p>
+          <a:p>
+            <a:r>
+              <a:rPr lang="en-US" dirty="0" smtClean="0"/>
+              <a:t>Requirements:</a:t>
+            </a:r>
+          </a:p>
+          <a:p>
+            <a:pPr lvl="1"/>
+            <a:r>
+              <a:rPr lang="it-IT" dirty="0" err="1" smtClean="0"/>
+              <a:t>Portable</a:t>
+            </a:r>
+            <a:endParaRPr lang="it-IT" dirty="0" smtClean="0"/>
+          </a:p>
+          <a:p>
+            <a:pPr lvl="1"/>
+            <a:r>
+              <a:rPr lang="it-IT" dirty="0" err="1" smtClean="0"/>
+              <a:t>Flexible</a:t>
+            </a:r>
+            <a:endParaRPr lang="it-IT" dirty="0" smtClean="0"/>
+          </a:p>
+          <a:p>
+            <a:pPr lvl="1"/>
+            <a:r>
+              <a:rPr lang="it-IT" dirty="0" err="1" smtClean="0"/>
+              <a:t>Detailed</a:t>
+            </a:r>
+            <a:r>
+              <a:rPr lang="it-IT" dirty="0" smtClean="0"/>
+              <a:t> </a:t>
+            </a:r>
+            <a:r>
+              <a:rPr lang="it-IT" dirty="0" smtClean="0"/>
+              <a:t>report </a:t>
+            </a:r>
+            <a:r>
+              <a:rPr lang="it-IT" dirty="0" err="1" smtClean="0"/>
+              <a:t>for</a:t>
+            </a:r>
+            <a:r>
+              <a:rPr lang="it-IT" dirty="0" smtClean="0"/>
+              <a:t> </a:t>
+            </a:r>
+            <a:r>
+              <a:rPr lang="it-IT" dirty="0" err="1" smtClean="0"/>
+              <a:t>each</a:t>
+            </a:r>
+            <a:r>
+              <a:rPr lang="it-IT" dirty="0" smtClean="0"/>
+              <a:t> </a:t>
+            </a:r>
+            <a:r>
+              <a:rPr lang="it-IT" dirty="0" smtClean="0"/>
+              <a:t>test</a:t>
+            </a:r>
+          </a:p>
+          <a:p>
+            <a:pPr lvl="1"/>
+            <a:r>
+              <a:rPr lang="it-IT" dirty="0" err="1" smtClean="0"/>
+              <a:t>Visual</a:t>
+            </a:r>
+            <a:r>
+              <a:rPr lang="it-IT" dirty="0" smtClean="0"/>
+              <a:t> report</a:t>
+            </a:r>
+          </a:p>
+          <a:p>
+            <a:pPr lvl="1"/>
+            <a:r>
+              <a:rPr lang="it-IT" dirty="0" err="1" smtClean="0"/>
+              <a:t>For</a:t>
+            </a:r>
+            <a:r>
+              <a:rPr lang="it-IT" dirty="0" smtClean="0"/>
+              <a:t> </a:t>
+            </a:r>
+            <a:r>
+              <a:rPr lang="it-IT" dirty="0" err="1" smtClean="0"/>
+              <a:t>both</a:t>
+            </a:r>
+            <a:r>
+              <a:rPr lang="it-IT" dirty="0" smtClean="0"/>
+              <a:t> </a:t>
+            </a:r>
+            <a:r>
+              <a:rPr lang="it-IT" dirty="0" err="1" smtClean="0"/>
+              <a:t>relational</a:t>
+            </a:r>
+            <a:r>
+              <a:rPr lang="it-IT" dirty="0" smtClean="0"/>
+              <a:t> and </a:t>
+            </a:r>
+            <a:r>
+              <a:rPr lang="it-IT" dirty="0" err="1" smtClean="0"/>
+              <a:t>object</a:t>
+            </a:r>
+            <a:r>
+              <a:rPr lang="it-IT" dirty="0" smtClean="0"/>
+              <a:t> </a:t>
+            </a:r>
+            <a:r>
+              <a:rPr lang="it-IT" dirty="0" smtClean="0"/>
+              <a:t>database</a:t>
+            </a:r>
+          </a:p>
+          <a:p>
+            <a:pPr lvl="1"/>
+            <a:r>
+              <a:rPr lang="it-IT" dirty="0" smtClean="0"/>
+              <a:t>Easy </a:t>
+            </a:r>
+            <a:r>
+              <a:rPr lang="it-IT" dirty="0" err="1" smtClean="0"/>
+              <a:t>to</a:t>
+            </a:r>
+            <a:r>
+              <a:rPr lang="it-IT" dirty="0" smtClean="0"/>
+              <a:t> </a:t>
+            </a:r>
+            <a:r>
+              <a:rPr lang="it-IT" dirty="0" err="1" smtClean="0"/>
+              <a:t>use</a:t>
+            </a:r>
+            <a:endParaRPr lang="it-IT" dirty="0" smtClean="0"/>
+          </a:p>
+          <a:p>
+            <a:pPr lvl="1"/>
+            <a:endParaRPr lang="en-US" dirty="0"/>
           </a:p>
         </p:txBody>
       </p:sp>
@@ -6640,136 +12456,464 @@
   <p:timing>
     <p:tnLst>
       <p:par>
-        <p:cTn id="1" dur="indefinite" restart="never" nodeType="tmRoot"/>
-      </p:par>
-    </p:tnLst>
-  </p:timing>
-</p:sld>
-</file>
-
-<file path=ppt/slides/slide9.xml><?xml version="1.0" encoding="utf-8"?>
-<p:sld xmlns:a="http://schemas.openxmlformats.org/drawingml/2006/main" xmlns:r="http://schemas.openxmlformats.org/officeDocument/2006/relationships" xmlns:p="http://schemas.openxmlformats.org/presentationml/2006/main">
-  <p:cSld>
-    <p:spTree>
-      <p:nvGrpSpPr>
-        <p:cNvPr id="1" name=""/>
-        <p:cNvGrpSpPr/>
-        <p:nvPr/>
-      </p:nvGrpSpPr>
-      <p:grpSpPr>
-        <a:xfrm>
-          <a:off x="0" y="0"/>
-          <a:ext cx="0" cy="0"/>
-          <a:chOff x="0" y="0"/>
-          <a:chExt cx="0" cy="0"/>
-        </a:xfrm>
-      </p:grpSpPr>
-      <p:sp>
-        <p:nvSpPr>
-          <p:cNvPr id="2" name="Titolo 1"/>
-          <p:cNvSpPr>
-            <a:spLocks noGrp="1"/>
-          </p:cNvSpPr>
-          <p:nvPr>
-            <p:ph type="title"/>
-          </p:nvPr>
-        </p:nvSpPr>
-        <p:spPr/>
-        <p:txBody>
-          <a:bodyPr>
-            <a:normAutofit/>
-          </a:bodyPr>
-          <a:lstStyle/>
-          <a:p>
-            <a:r>
-              <a:rPr lang="it-IT" dirty="0" err="1" smtClean="0">
-                <a:solidFill>
-                  <a:srgbClr val="FFC000"/>
-                </a:solidFill>
-              </a:rPr>
-              <a:t>Summary</a:t>
-            </a:r>
-            <a:endParaRPr lang="it-IT" dirty="0">
-              <a:solidFill>
-                <a:srgbClr val="FFC000"/>
-              </a:solidFill>
-            </a:endParaRPr>
-          </a:p>
-        </p:txBody>
-      </p:sp>
-      <p:pic>
-        <p:nvPicPr>
-          <p:cNvPr id="4" name="Picture 4" descr="C:\Users\error0\Desktop\logoRoma32.gif"/>
-          <p:cNvPicPr>
-            <a:picLocks noChangeAspect="1" noChangeArrowheads="1"/>
-          </p:cNvPicPr>
-          <p:nvPr/>
-        </p:nvPicPr>
-        <p:blipFill>
-          <a:blip r:embed="rId2">
-            <a:duotone>
-              <a:schemeClr val="accent1">
-                <a:shade val="45000"/>
-                <a:satMod val="135000"/>
-              </a:schemeClr>
-              <a:prstClr val="white"/>
-            </a:duotone>
-            <a:lum bright="20000"/>
-          </a:blip>
-          <a:srcRect/>
-          <a:stretch>
-            <a:fillRect/>
-          </a:stretch>
-        </p:blipFill>
-        <p:spPr bwMode="auto">
-          <a:xfrm>
-            <a:off x="6858016" y="153964"/>
-            <a:ext cx="2214578" cy="1131896"/>
-          </a:xfrm>
-          <a:prstGeom prst="rect">
-            <a:avLst/>
-          </a:prstGeom>
-          <a:noFill/>
-        </p:spPr>
-      </p:pic>
-      <p:sp>
-        <p:nvSpPr>
-          <p:cNvPr id="6" name="Segnaposto contenuto 5"/>
-          <p:cNvSpPr>
-            <a:spLocks noGrp="1"/>
-          </p:cNvSpPr>
-          <p:nvPr>
-            <p:ph idx="1"/>
-          </p:nvPr>
-        </p:nvSpPr>
-        <p:spPr>
-          <a:xfrm>
-            <a:off x="457200" y="1775191"/>
-            <a:ext cx="8043890" cy="4625609"/>
-          </a:xfrm>
-        </p:spPr>
-        <p:txBody>
-          <a:bodyPr>
-            <a:normAutofit/>
-          </a:bodyPr>
-          <a:lstStyle/>
-          <a:p>
-            <a:endParaRPr lang="it-IT" dirty="0"/>
-          </a:p>
-        </p:txBody>
-      </p:sp>
-    </p:spTree>
-  </p:cSld>
-  <p:clrMapOvr>
-    <a:masterClrMapping/>
-  </p:clrMapOvr>
-  <p:transition>
-    <p:fade/>
-  </p:transition>
-  <p:timing>
-    <p:tnLst>
-      <p:par>
-        <p:cTn id="1" dur="indefinite" restart="never" nodeType="tmRoot"/>
+        <p:cTn id="1" dur="indefinite" restart="never" nodeType="tmRoot">
+          <p:childTnLst>
+            <p:seq concurrent="1" nextAc="seek">
+              <p:cTn id="2" dur="indefinite" nodeType="mainSeq">
+                <p:childTnLst>
+                  <p:par>
+                    <p:cTn id="3" fill="hold">
+                      <p:stCondLst>
+                        <p:cond delay="indefinite"/>
+                      </p:stCondLst>
+                      <p:childTnLst>
+                        <p:par>
+                          <p:cTn id="4" fill="hold">
+                            <p:stCondLst>
+                              <p:cond delay="0"/>
+                            </p:stCondLst>
+                            <p:childTnLst>
+                              <p:par>
+                                <p:cTn id="5" presetID="10" presetClass="entr" presetSubtype="0" fill="hold" nodeType="clickEffect">
+                                  <p:stCondLst>
+                                    <p:cond delay="0"/>
+                                  </p:stCondLst>
+                                  <p:childTnLst>
+                                    <p:set>
+                                      <p:cBhvr>
+                                        <p:cTn id="6" dur="1" fill="hold">
+                                          <p:stCondLst>
+                                            <p:cond delay="0"/>
+                                          </p:stCondLst>
+                                        </p:cTn>
+                                        <p:tgtEl>
+                                          <p:spTgt spid="6">
+                                            <p:txEl>
+                                              <p:pRg st="0" end="0"/>
+                                            </p:txEl>
+                                          </p:spTgt>
+                                        </p:tgtEl>
+                                        <p:attrNameLst>
+                                          <p:attrName>style.visibility</p:attrName>
+                                        </p:attrNameLst>
+                                      </p:cBhvr>
+                                      <p:to>
+                                        <p:strVal val="visible"/>
+                                      </p:to>
+                                    </p:set>
+                                    <p:animEffect transition="in" filter="fade">
+                                      <p:cBhvr>
+                                        <p:cTn id="7" dur="1000"/>
+                                        <p:tgtEl>
+                                          <p:spTgt spid="6">
+                                            <p:txEl>
+                                              <p:pRg st="0" end="0"/>
+                                            </p:txEl>
+                                          </p:spTgt>
+                                        </p:tgtEl>
+                                      </p:cBhvr>
+                                    </p:animEffect>
+                                  </p:childTnLst>
+                                </p:cTn>
+                              </p:par>
+                            </p:childTnLst>
+                          </p:cTn>
+                        </p:par>
+                      </p:childTnLst>
+                    </p:cTn>
+                  </p:par>
+                  <p:par>
+                    <p:cTn id="8" fill="hold">
+                      <p:stCondLst>
+                        <p:cond delay="indefinite"/>
+                      </p:stCondLst>
+                      <p:childTnLst>
+                        <p:par>
+                          <p:cTn id="9" fill="hold">
+                            <p:stCondLst>
+                              <p:cond delay="0"/>
+                            </p:stCondLst>
+                            <p:childTnLst>
+                              <p:par>
+                                <p:cTn id="10" presetID="10" presetClass="entr" presetSubtype="0" fill="hold" nodeType="clickEffect">
+                                  <p:stCondLst>
+                                    <p:cond delay="0"/>
+                                  </p:stCondLst>
+                                  <p:childTnLst>
+                                    <p:set>
+                                      <p:cBhvr>
+                                        <p:cTn id="11" dur="1" fill="hold">
+                                          <p:stCondLst>
+                                            <p:cond delay="0"/>
+                                          </p:stCondLst>
+                                        </p:cTn>
+                                        <p:tgtEl>
+                                          <p:spTgt spid="6">
+                                            <p:txEl>
+                                              <p:pRg st="2" end="2"/>
+                                            </p:txEl>
+                                          </p:spTgt>
+                                        </p:tgtEl>
+                                        <p:attrNameLst>
+                                          <p:attrName>style.visibility</p:attrName>
+                                        </p:attrNameLst>
+                                      </p:cBhvr>
+                                      <p:to>
+                                        <p:strVal val="visible"/>
+                                      </p:to>
+                                    </p:set>
+                                    <p:animEffect transition="in" filter="fade">
+                                      <p:cBhvr>
+                                        <p:cTn id="12" dur="1000"/>
+                                        <p:tgtEl>
+                                          <p:spTgt spid="6">
+                                            <p:txEl>
+                                              <p:pRg st="2" end="2"/>
+                                            </p:txEl>
+                                          </p:spTgt>
+                                        </p:tgtEl>
+                                      </p:cBhvr>
+                                    </p:animEffect>
+                                  </p:childTnLst>
+                                </p:cTn>
+                              </p:par>
+                            </p:childTnLst>
+                          </p:cTn>
+                        </p:par>
+                        <p:par>
+                          <p:cTn id="13" fill="hold">
+                            <p:stCondLst>
+                              <p:cond delay="1000"/>
+                            </p:stCondLst>
+                            <p:childTnLst>
+                              <p:par>
+                                <p:cTn id="14" presetID="10" presetClass="entr" presetSubtype="0" fill="hold" nodeType="afterEffect">
+                                  <p:stCondLst>
+                                    <p:cond delay="0"/>
+                                  </p:stCondLst>
+                                  <p:childTnLst>
+                                    <p:set>
+                                      <p:cBhvr>
+                                        <p:cTn id="15" dur="1" fill="hold">
+                                          <p:stCondLst>
+                                            <p:cond delay="0"/>
+                                          </p:stCondLst>
+                                        </p:cTn>
+                                        <p:tgtEl>
+                                          <p:spTgt spid="6">
+                                            <p:txEl>
+                                              <p:pRg st="3" end="3"/>
+                                            </p:txEl>
+                                          </p:spTgt>
+                                        </p:tgtEl>
+                                        <p:attrNameLst>
+                                          <p:attrName>style.visibility</p:attrName>
+                                        </p:attrNameLst>
+                                      </p:cBhvr>
+                                      <p:to>
+                                        <p:strVal val="visible"/>
+                                      </p:to>
+                                    </p:set>
+                                    <p:animEffect transition="in" filter="fade">
+                                      <p:cBhvr>
+                                        <p:cTn id="16" dur="1000"/>
+                                        <p:tgtEl>
+                                          <p:spTgt spid="6">
+                                            <p:txEl>
+                                              <p:pRg st="3" end="3"/>
+                                            </p:txEl>
+                                          </p:spTgt>
+                                        </p:tgtEl>
+                                      </p:cBhvr>
+                                    </p:animEffect>
+                                  </p:childTnLst>
+                                </p:cTn>
+                              </p:par>
+                            </p:childTnLst>
+                          </p:cTn>
+                        </p:par>
+                        <p:par>
+                          <p:cTn id="17" fill="hold">
+                            <p:stCondLst>
+                              <p:cond delay="2000"/>
+                            </p:stCondLst>
+                            <p:childTnLst>
+                              <p:par>
+                                <p:cTn id="18" presetID="10" presetClass="entr" presetSubtype="0" fill="hold" nodeType="afterEffect">
+                                  <p:stCondLst>
+                                    <p:cond delay="0"/>
+                                  </p:stCondLst>
+                                  <p:childTnLst>
+                                    <p:set>
+                                      <p:cBhvr>
+                                        <p:cTn id="19" dur="1" fill="hold">
+                                          <p:stCondLst>
+                                            <p:cond delay="0"/>
+                                          </p:stCondLst>
+                                        </p:cTn>
+                                        <p:tgtEl>
+                                          <p:spTgt spid="6">
+                                            <p:txEl>
+                                              <p:pRg st="4" end="4"/>
+                                            </p:txEl>
+                                          </p:spTgt>
+                                        </p:tgtEl>
+                                        <p:attrNameLst>
+                                          <p:attrName>style.visibility</p:attrName>
+                                        </p:attrNameLst>
+                                      </p:cBhvr>
+                                      <p:to>
+                                        <p:strVal val="visible"/>
+                                      </p:to>
+                                    </p:set>
+                                    <p:animEffect transition="in" filter="fade">
+                                      <p:cBhvr>
+                                        <p:cTn id="20" dur="1000"/>
+                                        <p:tgtEl>
+                                          <p:spTgt spid="6">
+                                            <p:txEl>
+                                              <p:pRg st="4" end="4"/>
+                                            </p:txEl>
+                                          </p:spTgt>
+                                        </p:tgtEl>
+                                      </p:cBhvr>
+                                    </p:animEffect>
+                                  </p:childTnLst>
+                                </p:cTn>
+                              </p:par>
+                            </p:childTnLst>
+                          </p:cTn>
+                        </p:par>
+                        <p:par>
+                          <p:cTn id="21" fill="hold">
+                            <p:stCondLst>
+                              <p:cond delay="3000"/>
+                            </p:stCondLst>
+                            <p:childTnLst>
+                              <p:par>
+                                <p:cTn id="22" presetID="10" presetClass="entr" presetSubtype="0" fill="hold" nodeType="afterEffect">
+                                  <p:stCondLst>
+                                    <p:cond delay="0"/>
+                                  </p:stCondLst>
+                                  <p:childTnLst>
+                                    <p:set>
+                                      <p:cBhvr>
+                                        <p:cTn id="23" dur="1" fill="hold">
+                                          <p:stCondLst>
+                                            <p:cond delay="0"/>
+                                          </p:stCondLst>
+                                        </p:cTn>
+                                        <p:tgtEl>
+                                          <p:spTgt spid="6">
+                                            <p:txEl>
+                                              <p:pRg st="5" end="5"/>
+                                            </p:txEl>
+                                          </p:spTgt>
+                                        </p:tgtEl>
+                                        <p:attrNameLst>
+                                          <p:attrName>style.visibility</p:attrName>
+                                        </p:attrNameLst>
+                                      </p:cBhvr>
+                                      <p:to>
+                                        <p:strVal val="visible"/>
+                                      </p:to>
+                                    </p:set>
+                                    <p:animEffect transition="in" filter="fade">
+                                      <p:cBhvr>
+                                        <p:cTn id="24" dur="1000"/>
+                                        <p:tgtEl>
+                                          <p:spTgt spid="6">
+                                            <p:txEl>
+                                              <p:pRg st="5" end="5"/>
+                                            </p:txEl>
+                                          </p:spTgt>
+                                        </p:tgtEl>
+                                      </p:cBhvr>
+                                    </p:animEffect>
+                                  </p:childTnLst>
+                                </p:cTn>
+                              </p:par>
+                            </p:childTnLst>
+                          </p:cTn>
+                        </p:par>
+                        <p:par>
+                          <p:cTn id="25" fill="hold">
+                            <p:stCondLst>
+                              <p:cond delay="4000"/>
+                            </p:stCondLst>
+                            <p:childTnLst>
+                              <p:par>
+                                <p:cTn id="26" presetID="10" presetClass="entr" presetSubtype="0" fill="hold" nodeType="afterEffect">
+                                  <p:stCondLst>
+                                    <p:cond delay="0"/>
+                                  </p:stCondLst>
+                                  <p:childTnLst>
+                                    <p:set>
+                                      <p:cBhvr>
+                                        <p:cTn id="27" dur="1" fill="hold">
+                                          <p:stCondLst>
+                                            <p:cond delay="0"/>
+                                          </p:stCondLst>
+                                        </p:cTn>
+                                        <p:tgtEl>
+                                          <p:spTgt spid="6">
+                                            <p:txEl>
+                                              <p:pRg st="6" end="6"/>
+                                            </p:txEl>
+                                          </p:spTgt>
+                                        </p:tgtEl>
+                                        <p:attrNameLst>
+                                          <p:attrName>style.visibility</p:attrName>
+                                        </p:attrNameLst>
+                                      </p:cBhvr>
+                                      <p:to>
+                                        <p:strVal val="visible"/>
+                                      </p:to>
+                                    </p:set>
+                                    <p:animEffect transition="in" filter="fade">
+                                      <p:cBhvr>
+                                        <p:cTn id="28" dur="1000"/>
+                                        <p:tgtEl>
+                                          <p:spTgt spid="6">
+                                            <p:txEl>
+                                              <p:pRg st="6" end="6"/>
+                                            </p:txEl>
+                                          </p:spTgt>
+                                        </p:tgtEl>
+                                      </p:cBhvr>
+                                    </p:animEffect>
+                                  </p:childTnLst>
+                                </p:cTn>
+                              </p:par>
+                            </p:childTnLst>
+                          </p:cTn>
+                        </p:par>
+                        <p:par>
+                          <p:cTn id="29" fill="hold">
+                            <p:stCondLst>
+                              <p:cond delay="5000"/>
+                            </p:stCondLst>
+                            <p:childTnLst>
+                              <p:par>
+                                <p:cTn id="30" presetID="10" presetClass="entr" presetSubtype="0" fill="hold" nodeType="afterEffect">
+                                  <p:stCondLst>
+                                    <p:cond delay="0"/>
+                                  </p:stCondLst>
+                                  <p:childTnLst>
+                                    <p:set>
+                                      <p:cBhvr>
+                                        <p:cTn id="31" dur="1" fill="hold">
+                                          <p:stCondLst>
+                                            <p:cond delay="0"/>
+                                          </p:stCondLst>
+                                        </p:cTn>
+                                        <p:tgtEl>
+                                          <p:spTgt spid="6">
+                                            <p:txEl>
+                                              <p:pRg st="7" end="7"/>
+                                            </p:txEl>
+                                          </p:spTgt>
+                                        </p:tgtEl>
+                                        <p:attrNameLst>
+                                          <p:attrName>style.visibility</p:attrName>
+                                        </p:attrNameLst>
+                                      </p:cBhvr>
+                                      <p:to>
+                                        <p:strVal val="visible"/>
+                                      </p:to>
+                                    </p:set>
+                                    <p:animEffect transition="in" filter="fade">
+                                      <p:cBhvr>
+                                        <p:cTn id="32" dur="1000"/>
+                                        <p:tgtEl>
+                                          <p:spTgt spid="6">
+                                            <p:txEl>
+                                              <p:pRg st="7" end="7"/>
+                                            </p:txEl>
+                                          </p:spTgt>
+                                        </p:tgtEl>
+                                      </p:cBhvr>
+                                    </p:animEffect>
+                                  </p:childTnLst>
+                                </p:cTn>
+                              </p:par>
+                            </p:childTnLst>
+                          </p:cTn>
+                        </p:par>
+                        <p:par>
+                          <p:cTn id="33" fill="hold">
+                            <p:stCondLst>
+                              <p:cond delay="6000"/>
+                            </p:stCondLst>
+                            <p:childTnLst>
+                              <p:par>
+                                <p:cTn id="34" presetID="10" presetClass="entr" presetSubtype="0" fill="hold" nodeType="afterEffect">
+                                  <p:stCondLst>
+                                    <p:cond delay="0"/>
+                                  </p:stCondLst>
+                                  <p:childTnLst>
+                                    <p:set>
+                                      <p:cBhvr>
+                                        <p:cTn id="35" dur="1" fill="hold">
+                                          <p:stCondLst>
+                                            <p:cond delay="0"/>
+                                          </p:stCondLst>
+                                        </p:cTn>
+                                        <p:tgtEl>
+                                          <p:spTgt spid="6">
+                                            <p:txEl>
+                                              <p:pRg st="8" end="8"/>
+                                            </p:txEl>
+                                          </p:spTgt>
+                                        </p:tgtEl>
+                                        <p:attrNameLst>
+                                          <p:attrName>style.visibility</p:attrName>
+                                        </p:attrNameLst>
+                                      </p:cBhvr>
+                                      <p:to>
+                                        <p:strVal val="visible"/>
+                                      </p:to>
+                                    </p:set>
+                                    <p:animEffect transition="in" filter="fade">
+                                      <p:cBhvr>
+                                        <p:cTn id="36" dur="1000"/>
+                                        <p:tgtEl>
+                                          <p:spTgt spid="6">
+                                            <p:txEl>
+                                              <p:pRg st="8" end="8"/>
+                                            </p:txEl>
+                                          </p:spTgt>
+                                        </p:tgtEl>
+                                      </p:cBhvr>
+                                    </p:animEffect>
+                                  </p:childTnLst>
+                                </p:cTn>
+                              </p:par>
+                            </p:childTnLst>
+                          </p:cTn>
+                        </p:par>
+                      </p:childTnLst>
+                    </p:cTn>
+                  </p:par>
+                </p:childTnLst>
+              </p:cTn>
+              <p:prevCondLst>
+                <p:cond evt="onPrev" delay="0">
+                  <p:tgtEl>
+                    <p:sldTgt/>
+                  </p:tgtEl>
+                </p:cond>
+              </p:prevCondLst>
+              <p:nextCondLst>
+                <p:cond evt="onNext" delay="0">
+                  <p:tgtEl>
+                    <p:sldTgt/>
+                  </p:tgtEl>
+                </p:cond>
+              </p:nextCondLst>
+            </p:seq>
+          </p:childTnLst>
+        </p:cTn>
       </p:par>
     </p:tnLst>
   </p:timing>
@@ -7057,4 +13201,287 @@
   <a:objectDefaults/>
   <a:extraClrSchemeLst/>
 </a:theme>
+</file>
+
+<file path=ppt/theme/theme2.xml><?xml version="1.0" encoding="utf-8"?>
+<a:theme xmlns:a="http://schemas.openxmlformats.org/drawingml/2006/main" name="Tema di Office">
+  <a:themeElements>
+    <a:clrScheme name="Office">
+      <a:dk1>
+        <a:sysClr val="windowText" lastClr="000000"/>
+      </a:dk1>
+      <a:lt1>
+        <a:sysClr val="window" lastClr="FFFFFF"/>
+      </a:lt1>
+      <a:dk2>
+        <a:srgbClr val="1F497D"/>
+      </a:dk2>
+      <a:lt2>
+        <a:srgbClr val="EEECE1"/>
+      </a:lt2>
+      <a:accent1>
+        <a:srgbClr val="4F81BD"/>
+      </a:accent1>
+      <a:accent2>
+        <a:srgbClr val="C0504D"/>
+      </a:accent2>
+      <a:accent3>
+        <a:srgbClr val="9BBB59"/>
+      </a:accent3>
+      <a:accent4>
+        <a:srgbClr val="8064A2"/>
+      </a:accent4>
+      <a:accent5>
+        <a:srgbClr val="4BACC6"/>
+      </a:accent5>
+      <a:accent6>
+        <a:srgbClr val="F79646"/>
+      </a:accent6>
+      <a:hlink>
+        <a:srgbClr val="0000FF"/>
+      </a:hlink>
+      <a:folHlink>
+        <a:srgbClr val="800080"/>
+      </a:folHlink>
+    </a:clrScheme>
+    <a:fontScheme name="Office">
+      <a:majorFont>
+        <a:latin typeface="Calibri"/>
+        <a:ea typeface=""/>
+        <a:cs typeface=""/>
+        <a:font script="Jpan" typeface="ＭＳ Ｐゴシック"/>
+        <a:font script="Hang" typeface="맑은 고딕"/>
+        <a:font script="Hans" typeface="宋体"/>
+        <a:font script="Hant" typeface="新細明體"/>
+        <a:font script="Arab" typeface="Times New Roman"/>
+        <a:font script="Hebr" typeface="Times New Roman"/>
+        <a:font script="Thai" typeface="Angsana New"/>
+        <a:font script="Ethi" typeface="Nyala"/>
+        <a:font script="Beng" typeface="Vrinda"/>
+        <a:font script="Gujr" typeface="Shruti"/>
+        <a:font script="Khmr" typeface="MoolBoran"/>
+        <a:font script="Knda" typeface="Tunga"/>
+        <a:font script="Guru" typeface="Raavi"/>
+        <a:font script="Cans" typeface="Euphemia"/>
+        <a:font script="Cher" typeface="Plantagenet Cherokee"/>
+        <a:font script="Yiii" typeface="Microsoft Yi Baiti"/>
+        <a:font script="Tibt" typeface="Microsoft Himalaya"/>
+        <a:font script="Thaa" typeface="MV Boli"/>
+        <a:font script="Deva" typeface="Mangal"/>
+        <a:font script="Telu" typeface="Gautami"/>
+        <a:font script="Taml" typeface="Latha"/>
+        <a:font script="Syrc" typeface="Estrangelo Edessa"/>
+        <a:font script="Orya" typeface="Kalinga"/>
+        <a:font script="Mlym" typeface="Kartika"/>
+        <a:font script="Laoo" typeface="DokChampa"/>
+        <a:font script="Sinh" typeface="Iskoola Pota"/>
+        <a:font script="Mong" typeface="Mongolian Baiti"/>
+        <a:font script="Viet" typeface="Times New Roman"/>
+        <a:font script="Uigh" typeface="Microsoft Uighur"/>
+      </a:majorFont>
+      <a:minorFont>
+        <a:latin typeface="Calibri"/>
+        <a:ea typeface=""/>
+        <a:cs typeface=""/>
+        <a:font script="Jpan" typeface="ＭＳ Ｐゴシック"/>
+        <a:font script="Hang" typeface="맑은 고딕"/>
+        <a:font script="Hans" typeface="宋体"/>
+        <a:font script="Hant" typeface="新細明體"/>
+        <a:font script="Arab" typeface="Arial"/>
+        <a:font script="Hebr" typeface="Arial"/>
+        <a:font script="Thai" typeface="Cordia New"/>
+        <a:font script="Ethi" typeface="Nyala"/>
+        <a:font script="Beng" typeface="Vrinda"/>
+        <a:font script="Gujr" typeface="Shruti"/>
+        <a:font script="Khmr" typeface="DaunPenh"/>
+        <a:font script="Knda" typeface="Tunga"/>
+        <a:font script="Guru" typeface="Raavi"/>
+        <a:font script="Cans" typeface="Euphemia"/>
+        <a:font script="Cher" typeface="Plantagenet Cherokee"/>
+        <a:font script="Yiii" typeface="Microsoft Yi Baiti"/>
+        <a:font script="Tibt" typeface="Microsoft Himalaya"/>
+        <a:font script="Thaa" typeface="MV Boli"/>
+        <a:font script="Deva" typeface="Mangal"/>
+        <a:font script="Telu" typeface="Gautami"/>
+        <a:font script="Taml" typeface="Latha"/>
+        <a:font script="Syrc" typeface="Estrangelo Edessa"/>
+        <a:font script="Orya" typeface="Kalinga"/>
+        <a:font script="Mlym" typeface="Kartika"/>
+        <a:font script="Laoo" typeface="DokChampa"/>
+        <a:font script="Sinh" typeface="Iskoola Pota"/>
+        <a:font script="Mong" typeface="Mongolian Baiti"/>
+        <a:font script="Viet" typeface="Arial"/>
+        <a:font script="Uigh" typeface="Microsoft Uighur"/>
+      </a:minorFont>
+    </a:fontScheme>
+    <a:fmtScheme name="Office">
+      <a:fillStyleLst>
+        <a:solidFill>
+          <a:schemeClr val="phClr"/>
+        </a:solidFill>
+        <a:gradFill rotWithShape="1">
+          <a:gsLst>
+            <a:gs pos="0">
+              <a:schemeClr val="phClr">
+                <a:tint val="50000"/>
+                <a:satMod val="300000"/>
+              </a:schemeClr>
+            </a:gs>
+            <a:gs pos="35000">
+              <a:schemeClr val="phClr">
+                <a:tint val="37000"/>
+                <a:satMod val="300000"/>
+              </a:schemeClr>
+            </a:gs>
+            <a:gs pos="100000">
+              <a:schemeClr val="phClr">
+                <a:tint val="15000"/>
+                <a:satMod val="350000"/>
+              </a:schemeClr>
+            </a:gs>
+          </a:gsLst>
+          <a:lin ang="16200000" scaled="1"/>
+        </a:gradFill>
+        <a:gradFill rotWithShape="1">
+          <a:gsLst>
+            <a:gs pos="0">
+              <a:schemeClr val="phClr">
+                <a:shade val="51000"/>
+                <a:satMod val="130000"/>
+              </a:schemeClr>
+            </a:gs>
+            <a:gs pos="80000">
+              <a:schemeClr val="phClr">
+                <a:shade val="93000"/>
+                <a:satMod val="130000"/>
+              </a:schemeClr>
+            </a:gs>
+            <a:gs pos="100000">
+              <a:schemeClr val="phClr">
+                <a:shade val="94000"/>
+                <a:satMod val="135000"/>
+              </a:schemeClr>
+            </a:gs>
+          </a:gsLst>
+          <a:lin ang="16200000" scaled="0"/>
+        </a:gradFill>
+      </a:fillStyleLst>
+      <a:lnStyleLst>
+        <a:ln w="9525" cap="flat" cmpd="sng" algn="ctr">
+          <a:solidFill>
+            <a:schemeClr val="phClr">
+              <a:shade val="95000"/>
+              <a:satMod val="105000"/>
+            </a:schemeClr>
+          </a:solidFill>
+          <a:prstDash val="solid"/>
+        </a:ln>
+        <a:ln w="25400" cap="flat" cmpd="sng" algn="ctr">
+          <a:solidFill>
+            <a:schemeClr val="phClr"/>
+          </a:solidFill>
+          <a:prstDash val="solid"/>
+        </a:ln>
+        <a:ln w="38100" cap="flat" cmpd="sng" algn="ctr">
+          <a:solidFill>
+            <a:schemeClr val="phClr"/>
+          </a:solidFill>
+          <a:prstDash val="solid"/>
+        </a:ln>
+      </a:lnStyleLst>
+      <a:effectStyleLst>
+        <a:effectStyle>
+          <a:effectLst>
+            <a:outerShdw blurRad="40000" dist="20000" dir="5400000" rotWithShape="0">
+              <a:srgbClr val="000000">
+                <a:alpha val="38000"/>
+              </a:srgbClr>
+            </a:outerShdw>
+          </a:effectLst>
+        </a:effectStyle>
+        <a:effectStyle>
+          <a:effectLst>
+            <a:outerShdw blurRad="40000" dist="23000" dir="5400000" rotWithShape="0">
+              <a:srgbClr val="000000">
+                <a:alpha val="35000"/>
+              </a:srgbClr>
+            </a:outerShdw>
+          </a:effectLst>
+        </a:effectStyle>
+        <a:effectStyle>
+          <a:effectLst>
+            <a:outerShdw blurRad="40000" dist="23000" dir="5400000" rotWithShape="0">
+              <a:srgbClr val="000000">
+                <a:alpha val="35000"/>
+              </a:srgbClr>
+            </a:outerShdw>
+          </a:effectLst>
+          <a:scene3d>
+            <a:camera prst="orthographicFront">
+              <a:rot lat="0" lon="0" rev="0"/>
+            </a:camera>
+            <a:lightRig rig="threePt" dir="t">
+              <a:rot lat="0" lon="0" rev="1200000"/>
+            </a:lightRig>
+          </a:scene3d>
+          <a:sp3d>
+            <a:bevelT w="63500" h="25400"/>
+          </a:sp3d>
+        </a:effectStyle>
+      </a:effectStyleLst>
+      <a:bgFillStyleLst>
+        <a:solidFill>
+          <a:schemeClr val="phClr"/>
+        </a:solidFill>
+        <a:gradFill rotWithShape="1">
+          <a:gsLst>
+            <a:gs pos="0">
+              <a:schemeClr val="phClr">
+                <a:tint val="40000"/>
+                <a:satMod val="350000"/>
+              </a:schemeClr>
+            </a:gs>
+            <a:gs pos="40000">
+              <a:schemeClr val="phClr">
+                <a:tint val="45000"/>
+                <a:shade val="99000"/>
+                <a:satMod val="350000"/>
+              </a:schemeClr>
+            </a:gs>
+            <a:gs pos="100000">
+              <a:schemeClr val="phClr">
+                <a:shade val="20000"/>
+                <a:satMod val="255000"/>
+              </a:schemeClr>
+            </a:gs>
+          </a:gsLst>
+          <a:path path="circle">
+            <a:fillToRect l="50000" t="-80000" r="50000" b="180000"/>
+          </a:path>
+        </a:gradFill>
+        <a:gradFill rotWithShape="1">
+          <a:gsLst>
+            <a:gs pos="0">
+              <a:schemeClr val="phClr">
+                <a:tint val="80000"/>
+                <a:satMod val="300000"/>
+              </a:schemeClr>
+            </a:gs>
+            <a:gs pos="100000">
+              <a:schemeClr val="phClr">
+                <a:shade val="30000"/>
+                <a:satMod val="200000"/>
+              </a:schemeClr>
+            </a:gs>
+          </a:gsLst>
+          <a:path path="circle">
+            <a:fillToRect l="50000" t="50000" r="50000" b="50000"/>
+          </a:path>
+        </a:gradFill>
+      </a:bgFillStyleLst>
+    </a:fmtScheme>
+  </a:themeElements>
+  <a:objectDefaults/>
+  <a:extraClrSchemeLst/>
+</a:theme>
 </file>
--- a/trunk/tesi/presentazione/Barbagallo-IMDB.pptx
+++ b/trunk/tesi/presentazione/Barbagallo-IMDB.pptx
@@ -5,7 +5,7 @@
     <p:sldMasterId id="2147483660" r:id="rId1"/>
   </p:sldMasterIdLst>
   <p:notesMasterIdLst>
-    <p:notesMasterId r:id="rId17"/>
+    <p:notesMasterId r:id="rId18"/>
   </p:notesMasterIdLst>
   <p:sldIdLst>
     <p:sldId id="256" r:id="rId2"/>
@@ -23,6 +23,7 @@
     <p:sldId id="269" r:id="rId14"/>
     <p:sldId id="270" r:id="rId15"/>
     <p:sldId id="271" r:id="rId16"/>
+    <p:sldId id="272" r:id="rId17"/>
   </p:sldIdLst>
   <p:sldSz cx="9144000" cy="6858000" type="screen4x3"/>
   <p:notesSz cx="6858000" cy="9144000"/>
@@ -206,7 +207,8 @@
           <a:p>
             <a:fld id="{23F755C8-B5BC-4E8F-B906-339D1A3E340F}" type="datetimeFigureOut">
               <a:rPr lang="it-IT" smtClean="0"/>
-              <a:t>15/12/2008</a:t>
+              <a:pPr/>
+              <a:t>16/12/2008</a:t>
             </a:fld>
             <a:endParaRPr lang="it-IT" dirty="0"/>
           </a:p>
@@ -367,6 +369,7 @@
           <a:p>
             <a:fld id="{06112A3B-D3CD-4C64-AF08-DDC9323A61EB}" type="slidenum">
               <a:rPr lang="it-IT" smtClean="0"/>
+              <a:pPr/>
               <a:t>‹N›</a:t>
             </a:fld>
             <a:endParaRPr lang="it-IT" dirty="0"/>
@@ -518,12 +521,8 @@
           <a:lstStyle/>
           <a:p>
             <a:r>
-              <a:rPr lang="it-IT" dirty="0" err="1" smtClean="0"/>
-              <a:t>Caching</a:t>
-            </a:r>
-            <a:r>
               <a:rPr lang="it-IT" dirty="0" smtClean="0"/>
-              <a:t>: </a:t>
+              <a:t>Caching: </a:t>
             </a:r>
           </a:p>
           <a:p>
@@ -695,9 +694,239 @@
           <a:p>
             <a:fld id="{06112A3B-D3CD-4C64-AF08-DDC9323A61EB}" type="slidenum">
               <a:rPr lang="it-IT" smtClean="0"/>
+              <a:pPr/>
               <a:t>5</a:t>
             </a:fld>
             <a:endParaRPr lang="it-IT"/>
+          </a:p>
+        </p:txBody>
+      </p:sp>
+    </p:spTree>
+  </p:cSld>
+  <p:clrMapOvr>
+    <a:masterClrMapping/>
+  </p:clrMapOvr>
+</p:notes>
+</file>
+
+<file path=ppt/notesSlides/notesSlide2.xml><?xml version="1.0" encoding="utf-8"?>
+<p:notes xmlns:a="http://schemas.openxmlformats.org/drawingml/2006/main" xmlns:r="http://schemas.openxmlformats.org/officeDocument/2006/relationships" xmlns:p="http://schemas.openxmlformats.org/presentationml/2006/main">
+  <p:cSld>
+    <p:spTree>
+      <p:nvGrpSpPr>
+        <p:cNvPr id="1" name=""/>
+        <p:cNvGrpSpPr/>
+        <p:nvPr/>
+      </p:nvGrpSpPr>
+      <p:grpSpPr>
+        <a:xfrm>
+          <a:off x="0" y="0"/>
+          <a:ext cx="0" cy="0"/>
+          <a:chOff x="0" y="0"/>
+          <a:chExt cx="0" cy="0"/>
+        </a:xfrm>
+      </p:grpSpPr>
+      <p:sp>
+        <p:nvSpPr>
+          <p:cNvPr id="2" name="Segnaposto immagine diapositiva 1"/>
+          <p:cNvSpPr>
+            <a:spLocks noGrp="1" noRot="1" noChangeAspect="1"/>
+          </p:cNvSpPr>
+          <p:nvPr>
+            <p:ph type="sldImg"/>
+          </p:nvPr>
+        </p:nvSpPr>
+        <p:spPr/>
+      </p:sp>
+      <p:sp>
+        <p:nvSpPr>
+          <p:cNvPr id="3" name="Segnaposto note 2"/>
+          <p:cNvSpPr>
+            <a:spLocks noGrp="1"/>
+          </p:cNvSpPr>
+          <p:nvPr>
+            <p:ph type="body" idx="1"/>
+          </p:nvPr>
+        </p:nvSpPr>
+        <p:spPr/>
+        <p:txBody>
+          <a:bodyPr>
+            <a:normAutofit/>
+          </a:bodyPr>
+          <a:lstStyle/>
+          <a:p>
+            <a:r>
+              <a:rPr lang="it-IT" dirty="0" smtClean="0"/>
+              <a:t>Il </a:t>
+            </a:r>
+            <a:r>
+              <a:rPr lang="it-IT" dirty="0" err="1" smtClean="0"/>
+              <a:t>transaction</a:t>
+            </a:r>
+            <a:r>
+              <a:rPr lang="it-IT" dirty="0" smtClean="0"/>
+              <a:t> </a:t>
+            </a:r>
+            <a:r>
+              <a:rPr lang="it-IT" dirty="0" err="1" smtClean="0"/>
+              <a:t>logging</a:t>
+            </a:r>
+            <a:r>
+              <a:rPr lang="it-IT" dirty="0" smtClean="0"/>
+              <a:t> richiede solo 1 scrittura su hard disk, mentre i normali database scrivono anche i dati nelle “tabelle” e gli indici.</a:t>
+            </a:r>
+          </a:p>
+          <a:p>
+            <a:endParaRPr lang="it-IT" dirty="0" smtClean="0"/>
+          </a:p>
+          <a:p>
+            <a:r>
+              <a:rPr lang="it-IT" dirty="0" smtClean="0"/>
+              <a:t>NVRAM</a:t>
+            </a:r>
+            <a:r>
+              <a:rPr lang="it-IT" baseline="0" dirty="0" smtClean="0"/>
+              <a:t>  fanno risparmiare anche i tempi di accesso a disk: hanno latenze minori come i </a:t>
+            </a:r>
+            <a:r>
+              <a:rPr lang="it-IT" baseline="0" dirty="0" err="1" smtClean="0"/>
+              <a:t>device</a:t>
+            </a:r>
+            <a:r>
+              <a:rPr lang="it-IT" baseline="0" dirty="0" smtClean="0"/>
+              <a:t> flash</a:t>
+            </a:r>
+            <a:endParaRPr lang="en-US" dirty="0"/>
+          </a:p>
+        </p:txBody>
+      </p:sp>
+      <p:sp>
+        <p:nvSpPr>
+          <p:cNvPr id="4" name="Segnaposto numero diapositiva 3"/>
+          <p:cNvSpPr>
+            <a:spLocks noGrp="1"/>
+          </p:cNvSpPr>
+          <p:nvPr>
+            <p:ph type="sldNum" sz="quarter" idx="10"/>
+          </p:nvPr>
+        </p:nvSpPr>
+        <p:spPr/>
+        <p:txBody>
+          <a:bodyPr/>
+          <a:lstStyle/>
+          <a:p>
+            <a:fld id="{06112A3B-D3CD-4C64-AF08-DDC9323A61EB}" type="slidenum">
+              <a:rPr lang="it-IT" smtClean="0"/>
+              <a:pPr/>
+              <a:t>6</a:t>
+            </a:fld>
+            <a:endParaRPr lang="it-IT" dirty="0"/>
+          </a:p>
+        </p:txBody>
+      </p:sp>
+    </p:spTree>
+  </p:cSld>
+  <p:clrMapOvr>
+    <a:masterClrMapping/>
+  </p:clrMapOvr>
+</p:notes>
+</file>
+
+<file path=ppt/notesSlides/notesSlide3.xml><?xml version="1.0" encoding="utf-8"?>
+<p:notes xmlns:a="http://schemas.openxmlformats.org/drawingml/2006/main" xmlns:r="http://schemas.openxmlformats.org/officeDocument/2006/relationships" xmlns:p="http://schemas.openxmlformats.org/presentationml/2006/main">
+  <p:cSld>
+    <p:spTree>
+      <p:nvGrpSpPr>
+        <p:cNvPr id="1" name=""/>
+        <p:cNvGrpSpPr/>
+        <p:nvPr/>
+      </p:nvGrpSpPr>
+      <p:grpSpPr>
+        <a:xfrm>
+          <a:off x="0" y="0"/>
+          <a:ext cx="0" cy="0"/>
+          <a:chOff x="0" y="0"/>
+          <a:chExt cx="0" cy="0"/>
+        </a:xfrm>
+      </p:grpSpPr>
+      <p:sp>
+        <p:nvSpPr>
+          <p:cNvPr id="2" name="Segnaposto immagine diapositiva 1"/>
+          <p:cNvSpPr>
+            <a:spLocks noGrp="1" noRot="1" noChangeAspect="1"/>
+          </p:cNvSpPr>
+          <p:nvPr>
+            <p:ph type="sldImg"/>
+          </p:nvPr>
+        </p:nvSpPr>
+        <p:spPr/>
+      </p:sp>
+      <p:sp>
+        <p:nvSpPr>
+          <p:cNvPr id="3" name="Segnaposto note 2"/>
+          <p:cNvSpPr>
+            <a:spLocks noGrp="1"/>
+          </p:cNvSpPr>
+          <p:nvPr>
+            <p:ph type="body" idx="1"/>
+          </p:nvPr>
+        </p:nvSpPr>
+        <p:spPr/>
+        <p:txBody>
+          <a:bodyPr>
+            <a:normAutofit/>
+          </a:bodyPr>
+          <a:lstStyle/>
+          <a:p>
+            <a:r>
+              <a:rPr lang="it-IT" dirty="0" smtClean="0"/>
+              <a:t>High performance sia in</a:t>
+            </a:r>
+            <a:r>
+              <a:rPr lang="it-IT" baseline="0" dirty="0" smtClean="0"/>
+              <a:t> termini di </a:t>
+            </a:r>
+            <a:r>
+              <a:rPr lang="it-IT" baseline="0" dirty="0" err="1" smtClean="0"/>
+              <a:t>throughput</a:t>
+            </a:r>
+            <a:r>
+              <a:rPr lang="it-IT" baseline="0" dirty="0" smtClean="0"/>
+              <a:t> che di </a:t>
+            </a:r>
+            <a:r>
+              <a:rPr lang="it-IT" baseline="0" dirty="0" err="1" smtClean="0"/>
+              <a:t>latency</a:t>
+            </a:r>
+            <a:r>
+              <a:rPr lang="it-IT" baseline="0" dirty="0" smtClean="0"/>
+              <a:t>.</a:t>
+            </a:r>
+            <a:endParaRPr lang="en-US" dirty="0"/>
+          </a:p>
+        </p:txBody>
+      </p:sp>
+      <p:sp>
+        <p:nvSpPr>
+          <p:cNvPr id="4" name="Segnaposto numero diapositiva 3"/>
+          <p:cNvSpPr>
+            <a:spLocks noGrp="1"/>
+          </p:cNvSpPr>
+          <p:nvPr>
+            <p:ph type="sldNum" sz="quarter" idx="10"/>
+          </p:nvPr>
+        </p:nvSpPr>
+        <p:spPr/>
+        <p:txBody>
+          <a:bodyPr/>
+          <a:lstStyle/>
+          <a:p>
+            <a:fld id="{06112A3B-D3CD-4C64-AF08-DDC9323A61EB}" type="slidenum">
+              <a:rPr lang="it-IT" smtClean="0"/>
+              <a:pPr/>
+              <a:t>7</a:t>
+            </a:fld>
+            <a:endParaRPr lang="it-IT" dirty="0"/>
           </a:p>
         </p:txBody>
       </p:sp>
@@ -958,7 +1187,7 @@
             <a:fld id="{5FABFC92-4644-45C7-8B88-DDEEC91723C1}" type="datetimeFigureOut">
               <a:rPr lang="it-IT" smtClean="0"/>
               <a:pPr/>
-              <a:t>15/12/2008</a:t>
+              <a:t>16/12/2008</a:t>
             </a:fld>
             <a:endParaRPr lang="it-IT" dirty="0"/>
           </a:p>
@@ -1183,7 +1412,7 @@
             <a:fld id="{5FABFC92-4644-45C7-8B88-DDEEC91723C1}" type="datetimeFigureOut">
               <a:rPr lang="it-IT" smtClean="0"/>
               <a:pPr/>
-              <a:t>15/12/2008</a:t>
+              <a:t>16/12/2008</a:t>
             </a:fld>
             <a:endParaRPr lang="it-IT" dirty="0"/>
           </a:p>
@@ -1465,7 +1694,7 @@
             <a:fld id="{5FABFC92-4644-45C7-8B88-DDEEC91723C1}" type="datetimeFigureOut">
               <a:rPr lang="it-IT" smtClean="0"/>
               <a:pPr/>
-              <a:t>15/12/2008</a:t>
+              <a:t>16/12/2008</a:t>
             </a:fld>
             <a:endParaRPr lang="it-IT" dirty="0"/>
           </a:p>
@@ -1646,7 +1875,7 @@
             <a:fld id="{5FABFC92-4644-45C7-8B88-DDEEC91723C1}" type="datetimeFigureOut">
               <a:rPr lang="it-IT" smtClean="0"/>
               <a:pPr/>
-              <a:t>15/12/2008</a:t>
+              <a:t>16/12/2008</a:t>
             </a:fld>
             <a:endParaRPr lang="it-IT" dirty="0"/>
           </a:p>
@@ -2006,7 +2235,7 @@
             <a:fld id="{5FABFC92-4644-45C7-8B88-DDEEC91723C1}" type="datetimeFigureOut">
               <a:rPr lang="it-IT" smtClean="0"/>
               <a:pPr/>
-              <a:t>15/12/2008</a:t>
+              <a:t>16/12/2008</a:t>
             </a:fld>
             <a:endParaRPr lang="it-IT" dirty="0"/>
           </a:p>
@@ -2295,7 +2524,7 @@
             <a:fld id="{5FABFC92-4644-45C7-8B88-DDEEC91723C1}" type="datetimeFigureOut">
               <a:rPr lang="it-IT" smtClean="0"/>
               <a:pPr/>
-              <a:t>15/12/2008</a:t>
+              <a:t>16/12/2008</a:t>
             </a:fld>
             <a:endParaRPr lang="it-IT" dirty="0"/>
           </a:p>
@@ -2719,7 +2948,7 @@
             <a:fld id="{5FABFC92-4644-45C7-8B88-DDEEC91723C1}" type="datetimeFigureOut">
               <a:rPr lang="it-IT" smtClean="0"/>
               <a:pPr/>
-              <a:t>15/12/2008</a:t>
+              <a:t>16/12/2008</a:t>
             </a:fld>
             <a:endParaRPr lang="it-IT" dirty="0"/>
           </a:p>
@@ -2836,7 +3065,7 @@
             <a:fld id="{5FABFC92-4644-45C7-8B88-DDEEC91723C1}" type="datetimeFigureOut">
               <a:rPr lang="it-IT" smtClean="0"/>
               <a:pPr/>
-              <a:t>15/12/2008</a:t>
+              <a:t>16/12/2008</a:t>
             </a:fld>
             <a:endParaRPr lang="it-IT" dirty="0"/>
           </a:p>
@@ -2928,7 +3157,7 @@
             <a:fld id="{5FABFC92-4644-45C7-8B88-DDEEC91723C1}" type="datetimeFigureOut">
               <a:rPr lang="it-IT" smtClean="0"/>
               <a:pPr/>
-              <a:t>15/12/2008</a:t>
+              <a:t>16/12/2008</a:t>
             </a:fld>
             <a:endParaRPr lang="it-IT" dirty="0"/>
           </a:p>
@@ -3208,7 +3437,7 @@
             <a:fld id="{5FABFC92-4644-45C7-8B88-DDEEC91723C1}" type="datetimeFigureOut">
               <a:rPr lang="it-IT" smtClean="0"/>
               <a:pPr/>
-              <a:t>15/12/2008</a:t>
+              <a:t>16/12/2008</a:t>
             </a:fld>
             <a:endParaRPr lang="it-IT" dirty="0"/>
           </a:p>
@@ -3576,7 +3805,7 @@
             <a:fld id="{5FABFC92-4644-45C7-8B88-DDEEC91723C1}" type="datetimeFigureOut">
               <a:rPr lang="it-IT" smtClean="0"/>
               <a:pPr/>
-              <a:t>15/12/2008</a:t>
+              <a:t>16/12/2008</a:t>
             </a:fld>
             <a:endParaRPr lang="it-IT" dirty="0"/>
           </a:p>
@@ -4015,7 +4244,7 @@
             <a:fld id="{5FABFC92-4644-45C7-8B88-DDEEC91723C1}" type="datetimeFigureOut">
               <a:rPr lang="it-IT" smtClean="0"/>
               <a:pPr/>
-              <a:t>15/12/2008</a:t>
+              <a:t>16/12/2008</a:t>
             </a:fld>
             <a:endParaRPr lang="it-IT" dirty="0"/>
           </a:p>
@@ -4653,8 +4882,8 @@
         </p:nvSpPr>
         <p:spPr>
           <a:xfrm>
-            <a:off x="5715008" y="5929330"/>
-            <a:ext cx="3429024" cy="738664"/>
+            <a:off x="5857884" y="5905046"/>
+            <a:ext cx="3286148" cy="738664"/>
           </a:xfrm>
           <a:prstGeom prst="rect">
             <a:avLst/>
@@ -4930,7 +5159,7 @@
           <a:lstStyle/>
           <a:p>
             <a:pPr algn="ctr"/>
-            <a:endParaRPr lang="it-IT"/>
+            <a:endParaRPr lang="it-IT" dirty="0"/>
           </a:p>
         </p:txBody>
       </p:sp>
@@ -4968,7 +5197,7 @@
           <a:lstStyle/>
           <a:p>
             <a:pPr algn="ctr"/>
-            <a:endParaRPr lang="it-IT"/>
+            <a:endParaRPr lang="it-IT" dirty="0"/>
           </a:p>
         </p:txBody>
       </p:sp>
@@ -4995,10 +5224,10 @@
           <a:lstStyle/>
           <a:p>
             <a:r>
-              <a:rPr lang="en-US" sz="2400" smtClean="0"/>
+              <a:rPr lang="en-US" sz="2400" dirty="0" smtClean="0"/>
               <a:t>bench-properties.xml</a:t>
             </a:r>
-            <a:endParaRPr lang="en-US" sz="2400"/>
+            <a:endParaRPr lang="en-US" sz="2400" dirty="0"/>
           </a:p>
         </p:txBody>
       </p:sp>
@@ -5025,10 +5254,10 @@
           <a:lstStyle/>
           <a:p>
             <a:r>
-              <a:rPr lang="en-US" sz="2400" smtClean="0"/>
+              <a:rPr lang="en-US" sz="2400" dirty="0" smtClean="0"/>
               <a:t>benchmark.pdf</a:t>
             </a:r>
-            <a:endParaRPr lang="en-US" sz="2400"/>
+            <a:endParaRPr lang="en-US" sz="2400" dirty="0"/>
           </a:p>
         </p:txBody>
       </p:sp>
@@ -5188,7 +5417,7 @@
           <a:lstStyle/>
           <a:p>
             <a:pPr algn="ctr"/>
-            <a:endParaRPr lang="it-IT"/>
+            <a:endParaRPr lang="it-IT" dirty="0"/>
           </a:p>
         </p:txBody>
       </p:sp>
@@ -5243,7 +5472,7 @@
           <a:lstStyle/>
           <a:p>
             <a:pPr algn="ctr"/>
-            <a:endParaRPr lang="it-IT"/>
+            <a:endParaRPr lang="it-IT" dirty="0"/>
           </a:p>
         </p:txBody>
       </p:sp>
@@ -5298,7 +5527,7 @@
           <a:lstStyle/>
           <a:p>
             <a:pPr algn="ctr"/>
-            <a:endParaRPr lang="it-IT"/>
+            <a:endParaRPr lang="it-IT" dirty="0"/>
           </a:p>
         </p:txBody>
       </p:sp>
@@ -5353,7 +5582,7 @@
           <a:lstStyle/>
           <a:p>
             <a:pPr algn="ctr"/>
-            <a:endParaRPr lang="it-IT"/>
+            <a:endParaRPr lang="it-IT" dirty="0"/>
           </a:p>
         </p:txBody>
       </p:sp>
@@ -5380,10 +5609,10 @@
           <a:lstStyle/>
           <a:p>
             <a:r>
-              <a:rPr lang="en-US" sz="2400" smtClean="0"/>
+              <a:rPr lang="en-US" sz="2400" dirty="0" smtClean="0"/>
               <a:t>databases</a:t>
             </a:r>
-            <a:endParaRPr lang="en-US" sz="2400"/>
+            <a:endParaRPr lang="en-US" sz="2400" dirty="0"/>
           </a:p>
         </p:txBody>
       </p:sp>
@@ -5515,10 +5744,9 @@
           <a:lstStyle/>
           <a:p>
             <a:r>
-              <a:rPr lang="en-US" sz="2400" smtClean="0"/>
+              <a:rPr lang="en-US" sz="2400" dirty="0" smtClean="0"/>
               <a:t>tests</a:t>
             </a:r>
-            <a:endParaRPr lang="en-US" sz="2400" smtClean="0"/>
           </a:p>
         </p:txBody>
       </p:sp>
@@ -5545,10 +5773,9 @@
           <a:lstStyle/>
           <a:p>
             <a:r>
-              <a:rPr lang="en-US" sz="2400" smtClean="0"/>
+              <a:rPr lang="en-US" sz="2400" dirty="0" smtClean="0"/>
               <a:t>graphs</a:t>
             </a:r>
-            <a:endParaRPr lang="en-US" sz="2400" smtClean="0"/>
           </a:p>
         </p:txBody>
       </p:sp>
@@ -5597,7 +5824,7 @@
           <a:lstStyle/>
           <a:p>
             <a:pPr algn="ctr"/>
-            <a:endParaRPr lang="it-IT"/>
+            <a:endParaRPr lang="it-IT" dirty="0"/>
           </a:p>
         </p:txBody>
       </p:sp>
@@ -5646,7 +5873,7 @@
           <a:lstStyle/>
           <a:p>
             <a:pPr algn="ctr"/>
-            <a:endParaRPr lang="it-IT"/>
+            <a:endParaRPr lang="it-IT" dirty="0"/>
           </a:p>
         </p:txBody>
       </p:sp>
@@ -5695,7 +5922,7 @@
           <a:lstStyle/>
           <a:p>
             <a:pPr algn="ctr"/>
-            <a:endParaRPr lang="it-IT"/>
+            <a:endParaRPr lang="it-IT" dirty="0"/>
           </a:p>
         </p:txBody>
       </p:sp>
@@ -8288,6 +8515,168 @@
 </p:sld>
 </file>
 
+<file path=ppt/slides/slide16.xml><?xml version="1.0" encoding="utf-8"?>
+<p:sld xmlns:a="http://schemas.openxmlformats.org/drawingml/2006/main" xmlns:r="http://schemas.openxmlformats.org/officeDocument/2006/relationships" xmlns:p="http://schemas.openxmlformats.org/presentationml/2006/main">
+  <p:cSld>
+    <p:spTree>
+      <p:nvGrpSpPr>
+        <p:cNvPr id="1" name=""/>
+        <p:cNvGrpSpPr/>
+        <p:nvPr/>
+      </p:nvGrpSpPr>
+      <p:grpSpPr>
+        <a:xfrm>
+          <a:off x="0" y="0"/>
+          <a:ext cx="0" cy="0"/>
+          <a:chOff x="0" y="0"/>
+          <a:chExt cx="0" cy="0"/>
+        </a:xfrm>
+      </p:grpSpPr>
+      <p:sp>
+        <p:nvSpPr>
+          <p:cNvPr id="2" name="Titolo 1"/>
+          <p:cNvSpPr>
+            <a:spLocks noGrp="1"/>
+          </p:cNvSpPr>
+          <p:nvPr>
+            <p:ph type="title"/>
+          </p:nvPr>
+        </p:nvSpPr>
+        <p:spPr>
+          <a:xfrm>
+            <a:off x="457200" y="155448"/>
+            <a:ext cx="6257940" cy="1252728"/>
+          </a:xfrm>
+        </p:spPr>
+        <p:txBody>
+          <a:bodyPr>
+            <a:normAutofit/>
+          </a:bodyPr>
+          <a:lstStyle/>
+          <a:p>
+            <a:r>
+              <a:rPr lang="it-IT" dirty="0" smtClean="0">
+                <a:solidFill>
+                  <a:srgbClr val="FFC000"/>
+                </a:solidFill>
+              </a:rPr>
+              <a:t> </a:t>
+            </a:r>
+            <a:endParaRPr lang="en-US" dirty="0">
+              <a:solidFill>
+                <a:srgbClr val="FFC000"/>
+              </a:solidFill>
+            </a:endParaRPr>
+          </a:p>
+        </p:txBody>
+      </p:sp>
+      <p:pic>
+        <p:nvPicPr>
+          <p:cNvPr id="4" name="Picture 4" descr="C:\Users\error0\Desktop\logoRoma32.gif"/>
+          <p:cNvPicPr>
+            <a:picLocks noChangeAspect="1" noChangeArrowheads="1"/>
+          </p:cNvPicPr>
+          <p:nvPr/>
+        </p:nvPicPr>
+        <p:blipFill>
+          <a:blip r:embed="rId2">
+            <a:duotone>
+              <a:schemeClr val="accent1">
+                <a:shade val="45000"/>
+                <a:satMod val="135000"/>
+              </a:schemeClr>
+              <a:prstClr val="white"/>
+            </a:duotone>
+            <a:lum bright="20000"/>
+          </a:blip>
+          <a:srcRect/>
+          <a:stretch>
+            <a:fillRect/>
+          </a:stretch>
+        </p:blipFill>
+        <p:spPr bwMode="auto">
+          <a:xfrm>
+            <a:off x="6858016" y="153964"/>
+            <a:ext cx="2214578" cy="1131896"/>
+          </a:xfrm>
+          <a:prstGeom prst="rect">
+            <a:avLst/>
+          </a:prstGeom>
+          <a:noFill/>
+        </p:spPr>
+      </p:pic>
+      <p:sp>
+        <p:nvSpPr>
+          <p:cNvPr id="6" name="Segnaposto contenuto 5"/>
+          <p:cNvSpPr>
+            <a:spLocks noGrp="1"/>
+          </p:cNvSpPr>
+          <p:nvPr>
+            <p:ph idx="1"/>
+          </p:nvPr>
+        </p:nvSpPr>
+        <p:spPr>
+          <a:xfrm>
+            <a:off x="457200" y="1775191"/>
+            <a:ext cx="8043890" cy="4625609"/>
+          </a:xfrm>
+        </p:spPr>
+        <p:txBody>
+          <a:bodyPr>
+            <a:normAutofit/>
+          </a:bodyPr>
+          <a:lstStyle/>
+          <a:p>
+            <a:pPr lvl="1" algn="ctr">
+              <a:buNone/>
+            </a:pPr>
+            <a:endParaRPr lang="it-IT" dirty="0" smtClean="0"/>
+          </a:p>
+          <a:p>
+            <a:pPr lvl="1" algn="ctr">
+              <a:buNone/>
+            </a:pPr>
+            <a:endParaRPr lang="it-IT" dirty="0" smtClean="0"/>
+          </a:p>
+          <a:p>
+            <a:pPr lvl="1" algn="ctr">
+              <a:buNone/>
+            </a:pPr>
+            <a:r>
+              <a:rPr lang="en-US" sz="4800" dirty="0" smtClean="0"/>
+              <a:t>Thanks </a:t>
+            </a:r>
+          </a:p>
+          <a:p>
+            <a:pPr lvl="1" algn="ctr">
+              <a:buNone/>
+            </a:pPr>
+            <a:r>
+              <a:rPr lang="en-US" sz="4800" dirty="0" smtClean="0"/>
+              <a:t>for your attention</a:t>
+            </a:r>
+            <a:endParaRPr lang="en-US" sz="4800" dirty="0"/>
+          </a:p>
+        </p:txBody>
+      </p:sp>
+    </p:spTree>
+  </p:cSld>
+  <p:clrMapOvr>
+    <a:masterClrMapping/>
+  </p:clrMapOvr>
+  <p:transition>
+    <p:fade/>
+  </p:transition>
+  <p:timing>
+    <p:tnLst>
+      <p:par>
+        <p:cTn id="1" dur="indefinite" restart="never" nodeType="tmRoot"/>
+      </p:par>
+    </p:tnLst>
+  </p:timing>
+</p:sld>
+</file>
+
 <file path=ppt/slides/slide2.xml><?xml version="1.0" encoding="utf-8"?>
 <p:sld xmlns:a="http://schemas.openxmlformats.org/drawingml/2006/main" xmlns:r="http://schemas.openxmlformats.org/officeDocument/2006/relationships" xmlns:p="http://schemas.openxmlformats.org/presentationml/2006/main">
   <p:cSld>
@@ -9236,22 +9625,14 @@
           <a:lstStyle/>
           <a:p>
             <a:r>
-              <a:rPr lang="it-IT" dirty="0" err="1" smtClean="0">
+              <a:rPr lang="en-US" dirty="0" smtClean="0">
                 <a:solidFill>
                   <a:srgbClr val="FFC000"/>
                 </a:solidFill>
               </a:rPr>
-              <a:t>Application</a:t>
-            </a:r>
-            <a:r>
-              <a:rPr lang="it-IT" dirty="0" smtClean="0">
-                <a:solidFill>
-                  <a:srgbClr val="FFC000"/>
-                </a:solidFill>
-              </a:rPr>
-              <a:t> Scenario</a:t>
-            </a:r>
-            <a:endParaRPr lang="it-IT" dirty="0">
+              <a:t>Application Scenario</a:t>
+            </a:r>
+            <a:endParaRPr lang="en-US" dirty="0">
               <a:solidFill>
                 <a:srgbClr val="FFC000"/>
               </a:solidFill>
@@ -9318,15 +9699,7 @@
           <a:p>
             <a:r>
               <a:rPr lang="en-US" dirty="0" smtClean="0"/>
-              <a:t>Real time applications with no durability needs (</a:t>
-            </a:r>
-            <a:r>
-              <a:rPr lang="en-US" dirty="0" err="1" smtClean="0"/>
-              <a:t>eg</a:t>
-            </a:r>
-            <a:r>
-              <a:rPr lang="en-US" dirty="0" smtClean="0"/>
-              <a:t>: router)</a:t>
+              <a:t>Real time applications with no durability needs (e.g.: router)</a:t>
             </a:r>
           </a:p>
           <a:p>
@@ -9613,14 +9986,14 @@
           <a:lstStyle/>
           <a:p>
             <a:r>
-              <a:rPr lang="it-IT" dirty="0" err="1" smtClean="0">
+              <a:rPr lang="en-US" dirty="0" smtClean="0">
                 <a:solidFill>
                   <a:srgbClr val="FFC000"/>
                 </a:solidFill>
               </a:rPr>
               <a:t>Summary</a:t>
             </a:r>
-            <a:endParaRPr lang="it-IT" dirty="0">
+            <a:endParaRPr lang="en-US" dirty="0">
               <a:solidFill>
                 <a:srgbClr val="FFC000"/>
               </a:solidFill>
@@ -9693,19 +10066,25 @@
           <a:p>
             <a:r>
               <a:rPr lang="en-US" dirty="0" smtClean="0"/>
-              <a:t>Advantages and Disadvantages</a:t>
+              <a:t>Adding Durability</a:t>
             </a:r>
           </a:p>
           <a:p>
             <a:r>
               <a:rPr lang="en-US" dirty="0" smtClean="0"/>
-              <a:t>Performance Analysis</a:t>
+              <a:t>Advantages &amp; Disadvantages</a:t>
             </a:r>
           </a:p>
           <a:p>
             <a:r>
               <a:rPr lang="en-US" dirty="0" smtClean="0"/>
-              <a:t>Benchmark</a:t>
+              <a:t>Databases’ Performance Analysis</a:t>
+            </a:r>
+          </a:p>
+          <a:p>
+            <a:r>
+              <a:rPr lang="en-US" dirty="0" smtClean="0"/>
+              <a:t>Benchmark Requirements</a:t>
             </a:r>
           </a:p>
           <a:p>
@@ -9723,19 +10102,13 @@
           <a:p>
             <a:r>
               <a:rPr lang="en-US" dirty="0" smtClean="0"/>
-              <a:t>Real Time Prepaid System – configuration</a:t>
+              <a:t>Real Time Prepaid System Configuration</a:t>
             </a:r>
           </a:p>
           <a:p>
             <a:r>
               <a:rPr lang="en-US" dirty="0" smtClean="0"/>
-              <a:t>Result 1</a:t>
-            </a:r>
-          </a:p>
-          <a:p>
-            <a:r>
-              <a:rPr lang="en-US" dirty="0" smtClean="0"/>
-              <a:t>Result 2</a:t>
+              <a:t>Results’ Analysis</a:t>
             </a:r>
           </a:p>
           <a:p>
@@ -9746,12 +10119,8 @@
           </a:p>
           <a:p>
             <a:r>
-              <a:rPr lang="en-US" dirty="0" err="1" smtClean="0"/>
-              <a:t>Conlusion</a:t>
-            </a:r>
-            <a:r>
               <a:rPr lang="en-US" dirty="0" smtClean="0"/>
-              <a:t>: Future Development</a:t>
+              <a:t>Conclusion: Future Development</a:t>
             </a:r>
           </a:p>
           <a:p>
@@ -9817,56 +10186,24 @@
                   <a:srgbClr val="FFC000"/>
                 </a:solidFill>
               </a:rPr>
-              <a:t>Comparison</a:t>
-            </a:r>
-            <a:r>
-              <a:rPr lang="it-IT" dirty="0" smtClean="0">
-                <a:solidFill>
-                  <a:srgbClr val="FFC000"/>
-                </a:solidFill>
-              </a:rPr>
-              <a:t> </a:t>
-            </a:r>
-            <a:r>
-              <a:rPr lang="it-IT" dirty="0" err="1" smtClean="0">
-                <a:solidFill>
-                  <a:srgbClr val="FFC000"/>
-                </a:solidFill>
-              </a:rPr>
-              <a:t>Against</a:t>
-            </a:r>
-            <a:r>
-              <a:rPr lang="it-IT" dirty="0" smtClean="0">
-                <a:solidFill>
-                  <a:srgbClr val="FFC000"/>
-                </a:solidFill>
-              </a:rPr>
-              <a:t> </a:t>
+              <a:t>Comparison Against </a:t>
             </a:r>
             <a:br>
-              <a:rPr lang="it-IT" dirty="0" smtClean="0">
+              <a:rPr lang="en-US" dirty="0" smtClean="0">
                 <a:solidFill>
                   <a:srgbClr val="FFC000"/>
                 </a:solidFill>
               </a:rPr>
             </a:br>
             <a:r>
-              <a:rPr lang="it-IT" dirty="0" err="1" smtClean="0">
+              <a:rPr lang="en-US" dirty="0" smtClean="0">
                 <a:solidFill>
                   <a:srgbClr val="FFC000"/>
                 </a:solidFill>
               </a:rPr>
-              <a:t>Traditional</a:t>
-            </a:r>
-            <a:r>
-              <a:rPr lang="it-IT" dirty="0" smtClean="0">
-                <a:solidFill>
-                  <a:srgbClr val="FFC000"/>
-                </a:solidFill>
-              </a:rPr>
-              <a:t> DBMS</a:t>
-            </a:r>
-            <a:endParaRPr lang="it-IT" dirty="0">
+              <a:t>Traditional DBMS</a:t>
+            </a:r>
+            <a:endParaRPr lang="en-US" dirty="0">
               <a:solidFill>
                 <a:srgbClr val="FFC000"/>
               </a:solidFill>
@@ -10081,14 +10418,10 @@
           <a:p>
             <a:pPr algn="ctr"/>
             <a:r>
-              <a:rPr lang="it-IT" sz="2200" b="1" dirty="0" smtClean="0"/>
-              <a:t>Database </a:t>
-            </a:r>
-            <a:r>
-              <a:rPr lang="it-IT" sz="2200" b="1" dirty="0" err="1" smtClean="0"/>
-              <a:t>Runtime</a:t>
-            </a:r>
-            <a:endParaRPr lang="it-IT" sz="2200" b="1" dirty="0"/>
+              <a:rPr lang="en-US" sz="2200" b="1" dirty="0" smtClean="0"/>
+              <a:t>Database Runtime</a:t>
+            </a:r>
+            <a:endParaRPr lang="en-US" sz="2200" b="1" dirty="0"/>
           </a:p>
         </p:txBody>
       </p:sp>
@@ -10211,10 +10544,10 @@
           <a:p>
             <a:pPr algn="ctr"/>
             <a:r>
-              <a:rPr lang="it-IT" sz="2200" b="1" dirty="0" smtClean="0"/>
+              <a:rPr lang="en-US" sz="2200" b="1" dirty="0" smtClean="0"/>
               <a:t>Hard Disk</a:t>
             </a:r>
-            <a:endParaRPr lang="it-IT" sz="2200" b="1" dirty="0"/>
+            <a:endParaRPr lang="en-US" sz="2200" b="1" dirty="0"/>
           </a:p>
         </p:txBody>
       </p:sp>
@@ -10439,7 +10772,7 @@
           <a:lstStyle/>
           <a:p>
             <a:pPr algn="ctr"/>
-            <a:endParaRPr lang="it-IT"/>
+            <a:endParaRPr lang="en-US" dirty="0"/>
           </a:p>
         </p:txBody>
       </p:sp>
@@ -10479,7 +10812,7 @@
           <a:lstStyle/>
           <a:p>
             <a:pPr algn="ctr"/>
-            <a:endParaRPr lang="it-IT"/>
+            <a:endParaRPr lang="it-IT" dirty="0"/>
           </a:p>
         </p:txBody>
       </p:sp>
@@ -10519,7 +10852,7 @@
           <a:lstStyle/>
           <a:p>
             <a:pPr algn="ctr"/>
-            <a:endParaRPr lang="it-IT"/>
+            <a:endParaRPr lang="en-US" dirty="0"/>
           </a:p>
         </p:txBody>
       </p:sp>
@@ -10559,7 +10892,7 @@
           <a:lstStyle/>
           <a:p>
             <a:pPr algn="ctr"/>
-            <a:endParaRPr lang="it-IT"/>
+            <a:endParaRPr lang="en-US" dirty="0"/>
           </a:p>
         </p:txBody>
       </p:sp>
@@ -11010,7 +11343,7 @@
           <p:nvPr/>
         </p:nvPicPr>
         <p:blipFill>
-          <a:blip r:embed="rId2">
+          <a:blip r:embed="rId3">
             <a:duotone>
               <a:schemeClr val="accent1">
                 <a:shade val="45000"/>
@@ -11058,62 +11391,146 @@
           </a:bodyPr>
           <a:lstStyle/>
           <a:p>
-            <a:r>
-              <a:rPr lang="it-IT" dirty="0" smtClean="0"/>
+            <a:pPr>
+              <a:lnSpc>
+                <a:spcPct val="150000"/>
+              </a:lnSpc>
+            </a:pPr>
+            <a:r>
+              <a:rPr lang="en-US" dirty="0" smtClean="0"/>
               <a:t>On-line backup</a:t>
             </a:r>
           </a:p>
           <a:p>
-            <a:endParaRPr lang="it-IT" dirty="0" smtClean="0"/>
-          </a:p>
-          <a:p>
-            <a:r>
-              <a:rPr lang="it-IT" dirty="0" smtClean="0"/>
-              <a:t>High </a:t>
-            </a:r>
-            <a:r>
-              <a:rPr lang="it-IT" dirty="0" err="1" smtClean="0"/>
-              <a:t>availability</a:t>
-            </a:r>
-            <a:r>
-              <a:rPr lang="it-IT" dirty="0" smtClean="0"/>
-              <a:t> </a:t>
-            </a:r>
-            <a:r>
-              <a:rPr lang="it-IT" dirty="0" err="1" smtClean="0"/>
-              <a:t>implementation</a:t>
-            </a:r>
-            <a:endParaRPr lang="it-IT" dirty="0" smtClean="0"/>
-          </a:p>
-          <a:p>
-            <a:endParaRPr lang="it-IT" dirty="0" smtClean="0"/>
-          </a:p>
-          <a:p>
-            <a:r>
-              <a:rPr lang="it-IT" dirty="0" smtClean="0"/>
-              <a:t>Non volatile RAM</a:t>
-            </a:r>
-          </a:p>
-          <a:p>
-            <a:endParaRPr lang="it-IT" dirty="0" smtClean="0"/>
-          </a:p>
-          <a:p>
-            <a:r>
-              <a:rPr lang="it-IT" dirty="0" err="1" smtClean="0"/>
-              <a:t>Transaction</a:t>
-            </a:r>
-            <a:r>
-              <a:rPr lang="it-IT" dirty="0" smtClean="0"/>
-              <a:t> </a:t>
-            </a:r>
-            <a:r>
-              <a:rPr lang="it-IT" dirty="0" err="1" smtClean="0"/>
-              <a:t>logging</a:t>
+            <a:pPr>
+              <a:lnSpc>
+                <a:spcPct val="150000"/>
+              </a:lnSpc>
+            </a:pPr>
+            <a:r>
+              <a:rPr lang="en-US" dirty="0" smtClean="0"/>
+              <a:t>High availability implementation</a:t>
+            </a:r>
+          </a:p>
+          <a:p>
+            <a:pPr>
+              <a:lnSpc>
+                <a:spcPct val="150000"/>
+              </a:lnSpc>
+            </a:pPr>
+            <a:r>
+              <a:rPr lang="en-US" dirty="0" smtClean="0"/>
+              <a:t>Non Volatile RAM</a:t>
+            </a:r>
+          </a:p>
+          <a:p>
+            <a:pPr>
+              <a:lnSpc>
+                <a:spcPct val="150000"/>
+              </a:lnSpc>
+            </a:pPr>
+            <a:r>
+              <a:rPr lang="en-US" dirty="0" smtClean="0"/>
+              <a:t>Transaction logging</a:t>
             </a:r>
             <a:endParaRPr lang="en-US" dirty="0"/>
           </a:p>
         </p:txBody>
       </p:sp>
+      <p:sp>
+        <p:nvSpPr>
+          <p:cNvPr id="12" name="CasellaDiTesto 11"/>
+          <p:cNvSpPr txBox="1"/>
+          <p:nvPr/>
+        </p:nvSpPr>
+        <p:spPr>
+          <a:xfrm>
+            <a:off x="6273905" y="5467665"/>
+            <a:ext cx="2512937" cy="461665"/>
+          </a:xfrm>
+          <a:prstGeom prst="rect">
+            <a:avLst/>
+          </a:prstGeom>
+          <a:noFill/>
+        </p:spPr>
+        <p:txBody>
+          <a:bodyPr wrap="square" rtlCol="0">
+            <a:spAutoFit/>
+          </a:bodyPr>
+          <a:lstStyle/>
+          <a:p>
+            <a:r>
+              <a:rPr lang="en-US" sz="2400" dirty="0" smtClean="0"/>
+              <a:t>Performance</a:t>
+            </a:r>
+            <a:endParaRPr lang="en-US" sz="2400" dirty="0"/>
+          </a:p>
+        </p:txBody>
+      </p:sp>
+      <p:sp>
+        <p:nvSpPr>
+          <p:cNvPr id="13" name="CasellaDiTesto 12"/>
+          <p:cNvSpPr txBox="1"/>
+          <p:nvPr/>
+        </p:nvSpPr>
+        <p:spPr>
+          <a:xfrm>
+            <a:off x="773180" y="5429264"/>
+            <a:ext cx="1857388" cy="461665"/>
+          </a:xfrm>
+          <a:prstGeom prst="rect">
+            <a:avLst/>
+          </a:prstGeom>
+          <a:noFill/>
+        </p:spPr>
+        <p:txBody>
+          <a:bodyPr wrap="square" rtlCol="0">
+            <a:spAutoFit/>
+          </a:bodyPr>
+          <a:lstStyle/>
+          <a:p>
+            <a:r>
+              <a:rPr lang="en-US" sz="2400" dirty="0" smtClean="0"/>
+              <a:t>Durability</a:t>
+            </a:r>
+            <a:endParaRPr lang="en-US" sz="2400" dirty="0"/>
+          </a:p>
+        </p:txBody>
+      </p:sp>
+      <p:cxnSp>
+        <p:nvCxnSpPr>
+          <p:cNvPr id="16" name="Connettore 2 15"/>
+          <p:cNvCxnSpPr/>
+          <p:nvPr/>
+        </p:nvCxnSpPr>
+        <p:spPr>
+          <a:xfrm>
+            <a:off x="857224" y="6072206"/>
+            <a:ext cx="7143800" cy="1588"/>
+          </a:xfrm>
+          <a:prstGeom prst="straightConnector1">
+            <a:avLst/>
+          </a:prstGeom>
+          <a:ln w="57150">
+            <a:headEnd type="arrow"/>
+            <a:tailEnd type="arrow"/>
+          </a:ln>
+        </p:spPr>
+        <p:style>
+          <a:lnRef idx="1">
+            <a:schemeClr val="accent1"/>
+          </a:lnRef>
+          <a:fillRef idx="0">
+            <a:schemeClr val="accent1"/>
+          </a:fillRef>
+          <a:effectRef idx="0">
+            <a:schemeClr val="accent1"/>
+          </a:effectRef>
+          <a:fontRef idx="minor">
+            <a:schemeClr val="tx1"/>
+          </a:fontRef>
+        </p:style>
+      </p:cxnSp>
     </p:spTree>
   </p:cSld>
   <p:clrMapOvr>
@@ -11125,9 +11542,403 @@
   <p:timing>
     <p:tnLst>
       <p:par>
-        <p:cTn id="1" dur="indefinite" restart="never" nodeType="tmRoot"/>
+        <p:cTn id="1" dur="indefinite" restart="never" nodeType="tmRoot">
+          <p:childTnLst>
+            <p:seq concurrent="1" nextAc="seek">
+              <p:cTn id="2" dur="indefinite" nodeType="mainSeq">
+                <p:childTnLst>
+                  <p:par>
+                    <p:cTn id="3" fill="hold">
+                      <p:stCondLst>
+                        <p:cond delay="indefinite"/>
+                      </p:stCondLst>
+                      <p:childTnLst>
+                        <p:par>
+                          <p:cTn id="4" fill="hold">
+                            <p:stCondLst>
+                              <p:cond delay="0"/>
+                            </p:stCondLst>
+                            <p:childTnLst>
+                              <p:par>
+                                <p:cTn id="5" presetID="10" presetClass="entr" presetSubtype="0" fill="hold" nodeType="clickEffect">
+                                  <p:stCondLst>
+                                    <p:cond delay="0"/>
+                                  </p:stCondLst>
+                                  <p:childTnLst>
+                                    <p:set>
+                                      <p:cBhvr>
+                                        <p:cTn id="6" dur="1" fill="hold">
+                                          <p:stCondLst>
+                                            <p:cond delay="0"/>
+                                          </p:stCondLst>
+                                        </p:cTn>
+                                        <p:tgtEl>
+                                          <p:spTgt spid="6">
+                                            <p:txEl>
+                                              <p:pRg st="0" end="0"/>
+                                            </p:txEl>
+                                          </p:spTgt>
+                                        </p:tgtEl>
+                                        <p:attrNameLst>
+                                          <p:attrName>style.visibility</p:attrName>
+                                        </p:attrNameLst>
+                                      </p:cBhvr>
+                                      <p:to>
+                                        <p:strVal val="visible"/>
+                                      </p:to>
+                                    </p:set>
+                                    <p:animEffect transition="in" filter="fade">
+                                      <p:cBhvr>
+                                        <p:cTn id="7" dur="1000"/>
+                                        <p:tgtEl>
+                                          <p:spTgt spid="6">
+                                            <p:txEl>
+                                              <p:pRg st="0" end="0"/>
+                                            </p:txEl>
+                                          </p:spTgt>
+                                        </p:tgtEl>
+                                      </p:cBhvr>
+                                    </p:animEffect>
+                                  </p:childTnLst>
+                                </p:cTn>
+                              </p:par>
+                            </p:childTnLst>
+                          </p:cTn>
+                        </p:par>
+                      </p:childTnLst>
+                    </p:cTn>
+                  </p:par>
+                  <p:par>
+                    <p:cTn id="8" fill="hold">
+                      <p:stCondLst>
+                        <p:cond delay="indefinite"/>
+                      </p:stCondLst>
+                      <p:childTnLst>
+                        <p:par>
+                          <p:cTn id="9" fill="hold">
+                            <p:stCondLst>
+                              <p:cond delay="0"/>
+                            </p:stCondLst>
+                            <p:childTnLst>
+                              <p:par>
+                                <p:cTn id="10" presetID="10" presetClass="entr" presetSubtype="0" fill="hold" nodeType="clickEffect">
+                                  <p:stCondLst>
+                                    <p:cond delay="0"/>
+                                  </p:stCondLst>
+                                  <p:childTnLst>
+                                    <p:set>
+                                      <p:cBhvr>
+                                        <p:cTn id="11" dur="1" fill="hold">
+                                          <p:stCondLst>
+                                            <p:cond delay="0"/>
+                                          </p:stCondLst>
+                                        </p:cTn>
+                                        <p:tgtEl>
+                                          <p:spTgt spid="6">
+                                            <p:txEl>
+                                              <p:pRg st="1" end="1"/>
+                                            </p:txEl>
+                                          </p:spTgt>
+                                        </p:tgtEl>
+                                        <p:attrNameLst>
+                                          <p:attrName>style.visibility</p:attrName>
+                                        </p:attrNameLst>
+                                      </p:cBhvr>
+                                      <p:to>
+                                        <p:strVal val="visible"/>
+                                      </p:to>
+                                    </p:set>
+                                    <p:animEffect transition="in" filter="fade">
+                                      <p:cBhvr>
+                                        <p:cTn id="12" dur="1000"/>
+                                        <p:tgtEl>
+                                          <p:spTgt spid="6">
+                                            <p:txEl>
+                                              <p:pRg st="1" end="1"/>
+                                            </p:txEl>
+                                          </p:spTgt>
+                                        </p:tgtEl>
+                                      </p:cBhvr>
+                                    </p:animEffect>
+                                  </p:childTnLst>
+                                </p:cTn>
+                              </p:par>
+                            </p:childTnLst>
+                          </p:cTn>
+                        </p:par>
+                      </p:childTnLst>
+                    </p:cTn>
+                  </p:par>
+                  <p:par>
+                    <p:cTn id="13" fill="hold">
+                      <p:stCondLst>
+                        <p:cond delay="indefinite"/>
+                      </p:stCondLst>
+                      <p:childTnLst>
+                        <p:par>
+                          <p:cTn id="14" fill="hold">
+                            <p:stCondLst>
+                              <p:cond delay="0"/>
+                            </p:stCondLst>
+                            <p:childTnLst>
+                              <p:par>
+                                <p:cTn id="15" presetID="10" presetClass="entr" presetSubtype="0" fill="hold" nodeType="clickEffect">
+                                  <p:stCondLst>
+                                    <p:cond delay="0"/>
+                                  </p:stCondLst>
+                                  <p:childTnLst>
+                                    <p:set>
+                                      <p:cBhvr>
+                                        <p:cTn id="16" dur="1" fill="hold">
+                                          <p:stCondLst>
+                                            <p:cond delay="0"/>
+                                          </p:stCondLst>
+                                        </p:cTn>
+                                        <p:tgtEl>
+                                          <p:spTgt spid="6">
+                                            <p:txEl>
+                                              <p:pRg st="2" end="2"/>
+                                            </p:txEl>
+                                          </p:spTgt>
+                                        </p:tgtEl>
+                                        <p:attrNameLst>
+                                          <p:attrName>style.visibility</p:attrName>
+                                        </p:attrNameLst>
+                                      </p:cBhvr>
+                                      <p:to>
+                                        <p:strVal val="visible"/>
+                                      </p:to>
+                                    </p:set>
+                                    <p:animEffect transition="in" filter="fade">
+                                      <p:cBhvr>
+                                        <p:cTn id="17" dur="1000"/>
+                                        <p:tgtEl>
+                                          <p:spTgt spid="6">
+                                            <p:txEl>
+                                              <p:pRg st="2" end="2"/>
+                                            </p:txEl>
+                                          </p:spTgt>
+                                        </p:tgtEl>
+                                      </p:cBhvr>
+                                    </p:animEffect>
+                                  </p:childTnLst>
+                                </p:cTn>
+                              </p:par>
+                            </p:childTnLst>
+                          </p:cTn>
+                        </p:par>
+                      </p:childTnLst>
+                    </p:cTn>
+                  </p:par>
+                  <p:par>
+                    <p:cTn id="18" fill="hold">
+                      <p:stCondLst>
+                        <p:cond delay="indefinite"/>
+                      </p:stCondLst>
+                      <p:childTnLst>
+                        <p:par>
+                          <p:cTn id="19" fill="hold">
+                            <p:stCondLst>
+                              <p:cond delay="0"/>
+                            </p:stCondLst>
+                            <p:childTnLst>
+                              <p:par>
+                                <p:cTn id="20" presetID="10" presetClass="entr" presetSubtype="0" fill="hold" nodeType="clickEffect">
+                                  <p:stCondLst>
+                                    <p:cond delay="0"/>
+                                  </p:stCondLst>
+                                  <p:childTnLst>
+                                    <p:set>
+                                      <p:cBhvr>
+                                        <p:cTn id="21" dur="1" fill="hold">
+                                          <p:stCondLst>
+                                            <p:cond delay="0"/>
+                                          </p:stCondLst>
+                                        </p:cTn>
+                                        <p:tgtEl>
+                                          <p:spTgt spid="6">
+                                            <p:txEl>
+                                              <p:pRg st="3" end="3"/>
+                                            </p:txEl>
+                                          </p:spTgt>
+                                        </p:tgtEl>
+                                        <p:attrNameLst>
+                                          <p:attrName>style.visibility</p:attrName>
+                                        </p:attrNameLst>
+                                      </p:cBhvr>
+                                      <p:to>
+                                        <p:strVal val="visible"/>
+                                      </p:to>
+                                    </p:set>
+                                    <p:animEffect transition="in" filter="fade">
+                                      <p:cBhvr>
+                                        <p:cTn id="22" dur="1000"/>
+                                        <p:tgtEl>
+                                          <p:spTgt spid="6">
+                                            <p:txEl>
+                                              <p:pRg st="3" end="3"/>
+                                            </p:txEl>
+                                          </p:spTgt>
+                                        </p:tgtEl>
+                                      </p:cBhvr>
+                                    </p:animEffect>
+                                  </p:childTnLst>
+                                </p:cTn>
+                              </p:par>
+                            </p:childTnLst>
+                          </p:cTn>
+                        </p:par>
+                      </p:childTnLst>
+                    </p:cTn>
+                  </p:par>
+                  <p:par>
+                    <p:cTn id="23" fill="hold">
+                      <p:stCondLst>
+                        <p:cond delay="indefinite"/>
+                      </p:stCondLst>
+                      <p:childTnLst>
+                        <p:par>
+                          <p:cTn id="24" fill="hold">
+                            <p:stCondLst>
+                              <p:cond delay="0"/>
+                            </p:stCondLst>
+                            <p:childTnLst>
+                              <p:par>
+                                <p:cTn id="25" presetID="10" presetClass="entr" presetSubtype="0" fill="hold" grpId="0" nodeType="clickEffect">
+                                  <p:stCondLst>
+                                    <p:cond delay="0"/>
+                                  </p:stCondLst>
+                                  <p:childTnLst>
+                                    <p:set>
+                                      <p:cBhvr>
+                                        <p:cTn id="26" dur="1" fill="hold">
+                                          <p:stCondLst>
+                                            <p:cond delay="0"/>
+                                          </p:stCondLst>
+                                        </p:cTn>
+                                        <p:tgtEl>
+                                          <p:spTgt spid="13"/>
+                                        </p:tgtEl>
+                                        <p:attrNameLst>
+                                          <p:attrName>style.visibility</p:attrName>
+                                        </p:attrNameLst>
+                                      </p:cBhvr>
+                                      <p:to>
+                                        <p:strVal val="visible"/>
+                                      </p:to>
+                                    </p:set>
+                                    <p:animEffect transition="in" filter="fade">
+                                      <p:cBhvr>
+                                        <p:cTn id="27" dur="1000"/>
+                                        <p:tgtEl>
+                                          <p:spTgt spid="13"/>
+                                        </p:tgtEl>
+                                      </p:cBhvr>
+                                    </p:animEffect>
+                                  </p:childTnLst>
+                                </p:cTn>
+                              </p:par>
+                              <p:par>
+                                <p:cTn id="28" presetID="10" presetClass="entr" presetSubtype="0" fill="hold" grpId="0" nodeType="withEffect">
+                                  <p:stCondLst>
+                                    <p:cond delay="0"/>
+                                  </p:stCondLst>
+                                  <p:childTnLst>
+                                    <p:set>
+                                      <p:cBhvr>
+                                        <p:cTn id="29" dur="1" fill="hold">
+                                          <p:stCondLst>
+                                            <p:cond delay="0"/>
+                                          </p:stCondLst>
+                                        </p:cTn>
+                                        <p:tgtEl>
+                                          <p:spTgt spid="12"/>
+                                        </p:tgtEl>
+                                        <p:attrNameLst>
+                                          <p:attrName>style.visibility</p:attrName>
+                                        </p:attrNameLst>
+                                      </p:cBhvr>
+                                      <p:to>
+                                        <p:strVal val="visible"/>
+                                      </p:to>
+                                    </p:set>
+                                    <p:animEffect transition="in" filter="fade">
+                                      <p:cBhvr>
+                                        <p:cTn id="30" dur="1000"/>
+                                        <p:tgtEl>
+                                          <p:spTgt spid="12"/>
+                                        </p:tgtEl>
+                                      </p:cBhvr>
+                                    </p:animEffect>
+                                  </p:childTnLst>
+                                </p:cTn>
+                              </p:par>
+                              <p:par>
+                                <p:cTn id="31" presetID="10" presetClass="entr" presetSubtype="0" fill="hold" nodeType="withEffect">
+                                  <p:stCondLst>
+                                    <p:cond delay="0"/>
+                                  </p:stCondLst>
+                                  <p:childTnLst>
+                                    <p:set>
+                                      <p:cBhvr>
+                                        <p:cTn id="32" dur="1" fill="hold">
+                                          <p:stCondLst>
+                                            <p:cond delay="0"/>
+                                          </p:stCondLst>
+                                        </p:cTn>
+                                        <p:tgtEl>
+                                          <p:spTgt spid="16"/>
+                                        </p:tgtEl>
+                                        <p:attrNameLst>
+                                          <p:attrName>style.visibility</p:attrName>
+                                        </p:attrNameLst>
+                                      </p:cBhvr>
+                                      <p:to>
+                                        <p:strVal val="visible"/>
+                                      </p:to>
+                                    </p:set>
+                                    <p:animEffect transition="in" filter="fade">
+                                      <p:cBhvr>
+                                        <p:cTn id="33" dur="1000"/>
+                                        <p:tgtEl>
+                                          <p:spTgt spid="16"/>
+                                        </p:tgtEl>
+                                      </p:cBhvr>
+                                    </p:animEffect>
+                                  </p:childTnLst>
+                                </p:cTn>
+                              </p:par>
+                            </p:childTnLst>
+                          </p:cTn>
+                        </p:par>
+                      </p:childTnLst>
+                    </p:cTn>
+                  </p:par>
+                </p:childTnLst>
+              </p:cTn>
+              <p:prevCondLst>
+                <p:cond evt="onPrev" delay="0">
+                  <p:tgtEl>
+                    <p:sldTgt/>
+                  </p:tgtEl>
+                </p:cond>
+              </p:prevCondLst>
+              <p:nextCondLst>
+                <p:cond evt="onNext" delay="0">
+                  <p:tgtEl>
+                    <p:sldTgt/>
+                  </p:tgtEl>
+                </p:cond>
+              </p:nextCondLst>
+            </p:seq>
+          </p:childTnLst>
+        </p:cTn>
       </p:par>
     </p:tnLst>
+    <p:bldLst>
+      <p:bldP spid="12" grpId="0"/>
+      <p:bldP spid="13" grpId="0"/>
+    </p:bldLst>
   </p:timing>
 </p:sld>
 </file>
@@ -11180,6 +11991,921 @@
               <a:t>Advantages &amp; Disadvantages</a:t>
             </a:r>
             <a:endParaRPr lang="en-US" sz="4000" dirty="0">
+              <a:solidFill>
+                <a:srgbClr val="FFC000"/>
+              </a:solidFill>
+            </a:endParaRPr>
+          </a:p>
+        </p:txBody>
+      </p:sp>
+      <p:pic>
+        <p:nvPicPr>
+          <p:cNvPr id="4" name="Picture 4" descr="C:\Users\error0\Desktop\logoRoma32.gif"/>
+          <p:cNvPicPr>
+            <a:picLocks noChangeAspect="1" noChangeArrowheads="1"/>
+          </p:cNvPicPr>
+          <p:nvPr/>
+        </p:nvPicPr>
+        <p:blipFill>
+          <a:blip r:embed="rId3">
+            <a:duotone>
+              <a:schemeClr val="accent1">
+                <a:shade val="45000"/>
+                <a:satMod val="135000"/>
+              </a:schemeClr>
+              <a:prstClr val="white"/>
+            </a:duotone>
+            <a:lum bright="20000"/>
+          </a:blip>
+          <a:srcRect/>
+          <a:stretch>
+            <a:fillRect/>
+          </a:stretch>
+        </p:blipFill>
+        <p:spPr bwMode="auto">
+          <a:xfrm>
+            <a:off x="6858016" y="153964"/>
+            <a:ext cx="2214578" cy="1131896"/>
+          </a:xfrm>
+          <a:prstGeom prst="rect">
+            <a:avLst/>
+          </a:prstGeom>
+          <a:noFill/>
+        </p:spPr>
+      </p:pic>
+      <p:sp>
+        <p:nvSpPr>
+          <p:cNvPr id="6" name="Segnaposto contenuto 5"/>
+          <p:cNvSpPr>
+            <a:spLocks noGrp="1"/>
+          </p:cNvSpPr>
+          <p:nvPr>
+            <p:ph idx="1"/>
+          </p:nvPr>
+        </p:nvSpPr>
+        <p:spPr>
+          <a:xfrm>
+            <a:off x="457200" y="1775191"/>
+            <a:ext cx="4043362" cy="4654205"/>
+          </a:xfrm>
+        </p:spPr>
+        <p:txBody>
+          <a:bodyPr>
+            <a:normAutofit/>
+          </a:bodyPr>
+          <a:lstStyle/>
+          <a:p>
+            <a:pPr>
+              <a:lnSpc>
+                <a:spcPct val="150000"/>
+              </a:lnSpc>
+            </a:pPr>
+            <a:r>
+              <a:rPr lang="en-US" dirty="0" smtClean="0"/>
+              <a:t>Advantages:</a:t>
+            </a:r>
+          </a:p>
+          <a:p>
+            <a:pPr lvl="1">
+              <a:lnSpc>
+                <a:spcPct val="150000"/>
+              </a:lnSpc>
+            </a:pPr>
+            <a:r>
+              <a:rPr lang="en-US" dirty="0" smtClean="0"/>
+              <a:t>Lightweight</a:t>
+            </a:r>
+          </a:p>
+          <a:p>
+            <a:pPr lvl="1">
+              <a:lnSpc>
+                <a:spcPct val="150000"/>
+              </a:lnSpc>
+            </a:pPr>
+            <a:r>
+              <a:rPr lang="en-US" dirty="0" smtClean="0"/>
+              <a:t>Robustness</a:t>
+            </a:r>
+          </a:p>
+          <a:p>
+            <a:pPr lvl="1">
+              <a:lnSpc>
+                <a:spcPct val="150000"/>
+              </a:lnSpc>
+            </a:pPr>
+            <a:r>
+              <a:rPr lang="en-US" dirty="0" smtClean="0"/>
+              <a:t>High performance</a:t>
+            </a:r>
+          </a:p>
+          <a:p>
+            <a:endParaRPr lang="en-US" dirty="0" smtClean="0"/>
+          </a:p>
+        </p:txBody>
+      </p:sp>
+      <p:sp>
+        <p:nvSpPr>
+          <p:cNvPr id="5" name="Segnaposto contenuto 5"/>
+          <p:cNvSpPr txBox="1">
+            <a:spLocks/>
+          </p:cNvSpPr>
+          <p:nvPr/>
+        </p:nvSpPr>
+        <p:spPr>
+          <a:xfrm>
+            <a:off x="4429124" y="1785926"/>
+            <a:ext cx="4714876" cy="4625609"/>
+          </a:xfrm>
+          <a:prstGeom prst="rect">
+            <a:avLst/>
+          </a:prstGeom>
+        </p:spPr>
+        <p:txBody>
+          <a:bodyPr vert="horz" lIns="54864" tIns="91440" rtlCol="0">
+            <a:normAutofit/>
+          </a:bodyPr>
+          <a:lstStyle/>
+          <a:p>
+            <a:pPr marL="438912" marR="0" lvl="0" indent="-320040" algn="l" defTabSz="914400" rtl="0" eaLnBrk="1" fontAlgn="auto" latinLnBrk="0" hangingPunct="1">
+              <a:lnSpc>
+                <a:spcPct val="150000"/>
+              </a:lnSpc>
+              <a:spcBef>
+                <a:spcPts val="0"/>
+              </a:spcBef>
+              <a:spcAft>
+                <a:spcPts val="0"/>
+              </a:spcAft>
+              <a:buClr>
+                <a:schemeClr val="accent1"/>
+              </a:buClr>
+              <a:buSzPct val="80000"/>
+              <a:buFont typeface="Wingdings 2"/>
+              <a:buChar char=""/>
+              <a:tabLst/>
+              <a:defRPr/>
+            </a:pPr>
+            <a:r>
+              <a:rPr kumimoji="0" lang="en-US" sz="3200" b="0" i="0" u="none" strike="noStrike" kern="1200" cap="none" spc="0" normalizeH="0" baseline="0" noProof="0" dirty="0" smtClean="0">
+                <a:ln>
+                  <a:noFill/>
+                </a:ln>
+                <a:solidFill>
+                  <a:schemeClr val="tx1"/>
+                </a:solidFill>
+                <a:effectLst/>
+                <a:uLnTx/>
+                <a:uFillTx/>
+                <a:latin typeface="+mn-lt"/>
+                <a:ea typeface="+mn-ea"/>
+                <a:cs typeface="+mn-cs"/>
+              </a:rPr>
+              <a:t>Disadvantages:</a:t>
+            </a:r>
+          </a:p>
+          <a:p>
+            <a:pPr marL="731520" marR="0" lvl="1" indent="-274320" algn="l" defTabSz="914400" rtl="0" eaLnBrk="1" fontAlgn="auto" latinLnBrk="0" hangingPunct="1">
+              <a:lnSpc>
+                <a:spcPct val="150000"/>
+              </a:lnSpc>
+              <a:spcBef>
+                <a:spcPct val="20000"/>
+              </a:spcBef>
+              <a:spcAft>
+                <a:spcPts val="0"/>
+              </a:spcAft>
+              <a:buClr>
+                <a:schemeClr val="accent2"/>
+              </a:buClr>
+              <a:buSzPct val="90000"/>
+              <a:buFont typeface="Wingdings"/>
+              <a:buChar char=""/>
+              <a:tabLst/>
+              <a:defRPr/>
+            </a:pPr>
+            <a:r>
+              <a:rPr kumimoji="0" lang="en-US" sz="2800" b="0" i="0" u="none" strike="noStrike" kern="1200" cap="none" spc="0" normalizeH="0" baseline="0" noProof="0" dirty="0" smtClean="0">
+                <a:ln>
+                  <a:noFill/>
+                </a:ln>
+                <a:solidFill>
+                  <a:schemeClr val="tx1"/>
+                </a:solidFill>
+                <a:effectLst/>
+                <a:uLnTx/>
+                <a:uFillTx/>
+                <a:latin typeface="+mn-lt"/>
+                <a:ea typeface="+mn-ea"/>
+                <a:cs typeface="+mn-cs"/>
+              </a:rPr>
+              <a:t>Huge amount of RAM</a:t>
+            </a:r>
+          </a:p>
+          <a:p>
+            <a:pPr marL="731520" marR="0" lvl="1" indent="-274320" algn="l" defTabSz="914400" rtl="0" eaLnBrk="1" fontAlgn="auto" latinLnBrk="0" hangingPunct="1">
+              <a:lnSpc>
+                <a:spcPct val="150000"/>
+              </a:lnSpc>
+              <a:spcBef>
+                <a:spcPct val="20000"/>
+              </a:spcBef>
+              <a:spcAft>
+                <a:spcPts val="0"/>
+              </a:spcAft>
+              <a:buClr>
+                <a:schemeClr val="accent2"/>
+              </a:buClr>
+              <a:buSzPct val="90000"/>
+              <a:buFont typeface="Wingdings"/>
+              <a:buChar char=""/>
+              <a:tabLst/>
+              <a:defRPr/>
+            </a:pPr>
+            <a:r>
+              <a:rPr kumimoji="0" lang="en-US" sz="2800" b="0" i="0" u="none" strike="noStrike" kern="1200" cap="none" spc="0" normalizeH="0" baseline="0" noProof="0" dirty="0" smtClean="0">
+                <a:ln>
+                  <a:noFill/>
+                </a:ln>
+                <a:solidFill>
+                  <a:schemeClr val="tx1"/>
+                </a:solidFill>
+                <a:effectLst/>
+                <a:uLnTx/>
+                <a:uFillTx/>
+                <a:latin typeface="+mn-lt"/>
+                <a:ea typeface="+mn-ea"/>
+                <a:cs typeface="+mn-cs"/>
+              </a:rPr>
+              <a:t>Durability</a:t>
+            </a:r>
+          </a:p>
+          <a:p>
+            <a:pPr marL="731520" marR="0" lvl="1" indent="-274320" algn="l" defTabSz="914400" rtl="0" eaLnBrk="1" fontAlgn="auto" latinLnBrk="0" hangingPunct="1">
+              <a:lnSpc>
+                <a:spcPct val="150000"/>
+              </a:lnSpc>
+              <a:spcBef>
+                <a:spcPct val="20000"/>
+              </a:spcBef>
+              <a:spcAft>
+                <a:spcPts val="0"/>
+              </a:spcAft>
+              <a:buClr>
+                <a:schemeClr val="accent2"/>
+              </a:buClr>
+              <a:buSzPct val="90000"/>
+              <a:buFont typeface="Wingdings"/>
+              <a:buChar char=""/>
+              <a:tabLst/>
+              <a:defRPr/>
+            </a:pPr>
+            <a:r>
+              <a:rPr kumimoji="0" lang="en-US" sz="2800" b="0" i="0" u="none" strike="noStrike" kern="1200" cap="none" spc="0" normalizeH="0" baseline="0" noProof="0" dirty="0" smtClean="0">
+                <a:ln>
+                  <a:noFill/>
+                </a:ln>
+                <a:solidFill>
+                  <a:schemeClr val="tx1"/>
+                </a:solidFill>
+                <a:effectLst/>
+                <a:uLnTx/>
+                <a:uFillTx/>
+                <a:latin typeface="+mn-lt"/>
+                <a:ea typeface="+mn-ea"/>
+                <a:cs typeface="+mn-cs"/>
+              </a:rPr>
+              <a:t>Slow startup</a:t>
+            </a:r>
+          </a:p>
+          <a:p>
+            <a:pPr marL="731520" marR="0" lvl="1" indent="-274320" algn="l" defTabSz="914400" rtl="0" eaLnBrk="1" fontAlgn="auto" latinLnBrk="0" hangingPunct="1">
+              <a:lnSpc>
+                <a:spcPct val="150000"/>
+              </a:lnSpc>
+              <a:spcBef>
+                <a:spcPct val="20000"/>
+              </a:spcBef>
+              <a:spcAft>
+                <a:spcPts val="0"/>
+              </a:spcAft>
+              <a:buClr>
+                <a:schemeClr val="accent2"/>
+              </a:buClr>
+              <a:buSzPct val="90000"/>
+              <a:buFont typeface="Wingdings"/>
+              <a:buChar char=""/>
+              <a:tabLst/>
+              <a:defRPr/>
+            </a:pPr>
+            <a:r>
+              <a:rPr kumimoji="0" lang="en-US" sz="2800" b="0" i="0" u="none" strike="noStrike" kern="1200" cap="none" spc="0" normalizeH="0" baseline="0" noProof="0" dirty="0" smtClean="0">
+                <a:ln>
+                  <a:noFill/>
+                </a:ln>
+                <a:solidFill>
+                  <a:schemeClr val="tx1"/>
+                </a:solidFill>
+                <a:effectLst/>
+                <a:uLnTx/>
+                <a:uFillTx/>
+                <a:latin typeface="+mn-lt"/>
+                <a:ea typeface="+mn-ea"/>
+                <a:cs typeface="+mn-cs"/>
+              </a:rPr>
+              <a:t>Slow snapshot</a:t>
+            </a:r>
+            <a:endParaRPr kumimoji="0" lang="en-US" sz="2800" b="0" i="0" u="none" strike="noStrike" kern="1200" cap="none" spc="0" normalizeH="0" baseline="0" noProof="0" dirty="0">
+              <a:ln>
+                <a:noFill/>
+              </a:ln>
+              <a:solidFill>
+                <a:schemeClr val="tx1"/>
+              </a:solidFill>
+              <a:effectLst/>
+              <a:uLnTx/>
+              <a:uFillTx/>
+              <a:latin typeface="+mn-lt"/>
+              <a:ea typeface="+mn-ea"/>
+              <a:cs typeface="+mn-cs"/>
+            </a:endParaRPr>
+          </a:p>
+        </p:txBody>
+      </p:sp>
+    </p:spTree>
+  </p:cSld>
+  <p:clrMapOvr>
+    <a:masterClrMapping/>
+  </p:clrMapOvr>
+  <p:transition>
+    <p:fade/>
+  </p:transition>
+  <p:timing>
+    <p:tnLst>
+      <p:par>
+        <p:cTn id="1" dur="indefinite" restart="never" nodeType="tmRoot">
+          <p:childTnLst>
+            <p:seq concurrent="1" nextAc="seek">
+              <p:cTn id="2" dur="indefinite" nodeType="mainSeq">
+                <p:childTnLst>
+                  <p:par>
+                    <p:cTn id="3" fill="hold">
+                      <p:stCondLst>
+                        <p:cond delay="indefinite"/>
+                      </p:stCondLst>
+                      <p:childTnLst>
+                        <p:par>
+                          <p:cTn id="4" fill="hold">
+                            <p:stCondLst>
+                              <p:cond delay="0"/>
+                            </p:stCondLst>
+                            <p:childTnLst>
+                              <p:par>
+                                <p:cTn id="5" presetID="10" presetClass="entr" presetSubtype="0" fill="hold" nodeType="clickEffect">
+                                  <p:stCondLst>
+                                    <p:cond delay="0"/>
+                                  </p:stCondLst>
+                                  <p:childTnLst>
+                                    <p:set>
+                                      <p:cBhvr>
+                                        <p:cTn id="6" dur="1" fill="hold">
+                                          <p:stCondLst>
+                                            <p:cond delay="0"/>
+                                          </p:stCondLst>
+                                        </p:cTn>
+                                        <p:tgtEl>
+                                          <p:spTgt spid="6">
+                                            <p:txEl>
+                                              <p:pRg st="0" end="0"/>
+                                            </p:txEl>
+                                          </p:spTgt>
+                                        </p:tgtEl>
+                                        <p:attrNameLst>
+                                          <p:attrName>style.visibility</p:attrName>
+                                        </p:attrNameLst>
+                                      </p:cBhvr>
+                                      <p:to>
+                                        <p:strVal val="visible"/>
+                                      </p:to>
+                                    </p:set>
+                                    <p:animEffect transition="in" filter="fade">
+                                      <p:cBhvr>
+                                        <p:cTn id="7" dur="1000"/>
+                                        <p:tgtEl>
+                                          <p:spTgt spid="6">
+                                            <p:txEl>
+                                              <p:pRg st="0" end="0"/>
+                                            </p:txEl>
+                                          </p:spTgt>
+                                        </p:tgtEl>
+                                      </p:cBhvr>
+                                    </p:animEffect>
+                                  </p:childTnLst>
+                                </p:cTn>
+                              </p:par>
+                            </p:childTnLst>
+                          </p:cTn>
+                        </p:par>
+                        <p:par>
+                          <p:cTn id="8" fill="hold">
+                            <p:stCondLst>
+                              <p:cond delay="1000"/>
+                            </p:stCondLst>
+                            <p:childTnLst>
+                              <p:par>
+                                <p:cTn id="9" presetID="10" presetClass="entr" presetSubtype="0" fill="hold" nodeType="afterEffect">
+                                  <p:stCondLst>
+                                    <p:cond delay="0"/>
+                                  </p:stCondLst>
+                                  <p:childTnLst>
+                                    <p:set>
+                                      <p:cBhvr>
+                                        <p:cTn id="10" dur="1" fill="hold">
+                                          <p:stCondLst>
+                                            <p:cond delay="0"/>
+                                          </p:stCondLst>
+                                        </p:cTn>
+                                        <p:tgtEl>
+                                          <p:spTgt spid="6">
+                                            <p:txEl>
+                                              <p:pRg st="1" end="1"/>
+                                            </p:txEl>
+                                          </p:spTgt>
+                                        </p:tgtEl>
+                                        <p:attrNameLst>
+                                          <p:attrName>style.visibility</p:attrName>
+                                        </p:attrNameLst>
+                                      </p:cBhvr>
+                                      <p:to>
+                                        <p:strVal val="visible"/>
+                                      </p:to>
+                                    </p:set>
+                                    <p:animEffect transition="in" filter="fade">
+                                      <p:cBhvr>
+                                        <p:cTn id="11" dur="1000"/>
+                                        <p:tgtEl>
+                                          <p:spTgt spid="6">
+                                            <p:txEl>
+                                              <p:pRg st="1" end="1"/>
+                                            </p:txEl>
+                                          </p:spTgt>
+                                        </p:tgtEl>
+                                      </p:cBhvr>
+                                    </p:animEffect>
+                                  </p:childTnLst>
+                                </p:cTn>
+                              </p:par>
+                            </p:childTnLst>
+                          </p:cTn>
+                        </p:par>
+                        <p:par>
+                          <p:cTn id="12" fill="hold">
+                            <p:stCondLst>
+                              <p:cond delay="2000"/>
+                            </p:stCondLst>
+                            <p:childTnLst>
+                              <p:par>
+                                <p:cTn id="13" presetID="10" presetClass="entr" presetSubtype="0" fill="hold" nodeType="afterEffect">
+                                  <p:stCondLst>
+                                    <p:cond delay="0"/>
+                                  </p:stCondLst>
+                                  <p:childTnLst>
+                                    <p:set>
+                                      <p:cBhvr>
+                                        <p:cTn id="14" dur="1" fill="hold">
+                                          <p:stCondLst>
+                                            <p:cond delay="0"/>
+                                          </p:stCondLst>
+                                        </p:cTn>
+                                        <p:tgtEl>
+                                          <p:spTgt spid="6">
+                                            <p:txEl>
+                                              <p:pRg st="2" end="2"/>
+                                            </p:txEl>
+                                          </p:spTgt>
+                                        </p:tgtEl>
+                                        <p:attrNameLst>
+                                          <p:attrName>style.visibility</p:attrName>
+                                        </p:attrNameLst>
+                                      </p:cBhvr>
+                                      <p:to>
+                                        <p:strVal val="visible"/>
+                                      </p:to>
+                                    </p:set>
+                                    <p:animEffect transition="in" filter="fade">
+                                      <p:cBhvr>
+                                        <p:cTn id="15" dur="1000"/>
+                                        <p:tgtEl>
+                                          <p:spTgt spid="6">
+                                            <p:txEl>
+                                              <p:pRg st="2" end="2"/>
+                                            </p:txEl>
+                                          </p:spTgt>
+                                        </p:tgtEl>
+                                      </p:cBhvr>
+                                    </p:animEffect>
+                                  </p:childTnLst>
+                                </p:cTn>
+                              </p:par>
+                            </p:childTnLst>
+                          </p:cTn>
+                        </p:par>
+                        <p:par>
+                          <p:cTn id="16" fill="hold">
+                            <p:stCondLst>
+                              <p:cond delay="3000"/>
+                            </p:stCondLst>
+                            <p:childTnLst>
+                              <p:par>
+                                <p:cTn id="17" presetID="10" presetClass="entr" presetSubtype="0" fill="hold" nodeType="afterEffect">
+                                  <p:stCondLst>
+                                    <p:cond delay="0"/>
+                                  </p:stCondLst>
+                                  <p:childTnLst>
+                                    <p:set>
+                                      <p:cBhvr>
+                                        <p:cTn id="18" dur="1" fill="hold">
+                                          <p:stCondLst>
+                                            <p:cond delay="0"/>
+                                          </p:stCondLst>
+                                        </p:cTn>
+                                        <p:tgtEl>
+                                          <p:spTgt spid="6">
+                                            <p:txEl>
+                                              <p:pRg st="3" end="3"/>
+                                            </p:txEl>
+                                          </p:spTgt>
+                                        </p:tgtEl>
+                                        <p:attrNameLst>
+                                          <p:attrName>style.visibility</p:attrName>
+                                        </p:attrNameLst>
+                                      </p:cBhvr>
+                                      <p:to>
+                                        <p:strVal val="visible"/>
+                                      </p:to>
+                                    </p:set>
+                                    <p:animEffect transition="in" filter="fade">
+                                      <p:cBhvr>
+                                        <p:cTn id="19" dur="1000"/>
+                                        <p:tgtEl>
+                                          <p:spTgt spid="6">
+                                            <p:txEl>
+                                              <p:pRg st="3" end="3"/>
+                                            </p:txEl>
+                                          </p:spTgt>
+                                        </p:tgtEl>
+                                      </p:cBhvr>
+                                    </p:animEffect>
+                                  </p:childTnLst>
+                                </p:cTn>
+                              </p:par>
+                            </p:childTnLst>
+                          </p:cTn>
+                        </p:par>
+                      </p:childTnLst>
+                    </p:cTn>
+                  </p:par>
+                  <p:par>
+                    <p:cTn id="20" fill="hold">
+                      <p:stCondLst>
+                        <p:cond delay="indefinite"/>
+                      </p:stCondLst>
+                      <p:childTnLst>
+                        <p:par>
+                          <p:cTn id="21" fill="hold">
+                            <p:stCondLst>
+                              <p:cond delay="0"/>
+                            </p:stCondLst>
+                            <p:childTnLst>
+                              <p:par>
+                                <p:cTn id="22" presetID="10" presetClass="entr" presetSubtype="0" fill="hold" nodeType="clickEffect">
+                                  <p:stCondLst>
+                                    <p:cond delay="0"/>
+                                  </p:stCondLst>
+                                  <p:childTnLst>
+                                    <p:set>
+                                      <p:cBhvr>
+                                        <p:cTn id="23" dur="1" fill="hold">
+                                          <p:stCondLst>
+                                            <p:cond delay="0"/>
+                                          </p:stCondLst>
+                                        </p:cTn>
+                                        <p:tgtEl>
+                                          <p:spTgt spid="5">
+                                            <p:txEl>
+                                              <p:pRg st="0" end="0"/>
+                                            </p:txEl>
+                                          </p:spTgt>
+                                        </p:tgtEl>
+                                        <p:attrNameLst>
+                                          <p:attrName>style.visibility</p:attrName>
+                                        </p:attrNameLst>
+                                      </p:cBhvr>
+                                      <p:to>
+                                        <p:strVal val="visible"/>
+                                      </p:to>
+                                    </p:set>
+                                    <p:animEffect transition="in" filter="fade">
+                                      <p:cBhvr>
+                                        <p:cTn id="24" dur="1000"/>
+                                        <p:tgtEl>
+                                          <p:spTgt spid="5">
+                                            <p:txEl>
+                                              <p:pRg st="0" end="0"/>
+                                            </p:txEl>
+                                          </p:spTgt>
+                                        </p:tgtEl>
+                                      </p:cBhvr>
+                                    </p:animEffect>
+                                  </p:childTnLst>
+                                </p:cTn>
+                              </p:par>
+                            </p:childTnLst>
+                          </p:cTn>
+                        </p:par>
+                        <p:par>
+                          <p:cTn id="25" fill="hold">
+                            <p:stCondLst>
+                              <p:cond delay="1000"/>
+                            </p:stCondLst>
+                            <p:childTnLst>
+                              <p:par>
+                                <p:cTn id="26" presetID="10" presetClass="entr" presetSubtype="0" fill="hold" nodeType="afterEffect">
+                                  <p:stCondLst>
+                                    <p:cond delay="0"/>
+                                  </p:stCondLst>
+                                  <p:childTnLst>
+                                    <p:set>
+                                      <p:cBhvr>
+                                        <p:cTn id="27" dur="1" fill="hold">
+                                          <p:stCondLst>
+                                            <p:cond delay="0"/>
+                                          </p:stCondLst>
+                                        </p:cTn>
+                                        <p:tgtEl>
+                                          <p:spTgt spid="5">
+                                            <p:txEl>
+                                              <p:pRg st="1" end="1"/>
+                                            </p:txEl>
+                                          </p:spTgt>
+                                        </p:tgtEl>
+                                        <p:attrNameLst>
+                                          <p:attrName>style.visibility</p:attrName>
+                                        </p:attrNameLst>
+                                      </p:cBhvr>
+                                      <p:to>
+                                        <p:strVal val="visible"/>
+                                      </p:to>
+                                    </p:set>
+                                    <p:animEffect transition="in" filter="fade">
+                                      <p:cBhvr>
+                                        <p:cTn id="28" dur="1000"/>
+                                        <p:tgtEl>
+                                          <p:spTgt spid="5">
+                                            <p:txEl>
+                                              <p:pRg st="1" end="1"/>
+                                            </p:txEl>
+                                          </p:spTgt>
+                                        </p:tgtEl>
+                                      </p:cBhvr>
+                                    </p:animEffect>
+                                  </p:childTnLst>
+                                </p:cTn>
+                              </p:par>
+                            </p:childTnLst>
+                          </p:cTn>
+                        </p:par>
+                        <p:par>
+                          <p:cTn id="29" fill="hold">
+                            <p:stCondLst>
+                              <p:cond delay="2000"/>
+                            </p:stCondLst>
+                            <p:childTnLst>
+                              <p:par>
+                                <p:cTn id="30" presetID="10" presetClass="entr" presetSubtype="0" fill="hold" nodeType="afterEffect">
+                                  <p:stCondLst>
+                                    <p:cond delay="0"/>
+                                  </p:stCondLst>
+                                  <p:childTnLst>
+                                    <p:set>
+                                      <p:cBhvr>
+                                        <p:cTn id="31" dur="1" fill="hold">
+                                          <p:stCondLst>
+                                            <p:cond delay="0"/>
+                                          </p:stCondLst>
+                                        </p:cTn>
+                                        <p:tgtEl>
+                                          <p:spTgt spid="5">
+                                            <p:txEl>
+                                              <p:pRg st="2" end="2"/>
+                                            </p:txEl>
+                                          </p:spTgt>
+                                        </p:tgtEl>
+                                        <p:attrNameLst>
+                                          <p:attrName>style.visibility</p:attrName>
+                                        </p:attrNameLst>
+                                      </p:cBhvr>
+                                      <p:to>
+                                        <p:strVal val="visible"/>
+                                      </p:to>
+                                    </p:set>
+                                    <p:animEffect transition="in" filter="fade">
+                                      <p:cBhvr>
+                                        <p:cTn id="32" dur="1000"/>
+                                        <p:tgtEl>
+                                          <p:spTgt spid="5">
+                                            <p:txEl>
+                                              <p:pRg st="2" end="2"/>
+                                            </p:txEl>
+                                          </p:spTgt>
+                                        </p:tgtEl>
+                                      </p:cBhvr>
+                                    </p:animEffect>
+                                  </p:childTnLst>
+                                </p:cTn>
+                              </p:par>
+                            </p:childTnLst>
+                          </p:cTn>
+                        </p:par>
+                        <p:par>
+                          <p:cTn id="33" fill="hold">
+                            <p:stCondLst>
+                              <p:cond delay="3000"/>
+                            </p:stCondLst>
+                            <p:childTnLst>
+                              <p:par>
+                                <p:cTn id="34" presetID="10" presetClass="entr" presetSubtype="0" fill="hold" nodeType="afterEffect">
+                                  <p:stCondLst>
+                                    <p:cond delay="0"/>
+                                  </p:stCondLst>
+                                  <p:childTnLst>
+                                    <p:set>
+                                      <p:cBhvr>
+                                        <p:cTn id="35" dur="1" fill="hold">
+                                          <p:stCondLst>
+                                            <p:cond delay="0"/>
+                                          </p:stCondLst>
+                                        </p:cTn>
+                                        <p:tgtEl>
+                                          <p:spTgt spid="5">
+                                            <p:txEl>
+                                              <p:pRg st="3" end="3"/>
+                                            </p:txEl>
+                                          </p:spTgt>
+                                        </p:tgtEl>
+                                        <p:attrNameLst>
+                                          <p:attrName>style.visibility</p:attrName>
+                                        </p:attrNameLst>
+                                      </p:cBhvr>
+                                      <p:to>
+                                        <p:strVal val="visible"/>
+                                      </p:to>
+                                    </p:set>
+                                    <p:animEffect transition="in" filter="fade">
+                                      <p:cBhvr>
+                                        <p:cTn id="36" dur="1000"/>
+                                        <p:tgtEl>
+                                          <p:spTgt spid="5">
+                                            <p:txEl>
+                                              <p:pRg st="3" end="3"/>
+                                            </p:txEl>
+                                          </p:spTgt>
+                                        </p:tgtEl>
+                                      </p:cBhvr>
+                                    </p:animEffect>
+                                  </p:childTnLst>
+                                </p:cTn>
+                              </p:par>
+                            </p:childTnLst>
+                          </p:cTn>
+                        </p:par>
+                        <p:par>
+                          <p:cTn id="37" fill="hold">
+                            <p:stCondLst>
+                              <p:cond delay="4000"/>
+                            </p:stCondLst>
+                            <p:childTnLst>
+                              <p:par>
+                                <p:cTn id="38" presetID="10" presetClass="entr" presetSubtype="0" fill="hold" nodeType="afterEffect">
+                                  <p:stCondLst>
+                                    <p:cond delay="0"/>
+                                  </p:stCondLst>
+                                  <p:childTnLst>
+                                    <p:set>
+                                      <p:cBhvr>
+                                        <p:cTn id="39" dur="1" fill="hold">
+                                          <p:stCondLst>
+                                            <p:cond delay="0"/>
+                                          </p:stCondLst>
+                                        </p:cTn>
+                                        <p:tgtEl>
+                                          <p:spTgt spid="5">
+                                            <p:txEl>
+                                              <p:pRg st="4" end="4"/>
+                                            </p:txEl>
+                                          </p:spTgt>
+                                        </p:tgtEl>
+                                        <p:attrNameLst>
+                                          <p:attrName>style.visibility</p:attrName>
+                                        </p:attrNameLst>
+                                      </p:cBhvr>
+                                      <p:to>
+                                        <p:strVal val="visible"/>
+                                      </p:to>
+                                    </p:set>
+                                    <p:animEffect transition="in" filter="fade">
+                                      <p:cBhvr>
+                                        <p:cTn id="40" dur="1000"/>
+                                        <p:tgtEl>
+                                          <p:spTgt spid="5">
+                                            <p:txEl>
+                                              <p:pRg st="4" end="4"/>
+                                            </p:txEl>
+                                          </p:spTgt>
+                                        </p:tgtEl>
+                                      </p:cBhvr>
+                                    </p:animEffect>
+                                  </p:childTnLst>
+                                </p:cTn>
+                              </p:par>
+                            </p:childTnLst>
+                          </p:cTn>
+                        </p:par>
+                      </p:childTnLst>
+                    </p:cTn>
+                  </p:par>
+                </p:childTnLst>
+              </p:cTn>
+              <p:prevCondLst>
+                <p:cond evt="onPrev" delay="0">
+                  <p:tgtEl>
+                    <p:sldTgt/>
+                  </p:tgtEl>
+                </p:cond>
+              </p:prevCondLst>
+              <p:nextCondLst>
+                <p:cond evt="onNext" delay="0">
+                  <p:tgtEl>
+                    <p:sldTgt/>
+                  </p:tgtEl>
+                </p:cond>
+              </p:nextCondLst>
+            </p:seq>
+          </p:childTnLst>
+        </p:cTn>
+      </p:par>
+    </p:tnLst>
+  </p:timing>
+</p:sld>
+</file>
+
+<file path=ppt/slides/slide8.xml><?xml version="1.0" encoding="utf-8"?>
+<p:sld xmlns:a="http://schemas.openxmlformats.org/drawingml/2006/main" xmlns:r="http://schemas.openxmlformats.org/officeDocument/2006/relationships" xmlns:p="http://schemas.openxmlformats.org/presentationml/2006/main">
+  <p:cSld>
+    <p:spTree>
+      <p:nvGrpSpPr>
+        <p:cNvPr id="1" name=""/>
+        <p:cNvGrpSpPr/>
+        <p:nvPr/>
+      </p:nvGrpSpPr>
+      <p:grpSpPr>
+        <a:xfrm>
+          <a:off x="0" y="0"/>
+          <a:ext cx="0" cy="0"/>
+          <a:chOff x="0" y="0"/>
+          <a:chExt cx="0" cy="0"/>
+        </a:xfrm>
+      </p:grpSpPr>
+      <p:sp>
+        <p:nvSpPr>
+          <p:cNvPr id="2" name="Titolo 1"/>
+          <p:cNvSpPr>
+            <a:spLocks noGrp="1"/>
+          </p:cNvSpPr>
+          <p:nvPr>
+            <p:ph type="title"/>
+          </p:nvPr>
+        </p:nvSpPr>
+        <p:spPr>
+          <a:xfrm>
+            <a:off x="457200" y="155448"/>
+            <a:ext cx="6257940" cy="1252728"/>
+          </a:xfrm>
+        </p:spPr>
+        <p:txBody>
+          <a:bodyPr>
+            <a:normAutofit fontScale="90000"/>
+          </a:bodyPr>
+          <a:lstStyle/>
+          <a:p>
+            <a:r>
+              <a:rPr lang="en-US" dirty="0" smtClean="0">
+                <a:solidFill>
+                  <a:srgbClr val="FFC000"/>
+                </a:solidFill>
+              </a:rPr>
+              <a:t>Databases’ Performance Analysis</a:t>
+            </a:r>
+            <a:endParaRPr lang="en-US" dirty="0">
               <a:solidFill>
                 <a:srgbClr val="FFC000"/>
               </a:solidFill>
@@ -11240,189 +12966,13 @@
         </p:spPr>
         <p:txBody>
           <a:bodyPr>
-            <a:normAutofit/>
-          </a:bodyPr>
-          <a:lstStyle/>
-          <a:p>
-            <a:r>
-              <a:rPr lang="en-US" dirty="0" smtClean="0"/>
-              <a:t>Lightweight</a:t>
-            </a:r>
-          </a:p>
-          <a:p>
-            <a:r>
-              <a:rPr lang="en-US" dirty="0" smtClean="0"/>
-              <a:t>Robustness</a:t>
-            </a:r>
-          </a:p>
-          <a:p>
-            <a:r>
-              <a:rPr lang="en-US" dirty="0" smtClean="0"/>
-              <a:t>High performance</a:t>
-            </a:r>
-          </a:p>
-          <a:p>
-            <a:endParaRPr lang="en-US" dirty="0" smtClean="0"/>
-          </a:p>
-          <a:p>
-            <a:r>
-              <a:rPr lang="en-US" dirty="0" smtClean="0"/>
-              <a:t>Huge amount of RAM</a:t>
-            </a:r>
-          </a:p>
-          <a:p>
-            <a:r>
-              <a:rPr lang="en-US" dirty="0" smtClean="0"/>
-              <a:t>Durability</a:t>
-            </a:r>
-          </a:p>
-          <a:p>
-            <a:r>
-              <a:rPr lang="en-US" dirty="0" smtClean="0"/>
-              <a:t>Slow startup</a:t>
-            </a:r>
-          </a:p>
-          <a:p>
-            <a:r>
-              <a:rPr lang="en-US" dirty="0" smtClean="0"/>
-              <a:t>Slow snapshot</a:t>
-            </a:r>
-            <a:endParaRPr lang="en-US" dirty="0"/>
-          </a:p>
-        </p:txBody>
-      </p:sp>
-    </p:spTree>
-  </p:cSld>
-  <p:clrMapOvr>
-    <a:masterClrMapping/>
-  </p:clrMapOvr>
-  <p:transition>
-    <p:fade/>
-  </p:transition>
-  <p:timing>
-    <p:tnLst>
-      <p:par>
-        <p:cTn id="1" dur="indefinite" restart="never" nodeType="tmRoot"/>
-      </p:par>
-    </p:tnLst>
-  </p:timing>
-</p:sld>
-</file>
-
-<file path=ppt/slides/slide8.xml><?xml version="1.0" encoding="utf-8"?>
-<p:sld xmlns:a="http://schemas.openxmlformats.org/drawingml/2006/main" xmlns:r="http://schemas.openxmlformats.org/officeDocument/2006/relationships" xmlns:p="http://schemas.openxmlformats.org/presentationml/2006/main">
-  <p:cSld>
-    <p:spTree>
-      <p:nvGrpSpPr>
-        <p:cNvPr id="1" name=""/>
-        <p:cNvGrpSpPr/>
-        <p:nvPr/>
-      </p:nvGrpSpPr>
-      <p:grpSpPr>
-        <a:xfrm>
-          <a:off x="0" y="0"/>
-          <a:ext cx="0" cy="0"/>
-          <a:chOff x="0" y="0"/>
-          <a:chExt cx="0" cy="0"/>
-        </a:xfrm>
-      </p:grpSpPr>
-      <p:sp>
-        <p:nvSpPr>
-          <p:cNvPr id="2" name="Titolo 1"/>
-          <p:cNvSpPr>
-            <a:spLocks noGrp="1"/>
-          </p:cNvSpPr>
-          <p:nvPr>
-            <p:ph type="title"/>
-          </p:nvPr>
-        </p:nvSpPr>
-        <p:spPr/>
-        <p:txBody>
-          <a:bodyPr>
-            <a:normAutofit/>
-          </a:bodyPr>
-          <a:lstStyle/>
-          <a:p>
-            <a:r>
-              <a:rPr lang="en-US" dirty="0" smtClean="0">
-                <a:solidFill>
-                  <a:srgbClr val="FFC000"/>
-                </a:solidFill>
-              </a:rPr>
-              <a:t>Performance Analysis</a:t>
-            </a:r>
-            <a:endParaRPr lang="en-US" dirty="0">
-              <a:solidFill>
-                <a:srgbClr val="FFC000"/>
-              </a:solidFill>
-            </a:endParaRPr>
-          </a:p>
-        </p:txBody>
-      </p:sp>
-      <p:pic>
-        <p:nvPicPr>
-          <p:cNvPr id="4" name="Picture 4" descr="C:\Users\error0\Desktop\logoRoma32.gif"/>
-          <p:cNvPicPr>
-            <a:picLocks noChangeAspect="1" noChangeArrowheads="1"/>
-          </p:cNvPicPr>
-          <p:nvPr/>
-        </p:nvPicPr>
-        <p:blipFill>
-          <a:blip r:embed="rId2">
-            <a:duotone>
-              <a:schemeClr val="accent1">
-                <a:shade val="45000"/>
-                <a:satMod val="135000"/>
-              </a:schemeClr>
-              <a:prstClr val="white"/>
-            </a:duotone>
-            <a:lum bright="20000"/>
-          </a:blip>
-          <a:srcRect/>
-          <a:stretch>
-            <a:fillRect/>
-          </a:stretch>
-        </p:blipFill>
-        <p:spPr bwMode="auto">
-          <a:xfrm>
-            <a:off x="6858016" y="153964"/>
-            <a:ext cx="2214578" cy="1131896"/>
-          </a:xfrm>
-          <a:prstGeom prst="rect">
-            <a:avLst/>
-          </a:prstGeom>
-          <a:noFill/>
-        </p:spPr>
-      </p:pic>
-      <p:sp>
-        <p:nvSpPr>
-          <p:cNvPr id="6" name="Segnaposto contenuto 5"/>
-          <p:cNvSpPr>
-            <a:spLocks noGrp="1"/>
-          </p:cNvSpPr>
-          <p:nvPr>
-            <p:ph idx="1"/>
-          </p:nvPr>
-        </p:nvSpPr>
-        <p:spPr>
-          <a:xfrm>
-            <a:off x="457200" y="1775191"/>
-            <a:ext cx="8043890" cy="4625609"/>
-          </a:xfrm>
-        </p:spPr>
-        <p:txBody>
-          <a:bodyPr>
             <a:normAutofit fontScale="92500" lnSpcReduction="20000"/>
           </a:bodyPr>
           <a:lstStyle/>
           <a:p>
             <a:r>
               <a:rPr lang="en-US" dirty="0" smtClean="0"/>
-              <a:t>Databases are only slower or faster given a specific set of criteria in a given </a:t>
-            </a:r>
-            <a:r>
-              <a:rPr lang="en-US" dirty="0" smtClean="0"/>
-              <a:t>benchmark</a:t>
+              <a:t>Databases are only slower or faster given a specific set of criteria in a given benchmark</a:t>
             </a:r>
           </a:p>
           <a:p>
@@ -11452,31 +13002,7 @@
           <a:p>
             <a:r>
               <a:rPr lang="en-US" dirty="0" smtClean="0"/>
-              <a:t>Load test case: Real </a:t>
-            </a:r>
-            <a:r>
-              <a:rPr lang="en-US" dirty="0" smtClean="0"/>
-              <a:t>T</a:t>
-            </a:r>
-            <a:r>
-              <a:rPr lang="en-US" dirty="0" smtClean="0"/>
-              <a:t>ime </a:t>
-            </a:r>
-            <a:r>
-              <a:rPr lang="en-US" dirty="0" smtClean="0"/>
-              <a:t>P</a:t>
-            </a:r>
-            <a:r>
-              <a:rPr lang="en-US" dirty="0" smtClean="0"/>
-              <a:t>repaid </a:t>
-            </a:r>
-            <a:r>
-              <a:rPr lang="en-US" dirty="0" smtClean="0"/>
-              <a:t>S</a:t>
-            </a:r>
-            <a:r>
-              <a:rPr lang="en-US" dirty="0" smtClean="0"/>
-              <a:t>ystem</a:t>
+              <a:t>Load test case: Real Time Prepaid System</a:t>
             </a:r>
           </a:p>
           <a:p>
@@ -11543,7 +13069,7 @@
           <a:lstStyle/>
           <a:p>
             <a:pPr algn="ctr"/>
-            <a:endParaRPr lang="it-IT"/>
+            <a:endParaRPr lang="it-IT" dirty="0"/>
           </a:p>
         </p:txBody>
       </p:sp>
@@ -12224,10 +13750,15 @@
             <p:ph type="title"/>
           </p:nvPr>
         </p:nvSpPr>
-        <p:spPr/>
+        <p:spPr>
+          <a:xfrm>
+            <a:off x="285720" y="155448"/>
+            <a:ext cx="6500858" cy="1252728"/>
+          </a:xfrm>
+        </p:spPr>
         <p:txBody>
           <a:bodyPr>
-            <a:normAutofit/>
+            <a:normAutofit fontScale="90000"/>
           </a:bodyPr>
           <a:lstStyle/>
           <a:p>
@@ -12237,7 +13768,7 @@
                   <a:srgbClr val="FFC000"/>
                 </a:solidFill>
               </a:rPr>
-              <a:t>Benchmark</a:t>
+              <a:t>Benchmark Requirements</a:t>
             </a:r>
             <a:endParaRPr lang="en-US" dirty="0">
               <a:solidFill>
@@ -12305,143 +13836,64 @@
           <a:lstStyle/>
           <a:p>
             <a:r>
-              <a:rPr lang="en-US" dirty="0" smtClean="0"/>
+              <a:rPr lang="en-US" smtClean="0"/>
               <a:t>A benchmark is a point of reference used to measure the performance</a:t>
             </a:r>
           </a:p>
           <a:p>
-            <a:endParaRPr lang="en-US" dirty="0" smtClean="0"/>
-          </a:p>
-          <a:p>
-            <a:r>
-              <a:rPr lang="en-US" dirty="0" smtClean="0"/>
+            <a:endParaRPr lang="en-US" smtClean="0"/>
+          </a:p>
+          <a:p>
+            <a:r>
+              <a:rPr lang="en-US" smtClean="0"/>
               <a:t>Requirements:</a:t>
             </a:r>
           </a:p>
           <a:p>
             <a:pPr lvl="1"/>
             <a:r>
-              <a:rPr lang="it-IT" dirty="0" err="1" smtClean="0"/>
+              <a:rPr lang="en-US" smtClean="0"/>
               <a:t>Portable</a:t>
             </a:r>
-            <a:endParaRPr lang="it-IT" dirty="0" smtClean="0"/>
           </a:p>
           <a:p>
             <a:pPr lvl="1"/>
             <a:r>
-              <a:rPr lang="it-IT" dirty="0" err="1" smtClean="0"/>
+              <a:rPr lang="en-US" smtClean="0"/>
               <a:t>Flexible</a:t>
             </a:r>
-            <a:endParaRPr lang="it-IT" dirty="0" smtClean="0"/>
           </a:p>
           <a:p>
             <a:pPr lvl="1"/>
             <a:r>
-              <a:rPr lang="it-IT" dirty="0" err="1" smtClean="0"/>
-              <a:t>Detailed</a:t>
-            </a:r>
-            <a:r>
-              <a:rPr lang="it-IT" dirty="0" smtClean="0"/>
-              <a:t> </a:t>
-            </a:r>
-            <a:r>
-              <a:rPr lang="it-IT" dirty="0" smtClean="0"/>
-              <a:t>report </a:t>
-            </a:r>
-            <a:r>
-              <a:rPr lang="it-IT" dirty="0" err="1" smtClean="0"/>
-              <a:t>for</a:t>
-            </a:r>
-            <a:r>
-              <a:rPr lang="it-IT" dirty="0" smtClean="0"/>
-              <a:t> </a:t>
-            </a:r>
-            <a:r>
-              <a:rPr lang="it-IT" dirty="0" err="1" smtClean="0"/>
-              <a:t>each</a:t>
-            </a:r>
-            <a:r>
-              <a:rPr lang="it-IT" dirty="0" smtClean="0"/>
-              <a:t> </a:t>
-            </a:r>
-            <a:r>
-              <a:rPr lang="it-IT" dirty="0" smtClean="0"/>
-              <a:t>test</a:t>
+              <a:rPr lang="en-US" smtClean="0"/>
+              <a:t>Detailed report for each test</a:t>
             </a:r>
           </a:p>
           <a:p>
             <a:pPr lvl="1"/>
             <a:r>
-              <a:rPr lang="it-IT" dirty="0" err="1" smtClean="0"/>
-              <a:t>Visual</a:t>
-            </a:r>
-            <a:r>
-              <a:rPr lang="it-IT" dirty="0" smtClean="0"/>
-              <a:t> report</a:t>
+              <a:rPr lang="en-US" smtClean="0"/>
+              <a:t>Visual report</a:t>
             </a:r>
           </a:p>
           <a:p>
             <a:pPr lvl="1"/>
             <a:r>
-              <a:rPr lang="it-IT" dirty="0" err="1" smtClean="0"/>
-              <a:t>For</a:t>
-            </a:r>
-            <a:r>
-              <a:rPr lang="it-IT" dirty="0" smtClean="0"/>
-              <a:t> </a:t>
-            </a:r>
-            <a:r>
-              <a:rPr lang="it-IT" dirty="0" err="1" smtClean="0"/>
-              <a:t>both</a:t>
-            </a:r>
-            <a:r>
-              <a:rPr lang="it-IT" dirty="0" smtClean="0"/>
-              <a:t> </a:t>
-            </a:r>
-            <a:r>
-              <a:rPr lang="it-IT" dirty="0" err="1" smtClean="0"/>
-              <a:t>relational</a:t>
-            </a:r>
-            <a:r>
-              <a:rPr lang="it-IT" dirty="0" smtClean="0"/>
-              <a:t> and </a:t>
-            </a:r>
-            <a:r>
-              <a:rPr lang="it-IT" dirty="0" err="1" smtClean="0"/>
-              <a:t>object</a:t>
-            </a:r>
-            <a:r>
-              <a:rPr lang="it-IT" dirty="0" smtClean="0"/>
-              <a:t> </a:t>
-            </a:r>
-            <a:r>
-              <a:rPr lang="it-IT" dirty="0" smtClean="0"/>
-              <a:t>database</a:t>
+              <a:rPr lang="en-US" smtClean="0"/>
+              <a:t>For both relational and object database</a:t>
             </a:r>
           </a:p>
           <a:p>
             <a:pPr lvl="1"/>
             <a:r>
-              <a:rPr lang="it-IT" dirty="0" smtClean="0"/>
-              <a:t>Easy </a:t>
-            </a:r>
-            <a:r>
-              <a:rPr lang="it-IT" dirty="0" err="1" smtClean="0"/>
-              <a:t>to</a:t>
-            </a:r>
-            <a:r>
-              <a:rPr lang="it-IT" dirty="0" smtClean="0"/>
-              <a:t> </a:t>
-            </a:r>
-            <a:r>
-              <a:rPr lang="it-IT" dirty="0" err="1" smtClean="0"/>
-              <a:t>use</a:t>
-            </a:r>
-            <a:endParaRPr lang="it-IT" dirty="0" smtClean="0"/>
+              <a:rPr lang="en-US" smtClean="0"/>
+              <a:t>Easy to use</a:t>
+            </a:r>
           </a:p>
           <a:p>
             <a:pPr lvl="1"/>
-            <a:endParaRPr lang="en-US" dirty="0"/>
+            <a:endParaRPr lang="en-US"/>
           </a:p>
         </p:txBody>
       </p:sp>

--- a/trunk/tesi/presentazione/Barbagallo-IMDB.pptx
+++ b/trunk/tesi/presentazione/Barbagallo-IMDB.pptx
@@ -925,6 +925,197 @@
               <a:rPr lang="it-IT" smtClean="0"/>
               <a:pPr/>
               <a:t>7</a:t>
+            </a:fld>
+            <a:endParaRPr lang="it-IT" dirty="0"/>
+          </a:p>
+        </p:txBody>
+      </p:sp>
+    </p:spTree>
+  </p:cSld>
+  <p:clrMapOvr>
+    <a:masterClrMapping/>
+  </p:clrMapOvr>
+</p:notes>
+</file>
+
+<file path=ppt/notesSlides/notesSlide4.xml><?xml version="1.0" encoding="utf-8"?>
+<p:notes xmlns:a="http://schemas.openxmlformats.org/drawingml/2006/main" xmlns:r="http://schemas.openxmlformats.org/officeDocument/2006/relationships" xmlns:p="http://schemas.openxmlformats.org/presentationml/2006/main">
+  <p:cSld>
+    <p:spTree>
+      <p:nvGrpSpPr>
+        <p:cNvPr id="1" name=""/>
+        <p:cNvGrpSpPr/>
+        <p:nvPr/>
+      </p:nvGrpSpPr>
+      <p:grpSpPr>
+        <a:xfrm>
+          <a:off x="0" y="0"/>
+          <a:ext cx="0" cy="0"/>
+          <a:chOff x="0" y="0"/>
+          <a:chExt cx="0" cy="0"/>
+        </a:xfrm>
+      </p:grpSpPr>
+      <p:sp>
+        <p:nvSpPr>
+          <p:cNvPr id="2" name="Segnaposto immagine diapositiva 1"/>
+          <p:cNvSpPr>
+            <a:spLocks noGrp="1" noRot="1" noChangeAspect="1"/>
+          </p:cNvSpPr>
+          <p:nvPr>
+            <p:ph type="sldImg"/>
+          </p:nvPr>
+        </p:nvSpPr>
+        <p:spPr/>
+      </p:sp>
+      <p:sp>
+        <p:nvSpPr>
+          <p:cNvPr id="3" name="Segnaposto note 2"/>
+          <p:cNvSpPr>
+            <a:spLocks noGrp="1"/>
+          </p:cNvSpPr>
+          <p:nvPr>
+            <p:ph type="body" idx="1"/>
+          </p:nvPr>
+        </p:nvSpPr>
+        <p:spPr/>
+        <p:txBody>
+          <a:bodyPr>
+            <a:normAutofit/>
+          </a:bodyPr>
+          <a:lstStyle/>
+          <a:p>
+            <a:r>
+              <a:rPr lang="it-IT" dirty="0" err="1" smtClean="0"/>
+              <a:t>new</a:t>
+            </a:r>
+            <a:r>
+              <a:rPr lang="it-IT" baseline="0" dirty="0" smtClean="0"/>
+              <a:t> </a:t>
+            </a:r>
+            <a:r>
+              <a:rPr lang="it-IT" baseline="0" dirty="0" err="1" smtClean="0"/>
+              <a:t>mapping</a:t>
+            </a:r>
+            <a:r>
+              <a:rPr lang="it-IT" baseline="0" dirty="0" smtClean="0"/>
+              <a:t> </a:t>
+            </a:r>
+            <a:r>
+              <a:rPr lang="it-IT" baseline="0" dirty="0" err="1" smtClean="0"/>
+              <a:t>layer</a:t>
+            </a:r>
+            <a:r>
+              <a:rPr lang="it-IT" baseline="0" dirty="0" smtClean="0"/>
+              <a:t>:</a:t>
+            </a:r>
+          </a:p>
+          <a:p>
+            <a:r>
+              <a:rPr lang="en-US" sz="1200" kern="1200" baseline="0" dirty="0" smtClean="0">
+                <a:solidFill>
+                  <a:schemeClr val="tx1"/>
+                </a:solidFill>
+                <a:latin typeface="+mn-lt"/>
+                <a:ea typeface="+mn-ea"/>
+                <a:cs typeface="+mn-cs"/>
+              </a:rPr>
+              <a:t>- a further layer in the software may slow down the database's </a:t>
+            </a:r>
+            <a:r>
+              <a:rPr lang="en-US" sz="1200" kern="1200" baseline="0" dirty="0" err="1" smtClean="0">
+                <a:solidFill>
+                  <a:schemeClr val="tx1"/>
+                </a:solidFill>
+                <a:latin typeface="+mn-lt"/>
+                <a:ea typeface="+mn-ea"/>
+                <a:cs typeface="+mn-cs"/>
+              </a:rPr>
+              <a:t>perfor</a:t>
+            </a:r>
+            <a:r>
+              <a:rPr lang="en-US" sz="1200" kern="1200" baseline="0" dirty="0" smtClean="0">
+                <a:solidFill>
+                  <a:schemeClr val="tx1"/>
+                </a:solidFill>
+                <a:latin typeface="+mn-lt"/>
+                <a:ea typeface="+mn-ea"/>
+                <a:cs typeface="+mn-cs"/>
+              </a:rPr>
+              <a:t>-</a:t>
+            </a:r>
+          </a:p>
+          <a:p>
+            <a:r>
+              <a:rPr lang="en-US" sz="1200" kern="1200" baseline="0" dirty="0" err="1" smtClean="0">
+                <a:solidFill>
+                  <a:schemeClr val="tx1"/>
+                </a:solidFill>
+                <a:latin typeface="+mn-lt"/>
+                <a:ea typeface="+mn-ea"/>
+                <a:cs typeface="+mn-cs"/>
+              </a:rPr>
+              <a:t>mance</a:t>
+            </a:r>
+            <a:r>
+              <a:rPr lang="en-US" sz="1200" kern="1200" baseline="0" dirty="0" smtClean="0">
+                <a:solidFill>
+                  <a:schemeClr val="tx1"/>
+                </a:solidFill>
+                <a:latin typeface="+mn-lt"/>
+                <a:ea typeface="+mn-ea"/>
+                <a:cs typeface="+mn-cs"/>
+              </a:rPr>
+              <a:t>;</a:t>
+            </a:r>
+          </a:p>
+          <a:p>
+            <a:r>
+              <a:rPr lang="en-US" sz="1200" kern="1200" baseline="0" dirty="0" smtClean="0">
+                <a:solidFill>
+                  <a:schemeClr val="tx1"/>
+                </a:solidFill>
+                <a:latin typeface="+mn-lt"/>
+                <a:ea typeface="+mn-ea"/>
+                <a:cs typeface="+mn-cs"/>
+              </a:rPr>
+              <a:t>- it's not possible to implement complex test scenarios composed by not</a:t>
+            </a:r>
+          </a:p>
+          <a:p>
+            <a:r>
+              <a:rPr lang="en-US" sz="1200" kern="1200" baseline="0" dirty="0" smtClean="0">
+                <a:solidFill>
+                  <a:schemeClr val="tx1"/>
+                </a:solidFill>
+                <a:latin typeface="+mn-lt"/>
+                <a:ea typeface="+mn-ea"/>
+                <a:cs typeface="+mn-cs"/>
+              </a:rPr>
+              <a:t>pre-existing operations.</a:t>
+            </a:r>
+            <a:endParaRPr lang="en-US" dirty="0"/>
+          </a:p>
+        </p:txBody>
+      </p:sp>
+      <p:sp>
+        <p:nvSpPr>
+          <p:cNvPr id="4" name="Segnaposto numero diapositiva 3"/>
+          <p:cNvSpPr>
+            <a:spLocks noGrp="1"/>
+          </p:cNvSpPr>
+          <p:nvPr>
+            <p:ph type="sldNum" sz="quarter" idx="10"/>
+          </p:nvPr>
+        </p:nvSpPr>
+        <p:spPr/>
+        <p:txBody>
+          <a:bodyPr/>
+          <a:lstStyle/>
+          <a:p>
+            <a:fld id="{06112A3B-D3CD-4C64-AF08-DDC9323A61EB}" type="slidenum">
+              <a:rPr lang="it-IT" smtClean="0"/>
+              <a:pPr/>
+              <a:t>15</a:t>
             </a:fld>
             <a:endParaRPr lang="it-IT" dirty="0"/>
           </a:p>
@@ -6998,8 +7189,8 @@
         </p:blipFill>
         <p:spPr bwMode="auto">
           <a:xfrm>
-            <a:off x="428596" y="1643050"/>
-            <a:ext cx="8309965" cy="4991205"/>
+            <a:off x="0" y="1500174"/>
+            <a:ext cx="9144000" cy="5357826"/>
           </a:xfrm>
           <a:prstGeom prst="rect">
             <a:avLst/>
@@ -8270,7 +8461,7 @@
           <p:nvPr/>
         </p:nvPicPr>
         <p:blipFill>
-          <a:blip r:embed="rId2">
+          <a:blip r:embed="rId3">
             <a:duotone>
               <a:schemeClr val="accent1">
                 <a:shade val="45000"/>
@@ -8308,190 +8499,98 @@
         </p:nvSpPr>
         <p:spPr>
           <a:xfrm>
-            <a:off x="457200" y="1775191"/>
-            <a:ext cx="8043890" cy="4625609"/>
+            <a:off x="457200" y="1643049"/>
+            <a:ext cx="8401080" cy="5000661"/>
           </a:xfrm>
         </p:spPr>
         <p:txBody>
           <a:bodyPr>
-            <a:normAutofit fontScale="77500" lnSpcReduction="20000"/>
+            <a:normAutofit fontScale="92500" lnSpcReduction="20000"/>
           </a:bodyPr>
           <a:lstStyle/>
           <a:p>
             <a:r>
+              <a:rPr lang="en-US" dirty="0" smtClean="0"/>
+              <a:t>Contributions:</a:t>
+            </a:r>
+            <a:endParaRPr lang="en-US" dirty="0" smtClean="0"/>
+          </a:p>
+          <a:p>
+            <a:pPr lvl="1"/>
+            <a:r>
+              <a:rPr lang="en-US" dirty="0" smtClean="0"/>
+              <a:t>Introduction to IMDB with an in-depth analysis</a:t>
+            </a:r>
+          </a:p>
+          <a:p>
+            <a:pPr lvl="1"/>
+            <a:r>
+              <a:rPr lang="en-US" dirty="0" smtClean="0"/>
+              <a:t>Performance analysis problem</a:t>
+            </a:r>
+            <a:endParaRPr lang="en-US" dirty="0" smtClean="0"/>
+          </a:p>
+          <a:p>
+            <a:pPr lvl="1"/>
+            <a:r>
+              <a:rPr lang="en-US" dirty="0" smtClean="0"/>
+              <a:t>Database benchmark framework with powerful graphs</a:t>
+            </a:r>
+          </a:p>
+          <a:p>
+            <a:pPr lvl="1"/>
+            <a:r>
               <a:rPr lang="en-US" dirty="0" err="1" smtClean="0"/>
-              <a:t>contributi</a:t>
+              <a:t>Prevayler</a:t>
             </a:r>
             <a:r>
               <a:rPr lang="en-US" dirty="0" smtClean="0"/>
-              <a:t>:</a:t>
-            </a:r>
-          </a:p>
-          <a:p>
+              <a:t>, H2, Db4o, HSQLDB, PICO4</a:t>
+            </a:r>
+            <a:endParaRPr lang="en-US" dirty="0" smtClean="0"/>
+          </a:p>
+          <a:p>
+            <a:pPr lvl="1"/>
             <a:r>
               <a:rPr lang="en-US" dirty="0" smtClean="0"/>
-              <a:t>- </a:t>
-            </a:r>
-            <a:r>
-              <a:rPr lang="en-US" dirty="0" err="1" smtClean="0"/>
-              <a:t>introduzione</a:t>
-            </a:r>
+              <a:t>For high performance an ad-hoc solution is the best</a:t>
+            </a:r>
+          </a:p>
+          <a:p>
+            <a:endParaRPr lang="en-US" dirty="0" smtClean="0"/>
+          </a:p>
+          <a:p>
             <a:r>
               <a:rPr lang="en-US" dirty="0" smtClean="0"/>
-              <a:t> </a:t>
-            </a:r>
-            <a:r>
-              <a:rPr lang="en-US" dirty="0" err="1" smtClean="0"/>
-              <a:t>agli</a:t>
-            </a:r>
+              <a:t>Future Development:</a:t>
+            </a:r>
+          </a:p>
+          <a:p>
+            <a:pPr lvl="1"/>
             <a:r>
               <a:rPr lang="en-US" dirty="0" smtClean="0"/>
-              <a:t> IMDB</a:t>
-            </a:r>
-          </a:p>
-          <a:p>
+              <a:t>New tests and databases</a:t>
+            </a:r>
+          </a:p>
+          <a:p>
+            <a:pPr lvl="1"/>
             <a:r>
               <a:rPr lang="en-US" dirty="0" smtClean="0"/>
-              <a:t>- </a:t>
-            </a:r>
-            <a:r>
-              <a:rPr lang="en-US" dirty="0" err="1" smtClean="0"/>
-              <a:t>diversi</a:t>
-            </a:r>
+              <a:t>New monitors and reporters</a:t>
+            </a:r>
+          </a:p>
+          <a:p>
+            <a:pPr lvl="1"/>
             <a:r>
               <a:rPr lang="en-US" dirty="0" smtClean="0"/>
-              <a:t> </a:t>
-            </a:r>
-            <a:r>
-              <a:rPr lang="en-US" dirty="0" err="1" smtClean="0"/>
-              <a:t>prodotti</a:t>
-            </a:r>
+              <a:t>Modify the reporting system</a:t>
+            </a:r>
+          </a:p>
+          <a:p>
+            <a:pPr lvl="1"/>
             <a:r>
               <a:rPr lang="en-US" dirty="0" smtClean="0"/>
-              <a:t> </a:t>
-            </a:r>
-            <a:r>
-              <a:rPr lang="en-US" dirty="0" err="1" smtClean="0"/>
-              <a:t>analizzati</a:t>
-            </a:r>
-            <a:r>
-              <a:rPr lang="en-US" dirty="0" smtClean="0"/>
-              <a:t> in-depth</a:t>
-            </a:r>
-          </a:p>
-          <a:p>
-            <a:r>
-              <a:rPr lang="en-US" dirty="0" smtClean="0"/>
-              <a:t>- </a:t>
-            </a:r>
-            <a:r>
-              <a:rPr lang="en-US" dirty="0" err="1" smtClean="0"/>
-              <a:t>introduzione</a:t>
-            </a:r>
-            <a:r>
-              <a:rPr lang="en-US" dirty="0" smtClean="0"/>
-              <a:t> al </a:t>
-            </a:r>
-            <a:r>
-              <a:rPr lang="en-US" dirty="0" err="1" smtClean="0"/>
-              <a:t>problema</a:t>
-            </a:r>
-            <a:r>
-              <a:rPr lang="en-US" dirty="0" smtClean="0"/>
-              <a:t> </a:t>
-            </a:r>
-            <a:r>
-              <a:rPr lang="en-US" dirty="0" err="1" smtClean="0"/>
-              <a:t>delle</a:t>
-            </a:r>
-            <a:r>
-              <a:rPr lang="en-US" dirty="0" smtClean="0"/>
-              <a:t> performance analysis</a:t>
-            </a:r>
-          </a:p>
-          <a:p>
-            <a:r>
-              <a:rPr lang="en-US" dirty="0" smtClean="0"/>
-              <a:t>- user guide</a:t>
-            </a:r>
-          </a:p>
-          <a:p>
-            <a:r>
-              <a:rPr lang="en-US" dirty="0" smtClean="0"/>
-              <a:t>- </a:t>
-            </a:r>
-            <a:r>
-              <a:rPr lang="en-US" dirty="0" err="1" smtClean="0"/>
-              <a:t>possibilità</a:t>
-            </a:r>
-            <a:r>
-              <a:rPr lang="en-US" dirty="0" smtClean="0"/>
-              <a:t> </a:t>
-            </a:r>
-            <a:r>
-              <a:rPr lang="en-US" dirty="0" err="1" smtClean="0"/>
-              <a:t>di</a:t>
-            </a:r>
-            <a:r>
-              <a:rPr lang="en-US" dirty="0" smtClean="0"/>
-              <a:t> </a:t>
-            </a:r>
-            <a:r>
-              <a:rPr lang="en-US" dirty="0" err="1" smtClean="0"/>
-              <a:t>definire</a:t>
-            </a:r>
-            <a:r>
-              <a:rPr lang="en-US" dirty="0" smtClean="0"/>
-              <a:t> </a:t>
-            </a:r>
-            <a:r>
-              <a:rPr lang="en-US" dirty="0" err="1" smtClean="0"/>
-              <a:t>grafici</a:t>
-            </a:r>
-            <a:r>
-              <a:rPr lang="en-US" dirty="0" smtClean="0"/>
-              <a:t> </a:t>
-            </a:r>
-          </a:p>
-          <a:p>
-            <a:endParaRPr lang="en-US" dirty="0" smtClean="0"/>
-          </a:p>
-          <a:p>
-            <a:r>
-              <a:rPr lang="en-US" dirty="0" smtClean="0"/>
-              <a:t>future development:</a:t>
-            </a:r>
-          </a:p>
-          <a:p>
-            <a:r>
-              <a:rPr lang="en-US" dirty="0" smtClean="0"/>
-              <a:t>- new tests and databases</a:t>
-            </a:r>
-          </a:p>
-          <a:p>
-            <a:r>
-              <a:rPr lang="en-US" dirty="0" smtClean="0"/>
-              <a:t>- new reporters</a:t>
-            </a:r>
-          </a:p>
-          <a:p>
-            <a:r>
-              <a:rPr lang="en-US" dirty="0" smtClean="0"/>
-              <a:t>- new GUI con reporters </a:t>
-            </a:r>
-            <a:r>
-              <a:rPr lang="en-US" dirty="0" err="1" smtClean="0"/>
-              <a:t>generati</a:t>
-            </a:r>
-            <a:r>
-              <a:rPr lang="en-US" dirty="0" smtClean="0"/>
-              <a:t> a posteriori</a:t>
-            </a:r>
-          </a:p>
-          <a:p>
-            <a:r>
-              <a:rPr lang="en-US" dirty="0" smtClean="0"/>
-              <a:t>- new layer technology for mapping (framework in the framework)</a:t>
+              <a:t>Mapping technology layer</a:t>
             </a:r>
             <a:endParaRPr lang="en-US" dirty="0"/>
           </a:p>

--- a/trunk/tesi/presentazione/Barbagallo-IMDB.pptx
+++ b/trunk/tesi/presentazione/Barbagallo-IMDB.pptx
@@ -5,7 +5,7 @@
     <p:sldMasterId id="2147483660" r:id="rId1"/>
   </p:sldMasterIdLst>
   <p:notesMasterIdLst>
-    <p:notesMasterId r:id="rId18"/>
+    <p:notesMasterId r:id="rId21"/>
   </p:notesMasterIdLst>
   <p:sldIdLst>
     <p:sldId id="256" r:id="rId2"/>
@@ -18,12 +18,15 @@
     <p:sldId id="263" r:id="rId9"/>
     <p:sldId id="264" r:id="rId10"/>
     <p:sldId id="265" r:id="rId11"/>
-    <p:sldId id="266" r:id="rId12"/>
-    <p:sldId id="268" r:id="rId13"/>
+    <p:sldId id="274" r:id="rId12"/>
+    <p:sldId id="275" r:id="rId13"/>
     <p:sldId id="269" r:id="rId14"/>
     <p:sldId id="270" r:id="rId15"/>
     <p:sldId id="271" r:id="rId16"/>
     <p:sldId id="272" r:id="rId17"/>
+    <p:sldId id="268" r:id="rId18"/>
+    <p:sldId id="266" r:id="rId19"/>
+    <p:sldId id="273" r:id="rId20"/>
   </p:sldIdLst>
   <p:sldSz cx="9144000" cy="6858000" type="screen4x3"/>
   <p:notesSz cx="6858000" cy="9144000"/>
@@ -522,7 +525,45 @@
           <a:p>
             <a:r>
               <a:rPr lang="it-IT" dirty="0" smtClean="0"/>
-              <a:t>Caching: </a:t>
+              <a:t>Un </a:t>
+            </a:r>
+            <a:r>
+              <a:rPr lang="it-IT" dirty="0" err="1" smtClean="0"/>
+              <a:t>imdb</a:t>
+            </a:r>
+            <a:r>
+              <a:rPr lang="it-IT" baseline="0" dirty="0" smtClean="0"/>
+              <a:t> non è come un </a:t>
+            </a:r>
+            <a:r>
+              <a:rPr lang="it-IT" baseline="0" dirty="0" err="1" smtClean="0"/>
+              <a:t>dbms</a:t>
+            </a:r>
+            <a:r>
+              <a:rPr lang="it-IT" baseline="0" dirty="0" smtClean="0"/>
+              <a:t> tradizionale </a:t>
+            </a:r>
+            <a:r>
+              <a:rPr lang="it-IT" baseline="0" dirty="0" err="1" smtClean="0"/>
+              <a:t>deployato</a:t>
+            </a:r>
+            <a:r>
+              <a:rPr lang="it-IT" baseline="0" dirty="0" smtClean="0"/>
+              <a:t> in ram</a:t>
+            </a:r>
+            <a:endParaRPr lang="it-IT" dirty="0" smtClean="0"/>
+          </a:p>
+          <a:p>
+            <a:endParaRPr lang="it-IT" dirty="0" smtClean="0"/>
+          </a:p>
+          <a:p>
+            <a:r>
+              <a:rPr lang="it-IT" dirty="0" smtClean="0"/>
+              <a:t>Caching</a:t>
+            </a:r>
+            <a:r>
+              <a:rPr lang="it-IT" dirty="0" smtClean="0"/>
+              <a:t>: </a:t>
             </a:r>
           </a:p>
           <a:p>
@@ -4828,6 +4869,38 @@
 <file path=ppt/slides/slide1.xml><?xml version="1.0" encoding="utf-8"?>
 <p:sld xmlns:a="http://schemas.openxmlformats.org/drawingml/2006/main" xmlns:r="http://schemas.openxmlformats.org/officeDocument/2006/relationships" xmlns:p="http://schemas.openxmlformats.org/presentationml/2006/main">
   <p:cSld>
+    <p:bg>
+      <p:bgPr>
+        <a:gradFill rotWithShape="1">
+          <a:gsLst>
+            <a:gs pos="0">
+              <a:schemeClr val="tx1"/>
+            </a:gs>
+            <a:gs pos="12000">
+              <a:schemeClr val="bg2">
+                <a:tint val="48000"/>
+                <a:satMod val="300000"/>
+              </a:schemeClr>
+            </a:gs>
+            <a:gs pos="20000">
+              <a:schemeClr val="bg2">
+                <a:tint val="49000"/>
+                <a:satMod val="300000"/>
+              </a:schemeClr>
+            </a:gs>
+            <a:gs pos="100000">
+              <a:schemeClr val="bg2">
+                <a:shade val="30000"/>
+              </a:schemeClr>
+            </a:gs>
+          </a:gsLst>
+          <a:path path="circle">
+            <a:fillToRect l="10000" t="-25000" r="10000" b="125000"/>
+          </a:path>
+        </a:gradFill>
+        <a:effectLst/>
+      </p:bgPr>
+    </p:bg>
     <p:spTree>
       <p:nvGrpSpPr>
         <p:cNvPr id="1" name=""/>
@@ -4854,7 +4927,7 @@
         </p:nvSpPr>
         <p:spPr>
           <a:xfrm>
-            <a:off x="0" y="1857364"/>
+            <a:off x="0" y="1928802"/>
             <a:ext cx="9144000" cy="1214446"/>
           </a:xfrm>
         </p:spPr>
@@ -4866,14 +4939,14 @@
           <a:p>
             <a:pPr algn="ctr"/>
             <a:r>
-              <a:rPr lang="it-IT" dirty="0" smtClean="0">
+              <a:rPr lang="it-IT" sz="5400" dirty="0" smtClean="0">
                 <a:solidFill>
                   <a:srgbClr val="FFC000"/>
                 </a:solidFill>
               </a:rPr>
               <a:t>In-Memory Database</a:t>
             </a:r>
-            <a:endParaRPr lang="it-IT" dirty="0">
+            <a:endParaRPr lang="it-IT" sz="5400" dirty="0">
               <a:solidFill>
                 <a:srgbClr val="FFC000"/>
               </a:solidFill>
@@ -4893,40 +4966,40 @@
         </p:nvSpPr>
         <p:spPr>
           <a:xfrm>
-            <a:off x="0" y="2643182"/>
+            <a:off x="0" y="3000372"/>
             <a:ext cx="9144000" cy="1500198"/>
           </a:xfrm>
         </p:spPr>
         <p:txBody>
           <a:bodyPr>
-            <a:normAutofit/>
+            <a:noAutofit/>
           </a:bodyPr>
           <a:lstStyle/>
           <a:p>
             <a:pPr algn="ctr"/>
             <a:r>
-              <a:rPr lang="it-IT" sz="2800" dirty="0" smtClean="0"/>
+              <a:rPr lang="it-IT" sz="3400" dirty="0" smtClean="0"/>
               <a:t>Competitive Landscape</a:t>
             </a:r>
           </a:p>
           <a:p>
             <a:pPr algn="ctr"/>
             <a:r>
-              <a:rPr lang="it-IT" sz="2800" dirty="0" smtClean="0"/>
+              <a:rPr lang="it-IT" sz="3400" dirty="0" smtClean="0"/>
               <a:t>and</a:t>
             </a:r>
           </a:p>
           <a:p>
             <a:pPr algn="ctr"/>
             <a:r>
-              <a:rPr lang="it-IT" sz="2800" dirty="0" smtClean="0"/>
+              <a:rPr lang="it-IT" sz="3400" dirty="0" smtClean="0"/>
               <a:t>Performance </a:t>
             </a:r>
             <a:r>
-              <a:rPr lang="en-US" sz="2800" dirty="0" smtClean="0"/>
+              <a:rPr lang="en-US" sz="3400" dirty="0" smtClean="0"/>
               <a:t>Analysis</a:t>
             </a:r>
-            <a:endParaRPr lang="en-US" sz="2800" dirty="0"/>
+            <a:endParaRPr lang="en-US" sz="3400" dirty="0"/>
           </a:p>
         </p:txBody>
       </p:sp>
@@ -4974,7 +5047,7 @@
         <p:spPr>
           <a:xfrm>
             <a:off x="0" y="5374203"/>
-            <a:ext cx="9358346" cy="769441"/>
+            <a:ext cx="9358346" cy="830997"/>
           </a:xfrm>
           <a:prstGeom prst="rect">
             <a:avLst/>
@@ -4989,7 +5062,7 @@
           <a:p>
             <a:pPr algn="ctr"/>
             <a:r>
-              <a:rPr lang="it-IT" sz="2000" dirty="0" smtClean="0">
+              <a:rPr lang="it-IT" sz="2200" dirty="0" smtClean="0">
                 <a:solidFill>
                   <a:schemeClr val="bg1"/>
                 </a:solidFill>
@@ -5024,7 +5097,7 @@
         <p:spPr>
           <a:xfrm>
             <a:off x="0" y="5929330"/>
-            <a:ext cx="3428992" cy="738664"/>
+            <a:ext cx="3428992" cy="830997"/>
           </a:xfrm>
           <a:prstGeom prst="rect">
             <a:avLst/>
@@ -5039,7 +5112,7 @@
           <a:p>
             <a:pPr algn="ctr"/>
             <a:r>
-              <a:rPr lang="it-IT" sz="2000" dirty="0" smtClean="0">
+              <a:rPr lang="it-IT" sz="2200" dirty="0" smtClean="0">
                 <a:solidFill>
                   <a:schemeClr val="bg1"/>
                 </a:solidFill>
@@ -5050,14 +5123,14 @@
           <a:p>
             <a:pPr algn="ctr"/>
             <a:r>
-              <a:rPr lang="it-IT" sz="2200" b="1" dirty="0" smtClean="0">
+              <a:rPr lang="it-IT" sz="2400" b="1" dirty="0" smtClean="0">
                 <a:solidFill>
                   <a:schemeClr val="bg1"/>
                 </a:solidFill>
               </a:rPr>
               <a:t>Paolo Merialdo</a:t>
             </a:r>
-            <a:endParaRPr lang="it-IT" sz="2200" b="1" dirty="0">
+            <a:endParaRPr lang="it-IT" sz="2400" b="1" dirty="0">
               <a:solidFill>
                 <a:schemeClr val="bg1"/>
               </a:solidFill>
@@ -5074,7 +5147,7 @@
         <p:spPr>
           <a:xfrm>
             <a:off x="5857884" y="5905046"/>
-            <a:ext cx="3286148" cy="738664"/>
+            <a:ext cx="3286148" cy="830997"/>
           </a:xfrm>
           <a:prstGeom prst="rect">
             <a:avLst/>
@@ -5089,7 +5162,7 @@
           <a:p>
             <a:pPr algn="ctr"/>
             <a:r>
-              <a:rPr lang="it-IT" sz="2000" dirty="0" smtClean="0">
+              <a:rPr lang="it-IT" sz="2200" dirty="0" smtClean="0">
                 <a:solidFill>
                   <a:schemeClr val="bg1"/>
                 </a:solidFill>
@@ -5100,14 +5173,14 @@
           <a:p>
             <a:pPr algn="ctr"/>
             <a:r>
-              <a:rPr lang="it-IT" sz="2200" b="1" dirty="0" smtClean="0">
+              <a:rPr lang="it-IT" sz="2400" b="1" dirty="0" smtClean="0">
                 <a:solidFill>
                   <a:schemeClr val="bg1"/>
                 </a:solidFill>
               </a:rPr>
               <a:t>Michele Aiello</a:t>
             </a:r>
-            <a:endParaRPr lang="it-IT" sz="2200" b="1" dirty="0">
+            <a:endParaRPr lang="it-IT" sz="2400" b="1" dirty="0">
               <a:solidFill>
                 <a:schemeClr val="bg1"/>
               </a:solidFill>
@@ -5232,7 +5305,7 @@
         </p:blipFill>
         <p:spPr bwMode="auto">
           <a:xfrm>
-            <a:off x="6387412" y="3845486"/>
+            <a:off x="6387412" y="3774048"/>
             <a:ext cx="1071570" cy="785818"/>
           </a:xfrm>
           <a:prstGeom prst="rect">
@@ -5430,7 +5503,7 @@
         </p:nvSpPr>
         <p:spPr>
           <a:xfrm>
-            <a:off x="6000760" y="4680792"/>
+            <a:off x="6000760" y="4609354"/>
             <a:ext cx="2185116" cy="461665"/>
           </a:xfrm>
           <a:prstGeom prst="rect">
@@ -5469,7 +5542,7 @@
         </p:blipFill>
         <p:spPr bwMode="auto">
           <a:xfrm>
-            <a:off x="6101660" y="2890533"/>
+            <a:off x="6101660" y="2819095"/>
             <a:ext cx="652717" cy="457518"/>
           </a:xfrm>
           <a:prstGeom prst="rect">
@@ -5504,7 +5577,7 @@
         </p:blipFill>
         <p:spPr bwMode="auto">
           <a:xfrm>
-            <a:off x="6598982" y="2747657"/>
+            <a:off x="6598982" y="2676219"/>
             <a:ext cx="680500" cy="457530"/>
           </a:xfrm>
           <a:prstGeom prst="rect">
@@ -5539,7 +5612,7 @@
         </p:blipFill>
         <p:spPr bwMode="auto">
           <a:xfrm>
-            <a:off x="7122663" y="2604781"/>
+            <a:off x="7122663" y="2533343"/>
             <a:ext cx="652515" cy="457530"/>
           </a:xfrm>
           <a:prstGeom prst="rect">
@@ -5949,7 +6022,7 @@
         </p:nvSpPr>
         <p:spPr>
           <a:xfrm>
-            <a:off x="6447464" y="2071678"/>
+            <a:off x="6447464" y="2000240"/>
             <a:ext cx="1053494" cy="461665"/>
           </a:xfrm>
           <a:prstGeom prst="rect">
@@ -6076,7 +6149,7 @@
         </p:nvSpPr>
         <p:spPr>
           <a:xfrm rot="16200000">
-            <a:off x="6835239" y="2977595"/>
+            <a:off x="6835239" y="2906157"/>
             <a:ext cx="322876" cy="1294314"/>
           </a:xfrm>
           <a:prstGeom prst="leftBrace">
@@ -7127,7 +7200,1775 @@
                   <a:srgbClr val="FFC000"/>
                 </a:solidFill>
               </a:rPr>
-              <a:t>Concurrent View</a:t>
+              <a:t>Elements’ Description</a:t>
+            </a:r>
+            <a:endParaRPr lang="en-US" dirty="0">
+              <a:solidFill>
+                <a:srgbClr val="FFC000"/>
+              </a:solidFill>
+            </a:endParaRPr>
+          </a:p>
+        </p:txBody>
+      </p:sp>
+      <p:pic>
+        <p:nvPicPr>
+          <p:cNvPr id="4" name="Picture 4" descr="C:\Users\error0\Desktop\logoRoma32.gif"/>
+          <p:cNvPicPr>
+            <a:picLocks noChangeAspect="1" noChangeArrowheads="1"/>
+          </p:cNvPicPr>
+          <p:nvPr/>
+        </p:nvPicPr>
+        <p:blipFill>
+          <a:blip r:embed="rId2">
+            <a:duotone>
+              <a:schemeClr val="accent1">
+                <a:shade val="45000"/>
+                <a:satMod val="135000"/>
+              </a:schemeClr>
+              <a:prstClr val="white"/>
+            </a:duotone>
+            <a:lum bright="20000"/>
+          </a:blip>
+          <a:srcRect/>
+          <a:stretch>
+            <a:fillRect/>
+          </a:stretch>
+        </p:blipFill>
+        <p:spPr bwMode="auto">
+          <a:xfrm>
+            <a:off x="6858016" y="153964"/>
+            <a:ext cx="2214578" cy="1131896"/>
+          </a:xfrm>
+          <a:prstGeom prst="rect">
+            <a:avLst/>
+          </a:prstGeom>
+          <a:noFill/>
+        </p:spPr>
+      </p:pic>
+      <p:sp>
+        <p:nvSpPr>
+          <p:cNvPr id="28" name="Segnaposto contenuto 2"/>
+          <p:cNvSpPr>
+            <a:spLocks noGrp="1"/>
+          </p:cNvSpPr>
+          <p:nvPr>
+            <p:ph idx="1"/>
+          </p:nvPr>
+        </p:nvSpPr>
+        <p:spPr>
+          <a:xfrm>
+            <a:off x="357158" y="1643050"/>
+            <a:ext cx="8501122" cy="5000660"/>
+          </a:xfrm>
+        </p:spPr>
+        <p:txBody>
+          <a:bodyPr>
+            <a:normAutofit/>
+          </a:bodyPr>
+          <a:lstStyle/>
+          <a:p>
+            <a:r>
+              <a:rPr lang="en-US" sz="2800" dirty="0" smtClean="0"/>
+              <a:t>The benchmark runs several </a:t>
+            </a:r>
+            <a:r>
+              <a:rPr lang="en-US" sz="2800" b="1" dirty="0" smtClean="0"/>
+              <a:t>Test </a:t>
+            </a:r>
+            <a:r>
+              <a:rPr lang="en-US" sz="2800" dirty="0" smtClean="0"/>
+              <a:t>on different </a:t>
+            </a:r>
+            <a:r>
+              <a:rPr lang="en-US" sz="2800" b="1" dirty="0" smtClean="0"/>
+              <a:t>Database</a:t>
+            </a:r>
+          </a:p>
+          <a:p>
+            <a:r>
+              <a:rPr lang="en-US" sz="2800" dirty="0" smtClean="0"/>
+              <a:t>Each Test is composed by (concurrent) </a:t>
+            </a:r>
+            <a:r>
+              <a:rPr lang="en-US" sz="2800" b="1" dirty="0" smtClean="0"/>
+              <a:t>Task</a:t>
+            </a:r>
+          </a:p>
+          <a:p>
+            <a:endParaRPr lang="it-IT" sz="2800" b="1" dirty="0" smtClean="0"/>
+          </a:p>
+          <a:p>
+            <a:endParaRPr lang="en-US" sz="2000" b="1" dirty="0" smtClean="0"/>
+          </a:p>
+          <a:p>
+            <a:r>
+              <a:rPr lang="en-US" sz="2800" dirty="0" smtClean="0"/>
+              <a:t>Both Task and Test use many </a:t>
+            </a:r>
+            <a:r>
+              <a:rPr lang="en-US" sz="2800" b="1" dirty="0" smtClean="0"/>
+              <a:t>Monitor</a:t>
+            </a:r>
+          </a:p>
+          <a:p>
+            <a:r>
+              <a:rPr lang="en-US" sz="2800" dirty="0" smtClean="0"/>
+              <a:t>Each Test can use many </a:t>
+            </a:r>
+            <a:r>
+              <a:rPr lang="en-US" sz="2800" b="1" dirty="0" smtClean="0"/>
+              <a:t>Reporter</a:t>
+            </a:r>
+            <a:endParaRPr lang="en-US" sz="2800" b="1" dirty="0" smtClean="0"/>
+          </a:p>
+        </p:txBody>
+      </p:sp>
+      <p:pic>
+        <p:nvPicPr>
+          <p:cNvPr id="1026" name="Picture 2" descr="C:\Users\error0\AppData\Local\Microsoft\Windows\Temporary Internet Files\Content.IE5\9X6PK0F7\MCj02176960000[1].wmf"/>
+          <p:cNvPicPr>
+            <a:picLocks noChangeAspect="1" noChangeArrowheads="1"/>
+          </p:cNvPicPr>
+          <p:nvPr/>
+        </p:nvPicPr>
+        <p:blipFill>
+          <a:blip r:embed="rId3"/>
+          <a:srcRect/>
+          <a:stretch>
+            <a:fillRect/>
+          </a:stretch>
+        </p:blipFill>
+        <p:spPr bwMode="auto">
+          <a:xfrm>
+            <a:off x="3929058" y="5000636"/>
+            <a:ext cx="1052788" cy="1071570"/>
+          </a:xfrm>
+          <a:prstGeom prst="rect">
+            <a:avLst/>
+          </a:prstGeom>
+          <a:noFill/>
+        </p:spPr>
+      </p:pic>
+      <p:pic>
+        <p:nvPicPr>
+          <p:cNvPr id="1027" name="Picture 3" descr="C:\Users\error0\AppData\Local\Microsoft\Windows\Temporary Internet Files\Content.IE5\9R19INLG\MCj04260600000[1].wmf"/>
+          <p:cNvPicPr>
+            <a:picLocks noChangeAspect="1" noChangeArrowheads="1"/>
+          </p:cNvPicPr>
+          <p:nvPr/>
+        </p:nvPicPr>
+        <p:blipFill>
+          <a:blip r:embed="rId4"/>
+          <a:srcRect/>
+          <a:stretch>
+            <a:fillRect/>
+          </a:stretch>
+        </p:blipFill>
+        <p:spPr bwMode="auto">
+          <a:xfrm>
+            <a:off x="928662" y="5013354"/>
+            <a:ext cx="1000132" cy="1058852"/>
+          </a:xfrm>
+          <a:prstGeom prst="rect">
+            <a:avLst/>
+          </a:prstGeom>
+          <a:noFill/>
+        </p:spPr>
+      </p:pic>
+      <p:pic>
+        <p:nvPicPr>
+          <p:cNvPr id="1029" name="Picture 5" descr="C:\Users\error0\AppData\Local\Microsoft\Windows\Temporary Internet Files\Content.IE5\DTHGSQEN\MCj04325430000[1].png"/>
+          <p:cNvPicPr>
+            <a:picLocks noChangeAspect="1" noChangeArrowheads="1"/>
+          </p:cNvPicPr>
+          <p:nvPr/>
+        </p:nvPicPr>
+        <p:blipFill>
+          <a:blip r:embed="rId5"/>
+          <a:srcRect/>
+          <a:stretch>
+            <a:fillRect/>
+          </a:stretch>
+        </p:blipFill>
+        <p:spPr bwMode="auto">
+          <a:xfrm>
+            <a:off x="6929454" y="5072074"/>
+            <a:ext cx="1285884" cy="936084"/>
+          </a:xfrm>
+          <a:prstGeom prst="rect">
+            <a:avLst/>
+          </a:prstGeom>
+          <a:noFill/>
+        </p:spPr>
+      </p:pic>
+      <p:cxnSp>
+        <p:nvCxnSpPr>
+          <p:cNvPr id="46" name="Connettore 2 45"/>
+          <p:cNvCxnSpPr>
+            <a:stCxn id="1027" idx="3"/>
+            <a:endCxn id="1026" idx="1"/>
+          </p:cNvCxnSpPr>
+          <p:nvPr/>
+        </p:nvCxnSpPr>
+        <p:spPr>
+          <a:xfrm flipV="1">
+            <a:off x="1928794" y="5536421"/>
+            <a:ext cx="2000264" cy="6359"/>
+          </a:xfrm>
+          <a:prstGeom prst="straightConnector1">
+            <a:avLst/>
+          </a:prstGeom>
+          <a:ln w="38100">
+            <a:tailEnd type="arrow"/>
+          </a:ln>
+        </p:spPr>
+        <p:style>
+          <a:lnRef idx="1">
+            <a:schemeClr val="accent1"/>
+          </a:lnRef>
+          <a:fillRef idx="0">
+            <a:schemeClr val="accent1"/>
+          </a:fillRef>
+          <a:effectRef idx="0">
+            <a:schemeClr val="accent1"/>
+          </a:effectRef>
+          <a:fontRef idx="minor">
+            <a:schemeClr val="tx1"/>
+          </a:fontRef>
+        </p:style>
+      </p:cxnSp>
+      <p:cxnSp>
+        <p:nvCxnSpPr>
+          <p:cNvPr id="48" name="Connettore 2 47"/>
+          <p:cNvCxnSpPr>
+            <a:stCxn id="1026" idx="3"/>
+            <a:endCxn id="1029" idx="1"/>
+          </p:cNvCxnSpPr>
+          <p:nvPr/>
+        </p:nvCxnSpPr>
+        <p:spPr>
+          <a:xfrm>
+            <a:off x="4981846" y="5536421"/>
+            <a:ext cx="1947608" cy="3695"/>
+          </a:xfrm>
+          <a:prstGeom prst="straightConnector1">
+            <a:avLst/>
+          </a:prstGeom>
+          <a:ln w="38100">
+            <a:tailEnd type="arrow"/>
+          </a:ln>
+        </p:spPr>
+        <p:style>
+          <a:lnRef idx="1">
+            <a:schemeClr val="accent1"/>
+          </a:lnRef>
+          <a:fillRef idx="0">
+            <a:schemeClr val="accent1"/>
+          </a:fillRef>
+          <a:effectRef idx="0">
+            <a:schemeClr val="accent1"/>
+          </a:effectRef>
+          <a:fontRef idx="minor">
+            <a:schemeClr val="tx1"/>
+          </a:fontRef>
+        </p:style>
+      </p:cxnSp>
+    </p:spTree>
+  </p:cSld>
+  <p:clrMapOvr>
+    <a:masterClrMapping/>
+  </p:clrMapOvr>
+  <p:transition>
+    <p:fade/>
+  </p:transition>
+  <p:timing>
+    <p:tnLst>
+      <p:par>
+        <p:cTn id="1" dur="indefinite" restart="never" nodeType="tmRoot">
+          <p:childTnLst>
+            <p:seq concurrent="1" nextAc="seek">
+              <p:cTn id="2" dur="indefinite" nodeType="mainSeq">
+                <p:childTnLst>
+                  <p:par>
+                    <p:cTn id="3" fill="hold">
+                      <p:stCondLst>
+                        <p:cond delay="indefinite"/>
+                      </p:stCondLst>
+                      <p:childTnLst>
+                        <p:par>
+                          <p:cTn id="4" fill="hold">
+                            <p:stCondLst>
+                              <p:cond delay="0"/>
+                            </p:stCondLst>
+                            <p:childTnLst>
+                              <p:par>
+                                <p:cTn id="5" presetID="10" presetClass="entr" presetSubtype="0" fill="hold" nodeType="clickEffect">
+                                  <p:stCondLst>
+                                    <p:cond delay="0"/>
+                                  </p:stCondLst>
+                                  <p:childTnLst>
+                                    <p:set>
+                                      <p:cBhvr>
+                                        <p:cTn id="6" dur="1" fill="hold">
+                                          <p:stCondLst>
+                                            <p:cond delay="0"/>
+                                          </p:stCondLst>
+                                        </p:cTn>
+                                        <p:tgtEl>
+                                          <p:spTgt spid="28">
+                                            <p:txEl>
+                                              <p:pRg st="0" end="0"/>
+                                            </p:txEl>
+                                          </p:spTgt>
+                                        </p:tgtEl>
+                                        <p:attrNameLst>
+                                          <p:attrName>style.visibility</p:attrName>
+                                        </p:attrNameLst>
+                                      </p:cBhvr>
+                                      <p:to>
+                                        <p:strVal val="visible"/>
+                                      </p:to>
+                                    </p:set>
+                                    <p:animEffect transition="in" filter="fade">
+                                      <p:cBhvr>
+                                        <p:cTn id="7" dur="1000"/>
+                                        <p:tgtEl>
+                                          <p:spTgt spid="28">
+                                            <p:txEl>
+                                              <p:pRg st="0" end="0"/>
+                                            </p:txEl>
+                                          </p:spTgt>
+                                        </p:tgtEl>
+                                      </p:cBhvr>
+                                    </p:animEffect>
+                                  </p:childTnLst>
+                                </p:cTn>
+                              </p:par>
+                              <p:par>
+                                <p:cTn id="8" presetID="10" presetClass="entr" presetSubtype="0" fill="hold" nodeType="withEffect">
+                                  <p:stCondLst>
+                                    <p:cond delay="0"/>
+                                  </p:stCondLst>
+                                  <p:childTnLst>
+                                    <p:set>
+                                      <p:cBhvr>
+                                        <p:cTn id="9" dur="1" fill="hold">
+                                          <p:stCondLst>
+                                            <p:cond delay="0"/>
+                                          </p:stCondLst>
+                                        </p:cTn>
+                                        <p:tgtEl>
+                                          <p:spTgt spid="28">
+                                            <p:txEl>
+                                              <p:pRg st="1" end="1"/>
+                                            </p:txEl>
+                                          </p:spTgt>
+                                        </p:tgtEl>
+                                        <p:attrNameLst>
+                                          <p:attrName>style.visibility</p:attrName>
+                                        </p:attrNameLst>
+                                      </p:cBhvr>
+                                      <p:to>
+                                        <p:strVal val="visible"/>
+                                      </p:to>
+                                    </p:set>
+                                    <p:animEffect transition="in" filter="fade">
+                                      <p:cBhvr>
+                                        <p:cTn id="10" dur="1000"/>
+                                        <p:tgtEl>
+                                          <p:spTgt spid="28">
+                                            <p:txEl>
+                                              <p:pRg st="1" end="1"/>
+                                            </p:txEl>
+                                          </p:spTgt>
+                                        </p:tgtEl>
+                                      </p:cBhvr>
+                                    </p:animEffect>
+                                  </p:childTnLst>
+                                </p:cTn>
+                              </p:par>
+                            </p:childTnLst>
+                          </p:cTn>
+                        </p:par>
+                      </p:childTnLst>
+                    </p:cTn>
+                  </p:par>
+                  <p:par>
+                    <p:cTn id="11" fill="hold">
+                      <p:stCondLst>
+                        <p:cond delay="indefinite"/>
+                      </p:stCondLst>
+                      <p:childTnLst>
+                        <p:par>
+                          <p:cTn id="12" fill="hold">
+                            <p:stCondLst>
+                              <p:cond delay="0"/>
+                            </p:stCondLst>
+                            <p:childTnLst>
+                              <p:par>
+                                <p:cTn id="13" presetID="10" presetClass="entr" presetSubtype="0" fill="hold" nodeType="clickEffect">
+                                  <p:stCondLst>
+                                    <p:cond delay="0"/>
+                                  </p:stCondLst>
+                                  <p:childTnLst>
+                                    <p:set>
+                                      <p:cBhvr>
+                                        <p:cTn id="14" dur="1" fill="hold">
+                                          <p:stCondLst>
+                                            <p:cond delay="0"/>
+                                          </p:stCondLst>
+                                        </p:cTn>
+                                        <p:tgtEl>
+                                          <p:spTgt spid="28">
+                                            <p:txEl>
+                                              <p:pRg st="4" end="4"/>
+                                            </p:txEl>
+                                          </p:spTgt>
+                                        </p:tgtEl>
+                                        <p:attrNameLst>
+                                          <p:attrName>style.visibility</p:attrName>
+                                        </p:attrNameLst>
+                                      </p:cBhvr>
+                                      <p:to>
+                                        <p:strVal val="visible"/>
+                                      </p:to>
+                                    </p:set>
+                                    <p:animEffect transition="in" filter="fade">
+                                      <p:cBhvr>
+                                        <p:cTn id="15" dur="1000"/>
+                                        <p:tgtEl>
+                                          <p:spTgt spid="28">
+                                            <p:txEl>
+                                              <p:pRg st="4" end="4"/>
+                                            </p:txEl>
+                                          </p:spTgt>
+                                        </p:tgtEl>
+                                      </p:cBhvr>
+                                    </p:animEffect>
+                                  </p:childTnLst>
+                                </p:cTn>
+                              </p:par>
+                              <p:par>
+                                <p:cTn id="16" presetID="10" presetClass="entr" presetSubtype="0" fill="hold" nodeType="withEffect">
+                                  <p:stCondLst>
+                                    <p:cond delay="0"/>
+                                  </p:stCondLst>
+                                  <p:childTnLst>
+                                    <p:set>
+                                      <p:cBhvr>
+                                        <p:cTn id="17" dur="1" fill="hold">
+                                          <p:stCondLst>
+                                            <p:cond delay="0"/>
+                                          </p:stCondLst>
+                                        </p:cTn>
+                                        <p:tgtEl>
+                                          <p:spTgt spid="28">
+                                            <p:txEl>
+                                              <p:pRg st="5" end="5"/>
+                                            </p:txEl>
+                                          </p:spTgt>
+                                        </p:tgtEl>
+                                        <p:attrNameLst>
+                                          <p:attrName>style.visibility</p:attrName>
+                                        </p:attrNameLst>
+                                      </p:cBhvr>
+                                      <p:to>
+                                        <p:strVal val="visible"/>
+                                      </p:to>
+                                    </p:set>
+                                    <p:animEffect transition="in" filter="fade">
+                                      <p:cBhvr>
+                                        <p:cTn id="18" dur="1000"/>
+                                        <p:tgtEl>
+                                          <p:spTgt spid="28">
+                                            <p:txEl>
+                                              <p:pRg st="5" end="5"/>
+                                            </p:txEl>
+                                          </p:spTgt>
+                                        </p:tgtEl>
+                                      </p:cBhvr>
+                                    </p:animEffect>
+                                  </p:childTnLst>
+                                </p:cTn>
+                              </p:par>
+                            </p:childTnLst>
+                          </p:cTn>
+                        </p:par>
+                      </p:childTnLst>
+                    </p:cTn>
+                  </p:par>
+                  <p:par>
+                    <p:cTn id="19" fill="hold">
+                      <p:stCondLst>
+                        <p:cond delay="indefinite"/>
+                      </p:stCondLst>
+                      <p:childTnLst>
+                        <p:par>
+                          <p:cTn id="20" fill="hold">
+                            <p:stCondLst>
+                              <p:cond delay="0"/>
+                            </p:stCondLst>
+                            <p:childTnLst>
+                              <p:par>
+                                <p:cTn id="21" presetID="10" presetClass="entr" presetSubtype="0" fill="hold" nodeType="clickEffect">
+                                  <p:stCondLst>
+                                    <p:cond delay="0"/>
+                                  </p:stCondLst>
+                                  <p:childTnLst>
+                                    <p:set>
+                                      <p:cBhvr>
+                                        <p:cTn id="22" dur="1" fill="hold">
+                                          <p:stCondLst>
+                                            <p:cond delay="0"/>
+                                          </p:stCondLst>
+                                        </p:cTn>
+                                        <p:tgtEl>
+                                          <p:spTgt spid="1027"/>
+                                        </p:tgtEl>
+                                        <p:attrNameLst>
+                                          <p:attrName>style.visibility</p:attrName>
+                                        </p:attrNameLst>
+                                      </p:cBhvr>
+                                      <p:to>
+                                        <p:strVal val="visible"/>
+                                      </p:to>
+                                    </p:set>
+                                    <p:animEffect transition="in" filter="fade">
+                                      <p:cBhvr>
+                                        <p:cTn id="23" dur="1000"/>
+                                        <p:tgtEl>
+                                          <p:spTgt spid="1027"/>
+                                        </p:tgtEl>
+                                      </p:cBhvr>
+                                    </p:animEffect>
+                                  </p:childTnLst>
+                                </p:cTn>
+                              </p:par>
+                            </p:childTnLst>
+                          </p:cTn>
+                        </p:par>
+                      </p:childTnLst>
+                    </p:cTn>
+                  </p:par>
+                  <p:par>
+                    <p:cTn id="24" fill="hold">
+                      <p:stCondLst>
+                        <p:cond delay="indefinite"/>
+                      </p:stCondLst>
+                      <p:childTnLst>
+                        <p:par>
+                          <p:cTn id="25" fill="hold">
+                            <p:stCondLst>
+                              <p:cond delay="0"/>
+                            </p:stCondLst>
+                            <p:childTnLst>
+                              <p:par>
+                                <p:cTn id="26" presetID="10" presetClass="entr" presetSubtype="0" fill="hold" nodeType="clickEffect">
+                                  <p:stCondLst>
+                                    <p:cond delay="0"/>
+                                  </p:stCondLst>
+                                  <p:childTnLst>
+                                    <p:set>
+                                      <p:cBhvr>
+                                        <p:cTn id="27" dur="1" fill="hold">
+                                          <p:stCondLst>
+                                            <p:cond delay="0"/>
+                                          </p:stCondLst>
+                                        </p:cTn>
+                                        <p:tgtEl>
+                                          <p:spTgt spid="46"/>
+                                        </p:tgtEl>
+                                        <p:attrNameLst>
+                                          <p:attrName>style.visibility</p:attrName>
+                                        </p:attrNameLst>
+                                      </p:cBhvr>
+                                      <p:to>
+                                        <p:strVal val="visible"/>
+                                      </p:to>
+                                    </p:set>
+                                    <p:animEffect transition="in" filter="fade">
+                                      <p:cBhvr>
+                                        <p:cTn id="28" dur="1000"/>
+                                        <p:tgtEl>
+                                          <p:spTgt spid="46"/>
+                                        </p:tgtEl>
+                                      </p:cBhvr>
+                                    </p:animEffect>
+                                  </p:childTnLst>
+                                </p:cTn>
+                              </p:par>
+                              <p:par>
+                                <p:cTn id="29" presetID="10" presetClass="entr" presetSubtype="0" fill="hold" nodeType="withEffect">
+                                  <p:stCondLst>
+                                    <p:cond delay="0"/>
+                                  </p:stCondLst>
+                                  <p:childTnLst>
+                                    <p:set>
+                                      <p:cBhvr>
+                                        <p:cTn id="30" dur="1" fill="hold">
+                                          <p:stCondLst>
+                                            <p:cond delay="0"/>
+                                          </p:stCondLst>
+                                        </p:cTn>
+                                        <p:tgtEl>
+                                          <p:spTgt spid="1026"/>
+                                        </p:tgtEl>
+                                        <p:attrNameLst>
+                                          <p:attrName>style.visibility</p:attrName>
+                                        </p:attrNameLst>
+                                      </p:cBhvr>
+                                      <p:to>
+                                        <p:strVal val="visible"/>
+                                      </p:to>
+                                    </p:set>
+                                    <p:animEffect transition="in" filter="fade">
+                                      <p:cBhvr>
+                                        <p:cTn id="31" dur="1000"/>
+                                        <p:tgtEl>
+                                          <p:spTgt spid="1026"/>
+                                        </p:tgtEl>
+                                      </p:cBhvr>
+                                    </p:animEffect>
+                                  </p:childTnLst>
+                                </p:cTn>
+                              </p:par>
+                            </p:childTnLst>
+                          </p:cTn>
+                        </p:par>
+                      </p:childTnLst>
+                    </p:cTn>
+                  </p:par>
+                  <p:par>
+                    <p:cTn id="32" fill="hold">
+                      <p:stCondLst>
+                        <p:cond delay="indefinite"/>
+                      </p:stCondLst>
+                      <p:childTnLst>
+                        <p:par>
+                          <p:cTn id="33" fill="hold">
+                            <p:stCondLst>
+                              <p:cond delay="0"/>
+                            </p:stCondLst>
+                            <p:childTnLst>
+                              <p:par>
+                                <p:cTn id="34" presetID="10" presetClass="entr" presetSubtype="0" fill="hold" nodeType="clickEffect">
+                                  <p:stCondLst>
+                                    <p:cond delay="0"/>
+                                  </p:stCondLst>
+                                  <p:childTnLst>
+                                    <p:set>
+                                      <p:cBhvr>
+                                        <p:cTn id="35" dur="1" fill="hold">
+                                          <p:stCondLst>
+                                            <p:cond delay="0"/>
+                                          </p:stCondLst>
+                                        </p:cTn>
+                                        <p:tgtEl>
+                                          <p:spTgt spid="48"/>
+                                        </p:tgtEl>
+                                        <p:attrNameLst>
+                                          <p:attrName>style.visibility</p:attrName>
+                                        </p:attrNameLst>
+                                      </p:cBhvr>
+                                      <p:to>
+                                        <p:strVal val="visible"/>
+                                      </p:to>
+                                    </p:set>
+                                    <p:animEffect transition="in" filter="fade">
+                                      <p:cBhvr>
+                                        <p:cTn id="36" dur="1000"/>
+                                        <p:tgtEl>
+                                          <p:spTgt spid="48"/>
+                                        </p:tgtEl>
+                                      </p:cBhvr>
+                                    </p:animEffect>
+                                  </p:childTnLst>
+                                </p:cTn>
+                              </p:par>
+                              <p:par>
+                                <p:cTn id="37" presetID="10" presetClass="entr" presetSubtype="0" fill="hold" nodeType="withEffect">
+                                  <p:stCondLst>
+                                    <p:cond delay="0"/>
+                                  </p:stCondLst>
+                                  <p:childTnLst>
+                                    <p:set>
+                                      <p:cBhvr>
+                                        <p:cTn id="38" dur="1" fill="hold">
+                                          <p:stCondLst>
+                                            <p:cond delay="0"/>
+                                          </p:stCondLst>
+                                        </p:cTn>
+                                        <p:tgtEl>
+                                          <p:spTgt spid="1029"/>
+                                        </p:tgtEl>
+                                        <p:attrNameLst>
+                                          <p:attrName>style.visibility</p:attrName>
+                                        </p:attrNameLst>
+                                      </p:cBhvr>
+                                      <p:to>
+                                        <p:strVal val="visible"/>
+                                      </p:to>
+                                    </p:set>
+                                    <p:animEffect transition="in" filter="fade">
+                                      <p:cBhvr>
+                                        <p:cTn id="39" dur="1000"/>
+                                        <p:tgtEl>
+                                          <p:spTgt spid="1029"/>
+                                        </p:tgtEl>
+                                      </p:cBhvr>
+                                    </p:animEffect>
+                                  </p:childTnLst>
+                                </p:cTn>
+                              </p:par>
+                            </p:childTnLst>
+                          </p:cTn>
+                        </p:par>
+                      </p:childTnLst>
+                    </p:cTn>
+                  </p:par>
+                </p:childTnLst>
+              </p:cTn>
+              <p:prevCondLst>
+                <p:cond evt="onPrev" delay="0">
+                  <p:tgtEl>
+                    <p:sldTgt/>
+                  </p:tgtEl>
+                </p:cond>
+              </p:prevCondLst>
+              <p:nextCondLst>
+                <p:cond evt="onNext" delay="0">
+                  <p:tgtEl>
+                    <p:sldTgt/>
+                  </p:tgtEl>
+                </p:cond>
+              </p:nextCondLst>
+            </p:seq>
+          </p:childTnLst>
+        </p:cTn>
+      </p:par>
+    </p:tnLst>
+  </p:timing>
+</p:sld>
+</file>
+
+<file path=ppt/slides/slide12.xml><?xml version="1.0" encoding="utf-8"?>
+<p:sld xmlns:a="http://schemas.openxmlformats.org/drawingml/2006/main" xmlns:r="http://schemas.openxmlformats.org/officeDocument/2006/relationships" xmlns:p="http://schemas.openxmlformats.org/presentationml/2006/main">
+  <p:cSld>
+    <p:spTree>
+      <p:nvGrpSpPr>
+        <p:cNvPr id="1" name=""/>
+        <p:cNvGrpSpPr/>
+        <p:nvPr/>
+      </p:nvGrpSpPr>
+      <p:grpSpPr>
+        <a:xfrm>
+          <a:off x="0" y="0"/>
+          <a:ext cx="0" cy="0"/>
+          <a:chOff x="0" y="0"/>
+          <a:chExt cx="0" cy="0"/>
+        </a:xfrm>
+      </p:grpSpPr>
+      <p:sp>
+        <p:nvSpPr>
+          <p:cNvPr id="2" name="Titolo 1"/>
+          <p:cNvSpPr>
+            <a:spLocks noGrp="1"/>
+          </p:cNvSpPr>
+          <p:nvPr>
+            <p:ph type="title"/>
+          </p:nvPr>
+        </p:nvSpPr>
+        <p:spPr>
+          <a:xfrm>
+            <a:off x="457200" y="155448"/>
+            <a:ext cx="6257940" cy="1252728"/>
+          </a:xfrm>
+        </p:spPr>
+        <p:txBody>
+          <a:bodyPr>
+            <a:normAutofit fontScale="90000"/>
+          </a:bodyPr>
+          <a:lstStyle/>
+          <a:p>
+            <a:r>
+              <a:rPr lang="it-IT" dirty="0" err="1" smtClean="0">
+                <a:solidFill>
+                  <a:srgbClr val="FFC000"/>
+                </a:solidFill>
+              </a:rPr>
+              <a:t>Real</a:t>
+            </a:r>
+            <a:r>
+              <a:rPr lang="it-IT" dirty="0" smtClean="0">
+                <a:solidFill>
+                  <a:srgbClr val="FFC000"/>
+                </a:solidFill>
+              </a:rPr>
+              <a:t> </a:t>
+            </a:r>
+            <a:r>
+              <a:rPr lang="it-IT" dirty="0" err="1" smtClean="0">
+                <a:solidFill>
+                  <a:srgbClr val="FFC000"/>
+                </a:solidFill>
+              </a:rPr>
+              <a:t>Time</a:t>
+            </a:r>
+            <a:r>
+              <a:rPr lang="it-IT" dirty="0" smtClean="0">
+                <a:solidFill>
+                  <a:srgbClr val="FFC000"/>
+                </a:solidFill>
+              </a:rPr>
+              <a:t> </a:t>
+            </a:r>
+            <a:r>
+              <a:rPr lang="it-IT" dirty="0" err="1" smtClean="0">
+                <a:solidFill>
+                  <a:srgbClr val="FFC000"/>
+                </a:solidFill>
+              </a:rPr>
+              <a:t>Prepaid</a:t>
+            </a:r>
+            <a:r>
+              <a:rPr lang="it-IT" dirty="0" smtClean="0">
+                <a:solidFill>
+                  <a:srgbClr val="FFC000"/>
+                </a:solidFill>
+              </a:rPr>
+              <a:t> System </a:t>
+            </a:r>
+            <a:r>
+              <a:rPr lang="it-IT" dirty="0" err="1" smtClean="0">
+                <a:solidFill>
+                  <a:srgbClr val="FFC000"/>
+                </a:solidFill>
+              </a:rPr>
+              <a:t>Load</a:t>
+            </a:r>
+            <a:r>
+              <a:rPr lang="it-IT" dirty="0" smtClean="0">
+                <a:solidFill>
+                  <a:srgbClr val="FFC000"/>
+                </a:solidFill>
+              </a:rPr>
+              <a:t> Test Case</a:t>
+            </a:r>
+            <a:endParaRPr lang="en-US" dirty="0">
+              <a:solidFill>
+                <a:srgbClr val="FFC000"/>
+              </a:solidFill>
+            </a:endParaRPr>
+          </a:p>
+        </p:txBody>
+      </p:sp>
+      <p:pic>
+        <p:nvPicPr>
+          <p:cNvPr id="4" name="Picture 4" descr="C:\Users\error0\Desktop\logoRoma32.gif"/>
+          <p:cNvPicPr>
+            <a:picLocks noChangeAspect="1" noChangeArrowheads="1"/>
+          </p:cNvPicPr>
+          <p:nvPr/>
+        </p:nvPicPr>
+        <p:blipFill>
+          <a:blip r:embed="rId2">
+            <a:duotone>
+              <a:schemeClr val="accent1">
+                <a:shade val="45000"/>
+                <a:satMod val="135000"/>
+              </a:schemeClr>
+              <a:prstClr val="white"/>
+            </a:duotone>
+            <a:lum bright="20000"/>
+          </a:blip>
+          <a:srcRect/>
+          <a:stretch>
+            <a:fillRect/>
+          </a:stretch>
+        </p:blipFill>
+        <p:spPr bwMode="auto">
+          <a:xfrm>
+            <a:off x="6858016" y="153964"/>
+            <a:ext cx="2214578" cy="1131896"/>
+          </a:xfrm>
+          <a:prstGeom prst="rect">
+            <a:avLst/>
+          </a:prstGeom>
+          <a:noFill/>
+        </p:spPr>
+      </p:pic>
+      <p:sp>
+        <p:nvSpPr>
+          <p:cNvPr id="6" name="Segnaposto contenuto 5"/>
+          <p:cNvSpPr>
+            <a:spLocks noGrp="1"/>
+          </p:cNvSpPr>
+          <p:nvPr>
+            <p:ph idx="1"/>
+          </p:nvPr>
+        </p:nvSpPr>
+        <p:spPr>
+          <a:xfrm>
+            <a:off x="457200" y="1732349"/>
+            <a:ext cx="8043890" cy="2553907"/>
+          </a:xfrm>
+        </p:spPr>
+        <p:txBody>
+          <a:bodyPr>
+            <a:normAutofit fontScale="62500" lnSpcReduction="20000"/>
+          </a:bodyPr>
+          <a:lstStyle/>
+          <a:p>
+            <a:pPr algn="ctr">
+              <a:buNone/>
+            </a:pPr>
+            <a:r>
+              <a:rPr lang="en-US" sz="5100" dirty="0" smtClean="0"/>
+              <a:t>Real </a:t>
+            </a:r>
+            <a:r>
+              <a:rPr lang="en-US" sz="5100" dirty="0" smtClean="0"/>
+              <a:t>Time Prepaid </a:t>
+            </a:r>
+            <a:r>
+              <a:rPr lang="en-US" sz="5100" dirty="0" smtClean="0"/>
+              <a:t>System</a:t>
+            </a:r>
+          </a:p>
+          <a:p>
+            <a:pPr algn="ctr">
+              <a:buNone/>
+            </a:pPr>
+            <a:endParaRPr lang="it-IT" dirty="0" smtClean="0"/>
+          </a:p>
+          <a:p>
+            <a:pPr algn="ctr">
+              <a:buNone/>
+            </a:pPr>
+            <a:endParaRPr lang="it-IT" dirty="0" smtClean="0"/>
+          </a:p>
+          <a:p>
+            <a:pPr algn="ctr">
+              <a:buNone/>
+            </a:pPr>
+            <a:endParaRPr lang="it-IT" dirty="0" smtClean="0"/>
+          </a:p>
+          <a:p>
+            <a:pPr>
+              <a:buNone/>
+            </a:pPr>
+            <a:endParaRPr lang="en-US" dirty="0" smtClean="0"/>
+          </a:p>
+          <a:p>
+            <a:endParaRPr lang="en-US" dirty="0" smtClean="0"/>
+          </a:p>
+          <a:p>
+            <a:endParaRPr lang="en-US" dirty="0" smtClean="0"/>
+          </a:p>
+          <a:p>
+            <a:pPr>
+              <a:buNone/>
+            </a:pPr>
+            <a:r>
+              <a:rPr lang="it-IT" dirty="0" smtClean="0"/>
+              <a:t> </a:t>
+            </a:r>
+          </a:p>
+          <a:p>
+            <a:pPr>
+              <a:buNone/>
+            </a:pPr>
+            <a:r>
+              <a:rPr lang="it-IT" dirty="0" smtClean="0"/>
+              <a:t> </a:t>
+            </a:r>
+            <a:endParaRPr lang="en-US" dirty="0" smtClean="0"/>
+          </a:p>
+        </p:txBody>
+      </p:sp>
+      <p:sp>
+        <p:nvSpPr>
+          <p:cNvPr id="16" name="Parentesi graffa chiusa 15"/>
+          <p:cNvSpPr/>
+          <p:nvPr/>
+        </p:nvSpPr>
+        <p:spPr>
+          <a:xfrm rot="16200000">
+            <a:off x="3893339" y="-750123"/>
+            <a:ext cx="857256" cy="6786610"/>
+          </a:xfrm>
+          <a:prstGeom prst="rightBrace">
+            <a:avLst>
+              <a:gd name="adj1" fmla="val 90554"/>
+              <a:gd name="adj2" fmla="val 49813"/>
+            </a:avLst>
+          </a:prstGeom>
+          <a:ln w="38100"/>
+        </p:spPr>
+        <p:style>
+          <a:lnRef idx="1">
+            <a:schemeClr val="accent1"/>
+          </a:lnRef>
+          <a:fillRef idx="0">
+            <a:schemeClr val="accent1"/>
+          </a:fillRef>
+          <a:effectRef idx="0">
+            <a:schemeClr val="accent1"/>
+          </a:effectRef>
+          <a:fontRef idx="minor">
+            <a:schemeClr val="tx1"/>
+          </a:fontRef>
+        </p:style>
+        <p:txBody>
+          <a:bodyPr rtlCol="0" anchor="ctr"/>
+          <a:lstStyle/>
+          <a:p>
+            <a:pPr algn="ctr"/>
+            <a:endParaRPr lang="it-IT" dirty="0"/>
+          </a:p>
+        </p:txBody>
+      </p:sp>
+      <p:sp>
+        <p:nvSpPr>
+          <p:cNvPr id="17" name="Elaborazione predefinita 16"/>
+          <p:cNvSpPr/>
+          <p:nvPr/>
+        </p:nvSpPr>
+        <p:spPr>
+          <a:xfrm>
+            <a:off x="428596" y="3214686"/>
+            <a:ext cx="1785950" cy="785818"/>
+          </a:xfrm>
+          <a:prstGeom prst="flowChartPredefinedProcess">
+            <a:avLst/>
+          </a:prstGeom>
+          <a:solidFill>
+            <a:schemeClr val="bg1"/>
+          </a:solidFill>
+          <a:ln>
+            <a:solidFill>
+              <a:schemeClr val="tx1"/>
+            </a:solidFill>
+          </a:ln>
+        </p:spPr>
+        <p:style>
+          <a:lnRef idx="1">
+            <a:schemeClr val="accent1"/>
+          </a:lnRef>
+          <a:fillRef idx="2">
+            <a:schemeClr val="accent1"/>
+          </a:fillRef>
+          <a:effectRef idx="1">
+            <a:schemeClr val="accent1"/>
+          </a:effectRef>
+          <a:fontRef idx="minor">
+            <a:schemeClr val="dk1"/>
+          </a:fontRef>
+        </p:style>
+        <p:txBody>
+          <a:bodyPr rtlCol="0" anchor="ctr"/>
+          <a:lstStyle/>
+          <a:p>
+            <a:pPr algn="ctr"/>
+            <a:r>
+              <a:rPr lang="en-US" sz="2200" dirty="0" smtClean="0"/>
+              <a:t>Balance</a:t>
+            </a:r>
+            <a:r>
+              <a:rPr lang="it-IT" sz="2200" dirty="0" smtClean="0"/>
+              <a:t> </a:t>
+            </a:r>
+            <a:r>
+              <a:rPr lang="en-US" sz="2200" dirty="0" smtClean="0"/>
+              <a:t>check</a:t>
+            </a:r>
+            <a:endParaRPr lang="en-US" sz="2200" dirty="0"/>
+          </a:p>
+        </p:txBody>
+      </p:sp>
+      <p:sp>
+        <p:nvSpPr>
+          <p:cNvPr id="18" name="Elaborazione predefinita 17"/>
+          <p:cNvSpPr/>
+          <p:nvPr/>
+        </p:nvSpPr>
+        <p:spPr>
+          <a:xfrm>
+            <a:off x="2571736" y="3214686"/>
+            <a:ext cx="3571900" cy="785818"/>
+          </a:xfrm>
+          <a:prstGeom prst="flowChartPredefinedProcess">
+            <a:avLst/>
+          </a:prstGeom>
+          <a:solidFill>
+            <a:schemeClr val="bg1"/>
+          </a:solidFill>
+          <a:ln>
+            <a:solidFill>
+              <a:schemeClr val="tx1"/>
+            </a:solidFill>
+          </a:ln>
+        </p:spPr>
+        <p:style>
+          <a:lnRef idx="1">
+            <a:schemeClr val="accent1"/>
+          </a:lnRef>
+          <a:fillRef idx="2">
+            <a:schemeClr val="accent1"/>
+          </a:fillRef>
+          <a:effectRef idx="1">
+            <a:schemeClr val="accent1"/>
+          </a:effectRef>
+          <a:fontRef idx="minor">
+            <a:schemeClr val="dk1"/>
+          </a:fontRef>
+        </p:style>
+        <p:txBody>
+          <a:bodyPr rtlCol="0" anchor="ctr"/>
+          <a:lstStyle/>
+          <a:p>
+            <a:pPr algn="ctr"/>
+            <a:r>
+              <a:rPr lang="en-US" sz="2200" dirty="0" smtClean="0"/>
+              <a:t>Service authorization and management</a:t>
+            </a:r>
+            <a:endParaRPr lang="en-US" sz="2200" dirty="0"/>
+          </a:p>
+        </p:txBody>
+      </p:sp>
+      <p:sp>
+        <p:nvSpPr>
+          <p:cNvPr id="19" name="Elaborazione predefinita 18"/>
+          <p:cNvSpPr/>
+          <p:nvPr/>
+        </p:nvSpPr>
+        <p:spPr>
+          <a:xfrm>
+            <a:off x="6500826" y="3214686"/>
+            <a:ext cx="2357454" cy="785818"/>
+          </a:xfrm>
+          <a:prstGeom prst="flowChartPredefinedProcess">
+            <a:avLst/>
+          </a:prstGeom>
+          <a:solidFill>
+            <a:schemeClr val="bg1"/>
+          </a:solidFill>
+          <a:ln>
+            <a:solidFill>
+              <a:schemeClr val="tx1"/>
+            </a:solidFill>
+          </a:ln>
+        </p:spPr>
+        <p:style>
+          <a:lnRef idx="1">
+            <a:schemeClr val="accent1"/>
+          </a:lnRef>
+          <a:fillRef idx="2">
+            <a:schemeClr val="accent1"/>
+          </a:fillRef>
+          <a:effectRef idx="1">
+            <a:schemeClr val="accent1"/>
+          </a:effectRef>
+          <a:fontRef idx="minor">
+            <a:schemeClr val="dk1"/>
+          </a:fontRef>
+        </p:style>
+        <p:txBody>
+          <a:bodyPr rtlCol="0" anchor="ctr"/>
+          <a:lstStyle/>
+          <a:p>
+            <a:pPr algn="ctr"/>
+            <a:r>
+              <a:rPr lang="en-US" sz="2200" dirty="0" smtClean="0"/>
+              <a:t>Accounts management</a:t>
+            </a:r>
+            <a:endParaRPr lang="en-US" sz="2200" dirty="0"/>
+          </a:p>
+        </p:txBody>
+      </p:sp>
+      <p:sp>
+        <p:nvSpPr>
+          <p:cNvPr id="11" name="CasellaDiTesto 10"/>
+          <p:cNvSpPr txBox="1"/>
+          <p:nvPr/>
+        </p:nvSpPr>
+        <p:spPr>
+          <a:xfrm>
+            <a:off x="829999" y="4171976"/>
+            <a:ext cx="938078" cy="461665"/>
+          </a:xfrm>
+          <a:prstGeom prst="rect">
+            <a:avLst/>
+          </a:prstGeom>
+          <a:noFill/>
+        </p:spPr>
+        <p:txBody>
+          <a:bodyPr wrap="none" rtlCol="0">
+            <a:spAutoFit/>
+          </a:bodyPr>
+          <a:lstStyle/>
+          <a:p>
+            <a:pPr algn="ctr"/>
+            <a:r>
+              <a:rPr lang="en-US" sz="2400" dirty="0" smtClean="0"/>
+              <a:t>10 </a:t>
+            </a:r>
+            <a:r>
+              <a:rPr lang="en-US" sz="2400" dirty="0" err="1" smtClean="0"/>
+              <a:t>tps</a:t>
+            </a:r>
+            <a:endParaRPr lang="en-US" sz="2400" dirty="0" smtClean="0"/>
+          </a:p>
+        </p:txBody>
+      </p:sp>
+      <p:sp>
+        <p:nvSpPr>
+          <p:cNvPr id="14" name="CasellaDiTesto 13"/>
+          <p:cNvSpPr txBox="1"/>
+          <p:nvPr/>
+        </p:nvSpPr>
+        <p:spPr>
+          <a:xfrm>
+            <a:off x="7277260" y="4171976"/>
+            <a:ext cx="938078" cy="461665"/>
+          </a:xfrm>
+          <a:prstGeom prst="rect">
+            <a:avLst/>
+          </a:prstGeom>
+          <a:noFill/>
+        </p:spPr>
+        <p:txBody>
+          <a:bodyPr wrap="none" rtlCol="0">
+            <a:spAutoFit/>
+          </a:bodyPr>
+          <a:lstStyle/>
+          <a:p>
+            <a:pPr algn="ctr"/>
+            <a:r>
+              <a:rPr lang="en-US" sz="2400" smtClean="0"/>
+              <a:t>10 </a:t>
+            </a:r>
+            <a:r>
+              <a:rPr lang="en-US" sz="2400" smtClean="0"/>
+              <a:t>tps</a:t>
+            </a:r>
+            <a:endParaRPr lang="en-US" sz="2400" smtClean="0"/>
+          </a:p>
+        </p:txBody>
+      </p:sp>
+      <p:sp>
+        <p:nvSpPr>
+          <p:cNvPr id="15" name="CasellaDiTesto 14"/>
+          <p:cNvSpPr txBox="1"/>
+          <p:nvPr/>
+        </p:nvSpPr>
+        <p:spPr>
+          <a:xfrm>
+            <a:off x="3643306" y="4171976"/>
+            <a:ext cx="1268682" cy="461665"/>
+          </a:xfrm>
+          <a:prstGeom prst="rect">
+            <a:avLst/>
+          </a:prstGeom>
+          <a:noFill/>
+        </p:spPr>
+        <p:txBody>
+          <a:bodyPr wrap="none" rtlCol="0">
+            <a:spAutoFit/>
+          </a:bodyPr>
+          <a:lstStyle/>
+          <a:p>
+            <a:pPr algn="ctr"/>
+            <a:r>
+              <a:rPr lang="en-US" sz="2400" dirty="0" smtClean="0"/>
+              <a:t>2000 </a:t>
+            </a:r>
+            <a:r>
+              <a:rPr lang="en-US" sz="2400" dirty="0" err="1" smtClean="0"/>
+              <a:t>tps</a:t>
+            </a:r>
+            <a:endParaRPr lang="en-US" sz="2400" dirty="0" smtClean="0"/>
+          </a:p>
+        </p:txBody>
+      </p:sp>
+      <p:graphicFrame>
+        <p:nvGraphicFramePr>
+          <p:cNvPr id="21" name="Tabella 20"/>
+          <p:cNvGraphicFramePr>
+            <a:graphicFrameLocks noGrp="1"/>
+          </p:cNvGraphicFramePr>
+          <p:nvPr/>
+        </p:nvGraphicFramePr>
+        <p:xfrm>
+          <a:off x="1119206" y="4803162"/>
+          <a:ext cx="6953256" cy="1840548"/>
+        </p:xfrm>
+        <a:graphic>
+          <a:graphicData uri="http://schemas.openxmlformats.org/drawingml/2006/table">
+            <a:tbl>
+              <a:tblPr firstRow="1" bandRow="1">
+                <a:tableStyleId>{5C22544A-7EE6-4342-B048-85BDC9FD1C3A}</a:tableStyleId>
+              </a:tblPr>
+              <a:tblGrid>
+                <a:gridCol w="3476628"/>
+                <a:gridCol w="3476628"/>
+              </a:tblGrid>
+              <a:tr h="460137">
+                <a:tc>
+                  <a:txBody>
+                    <a:bodyPr/>
+                    <a:lstStyle/>
+                    <a:p>
+                      <a:pPr algn="ctr"/>
+                      <a:r>
+                        <a:rPr lang="en-US" sz="2400" noProof="0" dirty="0" smtClean="0"/>
+                        <a:t>Domain object</a:t>
+                      </a:r>
+                      <a:endParaRPr lang="en-US" sz="2400" noProof="0" dirty="0"/>
+                    </a:p>
+                  </a:txBody>
+                  <a:tcPr/>
+                </a:tc>
+                <a:tc>
+                  <a:txBody>
+                    <a:bodyPr/>
+                    <a:lstStyle/>
+                    <a:p>
+                      <a:pPr algn="ctr"/>
+                      <a:r>
+                        <a:rPr lang="en-US" sz="2400" noProof="0" dirty="0" smtClean="0"/>
+                        <a:t>Initialization number</a:t>
+                      </a:r>
+                      <a:endParaRPr lang="en-US" sz="2400" noProof="0" dirty="0"/>
+                    </a:p>
+                  </a:txBody>
+                  <a:tcPr/>
+                </a:tc>
+              </a:tr>
+              <a:tr h="460137">
+                <a:tc>
+                  <a:txBody>
+                    <a:bodyPr/>
+                    <a:lstStyle/>
+                    <a:p>
+                      <a:pPr algn="ctr"/>
+                      <a:r>
+                        <a:rPr lang="it-IT" sz="2400" dirty="0" smtClean="0"/>
+                        <a:t>Account</a:t>
+                      </a:r>
+                      <a:endParaRPr lang="en-US" sz="2400" dirty="0"/>
+                    </a:p>
+                  </a:txBody>
+                  <a:tcPr/>
+                </a:tc>
+                <a:tc>
+                  <a:txBody>
+                    <a:bodyPr/>
+                    <a:lstStyle/>
+                    <a:p>
+                      <a:pPr algn="ctr"/>
+                      <a:r>
+                        <a:rPr lang="it-IT" sz="2400" dirty="0" smtClean="0"/>
+                        <a:t>4 </a:t>
+                      </a:r>
+                      <a:r>
+                        <a:rPr lang="en-US" sz="2400" noProof="0" dirty="0" smtClean="0"/>
+                        <a:t>millions</a:t>
+                      </a:r>
+                      <a:endParaRPr lang="en-US" sz="2400" noProof="0" dirty="0"/>
+                    </a:p>
+                  </a:txBody>
+                  <a:tcPr/>
+                </a:tc>
+              </a:tr>
+              <a:tr h="460137">
+                <a:tc>
+                  <a:txBody>
+                    <a:bodyPr/>
+                    <a:lstStyle/>
+                    <a:p>
+                      <a:pPr algn="ctr"/>
+                      <a:r>
+                        <a:rPr lang="it-IT" sz="2400" dirty="0" smtClean="0"/>
+                        <a:t>MSISDN</a:t>
+                      </a:r>
+                      <a:endParaRPr lang="en-US" sz="2400" dirty="0"/>
+                    </a:p>
+                  </a:txBody>
+                  <a:tcPr/>
+                </a:tc>
+                <a:tc>
+                  <a:txBody>
+                    <a:bodyPr/>
+                    <a:lstStyle/>
+                    <a:p>
+                      <a:pPr algn="ctr"/>
+                      <a:r>
+                        <a:rPr lang="it-IT" sz="2400" dirty="0" smtClean="0"/>
+                        <a:t>8 </a:t>
+                      </a:r>
+                      <a:r>
+                        <a:rPr lang="en-US" sz="2400" noProof="0" dirty="0" smtClean="0"/>
+                        <a:t>millions</a:t>
+                      </a:r>
+                      <a:endParaRPr lang="en-US" sz="2400" noProof="0" dirty="0"/>
+                    </a:p>
+                  </a:txBody>
+                  <a:tcPr/>
+                </a:tc>
+              </a:tr>
+              <a:tr h="460137">
+                <a:tc>
+                  <a:txBody>
+                    <a:bodyPr/>
+                    <a:lstStyle/>
+                    <a:p>
+                      <a:pPr algn="ctr"/>
+                      <a:r>
+                        <a:rPr lang="en-US" sz="2400" noProof="0" dirty="0" smtClean="0"/>
+                        <a:t>Session</a:t>
+                      </a:r>
+                      <a:endParaRPr lang="en-US" sz="2400" noProof="0" dirty="0"/>
+                    </a:p>
+                  </a:txBody>
+                  <a:tcPr/>
+                </a:tc>
+                <a:tc>
+                  <a:txBody>
+                    <a:bodyPr/>
+                    <a:lstStyle/>
+                    <a:p>
+                      <a:pPr algn="ctr"/>
+                      <a:r>
+                        <a:rPr lang="it-IT" sz="2400" dirty="0" smtClean="0"/>
+                        <a:t>100 </a:t>
+                      </a:r>
+                      <a:r>
+                        <a:rPr lang="en-US" sz="2400" noProof="0" dirty="0" smtClean="0"/>
+                        <a:t>thousands</a:t>
+                      </a:r>
+                      <a:endParaRPr lang="en-US" sz="2400" noProof="0" dirty="0"/>
+                    </a:p>
+                  </a:txBody>
+                  <a:tcPr/>
+                </a:tc>
+              </a:tr>
+            </a:tbl>
+          </a:graphicData>
+        </a:graphic>
+      </p:graphicFrame>
+    </p:spTree>
+  </p:cSld>
+  <p:clrMapOvr>
+    <a:masterClrMapping/>
+  </p:clrMapOvr>
+  <p:transition>
+    <p:fade/>
+  </p:transition>
+  <p:timing>
+    <p:tnLst>
+      <p:par>
+        <p:cTn id="1" dur="indefinite" restart="never" nodeType="tmRoot">
+          <p:childTnLst>
+            <p:seq concurrent="1" nextAc="seek">
+              <p:cTn id="2" dur="indefinite" nodeType="mainSeq">
+                <p:childTnLst>
+                  <p:par>
+                    <p:cTn id="3" fill="hold">
+                      <p:stCondLst>
+                        <p:cond delay="indefinite"/>
+                      </p:stCondLst>
+                      <p:childTnLst>
+                        <p:par>
+                          <p:cTn id="4" fill="hold">
+                            <p:stCondLst>
+                              <p:cond delay="0"/>
+                            </p:stCondLst>
+                            <p:childTnLst>
+                              <p:par>
+                                <p:cTn id="5" presetID="10" presetClass="entr" presetSubtype="0" fill="hold" nodeType="clickEffect">
+                                  <p:stCondLst>
+                                    <p:cond delay="0"/>
+                                  </p:stCondLst>
+                                  <p:childTnLst>
+                                    <p:set>
+                                      <p:cBhvr>
+                                        <p:cTn id="6" dur="1" fill="hold">
+                                          <p:stCondLst>
+                                            <p:cond delay="0"/>
+                                          </p:stCondLst>
+                                        </p:cTn>
+                                        <p:tgtEl>
+                                          <p:spTgt spid="6">
+                                            <p:txEl>
+                                              <p:pRg st="0" end="0"/>
+                                            </p:txEl>
+                                          </p:spTgt>
+                                        </p:tgtEl>
+                                        <p:attrNameLst>
+                                          <p:attrName>style.visibility</p:attrName>
+                                        </p:attrNameLst>
+                                      </p:cBhvr>
+                                      <p:to>
+                                        <p:strVal val="visible"/>
+                                      </p:to>
+                                    </p:set>
+                                    <p:animEffect transition="in" filter="fade">
+                                      <p:cBhvr>
+                                        <p:cTn id="7" dur="2000"/>
+                                        <p:tgtEl>
+                                          <p:spTgt spid="6">
+                                            <p:txEl>
+                                              <p:pRg st="0" end="0"/>
+                                            </p:txEl>
+                                          </p:spTgt>
+                                        </p:tgtEl>
+                                      </p:cBhvr>
+                                    </p:animEffect>
+                                  </p:childTnLst>
+                                </p:cTn>
+                              </p:par>
+                            </p:childTnLst>
+                          </p:cTn>
+                        </p:par>
+                      </p:childTnLst>
+                    </p:cTn>
+                  </p:par>
+                  <p:par>
+                    <p:cTn id="8" fill="hold">
+                      <p:stCondLst>
+                        <p:cond delay="indefinite"/>
+                      </p:stCondLst>
+                      <p:childTnLst>
+                        <p:par>
+                          <p:cTn id="9" fill="hold">
+                            <p:stCondLst>
+                              <p:cond delay="0"/>
+                            </p:stCondLst>
+                            <p:childTnLst>
+                              <p:par>
+                                <p:cTn id="10" presetID="10" presetClass="entr" presetSubtype="0" fill="hold" grpId="0" nodeType="clickEffect">
+                                  <p:stCondLst>
+                                    <p:cond delay="0"/>
+                                  </p:stCondLst>
+                                  <p:childTnLst>
+                                    <p:set>
+                                      <p:cBhvr>
+                                        <p:cTn id="11" dur="1" fill="hold">
+                                          <p:stCondLst>
+                                            <p:cond delay="0"/>
+                                          </p:stCondLst>
+                                        </p:cTn>
+                                        <p:tgtEl>
+                                          <p:spTgt spid="16"/>
+                                        </p:tgtEl>
+                                        <p:attrNameLst>
+                                          <p:attrName>style.visibility</p:attrName>
+                                        </p:attrNameLst>
+                                      </p:cBhvr>
+                                      <p:to>
+                                        <p:strVal val="visible"/>
+                                      </p:to>
+                                    </p:set>
+                                    <p:animEffect transition="in" filter="fade">
+                                      <p:cBhvr>
+                                        <p:cTn id="12" dur="1000"/>
+                                        <p:tgtEl>
+                                          <p:spTgt spid="16"/>
+                                        </p:tgtEl>
+                                      </p:cBhvr>
+                                    </p:animEffect>
+                                  </p:childTnLst>
+                                </p:cTn>
+                              </p:par>
+                              <p:par>
+                                <p:cTn id="13" presetID="10" presetClass="entr" presetSubtype="0" fill="hold" grpId="0" nodeType="withEffect">
+                                  <p:stCondLst>
+                                    <p:cond delay="0"/>
+                                  </p:stCondLst>
+                                  <p:childTnLst>
+                                    <p:set>
+                                      <p:cBhvr>
+                                        <p:cTn id="14" dur="1" fill="hold">
+                                          <p:stCondLst>
+                                            <p:cond delay="0"/>
+                                          </p:stCondLst>
+                                        </p:cTn>
+                                        <p:tgtEl>
+                                          <p:spTgt spid="19"/>
+                                        </p:tgtEl>
+                                        <p:attrNameLst>
+                                          <p:attrName>style.visibility</p:attrName>
+                                        </p:attrNameLst>
+                                      </p:cBhvr>
+                                      <p:to>
+                                        <p:strVal val="visible"/>
+                                      </p:to>
+                                    </p:set>
+                                    <p:animEffect transition="in" filter="fade">
+                                      <p:cBhvr>
+                                        <p:cTn id="15" dur="1000"/>
+                                        <p:tgtEl>
+                                          <p:spTgt spid="19"/>
+                                        </p:tgtEl>
+                                      </p:cBhvr>
+                                    </p:animEffect>
+                                  </p:childTnLst>
+                                </p:cTn>
+                              </p:par>
+                              <p:par>
+                                <p:cTn id="16" presetID="10" presetClass="entr" presetSubtype="0" fill="hold" grpId="0" nodeType="withEffect">
+                                  <p:stCondLst>
+                                    <p:cond delay="0"/>
+                                  </p:stCondLst>
+                                  <p:childTnLst>
+                                    <p:set>
+                                      <p:cBhvr>
+                                        <p:cTn id="17" dur="1" fill="hold">
+                                          <p:stCondLst>
+                                            <p:cond delay="0"/>
+                                          </p:stCondLst>
+                                        </p:cTn>
+                                        <p:tgtEl>
+                                          <p:spTgt spid="18"/>
+                                        </p:tgtEl>
+                                        <p:attrNameLst>
+                                          <p:attrName>style.visibility</p:attrName>
+                                        </p:attrNameLst>
+                                      </p:cBhvr>
+                                      <p:to>
+                                        <p:strVal val="visible"/>
+                                      </p:to>
+                                    </p:set>
+                                    <p:animEffect transition="in" filter="fade">
+                                      <p:cBhvr>
+                                        <p:cTn id="18" dur="1000"/>
+                                        <p:tgtEl>
+                                          <p:spTgt spid="18"/>
+                                        </p:tgtEl>
+                                      </p:cBhvr>
+                                    </p:animEffect>
+                                  </p:childTnLst>
+                                </p:cTn>
+                              </p:par>
+                              <p:par>
+                                <p:cTn id="19" presetID="10" presetClass="entr" presetSubtype="0" fill="hold" grpId="0" nodeType="withEffect">
+                                  <p:stCondLst>
+                                    <p:cond delay="0"/>
+                                  </p:stCondLst>
+                                  <p:childTnLst>
+                                    <p:set>
+                                      <p:cBhvr>
+                                        <p:cTn id="20" dur="1" fill="hold">
+                                          <p:stCondLst>
+                                            <p:cond delay="0"/>
+                                          </p:stCondLst>
+                                        </p:cTn>
+                                        <p:tgtEl>
+                                          <p:spTgt spid="17"/>
+                                        </p:tgtEl>
+                                        <p:attrNameLst>
+                                          <p:attrName>style.visibility</p:attrName>
+                                        </p:attrNameLst>
+                                      </p:cBhvr>
+                                      <p:to>
+                                        <p:strVal val="visible"/>
+                                      </p:to>
+                                    </p:set>
+                                    <p:animEffect transition="in" filter="fade">
+                                      <p:cBhvr>
+                                        <p:cTn id="21" dur="1000"/>
+                                        <p:tgtEl>
+                                          <p:spTgt spid="17"/>
+                                        </p:tgtEl>
+                                      </p:cBhvr>
+                                    </p:animEffect>
+                                  </p:childTnLst>
+                                </p:cTn>
+                              </p:par>
+                            </p:childTnLst>
+                          </p:cTn>
+                        </p:par>
+                      </p:childTnLst>
+                    </p:cTn>
+                  </p:par>
+                </p:childTnLst>
+              </p:cTn>
+              <p:prevCondLst>
+                <p:cond evt="onPrev" delay="0">
+                  <p:tgtEl>
+                    <p:sldTgt/>
+                  </p:tgtEl>
+                </p:cond>
+              </p:prevCondLst>
+              <p:nextCondLst>
+                <p:cond evt="onNext" delay="0">
+                  <p:tgtEl>
+                    <p:sldTgt/>
+                  </p:tgtEl>
+                </p:cond>
+              </p:nextCondLst>
+            </p:seq>
+          </p:childTnLst>
+        </p:cTn>
+      </p:par>
+    </p:tnLst>
+    <p:bldLst>
+      <p:bldP spid="16" grpId="0" animBg="1"/>
+      <p:bldP spid="17" grpId="0" animBg="1"/>
+      <p:bldP spid="18" grpId="0" animBg="1"/>
+      <p:bldP spid="19" grpId="0" animBg="1"/>
+    </p:bldLst>
+  </p:timing>
+</p:sld>
+</file>
+
+<file path=ppt/slides/slide13.xml><?xml version="1.0" encoding="utf-8"?>
+<p:sld xmlns:a="http://schemas.openxmlformats.org/drawingml/2006/main" xmlns:r="http://schemas.openxmlformats.org/officeDocument/2006/relationships" xmlns:p="http://schemas.openxmlformats.org/presentationml/2006/main">
+  <p:cSld>
+    <p:spTree>
+      <p:nvGrpSpPr>
+        <p:cNvPr id="1" name=""/>
+        <p:cNvGrpSpPr/>
+        <p:nvPr/>
+      </p:nvGrpSpPr>
+      <p:grpSpPr>
+        <a:xfrm>
+          <a:off x="0" y="0"/>
+          <a:ext cx="0" cy="0"/>
+          <a:chOff x="0" y="0"/>
+          <a:chExt cx="0" cy="0"/>
+        </a:xfrm>
+      </p:grpSpPr>
+      <p:sp>
+        <p:nvSpPr>
+          <p:cNvPr id="2" name="Titolo 1"/>
+          <p:cNvSpPr>
+            <a:spLocks noGrp="1"/>
+          </p:cNvSpPr>
+          <p:nvPr>
+            <p:ph type="title"/>
+          </p:nvPr>
+        </p:nvSpPr>
+        <p:spPr>
+          <a:xfrm>
+            <a:off x="457200" y="155448"/>
+            <a:ext cx="6257940" cy="1252728"/>
+          </a:xfrm>
+        </p:spPr>
+        <p:txBody>
+          <a:bodyPr>
+            <a:normAutofit/>
+          </a:bodyPr>
+          <a:lstStyle/>
+          <a:p>
+            <a:r>
+              <a:rPr lang="en-US" dirty="0" smtClean="0">
+                <a:solidFill>
+                  <a:srgbClr val="FFC000"/>
+                </a:solidFill>
+              </a:rPr>
+              <a:t>Throughput</a:t>
             </a:r>
             <a:endParaRPr lang="en-US" dirty="0">
               <a:solidFill>
@@ -7174,7 +9015,7 @@
       </p:pic>
       <p:pic>
         <p:nvPicPr>
-          <p:cNvPr id="1026" name="Picture 2"/>
+          <p:cNvPr id="3074" name="Picture 2" descr="C:\Users\error0\Documents\universita\tesi\workspace\tesi\tex\img\result10.jpg"/>
           <p:cNvPicPr>
             <a:picLocks noChangeAspect="1" noChangeArrowheads="1"/>
           </p:cNvPicPr>
@@ -7182,7 +9023,7 @@
         </p:nvPicPr>
         <p:blipFill>
           <a:blip r:embed="rId3"/>
-          <a:srcRect/>
+          <a:srcRect t="17236" r="1015" b="5390"/>
           <a:stretch>
             <a:fillRect/>
           </a:stretch>
@@ -7190,21 +9031,404 @@
         <p:spPr bwMode="auto">
           <a:xfrm>
             <a:off x="0" y="1500174"/>
-            <a:ext cx="9144000" cy="5357826"/>
+            <a:ext cx="9144000" cy="4786346"/>
           </a:xfrm>
           <a:prstGeom prst="rect">
             <a:avLst/>
           </a:prstGeom>
           <a:noFill/>
-          <a:ln w="9525">
-            <a:noFill/>
-            <a:miter lim="800000"/>
-            <a:headEnd/>
-            <a:tailEnd/>
-          </a:ln>
-          <a:effectLst/>
         </p:spPr>
       </p:pic>
+      <p:sp>
+        <p:nvSpPr>
+          <p:cNvPr id="5" name="Rettangolo 4"/>
+          <p:cNvSpPr/>
+          <p:nvPr/>
+        </p:nvSpPr>
+        <p:spPr>
+          <a:xfrm>
+            <a:off x="928662" y="6500834"/>
+            <a:ext cx="142876" cy="142876"/>
+          </a:xfrm>
+          <a:prstGeom prst="rect">
+            <a:avLst/>
+          </a:prstGeom>
+          <a:solidFill>
+            <a:srgbClr val="FF0000"/>
+          </a:solidFill>
+          <a:ln>
+            <a:solidFill>
+              <a:srgbClr val="FF0000"/>
+            </a:solidFill>
+          </a:ln>
+        </p:spPr>
+        <p:style>
+          <a:lnRef idx="2">
+            <a:schemeClr val="accent3">
+              <a:shade val="50000"/>
+            </a:schemeClr>
+          </a:lnRef>
+          <a:fillRef idx="1">
+            <a:schemeClr val="accent3"/>
+          </a:fillRef>
+          <a:effectRef idx="0">
+            <a:schemeClr val="accent3"/>
+          </a:effectRef>
+          <a:fontRef idx="minor">
+            <a:schemeClr val="lt1"/>
+          </a:fontRef>
+        </p:style>
+        <p:txBody>
+          <a:bodyPr rtlCol="0" anchor="ctr"/>
+          <a:lstStyle/>
+          <a:p>
+            <a:pPr algn="ctr"/>
+            <a:endParaRPr lang="it-IT"/>
+          </a:p>
+        </p:txBody>
+      </p:sp>
+      <p:sp>
+        <p:nvSpPr>
+          <p:cNvPr id="6" name="Rettangolo 5"/>
+          <p:cNvSpPr/>
+          <p:nvPr/>
+        </p:nvSpPr>
+        <p:spPr>
+          <a:xfrm>
+            <a:off x="5357818" y="6500834"/>
+            <a:ext cx="142876" cy="142876"/>
+          </a:xfrm>
+          <a:prstGeom prst="rect">
+            <a:avLst/>
+          </a:prstGeom>
+          <a:solidFill>
+            <a:srgbClr val="FFFF00"/>
+          </a:solidFill>
+          <a:ln>
+            <a:solidFill>
+              <a:srgbClr val="FFFF00"/>
+            </a:solidFill>
+          </a:ln>
+        </p:spPr>
+        <p:style>
+          <a:lnRef idx="2">
+            <a:schemeClr val="accent1">
+              <a:shade val="50000"/>
+            </a:schemeClr>
+          </a:lnRef>
+          <a:fillRef idx="1">
+            <a:schemeClr val="accent1"/>
+          </a:fillRef>
+          <a:effectRef idx="0">
+            <a:schemeClr val="accent1"/>
+          </a:effectRef>
+          <a:fontRef idx="minor">
+            <a:schemeClr val="lt1"/>
+          </a:fontRef>
+        </p:style>
+        <p:txBody>
+          <a:bodyPr rtlCol="0" anchor="ctr"/>
+          <a:lstStyle/>
+          <a:p>
+            <a:pPr algn="ctr"/>
+            <a:endParaRPr lang="it-IT"/>
+          </a:p>
+        </p:txBody>
+      </p:sp>
+      <p:sp>
+        <p:nvSpPr>
+          <p:cNvPr id="7" name="Rettangolo 6"/>
+          <p:cNvSpPr/>
+          <p:nvPr/>
+        </p:nvSpPr>
+        <p:spPr>
+          <a:xfrm>
+            <a:off x="2357422" y="6500834"/>
+            <a:ext cx="142876" cy="142876"/>
+          </a:xfrm>
+          <a:prstGeom prst="rect">
+            <a:avLst/>
+          </a:prstGeom>
+          <a:solidFill>
+            <a:srgbClr val="0070C0"/>
+          </a:solidFill>
+          <a:ln>
+            <a:solidFill>
+              <a:srgbClr val="0070C0"/>
+            </a:solidFill>
+          </a:ln>
+        </p:spPr>
+        <p:style>
+          <a:lnRef idx="2">
+            <a:schemeClr val="accent1">
+              <a:shade val="50000"/>
+            </a:schemeClr>
+          </a:lnRef>
+          <a:fillRef idx="1">
+            <a:schemeClr val="accent1"/>
+          </a:fillRef>
+          <a:effectRef idx="0">
+            <a:schemeClr val="accent1"/>
+          </a:effectRef>
+          <a:fontRef idx="minor">
+            <a:schemeClr val="lt1"/>
+          </a:fontRef>
+        </p:style>
+        <p:txBody>
+          <a:bodyPr rtlCol="0" anchor="ctr"/>
+          <a:lstStyle/>
+          <a:p>
+            <a:pPr algn="ctr"/>
+            <a:endParaRPr lang="it-IT"/>
+          </a:p>
+        </p:txBody>
+      </p:sp>
+      <p:sp>
+        <p:nvSpPr>
+          <p:cNvPr id="8" name="Rettangolo 7"/>
+          <p:cNvSpPr/>
+          <p:nvPr/>
+        </p:nvSpPr>
+        <p:spPr>
+          <a:xfrm>
+            <a:off x="4143372" y="6500834"/>
+            <a:ext cx="142876" cy="142876"/>
+          </a:xfrm>
+          <a:prstGeom prst="rect">
+            <a:avLst/>
+          </a:prstGeom>
+          <a:solidFill>
+            <a:srgbClr val="92D050"/>
+          </a:solidFill>
+          <a:ln>
+            <a:solidFill>
+              <a:srgbClr val="92D050"/>
+            </a:solidFill>
+          </a:ln>
+        </p:spPr>
+        <p:style>
+          <a:lnRef idx="2">
+            <a:schemeClr val="accent1">
+              <a:shade val="50000"/>
+            </a:schemeClr>
+          </a:lnRef>
+          <a:fillRef idx="1">
+            <a:schemeClr val="accent1"/>
+          </a:fillRef>
+          <a:effectRef idx="0">
+            <a:schemeClr val="accent1"/>
+          </a:effectRef>
+          <a:fontRef idx="minor">
+            <a:schemeClr val="lt1"/>
+          </a:fontRef>
+        </p:style>
+        <p:txBody>
+          <a:bodyPr rtlCol="0" anchor="ctr"/>
+          <a:lstStyle/>
+          <a:p>
+            <a:pPr algn="ctr"/>
+            <a:endParaRPr lang="it-IT"/>
+          </a:p>
+        </p:txBody>
+      </p:sp>
+      <p:sp>
+        <p:nvSpPr>
+          <p:cNvPr id="9" name="Rettangolo 8"/>
+          <p:cNvSpPr/>
+          <p:nvPr/>
+        </p:nvSpPr>
+        <p:spPr>
+          <a:xfrm>
+            <a:off x="7000892" y="6500834"/>
+            <a:ext cx="142876" cy="142876"/>
+          </a:xfrm>
+          <a:prstGeom prst="rect">
+            <a:avLst/>
+          </a:prstGeom>
+          <a:solidFill>
+            <a:srgbClr val="C52BA8"/>
+          </a:solidFill>
+          <a:ln>
+            <a:solidFill>
+              <a:srgbClr val="C52BA8"/>
+            </a:solidFill>
+          </a:ln>
+        </p:spPr>
+        <p:style>
+          <a:lnRef idx="2">
+            <a:schemeClr val="accent1">
+              <a:shade val="50000"/>
+            </a:schemeClr>
+          </a:lnRef>
+          <a:fillRef idx="1">
+            <a:schemeClr val="accent1"/>
+          </a:fillRef>
+          <a:effectRef idx="0">
+            <a:schemeClr val="accent1"/>
+          </a:effectRef>
+          <a:fontRef idx="minor">
+            <a:schemeClr val="lt1"/>
+          </a:fontRef>
+        </p:style>
+        <p:txBody>
+          <a:bodyPr rtlCol="0" anchor="ctr"/>
+          <a:lstStyle/>
+          <a:p>
+            <a:pPr algn="ctr"/>
+            <a:endParaRPr lang="it-IT"/>
+          </a:p>
+        </p:txBody>
+      </p:sp>
+      <p:sp>
+        <p:nvSpPr>
+          <p:cNvPr id="10" name="CasellaDiTesto 9"/>
+          <p:cNvSpPr txBox="1"/>
+          <p:nvPr/>
+        </p:nvSpPr>
+        <p:spPr>
+          <a:xfrm>
+            <a:off x="1142976" y="6357958"/>
+            <a:ext cx="1071570" cy="430887"/>
+          </a:xfrm>
+          <a:prstGeom prst="rect">
+            <a:avLst/>
+          </a:prstGeom>
+          <a:noFill/>
+        </p:spPr>
+        <p:txBody>
+          <a:bodyPr wrap="square" rtlCol="0">
+            <a:spAutoFit/>
+          </a:bodyPr>
+          <a:lstStyle/>
+          <a:p>
+            <a:r>
+              <a:rPr lang="it-IT" sz="2200" dirty="0" smtClean="0"/>
+              <a:t>PICO4</a:t>
+            </a:r>
+            <a:endParaRPr lang="it-IT" sz="2200" dirty="0"/>
+          </a:p>
+        </p:txBody>
+      </p:sp>
+      <p:sp>
+        <p:nvSpPr>
+          <p:cNvPr id="11" name="CasellaDiTesto 10"/>
+          <p:cNvSpPr txBox="1"/>
+          <p:nvPr/>
+        </p:nvSpPr>
+        <p:spPr>
+          <a:xfrm>
+            <a:off x="2571736" y="6357958"/>
+            <a:ext cx="1500198" cy="430887"/>
+          </a:xfrm>
+          <a:prstGeom prst="rect">
+            <a:avLst/>
+          </a:prstGeom>
+          <a:noFill/>
+        </p:spPr>
+        <p:txBody>
+          <a:bodyPr wrap="square" rtlCol="0">
+            <a:spAutoFit/>
+          </a:bodyPr>
+          <a:lstStyle/>
+          <a:p>
+            <a:r>
+              <a:rPr lang="it-IT" sz="2200" dirty="0" err="1" smtClean="0"/>
+              <a:t>Prevayler</a:t>
+            </a:r>
+            <a:endParaRPr lang="it-IT" sz="2200" dirty="0"/>
+          </a:p>
+        </p:txBody>
+      </p:sp>
+      <p:sp>
+        <p:nvSpPr>
+          <p:cNvPr id="12" name="CasellaDiTesto 11"/>
+          <p:cNvSpPr txBox="1"/>
+          <p:nvPr/>
+        </p:nvSpPr>
+        <p:spPr>
+          <a:xfrm>
+            <a:off x="4357686" y="6357958"/>
+            <a:ext cx="1500198" cy="430887"/>
+          </a:xfrm>
+          <a:prstGeom prst="rect">
+            <a:avLst/>
+          </a:prstGeom>
+          <a:noFill/>
+        </p:spPr>
+        <p:txBody>
+          <a:bodyPr wrap="square" rtlCol="0">
+            <a:spAutoFit/>
+          </a:bodyPr>
+          <a:lstStyle/>
+          <a:p>
+            <a:r>
+              <a:rPr lang="it-IT" sz="2200" dirty="0" smtClean="0"/>
+              <a:t>H2</a:t>
+            </a:r>
+            <a:endParaRPr lang="it-IT" sz="2200" dirty="0"/>
+          </a:p>
+        </p:txBody>
+      </p:sp>
+      <p:sp>
+        <p:nvSpPr>
+          <p:cNvPr id="13" name="CasellaDiTesto 12"/>
+          <p:cNvSpPr txBox="1"/>
+          <p:nvPr/>
+        </p:nvSpPr>
+        <p:spPr>
+          <a:xfrm>
+            <a:off x="5572132" y="6357958"/>
+            <a:ext cx="1500198" cy="430887"/>
+          </a:xfrm>
+          <a:prstGeom prst="rect">
+            <a:avLst/>
+          </a:prstGeom>
+          <a:noFill/>
+        </p:spPr>
+        <p:txBody>
+          <a:bodyPr wrap="square" rtlCol="0">
+            <a:spAutoFit/>
+          </a:bodyPr>
+          <a:lstStyle/>
+          <a:p>
+            <a:r>
+              <a:rPr lang="it-IT" sz="2200" dirty="0" smtClean="0"/>
+              <a:t>HSQLDB</a:t>
+            </a:r>
+            <a:endParaRPr lang="it-IT" sz="2200" dirty="0"/>
+          </a:p>
+        </p:txBody>
+      </p:sp>
+      <p:sp>
+        <p:nvSpPr>
+          <p:cNvPr id="14" name="CasellaDiTesto 13"/>
+          <p:cNvSpPr txBox="1"/>
+          <p:nvPr/>
+        </p:nvSpPr>
+        <p:spPr>
+          <a:xfrm>
+            <a:off x="7215206" y="6357958"/>
+            <a:ext cx="1500198" cy="430887"/>
+          </a:xfrm>
+          <a:prstGeom prst="rect">
+            <a:avLst/>
+          </a:prstGeom>
+          <a:noFill/>
+        </p:spPr>
+        <p:txBody>
+          <a:bodyPr wrap="square" rtlCol="0">
+            <a:spAutoFit/>
+          </a:bodyPr>
+          <a:lstStyle/>
+          <a:p>
+            <a:r>
+              <a:rPr lang="it-IT" sz="2200" dirty="0" smtClean="0"/>
+              <a:t>Db4o</a:t>
+            </a:r>
+            <a:endParaRPr lang="it-IT" sz="2200" dirty="0"/>
+          </a:p>
+        </p:txBody>
+      </p:sp>
     </p:spTree>
   </p:cSld>
   <p:clrMapOvr>
@@ -7223,8 +9447,1339 @@
 </p:sld>
 </file>
 
-<file path=ppt/slides/slide12.xml><?xml version="1.0" encoding="utf-8"?>
+<file path=ppt/slides/slide14.xml><?xml version="1.0" encoding="utf-8"?>
 <p:sld xmlns:a="http://schemas.openxmlformats.org/drawingml/2006/main" xmlns:r="http://schemas.openxmlformats.org/officeDocument/2006/relationships" xmlns:p="http://schemas.openxmlformats.org/presentationml/2006/main">
+  <p:cSld>
+    <p:spTree>
+      <p:nvGrpSpPr>
+        <p:cNvPr id="1" name=""/>
+        <p:cNvGrpSpPr/>
+        <p:nvPr/>
+      </p:nvGrpSpPr>
+      <p:grpSpPr>
+        <a:xfrm>
+          <a:off x="0" y="0"/>
+          <a:ext cx="0" cy="0"/>
+          <a:chOff x="0" y="0"/>
+          <a:chExt cx="0" cy="0"/>
+        </a:xfrm>
+      </p:grpSpPr>
+      <p:sp>
+        <p:nvSpPr>
+          <p:cNvPr id="2" name="Titolo 1"/>
+          <p:cNvSpPr>
+            <a:spLocks noGrp="1"/>
+          </p:cNvSpPr>
+          <p:nvPr>
+            <p:ph type="title"/>
+          </p:nvPr>
+        </p:nvSpPr>
+        <p:spPr>
+          <a:xfrm>
+            <a:off x="457200" y="155448"/>
+            <a:ext cx="6257940" cy="1252728"/>
+          </a:xfrm>
+        </p:spPr>
+        <p:txBody>
+          <a:bodyPr>
+            <a:normAutofit/>
+          </a:bodyPr>
+          <a:lstStyle/>
+          <a:p>
+            <a:r>
+              <a:rPr lang="en-US" dirty="0" smtClean="0">
+                <a:solidFill>
+                  <a:srgbClr val="FFC000"/>
+                </a:solidFill>
+              </a:rPr>
+              <a:t>Memory Usage</a:t>
+            </a:r>
+            <a:endParaRPr lang="en-US" dirty="0">
+              <a:solidFill>
+                <a:srgbClr val="FFC000"/>
+              </a:solidFill>
+            </a:endParaRPr>
+          </a:p>
+        </p:txBody>
+      </p:sp>
+      <p:pic>
+        <p:nvPicPr>
+          <p:cNvPr id="4" name="Picture 4" descr="C:\Users\error0\Desktop\logoRoma32.gif"/>
+          <p:cNvPicPr>
+            <a:picLocks noChangeAspect="1" noChangeArrowheads="1"/>
+          </p:cNvPicPr>
+          <p:nvPr/>
+        </p:nvPicPr>
+        <p:blipFill>
+          <a:blip r:embed="rId2">
+            <a:duotone>
+              <a:schemeClr val="accent1">
+                <a:shade val="45000"/>
+                <a:satMod val="135000"/>
+              </a:schemeClr>
+              <a:prstClr val="white"/>
+            </a:duotone>
+            <a:lum bright="20000"/>
+          </a:blip>
+          <a:srcRect/>
+          <a:stretch>
+            <a:fillRect/>
+          </a:stretch>
+        </p:blipFill>
+        <p:spPr bwMode="auto">
+          <a:xfrm>
+            <a:off x="6858016" y="153964"/>
+            <a:ext cx="2214578" cy="1131896"/>
+          </a:xfrm>
+          <a:prstGeom prst="rect">
+            <a:avLst/>
+          </a:prstGeom>
+          <a:noFill/>
+        </p:spPr>
+      </p:pic>
+      <p:pic>
+        <p:nvPicPr>
+          <p:cNvPr id="4098" name="Picture 2" descr="C:\Users\error0\Documents\universita\tesi\workspace\tesi\tex\img\result11.jpg"/>
+          <p:cNvPicPr>
+            <a:picLocks noChangeAspect="1" noChangeArrowheads="1"/>
+          </p:cNvPicPr>
+          <p:nvPr/>
+        </p:nvPicPr>
+        <p:blipFill>
+          <a:blip r:embed="rId3"/>
+          <a:srcRect t="16898" r="-250" b="5000"/>
+          <a:stretch>
+            <a:fillRect/>
+          </a:stretch>
+        </p:blipFill>
+        <p:spPr bwMode="auto">
+          <a:xfrm>
+            <a:off x="0" y="1500175"/>
+            <a:ext cx="9144000" cy="4786346"/>
+          </a:xfrm>
+          <a:prstGeom prst="rect">
+            <a:avLst/>
+          </a:prstGeom>
+          <a:noFill/>
+        </p:spPr>
+      </p:pic>
+      <p:sp>
+        <p:nvSpPr>
+          <p:cNvPr id="5" name="Rettangolo 4"/>
+          <p:cNvSpPr/>
+          <p:nvPr/>
+        </p:nvSpPr>
+        <p:spPr>
+          <a:xfrm>
+            <a:off x="928662" y="6500834"/>
+            <a:ext cx="142876" cy="142876"/>
+          </a:xfrm>
+          <a:prstGeom prst="rect">
+            <a:avLst/>
+          </a:prstGeom>
+          <a:solidFill>
+            <a:srgbClr val="FF0000"/>
+          </a:solidFill>
+          <a:ln>
+            <a:solidFill>
+              <a:srgbClr val="FF0000"/>
+            </a:solidFill>
+          </a:ln>
+        </p:spPr>
+        <p:style>
+          <a:lnRef idx="2">
+            <a:schemeClr val="accent3">
+              <a:shade val="50000"/>
+            </a:schemeClr>
+          </a:lnRef>
+          <a:fillRef idx="1">
+            <a:schemeClr val="accent3"/>
+          </a:fillRef>
+          <a:effectRef idx="0">
+            <a:schemeClr val="accent3"/>
+          </a:effectRef>
+          <a:fontRef idx="minor">
+            <a:schemeClr val="lt1"/>
+          </a:fontRef>
+        </p:style>
+        <p:txBody>
+          <a:bodyPr rtlCol="0" anchor="ctr"/>
+          <a:lstStyle/>
+          <a:p>
+            <a:pPr algn="ctr"/>
+            <a:endParaRPr lang="it-IT"/>
+          </a:p>
+        </p:txBody>
+      </p:sp>
+      <p:sp>
+        <p:nvSpPr>
+          <p:cNvPr id="6" name="Rettangolo 5"/>
+          <p:cNvSpPr/>
+          <p:nvPr/>
+        </p:nvSpPr>
+        <p:spPr>
+          <a:xfrm>
+            <a:off x="5357818" y="6500834"/>
+            <a:ext cx="142876" cy="142876"/>
+          </a:xfrm>
+          <a:prstGeom prst="rect">
+            <a:avLst/>
+          </a:prstGeom>
+          <a:solidFill>
+            <a:srgbClr val="FFFF00"/>
+          </a:solidFill>
+          <a:ln>
+            <a:solidFill>
+              <a:srgbClr val="FFFF00"/>
+            </a:solidFill>
+          </a:ln>
+        </p:spPr>
+        <p:style>
+          <a:lnRef idx="2">
+            <a:schemeClr val="accent1">
+              <a:shade val="50000"/>
+            </a:schemeClr>
+          </a:lnRef>
+          <a:fillRef idx="1">
+            <a:schemeClr val="accent1"/>
+          </a:fillRef>
+          <a:effectRef idx="0">
+            <a:schemeClr val="accent1"/>
+          </a:effectRef>
+          <a:fontRef idx="minor">
+            <a:schemeClr val="lt1"/>
+          </a:fontRef>
+        </p:style>
+        <p:txBody>
+          <a:bodyPr rtlCol="0" anchor="ctr"/>
+          <a:lstStyle/>
+          <a:p>
+            <a:pPr algn="ctr"/>
+            <a:endParaRPr lang="it-IT"/>
+          </a:p>
+        </p:txBody>
+      </p:sp>
+      <p:sp>
+        <p:nvSpPr>
+          <p:cNvPr id="7" name="Rettangolo 6"/>
+          <p:cNvSpPr/>
+          <p:nvPr/>
+        </p:nvSpPr>
+        <p:spPr>
+          <a:xfrm>
+            <a:off x="2357422" y="6500834"/>
+            <a:ext cx="142876" cy="142876"/>
+          </a:xfrm>
+          <a:prstGeom prst="rect">
+            <a:avLst/>
+          </a:prstGeom>
+          <a:solidFill>
+            <a:srgbClr val="0070C0"/>
+          </a:solidFill>
+          <a:ln>
+            <a:solidFill>
+              <a:srgbClr val="0070C0"/>
+            </a:solidFill>
+          </a:ln>
+        </p:spPr>
+        <p:style>
+          <a:lnRef idx="2">
+            <a:schemeClr val="accent1">
+              <a:shade val="50000"/>
+            </a:schemeClr>
+          </a:lnRef>
+          <a:fillRef idx="1">
+            <a:schemeClr val="accent1"/>
+          </a:fillRef>
+          <a:effectRef idx="0">
+            <a:schemeClr val="accent1"/>
+          </a:effectRef>
+          <a:fontRef idx="minor">
+            <a:schemeClr val="lt1"/>
+          </a:fontRef>
+        </p:style>
+        <p:txBody>
+          <a:bodyPr rtlCol="0" anchor="ctr"/>
+          <a:lstStyle/>
+          <a:p>
+            <a:pPr algn="ctr"/>
+            <a:endParaRPr lang="it-IT"/>
+          </a:p>
+        </p:txBody>
+      </p:sp>
+      <p:sp>
+        <p:nvSpPr>
+          <p:cNvPr id="8" name="Rettangolo 7"/>
+          <p:cNvSpPr/>
+          <p:nvPr/>
+        </p:nvSpPr>
+        <p:spPr>
+          <a:xfrm>
+            <a:off x="4143372" y="6500834"/>
+            <a:ext cx="142876" cy="142876"/>
+          </a:xfrm>
+          <a:prstGeom prst="rect">
+            <a:avLst/>
+          </a:prstGeom>
+          <a:solidFill>
+            <a:srgbClr val="92D050"/>
+          </a:solidFill>
+          <a:ln>
+            <a:solidFill>
+              <a:srgbClr val="92D050"/>
+            </a:solidFill>
+          </a:ln>
+        </p:spPr>
+        <p:style>
+          <a:lnRef idx="2">
+            <a:schemeClr val="accent1">
+              <a:shade val="50000"/>
+            </a:schemeClr>
+          </a:lnRef>
+          <a:fillRef idx="1">
+            <a:schemeClr val="accent1"/>
+          </a:fillRef>
+          <a:effectRef idx="0">
+            <a:schemeClr val="accent1"/>
+          </a:effectRef>
+          <a:fontRef idx="minor">
+            <a:schemeClr val="lt1"/>
+          </a:fontRef>
+        </p:style>
+        <p:txBody>
+          <a:bodyPr rtlCol="0" anchor="ctr"/>
+          <a:lstStyle/>
+          <a:p>
+            <a:pPr algn="ctr"/>
+            <a:endParaRPr lang="it-IT"/>
+          </a:p>
+        </p:txBody>
+      </p:sp>
+      <p:sp>
+        <p:nvSpPr>
+          <p:cNvPr id="9" name="Rettangolo 8"/>
+          <p:cNvSpPr/>
+          <p:nvPr/>
+        </p:nvSpPr>
+        <p:spPr>
+          <a:xfrm>
+            <a:off x="7000892" y="6500834"/>
+            <a:ext cx="142876" cy="142876"/>
+          </a:xfrm>
+          <a:prstGeom prst="rect">
+            <a:avLst/>
+          </a:prstGeom>
+          <a:solidFill>
+            <a:srgbClr val="C52BA8"/>
+          </a:solidFill>
+          <a:ln>
+            <a:solidFill>
+              <a:srgbClr val="C52BA8"/>
+            </a:solidFill>
+          </a:ln>
+        </p:spPr>
+        <p:style>
+          <a:lnRef idx="2">
+            <a:schemeClr val="accent1">
+              <a:shade val="50000"/>
+            </a:schemeClr>
+          </a:lnRef>
+          <a:fillRef idx="1">
+            <a:schemeClr val="accent1"/>
+          </a:fillRef>
+          <a:effectRef idx="0">
+            <a:schemeClr val="accent1"/>
+          </a:effectRef>
+          <a:fontRef idx="minor">
+            <a:schemeClr val="lt1"/>
+          </a:fontRef>
+        </p:style>
+        <p:txBody>
+          <a:bodyPr rtlCol="0" anchor="ctr"/>
+          <a:lstStyle/>
+          <a:p>
+            <a:pPr algn="ctr"/>
+            <a:endParaRPr lang="it-IT"/>
+          </a:p>
+        </p:txBody>
+      </p:sp>
+      <p:sp>
+        <p:nvSpPr>
+          <p:cNvPr id="10" name="CasellaDiTesto 9"/>
+          <p:cNvSpPr txBox="1"/>
+          <p:nvPr/>
+        </p:nvSpPr>
+        <p:spPr>
+          <a:xfrm>
+            <a:off x="1142976" y="6357958"/>
+            <a:ext cx="1071570" cy="430887"/>
+          </a:xfrm>
+          <a:prstGeom prst="rect">
+            <a:avLst/>
+          </a:prstGeom>
+          <a:noFill/>
+        </p:spPr>
+        <p:txBody>
+          <a:bodyPr wrap="square" rtlCol="0">
+            <a:spAutoFit/>
+          </a:bodyPr>
+          <a:lstStyle/>
+          <a:p>
+            <a:r>
+              <a:rPr lang="it-IT" sz="2200" dirty="0" smtClean="0"/>
+              <a:t>PICO4</a:t>
+            </a:r>
+            <a:endParaRPr lang="it-IT" sz="2200" dirty="0"/>
+          </a:p>
+        </p:txBody>
+      </p:sp>
+      <p:sp>
+        <p:nvSpPr>
+          <p:cNvPr id="11" name="CasellaDiTesto 10"/>
+          <p:cNvSpPr txBox="1"/>
+          <p:nvPr/>
+        </p:nvSpPr>
+        <p:spPr>
+          <a:xfrm>
+            <a:off x="2571736" y="6357958"/>
+            <a:ext cx="1500198" cy="430887"/>
+          </a:xfrm>
+          <a:prstGeom prst="rect">
+            <a:avLst/>
+          </a:prstGeom>
+          <a:noFill/>
+        </p:spPr>
+        <p:txBody>
+          <a:bodyPr wrap="square" rtlCol="0">
+            <a:spAutoFit/>
+          </a:bodyPr>
+          <a:lstStyle/>
+          <a:p>
+            <a:r>
+              <a:rPr lang="it-IT" sz="2200" dirty="0" err="1" smtClean="0"/>
+              <a:t>Prevayler</a:t>
+            </a:r>
+            <a:endParaRPr lang="it-IT" sz="2200" dirty="0"/>
+          </a:p>
+        </p:txBody>
+      </p:sp>
+      <p:sp>
+        <p:nvSpPr>
+          <p:cNvPr id="12" name="CasellaDiTesto 11"/>
+          <p:cNvSpPr txBox="1"/>
+          <p:nvPr/>
+        </p:nvSpPr>
+        <p:spPr>
+          <a:xfrm>
+            <a:off x="4357686" y="6357958"/>
+            <a:ext cx="1500198" cy="430887"/>
+          </a:xfrm>
+          <a:prstGeom prst="rect">
+            <a:avLst/>
+          </a:prstGeom>
+          <a:noFill/>
+        </p:spPr>
+        <p:txBody>
+          <a:bodyPr wrap="square" rtlCol="0">
+            <a:spAutoFit/>
+          </a:bodyPr>
+          <a:lstStyle/>
+          <a:p>
+            <a:r>
+              <a:rPr lang="it-IT" sz="2200" dirty="0" smtClean="0"/>
+              <a:t>H2</a:t>
+            </a:r>
+            <a:endParaRPr lang="it-IT" sz="2200" dirty="0"/>
+          </a:p>
+        </p:txBody>
+      </p:sp>
+      <p:sp>
+        <p:nvSpPr>
+          <p:cNvPr id="13" name="CasellaDiTesto 12"/>
+          <p:cNvSpPr txBox="1"/>
+          <p:nvPr/>
+        </p:nvSpPr>
+        <p:spPr>
+          <a:xfrm>
+            <a:off x="5572132" y="6357958"/>
+            <a:ext cx="1500198" cy="430887"/>
+          </a:xfrm>
+          <a:prstGeom prst="rect">
+            <a:avLst/>
+          </a:prstGeom>
+          <a:noFill/>
+        </p:spPr>
+        <p:txBody>
+          <a:bodyPr wrap="square" rtlCol="0">
+            <a:spAutoFit/>
+          </a:bodyPr>
+          <a:lstStyle/>
+          <a:p>
+            <a:r>
+              <a:rPr lang="it-IT" sz="2200" dirty="0" smtClean="0"/>
+              <a:t>HSQLDB</a:t>
+            </a:r>
+            <a:endParaRPr lang="it-IT" sz="2200" dirty="0"/>
+          </a:p>
+        </p:txBody>
+      </p:sp>
+      <p:sp>
+        <p:nvSpPr>
+          <p:cNvPr id="14" name="CasellaDiTesto 13"/>
+          <p:cNvSpPr txBox="1"/>
+          <p:nvPr/>
+        </p:nvSpPr>
+        <p:spPr>
+          <a:xfrm>
+            <a:off x="7215206" y="6357958"/>
+            <a:ext cx="1500198" cy="430887"/>
+          </a:xfrm>
+          <a:prstGeom prst="rect">
+            <a:avLst/>
+          </a:prstGeom>
+          <a:noFill/>
+        </p:spPr>
+        <p:txBody>
+          <a:bodyPr wrap="square" rtlCol="0">
+            <a:spAutoFit/>
+          </a:bodyPr>
+          <a:lstStyle/>
+          <a:p>
+            <a:r>
+              <a:rPr lang="it-IT" sz="2200" dirty="0" smtClean="0"/>
+              <a:t>Db4o</a:t>
+            </a:r>
+            <a:endParaRPr lang="it-IT" sz="2200" dirty="0"/>
+          </a:p>
+        </p:txBody>
+      </p:sp>
+    </p:spTree>
+  </p:cSld>
+  <p:clrMapOvr>
+    <a:masterClrMapping/>
+  </p:clrMapOvr>
+  <p:transition>
+    <p:fade/>
+  </p:transition>
+  <p:timing>
+    <p:tnLst>
+      <p:par>
+        <p:cTn id="1" dur="indefinite" restart="never" nodeType="tmRoot"/>
+      </p:par>
+    </p:tnLst>
+  </p:timing>
+</p:sld>
+</file>
+
+<file path=ppt/slides/slide15.xml><?xml version="1.0" encoding="utf-8"?>
+<p:sld xmlns:a="http://schemas.openxmlformats.org/drawingml/2006/main" xmlns:r="http://schemas.openxmlformats.org/officeDocument/2006/relationships" xmlns:p="http://schemas.openxmlformats.org/presentationml/2006/main">
+  <p:cSld>
+    <p:spTree>
+      <p:nvGrpSpPr>
+        <p:cNvPr id="1" name=""/>
+        <p:cNvGrpSpPr/>
+        <p:nvPr/>
+      </p:nvGrpSpPr>
+      <p:grpSpPr>
+        <a:xfrm>
+          <a:off x="0" y="0"/>
+          <a:ext cx="0" cy="0"/>
+          <a:chOff x="0" y="0"/>
+          <a:chExt cx="0" cy="0"/>
+        </a:xfrm>
+      </p:grpSpPr>
+      <p:sp>
+        <p:nvSpPr>
+          <p:cNvPr id="2" name="Titolo 1"/>
+          <p:cNvSpPr>
+            <a:spLocks noGrp="1"/>
+          </p:cNvSpPr>
+          <p:nvPr>
+            <p:ph type="title"/>
+          </p:nvPr>
+        </p:nvSpPr>
+        <p:spPr>
+          <a:xfrm>
+            <a:off x="457200" y="155448"/>
+            <a:ext cx="6257940" cy="1252728"/>
+          </a:xfrm>
+        </p:spPr>
+        <p:txBody>
+          <a:bodyPr>
+            <a:normAutofit/>
+          </a:bodyPr>
+          <a:lstStyle/>
+          <a:p>
+            <a:r>
+              <a:rPr lang="en-US" dirty="0" smtClean="0">
+                <a:solidFill>
+                  <a:srgbClr val="FFC000"/>
+                </a:solidFill>
+              </a:rPr>
+              <a:t>Conclusion</a:t>
+            </a:r>
+            <a:endParaRPr lang="en-US" dirty="0">
+              <a:solidFill>
+                <a:srgbClr val="FFC000"/>
+              </a:solidFill>
+            </a:endParaRPr>
+          </a:p>
+        </p:txBody>
+      </p:sp>
+      <p:pic>
+        <p:nvPicPr>
+          <p:cNvPr id="4" name="Picture 4" descr="C:\Users\error0\Desktop\logoRoma32.gif"/>
+          <p:cNvPicPr>
+            <a:picLocks noChangeAspect="1" noChangeArrowheads="1"/>
+          </p:cNvPicPr>
+          <p:nvPr/>
+        </p:nvPicPr>
+        <p:blipFill>
+          <a:blip r:embed="rId3">
+            <a:duotone>
+              <a:schemeClr val="accent1">
+                <a:shade val="45000"/>
+                <a:satMod val="135000"/>
+              </a:schemeClr>
+              <a:prstClr val="white"/>
+            </a:duotone>
+            <a:lum bright="20000"/>
+          </a:blip>
+          <a:srcRect/>
+          <a:stretch>
+            <a:fillRect/>
+          </a:stretch>
+        </p:blipFill>
+        <p:spPr bwMode="auto">
+          <a:xfrm>
+            <a:off x="6858016" y="153964"/>
+            <a:ext cx="2214578" cy="1131896"/>
+          </a:xfrm>
+          <a:prstGeom prst="rect">
+            <a:avLst/>
+          </a:prstGeom>
+          <a:noFill/>
+        </p:spPr>
+      </p:pic>
+      <p:sp>
+        <p:nvSpPr>
+          <p:cNvPr id="6" name="Segnaposto contenuto 5"/>
+          <p:cNvSpPr>
+            <a:spLocks noGrp="1"/>
+          </p:cNvSpPr>
+          <p:nvPr>
+            <p:ph idx="1"/>
+          </p:nvPr>
+        </p:nvSpPr>
+        <p:spPr>
+          <a:xfrm>
+            <a:off x="457200" y="1643049"/>
+            <a:ext cx="8401080" cy="5000661"/>
+          </a:xfrm>
+        </p:spPr>
+        <p:txBody>
+          <a:bodyPr>
+            <a:normAutofit fontScale="92500"/>
+          </a:bodyPr>
+          <a:lstStyle/>
+          <a:p>
+            <a:r>
+              <a:rPr lang="en-US" dirty="0" smtClean="0"/>
+              <a:t>Contributions:</a:t>
+            </a:r>
+            <a:endParaRPr lang="en-US" dirty="0" smtClean="0"/>
+          </a:p>
+          <a:p>
+            <a:pPr lvl="1"/>
+            <a:r>
+              <a:rPr lang="en-US" dirty="0" smtClean="0"/>
+              <a:t>Introduction to IMDB with an in-depth analysis</a:t>
+            </a:r>
+          </a:p>
+          <a:p>
+            <a:pPr lvl="1"/>
+            <a:r>
+              <a:rPr lang="en-US" dirty="0" smtClean="0"/>
+              <a:t>Performance analysis problem</a:t>
+            </a:r>
+            <a:endParaRPr lang="en-US" dirty="0" smtClean="0"/>
+          </a:p>
+          <a:p>
+            <a:pPr lvl="1"/>
+            <a:r>
+              <a:rPr lang="en-US" dirty="0" smtClean="0"/>
+              <a:t>Database benchmark framework with powerful graphs</a:t>
+            </a:r>
+          </a:p>
+          <a:p>
+            <a:pPr lvl="1"/>
+            <a:r>
+              <a:rPr lang="en-US" dirty="0" smtClean="0"/>
+              <a:t>Prevayler, H2, Db4o, HSQLDB, PICO4</a:t>
+            </a:r>
+            <a:endParaRPr lang="en-US" dirty="0" smtClean="0"/>
+          </a:p>
+          <a:p>
+            <a:endParaRPr lang="en-US" dirty="0" smtClean="0"/>
+          </a:p>
+          <a:p>
+            <a:r>
+              <a:rPr lang="en-US" dirty="0" smtClean="0"/>
+              <a:t>Future Development:</a:t>
+            </a:r>
+          </a:p>
+          <a:p>
+            <a:pPr lvl="1"/>
+            <a:r>
+              <a:rPr lang="en-US" dirty="0" smtClean="0"/>
+              <a:t>New tests and databases</a:t>
+            </a:r>
+          </a:p>
+          <a:p>
+            <a:pPr lvl="1"/>
+            <a:r>
+              <a:rPr lang="en-US" dirty="0" smtClean="0"/>
+              <a:t>Graphical user interface</a:t>
+            </a:r>
+          </a:p>
+          <a:p>
+            <a:pPr lvl="1"/>
+            <a:r>
+              <a:rPr lang="en-US" dirty="0" smtClean="0"/>
+              <a:t>Mapping technology layer</a:t>
+            </a:r>
+            <a:endParaRPr lang="en-US" dirty="0"/>
+          </a:p>
+        </p:txBody>
+      </p:sp>
+    </p:spTree>
+  </p:cSld>
+  <p:clrMapOvr>
+    <a:masterClrMapping/>
+  </p:clrMapOvr>
+  <p:transition>
+    <p:fade/>
+  </p:transition>
+  <p:timing>
+    <p:tnLst>
+      <p:par>
+        <p:cTn id="1" dur="indefinite" restart="never" nodeType="tmRoot">
+          <p:childTnLst>
+            <p:seq concurrent="1" nextAc="seek">
+              <p:cTn id="2" dur="indefinite" nodeType="mainSeq">
+                <p:childTnLst>
+                  <p:par>
+                    <p:cTn id="3" fill="hold">
+                      <p:stCondLst>
+                        <p:cond delay="indefinite"/>
+                      </p:stCondLst>
+                      <p:childTnLst>
+                        <p:par>
+                          <p:cTn id="4" fill="hold">
+                            <p:stCondLst>
+                              <p:cond delay="0"/>
+                            </p:stCondLst>
+                            <p:childTnLst>
+                              <p:par>
+                                <p:cTn id="5" presetID="10" presetClass="entr" presetSubtype="0" fill="hold" nodeType="clickEffect">
+                                  <p:stCondLst>
+                                    <p:cond delay="0"/>
+                                  </p:stCondLst>
+                                  <p:childTnLst>
+                                    <p:set>
+                                      <p:cBhvr>
+                                        <p:cTn id="6" dur="1" fill="hold">
+                                          <p:stCondLst>
+                                            <p:cond delay="0"/>
+                                          </p:stCondLst>
+                                        </p:cTn>
+                                        <p:tgtEl>
+                                          <p:spTgt spid="6">
+                                            <p:txEl>
+                                              <p:pRg st="0" end="0"/>
+                                            </p:txEl>
+                                          </p:spTgt>
+                                        </p:tgtEl>
+                                        <p:attrNameLst>
+                                          <p:attrName>style.visibility</p:attrName>
+                                        </p:attrNameLst>
+                                      </p:cBhvr>
+                                      <p:to>
+                                        <p:strVal val="visible"/>
+                                      </p:to>
+                                    </p:set>
+                                    <p:animEffect transition="in" filter="fade">
+                                      <p:cBhvr>
+                                        <p:cTn id="7" dur="1000"/>
+                                        <p:tgtEl>
+                                          <p:spTgt spid="6">
+                                            <p:txEl>
+                                              <p:pRg st="0" end="0"/>
+                                            </p:txEl>
+                                          </p:spTgt>
+                                        </p:tgtEl>
+                                      </p:cBhvr>
+                                    </p:animEffect>
+                                  </p:childTnLst>
+                                </p:cTn>
+                              </p:par>
+                              <p:par>
+                                <p:cTn id="8" presetID="10" presetClass="entr" presetSubtype="0" fill="hold" nodeType="withEffect">
+                                  <p:stCondLst>
+                                    <p:cond delay="0"/>
+                                  </p:stCondLst>
+                                  <p:childTnLst>
+                                    <p:set>
+                                      <p:cBhvr>
+                                        <p:cTn id="9" dur="1" fill="hold">
+                                          <p:stCondLst>
+                                            <p:cond delay="0"/>
+                                          </p:stCondLst>
+                                        </p:cTn>
+                                        <p:tgtEl>
+                                          <p:spTgt spid="6">
+                                            <p:txEl>
+                                              <p:pRg st="1" end="1"/>
+                                            </p:txEl>
+                                          </p:spTgt>
+                                        </p:tgtEl>
+                                        <p:attrNameLst>
+                                          <p:attrName>style.visibility</p:attrName>
+                                        </p:attrNameLst>
+                                      </p:cBhvr>
+                                      <p:to>
+                                        <p:strVal val="visible"/>
+                                      </p:to>
+                                    </p:set>
+                                    <p:animEffect transition="in" filter="fade">
+                                      <p:cBhvr>
+                                        <p:cTn id="10" dur="1000"/>
+                                        <p:tgtEl>
+                                          <p:spTgt spid="6">
+                                            <p:txEl>
+                                              <p:pRg st="1" end="1"/>
+                                            </p:txEl>
+                                          </p:spTgt>
+                                        </p:tgtEl>
+                                      </p:cBhvr>
+                                    </p:animEffect>
+                                  </p:childTnLst>
+                                </p:cTn>
+                              </p:par>
+                              <p:par>
+                                <p:cTn id="11" presetID="10" presetClass="entr" presetSubtype="0" fill="hold" nodeType="withEffect">
+                                  <p:stCondLst>
+                                    <p:cond delay="0"/>
+                                  </p:stCondLst>
+                                  <p:childTnLst>
+                                    <p:set>
+                                      <p:cBhvr>
+                                        <p:cTn id="12" dur="1" fill="hold">
+                                          <p:stCondLst>
+                                            <p:cond delay="0"/>
+                                          </p:stCondLst>
+                                        </p:cTn>
+                                        <p:tgtEl>
+                                          <p:spTgt spid="6">
+                                            <p:txEl>
+                                              <p:pRg st="2" end="2"/>
+                                            </p:txEl>
+                                          </p:spTgt>
+                                        </p:tgtEl>
+                                        <p:attrNameLst>
+                                          <p:attrName>style.visibility</p:attrName>
+                                        </p:attrNameLst>
+                                      </p:cBhvr>
+                                      <p:to>
+                                        <p:strVal val="visible"/>
+                                      </p:to>
+                                    </p:set>
+                                    <p:animEffect transition="in" filter="fade">
+                                      <p:cBhvr>
+                                        <p:cTn id="13" dur="1000"/>
+                                        <p:tgtEl>
+                                          <p:spTgt spid="6">
+                                            <p:txEl>
+                                              <p:pRg st="2" end="2"/>
+                                            </p:txEl>
+                                          </p:spTgt>
+                                        </p:tgtEl>
+                                      </p:cBhvr>
+                                    </p:animEffect>
+                                  </p:childTnLst>
+                                </p:cTn>
+                              </p:par>
+                              <p:par>
+                                <p:cTn id="14" presetID="10" presetClass="entr" presetSubtype="0" fill="hold" nodeType="withEffect">
+                                  <p:stCondLst>
+                                    <p:cond delay="0"/>
+                                  </p:stCondLst>
+                                  <p:childTnLst>
+                                    <p:set>
+                                      <p:cBhvr>
+                                        <p:cTn id="15" dur="1" fill="hold">
+                                          <p:stCondLst>
+                                            <p:cond delay="0"/>
+                                          </p:stCondLst>
+                                        </p:cTn>
+                                        <p:tgtEl>
+                                          <p:spTgt spid="6">
+                                            <p:txEl>
+                                              <p:pRg st="3" end="3"/>
+                                            </p:txEl>
+                                          </p:spTgt>
+                                        </p:tgtEl>
+                                        <p:attrNameLst>
+                                          <p:attrName>style.visibility</p:attrName>
+                                        </p:attrNameLst>
+                                      </p:cBhvr>
+                                      <p:to>
+                                        <p:strVal val="visible"/>
+                                      </p:to>
+                                    </p:set>
+                                    <p:animEffect transition="in" filter="fade">
+                                      <p:cBhvr>
+                                        <p:cTn id="16" dur="1000"/>
+                                        <p:tgtEl>
+                                          <p:spTgt spid="6">
+                                            <p:txEl>
+                                              <p:pRg st="3" end="3"/>
+                                            </p:txEl>
+                                          </p:spTgt>
+                                        </p:tgtEl>
+                                      </p:cBhvr>
+                                    </p:animEffect>
+                                  </p:childTnLst>
+                                </p:cTn>
+                              </p:par>
+                              <p:par>
+                                <p:cTn id="17" presetID="10" presetClass="entr" presetSubtype="0" fill="hold" nodeType="withEffect">
+                                  <p:stCondLst>
+                                    <p:cond delay="0"/>
+                                  </p:stCondLst>
+                                  <p:childTnLst>
+                                    <p:set>
+                                      <p:cBhvr>
+                                        <p:cTn id="18" dur="1" fill="hold">
+                                          <p:stCondLst>
+                                            <p:cond delay="0"/>
+                                          </p:stCondLst>
+                                        </p:cTn>
+                                        <p:tgtEl>
+                                          <p:spTgt spid="6">
+                                            <p:txEl>
+                                              <p:pRg st="4" end="4"/>
+                                            </p:txEl>
+                                          </p:spTgt>
+                                        </p:tgtEl>
+                                        <p:attrNameLst>
+                                          <p:attrName>style.visibility</p:attrName>
+                                        </p:attrNameLst>
+                                      </p:cBhvr>
+                                      <p:to>
+                                        <p:strVal val="visible"/>
+                                      </p:to>
+                                    </p:set>
+                                    <p:animEffect transition="in" filter="fade">
+                                      <p:cBhvr>
+                                        <p:cTn id="19" dur="1000"/>
+                                        <p:tgtEl>
+                                          <p:spTgt spid="6">
+                                            <p:txEl>
+                                              <p:pRg st="4" end="4"/>
+                                            </p:txEl>
+                                          </p:spTgt>
+                                        </p:tgtEl>
+                                      </p:cBhvr>
+                                    </p:animEffect>
+                                  </p:childTnLst>
+                                </p:cTn>
+                              </p:par>
+                            </p:childTnLst>
+                          </p:cTn>
+                        </p:par>
+                      </p:childTnLst>
+                    </p:cTn>
+                  </p:par>
+                  <p:par>
+                    <p:cTn id="20" fill="hold">
+                      <p:stCondLst>
+                        <p:cond delay="indefinite"/>
+                      </p:stCondLst>
+                      <p:childTnLst>
+                        <p:par>
+                          <p:cTn id="21" fill="hold">
+                            <p:stCondLst>
+                              <p:cond delay="0"/>
+                            </p:stCondLst>
+                            <p:childTnLst>
+                              <p:par>
+                                <p:cTn id="22" presetID="10" presetClass="entr" presetSubtype="0" fill="hold" nodeType="clickEffect">
+                                  <p:stCondLst>
+                                    <p:cond delay="0"/>
+                                  </p:stCondLst>
+                                  <p:childTnLst>
+                                    <p:set>
+                                      <p:cBhvr>
+                                        <p:cTn id="23" dur="1" fill="hold">
+                                          <p:stCondLst>
+                                            <p:cond delay="0"/>
+                                          </p:stCondLst>
+                                        </p:cTn>
+                                        <p:tgtEl>
+                                          <p:spTgt spid="6">
+                                            <p:txEl>
+                                              <p:pRg st="6" end="6"/>
+                                            </p:txEl>
+                                          </p:spTgt>
+                                        </p:tgtEl>
+                                        <p:attrNameLst>
+                                          <p:attrName>style.visibility</p:attrName>
+                                        </p:attrNameLst>
+                                      </p:cBhvr>
+                                      <p:to>
+                                        <p:strVal val="visible"/>
+                                      </p:to>
+                                    </p:set>
+                                    <p:animEffect transition="in" filter="fade">
+                                      <p:cBhvr>
+                                        <p:cTn id="24" dur="1000"/>
+                                        <p:tgtEl>
+                                          <p:spTgt spid="6">
+                                            <p:txEl>
+                                              <p:pRg st="6" end="6"/>
+                                            </p:txEl>
+                                          </p:spTgt>
+                                        </p:tgtEl>
+                                      </p:cBhvr>
+                                    </p:animEffect>
+                                  </p:childTnLst>
+                                </p:cTn>
+                              </p:par>
+                              <p:par>
+                                <p:cTn id="25" presetID="10" presetClass="entr" presetSubtype="0" fill="hold" nodeType="withEffect">
+                                  <p:stCondLst>
+                                    <p:cond delay="0"/>
+                                  </p:stCondLst>
+                                  <p:childTnLst>
+                                    <p:set>
+                                      <p:cBhvr>
+                                        <p:cTn id="26" dur="1" fill="hold">
+                                          <p:stCondLst>
+                                            <p:cond delay="0"/>
+                                          </p:stCondLst>
+                                        </p:cTn>
+                                        <p:tgtEl>
+                                          <p:spTgt spid="6">
+                                            <p:txEl>
+                                              <p:pRg st="7" end="7"/>
+                                            </p:txEl>
+                                          </p:spTgt>
+                                        </p:tgtEl>
+                                        <p:attrNameLst>
+                                          <p:attrName>style.visibility</p:attrName>
+                                        </p:attrNameLst>
+                                      </p:cBhvr>
+                                      <p:to>
+                                        <p:strVal val="visible"/>
+                                      </p:to>
+                                    </p:set>
+                                    <p:animEffect transition="in" filter="fade">
+                                      <p:cBhvr>
+                                        <p:cTn id="27" dur="1000"/>
+                                        <p:tgtEl>
+                                          <p:spTgt spid="6">
+                                            <p:txEl>
+                                              <p:pRg st="7" end="7"/>
+                                            </p:txEl>
+                                          </p:spTgt>
+                                        </p:tgtEl>
+                                      </p:cBhvr>
+                                    </p:animEffect>
+                                  </p:childTnLst>
+                                </p:cTn>
+                              </p:par>
+                              <p:par>
+                                <p:cTn id="28" presetID="10" presetClass="entr" presetSubtype="0" fill="hold" nodeType="withEffect">
+                                  <p:stCondLst>
+                                    <p:cond delay="0"/>
+                                  </p:stCondLst>
+                                  <p:childTnLst>
+                                    <p:set>
+                                      <p:cBhvr>
+                                        <p:cTn id="29" dur="1" fill="hold">
+                                          <p:stCondLst>
+                                            <p:cond delay="0"/>
+                                          </p:stCondLst>
+                                        </p:cTn>
+                                        <p:tgtEl>
+                                          <p:spTgt spid="6">
+                                            <p:txEl>
+                                              <p:pRg st="8" end="8"/>
+                                            </p:txEl>
+                                          </p:spTgt>
+                                        </p:tgtEl>
+                                        <p:attrNameLst>
+                                          <p:attrName>style.visibility</p:attrName>
+                                        </p:attrNameLst>
+                                      </p:cBhvr>
+                                      <p:to>
+                                        <p:strVal val="visible"/>
+                                      </p:to>
+                                    </p:set>
+                                    <p:animEffect transition="in" filter="fade">
+                                      <p:cBhvr>
+                                        <p:cTn id="30" dur="1000"/>
+                                        <p:tgtEl>
+                                          <p:spTgt spid="6">
+                                            <p:txEl>
+                                              <p:pRg st="8" end="8"/>
+                                            </p:txEl>
+                                          </p:spTgt>
+                                        </p:tgtEl>
+                                      </p:cBhvr>
+                                    </p:animEffect>
+                                  </p:childTnLst>
+                                </p:cTn>
+                              </p:par>
+                              <p:par>
+                                <p:cTn id="31" presetID="10" presetClass="entr" presetSubtype="0" fill="hold" nodeType="withEffect">
+                                  <p:stCondLst>
+                                    <p:cond delay="0"/>
+                                  </p:stCondLst>
+                                  <p:childTnLst>
+                                    <p:set>
+                                      <p:cBhvr>
+                                        <p:cTn id="32" dur="1" fill="hold">
+                                          <p:stCondLst>
+                                            <p:cond delay="0"/>
+                                          </p:stCondLst>
+                                        </p:cTn>
+                                        <p:tgtEl>
+                                          <p:spTgt spid="6">
+                                            <p:txEl>
+                                              <p:pRg st="9" end="9"/>
+                                            </p:txEl>
+                                          </p:spTgt>
+                                        </p:tgtEl>
+                                        <p:attrNameLst>
+                                          <p:attrName>style.visibility</p:attrName>
+                                        </p:attrNameLst>
+                                      </p:cBhvr>
+                                      <p:to>
+                                        <p:strVal val="visible"/>
+                                      </p:to>
+                                    </p:set>
+                                    <p:animEffect transition="in" filter="fade">
+                                      <p:cBhvr>
+                                        <p:cTn id="33" dur="1000"/>
+                                        <p:tgtEl>
+                                          <p:spTgt spid="6">
+                                            <p:txEl>
+                                              <p:pRg st="9" end="9"/>
+                                            </p:txEl>
+                                          </p:spTgt>
+                                        </p:tgtEl>
+                                      </p:cBhvr>
+                                    </p:animEffect>
+                                  </p:childTnLst>
+                                </p:cTn>
+                              </p:par>
+                            </p:childTnLst>
+                          </p:cTn>
+                        </p:par>
+                      </p:childTnLst>
+                    </p:cTn>
+                  </p:par>
+                </p:childTnLst>
+              </p:cTn>
+              <p:prevCondLst>
+                <p:cond evt="onPrev" delay="0">
+                  <p:tgtEl>
+                    <p:sldTgt/>
+                  </p:tgtEl>
+                </p:cond>
+              </p:prevCondLst>
+              <p:nextCondLst>
+                <p:cond evt="onNext" delay="0">
+                  <p:tgtEl>
+                    <p:sldTgt/>
+                  </p:tgtEl>
+                </p:cond>
+              </p:nextCondLst>
+            </p:seq>
+          </p:childTnLst>
+        </p:cTn>
+      </p:par>
+    </p:tnLst>
+  </p:timing>
+</p:sld>
+</file>
+
+<file path=ppt/slides/slide16.xml><?xml version="1.0" encoding="utf-8"?>
+<p:sld xmlns:a="http://schemas.openxmlformats.org/drawingml/2006/main" xmlns:r="http://schemas.openxmlformats.org/officeDocument/2006/relationships" xmlns:p="http://schemas.openxmlformats.org/presentationml/2006/main">
+  <p:cSld>
+    <p:spTree>
+      <p:nvGrpSpPr>
+        <p:cNvPr id="1" name=""/>
+        <p:cNvGrpSpPr/>
+        <p:nvPr/>
+      </p:nvGrpSpPr>
+      <p:grpSpPr>
+        <a:xfrm>
+          <a:off x="0" y="0"/>
+          <a:ext cx="0" cy="0"/>
+          <a:chOff x="0" y="0"/>
+          <a:chExt cx="0" cy="0"/>
+        </a:xfrm>
+      </p:grpSpPr>
+      <p:sp>
+        <p:nvSpPr>
+          <p:cNvPr id="2" name="Titolo 1"/>
+          <p:cNvSpPr>
+            <a:spLocks noGrp="1"/>
+          </p:cNvSpPr>
+          <p:nvPr>
+            <p:ph type="title"/>
+          </p:nvPr>
+        </p:nvSpPr>
+        <p:spPr>
+          <a:xfrm>
+            <a:off x="457200" y="155448"/>
+            <a:ext cx="6257940" cy="1252728"/>
+          </a:xfrm>
+        </p:spPr>
+        <p:txBody>
+          <a:bodyPr>
+            <a:normAutofit/>
+          </a:bodyPr>
+          <a:lstStyle/>
+          <a:p>
+            <a:r>
+              <a:rPr lang="it-IT" dirty="0" smtClean="0">
+                <a:solidFill>
+                  <a:srgbClr val="FFC000"/>
+                </a:solidFill>
+              </a:rPr>
+              <a:t> </a:t>
+            </a:r>
+            <a:endParaRPr lang="en-US" dirty="0">
+              <a:solidFill>
+                <a:srgbClr val="FFC000"/>
+              </a:solidFill>
+            </a:endParaRPr>
+          </a:p>
+        </p:txBody>
+      </p:sp>
+      <p:pic>
+        <p:nvPicPr>
+          <p:cNvPr id="4" name="Picture 4" descr="C:\Users\error0\Desktop\logoRoma32.gif"/>
+          <p:cNvPicPr>
+            <a:picLocks noChangeAspect="1" noChangeArrowheads="1"/>
+          </p:cNvPicPr>
+          <p:nvPr/>
+        </p:nvPicPr>
+        <p:blipFill>
+          <a:blip r:embed="rId2">
+            <a:duotone>
+              <a:schemeClr val="accent1">
+                <a:shade val="45000"/>
+                <a:satMod val="135000"/>
+              </a:schemeClr>
+              <a:prstClr val="white"/>
+            </a:duotone>
+            <a:lum bright="20000"/>
+          </a:blip>
+          <a:srcRect/>
+          <a:stretch>
+            <a:fillRect/>
+          </a:stretch>
+        </p:blipFill>
+        <p:spPr bwMode="auto">
+          <a:xfrm>
+            <a:off x="6858016" y="153964"/>
+            <a:ext cx="2214578" cy="1131896"/>
+          </a:xfrm>
+          <a:prstGeom prst="rect">
+            <a:avLst/>
+          </a:prstGeom>
+          <a:noFill/>
+        </p:spPr>
+      </p:pic>
+      <p:sp>
+        <p:nvSpPr>
+          <p:cNvPr id="6" name="Segnaposto contenuto 5"/>
+          <p:cNvSpPr>
+            <a:spLocks noGrp="1"/>
+          </p:cNvSpPr>
+          <p:nvPr>
+            <p:ph idx="1"/>
+          </p:nvPr>
+        </p:nvSpPr>
+        <p:spPr>
+          <a:xfrm>
+            <a:off x="457200" y="1775191"/>
+            <a:ext cx="8043890" cy="4625609"/>
+          </a:xfrm>
+        </p:spPr>
+        <p:txBody>
+          <a:bodyPr>
+            <a:normAutofit/>
+          </a:bodyPr>
+          <a:lstStyle/>
+          <a:p>
+            <a:pPr lvl="1" algn="ctr">
+              <a:buNone/>
+            </a:pPr>
+            <a:endParaRPr lang="it-IT" dirty="0" smtClean="0"/>
+          </a:p>
+          <a:p>
+            <a:pPr lvl="1" algn="ctr">
+              <a:buNone/>
+            </a:pPr>
+            <a:endParaRPr lang="it-IT" dirty="0" smtClean="0"/>
+          </a:p>
+          <a:p>
+            <a:pPr lvl="1" algn="ctr">
+              <a:buNone/>
+            </a:pPr>
+            <a:r>
+              <a:rPr lang="en-US" sz="4800" dirty="0" smtClean="0"/>
+              <a:t>Thanks </a:t>
+            </a:r>
+          </a:p>
+          <a:p>
+            <a:pPr lvl="1" algn="ctr">
+              <a:buNone/>
+            </a:pPr>
+            <a:r>
+              <a:rPr lang="en-US" sz="4800" dirty="0" smtClean="0"/>
+              <a:t>for your attention</a:t>
+            </a:r>
+            <a:endParaRPr lang="en-US" sz="4800" dirty="0"/>
+          </a:p>
+        </p:txBody>
+      </p:sp>
+    </p:spTree>
+  </p:cSld>
+  <p:clrMapOvr>
+    <a:masterClrMapping/>
+  </p:clrMapOvr>
+  <p:transition>
+    <p:fade/>
+  </p:transition>
+  <p:timing>
+    <p:tnLst>
+      <p:par>
+        <p:cTn id="1" dur="indefinite" restart="never" nodeType="tmRoot"/>
+      </p:par>
+    </p:tnLst>
+  </p:timing>
+</p:sld>
+</file>
+
+<file path=ppt/slides/slide17.xml><?xml version="1.0" encoding="utf-8"?>
+<p:sld xmlns:a="http://schemas.openxmlformats.org/drawingml/2006/main" xmlns:r="http://schemas.openxmlformats.org/officeDocument/2006/relationships" xmlns:p="http://schemas.openxmlformats.org/presentationml/2006/main" show="0">
   <p:cSld>
     <p:spTree>
       <p:nvGrpSpPr>
@@ -8129,8 +11684,8 @@
 </p:sld>
 </file>
 
-<file path=ppt/slides/slide13.xml><?xml version="1.0" encoding="utf-8"?>
-<p:sld xmlns:a="http://schemas.openxmlformats.org/drawingml/2006/main" xmlns:r="http://schemas.openxmlformats.org/officeDocument/2006/relationships" xmlns:p="http://schemas.openxmlformats.org/presentationml/2006/main">
+<file path=ppt/slides/slide18.xml><?xml version="1.0" encoding="utf-8"?>
+<p:sld xmlns:a="http://schemas.openxmlformats.org/drawingml/2006/main" xmlns:r="http://schemas.openxmlformats.org/officeDocument/2006/relationships" xmlns:p="http://schemas.openxmlformats.org/presentationml/2006/main" show="0">
   <p:cSld>
     <p:spTree>
       <p:nvGrpSpPr>
@@ -8156,12 +11711,7 @@
             <p:ph type="title"/>
           </p:nvPr>
         </p:nvSpPr>
-        <p:spPr>
-          <a:xfrm>
-            <a:off x="457200" y="155448"/>
-            <a:ext cx="6257940" cy="1252728"/>
-          </a:xfrm>
-        </p:spPr>
+        <p:spPr/>
         <p:txBody>
           <a:bodyPr>
             <a:normAutofit/>
@@ -8174,7 +11724,7 @@
                   <a:srgbClr val="FFC000"/>
                 </a:solidFill>
               </a:rPr>
-              <a:t>Throughput</a:t>
+              <a:t>Concurrent View</a:t>
             </a:r>
             <a:endParaRPr lang="en-US" dirty="0">
               <a:solidFill>
@@ -8221,7 +11771,7 @@
       </p:pic>
       <p:pic>
         <p:nvPicPr>
-          <p:cNvPr id="3074" name="Picture 2" descr="C:\Users\error0\Documents\universita\tesi\workspace\tesi\tex\img\result10.jpg"/>
+          <p:cNvPr id="1026" name="Picture 2"/>
           <p:cNvPicPr>
             <a:picLocks noChangeAspect="1" noChangeArrowheads="1"/>
           </p:cNvPicPr>
@@ -8229,20 +11779,27 @@
         </p:nvPicPr>
         <p:blipFill>
           <a:blip r:embed="rId3"/>
-          <a:srcRect t="15095" b="5390"/>
+          <a:srcRect/>
           <a:stretch>
             <a:fillRect/>
           </a:stretch>
         </p:blipFill>
         <p:spPr bwMode="auto">
           <a:xfrm>
-            <a:off x="273612" y="1500174"/>
-            <a:ext cx="8727544" cy="4857784"/>
+            <a:off x="0" y="1500174"/>
+            <a:ext cx="9144000" cy="5357826"/>
           </a:xfrm>
           <a:prstGeom prst="rect">
             <a:avLst/>
           </a:prstGeom>
           <a:noFill/>
+          <a:ln w="9525">
+            <a:noFill/>
+            <a:miter lim="800000"/>
+            <a:headEnd/>
+            <a:tailEnd/>
+          </a:ln>
+          <a:effectLst/>
         </p:spPr>
       </p:pic>
     </p:spTree>
@@ -8263,8 +11820,8 @@
 </p:sld>
 </file>
 
-<file path=ppt/slides/slide14.xml><?xml version="1.0" encoding="utf-8"?>
-<p:sld xmlns:a="http://schemas.openxmlformats.org/drawingml/2006/main" xmlns:r="http://schemas.openxmlformats.org/officeDocument/2006/relationships" xmlns:p="http://schemas.openxmlformats.org/presentationml/2006/main">
+<file path=ppt/slides/slide19.xml><?xml version="1.0" encoding="utf-8"?>
+<p:sld xmlns:a="http://schemas.openxmlformats.org/drawingml/2006/main" xmlns:r="http://schemas.openxmlformats.org/officeDocument/2006/relationships" xmlns:p="http://schemas.openxmlformats.org/presentationml/2006/main" show="0">
   <p:cSld>
     <p:spTree>
       <p:nvGrpSpPr>
@@ -8303,12 +11860,12 @@
           <a:lstStyle/>
           <a:p>
             <a:r>
-              <a:rPr lang="en-US" dirty="0" smtClean="0">
+              <a:rPr lang="it-IT" dirty="0" smtClean="0">
                 <a:solidFill>
                   <a:srgbClr val="FFC000"/>
                 </a:solidFill>
               </a:rPr>
-              <a:t>Memory Usage</a:t>
+              <a:t>Test Suite</a:t>
             </a:r>
             <a:endParaRPr lang="en-US" dirty="0">
               <a:solidFill>
@@ -8353,32 +11910,434 @@
           <a:noFill/>
         </p:spPr>
       </p:pic>
-      <p:pic>
-        <p:nvPicPr>
-          <p:cNvPr id="4098" name="Picture 2" descr="C:\Users\error0\Documents\universita\tesi\workspace\tesi\tex\img\result11.jpg"/>
-          <p:cNvPicPr>
-            <a:picLocks noChangeAspect="1" noChangeArrowheads="1"/>
-          </p:cNvPicPr>
+      <p:sp>
+        <p:nvSpPr>
+          <p:cNvPr id="6" name="Segnaposto contenuto 5"/>
+          <p:cNvSpPr>
+            <a:spLocks noGrp="1"/>
+          </p:cNvSpPr>
+          <p:nvPr>
+            <p:ph idx="1"/>
+          </p:nvPr>
+        </p:nvSpPr>
+        <p:spPr>
+          <a:xfrm>
+            <a:off x="457200" y="1775191"/>
+            <a:ext cx="8043890" cy="4625609"/>
+          </a:xfrm>
+        </p:spPr>
+        <p:txBody>
+          <a:bodyPr>
+            <a:normAutofit/>
+          </a:bodyPr>
+          <a:lstStyle/>
+          <a:p>
+            <a:endParaRPr lang="en-US" dirty="0" smtClean="0"/>
+          </a:p>
+          <a:p>
+            <a:r>
+              <a:rPr lang="en-US" dirty="0" smtClean="0"/>
+              <a:t>Base </a:t>
+            </a:r>
+            <a:r>
+              <a:rPr lang="en-US" dirty="0" smtClean="0"/>
+              <a:t>test case </a:t>
+            </a:r>
+            <a:endParaRPr lang="it-IT" dirty="0" smtClean="0"/>
+          </a:p>
+          <a:p>
+            <a:endParaRPr lang="it-IT" dirty="0" smtClean="0"/>
+          </a:p>
+          <a:p>
+            <a:endParaRPr lang="en-US" dirty="0" smtClean="0"/>
+          </a:p>
+          <a:p>
+            <a:r>
+              <a:rPr lang="en-US" dirty="0" smtClean="0"/>
+              <a:t>Load test case: Real Time Prepaid System</a:t>
+            </a:r>
+          </a:p>
+          <a:p>
+            <a:endParaRPr lang="en-US" dirty="0" smtClean="0"/>
+          </a:p>
+          <a:p>
+            <a:endParaRPr lang="en-US" dirty="0" smtClean="0"/>
+          </a:p>
+          <a:p>
+            <a:pPr>
+              <a:buNone/>
+            </a:pPr>
+            <a:r>
+              <a:rPr lang="it-IT" dirty="0" smtClean="0"/>
+              <a:t> </a:t>
+            </a:r>
+          </a:p>
+          <a:p>
+            <a:pPr>
+              <a:buNone/>
+            </a:pPr>
+            <a:r>
+              <a:rPr lang="it-IT" dirty="0" smtClean="0"/>
+              <a:t> </a:t>
+            </a:r>
+            <a:endParaRPr lang="en-US" dirty="0" smtClean="0"/>
+          </a:p>
+        </p:txBody>
+      </p:sp>
+      <p:sp>
+        <p:nvSpPr>
+          <p:cNvPr id="16" name="Parentesi graffa chiusa 15"/>
+          <p:cNvSpPr/>
           <p:nvPr/>
-        </p:nvPicPr>
-        <p:blipFill>
-          <a:blip r:embed="rId3"/>
-          <a:srcRect t="14643" r="-250" b="5000"/>
-          <a:stretch>
-            <a:fillRect/>
-          </a:stretch>
-        </p:blipFill>
-        <p:spPr bwMode="auto">
+        </p:nvSpPr>
+        <p:spPr>
+          <a:xfrm rot="16200000">
+            <a:off x="3893339" y="1607331"/>
+            <a:ext cx="857256" cy="6786610"/>
+          </a:xfrm>
+          <a:prstGeom prst="rightBrace">
+            <a:avLst>
+              <a:gd name="adj1" fmla="val 90554"/>
+              <a:gd name="adj2" fmla="val 49813"/>
+            </a:avLst>
+          </a:prstGeom>
+          <a:ln w="38100"/>
+        </p:spPr>
+        <p:style>
+          <a:lnRef idx="1">
+            <a:schemeClr val="accent1"/>
+          </a:lnRef>
+          <a:fillRef idx="0">
+            <a:schemeClr val="accent1"/>
+          </a:fillRef>
+          <a:effectRef idx="0">
+            <a:schemeClr val="accent1"/>
+          </a:effectRef>
+          <a:fontRef idx="minor">
+            <a:schemeClr val="tx1"/>
+          </a:fontRef>
+        </p:style>
+        <p:txBody>
+          <a:bodyPr rtlCol="0" anchor="ctr"/>
+          <a:lstStyle/>
+          <a:p>
+            <a:pPr algn="ctr"/>
+            <a:endParaRPr lang="it-IT" dirty="0"/>
+          </a:p>
+        </p:txBody>
+      </p:sp>
+      <p:sp>
+        <p:nvSpPr>
+          <p:cNvPr id="17" name="Elaborazione predefinita 16"/>
+          <p:cNvSpPr/>
+          <p:nvPr/>
+        </p:nvSpPr>
+        <p:spPr>
           <a:xfrm>
-            <a:off x="33020" y="1571612"/>
-            <a:ext cx="9039574" cy="5072098"/>
+            <a:off x="428596" y="5500702"/>
+            <a:ext cx="1785950" cy="785818"/>
+          </a:xfrm>
+          <a:prstGeom prst="flowChartPredefinedProcess">
+            <a:avLst/>
+          </a:prstGeom>
+          <a:solidFill>
+            <a:schemeClr val="bg1"/>
+          </a:solidFill>
+          <a:ln>
+            <a:solidFill>
+              <a:schemeClr val="tx1"/>
+            </a:solidFill>
+          </a:ln>
+        </p:spPr>
+        <p:style>
+          <a:lnRef idx="1">
+            <a:schemeClr val="accent1"/>
+          </a:lnRef>
+          <a:fillRef idx="2">
+            <a:schemeClr val="accent1"/>
+          </a:fillRef>
+          <a:effectRef idx="1">
+            <a:schemeClr val="accent1"/>
+          </a:effectRef>
+          <a:fontRef idx="minor">
+            <a:schemeClr val="dk1"/>
+          </a:fontRef>
+        </p:style>
+        <p:txBody>
+          <a:bodyPr rtlCol="0" anchor="ctr"/>
+          <a:lstStyle/>
+          <a:p>
+            <a:pPr algn="ctr"/>
+            <a:r>
+              <a:rPr lang="en-US" sz="2200" dirty="0" smtClean="0"/>
+              <a:t>Balance</a:t>
+            </a:r>
+            <a:r>
+              <a:rPr lang="it-IT" sz="2200" dirty="0" smtClean="0"/>
+              <a:t> </a:t>
+            </a:r>
+            <a:r>
+              <a:rPr lang="en-US" sz="2200" dirty="0" smtClean="0"/>
+              <a:t>check</a:t>
+            </a:r>
+            <a:endParaRPr lang="en-US" sz="2200" dirty="0"/>
+          </a:p>
+        </p:txBody>
+      </p:sp>
+      <p:sp>
+        <p:nvSpPr>
+          <p:cNvPr id="18" name="Elaborazione predefinita 17"/>
+          <p:cNvSpPr/>
+          <p:nvPr/>
+        </p:nvSpPr>
+        <p:spPr>
+          <a:xfrm>
+            <a:off x="2571736" y="5500702"/>
+            <a:ext cx="3571900" cy="785818"/>
+          </a:xfrm>
+          <a:prstGeom prst="flowChartPredefinedProcess">
+            <a:avLst/>
+          </a:prstGeom>
+          <a:solidFill>
+            <a:schemeClr val="bg1"/>
+          </a:solidFill>
+          <a:ln>
+            <a:solidFill>
+              <a:schemeClr val="tx1"/>
+            </a:solidFill>
+          </a:ln>
+        </p:spPr>
+        <p:style>
+          <a:lnRef idx="1">
+            <a:schemeClr val="accent1"/>
+          </a:lnRef>
+          <a:fillRef idx="2">
+            <a:schemeClr val="accent1"/>
+          </a:fillRef>
+          <a:effectRef idx="1">
+            <a:schemeClr val="accent1"/>
+          </a:effectRef>
+          <a:fontRef idx="minor">
+            <a:schemeClr val="dk1"/>
+          </a:fontRef>
+        </p:style>
+        <p:txBody>
+          <a:bodyPr rtlCol="0" anchor="ctr"/>
+          <a:lstStyle/>
+          <a:p>
+            <a:pPr algn="ctr"/>
+            <a:r>
+              <a:rPr lang="en-US" sz="2200" dirty="0" smtClean="0"/>
+              <a:t>Service authorization and management</a:t>
+            </a:r>
+            <a:endParaRPr lang="en-US" sz="2200" dirty="0"/>
+          </a:p>
+        </p:txBody>
+      </p:sp>
+      <p:sp>
+        <p:nvSpPr>
+          <p:cNvPr id="19" name="Elaborazione predefinita 18"/>
+          <p:cNvSpPr/>
+          <p:nvPr/>
+        </p:nvSpPr>
+        <p:spPr>
+          <a:xfrm>
+            <a:off x="6500826" y="5500702"/>
+            <a:ext cx="2357454" cy="785818"/>
+          </a:xfrm>
+          <a:prstGeom prst="flowChartPredefinedProcess">
+            <a:avLst/>
+          </a:prstGeom>
+          <a:solidFill>
+            <a:schemeClr val="bg1"/>
+          </a:solidFill>
+          <a:ln>
+            <a:solidFill>
+              <a:schemeClr val="tx1"/>
+            </a:solidFill>
+          </a:ln>
+        </p:spPr>
+        <p:style>
+          <a:lnRef idx="1">
+            <a:schemeClr val="accent1"/>
+          </a:lnRef>
+          <a:fillRef idx="2">
+            <a:schemeClr val="accent1"/>
+          </a:fillRef>
+          <a:effectRef idx="1">
+            <a:schemeClr val="accent1"/>
+          </a:effectRef>
+          <a:fontRef idx="minor">
+            <a:schemeClr val="dk1"/>
+          </a:fontRef>
+        </p:style>
+        <p:txBody>
+          <a:bodyPr rtlCol="0" anchor="ctr"/>
+          <a:lstStyle/>
+          <a:p>
+            <a:pPr algn="ctr"/>
+            <a:r>
+              <a:rPr lang="en-US" sz="2200" dirty="0" smtClean="0"/>
+              <a:t>Accounts management</a:t>
+            </a:r>
+            <a:endParaRPr lang="en-US" sz="2200" dirty="0"/>
+          </a:p>
+        </p:txBody>
+      </p:sp>
+      <p:sp>
+        <p:nvSpPr>
+          <p:cNvPr id="9" name="Parentesi graffa aperta 8"/>
+          <p:cNvSpPr/>
+          <p:nvPr/>
+        </p:nvSpPr>
+        <p:spPr>
+          <a:xfrm>
+            <a:off x="3500430" y="2071678"/>
+            <a:ext cx="441200" cy="1158540"/>
+          </a:xfrm>
+          <a:prstGeom prst="leftBrace">
+            <a:avLst/>
+          </a:prstGeom>
+          <a:ln w="38100"/>
+        </p:spPr>
+        <p:style>
+          <a:lnRef idx="1">
+            <a:schemeClr val="accent1"/>
+          </a:lnRef>
+          <a:fillRef idx="0">
+            <a:schemeClr val="accent1"/>
+          </a:fillRef>
+          <a:effectRef idx="0">
+            <a:schemeClr val="accent1"/>
+          </a:effectRef>
+          <a:fontRef idx="minor">
+            <a:schemeClr val="tx1"/>
+          </a:fontRef>
+        </p:style>
+        <p:txBody>
+          <a:bodyPr rtlCol="0" anchor="ctr"/>
+          <a:lstStyle/>
+          <a:p>
+            <a:pPr algn="ctr"/>
+            <a:endParaRPr lang="it-IT"/>
+          </a:p>
+        </p:txBody>
+      </p:sp>
+      <p:sp>
+        <p:nvSpPr>
+          <p:cNvPr id="10" name="CasellaDiTesto 9"/>
+          <p:cNvSpPr txBox="1"/>
+          <p:nvPr/>
+        </p:nvSpPr>
+        <p:spPr>
+          <a:xfrm>
+            <a:off x="3929058" y="2000240"/>
+            <a:ext cx="4714908" cy="1292662"/>
           </a:xfrm>
           <a:prstGeom prst="rect">
             <a:avLst/>
           </a:prstGeom>
           <a:noFill/>
         </p:spPr>
-      </p:pic>
+        <p:txBody>
+          <a:bodyPr wrap="square" rtlCol="0">
+            <a:spAutoFit/>
+          </a:bodyPr>
+          <a:lstStyle/>
+          <a:p>
+            <a:pPr>
+              <a:buFont typeface="Arial" pitchFamily="34" charset="0"/>
+              <a:buChar char="•"/>
+            </a:pPr>
+            <a:r>
+              <a:rPr lang="it-IT" sz="2600" dirty="0" smtClean="0"/>
+              <a:t> </a:t>
+            </a:r>
+            <a:r>
+              <a:rPr lang="it-IT" sz="2600" dirty="0" err="1" smtClean="0"/>
+              <a:t>different</a:t>
+            </a:r>
+            <a:r>
+              <a:rPr lang="it-IT" sz="2600" dirty="0" smtClean="0"/>
+              <a:t> </a:t>
+            </a:r>
+            <a:r>
+              <a:rPr lang="it-IT" sz="2600" dirty="0" err="1" smtClean="0"/>
+              <a:t>kind</a:t>
+            </a:r>
+            <a:r>
+              <a:rPr lang="it-IT" sz="2600" dirty="0" smtClean="0"/>
+              <a:t> </a:t>
+            </a:r>
+            <a:r>
+              <a:rPr lang="it-IT" sz="2600" dirty="0" err="1" smtClean="0"/>
+              <a:t>of</a:t>
+            </a:r>
+            <a:r>
+              <a:rPr lang="it-IT" sz="2600" dirty="0" smtClean="0"/>
+              <a:t> </a:t>
+            </a:r>
+            <a:r>
+              <a:rPr lang="it-IT" sz="2600" dirty="0" err="1" smtClean="0"/>
+              <a:t>objects</a:t>
+            </a:r>
+            <a:endParaRPr lang="it-IT" sz="2600" dirty="0" smtClean="0"/>
+          </a:p>
+          <a:p>
+            <a:pPr>
+              <a:buFont typeface="Arial" pitchFamily="34" charset="0"/>
+              <a:buChar char="•"/>
+            </a:pPr>
+            <a:r>
+              <a:rPr lang="it-IT" sz="2600" dirty="0" smtClean="0"/>
+              <a:t> single </a:t>
+            </a:r>
+            <a:r>
+              <a:rPr lang="it-IT" sz="2600" dirty="0" smtClean="0"/>
+              <a:t>task</a:t>
+            </a:r>
+          </a:p>
+          <a:p>
+            <a:pPr>
+              <a:buFont typeface="Arial" pitchFamily="34" charset="0"/>
+              <a:buChar char="•"/>
+            </a:pPr>
+            <a:r>
+              <a:rPr lang="it-IT" sz="2600" dirty="0" smtClean="0"/>
+              <a:t> </a:t>
+            </a:r>
+            <a:r>
+              <a:rPr lang="it-IT" sz="2600" dirty="0" err="1" smtClean="0"/>
+              <a:t>fixed</a:t>
+            </a:r>
+            <a:r>
+              <a:rPr lang="it-IT" sz="2600" dirty="0" smtClean="0"/>
+              <a:t> </a:t>
+            </a:r>
+            <a:r>
+              <a:rPr lang="it-IT" sz="2600" dirty="0" err="1" smtClean="0"/>
+              <a:t>number</a:t>
+            </a:r>
+            <a:r>
+              <a:rPr lang="it-IT" sz="2600" dirty="0" smtClean="0"/>
+              <a:t> </a:t>
+            </a:r>
+            <a:r>
+              <a:rPr lang="it-IT" sz="2600" dirty="0" err="1" smtClean="0"/>
+              <a:t>of</a:t>
+            </a:r>
+            <a:r>
+              <a:rPr lang="it-IT" sz="2600" dirty="0" smtClean="0"/>
+              <a:t> </a:t>
+            </a:r>
+            <a:r>
+              <a:rPr lang="it-IT" sz="2600" dirty="0" err="1" smtClean="0"/>
+              <a:t>transactions</a:t>
+            </a:r>
+            <a:endParaRPr lang="it-IT" sz="2600" dirty="0" smtClean="0"/>
+          </a:p>
+        </p:txBody>
+      </p:sp>
     </p:spTree>
   </p:cSld>
   <p:clrMapOvr>
@@ -8390,388 +12349,408 @@
   <p:timing>
     <p:tnLst>
       <p:par>
-        <p:cTn id="1" dur="indefinite" restart="never" nodeType="tmRoot"/>
+        <p:cTn id="1" dur="indefinite" restart="never" nodeType="tmRoot">
+          <p:childTnLst>
+            <p:seq concurrent="1" nextAc="seek">
+              <p:cTn id="2" dur="indefinite" nodeType="mainSeq">
+                <p:childTnLst>
+                  <p:par>
+                    <p:cTn id="3" fill="hold">
+                      <p:stCondLst>
+                        <p:cond delay="indefinite"/>
+                      </p:stCondLst>
+                      <p:childTnLst>
+                        <p:par>
+                          <p:cTn id="4" fill="hold">
+                            <p:stCondLst>
+                              <p:cond delay="0"/>
+                            </p:stCondLst>
+                            <p:childTnLst>
+                              <p:par>
+                                <p:cTn id="5" presetID="10" presetClass="entr" presetSubtype="0" fill="hold" nodeType="clickEffect">
+                                  <p:stCondLst>
+                                    <p:cond delay="0"/>
+                                  </p:stCondLst>
+                                  <p:childTnLst>
+                                    <p:set>
+                                      <p:cBhvr>
+                                        <p:cTn id="6" dur="1" fill="hold">
+                                          <p:stCondLst>
+                                            <p:cond delay="0"/>
+                                          </p:stCondLst>
+                                        </p:cTn>
+                                        <p:tgtEl>
+                                          <p:spTgt spid="6">
+                                            <p:txEl>
+                                              <p:pRg st="1" end="1"/>
+                                            </p:txEl>
+                                          </p:spTgt>
+                                        </p:tgtEl>
+                                        <p:attrNameLst>
+                                          <p:attrName>style.visibility</p:attrName>
+                                        </p:attrNameLst>
+                                      </p:cBhvr>
+                                      <p:to>
+                                        <p:strVal val="visible"/>
+                                      </p:to>
+                                    </p:set>
+                                    <p:animEffect transition="in" filter="fade">
+                                      <p:cBhvr>
+                                        <p:cTn id="7" dur="1000"/>
+                                        <p:tgtEl>
+                                          <p:spTgt spid="6">
+                                            <p:txEl>
+                                              <p:pRg st="1" end="1"/>
+                                            </p:txEl>
+                                          </p:spTgt>
+                                        </p:tgtEl>
+                                      </p:cBhvr>
+                                    </p:animEffect>
+                                  </p:childTnLst>
+                                </p:cTn>
+                              </p:par>
+                            </p:childTnLst>
+                          </p:cTn>
+                        </p:par>
+                      </p:childTnLst>
+                    </p:cTn>
+                  </p:par>
+                  <p:par>
+                    <p:cTn id="8" fill="hold">
+                      <p:stCondLst>
+                        <p:cond delay="indefinite"/>
+                      </p:stCondLst>
+                      <p:childTnLst>
+                        <p:par>
+                          <p:cTn id="9" fill="hold">
+                            <p:stCondLst>
+                              <p:cond delay="0"/>
+                            </p:stCondLst>
+                            <p:childTnLst>
+                              <p:par>
+                                <p:cTn id="10" presetID="10" presetClass="entr" presetSubtype="0" fill="hold" grpId="0" nodeType="clickEffect">
+                                  <p:stCondLst>
+                                    <p:cond delay="0"/>
+                                  </p:stCondLst>
+                                  <p:childTnLst>
+                                    <p:set>
+                                      <p:cBhvr>
+                                        <p:cTn id="11" dur="1" fill="hold">
+                                          <p:stCondLst>
+                                            <p:cond delay="0"/>
+                                          </p:stCondLst>
+                                        </p:cTn>
+                                        <p:tgtEl>
+                                          <p:spTgt spid="9"/>
+                                        </p:tgtEl>
+                                        <p:attrNameLst>
+                                          <p:attrName>style.visibility</p:attrName>
+                                        </p:attrNameLst>
+                                      </p:cBhvr>
+                                      <p:to>
+                                        <p:strVal val="visible"/>
+                                      </p:to>
+                                    </p:set>
+                                    <p:animEffect transition="in" filter="fade">
+                                      <p:cBhvr>
+                                        <p:cTn id="12" dur="1000"/>
+                                        <p:tgtEl>
+                                          <p:spTgt spid="9"/>
+                                        </p:tgtEl>
+                                      </p:cBhvr>
+                                    </p:animEffect>
+                                  </p:childTnLst>
+                                </p:cTn>
+                              </p:par>
+                              <p:par>
+                                <p:cTn id="13" presetID="10" presetClass="entr" presetSubtype="0" fill="hold" grpId="0" nodeType="withEffect">
+                                  <p:stCondLst>
+                                    <p:cond delay="0"/>
+                                  </p:stCondLst>
+                                  <p:childTnLst>
+                                    <p:set>
+                                      <p:cBhvr>
+                                        <p:cTn id="14" dur="1" fill="hold">
+                                          <p:stCondLst>
+                                            <p:cond delay="0"/>
+                                          </p:stCondLst>
+                                        </p:cTn>
+                                        <p:tgtEl>
+                                          <p:spTgt spid="10"/>
+                                        </p:tgtEl>
+                                        <p:attrNameLst>
+                                          <p:attrName>style.visibility</p:attrName>
+                                        </p:attrNameLst>
+                                      </p:cBhvr>
+                                      <p:to>
+                                        <p:strVal val="visible"/>
+                                      </p:to>
+                                    </p:set>
+                                    <p:animEffect transition="in" filter="fade">
+                                      <p:cBhvr>
+                                        <p:cTn id="15" dur="1000"/>
+                                        <p:tgtEl>
+                                          <p:spTgt spid="10"/>
+                                        </p:tgtEl>
+                                      </p:cBhvr>
+                                    </p:animEffect>
+                                  </p:childTnLst>
+                                </p:cTn>
+                              </p:par>
+                            </p:childTnLst>
+                          </p:cTn>
+                        </p:par>
+                      </p:childTnLst>
+                    </p:cTn>
+                  </p:par>
+                  <p:par>
+                    <p:cTn id="16" fill="hold">
+                      <p:stCondLst>
+                        <p:cond delay="indefinite"/>
+                      </p:stCondLst>
+                      <p:childTnLst>
+                        <p:par>
+                          <p:cTn id="17" fill="hold">
+                            <p:stCondLst>
+                              <p:cond delay="0"/>
+                            </p:stCondLst>
+                            <p:childTnLst>
+                              <p:par>
+                                <p:cTn id="18" presetID="10" presetClass="entr" presetSubtype="0" fill="hold" nodeType="clickEffect">
+                                  <p:stCondLst>
+                                    <p:cond delay="0"/>
+                                  </p:stCondLst>
+                                  <p:childTnLst>
+                                    <p:set>
+                                      <p:cBhvr>
+                                        <p:cTn id="19" dur="1" fill="hold">
+                                          <p:stCondLst>
+                                            <p:cond delay="0"/>
+                                          </p:stCondLst>
+                                        </p:cTn>
+                                        <p:tgtEl>
+                                          <p:spTgt spid="6">
+                                            <p:txEl>
+                                              <p:pRg st="4" end="4"/>
+                                            </p:txEl>
+                                          </p:spTgt>
+                                        </p:tgtEl>
+                                        <p:attrNameLst>
+                                          <p:attrName>style.visibility</p:attrName>
+                                        </p:attrNameLst>
+                                      </p:cBhvr>
+                                      <p:to>
+                                        <p:strVal val="visible"/>
+                                      </p:to>
+                                    </p:set>
+                                    <p:animEffect transition="in" filter="fade">
+                                      <p:cBhvr>
+                                        <p:cTn id="20" dur="2000"/>
+                                        <p:tgtEl>
+                                          <p:spTgt spid="6">
+                                            <p:txEl>
+                                              <p:pRg st="4" end="4"/>
+                                            </p:txEl>
+                                          </p:spTgt>
+                                        </p:tgtEl>
+                                      </p:cBhvr>
+                                    </p:animEffect>
+                                  </p:childTnLst>
+                                </p:cTn>
+                              </p:par>
+                            </p:childTnLst>
+                          </p:cTn>
+                        </p:par>
+                      </p:childTnLst>
+                    </p:cTn>
+                  </p:par>
+                  <p:par>
+                    <p:cTn id="21" fill="hold">
+                      <p:stCondLst>
+                        <p:cond delay="indefinite"/>
+                      </p:stCondLst>
+                      <p:childTnLst>
+                        <p:par>
+                          <p:cTn id="22" fill="hold">
+                            <p:stCondLst>
+                              <p:cond delay="0"/>
+                            </p:stCondLst>
+                            <p:childTnLst>
+                              <p:par>
+                                <p:cTn id="23" presetID="10" presetClass="entr" presetSubtype="0" fill="hold" grpId="0" nodeType="clickEffect">
+                                  <p:stCondLst>
+                                    <p:cond delay="0"/>
+                                  </p:stCondLst>
+                                  <p:childTnLst>
+                                    <p:set>
+                                      <p:cBhvr>
+                                        <p:cTn id="24" dur="1" fill="hold">
+                                          <p:stCondLst>
+                                            <p:cond delay="0"/>
+                                          </p:stCondLst>
+                                        </p:cTn>
+                                        <p:tgtEl>
+                                          <p:spTgt spid="16"/>
+                                        </p:tgtEl>
+                                        <p:attrNameLst>
+                                          <p:attrName>style.visibility</p:attrName>
+                                        </p:attrNameLst>
+                                      </p:cBhvr>
+                                      <p:to>
+                                        <p:strVal val="visible"/>
+                                      </p:to>
+                                    </p:set>
+                                    <p:animEffect transition="in" filter="fade">
+                                      <p:cBhvr>
+                                        <p:cTn id="25" dur="1000"/>
+                                        <p:tgtEl>
+                                          <p:spTgt spid="16"/>
+                                        </p:tgtEl>
+                                      </p:cBhvr>
+                                    </p:animEffect>
+                                  </p:childTnLst>
+                                </p:cTn>
+                              </p:par>
+                              <p:par>
+                                <p:cTn id="26" presetID="10" presetClass="entr" presetSubtype="0" fill="hold" grpId="0" nodeType="withEffect">
+                                  <p:stCondLst>
+                                    <p:cond delay="0"/>
+                                  </p:stCondLst>
+                                  <p:childTnLst>
+                                    <p:set>
+                                      <p:cBhvr>
+                                        <p:cTn id="27" dur="1" fill="hold">
+                                          <p:stCondLst>
+                                            <p:cond delay="0"/>
+                                          </p:stCondLst>
+                                        </p:cTn>
+                                        <p:tgtEl>
+                                          <p:spTgt spid="19"/>
+                                        </p:tgtEl>
+                                        <p:attrNameLst>
+                                          <p:attrName>style.visibility</p:attrName>
+                                        </p:attrNameLst>
+                                      </p:cBhvr>
+                                      <p:to>
+                                        <p:strVal val="visible"/>
+                                      </p:to>
+                                    </p:set>
+                                    <p:animEffect transition="in" filter="fade">
+                                      <p:cBhvr>
+                                        <p:cTn id="28" dur="1000"/>
+                                        <p:tgtEl>
+                                          <p:spTgt spid="19"/>
+                                        </p:tgtEl>
+                                      </p:cBhvr>
+                                    </p:animEffect>
+                                  </p:childTnLst>
+                                </p:cTn>
+                              </p:par>
+                              <p:par>
+                                <p:cTn id="29" presetID="10" presetClass="entr" presetSubtype="0" fill="hold" grpId="0" nodeType="withEffect">
+                                  <p:stCondLst>
+                                    <p:cond delay="0"/>
+                                  </p:stCondLst>
+                                  <p:childTnLst>
+                                    <p:set>
+                                      <p:cBhvr>
+                                        <p:cTn id="30" dur="1" fill="hold">
+                                          <p:stCondLst>
+                                            <p:cond delay="0"/>
+                                          </p:stCondLst>
+                                        </p:cTn>
+                                        <p:tgtEl>
+                                          <p:spTgt spid="18"/>
+                                        </p:tgtEl>
+                                        <p:attrNameLst>
+                                          <p:attrName>style.visibility</p:attrName>
+                                        </p:attrNameLst>
+                                      </p:cBhvr>
+                                      <p:to>
+                                        <p:strVal val="visible"/>
+                                      </p:to>
+                                    </p:set>
+                                    <p:animEffect transition="in" filter="fade">
+                                      <p:cBhvr>
+                                        <p:cTn id="31" dur="1000"/>
+                                        <p:tgtEl>
+                                          <p:spTgt spid="18"/>
+                                        </p:tgtEl>
+                                      </p:cBhvr>
+                                    </p:animEffect>
+                                  </p:childTnLst>
+                                </p:cTn>
+                              </p:par>
+                              <p:par>
+                                <p:cTn id="32" presetID="10" presetClass="entr" presetSubtype="0" fill="hold" grpId="0" nodeType="withEffect">
+                                  <p:stCondLst>
+                                    <p:cond delay="0"/>
+                                  </p:stCondLst>
+                                  <p:childTnLst>
+                                    <p:set>
+                                      <p:cBhvr>
+                                        <p:cTn id="33" dur="1" fill="hold">
+                                          <p:stCondLst>
+                                            <p:cond delay="0"/>
+                                          </p:stCondLst>
+                                        </p:cTn>
+                                        <p:tgtEl>
+                                          <p:spTgt spid="17"/>
+                                        </p:tgtEl>
+                                        <p:attrNameLst>
+                                          <p:attrName>style.visibility</p:attrName>
+                                        </p:attrNameLst>
+                                      </p:cBhvr>
+                                      <p:to>
+                                        <p:strVal val="visible"/>
+                                      </p:to>
+                                    </p:set>
+                                    <p:animEffect transition="in" filter="fade">
+                                      <p:cBhvr>
+                                        <p:cTn id="34" dur="1000"/>
+                                        <p:tgtEl>
+                                          <p:spTgt spid="17"/>
+                                        </p:tgtEl>
+                                      </p:cBhvr>
+                                    </p:animEffect>
+                                  </p:childTnLst>
+                                </p:cTn>
+                              </p:par>
+                            </p:childTnLst>
+                          </p:cTn>
+                        </p:par>
+                      </p:childTnLst>
+                    </p:cTn>
+                  </p:par>
+                </p:childTnLst>
+              </p:cTn>
+              <p:prevCondLst>
+                <p:cond evt="onPrev" delay="0">
+                  <p:tgtEl>
+                    <p:sldTgt/>
+                  </p:tgtEl>
+                </p:cond>
+              </p:prevCondLst>
+              <p:nextCondLst>
+                <p:cond evt="onNext" delay="0">
+                  <p:tgtEl>
+                    <p:sldTgt/>
+                  </p:tgtEl>
+                </p:cond>
+              </p:nextCondLst>
+            </p:seq>
+          </p:childTnLst>
+        </p:cTn>
       </p:par>
     </p:tnLst>
-  </p:timing>
-</p:sld>
-</file>
-
-<file path=ppt/slides/slide15.xml><?xml version="1.0" encoding="utf-8"?>
-<p:sld xmlns:a="http://schemas.openxmlformats.org/drawingml/2006/main" xmlns:r="http://schemas.openxmlformats.org/officeDocument/2006/relationships" xmlns:p="http://schemas.openxmlformats.org/presentationml/2006/main">
-  <p:cSld>
-    <p:spTree>
-      <p:nvGrpSpPr>
-        <p:cNvPr id="1" name=""/>
-        <p:cNvGrpSpPr/>
-        <p:nvPr/>
-      </p:nvGrpSpPr>
-      <p:grpSpPr>
-        <a:xfrm>
-          <a:off x="0" y="0"/>
-          <a:ext cx="0" cy="0"/>
-          <a:chOff x="0" y="0"/>
-          <a:chExt cx="0" cy="0"/>
-        </a:xfrm>
-      </p:grpSpPr>
-      <p:sp>
-        <p:nvSpPr>
-          <p:cNvPr id="2" name="Titolo 1"/>
-          <p:cNvSpPr>
-            <a:spLocks noGrp="1"/>
-          </p:cNvSpPr>
-          <p:nvPr>
-            <p:ph type="title"/>
-          </p:nvPr>
-        </p:nvSpPr>
-        <p:spPr>
-          <a:xfrm>
-            <a:off x="457200" y="155448"/>
-            <a:ext cx="6257940" cy="1252728"/>
-          </a:xfrm>
-        </p:spPr>
-        <p:txBody>
-          <a:bodyPr>
-            <a:normAutofit/>
-          </a:bodyPr>
-          <a:lstStyle/>
-          <a:p>
-            <a:r>
-              <a:rPr lang="en-US" dirty="0" smtClean="0">
-                <a:solidFill>
-                  <a:srgbClr val="FFC000"/>
-                </a:solidFill>
-              </a:rPr>
-              <a:t>Conclusion</a:t>
-            </a:r>
-            <a:endParaRPr lang="en-US" dirty="0">
-              <a:solidFill>
-                <a:srgbClr val="FFC000"/>
-              </a:solidFill>
-            </a:endParaRPr>
-          </a:p>
-        </p:txBody>
-      </p:sp>
-      <p:pic>
-        <p:nvPicPr>
-          <p:cNvPr id="4" name="Picture 4" descr="C:\Users\error0\Desktop\logoRoma32.gif"/>
-          <p:cNvPicPr>
-            <a:picLocks noChangeAspect="1" noChangeArrowheads="1"/>
-          </p:cNvPicPr>
-          <p:nvPr/>
-        </p:nvPicPr>
-        <p:blipFill>
-          <a:blip r:embed="rId3">
-            <a:duotone>
-              <a:schemeClr val="accent1">
-                <a:shade val="45000"/>
-                <a:satMod val="135000"/>
-              </a:schemeClr>
-              <a:prstClr val="white"/>
-            </a:duotone>
-            <a:lum bright="20000"/>
-          </a:blip>
-          <a:srcRect/>
-          <a:stretch>
-            <a:fillRect/>
-          </a:stretch>
-        </p:blipFill>
-        <p:spPr bwMode="auto">
-          <a:xfrm>
-            <a:off x="6858016" y="153964"/>
-            <a:ext cx="2214578" cy="1131896"/>
-          </a:xfrm>
-          <a:prstGeom prst="rect">
-            <a:avLst/>
-          </a:prstGeom>
-          <a:noFill/>
-        </p:spPr>
-      </p:pic>
-      <p:sp>
-        <p:nvSpPr>
-          <p:cNvPr id="6" name="Segnaposto contenuto 5"/>
-          <p:cNvSpPr>
-            <a:spLocks noGrp="1"/>
-          </p:cNvSpPr>
-          <p:nvPr>
-            <p:ph idx="1"/>
-          </p:nvPr>
-        </p:nvSpPr>
-        <p:spPr>
-          <a:xfrm>
-            <a:off x="457200" y="1643049"/>
-            <a:ext cx="8401080" cy="5000661"/>
-          </a:xfrm>
-        </p:spPr>
-        <p:txBody>
-          <a:bodyPr>
-            <a:normAutofit fontScale="92500" lnSpcReduction="20000"/>
-          </a:bodyPr>
-          <a:lstStyle/>
-          <a:p>
-            <a:r>
-              <a:rPr lang="en-US" dirty="0" smtClean="0"/>
-              <a:t>Contributions:</a:t>
-            </a:r>
-            <a:endParaRPr lang="en-US" dirty="0" smtClean="0"/>
-          </a:p>
-          <a:p>
-            <a:pPr lvl="1"/>
-            <a:r>
-              <a:rPr lang="en-US" dirty="0" smtClean="0"/>
-              <a:t>Introduction to IMDB with an in-depth analysis</a:t>
-            </a:r>
-          </a:p>
-          <a:p>
-            <a:pPr lvl="1"/>
-            <a:r>
-              <a:rPr lang="en-US" dirty="0" smtClean="0"/>
-              <a:t>Performance analysis problem</a:t>
-            </a:r>
-            <a:endParaRPr lang="en-US" dirty="0" smtClean="0"/>
-          </a:p>
-          <a:p>
-            <a:pPr lvl="1"/>
-            <a:r>
-              <a:rPr lang="en-US" dirty="0" smtClean="0"/>
-              <a:t>Database benchmark framework with powerful graphs</a:t>
-            </a:r>
-          </a:p>
-          <a:p>
-            <a:pPr lvl="1"/>
-            <a:r>
-              <a:rPr lang="en-US" dirty="0" err="1" smtClean="0"/>
-              <a:t>Prevayler</a:t>
-            </a:r>
-            <a:r>
-              <a:rPr lang="en-US" dirty="0" smtClean="0"/>
-              <a:t>, H2, Db4o, HSQLDB, PICO4</a:t>
-            </a:r>
-            <a:endParaRPr lang="en-US" dirty="0" smtClean="0"/>
-          </a:p>
-          <a:p>
-            <a:pPr lvl="1"/>
-            <a:r>
-              <a:rPr lang="en-US" dirty="0" smtClean="0"/>
-              <a:t>For high performance an ad-hoc solution is the best</a:t>
-            </a:r>
-          </a:p>
-          <a:p>
-            <a:endParaRPr lang="en-US" dirty="0" smtClean="0"/>
-          </a:p>
-          <a:p>
-            <a:r>
-              <a:rPr lang="en-US" dirty="0" smtClean="0"/>
-              <a:t>Future Development:</a:t>
-            </a:r>
-          </a:p>
-          <a:p>
-            <a:pPr lvl="1"/>
-            <a:r>
-              <a:rPr lang="en-US" dirty="0" smtClean="0"/>
-              <a:t>New tests and databases</a:t>
-            </a:r>
-          </a:p>
-          <a:p>
-            <a:pPr lvl="1"/>
-            <a:r>
-              <a:rPr lang="en-US" dirty="0" smtClean="0"/>
-              <a:t>New monitors and reporters</a:t>
-            </a:r>
-          </a:p>
-          <a:p>
-            <a:pPr lvl="1"/>
-            <a:r>
-              <a:rPr lang="en-US" dirty="0" smtClean="0"/>
-              <a:t>Modify the reporting system</a:t>
-            </a:r>
-          </a:p>
-          <a:p>
-            <a:pPr lvl="1"/>
-            <a:r>
-              <a:rPr lang="en-US" dirty="0" smtClean="0"/>
-              <a:t>Mapping technology layer</a:t>
-            </a:r>
-            <a:endParaRPr lang="en-US" dirty="0"/>
-          </a:p>
-        </p:txBody>
-      </p:sp>
-    </p:spTree>
-  </p:cSld>
-  <p:clrMapOvr>
-    <a:masterClrMapping/>
-  </p:clrMapOvr>
-  <p:transition>
-    <p:fade/>
-  </p:transition>
-  <p:timing>
-    <p:tnLst>
-      <p:par>
-        <p:cTn id="1" dur="indefinite" restart="never" nodeType="tmRoot"/>
-      </p:par>
-    </p:tnLst>
-  </p:timing>
-</p:sld>
-</file>
-
-<file path=ppt/slides/slide16.xml><?xml version="1.0" encoding="utf-8"?>
-<p:sld xmlns:a="http://schemas.openxmlformats.org/drawingml/2006/main" xmlns:r="http://schemas.openxmlformats.org/officeDocument/2006/relationships" xmlns:p="http://schemas.openxmlformats.org/presentationml/2006/main">
-  <p:cSld>
-    <p:spTree>
-      <p:nvGrpSpPr>
-        <p:cNvPr id="1" name=""/>
-        <p:cNvGrpSpPr/>
-        <p:nvPr/>
-      </p:nvGrpSpPr>
-      <p:grpSpPr>
-        <a:xfrm>
-          <a:off x="0" y="0"/>
-          <a:ext cx="0" cy="0"/>
-          <a:chOff x="0" y="0"/>
-          <a:chExt cx="0" cy="0"/>
-        </a:xfrm>
-      </p:grpSpPr>
-      <p:sp>
-        <p:nvSpPr>
-          <p:cNvPr id="2" name="Titolo 1"/>
-          <p:cNvSpPr>
-            <a:spLocks noGrp="1"/>
-          </p:cNvSpPr>
-          <p:nvPr>
-            <p:ph type="title"/>
-          </p:nvPr>
-        </p:nvSpPr>
-        <p:spPr>
-          <a:xfrm>
-            <a:off x="457200" y="155448"/>
-            <a:ext cx="6257940" cy="1252728"/>
-          </a:xfrm>
-        </p:spPr>
-        <p:txBody>
-          <a:bodyPr>
-            <a:normAutofit/>
-          </a:bodyPr>
-          <a:lstStyle/>
-          <a:p>
-            <a:r>
-              <a:rPr lang="it-IT" dirty="0" smtClean="0">
-                <a:solidFill>
-                  <a:srgbClr val="FFC000"/>
-                </a:solidFill>
-              </a:rPr>
-              <a:t> </a:t>
-            </a:r>
-            <a:endParaRPr lang="en-US" dirty="0">
-              <a:solidFill>
-                <a:srgbClr val="FFC000"/>
-              </a:solidFill>
-            </a:endParaRPr>
-          </a:p>
-        </p:txBody>
-      </p:sp>
-      <p:pic>
-        <p:nvPicPr>
-          <p:cNvPr id="4" name="Picture 4" descr="C:\Users\error0\Desktop\logoRoma32.gif"/>
-          <p:cNvPicPr>
-            <a:picLocks noChangeAspect="1" noChangeArrowheads="1"/>
-          </p:cNvPicPr>
-          <p:nvPr/>
-        </p:nvPicPr>
-        <p:blipFill>
-          <a:blip r:embed="rId2">
-            <a:duotone>
-              <a:schemeClr val="accent1">
-                <a:shade val="45000"/>
-                <a:satMod val="135000"/>
-              </a:schemeClr>
-              <a:prstClr val="white"/>
-            </a:duotone>
-            <a:lum bright="20000"/>
-          </a:blip>
-          <a:srcRect/>
-          <a:stretch>
-            <a:fillRect/>
-          </a:stretch>
-        </p:blipFill>
-        <p:spPr bwMode="auto">
-          <a:xfrm>
-            <a:off x="6858016" y="153964"/>
-            <a:ext cx="2214578" cy="1131896"/>
-          </a:xfrm>
-          <a:prstGeom prst="rect">
-            <a:avLst/>
-          </a:prstGeom>
-          <a:noFill/>
-        </p:spPr>
-      </p:pic>
-      <p:sp>
-        <p:nvSpPr>
-          <p:cNvPr id="6" name="Segnaposto contenuto 5"/>
-          <p:cNvSpPr>
-            <a:spLocks noGrp="1"/>
-          </p:cNvSpPr>
-          <p:nvPr>
-            <p:ph idx="1"/>
-          </p:nvPr>
-        </p:nvSpPr>
-        <p:spPr>
-          <a:xfrm>
-            <a:off x="457200" y="1775191"/>
-            <a:ext cx="8043890" cy="4625609"/>
-          </a:xfrm>
-        </p:spPr>
-        <p:txBody>
-          <a:bodyPr>
-            <a:normAutofit/>
-          </a:bodyPr>
-          <a:lstStyle/>
-          <a:p>
-            <a:pPr lvl="1" algn="ctr">
-              <a:buNone/>
-            </a:pPr>
-            <a:endParaRPr lang="it-IT" dirty="0" smtClean="0"/>
-          </a:p>
-          <a:p>
-            <a:pPr lvl="1" algn="ctr">
-              <a:buNone/>
-            </a:pPr>
-            <a:endParaRPr lang="it-IT" dirty="0" smtClean="0"/>
-          </a:p>
-          <a:p>
-            <a:pPr lvl="1" algn="ctr">
-              <a:buNone/>
-            </a:pPr>
-            <a:r>
-              <a:rPr lang="en-US" sz="4800" dirty="0" smtClean="0"/>
-              <a:t>Thanks </a:t>
-            </a:r>
-          </a:p>
-          <a:p>
-            <a:pPr lvl="1" algn="ctr">
-              <a:buNone/>
-            </a:pPr>
-            <a:r>
-              <a:rPr lang="en-US" sz="4800" dirty="0" smtClean="0"/>
-              <a:t>for your attention</a:t>
-            </a:r>
-            <a:endParaRPr lang="en-US" sz="4800" dirty="0"/>
-          </a:p>
-        </p:txBody>
-      </p:sp>
-    </p:spTree>
-  </p:cSld>
-  <p:clrMapOvr>
-    <a:masterClrMapping/>
-  </p:clrMapOvr>
-  <p:transition>
-    <p:fade/>
-  </p:transition>
-  <p:timing>
-    <p:tnLst>
-      <p:par>
-        <p:cTn id="1" dur="indefinite" restart="never" nodeType="tmRoot"/>
-      </p:par>
-    </p:tnLst>
+    <p:bldLst>
+      <p:bldP spid="16" grpId="0" animBg="1"/>
+      <p:bldP spid="17" grpId="0" animBg="1"/>
+      <p:bldP spid="18" grpId="0" animBg="1"/>
+      <p:bldP spid="19" grpId="0" animBg="1"/>
+      <p:bldP spid="9" grpId="0" animBg="1"/>
+      <p:bldP spid="10" grpId="0"/>
+    </p:bldLst>
   </p:timing>
 </p:sld>
 </file>
@@ -9820,7 +13799,27 @@
           <a:p>
             <a:r>
               <a:rPr lang="en-US" dirty="0" smtClean="0"/>
-              <a:t>Traditional applications during the testing phase</a:t>
+              <a:t>Traditional applications during the </a:t>
+            </a:r>
+            <a:r>
+              <a:rPr lang="en-US" dirty="0" smtClean="0"/>
+              <a:t>development </a:t>
+            </a:r>
+            <a:r>
+              <a:rPr lang="en-US" dirty="0" smtClean="0"/>
+              <a:t>and </a:t>
+            </a:r>
+            <a:r>
+              <a:rPr lang="en-US" dirty="0" smtClean="0"/>
+              <a:t>testing</a:t>
+            </a:r>
+            <a:r>
+              <a:rPr lang="en-US" dirty="0" smtClean="0"/>
+              <a:t> </a:t>
+            </a:r>
+            <a:r>
+              <a:rPr lang="en-US" dirty="0" smtClean="0"/>
+              <a:t>phase</a:t>
             </a:r>
             <a:endParaRPr lang="en-US" dirty="0"/>
           </a:p>
@@ -10153,76 +14152,63 @@
         </p:spPr>
         <p:txBody>
           <a:bodyPr>
-            <a:normAutofit fontScale="92500" lnSpcReduction="20000"/>
+            <a:normAutofit/>
           </a:bodyPr>
           <a:lstStyle/>
           <a:p>
             <a:r>
               <a:rPr lang="en-US" dirty="0" smtClean="0"/>
-              <a:t>Comparison Against Traditional DBMS</a:t>
-            </a:r>
+              <a:t>IMDB vs. Traditional DBMS</a:t>
+            </a:r>
+          </a:p>
+          <a:p>
+            <a:endParaRPr lang="en-US" dirty="0" smtClean="0"/>
           </a:p>
           <a:p>
             <a:r>
               <a:rPr lang="en-US" dirty="0" smtClean="0"/>
-              <a:t>Adding Durability</a:t>
-            </a:r>
-          </a:p>
-          <a:p>
+              <a:t>Databases</a:t>
+            </a:r>
             <a:r>
               <a:rPr lang="en-US" dirty="0" smtClean="0"/>
-              <a:t>Advantages &amp; Disadvantages</a:t>
-            </a:r>
-          </a:p>
-          <a:p>
+              <a:t>’ Performance </a:t>
+            </a:r>
             <a:r>
               <a:rPr lang="en-US" dirty="0" smtClean="0"/>
-              <a:t>Databases’ Performance Analysis</a:t>
-            </a:r>
+              <a:t>Analysis</a:t>
+            </a:r>
+          </a:p>
+          <a:p>
+            <a:endParaRPr lang="en-US" dirty="0" smtClean="0"/>
           </a:p>
           <a:p>
             <a:r>
               <a:rPr lang="en-US" dirty="0" smtClean="0"/>
-              <a:t>Benchmark Requirements</a:t>
-            </a:r>
+              <a:t>Real Time Prepaid System Load Test Case</a:t>
+            </a:r>
+            <a:endParaRPr lang="en-US" dirty="0" smtClean="0"/>
+          </a:p>
+          <a:p>
+            <a:endParaRPr lang="en-US" dirty="0" smtClean="0"/>
           </a:p>
           <a:p>
             <a:r>
               <a:rPr lang="en-US" dirty="0" smtClean="0"/>
-              <a:t>Functional View</a:t>
-            </a:r>
-          </a:p>
-          <a:p>
+              <a:t>Results’ </a:t>
+            </a:r>
             <a:r>
               <a:rPr lang="en-US" dirty="0" smtClean="0"/>
-              <a:t>Development View</a:t>
-            </a:r>
+              <a:t>Analysis</a:t>
+            </a:r>
+          </a:p>
+          <a:p>
+            <a:endParaRPr lang="en-US" dirty="0" smtClean="0"/>
           </a:p>
           <a:p>
             <a:r>
               <a:rPr lang="en-US" dirty="0" smtClean="0"/>
-              <a:t>Real Time Prepaid System Configuration</a:t>
-            </a:r>
-          </a:p>
-          <a:p>
-            <a:r>
-              <a:rPr lang="en-US" dirty="0" smtClean="0"/>
-              <a:t>Results’ Analysis</a:t>
-            </a:r>
-          </a:p>
-          <a:p>
-            <a:r>
-              <a:rPr lang="en-US" dirty="0" smtClean="0"/>
-              <a:t>Conclusion: Contributions</a:t>
-            </a:r>
-          </a:p>
-          <a:p>
-            <a:r>
-              <a:rPr lang="en-US" dirty="0" smtClean="0"/>
-              <a:t>Conclusion: Future Development</a:t>
-            </a:r>
-          </a:p>
-          <a:p>
+              <a:t>Conclusion</a:t>
+            </a:r>
             <a:endParaRPr lang="en-US" dirty="0"/>
           </a:p>
         </p:txBody>
@@ -13065,7 +17051,7 @@
         </p:spPr>
         <p:txBody>
           <a:bodyPr>
-            <a:normAutofit fontScale="92500" lnSpcReduction="20000"/>
+            <a:normAutofit lnSpcReduction="10000"/>
           </a:bodyPr>
           <a:lstStyle/>
           <a:p>
@@ -13100,233 +17086,41 @@
           </a:p>
           <a:p>
             <a:r>
+              <a:rPr lang="it-IT" dirty="0" smtClean="0"/>
+              <a:t>Test Suite:</a:t>
+            </a:r>
+          </a:p>
+          <a:p>
+            <a:pPr lvl="1"/>
+            <a:r>
+              <a:rPr lang="it-IT" dirty="0" smtClean="0"/>
+              <a:t>Base </a:t>
+            </a:r>
+            <a:r>
+              <a:rPr lang="it-IT" dirty="0" smtClean="0"/>
+              <a:t>test </a:t>
+            </a:r>
+            <a:r>
+              <a:rPr lang="it-IT" dirty="0" smtClean="0"/>
+              <a:t>case</a:t>
+            </a:r>
+            <a:endParaRPr lang="en-US" dirty="0" smtClean="0"/>
+          </a:p>
+          <a:p>
+            <a:pPr lvl="1"/>
+            <a:r>
               <a:rPr lang="en-US" dirty="0" smtClean="0"/>
-              <a:t>Load test case: Real Time Prepaid System</a:t>
-            </a:r>
-          </a:p>
-          <a:p>
+              <a:t>Load </a:t>
+            </a:r>
+            <a:r>
+              <a:rPr lang="en-US" dirty="0" smtClean="0"/>
+              <a:t>test </a:t>
+            </a:r>
+            <a:r>
+              <a:rPr lang="en-US" dirty="0" smtClean="0"/>
+              <a:t>case</a:t>
+            </a:r>
             <a:endParaRPr lang="en-US" dirty="0" smtClean="0"/>
-          </a:p>
-          <a:p>
-            <a:endParaRPr lang="en-US" dirty="0" smtClean="0"/>
-          </a:p>
-          <a:p>
-            <a:pPr>
-              <a:buNone/>
-            </a:pPr>
-            <a:r>
-              <a:rPr lang="it-IT" dirty="0" smtClean="0"/>
-              <a:t> </a:t>
-            </a:r>
-          </a:p>
-          <a:p>
-            <a:pPr>
-              <a:buNone/>
-            </a:pPr>
-            <a:r>
-              <a:rPr lang="it-IT" dirty="0" smtClean="0"/>
-              <a:t> </a:t>
-            </a:r>
-            <a:endParaRPr lang="en-US" dirty="0" smtClean="0"/>
-          </a:p>
-        </p:txBody>
-      </p:sp>
-      <p:sp>
-        <p:nvSpPr>
-          <p:cNvPr id="16" name="Parentesi graffa chiusa 15"/>
-          <p:cNvSpPr/>
-          <p:nvPr/>
-        </p:nvSpPr>
-        <p:spPr>
-          <a:xfrm rot="16200000">
-            <a:off x="3893339" y="1607331"/>
-            <a:ext cx="857256" cy="6786610"/>
-          </a:xfrm>
-          <a:prstGeom prst="rightBrace">
-            <a:avLst>
-              <a:gd name="adj1" fmla="val 90554"/>
-              <a:gd name="adj2" fmla="val 49813"/>
-            </a:avLst>
-          </a:prstGeom>
-        </p:spPr>
-        <p:style>
-          <a:lnRef idx="1">
-            <a:schemeClr val="accent1"/>
-          </a:lnRef>
-          <a:fillRef idx="0">
-            <a:schemeClr val="accent1"/>
-          </a:fillRef>
-          <a:effectRef idx="0">
-            <a:schemeClr val="accent1"/>
-          </a:effectRef>
-          <a:fontRef idx="minor">
-            <a:schemeClr val="tx1"/>
-          </a:fontRef>
-        </p:style>
-        <p:txBody>
-          <a:bodyPr rtlCol="0" anchor="ctr"/>
-          <a:lstStyle/>
-          <a:p>
-            <a:pPr algn="ctr"/>
-            <a:endParaRPr lang="it-IT" dirty="0"/>
-          </a:p>
-        </p:txBody>
-      </p:sp>
-      <p:sp>
-        <p:nvSpPr>
-          <p:cNvPr id="17" name="Elaborazione predefinita 16"/>
-          <p:cNvSpPr/>
-          <p:nvPr/>
-        </p:nvSpPr>
-        <p:spPr>
-          <a:xfrm>
-            <a:off x="428596" y="5500702"/>
-            <a:ext cx="1785950" cy="785818"/>
-          </a:xfrm>
-          <a:prstGeom prst="flowChartPredefinedProcess">
-            <a:avLst/>
-          </a:prstGeom>
-          <a:solidFill>
-            <a:schemeClr val="bg1"/>
-          </a:solidFill>
-          <a:ln>
-            <a:solidFill>
-              <a:schemeClr val="tx1"/>
-            </a:solidFill>
-          </a:ln>
-        </p:spPr>
-        <p:style>
-          <a:lnRef idx="1">
-            <a:schemeClr val="accent1"/>
-          </a:lnRef>
-          <a:fillRef idx="2">
-            <a:schemeClr val="accent1"/>
-          </a:fillRef>
-          <a:effectRef idx="1">
-            <a:schemeClr val="accent1"/>
-          </a:effectRef>
-          <a:fontRef idx="minor">
-            <a:schemeClr val="dk1"/>
-          </a:fontRef>
-        </p:style>
-        <p:txBody>
-          <a:bodyPr rtlCol="0" anchor="ctr"/>
-          <a:lstStyle/>
-          <a:p>
-            <a:pPr algn="ctr"/>
-            <a:r>
-              <a:rPr lang="en-US" sz="2200" dirty="0" smtClean="0"/>
-              <a:t>Balance</a:t>
-            </a:r>
-            <a:r>
-              <a:rPr lang="it-IT" sz="2200" dirty="0" smtClean="0"/>
-              <a:t> </a:t>
-            </a:r>
-            <a:r>
-              <a:rPr lang="en-US" sz="2200" dirty="0" smtClean="0"/>
-              <a:t>check</a:t>
-            </a:r>
-            <a:endParaRPr lang="en-US" sz="2200" dirty="0"/>
-          </a:p>
-        </p:txBody>
-      </p:sp>
-      <p:sp>
-        <p:nvSpPr>
-          <p:cNvPr id="18" name="Elaborazione predefinita 17"/>
-          <p:cNvSpPr/>
-          <p:nvPr/>
-        </p:nvSpPr>
-        <p:spPr>
-          <a:xfrm>
-            <a:off x="2571736" y="5500702"/>
-            <a:ext cx="3571900" cy="785818"/>
-          </a:xfrm>
-          <a:prstGeom prst="flowChartPredefinedProcess">
-            <a:avLst/>
-          </a:prstGeom>
-          <a:solidFill>
-            <a:schemeClr val="bg1"/>
-          </a:solidFill>
-          <a:ln>
-            <a:solidFill>
-              <a:schemeClr val="tx1"/>
-            </a:solidFill>
-          </a:ln>
-        </p:spPr>
-        <p:style>
-          <a:lnRef idx="1">
-            <a:schemeClr val="accent1"/>
-          </a:lnRef>
-          <a:fillRef idx="2">
-            <a:schemeClr val="accent1"/>
-          </a:fillRef>
-          <a:effectRef idx="1">
-            <a:schemeClr val="accent1"/>
-          </a:effectRef>
-          <a:fontRef idx="minor">
-            <a:schemeClr val="dk1"/>
-          </a:fontRef>
-        </p:style>
-        <p:txBody>
-          <a:bodyPr rtlCol="0" anchor="ctr"/>
-          <a:lstStyle/>
-          <a:p>
-            <a:pPr algn="ctr"/>
-            <a:r>
-              <a:rPr lang="en-US" sz="2200" dirty="0" smtClean="0"/>
-              <a:t>Service authorization and management</a:t>
-            </a:r>
-            <a:endParaRPr lang="en-US" sz="2200" dirty="0"/>
-          </a:p>
-        </p:txBody>
-      </p:sp>
-      <p:sp>
-        <p:nvSpPr>
-          <p:cNvPr id="19" name="Elaborazione predefinita 18"/>
-          <p:cNvSpPr/>
-          <p:nvPr/>
-        </p:nvSpPr>
-        <p:spPr>
-          <a:xfrm>
-            <a:off x="6500826" y="5500702"/>
-            <a:ext cx="2357454" cy="785818"/>
-          </a:xfrm>
-          <a:prstGeom prst="flowChartPredefinedProcess">
-            <a:avLst/>
-          </a:prstGeom>
-          <a:solidFill>
-            <a:schemeClr val="bg1"/>
-          </a:solidFill>
-          <a:ln>
-            <a:solidFill>
-              <a:schemeClr val="tx1"/>
-            </a:solidFill>
-          </a:ln>
-        </p:spPr>
-        <p:style>
-          <a:lnRef idx="1">
-            <a:schemeClr val="accent1"/>
-          </a:lnRef>
-          <a:fillRef idx="2">
-            <a:schemeClr val="accent1"/>
-          </a:fillRef>
-          <a:effectRef idx="1">
-            <a:schemeClr val="accent1"/>
-          </a:effectRef>
-          <a:fontRef idx="minor">
-            <a:schemeClr val="dk1"/>
-          </a:fontRef>
-        </p:style>
-        <p:txBody>
-          <a:bodyPr rtlCol="0" anchor="ctr"/>
-          <a:lstStyle/>
-          <a:p>
-            <a:pPr algn="ctr"/>
-            <a:r>
-              <a:rPr lang="en-US" sz="2200" dirty="0" smtClean="0"/>
-              <a:t>Accounts management</a:t>
-            </a:r>
-            <a:endParaRPr lang="en-US" sz="2200" dirty="0"/>
           </a:p>
         </p:txBody>
       </p:sp>
@@ -13646,7 +17440,7 @@
                             </p:stCondLst>
                             <p:childTnLst>
                               <p:par>
-                                <p:cTn id="28" presetID="10" presetClass="entr" presetSubtype="0" fill="hold" grpId="0" nodeType="clickEffect">
+                                <p:cTn id="28" presetID="10" presetClass="entr" presetSubtype="0" fill="hold" nodeType="clickEffect">
                                   <p:stCondLst>
                                     <p:cond delay="0"/>
                                   </p:stCondLst>
@@ -13659,7 +17453,11 @@
                                           </p:stCondLst>
                                         </p:cTn>
                                         <p:tgtEl>
-                                          <p:spTgt spid="16"/>
+                                          <p:spTgt spid="6">
+                                            <p:txEl>
+                                              <p:pRg st="6" end="6"/>
+                                            </p:txEl>
+                                          </p:spTgt>
                                         </p:tgtEl>
                                         <p:attrNameLst>
                                           <p:attrName>style.visibility</p:attrName>
@@ -13673,28 +17471,45 @@
                                       <p:cBhvr>
                                         <p:cTn id="30" dur="1000"/>
                                         <p:tgtEl>
-                                          <p:spTgt spid="16"/>
+                                          <p:spTgt spid="6">
+                                            <p:txEl>
+                                              <p:pRg st="6" end="6"/>
+                                            </p:txEl>
+                                          </p:spTgt>
                                         </p:tgtEl>
                                       </p:cBhvr>
                                     </p:animEffect>
                                   </p:childTnLst>
                                 </p:cTn>
                               </p:par>
+                            </p:childTnLst>
+                          </p:cTn>
+                        </p:par>
+                        <p:par>
+                          <p:cTn id="31" fill="hold">
+                            <p:stCondLst>
+                              <p:cond delay="1000"/>
+                            </p:stCondLst>
+                            <p:childTnLst>
                               <p:par>
-                                <p:cTn id="31" presetID="10" presetClass="entr" presetSubtype="0" fill="hold" grpId="0" nodeType="withEffect">
+                                <p:cTn id="32" presetID="10" presetClass="entr" presetSubtype="0" fill="hold" nodeType="afterEffect">
                                   <p:stCondLst>
                                     <p:cond delay="0"/>
                                   </p:stCondLst>
                                   <p:childTnLst>
                                     <p:set>
                                       <p:cBhvr>
-                                        <p:cTn id="32" dur="1" fill="hold">
+                                        <p:cTn id="33" dur="1" fill="hold">
                                           <p:stCondLst>
                                             <p:cond delay="0"/>
                                           </p:stCondLst>
                                         </p:cTn>
                                         <p:tgtEl>
-                                          <p:spTgt spid="19"/>
+                                          <p:spTgt spid="6">
+                                            <p:txEl>
+                                              <p:pRg st="7" end="7"/>
+                                            </p:txEl>
+                                          </p:spTgt>
                                         </p:tgtEl>
                                         <p:attrNameLst>
                                           <p:attrName>style.visibility</p:attrName>
@@ -13706,79 +17521,13 @@
                                     </p:set>
                                     <p:animEffect transition="in" filter="fade">
                                       <p:cBhvr>
-                                        <p:cTn id="33" dur="1000"/>
-                                        <p:tgtEl>
-                                          <p:spTgt spid="19"/>
-                                        </p:tgtEl>
-                                      </p:cBhvr>
-                                    </p:animEffect>
-                                  </p:childTnLst>
-                                </p:cTn>
-                              </p:par>
-                              <p:par>
-                                <p:cTn id="34" presetID="10" presetClass="entr" presetSubtype="0" fill="hold" grpId="0" nodeType="withEffect">
-                                  <p:stCondLst>
-                                    <p:cond delay="0"/>
-                                  </p:stCondLst>
-                                  <p:childTnLst>
-                                    <p:set>
-                                      <p:cBhvr>
-                                        <p:cTn id="35" dur="1" fill="hold">
-                                          <p:stCondLst>
-                                            <p:cond delay="0"/>
-                                          </p:stCondLst>
-                                        </p:cTn>
-                                        <p:tgtEl>
-                                          <p:spTgt spid="18"/>
-                                        </p:tgtEl>
-                                        <p:attrNameLst>
-                                          <p:attrName>style.visibility</p:attrName>
-                                        </p:attrNameLst>
-                                      </p:cBhvr>
-                                      <p:to>
-                                        <p:strVal val="visible"/>
-                                      </p:to>
-                                    </p:set>
-                                    <p:animEffect transition="in" filter="fade">
-                                      <p:cBhvr>
-                                        <p:cTn id="36" dur="1000"/>
-                                        <p:tgtEl>
-                                          <p:spTgt spid="18"/>
-                                        </p:tgtEl>
-                                      </p:cBhvr>
-                                    </p:animEffect>
-                                  </p:childTnLst>
-                                </p:cTn>
-                              </p:par>
-                              <p:par>
-                                <p:cTn id="37" presetID="10" presetClass="entr" presetSubtype="0" fill="hold" grpId="0" nodeType="withEffect">
-                                  <p:stCondLst>
-                                    <p:cond delay="0"/>
-                                  </p:stCondLst>
-                                  <p:childTnLst>
-                                    <p:set>
-                                      <p:cBhvr>
-                                        <p:cTn id="38" dur="1" fill="hold">
-                                          <p:stCondLst>
-                                            <p:cond delay="0"/>
-                                          </p:stCondLst>
-                                        </p:cTn>
-                                        <p:tgtEl>
-                                          <p:spTgt spid="17"/>
-                                        </p:tgtEl>
-                                        <p:attrNameLst>
-                                          <p:attrName>style.visibility</p:attrName>
-                                        </p:attrNameLst>
-                                      </p:cBhvr>
-                                      <p:to>
-                                        <p:strVal val="visible"/>
-                                      </p:to>
-                                    </p:set>
-                                    <p:animEffect transition="in" filter="fade">
-                                      <p:cBhvr>
-                                        <p:cTn id="39" dur="1000"/>
-                                        <p:tgtEl>
-                                          <p:spTgt spid="17"/>
+                                        <p:cTn id="34" dur="1000"/>
+                                        <p:tgtEl>
+                                          <p:spTgt spid="6">
+                                            <p:txEl>
+                                              <p:pRg st="7" end="7"/>
+                                            </p:txEl>
+                                          </p:spTgt>
                                         </p:tgtEl>
                                       </p:cBhvr>
                                     </p:animEffect>
@@ -13812,12 +17561,6 @@
         </p:cTn>
       </p:par>
     </p:tnLst>
-    <p:bldLst>
-      <p:bldP spid="16" grpId="0" animBg="1"/>
-      <p:bldP spid="17" grpId="0" animBg="1"/>
-      <p:bldP spid="18" grpId="0" animBg="1"/>
-      <p:bldP spid="19" grpId="0" animBg="1"/>
-    </p:bldLst>
   </p:timing>
 </p:sld>
 </file>
@@ -13935,64 +17678,64 @@
           <a:lstStyle/>
           <a:p>
             <a:r>
-              <a:rPr lang="en-US" smtClean="0"/>
+              <a:rPr lang="en-US" dirty="0" smtClean="0"/>
               <a:t>A benchmark is a point of reference used to measure the performance</a:t>
             </a:r>
           </a:p>
           <a:p>
-            <a:endParaRPr lang="en-US" smtClean="0"/>
-          </a:p>
-          <a:p>
-            <a:r>
-              <a:rPr lang="en-US" smtClean="0"/>
+            <a:endParaRPr lang="en-US" dirty="0" smtClean="0"/>
+          </a:p>
+          <a:p>
+            <a:r>
+              <a:rPr lang="en-US" dirty="0" smtClean="0"/>
               <a:t>Requirements:</a:t>
             </a:r>
           </a:p>
           <a:p>
             <a:pPr lvl="1"/>
             <a:r>
-              <a:rPr lang="en-US" smtClean="0"/>
+              <a:rPr lang="en-US" dirty="0" smtClean="0"/>
               <a:t>Portable</a:t>
             </a:r>
           </a:p>
           <a:p>
             <a:pPr lvl="1"/>
             <a:r>
-              <a:rPr lang="en-US" smtClean="0"/>
+              <a:rPr lang="en-US" dirty="0" smtClean="0"/>
               <a:t>Flexible</a:t>
             </a:r>
           </a:p>
           <a:p>
             <a:pPr lvl="1"/>
             <a:r>
-              <a:rPr lang="en-US" smtClean="0"/>
+              <a:rPr lang="en-US" dirty="0" smtClean="0"/>
               <a:t>Detailed report for each test</a:t>
             </a:r>
           </a:p>
           <a:p>
             <a:pPr lvl="1"/>
             <a:r>
-              <a:rPr lang="en-US" smtClean="0"/>
+              <a:rPr lang="en-US" dirty="0" smtClean="0"/>
               <a:t>Visual report</a:t>
             </a:r>
           </a:p>
           <a:p>
             <a:pPr lvl="1"/>
             <a:r>
-              <a:rPr lang="en-US" smtClean="0"/>
+              <a:rPr lang="en-US" dirty="0" smtClean="0"/>
               <a:t>For both relational and object database</a:t>
             </a:r>
           </a:p>
           <a:p>
             <a:pPr lvl="1"/>
             <a:r>
-              <a:rPr lang="en-US" smtClean="0"/>
+              <a:rPr lang="en-US" dirty="0" smtClean="0"/>
               <a:t>Easy to use</a:t>
             </a:r>
           </a:p>
           <a:p>
             <a:pPr lvl="1"/>
-            <a:endParaRPr lang="en-US"/>
+            <a:endParaRPr lang="en-US" dirty="0"/>
           </a:p>
         </p:txBody>
       </p:sp>

--- a/trunk/tesi/presentazione/Barbagallo-IMDB.pptx
+++ b/trunk/tesi/presentazione/Barbagallo-IMDB.pptx
@@ -5,7 +5,7 @@
     <p:sldMasterId id="2147483660" r:id="rId1"/>
   </p:sldMasterIdLst>
   <p:notesMasterIdLst>
-    <p:notesMasterId r:id="rId21"/>
+    <p:notesMasterId r:id="rId24"/>
   </p:notesMasterIdLst>
   <p:sldIdLst>
     <p:sldId id="256" r:id="rId2"/>
@@ -20,13 +20,16 @@
     <p:sldId id="265" r:id="rId11"/>
     <p:sldId id="274" r:id="rId12"/>
     <p:sldId id="275" r:id="rId13"/>
-    <p:sldId id="269" r:id="rId14"/>
-    <p:sldId id="270" r:id="rId15"/>
-    <p:sldId id="271" r:id="rId16"/>
-    <p:sldId id="272" r:id="rId17"/>
-    <p:sldId id="268" r:id="rId18"/>
-    <p:sldId id="266" r:id="rId19"/>
-    <p:sldId id="273" r:id="rId20"/>
+    <p:sldId id="278" r:id="rId14"/>
+    <p:sldId id="269" r:id="rId15"/>
+    <p:sldId id="276" r:id="rId16"/>
+    <p:sldId id="270" r:id="rId17"/>
+    <p:sldId id="277" r:id="rId18"/>
+    <p:sldId id="271" r:id="rId19"/>
+    <p:sldId id="272" r:id="rId20"/>
+    <p:sldId id="268" r:id="rId21"/>
+    <p:sldId id="266" r:id="rId22"/>
+    <p:sldId id="273" r:id="rId23"/>
   </p:sldIdLst>
   <p:sldSz cx="9144000" cy="6858000" type="screen4x3"/>
   <p:notesSz cx="6858000" cy="9144000"/>
@@ -211,7 +214,7 @@
             <a:fld id="{23F755C8-B5BC-4E8F-B906-339D1A3E340F}" type="datetimeFigureOut">
               <a:rPr lang="it-IT" smtClean="0"/>
               <a:pPr/>
-              <a:t>16/12/2008</a:t>
+              <a:t>17/12/2008</a:t>
             </a:fld>
             <a:endParaRPr lang="it-IT" dirty="0"/>
           </a:p>
@@ -559,11 +562,7 @@
           <a:p>
             <a:r>
               <a:rPr lang="it-IT" dirty="0" smtClean="0"/>
-              <a:t>Caching</a:t>
-            </a:r>
-            <a:r>
-              <a:rPr lang="it-IT" dirty="0" smtClean="0"/>
-              <a:t>: </a:t>
+              <a:t>Caching: </a:t>
             </a:r>
           </a:p>
           <a:p>
@@ -1156,7 +1155,7 @@
             <a:fld id="{06112A3B-D3CD-4C64-AF08-DDC9323A61EB}" type="slidenum">
               <a:rPr lang="it-IT" smtClean="0"/>
               <a:pPr/>
-              <a:t>15</a:t>
+              <a:t>18</a:t>
             </a:fld>
             <a:endParaRPr lang="it-IT" dirty="0"/>
           </a:p>
@@ -1173,11 +1172,6 @@
 <file path=ppt/slideLayouts/slideLayout1.xml><?xml version="1.0" encoding="utf-8"?>
 <p:sldLayout xmlns:a="http://schemas.openxmlformats.org/drawingml/2006/main" xmlns:r="http://schemas.openxmlformats.org/officeDocument/2006/relationships" xmlns:p="http://schemas.openxmlformats.org/presentationml/2006/main" showMasterSp="0" type="title" preserve="1">
   <p:cSld name="Diapositiva titolo">
-    <p:bg>
-      <p:bgRef idx="1002">
-        <a:schemeClr val="bg2"/>
-      </p:bgRef>
-    </p:bg>
     <p:spTree>
       <p:nvGrpSpPr>
         <p:cNvPr id="1" name=""/>
@@ -1419,7 +1413,7 @@
             <a:fld id="{5FABFC92-4644-45C7-8B88-DDEEC91723C1}" type="datetimeFigureOut">
               <a:rPr lang="it-IT" smtClean="0"/>
               <a:pPr/>
-              <a:t>16/12/2008</a:t>
+              <a:t>17/12/2008</a:t>
             </a:fld>
             <a:endParaRPr lang="it-IT" dirty="0"/>
           </a:p>
@@ -1525,7 +1519,7 @@
     </p:spTree>
   </p:cSld>
   <p:clrMapOvr>
-    <a:overrideClrMapping bg1="dk1" tx1="lt1" bg2="dk2" tx2="lt2" accent1="accent1" accent2="accent2" accent3="accent3" accent4="accent4" accent5="accent5" accent6="accent6" hlink="hlink" folHlink="folHlink"/>
+    <a:masterClrMapping/>
   </p:clrMapOvr>
 </p:sldLayout>
 </file>
@@ -1644,7 +1638,7 @@
             <a:fld id="{5FABFC92-4644-45C7-8B88-DDEEC91723C1}" type="datetimeFigureOut">
               <a:rPr lang="it-IT" smtClean="0"/>
               <a:pPr/>
-              <a:t>16/12/2008</a:t>
+              <a:t>17/12/2008</a:t>
             </a:fld>
             <a:endParaRPr lang="it-IT" dirty="0"/>
           </a:p>
@@ -1926,7 +1920,7 @@
             <a:fld id="{5FABFC92-4644-45C7-8B88-DDEEC91723C1}" type="datetimeFigureOut">
               <a:rPr lang="it-IT" smtClean="0"/>
               <a:pPr/>
-              <a:t>16/12/2008</a:t>
+              <a:t>17/12/2008</a:t>
             </a:fld>
             <a:endParaRPr lang="it-IT" dirty="0"/>
           </a:p>
@@ -2107,7 +2101,7 @@
             <a:fld id="{5FABFC92-4644-45C7-8B88-DDEEC91723C1}" type="datetimeFigureOut">
               <a:rPr lang="it-IT" smtClean="0"/>
               <a:pPr/>
-              <a:t>16/12/2008</a:t>
+              <a:t>17/12/2008</a:t>
             </a:fld>
             <a:endParaRPr lang="it-IT" dirty="0"/>
           </a:p>
@@ -2167,11 +2161,6 @@
 <file path=ppt/slideLayouts/slideLayout3.xml><?xml version="1.0" encoding="utf-8"?>
 <p:sldLayout xmlns:a="http://schemas.openxmlformats.org/drawingml/2006/main" xmlns:r="http://schemas.openxmlformats.org/officeDocument/2006/relationships" xmlns:p="http://schemas.openxmlformats.org/presentationml/2006/main" showMasterSp="0" type="secHead" preserve="1">
   <p:cSld name="Intestazione sezione">
-    <p:bg>
-      <p:bgRef idx="1002">
-        <a:schemeClr val="bg2"/>
-      </p:bgRef>
-    </p:bg>
     <p:spTree>
       <p:nvGrpSpPr>
         <p:cNvPr id="1" name=""/>
@@ -2467,7 +2456,7 @@
             <a:fld id="{5FABFC92-4644-45C7-8B88-DDEEC91723C1}" type="datetimeFigureOut">
               <a:rPr lang="it-IT" smtClean="0"/>
               <a:pPr/>
-              <a:t>16/12/2008</a:t>
+              <a:t>17/12/2008</a:t>
             </a:fld>
             <a:endParaRPr lang="it-IT" dirty="0"/>
           </a:p>
@@ -2519,7 +2508,7 @@
     </p:spTree>
   </p:cSld>
   <p:clrMapOvr>
-    <a:overrideClrMapping bg1="dk1" tx1="lt1" bg2="dk2" tx2="lt2" accent1="accent1" accent2="accent2" accent3="accent3" accent4="accent4" accent5="accent5" accent6="accent6" hlink="hlink" folHlink="folHlink"/>
+    <a:masterClrMapping/>
   </p:clrMapOvr>
 </p:sldLayout>
 </file>
@@ -2756,7 +2745,7 @@
             <a:fld id="{5FABFC92-4644-45C7-8B88-DDEEC91723C1}" type="datetimeFigureOut">
               <a:rPr lang="it-IT" smtClean="0"/>
               <a:pPr/>
-              <a:t>16/12/2008</a:t>
+              <a:t>17/12/2008</a:t>
             </a:fld>
             <a:endParaRPr lang="it-IT" dirty="0"/>
           </a:p>
@@ -3180,7 +3169,7 @@
             <a:fld id="{5FABFC92-4644-45C7-8B88-DDEEC91723C1}" type="datetimeFigureOut">
               <a:rPr lang="it-IT" smtClean="0"/>
               <a:pPr/>
-              <a:t>16/12/2008</a:t>
+              <a:t>17/12/2008</a:t>
             </a:fld>
             <a:endParaRPr lang="it-IT" dirty="0"/>
           </a:p>
@@ -3297,7 +3286,7 @@
             <a:fld id="{5FABFC92-4644-45C7-8B88-DDEEC91723C1}" type="datetimeFigureOut">
               <a:rPr lang="it-IT" smtClean="0"/>
               <a:pPr/>
-              <a:t>16/12/2008</a:t>
+              <a:t>17/12/2008</a:t>
             </a:fld>
             <a:endParaRPr lang="it-IT" dirty="0"/>
           </a:p>
@@ -3389,7 +3378,7 @@
             <a:fld id="{5FABFC92-4644-45C7-8B88-DDEEC91723C1}" type="datetimeFigureOut">
               <a:rPr lang="it-IT" smtClean="0"/>
               <a:pPr/>
-              <a:t>16/12/2008</a:t>
+              <a:t>17/12/2008</a:t>
             </a:fld>
             <a:endParaRPr lang="it-IT" dirty="0"/>
           </a:p>
@@ -3669,7 +3658,7 @@
             <a:fld id="{5FABFC92-4644-45C7-8B88-DDEEC91723C1}" type="datetimeFigureOut">
               <a:rPr lang="it-IT" smtClean="0"/>
               <a:pPr/>
-              <a:t>16/12/2008</a:t>
+              <a:t>17/12/2008</a:t>
             </a:fld>
             <a:endParaRPr lang="it-IT" dirty="0"/>
           </a:p>
@@ -3823,11 +3812,6 @@
 <file path=ppt/slideLayouts/slideLayout9.xml><?xml version="1.0" encoding="utf-8"?>
 <p:sldLayout xmlns:a="http://schemas.openxmlformats.org/drawingml/2006/main" xmlns:r="http://schemas.openxmlformats.org/officeDocument/2006/relationships" xmlns:p="http://schemas.openxmlformats.org/presentationml/2006/main" type="picTx" preserve="1">
   <p:cSld name="Immagine con didascalia">
-    <p:bg>
-      <p:bgRef idx="1001">
-        <a:schemeClr val="bg2"/>
-      </p:bgRef>
-    </p:bg>
     <p:spTree>
       <p:nvGrpSpPr>
         <p:cNvPr id="1" name=""/>
@@ -4037,7 +4021,7 @@
             <a:fld id="{5FABFC92-4644-45C7-8B88-DDEEC91723C1}" type="datetimeFigureOut">
               <a:rPr lang="it-IT" smtClean="0"/>
               <a:pPr/>
-              <a:t>16/12/2008</a:t>
+              <a:t>17/12/2008</a:t>
             </a:fld>
             <a:endParaRPr lang="it-IT" dirty="0"/>
           </a:p>
@@ -4203,7 +4187,7 @@
     </p:spTree>
   </p:cSld>
   <p:clrMapOvr>
-    <a:overrideClrMapping bg1="lt1" tx1="dk1" bg2="lt2" tx2="dk2" accent1="accent1" accent2="accent2" accent3="accent3" accent4="accent4" accent5="accent5" accent6="accent6" hlink="hlink" folHlink="folHlink"/>
+    <a:masterClrMapping/>
   </p:clrMapOvr>
 </p:sldLayout>
 </file>
@@ -4476,7 +4460,7 @@
             <a:fld id="{5FABFC92-4644-45C7-8B88-DDEEC91723C1}" type="datetimeFigureOut">
               <a:rPr lang="it-IT" smtClean="0"/>
               <a:pPr/>
-              <a:t>16/12/2008</a:t>
+              <a:t>17/12/2008</a:t>
             </a:fld>
             <a:endParaRPr lang="it-IT" dirty="0"/>
           </a:p>
@@ -4871,33 +4855,14 @@
   <p:cSld>
     <p:bg>
       <p:bgPr>
-        <a:gradFill rotWithShape="1">
-          <a:gsLst>
-            <a:gs pos="0">
-              <a:schemeClr val="tx1"/>
-            </a:gs>
-            <a:gs pos="12000">
-              <a:schemeClr val="bg2">
-                <a:tint val="48000"/>
-                <a:satMod val="300000"/>
-              </a:schemeClr>
-            </a:gs>
-            <a:gs pos="20000">
-              <a:schemeClr val="bg2">
-                <a:tint val="49000"/>
-                <a:satMod val="300000"/>
-              </a:schemeClr>
-            </a:gs>
-            <a:gs pos="100000">
-              <a:schemeClr val="bg2">
-                <a:shade val="30000"/>
-              </a:schemeClr>
-            </a:gs>
-          </a:gsLst>
-          <a:path path="circle">
-            <a:fillToRect l="10000" t="-25000" r="10000" b="125000"/>
-          </a:path>
-        </a:gradFill>
+        <a:blipFill dpi="0" rotWithShape="1">
+          <a:blip r:embed="rId2">
+            <a:grayscl/>
+            <a:lum bright="-39000" contrast="39000"/>
+          </a:blip>
+          <a:srcRect/>
+          <a:tile tx="0" ty="0" sx="100000" sy="100000" flip="none" algn="tl"/>
+        </a:blipFill>
         <a:effectLst/>
       </p:bgPr>
     </p:bg>
@@ -5012,7 +4977,7 @@
           <p:nvPr/>
         </p:nvPicPr>
         <p:blipFill>
-          <a:blip r:embed="rId2">
+          <a:blip r:embed="rId3">
             <a:duotone>
               <a:schemeClr val="accent1">
                 <a:shade val="45000"/>
@@ -5062,29 +5027,17 @@
           <a:p>
             <a:pPr algn="ctr"/>
             <a:r>
-              <a:rPr lang="it-IT" sz="2200" dirty="0" smtClean="0">
-                <a:solidFill>
-                  <a:schemeClr val="bg1"/>
-                </a:solidFill>
-              </a:rPr>
+              <a:rPr lang="it-IT" sz="2200" dirty="0" smtClean="0"/>
               <a:t>Laureando:</a:t>
             </a:r>
           </a:p>
           <a:p>
             <a:pPr algn="ctr"/>
             <a:r>
-              <a:rPr lang="it-IT" sz="2400" b="1" dirty="0" smtClean="0">
-                <a:solidFill>
-                  <a:schemeClr val="bg1"/>
-                </a:solidFill>
-              </a:rPr>
+              <a:rPr lang="it-IT" sz="2600" b="1" dirty="0" smtClean="0"/>
               <a:t>Valerio Barbagallo</a:t>
             </a:r>
-            <a:endParaRPr lang="it-IT" sz="2400" b="1" dirty="0">
-              <a:solidFill>
-                <a:schemeClr val="bg1"/>
-              </a:solidFill>
-            </a:endParaRPr>
+            <a:endParaRPr lang="it-IT" sz="2600" b="1" dirty="0"/>
           </a:p>
         </p:txBody>
       </p:sp>
@@ -5112,29 +5065,17 @@
           <a:p>
             <a:pPr algn="ctr"/>
             <a:r>
-              <a:rPr lang="it-IT" sz="2200" dirty="0" smtClean="0">
-                <a:solidFill>
-                  <a:schemeClr val="bg1"/>
-                </a:solidFill>
-              </a:rPr>
+              <a:rPr lang="it-IT" sz="2200" dirty="0" smtClean="0"/>
               <a:t>Relatore:</a:t>
             </a:r>
           </a:p>
           <a:p>
             <a:pPr algn="ctr"/>
             <a:r>
-              <a:rPr lang="it-IT" sz="2400" b="1" dirty="0" smtClean="0">
-                <a:solidFill>
-                  <a:schemeClr val="bg1"/>
-                </a:solidFill>
-              </a:rPr>
+              <a:rPr lang="it-IT" sz="2400" b="1" dirty="0" smtClean="0"/>
               <a:t>Paolo Merialdo</a:t>
             </a:r>
-            <a:endParaRPr lang="it-IT" sz="2400" b="1" dirty="0">
-              <a:solidFill>
-                <a:schemeClr val="bg1"/>
-              </a:solidFill>
-            </a:endParaRPr>
+            <a:endParaRPr lang="it-IT" sz="2400" b="1" dirty="0"/>
           </a:p>
         </p:txBody>
       </p:sp>
@@ -5162,29 +5103,22 @@
           <a:p>
             <a:pPr algn="ctr"/>
             <a:r>
-              <a:rPr lang="it-IT" sz="2200" dirty="0" smtClean="0">
-                <a:solidFill>
-                  <a:schemeClr val="bg1"/>
-                </a:solidFill>
-              </a:rPr>
-              <a:t>Tutor:</a:t>
-            </a:r>
+              <a:rPr lang="it-IT" sz="2200" dirty="0" err="1" smtClean="0"/>
+              <a:t>Corelatore</a:t>
+            </a:r>
+            <a:r>
+              <a:rPr lang="it-IT" sz="2200" dirty="0" smtClean="0"/>
+              <a:t>:</a:t>
+            </a:r>
+            <a:endParaRPr lang="it-IT" sz="2200" dirty="0" smtClean="0"/>
           </a:p>
           <a:p>
             <a:pPr algn="ctr"/>
             <a:r>
-              <a:rPr lang="it-IT" sz="2400" b="1" dirty="0" smtClean="0">
-                <a:solidFill>
-                  <a:schemeClr val="bg1"/>
-                </a:solidFill>
-              </a:rPr>
+              <a:rPr lang="it-IT" sz="2400" b="1" dirty="0" smtClean="0"/>
               <a:t>Michele Aiello</a:t>
             </a:r>
-            <a:endParaRPr lang="it-IT" sz="2400" b="1" dirty="0">
-              <a:solidFill>
-                <a:schemeClr val="bg1"/>
-              </a:solidFill>
-            </a:endParaRPr>
+            <a:endParaRPr lang="it-IT" sz="2400" b="1" dirty="0"/>
           </a:p>
         </p:txBody>
       </p:sp>
@@ -7287,7 +7221,7 @@
           <a:p>
             <a:r>
               <a:rPr lang="en-US" sz="2800" dirty="0" smtClean="0"/>
-              <a:t>Each Test is composed by (concurrent) </a:t>
+              <a:t>Each Test is composed of (concurrent) </a:t>
             </a:r>
             <a:r>
               <a:rPr lang="en-US" sz="2800" b="1" dirty="0" smtClean="0"/>
@@ -7319,7 +7253,6 @@
               <a:rPr lang="en-US" sz="2800" b="1" dirty="0" smtClean="0"/>
               <a:t>Reporter</a:t>
             </a:r>
-            <a:endParaRPr lang="en-US" sz="2800" b="1" dirty="0" smtClean="0"/>
           </a:p>
         </p:txBody>
       </p:sp>
@@ -8124,15 +8057,7 @@
             </a:pPr>
             <a:r>
               <a:rPr lang="en-US" sz="5100" dirty="0" smtClean="0"/>
-              <a:t>Real </a:t>
-            </a:r>
-            <a:r>
-              <a:rPr lang="en-US" sz="5100" dirty="0" smtClean="0"/>
-              <a:t>Time Prepaid </a:t>
-            </a:r>
-            <a:r>
-              <a:rPr lang="en-US" sz="5100" dirty="0" smtClean="0"/>
-              <a:t>System</a:t>
+              <a:t>Real Time Prepaid System</a:t>
             </a:r>
           </a:p>
           <a:p>
@@ -8446,13 +8371,8 @@
             <a:pPr algn="ctr"/>
             <a:r>
               <a:rPr lang="en-US" sz="2400" smtClean="0"/>
-              <a:t>10 </a:t>
-            </a:r>
-            <a:r>
-              <a:rPr lang="en-US" sz="2400" smtClean="0"/>
-              <a:t>tps</a:t>
-            </a:r>
-            <a:endParaRPr lang="en-US" sz="2400" smtClean="0"/>
+              <a:t>10 tps</a:t>
+            </a:r>
           </a:p>
         </p:txBody>
       </p:sp>
@@ -8686,7 +8606,7 @@
                             </p:stCondLst>
                             <p:childTnLst>
                               <p:par>
-                                <p:cTn id="5" presetID="10" presetClass="entr" presetSubtype="0" fill="hold" nodeType="clickEffect">
+                                <p:cTn id="5" presetID="10" presetClass="entr" presetSubtype="0" fill="hold" grpId="0" nodeType="clickEffect">
                                   <p:stCondLst>
                                     <p:cond delay="0"/>
                                   </p:stCondLst>
@@ -8699,11 +8619,7 @@
                                           </p:stCondLst>
                                         </p:cTn>
                                         <p:tgtEl>
-                                          <p:spTgt spid="6">
-                                            <p:txEl>
-                                              <p:pRg st="0" end="0"/>
-                                            </p:txEl>
-                                          </p:spTgt>
+                                          <p:spTgt spid="16"/>
                                         </p:tgtEl>
                                         <p:attrNameLst>
                                           <p:attrName>style.visibility</p:attrName>
@@ -8715,13 +8631,219 @@
                                     </p:set>
                                     <p:animEffect transition="in" filter="fade">
                                       <p:cBhvr>
-                                        <p:cTn id="7" dur="2000"/>
-                                        <p:tgtEl>
-                                          <p:spTgt spid="6">
-                                            <p:txEl>
-                                              <p:pRg st="0" end="0"/>
-                                            </p:txEl>
-                                          </p:spTgt>
+                                        <p:cTn id="7" dur="1000"/>
+                                        <p:tgtEl>
+                                          <p:spTgt spid="16"/>
+                                        </p:tgtEl>
+                                      </p:cBhvr>
+                                    </p:animEffect>
+                                  </p:childTnLst>
+                                </p:cTn>
+                              </p:par>
+                              <p:par>
+                                <p:cTn id="8" presetID="10" presetClass="entr" presetSubtype="0" fill="hold" grpId="0" nodeType="withEffect">
+                                  <p:stCondLst>
+                                    <p:cond delay="0"/>
+                                  </p:stCondLst>
+                                  <p:childTnLst>
+                                    <p:set>
+                                      <p:cBhvr>
+                                        <p:cTn id="9" dur="1" fill="hold">
+                                          <p:stCondLst>
+                                            <p:cond delay="0"/>
+                                          </p:stCondLst>
+                                        </p:cTn>
+                                        <p:tgtEl>
+                                          <p:spTgt spid="19"/>
+                                        </p:tgtEl>
+                                        <p:attrNameLst>
+                                          <p:attrName>style.visibility</p:attrName>
+                                        </p:attrNameLst>
+                                      </p:cBhvr>
+                                      <p:to>
+                                        <p:strVal val="visible"/>
+                                      </p:to>
+                                    </p:set>
+                                    <p:animEffect transition="in" filter="fade">
+                                      <p:cBhvr>
+                                        <p:cTn id="10" dur="1000"/>
+                                        <p:tgtEl>
+                                          <p:spTgt spid="19"/>
+                                        </p:tgtEl>
+                                      </p:cBhvr>
+                                    </p:animEffect>
+                                  </p:childTnLst>
+                                </p:cTn>
+                              </p:par>
+                              <p:par>
+                                <p:cTn id="11" presetID="10" presetClass="entr" presetSubtype="0" fill="hold" grpId="0" nodeType="withEffect">
+                                  <p:stCondLst>
+                                    <p:cond delay="0"/>
+                                  </p:stCondLst>
+                                  <p:childTnLst>
+                                    <p:set>
+                                      <p:cBhvr>
+                                        <p:cTn id="12" dur="1" fill="hold">
+                                          <p:stCondLst>
+                                            <p:cond delay="0"/>
+                                          </p:stCondLst>
+                                        </p:cTn>
+                                        <p:tgtEl>
+                                          <p:spTgt spid="18"/>
+                                        </p:tgtEl>
+                                        <p:attrNameLst>
+                                          <p:attrName>style.visibility</p:attrName>
+                                        </p:attrNameLst>
+                                      </p:cBhvr>
+                                      <p:to>
+                                        <p:strVal val="visible"/>
+                                      </p:to>
+                                    </p:set>
+                                    <p:animEffect transition="in" filter="fade">
+                                      <p:cBhvr>
+                                        <p:cTn id="13" dur="1000"/>
+                                        <p:tgtEl>
+                                          <p:spTgt spid="18"/>
+                                        </p:tgtEl>
+                                      </p:cBhvr>
+                                    </p:animEffect>
+                                  </p:childTnLst>
+                                </p:cTn>
+                              </p:par>
+                              <p:par>
+                                <p:cTn id="14" presetID="10" presetClass="entr" presetSubtype="0" fill="hold" grpId="0" nodeType="withEffect">
+                                  <p:stCondLst>
+                                    <p:cond delay="0"/>
+                                  </p:stCondLst>
+                                  <p:childTnLst>
+                                    <p:set>
+                                      <p:cBhvr>
+                                        <p:cTn id="15" dur="1" fill="hold">
+                                          <p:stCondLst>
+                                            <p:cond delay="0"/>
+                                          </p:stCondLst>
+                                        </p:cTn>
+                                        <p:tgtEl>
+                                          <p:spTgt spid="17"/>
+                                        </p:tgtEl>
+                                        <p:attrNameLst>
+                                          <p:attrName>style.visibility</p:attrName>
+                                        </p:attrNameLst>
+                                      </p:cBhvr>
+                                      <p:to>
+                                        <p:strVal val="visible"/>
+                                      </p:to>
+                                    </p:set>
+                                    <p:animEffect transition="in" filter="fade">
+                                      <p:cBhvr>
+                                        <p:cTn id="16" dur="1000"/>
+                                        <p:tgtEl>
+                                          <p:spTgt spid="17"/>
+                                        </p:tgtEl>
+                                      </p:cBhvr>
+                                    </p:animEffect>
+                                  </p:childTnLst>
+                                </p:cTn>
+                              </p:par>
+                              <p:par>
+                                <p:cTn id="17" presetID="10" presetClass="entr" presetSubtype="0" fill="hold" grpId="0" nodeType="withEffect">
+                                  <p:stCondLst>
+                                    <p:cond delay="0"/>
+                                  </p:stCondLst>
+                                  <p:childTnLst>
+                                    <p:set>
+                                      <p:cBhvr>
+                                        <p:cTn id="18" dur="1" fill="hold">
+                                          <p:stCondLst>
+                                            <p:cond delay="0"/>
+                                          </p:stCondLst>
+                                        </p:cTn>
+                                        <p:tgtEl>
+                                          <p:spTgt spid="11"/>
+                                        </p:tgtEl>
+                                        <p:attrNameLst>
+                                          <p:attrName>style.visibility</p:attrName>
+                                        </p:attrNameLst>
+                                      </p:cBhvr>
+                                      <p:to>
+                                        <p:strVal val="visible"/>
+                                      </p:to>
+                                    </p:set>
+                                    <p:animEffect transition="in" filter="fade">
+                                      <p:cBhvr>
+                                        <p:cTn id="19" dur="1000"/>
+                                        <p:tgtEl>
+                                          <p:spTgt spid="11"/>
+                                        </p:tgtEl>
+                                      </p:cBhvr>
+                                    </p:animEffect>
+                                  </p:childTnLst>
+                                </p:cTn>
+                              </p:par>
+                              <p:par>
+                                <p:cTn id="20" presetID="10" presetClass="entr" presetSubtype="0" fill="hold" grpId="0" nodeType="withEffect">
+                                  <p:stCondLst>
+                                    <p:cond delay="0"/>
+                                  </p:stCondLst>
+                                  <p:childTnLst>
+                                    <p:set>
+                                      <p:cBhvr>
+                                        <p:cTn id="21" dur="1" fill="hold">
+                                          <p:stCondLst>
+                                            <p:cond delay="0"/>
+                                          </p:stCondLst>
+                                        </p:cTn>
+                                        <p:tgtEl>
+                                          <p:spTgt spid="15"/>
+                                        </p:tgtEl>
+                                        <p:attrNameLst>
+                                          <p:attrName>style.visibility</p:attrName>
+                                        </p:attrNameLst>
+                                      </p:cBhvr>
+                                      <p:to>
+                                        <p:strVal val="visible"/>
+                                      </p:to>
+                                    </p:set>
+                                    <p:animEffect transition="in" filter="fade">
+                                      <p:cBhvr>
+                                        <p:cTn id="22" dur="1000"/>
+                                        <p:tgtEl>
+                                          <p:spTgt spid="15"/>
+                                        </p:tgtEl>
+                                      </p:cBhvr>
+                                    </p:animEffect>
+                                  </p:childTnLst>
+                                </p:cTn>
+                              </p:par>
+                              <p:par>
+                                <p:cTn id="23" presetID="10" presetClass="entr" presetSubtype="0" fill="hold" grpId="0" nodeType="withEffect">
+                                  <p:stCondLst>
+                                    <p:cond delay="0"/>
+                                  </p:stCondLst>
+                                  <p:childTnLst>
+                                    <p:set>
+                                      <p:cBhvr>
+                                        <p:cTn id="24" dur="1" fill="hold">
+                                          <p:stCondLst>
+                                            <p:cond delay="0"/>
+                                          </p:stCondLst>
+                                        </p:cTn>
+                                        <p:tgtEl>
+                                          <p:spTgt spid="14"/>
+                                        </p:tgtEl>
+                                        <p:attrNameLst>
+                                          <p:attrName>style.visibility</p:attrName>
+                                        </p:attrNameLst>
+                                      </p:cBhvr>
+                                      <p:to>
+                                        <p:strVal val="visible"/>
+                                      </p:to>
+                                    </p:set>
+                                    <p:animEffect transition="in" filter="fade">
+                                      <p:cBhvr>
+                                        <p:cTn id="25" dur="1000"/>
+                                        <p:tgtEl>
+                                          <p:spTgt spid="14"/>
                                         </p:tgtEl>
                                       </p:cBhvr>
                                     </p:animEffect>
@@ -8735,32 +8857,32 @@
                     </p:cTn>
                   </p:par>
                   <p:par>
-                    <p:cTn id="8" fill="hold">
+                    <p:cTn id="26" fill="hold">
                       <p:stCondLst>
                         <p:cond delay="indefinite"/>
                       </p:stCondLst>
                       <p:childTnLst>
                         <p:par>
-                          <p:cTn id="9" fill="hold">
+                          <p:cTn id="27" fill="hold">
                             <p:stCondLst>
                               <p:cond delay="0"/>
                             </p:stCondLst>
                             <p:childTnLst>
                               <p:par>
-                                <p:cTn id="10" presetID="10" presetClass="entr" presetSubtype="0" fill="hold" grpId="0" nodeType="clickEffect">
+                                <p:cTn id="28" presetID="10" presetClass="entr" presetSubtype="0" fill="hold" nodeType="clickEffect">
                                   <p:stCondLst>
                                     <p:cond delay="0"/>
                                   </p:stCondLst>
                                   <p:childTnLst>
                                     <p:set>
                                       <p:cBhvr>
-                                        <p:cTn id="11" dur="1" fill="hold">
+                                        <p:cTn id="29" dur="1" fill="hold">
                                           <p:stCondLst>
                                             <p:cond delay="0"/>
                                           </p:stCondLst>
                                         </p:cTn>
                                         <p:tgtEl>
-                                          <p:spTgt spid="16"/>
+                                          <p:spTgt spid="21"/>
                                         </p:tgtEl>
                                         <p:attrNameLst>
                                           <p:attrName>style.visibility</p:attrName>
@@ -8772,114 +8894,9 @@
                                     </p:set>
                                     <p:animEffect transition="in" filter="fade">
                                       <p:cBhvr>
-                                        <p:cTn id="12" dur="1000"/>
-                                        <p:tgtEl>
-                                          <p:spTgt spid="16"/>
-                                        </p:tgtEl>
-                                      </p:cBhvr>
-                                    </p:animEffect>
-                                  </p:childTnLst>
-                                </p:cTn>
-                              </p:par>
-                              <p:par>
-                                <p:cTn id="13" presetID="10" presetClass="entr" presetSubtype="0" fill="hold" grpId="0" nodeType="withEffect">
-                                  <p:stCondLst>
-                                    <p:cond delay="0"/>
-                                  </p:stCondLst>
-                                  <p:childTnLst>
-                                    <p:set>
-                                      <p:cBhvr>
-                                        <p:cTn id="14" dur="1" fill="hold">
-                                          <p:stCondLst>
-                                            <p:cond delay="0"/>
-                                          </p:stCondLst>
-                                        </p:cTn>
-                                        <p:tgtEl>
-                                          <p:spTgt spid="19"/>
-                                        </p:tgtEl>
-                                        <p:attrNameLst>
-                                          <p:attrName>style.visibility</p:attrName>
-                                        </p:attrNameLst>
-                                      </p:cBhvr>
-                                      <p:to>
-                                        <p:strVal val="visible"/>
-                                      </p:to>
-                                    </p:set>
-                                    <p:animEffect transition="in" filter="fade">
-                                      <p:cBhvr>
-                                        <p:cTn id="15" dur="1000"/>
-                                        <p:tgtEl>
-                                          <p:spTgt spid="19"/>
-                                        </p:tgtEl>
-                                      </p:cBhvr>
-                                    </p:animEffect>
-                                  </p:childTnLst>
-                                </p:cTn>
-                              </p:par>
-                              <p:par>
-                                <p:cTn id="16" presetID="10" presetClass="entr" presetSubtype="0" fill="hold" grpId="0" nodeType="withEffect">
-                                  <p:stCondLst>
-                                    <p:cond delay="0"/>
-                                  </p:stCondLst>
-                                  <p:childTnLst>
-                                    <p:set>
-                                      <p:cBhvr>
-                                        <p:cTn id="17" dur="1" fill="hold">
-                                          <p:stCondLst>
-                                            <p:cond delay="0"/>
-                                          </p:stCondLst>
-                                        </p:cTn>
-                                        <p:tgtEl>
-                                          <p:spTgt spid="18"/>
-                                        </p:tgtEl>
-                                        <p:attrNameLst>
-                                          <p:attrName>style.visibility</p:attrName>
-                                        </p:attrNameLst>
-                                      </p:cBhvr>
-                                      <p:to>
-                                        <p:strVal val="visible"/>
-                                      </p:to>
-                                    </p:set>
-                                    <p:animEffect transition="in" filter="fade">
-                                      <p:cBhvr>
-                                        <p:cTn id="18" dur="1000"/>
-                                        <p:tgtEl>
-                                          <p:spTgt spid="18"/>
-                                        </p:tgtEl>
-                                      </p:cBhvr>
-                                    </p:animEffect>
-                                  </p:childTnLst>
-                                </p:cTn>
-                              </p:par>
-                              <p:par>
-                                <p:cTn id="19" presetID="10" presetClass="entr" presetSubtype="0" fill="hold" grpId="0" nodeType="withEffect">
-                                  <p:stCondLst>
-                                    <p:cond delay="0"/>
-                                  </p:stCondLst>
-                                  <p:childTnLst>
-                                    <p:set>
-                                      <p:cBhvr>
-                                        <p:cTn id="20" dur="1" fill="hold">
-                                          <p:stCondLst>
-                                            <p:cond delay="0"/>
-                                          </p:stCondLst>
-                                        </p:cTn>
-                                        <p:tgtEl>
-                                          <p:spTgt spid="17"/>
-                                        </p:tgtEl>
-                                        <p:attrNameLst>
-                                          <p:attrName>style.visibility</p:attrName>
-                                        </p:attrNameLst>
-                                      </p:cBhvr>
-                                      <p:to>
-                                        <p:strVal val="visible"/>
-                                      </p:to>
-                                    </p:set>
-                                    <p:animEffect transition="in" filter="fade">
-                                      <p:cBhvr>
-                                        <p:cTn id="21" dur="1000"/>
-                                        <p:tgtEl>
-                                          <p:spTgt spid="17"/>
+                                        <p:cTn id="30" dur="2000"/>
+                                        <p:tgtEl>
+                                          <p:spTgt spid="21"/>
                                         </p:tgtEl>
                                       </p:cBhvr>
                                     </p:animEffect>
@@ -8918,6 +8935,9 @@
       <p:bldP spid="17" grpId="0" animBg="1"/>
       <p:bldP spid="18" grpId="0" animBg="1"/>
       <p:bldP spid="19" grpId="0" animBg="1"/>
+      <p:bldP spid="11" grpId="0"/>
+      <p:bldP spid="14" grpId="0"/>
+      <p:bldP spid="15" grpId="0"/>
     </p:bldLst>
   </p:timing>
 </p:sld>
@@ -8958,7 +8978,7 @@
         </p:spPr>
         <p:txBody>
           <a:bodyPr>
-            <a:normAutofit/>
+            <a:normAutofit fontScale="90000"/>
           </a:bodyPr>
           <a:lstStyle/>
           <a:p>
@@ -8968,7 +8988,7 @@
                   <a:srgbClr val="FFC000"/>
                 </a:solidFill>
               </a:rPr>
-              <a:t>Throughput</a:t>
+              <a:t>Throughput Of Account Management Task</a:t>
             </a:r>
             <a:endParaRPr lang="en-US" dirty="0">
               <a:solidFill>
@@ -9013,32 +9033,6 @@
           <a:noFill/>
         </p:spPr>
       </p:pic>
-      <p:pic>
-        <p:nvPicPr>
-          <p:cNvPr id="3074" name="Picture 2" descr="C:\Users\error0\Documents\universita\tesi\workspace\tesi\tex\img\result10.jpg"/>
-          <p:cNvPicPr>
-            <a:picLocks noChangeAspect="1" noChangeArrowheads="1"/>
-          </p:cNvPicPr>
-          <p:nvPr/>
-        </p:nvPicPr>
-        <p:blipFill>
-          <a:blip r:embed="rId3"/>
-          <a:srcRect t="17236" r="1015" b="5390"/>
-          <a:stretch>
-            <a:fillRect/>
-          </a:stretch>
-        </p:blipFill>
-        <p:spPr bwMode="auto">
-          <a:xfrm>
-            <a:off x="0" y="1500174"/>
-            <a:ext cx="9144000" cy="4786346"/>
-          </a:xfrm>
-          <a:prstGeom prst="rect">
-            <a:avLst/>
-          </a:prstGeom>
-          <a:noFill/>
-        </p:spPr>
-      </p:pic>
       <p:sp>
         <p:nvSpPr>
           <p:cNvPr id="5" name="Rettangolo 4"/>
@@ -9429,6 +9423,32 @@
           </a:p>
         </p:txBody>
       </p:sp>
+      <p:pic>
+        <p:nvPicPr>
+          <p:cNvPr id="1026" name="Picture 2" descr="C:\Users\error0\Documents\universita\tesi\workspace\tesi\tex\img\result1.jpg"/>
+          <p:cNvPicPr>
+            <a:picLocks noChangeAspect="1" noChangeArrowheads="1"/>
+          </p:cNvPicPr>
+          <p:nvPr/>
+        </p:nvPicPr>
+        <p:blipFill>
+          <a:blip r:embed="rId3"/>
+          <a:srcRect l="-250" t="16785" r="3500" b="5000"/>
+          <a:stretch>
+            <a:fillRect/>
+          </a:stretch>
+        </p:blipFill>
+        <p:spPr bwMode="auto">
+          <a:xfrm>
+            <a:off x="0" y="1500174"/>
+            <a:ext cx="9144000" cy="4786346"/>
+          </a:xfrm>
+          <a:prstGeom prst="rect">
+            <a:avLst/>
+          </a:prstGeom>
+          <a:noFill/>
+        </p:spPr>
+      </p:pic>
     </p:spTree>
   </p:cSld>
   <p:clrMapOvr>
@@ -9482,7 +9502,7 @@
         </p:spPr>
         <p:txBody>
           <a:bodyPr>
-            <a:normAutofit/>
+            <a:normAutofit fontScale="90000"/>
           </a:bodyPr>
           <a:lstStyle/>
           <a:p>
@@ -9492,7 +9512,7 @@
                   <a:srgbClr val="FFC000"/>
                 </a:solidFill>
               </a:rPr>
-              <a:t>Memory Usage</a:t>
+              <a:t>Throughput Of Service Management Task</a:t>
             </a:r>
             <a:endParaRPr lang="en-US" dirty="0">
               <a:solidFill>
@@ -9539,7 +9559,7 @@
       </p:pic>
       <p:pic>
         <p:nvPicPr>
-          <p:cNvPr id="4098" name="Picture 2" descr="C:\Users\error0\Documents\universita\tesi\workspace\tesi\tex\img\result11.jpg"/>
+          <p:cNvPr id="3074" name="Picture 2" descr="C:\Users\error0\Documents\universita\tesi\workspace\tesi\tex\img\result10.jpg"/>
           <p:cNvPicPr>
             <a:picLocks noChangeAspect="1" noChangeArrowheads="1"/>
           </p:cNvPicPr>
@@ -9547,14 +9567,14 @@
         </p:nvPicPr>
         <p:blipFill>
           <a:blip r:embed="rId3"/>
-          <a:srcRect t="16898" r="-250" b="5000"/>
+          <a:srcRect t="17236" r="1015" b="5390"/>
           <a:stretch>
             <a:fillRect/>
           </a:stretch>
         </p:blipFill>
         <p:spPr bwMode="auto">
           <a:xfrm>
-            <a:off x="0" y="1500175"/>
+            <a:off x="0" y="1500174"/>
             <a:ext cx="9144000" cy="4786346"/>
           </a:xfrm>
           <a:prstGeom prst="rect">
@@ -10016,6 +10036,1552 @@
                   <a:srgbClr val="FFC000"/>
                 </a:solidFill>
               </a:rPr>
+              <a:t>Memory Usage</a:t>
+            </a:r>
+            <a:endParaRPr lang="en-US" dirty="0">
+              <a:solidFill>
+                <a:srgbClr val="FFC000"/>
+              </a:solidFill>
+            </a:endParaRPr>
+          </a:p>
+        </p:txBody>
+      </p:sp>
+      <p:pic>
+        <p:nvPicPr>
+          <p:cNvPr id="4" name="Picture 4" descr="C:\Users\error0\Desktop\logoRoma32.gif"/>
+          <p:cNvPicPr>
+            <a:picLocks noChangeAspect="1" noChangeArrowheads="1"/>
+          </p:cNvPicPr>
+          <p:nvPr/>
+        </p:nvPicPr>
+        <p:blipFill>
+          <a:blip r:embed="rId2">
+            <a:duotone>
+              <a:schemeClr val="accent1">
+                <a:shade val="45000"/>
+                <a:satMod val="135000"/>
+              </a:schemeClr>
+              <a:prstClr val="white"/>
+            </a:duotone>
+            <a:lum bright="20000"/>
+          </a:blip>
+          <a:srcRect/>
+          <a:stretch>
+            <a:fillRect/>
+          </a:stretch>
+        </p:blipFill>
+        <p:spPr bwMode="auto">
+          <a:xfrm>
+            <a:off x="6858016" y="153964"/>
+            <a:ext cx="2214578" cy="1131896"/>
+          </a:xfrm>
+          <a:prstGeom prst="rect">
+            <a:avLst/>
+          </a:prstGeom>
+          <a:noFill/>
+        </p:spPr>
+      </p:pic>
+      <p:pic>
+        <p:nvPicPr>
+          <p:cNvPr id="4098" name="Picture 2" descr="C:\Users\error0\Documents\universita\tesi\workspace\tesi\tex\img\result11.jpg"/>
+          <p:cNvPicPr>
+            <a:picLocks noChangeAspect="1" noChangeArrowheads="1"/>
+          </p:cNvPicPr>
+          <p:nvPr/>
+        </p:nvPicPr>
+        <p:blipFill>
+          <a:blip r:embed="rId3"/>
+          <a:srcRect t="16898" r="-250" b="5000"/>
+          <a:stretch>
+            <a:fillRect/>
+          </a:stretch>
+        </p:blipFill>
+        <p:spPr bwMode="auto">
+          <a:xfrm>
+            <a:off x="0" y="1500175"/>
+            <a:ext cx="9144000" cy="4786346"/>
+          </a:xfrm>
+          <a:prstGeom prst="rect">
+            <a:avLst/>
+          </a:prstGeom>
+          <a:noFill/>
+        </p:spPr>
+      </p:pic>
+      <p:sp>
+        <p:nvSpPr>
+          <p:cNvPr id="5" name="Rettangolo 4"/>
+          <p:cNvSpPr/>
+          <p:nvPr/>
+        </p:nvSpPr>
+        <p:spPr>
+          <a:xfrm>
+            <a:off x="928662" y="6500834"/>
+            <a:ext cx="142876" cy="142876"/>
+          </a:xfrm>
+          <a:prstGeom prst="rect">
+            <a:avLst/>
+          </a:prstGeom>
+          <a:solidFill>
+            <a:srgbClr val="FF0000"/>
+          </a:solidFill>
+          <a:ln>
+            <a:solidFill>
+              <a:srgbClr val="FF0000"/>
+            </a:solidFill>
+          </a:ln>
+        </p:spPr>
+        <p:style>
+          <a:lnRef idx="2">
+            <a:schemeClr val="accent3">
+              <a:shade val="50000"/>
+            </a:schemeClr>
+          </a:lnRef>
+          <a:fillRef idx="1">
+            <a:schemeClr val="accent3"/>
+          </a:fillRef>
+          <a:effectRef idx="0">
+            <a:schemeClr val="accent3"/>
+          </a:effectRef>
+          <a:fontRef idx="minor">
+            <a:schemeClr val="lt1"/>
+          </a:fontRef>
+        </p:style>
+        <p:txBody>
+          <a:bodyPr rtlCol="0" anchor="ctr"/>
+          <a:lstStyle/>
+          <a:p>
+            <a:pPr algn="ctr"/>
+            <a:endParaRPr lang="it-IT"/>
+          </a:p>
+        </p:txBody>
+      </p:sp>
+      <p:sp>
+        <p:nvSpPr>
+          <p:cNvPr id="6" name="Rettangolo 5"/>
+          <p:cNvSpPr/>
+          <p:nvPr/>
+        </p:nvSpPr>
+        <p:spPr>
+          <a:xfrm>
+            <a:off x="5357818" y="6500834"/>
+            <a:ext cx="142876" cy="142876"/>
+          </a:xfrm>
+          <a:prstGeom prst="rect">
+            <a:avLst/>
+          </a:prstGeom>
+          <a:solidFill>
+            <a:srgbClr val="FFFF00"/>
+          </a:solidFill>
+          <a:ln>
+            <a:solidFill>
+              <a:srgbClr val="FFFF00"/>
+            </a:solidFill>
+          </a:ln>
+        </p:spPr>
+        <p:style>
+          <a:lnRef idx="2">
+            <a:schemeClr val="accent1">
+              <a:shade val="50000"/>
+            </a:schemeClr>
+          </a:lnRef>
+          <a:fillRef idx="1">
+            <a:schemeClr val="accent1"/>
+          </a:fillRef>
+          <a:effectRef idx="0">
+            <a:schemeClr val="accent1"/>
+          </a:effectRef>
+          <a:fontRef idx="minor">
+            <a:schemeClr val="lt1"/>
+          </a:fontRef>
+        </p:style>
+        <p:txBody>
+          <a:bodyPr rtlCol="0" anchor="ctr"/>
+          <a:lstStyle/>
+          <a:p>
+            <a:pPr algn="ctr"/>
+            <a:endParaRPr lang="it-IT"/>
+          </a:p>
+        </p:txBody>
+      </p:sp>
+      <p:sp>
+        <p:nvSpPr>
+          <p:cNvPr id="7" name="Rettangolo 6"/>
+          <p:cNvSpPr/>
+          <p:nvPr/>
+        </p:nvSpPr>
+        <p:spPr>
+          <a:xfrm>
+            <a:off x="2357422" y="6500834"/>
+            <a:ext cx="142876" cy="142876"/>
+          </a:xfrm>
+          <a:prstGeom prst="rect">
+            <a:avLst/>
+          </a:prstGeom>
+          <a:solidFill>
+            <a:srgbClr val="0070C0"/>
+          </a:solidFill>
+          <a:ln>
+            <a:solidFill>
+              <a:srgbClr val="0070C0"/>
+            </a:solidFill>
+          </a:ln>
+        </p:spPr>
+        <p:style>
+          <a:lnRef idx="2">
+            <a:schemeClr val="accent1">
+              <a:shade val="50000"/>
+            </a:schemeClr>
+          </a:lnRef>
+          <a:fillRef idx="1">
+            <a:schemeClr val="accent1"/>
+          </a:fillRef>
+          <a:effectRef idx="0">
+            <a:schemeClr val="accent1"/>
+          </a:effectRef>
+          <a:fontRef idx="minor">
+            <a:schemeClr val="lt1"/>
+          </a:fontRef>
+        </p:style>
+        <p:txBody>
+          <a:bodyPr rtlCol="0" anchor="ctr"/>
+          <a:lstStyle/>
+          <a:p>
+            <a:pPr algn="ctr"/>
+            <a:endParaRPr lang="it-IT"/>
+          </a:p>
+        </p:txBody>
+      </p:sp>
+      <p:sp>
+        <p:nvSpPr>
+          <p:cNvPr id="8" name="Rettangolo 7"/>
+          <p:cNvSpPr/>
+          <p:nvPr/>
+        </p:nvSpPr>
+        <p:spPr>
+          <a:xfrm>
+            <a:off x="4143372" y="6500834"/>
+            <a:ext cx="142876" cy="142876"/>
+          </a:xfrm>
+          <a:prstGeom prst="rect">
+            <a:avLst/>
+          </a:prstGeom>
+          <a:solidFill>
+            <a:srgbClr val="92D050"/>
+          </a:solidFill>
+          <a:ln>
+            <a:solidFill>
+              <a:srgbClr val="92D050"/>
+            </a:solidFill>
+          </a:ln>
+        </p:spPr>
+        <p:style>
+          <a:lnRef idx="2">
+            <a:schemeClr val="accent1">
+              <a:shade val="50000"/>
+            </a:schemeClr>
+          </a:lnRef>
+          <a:fillRef idx="1">
+            <a:schemeClr val="accent1"/>
+          </a:fillRef>
+          <a:effectRef idx="0">
+            <a:schemeClr val="accent1"/>
+          </a:effectRef>
+          <a:fontRef idx="minor">
+            <a:schemeClr val="lt1"/>
+          </a:fontRef>
+        </p:style>
+        <p:txBody>
+          <a:bodyPr rtlCol="0" anchor="ctr"/>
+          <a:lstStyle/>
+          <a:p>
+            <a:pPr algn="ctr"/>
+            <a:endParaRPr lang="it-IT"/>
+          </a:p>
+        </p:txBody>
+      </p:sp>
+      <p:sp>
+        <p:nvSpPr>
+          <p:cNvPr id="9" name="Rettangolo 8"/>
+          <p:cNvSpPr/>
+          <p:nvPr/>
+        </p:nvSpPr>
+        <p:spPr>
+          <a:xfrm>
+            <a:off x="7000892" y="6500834"/>
+            <a:ext cx="142876" cy="142876"/>
+          </a:xfrm>
+          <a:prstGeom prst="rect">
+            <a:avLst/>
+          </a:prstGeom>
+          <a:solidFill>
+            <a:srgbClr val="C52BA8"/>
+          </a:solidFill>
+          <a:ln>
+            <a:solidFill>
+              <a:srgbClr val="C52BA8"/>
+            </a:solidFill>
+          </a:ln>
+        </p:spPr>
+        <p:style>
+          <a:lnRef idx="2">
+            <a:schemeClr val="accent1">
+              <a:shade val="50000"/>
+            </a:schemeClr>
+          </a:lnRef>
+          <a:fillRef idx="1">
+            <a:schemeClr val="accent1"/>
+          </a:fillRef>
+          <a:effectRef idx="0">
+            <a:schemeClr val="accent1"/>
+          </a:effectRef>
+          <a:fontRef idx="minor">
+            <a:schemeClr val="lt1"/>
+          </a:fontRef>
+        </p:style>
+        <p:txBody>
+          <a:bodyPr rtlCol="0" anchor="ctr"/>
+          <a:lstStyle/>
+          <a:p>
+            <a:pPr algn="ctr"/>
+            <a:endParaRPr lang="it-IT"/>
+          </a:p>
+        </p:txBody>
+      </p:sp>
+      <p:sp>
+        <p:nvSpPr>
+          <p:cNvPr id="10" name="CasellaDiTesto 9"/>
+          <p:cNvSpPr txBox="1"/>
+          <p:nvPr/>
+        </p:nvSpPr>
+        <p:spPr>
+          <a:xfrm>
+            <a:off x="1142976" y="6357958"/>
+            <a:ext cx="1071570" cy="430887"/>
+          </a:xfrm>
+          <a:prstGeom prst="rect">
+            <a:avLst/>
+          </a:prstGeom>
+          <a:noFill/>
+        </p:spPr>
+        <p:txBody>
+          <a:bodyPr wrap="square" rtlCol="0">
+            <a:spAutoFit/>
+          </a:bodyPr>
+          <a:lstStyle/>
+          <a:p>
+            <a:r>
+              <a:rPr lang="it-IT" sz="2200" dirty="0" smtClean="0"/>
+              <a:t>PICO4</a:t>
+            </a:r>
+            <a:endParaRPr lang="it-IT" sz="2200" dirty="0"/>
+          </a:p>
+        </p:txBody>
+      </p:sp>
+      <p:sp>
+        <p:nvSpPr>
+          <p:cNvPr id="11" name="CasellaDiTesto 10"/>
+          <p:cNvSpPr txBox="1"/>
+          <p:nvPr/>
+        </p:nvSpPr>
+        <p:spPr>
+          <a:xfrm>
+            <a:off x="2571736" y="6357958"/>
+            <a:ext cx="1500198" cy="430887"/>
+          </a:xfrm>
+          <a:prstGeom prst="rect">
+            <a:avLst/>
+          </a:prstGeom>
+          <a:noFill/>
+        </p:spPr>
+        <p:txBody>
+          <a:bodyPr wrap="square" rtlCol="0">
+            <a:spAutoFit/>
+          </a:bodyPr>
+          <a:lstStyle/>
+          <a:p>
+            <a:r>
+              <a:rPr lang="it-IT" sz="2200" dirty="0" err="1" smtClean="0"/>
+              <a:t>Prevayler</a:t>
+            </a:r>
+            <a:endParaRPr lang="it-IT" sz="2200" dirty="0"/>
+          </a:p>
+        </p:txBody>
+      </p:sp>
+      <p:sp>
+        <p:nvSpPr>
+          <p:cNvPr id="12" name="CasellaDiTesto 11"/>
+          <p:cNvSpPr txBox="1"/>
+          <p:nvPr/>
+        </p:nvSpPr>
+        <p:spPr>
+          <a:xfrm>
+            <a:off x="4357686" y="6357958"/>
+            <a:ext cx="1500198" cy="430887"/>
+          </a:xfrm>
+          <a:prstGeom prst="rect">
+            <a:avLst/>
+          </a:prstGeom>
+          <a:noFill/>
+        </p:spPr>
+        <p:txBody>
+          <a:bodyPr wrap="square" rtlCol="0">
+            <a:spAutoFit/>
+          </a:bodyPr>
+          <a:lstStyle/>
+          <a:p>
+            <a:r>
+              <a:rPr lang="it-IT" sz="2200" dirty="0" smtClean="0"/>
+              <a:t>H2</a:t>
+            </a:r>
+            <a:endParaRPr lang="it-IT" sz="2200" dirty="0"/>
+          </a:p>
+        </p:txBody>
+      </p:sp>
+      <p:sp>
+        <p:nvSpPr>
+          <p:cNvPr id="13" name="CasellaDiTesto 12"/>
+          <p:cNvSpPr txBox="1"/>
+          <p:nvPr/>
+        </p:nvSpPr>
+        <p:spPr>
+          <a:xfrm>
+            <a:off x="5572132" y="6357958"/>
+            <a:ext cx="1500198" cy="430887"/>
+          </a:xfrm>
+          <a:prstGeom prst="rect">
+            <a:avLst/>
+          </a:prstGeom>
+          <a:noFill/>
+        </p:spPr>
+        <p:txBody>
+          <a:bodyPr wrap="square" rtlCol="0">
+            <a:spAutoFit/>
+          </a:bodyPr>
+          <a:lstStyle/>
+          <a:p>
+            <a:r>
+              <a:rPr lang="it-IT" sz="2200" dirty="0" smtClean="0"/>
+              <a:t>HSQLDB</a:t>
+            </a:r>
+            <a:endParaRPr lang="it-IT" sz="2200" dirty="0"/>
+          </a:p>
+        </p:txBody>
+      </p:sp>
+      <p:sp>
+        <p:nvSpPr>
+          <p:cNvPr id="14" name="CasellaDiTesto 13"/>
+          <p:cNvSpPr txBox="1"/>
+          <p:nvPr/>
+        </p:nvSpPr>
+        <p:spPr>
+          <a:xfrm>
+            <a:off x="7215206" y="6357958"/>
+            <a:ext cx="1500198" cy="430887"/>
+          </a:xfrm>
+          <a:prstGeom prst="rect">
+            <a:avLst/>
+          </a:prstGeom>
+          <a:noFill/>
+        </p:spPr>
+        <p:txBody>
+          <a:bodyPr wrap="square" rtlCol="0">
+            <a:spAutoFit/>
+          </a:bodyPr>
+          <a:lstStyle/>
+          <a:p>
+            <a:r>
+              <a:rPr lang="it-IT" sz="2200" dirty="0" smtClean="0"/>
+              <a:t>Db4o</a:t>
+            </a:r>
+            <a:endParaRPr lang="it-IT" sz="2200" dirty="0"/>
+          </a:p>
+        </p:txBody>
+      </p:sp>
+    </p:spTree>
+  </p:cSld>
+  <p:clrMapOvr>
+    <a:masterClrMapping/>
+  </p:clrMapOvr>
+  <p:transition>
+    <p:fade/>
+  </p:transition>
+  <p:timing>
+    <p:tnLst>
+      <p:par>
+        <p:cTn id="1" dur="indefinite" restart="never" nodeType="tmRoot"/>
+      </p:par>
+    </p:tnLst>
+  </p:timing>
+</p:sld>
+</file>
+
+<file path=ppt/slides/slide16.xml><?xml version="1.0" encoding="utf-8"?>
+<p:sld xmlns:a="http://schemas.openxmlformats.org/drawingml/2006/main" xmlns:r="http://schemas.openxmlformats.org/officeDocument/2006/relationships" xmlns:p="http://schemas.openxmlformats.org/presentationml/2006/main">
+  <p:cSld>
+    <p:spTree>
+      <p:nvGrpSpPr>
+        <p:cNvPr id="1" name=""/>
+        <p:cNvGrpSpPr/>
+        <p:nvPr/>
+      </p:nvGrpSpPr>
+      <p:grpSpPr>
+        <a:xfrm>
+          <a:off x="0" y="0"/>
+          <a:ext cx="0" cy="0"/>
+          <a:chOff x="0" y="0"/>
+          <a:chExt cx="0" cy="0"/>
+        </a:xfrm>
+      </p:grpSpPr>
+      <p:sp>
+        <p:nvSpPr>
+          <p:cNvPr id="2" name="Titolo 1"/>
+          <p:cNvSpPr>
+            <a:spLocks noGrp="1"/>
+          </p:cNvSpPr>
+          <p:nvPr>
+            <p:ph type="title"/>
+          </p:nvPr>
+        </p:nvSpPr>
+        <p:spPr>
+          <a:xfrm>
+            <a:off x="457200" y="155448"/>
+            <a:ext cx="6257940" cy="1252728"/>
+          </a:xfrm>
+        </p:spPr>
+        <p:txBody>
+          <a:bodyPr>
+            <a:normAutofit/>
+          </a:bodyPr>
+          <a:lstStyle/>
+          <a:p>
+            <a:r>
+              <a:rPr lang="en-US" dirty="0" smtClean="0">
+                <a:solidFill>
+                  <a:srgbClr val="FFC000"/>
+                </a:solidFill>
+              </a:rPr>
+              <a:t>File Size</a:t>
+            </a:r>
+            <a:endParaRPr lang="en-US" dirty="0">
+              <a:solidFill>
+                <a:srgbClr val="FFC000"/>
+              </a:solidFill>
+            </a:endParaRPr>
+          </a:p>
+        </p:txBody>
+      </p:sp>
+      <p:pic>
+        <p:nvPicPr>
+          <p:cNvPr id="4" name="Picture 4" descr="C:\Users\error0\Desktop\logoRoma32.gif"/>
+          <p:cNvPicPr>
+            <a:picLocks noChangeAspect="1" noChangeArrowheads="1"/>
+          </p:cNvPicPr>
+          <p:nvPr/>
+        </p:nvPicPr>
+        <p:blipFill>
+          <a:blip r:embed="rId2">
+            <a:duotone>
+              <a:schemeClr val="accent1">
+                <a:shade val="45000"/>
+                <a:satMod val="135000"/>
+              </a:schemeClr>
+              <a:prstClr val="white"/>
+            </a:duotone>
+            <a:lum bright="20000"/>
+          </a:blip>
+          <a:srcRect/>
+          <a:stretch>
+            <a:fillRect/>
+          </a:stretch>
+        </p:blipFill>
+        <p:spPr bwMode="auto">
+          <a:xfrm>
+            <a:off x="6858016" y="153964"/>
+            <a:ext cx="2214578" cy="1131896"/>
+          </a:xfrm>
+          <a:prstGeom prst="rect">
+            <a:avLst/>
+          </a:prstGeom>
+          <a:noFill/>
+        </p:spPr>
+      </p:pic>
+      <p:sp>
+        <p:nvSpPr>
+          <p:cNvPr id="5" name="Rettangolo 4"/>
+          <p:cNvSpPr/>
+          <p:nvPr/>
+        </p:nvSpPr>
+        <p:spPr>
+          <a:xfrm>
+            <a:off x="928662" y="6500834"/>
+            <a:ext cx="142876" cy="142876"/>
+          </a:xfrm>
+          <a:prstGeom prst="rect">
+            <a:avLst/>
+          </a:prstGeom>
+          <a:solidFill>
+            <a:srgbClr val="FF0000"/>
+          </a:solidFill>
+          <a:ln>
+            <a:solidFill>
+              <a:srgbClr val="FF0000"/>
+            </a:solidFill>
+          </a:ln>
+        </p:spPr>
+        <p:style>
+          <a:lnRef idx="2">
+            <a:schemeClr val="accent3">
+              <a:shade val="50000"/>
+            </a:schemeClr>
+          </a:lnRef>
+          <a:fillRef idx="1">
+            <a:schemeClr val="accent3"/>
+          </a:fillRef>
+          <a:effectRef idx="0">
+            <a:schemeClr val="accent3"/>
+          </a:effectRef>
+          <a:fontRef idx="minor">
+            <a:schemeClr val="lt1"/>
+          </a:fontRef>
+        </p:style>
+        <p:txBody>
+          <a:bodyPr rtlCol="0" anchor="ctr"/>
+          <a:lstStyle/>
+          <a:p>
+            <a:pPr algn="ctr"/>
+            <a:endParaRPr lang="it-IT"/>
+          </a:p>
+        </p:txBody>
+      </p:sp>
+      <p:sp>
+        <p:nvSpPr>
+          <p:cNvPr id="6" name="Rettangolo 5"/>
+          <p:cNvSpPr/>
+          <p:nvPr/>
+        </p:nvSpPr>
+        <p:spPr>
+          <a:xfrm>
+            <a:off x="5357818" y="6500834"/>
+            <a:ext cx="142876" cy="142876"/>
+          </a:xfrm>
+          <a:prstGeom prst="rect">
+            <a:avLst/>
+          </a:prstGeom>
+          <a:solidFill>
+            <a:srgbClr val="FFFF00"/>
+          </a:solidFill>
+          <a:ln>
+            <a:solidFill>
+              <a:srgbClr val="FFFF00"/>
+            </a:solidFill>
+          </a:ln>
+        </p:spPr>
+        <p:style>
+          <a:lnRef idx="2">
+            <a:schemeClr val="accent1">
+              <a:shade val="50000"/>
+            </a:schemeClr>
+          </a:lnRef>
+          <a:fillRef idx="1">
+            <a:schemeClr val="accent1"/>
+          </a:fillRef>
+          <a:effectRef idx="0">
+            <a:schemeClr val="accent1"/>
+          </a:effectRef>
+          <a:fontRef idx="minor">
+            <a:schemeClr val="lt1"/>
+          </a:fontRef>
+        </p:style>
+        <p:txBody>
+          <a:bodyPr rtlCol="0" anchor="ctr"/>
+          <a:lstStyle/>
+          <a:p>
+            <a:pPr algn="ctr"/>
+            <a:endParaRPr lang="it-IT"/>
+          </a:p>
+        </p:txBody>
+      </p:sp>
+      <p:sp>
+        <p:nvSpPr>
+          <p:cNvPr id="7" name="Rettangolo 6"/>
+          <p:cNvSpPr/>
+          <p:nvPr/>
+        </p:nvSpPr>
+        <p:spPr>
+          <a:xfrm>
+            <a:off x="2357422" y="6500834"/>
+            <a:ext cx="142876" cy="142876"/>
+          </a:xfrm>
+          <a:prstGeom prst="rect">
+            <a:avLst/>
+          </a:prstGeom>
+          <a:solidFill>
+            <a:srgbClr val="0070C0"/>
+          </a:solidFill>
+          <a:ln>
+            <a:solidFill>
+              <a:srgbClr val="0070C0"/>
+            </a:solidFill>
+          </a:ln>
+        </p:spPr>
+        <p:style>
+          <a:lnRef idx="2">
+            <a:schemeClr val="accent1">
+              <a:shade val="50000"/>
+            </a:schemeClr>
+          </a:lnRef>
+          <a:fillRef idx="1">
+            <a:schemeClr val="accent1"/>
+          </a:fillRef>
+          <a:effectRef idx="0">
+            <a:schemeClr val="accent1"/>
+          </a:effectRef>
+          <a:fontRef idx="minor">
+            <a:schemeClr val="lt1"/>
+          </a:fontRef>
+        </p:style>
+        <p:txBody>
+          <a:bodyPr rtlCol="0" anchor="ctr"/>
+          <a:lstStyle/>
+          <a:p>
+            <a:pPr algn="ctr"/>
+            <a:endParaRPr lang="it-IT"/>
+          </a:p>
+        </p:txBody>
+      </p:sp>
+      <p:sp>
+        <p:nvSpPr>
+          <p:cNvPr id="8" name="Rettangolo 7"/>
+          <p:cNvSpPr/>
+          <p:nvPr/>
+        </p:nvSpPr>
+        <p:spPr>
+          <a:xfrm>
+            <a:off x="4143372" y="6500834"/>
+            <a:ext cx="142876" cy="142876"/>
+          </a:xfrm>
+          <a:prstGeom prst="rect">
+            <a:avLst/>
+          </a:prstGeom>
+          <a:solidFill>
+            <a:srgbClr val="92D050"/>
+          </a:solidFill>
+          <a:ln>
+            <a:solidFill>
+              <a:srgbClr val="92D050"/>
+            </a:solidFill>
+          </a:ln>
+        </p:spPr>
+        <p:style>
+          <a:lnRef idx="2">
+            <a:schemeClr val="accent1">
+              <a:shade val="50000"/>
+            </a:schemeClr>
+          </a:lnRef>
+          <a:fillRef idx="1">
+            <a:schemeClr val="accent1"/>
+          </a:fillRef>
+          <a:effectRef idx="0">
+            <a:schemeClr val="accent1"/>
+          </a:effectRef>
+          <a:fontRef idx="minor">
+            <a:schemeClr val="lt1"/>
+          </a:fontRef>
+        </p:style>
+        <p:txBody>
+          <a:bodyPr rtlCol="0" anchor="ctr"/>
+          <a:lstStyle/>
+          <a:p>
+            <a:pPr algn="ctr"/>
+            <a:endParaRPr lang="it-IT"/>
+          </a:p>
+        </p:txBody>
+      </p:sp>
+      <p:sp>
+        <p:nvSpPr>
+          <p:cNvPr id="9" name="Rettangolo 8"/>
+          <p:cNvSpPr/>
+          <p:nvPr/>
+        </p:nvSpPr>
+        <p:spPr>
+          <a:xfrm>
+            <a:off x="7000892" y="6500834"/>
+            <a:ext cx="142876" cy="142876"/>
+          </a:xfrm>
+          <a:prstGeom prst="rect">
+            <a:avLst/>
+          </a:prstGeom>
+          <a:solidFill>
+            <a:srgbClr val="C52BA8"/>
+          </a:solidFill>
+          <a:ln>
+            <a:solidFill>
+              <a:srgbClr val="C52BA8"/>
+            </a:solidFill>
+          </a:ln>
+        </p:spPr>
+        <p:style>
+          <a:lnRef idx="2">
+            <a:schemeClr val="accent1">
+              <a:shade val="50000"/>
+            </a:schemeClr>
+          </a:lnRef>
+          <a:fillRef idx="1">
+            <a:schemeClr val="accent1"/>
+          </a:fillRef>
+          <a:effectRef idx="0">
+            <a:schemeClr val="accent1"/>
+          </a:effectRef>
+          <a:fontRef idx="minor">
+            <a:schemeClr val="lt1"/>
+          </a:fontRef>
+        </p:style>
+        <p:txBody>
+          <a:bodyPr rtlCol="0" anchor="ctr"/>
+          <a:lstStyle/>
+          <a:p>
+            <a:pPr algn="ctr"/>
+            <a:endParaRPr lang="it-IT"/>
+          </a:p>
+        </p:txBody>
+      </p:sp>
+      <p:sp>
+        <p:nvSpPr>
+          <p:cNvPr id="10" name="CasellaDiTesto 9"/>
+          <p:cNvSpPr txBox="1"/>
+          <p:nvPr/>
+        </p:nvSpPr>
+        <p:spPr>
+          <a:xfrm>
+            <a:off x="1142976" y="6357958"/>
+            <a:ext cx="1071570" cy="430887"/>
+          </a:xfrm>
+          <a:prstGeom prst="rect">
+            <a:avLst/>
+          </a:prstGeom>
+          <a:noFill/>
+        </p:spPr>
+        <p:txBody>
+          <a:bodyPr wrap="square" rtlCol="0">
+            <a:spAutoFit/>
+          </a:bodyPr>
+          <a:lstStyle/>
+          <a:p>
+            <a:r>
+              <a:rPr lang="it-IT" sz="2200" dirty="0" smtClean="0"/>
+              <a:t>PICO4</a:t>
+            </a:r>
+            <a:endParaRPr lang="it-IT" sz="2200" dirty="0"/>
+          </a:p>
+        </p:txBody>
+      </p:sp>
+      <p:sp>
+        <p:nvSpPr>
+          <p:cNvPr id="11" name="CasellaDiTesto 10"/>
+          <p:cNvSpPr txBox="1"/>
+          <p:nvPr/>
+        </p:nvSpPr>
+        <p:spPr>
+          <a:xfrm>
+            <a:off x="2571736" y="6357958"/>
+            <a:ext cx="1500198" cy="430887"/>
+          </a:xfrm>
+          <a:prstGeom prst="rect">
+            <a:avLst/>
+          </a:prstGeom>
+          <a:noFill/>
+        </p:spPr>
+        <p:txBody>
+          <a:bodyPr wrap="square" rtlCol="0">
+            <a:spAutoFit/>
+          </a:bodyPr>
+          <a:lstStyle/>
+          <a:p>
+            <a:r>
+              <a:rPr lang="it-IT" sz="2200" dirty="0" err="1" smtClean="0"/>
+              <a:t>Prevayler</a:t>
+            </a:r>
+            <a:endParaRPr lang="it-IT" sz="2200" dirty="0"/>
+          </a:p>
+        </p:txBody>
+      </p:sp>
+      <p:sp>
+        <p:nvSpPr>
+          <p:cNvPr id="12" name="CasellaDiTesto 11"/>
+          <p:cNvSpPr txBox="1"/>
+          <p:nvPr/>
+        </p:nvSpPr>
+        <p:spPr>
+          <a:xfrm>
+            <a:off x="4357686" y="6357958"/>
+            <a:ext cx="1500198" cy="430887"/>
+          </a:xfrm>
+          <a:prstGeom prst="rect">
+            <a:avLst/>
+          </a:prstGeom>
+          <a:noFill/>
+        </p:spPr>
+        <p:txBody>
+          <a:bodyPr wrap="square" rtlCol="0">
+            <a:spAutoFit/>
+          </a:bodyPr>
+          <a:lstStyle/>
+          <a:p>
+            <a:r>
+              <a:rPr lang="it-IT" sz="2200" dirty="0" smtClean="0"/>
+              <a:t>H2</a:t>
+            </a:r>
+            <a:endParaRPr lang="it-IT" sz="2200" dirty="0"/>
+          </a:p>
+        </p:txBody>
+      </p:sp>
+      <p:sp>
+        <p:nvSpPr>
+          <p:cNvPr id="13" name="CasellaDiTesto 12"/>
+          <p:cNvSpPr txBox="1"/>
+          <p:nvPr/>
+        </p:nvSpPr>
+        <p:spPr>
+          <a:xfrm>
+            <a:off x="5572132" y="6357958"/>
+            <a:ext cx="1500198" cy="430887"/>
+          </a:xfrm>
+          <a:prstGeom prst="rect">
+            <a:avLst/>
+          </a:prstGeom>
+          <a:noFill/>
+        </p:spPr>
+        <p:txBody>
+          <a:bodyPr wrap="square" rtlCol="0">
+            <a:spAutoFit/>
+          </a:bodyPr>
+          <a:lstStyle/>
+          <a:p>
+            <a:r>
+              <a:rPr lang="it-IT" sz="2200" dirty="0" smtClean="0"/>
+              <a:t>HSQLDB</a:t>
+            </a:r>
+            <a:endParaRPr lang="it-IT" sz="2200" dirty="0"/>
+          </a:p>
+        </p:txBody>
+      </p:sp>
+      <p:sp>
+        <p:nvSpPr>
+          <p:cNvPr id="14" name="CasellaDiTesto 13"/>
+          <p:cNvSpPr txBox="1"/>
+          <p:nvPr/>
+        </p:nvSpPr>
+        <p:spPr>
+          <a:xfrm>
+            <a:off x="7215206" y="6357958"/>
+            <a:ext cx="1500198" cy="430887"/>
+          </a:xfrm>
+          <a:prstGeom prst="rect">
+            <a:avLst/>
+          </a:prstGeom>
+          <a:noFill/>
+        </p:spPr>
+        <p:txBody>
+          <a:bodyPr wrap="square" rtlCol="0">
+            <a:spAutoFit/>
+          </a:bodyPr>
+          <a:lstStyle/>
+          <a:p>
+            <a:r>
+              <a:rPr lang="it-IT" sz="2200" dirty="0" smtClean="0"/>
+              <a:t>Db4o</a:t>
+            </a:r>
+            <a:endParaRPr lang="it-IT" sz="2200" dirty="0"/>
+          </a:p>
+        </p:txBody>
+      </p:sp>
+      <p:pic>
+        <p:nvPicPr>
+          <p:cNvPr id="2050" name="Picture 2" descr="C:\Users\error0\Documents\universita\tesi\workspace\tesi\tex\img\result13.jpg"/>
+          <p:cNvPicPr>
+            <a:picLocks noChangeAspect="1" noChangeArrowheads="1"/>
+          </p:cNvPicPr>
+          <p:nvPr/>
+        </p:nvPicPr>
+        <p:blipFill>
+          <a:blip r:embed="rId3"/>
+          <a:srcRect l="500" t="15714" r="2000" b="5000"/>
+          <a:stretch>
+            <a:fillRect/>
+          </a:stretch>
+        </p:blipFill>
+        <p:spPr bwMode="auto">
+          <a:xfrm>
+            <a:off x="-64" y="1500174"/>
+            <a:ext cx="9144064" cy="4786346"/>
+          </a:xfrm>
+          <a:prstGeom prst="rect">
+            <a:avLst/>
+          </a:prstGeom>
+          <a:noFill/>
+        </p:spPr>
+      </p:pic>
+    </p:spTree>
+  </p:cSld>
+  <p:clrMapOvr>
+    <a:masterClrMapping/>
+  </p:clrMapOvr>
+  <p:transition>
+    <p:fade/>
+  </p:transition>
+  <p:timing>
+    <p:tnLst>
+      <p:par>
+        <p:cTn id="1" dur="indefinite" restart="never" nodeType="tmRoot"/>
+      </p:par>
+    </p:tnLst>
+  </p:timing>
+</p:sld>
+</file>
+
+<file path=ppt/slides/slide17.xml><?xml version="1.0" encoding="utf-8"?>
+<p:sld xmlns:a="http://schemas.openxmlformats.org/drawingml/2006/main" xmlns:r="http://schemas.openxmlformats.org/officeDocument/2006/relationships" xmlns:p="http://schemas.openxmlformats.org/presentationml/2006/main">
+  <p:cSld>
+    <p:spTree>
+      <p:nvGrpSpPr>
+        <p:cNvPr id="1" name=""/>
+        <p:cNvGrpSpPr/>
+        <p:nvPr/>
+      </p:nvGrpSpPr>
+      <p:grpSpPr>
+        <a:xfrm>
+          <a:off x="0" y="0"/>
+          <a:ext cx="0" cy="0"/>
+          <a:chOff x="0" y="0"/>
+          <a:chExt cx="0" cy="0"/>
+        </a:xfrm>
+      </p:grpSpPr>
+      <p:sp>
+        <p:nvSpPr>
+          <p:cNvPr id="2" name="Titolo 1"/>
+          <p:cNvSpPr>
+            <a:spLocks noGrp="1"/>
+          </p:cNvSpPr>
+          <p:nvPr>
+            <p:ph type="title"/>
+          </p:nvPr>
+        </p:nvSpPr>
+        <p:spPr>
+          <a:xfrm>
+            <a:off x="457200" y="155448"/>
+            <a:ext cx="6257940" cy="1252728"/>
+          </a:xfrm>
+        </p:spPr>
+        <p:txBody>
+          <a:bodyPr>
+            <a:normAutofit/>
+          </a:bodyPr>
+          <a:lstStyle/>
+          <a:p>
+            <a:r>
+              <a:rPr lang="en-US" smtClean="0">
+                <a:solidFill>
+                  <a:srgbClr val="FFC000"/>
+                </a:solidFill>
+              </a:rPr>
+              <a:t>Max Write</a:t>
+            </a:r>
+            <a:endParaRPr lang="en-US" dirty="0">
+              <a:solidFill>
+                <a:srgbClr val="FFC000"/>
+              </a:solidFill>
+            </a:endParaRPr>
+          </a:p>
+        </p:txBody>
+      </p:sp>
+      <p:pic>
+        <p:nvPicPr>
+          <p:cNvPr id="4" name="Picture 4" descr="C:\Users\error0\Desktop\logoRoma32.gif"/>
+          <p:cNvPicPr>
+            <a:picLocks noChangeAspect="1" noChangeArrowheads="1"/>
+          </p:cNvPicPr>
+          <p:nvPr/>
+        </p:nvPicPr>
+        <p:blipFill>
+          <a:blip r:embed="rId2">
+            <a:duotone>
+              <a:schemeClr val="accent1">
+                <a:shade val="45000"/>
+                <a:satMod val="135000"/>
+              </a:schemeClr>
+              <a:prstClr val="white"/>
+            </a:duotone>
+            <a:lum bright="20000"/>
+          </a:blip>
+          <a:srcRect/>
+          <a:stretch>
+            <a:fillRect/>
+          </a:stretch>
+        </p:blipFill>
+        <p:spPr bwMode="auto">
+          <a:xfrm>
+            <a:off x="6858016" y="153964"/>
+            <a:ext cx="2214578" cy="1131896"/>
+          </a:xfrm>
+          <a:prstGeom prst="rect">
+            <a:avLst/>
+          </a:prstGeom>
+          <a:noFill/>
+        </p:spPr>
+      </p:pic>
+      <p:sp>
+        <p:nvSpPr>
+          <p:cNvPr id="5" name="Rettangolo 4"/>
+          <p:cNvSpPr/>
+          <p:nvPr/>
+        </p:nvSpPr>
+        <p:spPr>
+          <a:xfrm>
+            <a:off x="928662" y="6500834"/>
+            <a:ext cx="142876" cy="142876"/>
+          </a:xfrm>
+          <a:prstGeom prst="rect">
+            <a:avLst/>
+          </a:prstGeom>
+          <a:solidFill>
+            <a:srgbClr val="FF0000"/>
+          </a:solidFill>
+          <a:ln>
+            <a:solidFill>
+              <a:srgbClr val="FF0000"/>
+            </a:solidFill>
+          </a:ln>
+        </p:spPr>
+        <p:style>
+          <a:lnRef idx="2">
+            <a:schemeClr val="accent3">
+              <a:shade val="50000"/>
+            </a:schemeClr>
+          </a:lnRef>
+          <a:fillRef idx="1">
+            <a:schemeClr val="accent3"/>
+          </a:fillRef>
+          <a:effectRef idx="0">
+            <a:schemeClr val="accent3"/>
+          </a:effectRef>
+          <a:fontRef idx="minor">
+            <a:schemeClr val="lt1"/>
+          </a:fontRef>
+        </p:style>
+        <p:txBody>
+          <a:bodyPr rtlCol="0" anchor="ctr"/>
+          <a:lstStyle/>
+          <a:p>
+            <a:pPr algn="ctr"/>
+            <a:endParaRPr lang="it-IT"/>
+          </a:p>
+        </p:txBody>
+      </p:sp>
+      <p:sp>
+        <p:nvSpPr>
+          <p:cNvPr id="6" name="Rettangolo 5"/>
+          <p:cNvSpPr/>
+          <p:nvPr/>
+        </p:nvSpPr>
+        <p:spPr>
+          <a:xfrm>
+            <a:off x="5357818" y="6500834"/>
+            <a:ext cx="142876" cy="142876"/>
+          </a:xfrm>
+          <a:prstGeom prst="rect">
+            <a:avLst/>
+          </a:prstGeom>
+          <a:solidFill>
+            <a:srgbClr val="FFFF00"/>
+          </a:solidFill>
+          <a:ln>
+            <a:solidFill>
+              <a:srgbClr val="FFFF00"/>
+            </a:solidFill>
+          </a:ln>
+        </p:spPr>
+        <p:style>
+          <a:lnRef idx="2">
+            <a:schemeClr val="accent1">
+              <a:shade val="50000"/>
+            </a:schemeClr>
+          </a:lnRef>
+          <a:fillRef idx="1">
+            <a:schemeClr val="accent1"/>
+          </a:fillRef>
+          <a:effectRef idx="0">
+            <a:schemeClr val="accent1"/>
+          </a:effectRef>
+          <a:fontRef idx="minor">
+            <a:schemeClr val="lt1"/>
+          </a:fontRef>
+        </p:style>
+        <p:txBody>
+          <a:bodyPr rtlCol="0" anchor="ctr"/>
+          <a:lstStyle/>
+          <a:p>
+            <a:pPr algn="ctr"/>
+            <a:endParaRPr lang="it-IT"/>
+          </a:p>
+        </p:txBody>
+      </p:sp>
+      <p:sp>
+        <p:nvSpPr>
+          <p:cNvPr id="7" name="Rettangolo 6"/>
+          <p:cNvSpPr/>
+          <p:nvPr/>
+        </p:nvSpPr>
+        <p:spPr>
+          <a:xfrm>
+            <a:off x="2357422" y="6500834"/>
+            <a:ext cx="142876" cy="142876"/>
+          </a:xfrm>
+          <a:prstGeom prst="rect">
+            <a:avLst/>
+          </a:prstGeom>
+          <a:solidFill>
+            <a:srgbClr val="0070C0"/>
+          </a:solidFill>
+          <a:ln>
+            <a:solidFill>
+              <a:srgbClr val="0070C0"/>
+            </a:solidFill>
+          </a:ln>
+        </p:spPr>
+        <p:style>
+          <a:lnRef idx="2">
+            <a:schemeClr val="accent1">
+              <a:shade val="50000"/>
+            </a:schemeClr>
+          </a:lnRef>
+          <a:fillRef idx="1">
+            <a:schemeClr val="accent1"/>
+          </a:fillRef>
+          <a:effectRef idx="0">
+            <a:schemeClr val="accent1"/>
+          </a:effectRef>
+          <a:fontRef idx="minor">
+            <a:schemeClr val="lt1"/>
+          </a:fontRef>
+        </p:style>
+        <p:txBody>
+          <a:bodyPr rtlCol="0" anchor="ctr"/>
+          <a:lstStyle/>
+          <a:p>
+            <a:pPr algn="ctr"/>
+            <a:endParaRPr lang="it-IT"/>
+          </a:p>
+        </p:txBody>
+      </p:sp>
+      <p:sp>
+        <p:nvSpPr>
+          <p:cNvPr id="8" name="Rettangolo 7"/>
+          <p:cNvSpPr/>
+          <p:nvPr/>
+        </p:nvSpPr>
+        <p:spPr>
+          <a:xfrm>
+            <a:off x="4143372" y="6500834"/>
+            <a:ext cx="142876" cy="142876"/>
+          </a:xfrm>
+          <a:prstGeom prst="rect">
+            <a:avLst/>
+          </a:prstGeom>
+          <a:solidFill>
+            <a:srgbClr val="92D050"/>
+          </a:solidFill>
+          <a:ln>
+            <a:solidFill>
+              <a:srgbClr val="92D050"/>
+            </a:solidFill>
+          </a:ln>
+        </p:spPr>
+        <p:style>
+          <a:lnRef idx="2">
+            <a:schemeClr val="accent1">
+              <a:shade val="50000"/>
+            </a:schemeClr>
+          </a:lnRef>
+          <a:fillRef idx="1">
+            <a:schemeClr val="accent1"/>
+          </a:fillRef>
+          <a:effectRef idx="0">
+            <a:schemeClr val="accent1"/>
+          </a:effectRef>
+          <a:fontRef idx="minor">
+            <a:schemeClr val="lt1"/>
+          </a:fontRef>
+        </p:style>
+        <p:txBody>
+          <a:bodyPr rtlCol="0" anchor="ctr"/>
+          <a:lstStyle/>
+          <a:p>
+            <a:pPr algn="ctr"/>
+            <a:endParaRPr lang="it-IT"/>
+          </a:p>
+        </p:txBody>
+      </p:sp>
+      <p:sp>
+        <p:nvSpPr>
+          <p:cNvPr id="9" name="Rettangolo 8"/>
+          <p:cNvSpPr/>
+          <p:nvPr/>
+        </p:nvSpPr>
+        <p:spPr>
+          <a:xfrm>
+            <a:off x="7000892" y="6500834"/>
+            <a:ext cx="142876" cy="142876"/>
+          </a:xfrm>
+          <a:prstGeom prst="rect">
+            <a:avLst/>
+          </a:prstGeom>
+          <a:solidFill>
+            <a:srgbClr val="C52BA8"/>
+          </a:solidFill>
+          <a:ln>
+            <a:solidFill>
+              <a:srgbClr val="C52BA8"/>
+            </a:solidFill>
+          </a:ln>
+        </p:spPr>
+        <p:style>
+          <a:lnRef idx="2">
+            <a:schemeClr val="accent1">
+              <a:shade val="50000"/>
+            </a:schemeClr>
+          </a:lnRef>
+          <a:fillRef idx="1">
+            <a:schemeClr val="accent1"/>
+          </a:fillRef>
+          <a:effectRef idx="0">
+            <a:schemeClr val="accent1"/>
+          </a:effectRef>
+          <a:fontRef idx="minor">
+            <a:schemeClr val="lt1"/>
+          </a:fontRef>
+        </p:style>
+        <p:txBody>
+          <a:bodyPr rtlCol="0" anchor="ctr"/>
+          <a:lstStyle/>
+          <a:p>
+            <a:pPr algn="ctr"/>
+            <a:endParaRPr lang="it-IT"/>
+          </a:p>
+        </p:txBody>
+      </p:sp>
+      <p:sp>
+        <p:nvSpPr>
+          <p:cNvPr id="10" name="CasellaDiTesto 9"/>
+          <p:cNvSpPr txBox="1"/>
+          <p:nvPr/>
+        </p:nvSpPr>
+        <p:spPr>
+          <a:xfrm>
+            <a:off x="1142976" y="6357958"/>
+            <a:ext cx="1071570" cy="430887"/>
+          </a:xfrm>
+          <a:prstGeom prst="rect">
+            <a:avLst/>
+          </a:prstGeom>
+          <a:noFill/>
+        </p:spPr>
+        <p:txBody>
+          <a:bodyPr wrap="square" rtlCol="0">
+            <a:spAutoFit/>
+          </a:bodyPr>
+          <a:lstStyle/>
+          <a:p>
+            <a:r>
+              <a:rPr lang="it-IT" sz="2200" dirty="0" smtClean="0"/>
+              <a:t>PICO4</a:t>
+            </a:r>
+            <a:endParaRPr lang="it-IT" sz="2200" dirty="0"/>
+          </a:p>
+        </p:txBody>
+      </p:sp>
+      <p:sp>
+        <p:nvSpPr>
+          <p:cNvPr id="11" name="CasellaDiTesto 10"/>
+          <p:cNvSpPr txBox="1"/>
+          <p:nvPr/>
+        </p:nvSpPr>
+        <p:spPr>
+          <a:xfrm>
+            <a:off x="2571736" y="6357958"/>
+            <a:ext cx="1500198" cy="430887"/>
+          </a:xfrm>
+          <a:prstGeom prst="rect">
+            <a:avLst/>
+          </a:prstGeom>
+          <a:noFill/>
+        </p:spPr>
+        <p:txBody>
+          <a:bodyPr wrap="square" rtlCol="0">
+            <a:spAutoFit/>
+          </a:bodyPr>
+          <a:lstStyle/>
+          <a:p>
+            <a:r>
+              <a:rPr lang="it-IT" sz="2200" dirty="0" err="1" smtClean="0"/>
+              <a:t>Prevayler</a:t>
+            </a:r>
+            <a:endParaRPr lang="it-IT" sz="2200" dirty="0"/>
+          </a:p>
+        </p:txBody>
+      </p:sp>
+      <p:sp>
+        <p:nvSpPr>
+          <p:cNvPr id="12" name="CasellaDiTesto 11"/>
+          <p:cNvSpPr txBox="1"/>
+          <p:nvPr/>
+        </p:nvSpPr>
+        <p:spPr>
+          <a:xfrm>
+            <a:off x="4357686" y="6357958"/>
+            <a:ext cx="1500198" cy="430887"/>
+          </a:xfrm>
+          <a:prstGeom prst="rect">
+            <a:avLst/>
+          </a:prstGeom>
+          <a:noFill/>
+        </p:spPr>
+        <p:txBody>
+          <a:bodyPr wrap="square" rtlCol="0">
+            <a:spAutoFit/>
+          </a:bodyPr>
+          <a:lstStyle/>
+          <a:p>
+            <a:r>
+              <a:rPr lang="it-IT" sz="2200" dirty="0" smtClean="0"/>
+              <a:t>H2</a:t>
+            </a:r>
+            <a:endParaRPr lang="it-IT" sz="2200" dirty="0"/>
+          </a:p>
+        </p:txBody>
+      </p:sp>
+      <p:sp>
+        <p:nvSpPr>
+          <p:cNvPr id="13" name="CasellaDiTesto 12"/>
+          <p:cNvSpPr txBox="1"/>
+          <p:nvPr/>
+        </p:nvSpPr>
+        <p:spPr>
+          <a:xfrm>
+            <a:off x="5572132" y="6357958"/>
+            <a:ext cx="1500198" cy="430887"/>
+          </a:xfrm>
+          <a:prstGeom prst="rect">
+            <a:avLst/>
+          </a:prstGeom>
+          <a:noFill/>
+        </p:spPr>
+        <p:txBody>
+          <a:bodyPr wrap="square" rtlCol="0">
+            <a:spAutoFit/>
+          </a:bodyPr>
+          <a:lstStyle/>
+          <a:p>
+            <a:r>
+              <a:rPr lang="it-IT" sz="2200" dirty="0" smtClean="0"/>
+              <a:t>HSQLDB</a:t>
+            </a:r>
+            <a:endParaRPr lang="it-IT" sz="2200" dirty="0"/>
+          </a:p>
+        </p:txBody>
+      </p:sp>
+      <p:sp>
+        <p:nvSpPr>
+          <p:cNvPr id="14" name="CasellaDiTesto 13"/>
+          <p:cNvSpPr txBox="1"/>
+          <p:nvPr/>
+        </p:nvSpPr>
+        <p:spPr>
+          <a:xfrm>
+            <a:off x="7215206" y="6357958"/>
+            <a:ext cx="1500198" cy="430887"/>
+          </a:xfrm>
+          <a:prstGeom prst="rect">
+            <a:avLst/>
+          </a:prstGeom>
+          <a:noFill/>
+        </p:spPr>
+        <p:txBody>
+          <a:bodyPr wrap="square" rtlCol="0">
+            <a:spAutoFit/>
+          </a:bodyPr>
+          <a:lstStyle/>
+          <a:p>
+            <a:r>
+              <a:rPr lang="it-IT" sz="2200" dirty="0" smtClean="0"/>
+              <a:t>Db4o</a:t>
+            </a:r>
+            <a:endParaRPr lang="it-IT" sz="2200" dirty="0"/>
+          </a:p>
+        </p:txBody>
+      </p:sp>
+    </p:spTree>
+  </p:cSld>
+  <p:clrMapOvr>
+    <a:masterClrMapping/>
+  </p:clrMapOvr>
+  <p:transition>
+    <p:fade/>
+  </p:transition>
+  <p:timing>
+    <p:tnLst>
+      <p:par>
+        <p:cTn id="1" dur="indefinite" restart="never" nodeType="tmRoot"/>
+      </p:par>
+    </p:tnLst>
+  </p:timing>
+</p:sld>
+</file>
+
+<file path=ppt/slides/slide18.xml><?xml version="1.0" encoding="utf-8"?>
+<p:sld xmlns:a="http://schemas.openxmlformats.org/drawingml/2006/main" xmlns:r="http://schemas.openxmlformats.org/officeDocument/2006/relationships" xmlns:p="http://schemas.openxmlformats.org/presentationml/2006/main">
+  <p:cSld>
+    <p:spTree>
+      <p:nvGrpSpPr>
+        <p:cNvPr id="1" name=""/>
+        <p:cNvGrpSpPr/>
+        <p:nvPr/>
+      </p:nvGrpSpPr>
+      <p:grpSpPr>
+        <a:xfrm>
+          <a:off x="0" y="0"/>
+          <a:ext cx="0" cy="0"/>
+          <a:chOff x="0" y="0"/>
+          <a:chExt cx="0" cy="0"/>
+        </a:xfrm>
+      </p:grpSpPr>
+      <p:sp>
+        <p:nvSpPr>
+          <p:cNvPr id="2" name="Titolo 1"/>
+          <p:cNvSpPr>
+            <a:spLocks noGrp="1"/>
+          </p:cNvSpPr>
+          <p:nvPr>
+            <p:ph type="title"/>
+          </p:nvPr>
+        </p:nvSpPr>
+        <p:spPr>
+          <a:xfrm>
+            <a:off x="457200" y="155448"/>
+            <a:ext cx="6257940" cy="1252728"/>
+          </a:xfrm>
+        </p:spPr>
+        <p:txBody>
+          <a:bodyPr>
+            <a:normAutofit/>
+          </a:bodyPr>
+          <a:lstStyle/>
+          <a:p>
+            <a:r>
+              <a:rPr lang="en-US" dirty="0" smtClean="0">
+                <a:solidFill>
+                  <a:srgbClr val="FFC000"/>
+                </a:solidFill>
+              </a:rPr>
               <a:t>Conclusion</a:t>
             </a:r>
             <a:endParaRPr lang="en-US" dirty="0">
@@ -10087,7 +11653,6 @@
               <a:rPr lang="en-US" dirty="0" smtClean="0"/>
               <a:t>Contributions:</a:t>
             </a:r>
-            <a:endParaRPr lang="en-US" dirty="0" smtClean="0"/>
           </a:p>
           <a:p>
             <a:pPr lvl="1"/>
@@ -10102,7 +11667,6 @@
               <a:rPr lang="en-US" dirty="0" smtClean="0"/>
               <a:t>Performance analysis problem</a:t>
             </a:r>
-            <a:endParaRPr lang="en-US" dirty="0" smtClean="0"/>
           </a:p>
           <a:p>
             <a:pPr lvl="1"/>
@@ -10117,7 +11681,6 @@
               <a:rPr lang="en-US" dirty="0" smtClean="0"/>
               <a:t>Prevayler, H2, Db4o, HSQLDB, PICO4</a:t>
             </a:r>
-            <a:endParaRPr lang="en-US" dirty="0" smtClean="0"/>
           </a:p>
           <a:p>
             <a:endParaRPr lang="en-US" dirty="0" smtClean="0"/>
@@ -10616,7 +12179,7 @@
 </p:sld>
 </file>
 
-<file path=ppt/slides/slide16.xml><?xml version="1.0" encoding="utf-8"?>
+<file path=ppt/slides/slide19.xml><?xml version="1.0" encoding="utf-8"?>
 <p:sld xmlns:a="http://schemas.openxmlformats.org/drawingml/2006/main" xmlns:r="http://schemas.openxmlformats.org/officeDocument/2006/relationships" xmlns:p="http://schemas.openxmlformats.org/presentationml/2006/main">
   <p:cSld>
     <p:spTree>
@@ -10774,1983 +12337,6 @@
         <p:cTn id="1" dur="indefinite" restart="never" nodeType="tmRoot"/>
       </p:par>
     </p:tnLst>
-  </p:timing>
-</p:sld>
-</file>
-
-<file path=ppt/slides/slide17.xml><?xml version="1.0" encoding="utf-8"?>
-<p:sld xmlns:a="http://schemas.openxmlformats.org/drawingml/2006/main" xmlns:r="http://schemas.openxmlformats.org/officeDocument/2006/relationships" xmlns:p="http://schemas.openxmlformats.org/presentationml/2006/main" show="0">
-  <p:cSld>
-    <p:spTree>
-      <p:nvGrpSpPr>
-        <p:cNvPr id="1" name=""/>
-        <p:cNvGrpSpPr/>
-        <p:nvPr/>
-      </p:nvGrpSpPr>
-      <p:grpSpPr>
-        <a:xfrm>
-          <a:off x="0" y="0"/>
-          <a:ext cx="0" cy="0"/>
-          <a:chOff x="0" y="0"/>
-          <a:chExt cx="0" cy="0"/>
-        </a:xfrm>
-      </p:grpSpPr>
-      <p:sp>
-        <p:nvSpPr>
-          <p:cNvPr id="2" name="Titolo 1"/>
-          <p:cNvSpPr>
-            <a:spLocks noGrp="1"/>
-          </p:cNvSpPr>
-          <p:nvPr>
-            <p:ph type="title"/>
-          </p:nvPr>
-        </p:nvSpPr>
-        <p:spPr>
-          <a:xfrm>
-            <a:off x="457200" y="155448"/>
-            <a:ext cx="6257940" cy="1252728"/>
-          </a:xfrm>
-        </p:spPr>
-        <p:txBody>
-          <a:bodyPr>
-            <a:normAutofit fontScale="90000"/>
-          </a:bodyPr>
-          <a:lstStyle/>
-          <a:p>
-            <a:r>
-              <a:rPr lang="en-US" dirty="0" smtClean="0">
-                <a:solidFill>
-                  <a:srgbClr val="FFC000"/>
-                </a:solidFill>
-              </a:rPr>
-              <a:t>Real Time Prepaid System Configuration</a:t>
-            </a:r>
-            <a:endParaRPr lang="en-US" dirty="0">
-              <a:solidFill>
-                <a:srgbClr val="FFC000"/>
-              </a:solidFill>
-            </a:endParaRPr>
-          </a:p>
-        </p:txBody>
-      </p:sp>
-      <p:pic>
-        <p:nvPicPr>
-          <p:cNvPr id="4" name="Picture 4" descr="C:\Users\error0\Desktop\logoRoma32.gif"/>
-          <p:cNvPicPr>
-            <a:picLocks noChangeAspect="1" noChangeArrowheads="1"/>
-          </p:cNvPicPr>
-          <p:nvPr/>
-        </p:nvPicPr>
-        <p:blipFill>
-          <a:blip r:embed="rId2">
-            <a:duotone>
-              <a:schemeClr val="accent1">
-                <a:shade val="45000"/>
-                <a:satMod val="135000"/>
-              </a:schemeClr>
-              <a:prstClr val="white"/>
-            </a:duotone>
-            <a:lum bright="20000"/>
-          </a:blip>
-          <a:srcRect/>
-          <a:stretch>
-            <a:fillRect/>
-          </a:stretch>
-        </p:blipFill>
-        <p:spPr bwMode="auto">
-          <a:xfrm>
-            <a:off x="6858016" y="153964"/>
-            <a:ext cx="2214578" cy="1131896"/>
-          </a:xfrm>
-          <a:prstGeom prst="rect">
-            <a:avLst/>
-          </a:prstGeom>
-          <a:noFill/>
-        </p:spPr>
-      </p:pic>
-      <p:pic>
-        <p:nvPicPr>
-          <p:cNvPr id="2052" name="Picture 4"/>
-          <p:cNvPicPr>
-            <a:picLocks noChangeAspect="1" noChangeArrowheads="1"/>
-          </p:cNvPicPr>
-          <p:nvPr/>
-        </p:nvPicPr>
-        <p:blipFill>
-          <a:blip r:embed="rId3"/>
-          <a:srcRect l="6445" t="16875" r="27929" b="24062"/>
-          <a:stretch>
-            <a:fillRect/>
-          </a:stretch>
-        </p:blipFill>
-        <p:spPr bwMode="auto">
-          <a:xfrm>
-            <a:off x="0" y="1571611"/>
-            <a:ext cx="9144000" cy="5143500"/>
-          </a:xfrm>
-          <a:prstGeom prst="rect">
-            <a:avLst/>
-          </a:prstGeom>
-          <a:noFill/>
-          <a:ln w="9525">
-            <a:noFill/>
-            <a:miter lim="800000"/>
-            <a:headEnd/>
-            <a:tailEnd/>
-          </a:ln>
-          <a:effectLst/>
-        </p:spPr>
-      </p:pic>
-      <p:pic>
-        <p:nvPicPr>
-          <p:cNvPr id="14" name="Picture 4"/>
-          <p:cNvPicPr>
-            <a:picLocks noChangeAspect="1" noChangeArrowheads="1"/>
-          </p:cNvPicPr>
-          <p:nvPr/>
-        </p:nvPicPr>
-        <p:blipFill>
-          <a:blip r:embed="rId3"/>
-          <a:srcRect l="6445" t="16875" r="46455" b="72570"/>
-          <a:stretch>
-            <a:fillRect/>
-          </a:stretch>
-        </p:blipFill>
-        <p:spPr bwMode="auto">
-          <a:xfrm>
-            <a:off x="-1" y="1571611"/>
-            <a:ext cx="9144001" cy="1285885"/>
-          </a:xfrm>
-          <a:prstGeom prst="rect">
-            <a:avLst/>
-          </a:prstGeom>
-          <a:noFill/>
-          <a:ln w="9525">
-            <a:noFill/>
-            <a:miter lim="800000"/>
-            <a:headEnd/>
-            <a:tailEnd/>
-          </a:ln>
-          <a:effectLst/>
-        </p:spPr>
-      </p:pic>
-      <p:pic>
-        <p:nvPicPr>
-          <p:cNvPr id="15" name="Picture 4"/>
-          <p:cNvPicPr>
-            <a:picLocks noChangeAspect="1" noChangeArrowheads="1"/>
-          </p:cNvPicPr>
-          <p:nvPr/>
-        </p:nvPicPr>
-        <p:blipFill>
-          <a:blip r:embed="rId3"/>
-          <a:srcRect l="6445" t="27539" r="43823" b="42929"/>
-          <a:stretch>
-            <a:fillRect/>
-          </a:stretch>
-        </p:blipFill>
-        <p:spPr bwMode="auto">
-          <a:xfrm>
-            <a:off x="-1" y="2500306"/>
-            <a:ext cx="9046787" cy="3357586"/>
-          </a:xfrm>
-          <a:prstGeom prst="rect">
-            <a:avLst/>
-          </a:prstGeom>
-          <a:noFill/>
-          <a:ln w="9525">
-            <a:noFill/>
-            <a:miter lim="800000"/>
-            <a:headEnd/>
-            <a:tailEnd/>
-          </a:ln>
-          <a:effectLst/>
-        </p:spPr>
-      </p:pic>
-      <p:pic>
-        <p:nvPicPr>
-          <p:cNvPr id="16" name="Picture 4"/>
-          <p:cNvPicPr>
-            <a:picLocks noChangeAspect="1" noChangeArrowheads="1"/>
-          </p:cNvPicPr>
-          <p:nvPr/>
-        </p:nvPicPr>
-        <p:blipFill>
-          <a:blip r:embed="rId3"/>
-          <a:srcRect l="6445" t="56962" r="27929" b="24062"/>
-          <a:stretch>
-            <a:fillRect/>
-          </a:stretch>
-        </p:blipFill>
-        <p:spPr bwMode="auto">
-          <a:xfrm>
-            <a:off x="-33" y="4500570"/>
-            <a:ext cx="12701591" cy="2295503"/>
-          </a:xfrm>
-          <a:prstGeom prst="rect">
-            <a:avLst/>
-          </a:prstGeom>
-          <a:noFill/>
-          <a:ln w="9525">
-            <a:noFill/>
-            <a:miter lim="800000"/>
-            <a:headEnd/>
-            <a:tailEnd/>
-          </a:ln>
-          <a:effectLst/>
-        </p:spPr>
-      </p:pic>
-    </p:spTree>
-  </p:cSld>
-  <p:clrMapOvr>
-    <a:masterClrMapping/>
-  </p:clrMapOvr>
-  <p:transition>
-    <p:fade/>
-  </p:transition>
-  <p:timing>
-    <p:tnLst>
-      <p:par>
-        <p:cTn id="1" dur="indefinite" restart="never" nodeType="tmRoot">
-          <p:childTnLst>
-            <p:seq concurrent="1" nextAc="seek">
-              <p:cTn id="2" dur="indefinite" nodeType="mainSeq">
-                <p:childTnLst>
-                  <p:par>
-                    <p:cTn id="3" fill="hold">
-                      <p:stCondLst>
-                        <p:cond delay="indefinite"/>
-                      </p:stCondLst>
-                      <p:childTnLst>
-                        <p:par>
-                          <p:cTn id="4" fill="hold">
-                            <p:stCondLst>
-                              <p:cond delay="0"/>
-                            </p:stCondLst>
-                            <p:childTnLst>
-                              <p:par>
-                                <p:cTn id="5" presetID="9" presetClass="emph" presetSubtype="0" nodeType="clickEffect">
-                                  <p:stCondLst>
-                                    <p:cond delay="0"/>
-                                  </p:stCondLst>
-                                  <p:childTnLst>
-                                    <p:set>
-                                      <p:cBhvr rctx="PPT">
-                                        <p:cTn id="6" dur="indefinite"/>
-                                        <p:tgtEl>
-                                          <p:spTgt spid="2052"/>
-                                        </p:tgtEl>
-                                        <p:attrNameLst>
-                                          <p:attrName>style.opacity</p:attrName>
-                                        </p:attrNameLst>
-                                      </p:cBhvr>
-                                      <p:to>
-                                        <p:strVal val="0.25"/>
-                                      </p:to>
-                                    </p:set>
-                                    <p:animEffect filter="image" prLst="opacity: 0.25">
-                                      <p:cBhvr rctx="IE">
-                                        <p:cTn id="7" dur="indefinite"/>
-                                        <p:tgtEl>
-                                          <p:spTgt spid="2052"/>
-                                        </p:tgtEl>
-                                      </p:cBhvr>
-                                    </p:animEffect>
-                                  </p:childTnLst>
-                                </p:cTn>
-                              </p:par>
-                            </p:childTnLst>
-                          </p:cTn>
-                        </p:par>
-                      </p:childTnLst>
-                    </p:cTn>
-                  </p:par>
-                  <p:par>
-                    <p:cTn id="8" fill="hold">
-                      <p:stCondLst>
-                        <p:cond delay="indefinite"/>
-                      </p:stCondLst>
-                      <p:childTnLst>
-                        <p:par>
-                          <p:cTn id="9" fill="hold">
-                            <p:stCondLst>
-                              <p:cond delay="0"/>
-                            </p:stCondLst>
-                            <p:childTnLst>
-                              <p:par>
-                                <p:cTn id="10" presetID="53" presetClass="entr" presetSubtype="0" fill="hold" nodeType="clickEffect">
-                                  <p:stCondLst>
-                                    <p:cond delay="0"/>
-                                  </p:stCondLst>
-                                  <p:childTnLst>
-                                    <p:set>
-                                      <p:cBhvr>
-                                        <p:cTn id="11" dur="1" fill="hold">
-                                          <p:stCondLst>
-                                            <p:cond delay="0"/>
-                                          </p:stCondLst>
-                                        </p:cTn>
-                                        <p:tgtEl>
-                                          <p:spTgt spid="14"/>
-                                        </p:tgtEl>
-                                        <p:attrNameLst>
-                                          <p:attrName>style.visibility</p:attrName>
-                                        </p:attrNameLst>
-                                      </p:cBhvr>
-                                      <p:to>
-                                        <p:strVal val="visible"/>
-                                      </p:to>
-                                    </p:set>
-                                    <p:anim calcmode="lin" valueType="num">
-                                      <p:cBhvr>
-                                        <p:cTn id="12" dur="500" fill="hold"/>
-                                        <p:tgtEl>
-                                          <p:spTgt spid="14"/>
-                                        </p:tgtEl>
-                                        <p:attrNameLst>
-                                          <p:attrName>ppt_w</p:attrName>
-                                        </p:attrNameLst>
-                                      </p:cBhvr>
-                                      <p:tavLst>
-                                        <p:tav tm="0">
-                                          <p:val>
-                                            <p:fltVal val="0"/>
-                                          </p:val>
-                                        </p:tav>
-                                        <p:tav tm="100000">
-                                          <p:val>
-                                            <p:strVal val="#ppt_w"/>
-                                          </p:val>
-                                        </p:tav>
-                                      </p:tavLst>
-                                    </p:anim>
-                                    <p:anim calcmode="lin" valueType="num">
-                                      <p:cBhvr>
-                                        <p:cTn id="13" dur="500" fill="hold"/>
-                                        <p:tgtEl>
-                                          <p:spTgt spid="14"/>
-                                        </p:tgtEl>
-                                        <p:attrNameLst>
-                                          <p:attrName>ppt_h</p:attrName>
-                                        </p:attrNameLst>
-                                      </p:cBhvr>
-                                      <p:tavLst>
-                                        <p:tav tm="0">
-                                          <p:val>
-                                            <p:fltVal val="0"/>
-                                          </p:val>
-                                        </p:tav>
-                                        <p:tav tm="100000">
-                                          <p:val>
-                                            <p:strVal val="#ppt_h"/>
-                                          </p:val>
-                                        </p:tav>
-                                      </p:tavLst>
-                                    </p:anim>
-                                    <p:animEffect transition="in" filter="fade">
-                                      <p:cBhvr>
-                                        <p:cTn id="14" dur="500"/>
-                                        <p:tgtEl>
-                                          <p:spTgt spid="14"/>
-                                        </p:tgtEl>
-                                      </p:cBhvr>
-                                    </p:animEffect>
-                                  </p:childTnLst>
-                                </p:cTn>
-                              </p:par>
-                            </p:childTnLst>
-                          </p:cTn>
-                        </p:par>
-                      </p:childTnLst>
-                    </p:cTn>
-                  </p:par>
-                  <p:par>
-                    <p:cTn id="15" fill="hold">
-                      <p:stCondLst>
-                        <p:cond delay="indefinite"/>
-                      </p:stCondLst>
-                      <p:childTnLst>
-                        <p:par>
-                          <p:cTn id="16" fill="hold">
-                            <p:stCondLst>
-                              <p:cond delay="0"/>
-                            </p:stCondLst>
-                            <p:childTnLst>
-                              <p:par>
-                                <p:cTn id="17" presetID="53" presetClass="exit" presetSubtype="0" fill="hold" nodeType="clickEffect">
-                                  <p:stCondLst>
-                                    <p:cond delay="0"/>
-                                  </p:stCondLst>
-                                  <p:childTnLst>
-                                    <p:anim calcmode="lin" valueType="num">
-                                      <p:cBhvr>
-                                        <p:cTn id="18" dur="500"/>
-                                        <p:tgtEl>
-                                          <p:spTgt spid="14"/>
-                                        </p:tgtEl>
-                                        <p:attrNameLst>
-                                          <p:attrName>ppt_w</p:attrName>
-                                        </p:attrNameLst>
-                                      </p:cBhvr>
-                                      <p:tavLst>
-                                        <p:tav tm="0">
-                                          <p:val>
-                                            <p:strVal val="ppt_w"/>
-                                          </p:val>
-                                        </p:tav>
-                                        <p:tav tm="100000">
-                                          <p:val>
-                                            <p:fltVal val="0"/>
-                                          </p:val>
-                                        </p:tav>
-                                      </p:tavLst>
-                                    </p:anim>
-                                    <p:anim calcmode="lin" valueType="num">
-                                      <p:cBhvr>
-                                        <p:cTn id="19" dur="500"/>
-                                        <p:tgtEl>
-                                          <p:spTgt spid="14"/>
-                                        </p:tgtEl>
-                                        <p:attrNameLst>
-                                          <p:attrName>ppt_h</p:attrName>
-                                        </p:attrNameLst>
-                                      </p:cBhvr>
-                                      <p:tavLst>
-                                        <p:tav tm="0">
-                                          <p:val>
-                                            <p:strVal val="ppt_h"/>
-                                          </p:val>
-                                        </p:tav>
-                                        <p:tav tm="100000">
-                                          <p:val>
-                                            <p:fltVal val="0"/>
-                                          </p:val>
-                                        </p:tav>
-                                      </p:tavLst>
-                                    </p:anim>
-                                    <p:animEffect transition="out" filter="fade">
-                                      <p:cBhvr>
-                                        <p:cTn id="20" dur="500"/>
-                                        <p:tgtEl>
-                                          <p:spTgt spid="14"/>
-                                        </p:tgtEl>
-                                      </p:cBhvr>
-                                    </p:animEffect>
-                                    <p:set>
-                                      <p:cBhvr>
-                                        <p:cTn id="21" dur="1" fill="hold">
-                                          <p:stCondLst>
-                                            <p:cond delay="499"/>
-                                          </p:stCondLst>
-                                        </p:cTn>
-                                        <p:tgtEl>
-                                          <p:spTgt spid="14"/>
-                                        </p:tgtEl>
-                                        <p:attrNameLst>
-                                          <p:attrName>style.visibility</p:attrName>
-                                        </p:attrNameLst>
-                                      </p:cBhvr>
-                                      <p:to>
-                                        <p:strVal val="hidden"/>
-                                      </p:to>
-                                    </p:set>
-                                  </p:childTnLst>
-                                </p:cTn>
-                              </p:par>
-                            </p:childTnLst>
-                          </p:cTn>
-                        </p:par>
-                      </p:childTnLst>
-                    </p:cTn>
-                  </p:par>
-                  <p:par>
-                    <p:cTn id="22" fill="hold">
-                      <p:stCondLst>
-                        <p:cond delay="indefinite"/>
-                      </p:stCondLst>
-                      <p:childTnLst>
-                        <p:par>
-                          <p:cTn id="23" fill="hold">
-                            <p:stCondLst>
-                              <p:cond delay="0"/>
-                            </p:stCondLst>
-                            <p:childTnLst>
-                              <p:par>
-                                <p:cTn id="24" presetID="53" presetClass="entr" presetSubtype="0" fill="hold" nodeType="clickEffect">
-                                  <p:stCondLst>
-                                    <p:cond delay="0"/>
-                                  </p:stCondLst>
-                                  <p:childTnLst>
-                                    <p:set>
-                                      <p:cBhvr>
-                                        <p:cTn id="25" dur="1" fill="hold">
-                                          <p:stCondLst>
-                                            <p:cond delay="0"/>
-                                          </p:stCondLst>
-                                        </p:cTn>
-                                        <p:tgtEl>
-                                          <p:spTgt spid="15"/>
-                                        </p:tgtEl>
-                                        <p:attrNameLst>
-                                          <p:attrName>style.visibility</p:attrName>
-                                        </p:attrNameLst>
-                                      </p:cBhvr>
-                                      <p:to>
-                                        <p:strVal val="visible"/>
-                                      </p:to>
-                                    </p:set>
-                                    <p:anim calcmode="lin" valueType="num">
-                                      <p:cBhvr>
-                                        <p:cTn id="26" dur="500" fill="hold"/>
-                                        <p:tgtEl>
-                                          <p:spTgt spid="15"/>
-                                        </p:tgtEl>
-                                        <p:attrNameLst>
-                                          <p:attrName>ppt_w</p:attrName>
-                                        </p:attrNameLst>
-                                      </p:cBhvr>
-                                      <p:tavLst>
-                                        <p:tav tm="0">
-                                          <p:val>
-                                            <p:fltVal val="0"/>
-                                          </p:val>
-                                        </p:tav>
-                                        <p:tav tm="100000">
-                                          <p:val>
-                                            <p:strVal val="#ppt_w"/>
-                                          </p:val>
-                                        </p:tav>
-                                      </p:tavLst>
-                                    </p:anim>
-                                    <p:anim calcmode="lin" valueType="num">
-                                      <p:cBhvr>
-                                        <p:cTn id="27" dur="500" fill="hold"/>
-                                        <p:tgtEl>
-                                          <p:spTgt spid="15"/>
-                                        </p:tgtEl>
-                                        <p:attrNameLst>
-                                          <p:attrName>ppt_h</p:attrName>
-                                        </p:attrNameLst>
-                                      </p:cBhvr>
-                                      <p:tavLst>
-                                        <p:tav tm="0">
-                                          <p:val>
-                                            <p:fltVal val="0"/>
-                                          </p:val>
-                                        </p:tav>
-                                        <p:tav tm="100000">
-                                          <p:val>
-                                            <p:strVal val="#ppt_h"/>
-                                          </p:val>
-                                        </p:tav>
-                                      </p:tavLst>
-                                    </p:anim>
-                                    <p:animEffect transition="in" filter="fade">
-                                      <p:cBhvr>
-                                        <p:cTn id="28" dur="500"/>
-                                        <p:tgtEl>
-                                          <p:spTgt spid="15"/>
-                                        </p:tgtEl>
-                                      </p:cBhvr>
-                                    </p:animEffect>
-                                  </p:childTnLst>
-                                </p:cTn>
-                              </p:par>
-                            </p:childTnLst>
-                          </p:cTn>
-                        </p:par>
-                      </p:childTnLst>
-                    </p:cTn>
-                  </p:par>
-                  <p:par>
-                    <p:cTn id="29" fill="hold">
-                      <p:stCondLst>
-                        <p:cond delay="indefinite"/>
-                      </p:stCondLst>
-                      <p:childTnLst>
-                        <p:par>
-                          <p:cTn id="30" fill="hold">
-                            <p:stCondLst>
-                              <p:cond delay="0"/>
-                            </p:stCondLst>
-                            <p:childTnLst>
-                              <p:par>
-                                <p:cTn id="31" presetID="53" presetClass="exit" presetSubtype="0" fill="hold" nodeType="clickEffect">
-                                  <p:stCondLst>
-                                    <p:cond delay="0"/>
-                                  </p:stCondLst>
-                                  <p:childTnLst>
-                                    <p:anim calcmode="lin" valueType="num">
-                                      <p:cBhvr>
-                                        <p:cTn id="32" dur="500"/>
-                                        <p:tgtEl>
-                                          <p:spTgt spid="15"/>
-                                        </p:tgtEl>
-                                        <p:attrNameLst>
-                                          <p:attrName>ppt_w</p:attrName>
-                                        </p:attrNameLst>
-                                      </p:cBhvr>
-                                      <p:tavLst>
-                                        <p:tav tm="0">
-                                          <p:val>
-                                            <p:strVal val="ppt_w"/>
-                                          </p:val>
-                                        </p:tav>
-                                        <p:tav tm="100000">
-                                          <p:val>
-                                            <p:fltVal val="0"/>
-                                          </p:val>
-                                        </p:tav>
-                                      </p:tavLst>
-                                    </p:anim>
-                                    <p:anim calcmode="lin" valueType="num">
-                                      <p:cBhvr>
-                                        <p:cTn id="33" dur="500"/>
-                                        <p:tgtEl>
-                                          <p:spTgt spid="15"/>
-                                        </p:tgtEl>
-                                        <p:attrNameLst>
-                                          <p:attrName>ppt_h</p:attrName>
-                                        </p:attrNameLst>
-                                      </p:cBhvr>
-                                      <p:tavLst>
-                                        <p:tav tm="0">
-                                          <p:val>
-                                            <p:strVal val="ppt_h"/>
-                                          </p:val>
-                                        </p:tav>
-                                        <p:tav tm="100000">
-                                          <p:val>
-                                            <p:fltVal val="0"/>
-                                          </p:val>
-                                        </p:tav>
-                                      </p:tavLst>
-                                    </p:anim>
-                                    <p:animEffect transition="out" filter="fade">
-                                      <p:cBhvr>
-                                        <p:cTn id="34" dur="500"/>
-                                        <p:tgtEl>
-                                          <p:spTgt spid="15"/>
-                                        </p:tgtEl>
-                                      </p:cBhvr>
-                                    </p:animEffect>
-                                    <p:set>
-                                      <p:cBhvr>
-                                        <p:cTn id="35" dur="1" fill="hold">
-                                          <p:stCondLst>
-                                            <p:cond delay="499"/>
-                                          </p:stCondLst>
-                                        </p:cTn>
-                                        <p:tgtEl>
-                                          <p:spTgt spid="15"/>
-                                        </p:tgtEl>
-                                        <p:attrNameLst>
-                                          <p:attrName>style.visibility</p:attrName>
-                                        </p:attrNameLst>
-                                      </p:cBhvr>
-                                      <p:to>
-                                        <p:strVal val="hidden"/>
-                                      </p:to>
-                                    </p:set>
-                                  </p:childTnLst>
-                                </p:cTn>
-                              </p:par>
-                            </p:childTnLst>
-                          </p:cTn>
-                        </p:par>
-                      </p:childTnLst>
-                    </p:cTn>
-                  </p:par>
-                  <p:par>
-                    <p:cTn id="36" fill="hold">
-                      <p:stCondLst>
-                        <p:cond delay="indefinite"/>
-                      </p:stCondLst>
-                      <p:childTnLst>
-                        <p:par>
-                          <p:cTn id="37" fill="hold">
-                            <p:stCondLst>
-                              <p:cond delay="0"/>
-                            </p:stCondLst>
-                            <p:childTnLst>
-                              <p:par>
-                                <p:cTn id="38" presetID="53" presetClass="entr" presetSubtype="0" fill="hold" nodeType="clickEffect">
-                                  <p:stCondLst>
-                                    <p:cond delay="0"/>
-                                  </p:stCondLst>
-                                  <p:childTnLst>
-                                    <p:set>
-                                      <p:cBhvr>
-                                        <p:cTn id="39" dur="1" fill="hold">
-                                          <p:stCondLst>
-                                            <p:cond delay="0"/>
-                                          </p:stCondLst>
-                                        </p:cTn>
-                                        <p:tgtEl>
-                                          <p:spTgt spid="16"/>
-                                        </p:tgtEl>
-                                        <p:attrNameLst>
-                                          <p:attrName>style.visibility</p:attrName>
-                                        </p:attrNameLst>
-                                      </p:cBhvr>
-                                      <p:to>
-                                        <p:strVal val="visible"/>
-                                      </p:to>
-                                    </p:set>
-                                    <p:anim calcmode="lin" valueType="num">
-                                      <p:cBhvr>
-                                        <p:cTn id="40" dur="500" fill="hold"/>
-                                        <p:tgtEl>
-                                          <p:spTgt spid="16"/>
-                                        </p:tgtEl>
-                                        <p:attrNameLst>
-                                          <p:attrName>ppt_w</p:attrName>
-                                        </p:attrNameLst>
-                                      </p:cBhvr>
-                                      <p:tavLst>
-                                        <p:tav tm="0">
-                                          <p:val>
-                                            <p:fltVal val="0"/>
-                                          </p:val>
-                                        </p:tav>
-                                        <p:tav tm="100000">
-                                          <p:val>
-                                            <p:strVal val="#ppt_w"/>
-                                          </p:val>
-                                        </p:tav>
-                                      </p:tavLst>
-                                    </p:anim>
-                                    <p:anim calcmode="lin" valueType="num">
-                                      <p:cBhvr>
-                                        <p:cTn id="41" dur="500" fill="hold"/>
-                                        <p:tgtEl>
-                                          <p:spTgt spid="16"/>
-                                        </p:tgtEl>
-                                        <p:attrNameLst>
-                                          <p:attrName>ppt_h</p:attrName>
-                                        </p:attrNameLst>
-                                      </p:cBhvr>
-                                      <p:tavLst>
-                                        <p:tav tm="0">
-                                          <p:val>
-                                            <p:fltVal val="0"/>
-                                          </p:val>
-                                        </p:tav>
-                                        <p:tav tm="100000">
-                                          <p:val>
-                                            <p:strVal val="#ppt_h"/>
-                                          </p:val>
-                                        </p:tav>
-                                      </p:tavLst>
-                                    </p:anim>
-                                    <p:animEffect transition="in" filter="fade">
-                                      <p:cBhvr>
-                                        <p:cTn id="42" dur="500"/>
-                                        <p:tgtEl>
-                                          <p:spTgt spid="16"/>
-                                        </p:tgtEl>
-                                      </p:cBhvr>
-                                    </p:animEffect>
-                                  </p:childTnLst>
-                                </p:cTn>
-                              </p:par>
-                            </p:childTnLst>
-                          </p:cTn>
-                        </p:par>
-                      </p:childTnLst>
-                    </p:cTn>
-                  </p:par>
-                  <p:par>
-                    <p:cTn id="43" fill="hold">
-                      <p:stCondLst>
-                        <p:cond delay="indefinite"/>
-                      </p:stCondLst>
-                      <p:childTnLst>
-                        <p:par>
-                          <p:cTn id="44" fill="hold">
-                            <p:stCondLst>
-                              <p:cond delay="0"/>
-                            </p:stCondLst>
-                            <p:childTnLst>
-                              <p:par>
-                                <p:cTn id="45" presetID="53" presetClass="exit" presetSubtype="0" fill="hold" nodeType="clickEffect">
-                                  <p:stCondLst>
-                                    <p:cond delay="0"/>
-                                  </p:stCondLst>
-                                  <p:childTnLst>
-                                    <p:anim calcmode="lin" valueType="num">
-                                      <p:cBhvr>
-                                        <p:cTn id="46" dur="500"/>
-                                        <p:tgtEl>
-                                          <p:spTgt spid="16"/>
-                                        </p:tgtEl>
-                                        <p:attrNameLst>
-                                          <p:attrName>ppt_w</p:attrName>
-                                        </p:attrNameLst>
-                                      </p:cBhvr>
-                                      <p:tavLst>
-                                        <p:tav tm="0">
-                                          <p:val>
-                                            <p:strVal val="ppt_w"/>
-                                          </p:val>
-                                        </p:tav>
-                                        <p:tav tm="100000">
-                                          <p:val>
-                                            <p:fltVal val="0"/>
-                                          </p:val>
-                                        </p:tav>
-                                      </p:tavLst>
-                                    </p:anim>
-                                    <p:anim calcmode="lin" valueType="num">
-                                      <p:cBhvr>
-                                        <p:cTn id="47" dur="500"/>
-                                        <p:tgtEl>
-                                          <p:spTgt spid="16"/>
-                                        </p:tgtEl>
-                                        <p:attrNameLst>
-                                          <p:attrName>ppt_h</p:attrName>
-                                        </p:attrNameLst>
-                                      </p:cBhvr>
-                                      <p:tavLst>
-                                        <p:tav tm="0">
-                                          <p:val>
-                                            <p:strVal val="ppt_h"/>
-                                          </p:val>
-                                        </p:tav>
-                                        <p:tav tm="100000">
-                                          <p:val>
-                                            <p:fltVal val="0"/>
-                                          </p:val>
-                                        </p:tav>
-                                      </p:tavLst>
-                                    </p:anim>
-                                    <p:animEffect transition="out" filter="fade">
-                                      <p:cBhvr>
-                                        <p:cTn id="48" dur="500"/>
-                                        <p:tgtEl>
-                                          <p:spTgt spid="16"/>
-                                        </p:tgtEl>
-                                      </p:cBhvr>
-                                    </p:animEffect>
-                                    <p:set>
-                                      <p:cBhvr>
-                                        <p:cTn id="49" dur="1" fill="hold">
-                                          <p:stCondLst>
-                                            <p:cond delay="499"/>
-                                          </p:stCondLst>
-                                        </p:cTn>
-                                        <p:tgtEl>
-                                          <p:spTgt spid="16"/>
-                                        </p:tgtEl>
-                                        <p:attrNameLst>
-                                          <p:attrName>style.visibility</p:attrName>
-                                        </p:attrNameLst>
-                                      </p:cBhvr>
-                                      <p:to>
-                                        <p:strVal val="hidden"/>
-                                      </p:to>
-                                    </p:set>
-                                  </p:childTnLst>
-                                </p:cTn>
-                              </p:par>
-                            </p:childTnLst>
-                          </p:cTn>
-                        </p:par>
-                      </p:childTnLst>
-                    </p:cTn>
-                  </p:par>
-                </p:childTnLst>
-              </p:cTn>
-              <p:prevCondLst>
-                <p:cond evt="onPrev" delay="0">
-                  <p:tgtEl>
-                    <p:sldTgt/>
-                  </p:tgtEl>
-                </p:cond>
-              </p:prevCondLst>
-              <p:nextCondLst>
-                <p:cond evt="onNext" delay="0">
-                  <p:tgtEl>
-                    <p:sldTgt/>
-                  </p:tgtEl>
-                </p:cond>
-              </p:nextCondLst>
-            </p:seq>
-          </p:childTnLst>
-        </p:cTn>
-      </p:par>
-    </p:tnLst>
-  </p:timing>
-</p:sld>
-</file>
-
-<file path=ppt/slides/slide18.xml><?xml version="1.0" encoding="utf-8"?>
-<p:sld xmlns:a="http://schemas.openxmlformats.org/drawingml/2006/main" xmlns:r="http://schemas.openxmlformats.org/officeDocument/2006/relationships" xmlns:p="http://schemas.openxmlformats.org/presentationml/2006/main" show="0">
-  <p:cSld>
-    <p:spTree>
-      <p:nvGrpSpPr>
-        <p:cNvPr id="1" name=""/>
-        <p:cNvGrpSpPr/>
-        <p:nvPr/>
-      </p:nvGrpSpPr>
-      <p:grpSpPr>
-        <a:xfrm>
-          <a:off x="0" y="0"/>
-          <a:ext cx="0" cy="0"/>
-          <a:chOff x="0" y="0"/>
-          <a:chExt cx="0" cy="0"/>
-        </a:xfrm>
-      </p:grpSpPr>
-      <p:sp>
-        <p:nvSpPr>
-          <p:cNvPr id="2" name="Titolo 1"/>
-          <p:cNvSpPr>
-            <a:spLocks noGrp="1"/>
-          </p:cNvSpPr>
-          <p:nvPr>
-            <p:ph type="title"/>
-          </p:nvPr>
-        </p:nvSpPr>
-        <p:spPr/>
-        <p:txBody>
-          <a:bodyPr>
-            <a:normAutofit/>
-          </a:bodyPr>
-          <a:lstStyle/>
-          <a:p>
-            <a:r>
-              <a:rPr lang="en-US" dirty="0" smtClean="0">
-                <a:solidFill>
-                  <a:srgbClr val="FFC000"/>
-                </a:solidFill>
-              </a:rPr>
-              <a:t>Concurrent View</a:t>
-            </a:r>
-            <a:endParaRPr lang="en-US" dirty="0">
-              <a:solidFill>
-                <a:srgbClr val="FFC000"/>
-              </a:solidFill>
-            </a:endParaRPr>
-          </a:p>
-        </p:txBody>
-      </p:sp>
-      <p:pic>
-        <p:nvPicPr>
-          <p:cNvPr id="4" name="Picture 4" descr="C:\Users\error0\Desktop\logoRoma32.gif"/>
-          <p:cNvPicPr>
-            <a:picLocks noChangeAspect="1" noChangeArrowheads="1"/>
-          </p:cNvPicPr>
-          <p:nvPr/>
-        </p:nvPicPr>
-        <p:blipFill>
-          <a:blip r:embed="rId2">
-            <a:duotone>
-              <a:schemeClr val="accent1">
-                <a:shade val="45000"/>
-                <a:satMod val="135000"/>
-              </a:schemeClr>
-              <a:prstClr val="white"/>
-            </a:duotone>
-            <a:lum bright="20000"/>
-          </a:blip>
-          <a:srcRect/>
-          <a:stretch>
-            <a:fillRect/>
-          </a:stretch>
-        </p:blipFill>
-        <p:spPr bwMode="auto">
-          <a:xfrm>
-            <a:off x="6858016" y="153964"/>
-            <a:ext cx="2214578" cy="1131896"/>
-          </a:xfrm>
-          <a:prstGeom prst="rect">
-            <a:avLst/>
-          </a:prstGeom>
-          <a:noFill/>
-        </p:spPr>
-      </p:pic>
-      <p:pic>
-        <p:nvPicPr>
-          <p:cNvPr id="1026" name="Picture 2"/>
-          <p:cNvPicPr>
-            <a:picLocks noChangeAspect="1" noChangeArrowheads="1"/>
-          </p:cNvPicPr>
-          <p:nvPr/>
-        </p:nvPicPr>
-        <p:blipFill>
-          <a:blip r:embed="rId3"/>
-          <a:srcRect/>
-          <a:stretch>
-            <a:fillRect/>
-          </a:stretch>
-        </p:blipFill>
-        <p:spPr bwMode="auto">
-          <a:xfrm>
-            <a:off x="0" y="1500174"/>
-            <a:ext cx="9144000" cy="5357826"/>
-          </a:xfrm>
-          <a:prstGeom prst="rect">
-            <a:avLst/>
-          </a:prstGeom>
-          <a:noFill/>
-          <a:ln w="9525">
-            <a:noFill/>
-            <a:miter lim="800000"/>
-            <a:headEnd/>
-            <a:tailEnd/>
-          </a:ln>
-          <a:effectLst/>
-        </p:spPr>
-      </p:pic>
-    </p:spTree>
-  </p:cSld>
-  <p:clrMapOvr>
-    <a:masterClrMapping/>
-  </p:clrMapOvr>
-  <p:transition>
-    <p:fade/>
-  </p:transition>
-  <p:timing>
-    <p:tnLst>
-      <p:par>
-        <p:cTn id="1" dur="indefinite" restart="never" nodeType="tmRoot"/>
-      </p:par>
-    </p:tnLst>
-  </p:timing>
-</p:sld>
-</file>
-
-<file path=ppt/slides/slide19.xml><?xml version="1.0" encoding="utf-8"?>
-<p:sld xmlns:a="http://schemas.openxmlformats.org/drawingml/2006/main" xmlns:r="http://schemas.openxmlformats.org/officeDocument/2006/relationships" xmlns:p="http://schemas.openxmlformats.org/presentationml/2006/main" show="0">
-  <p:cSld>
-    <p:spTree>
-      <p:nvGrpSpPr>
-        <p:cNvPr id="1" name=""/>
-        <p:cNvGrpSpPr/>
-        <p:nvPr/>
-      </p:nvGrpSpPr>
-      <p:grpSpPr>
-        <a:xfrm>
-          <a:off x="0" y="0"/>
-          <a:ext cx="0" cy="0"/>
-          <a:chOff x="0" y="0"/>
-          <a:chExt cx="0" cy="0"/>
-        </a:xfrm>
-      </p:grpSpPr>
-      <p:sp>
-        <p:nvSpPr>
-          <p:cNvPr id="2" name="Titolo 1"/>
-          <p:cNvSpPr>
-            <a:spLocks noGrp="1"/>
-          </p:cNvSpPr>
-          <p:nvPr>
-            <p:ph type="title"/>
-          </p:nvPr>
-        </p:nvSpPr>
-        <p:spPr>
-          <a:xfrm>
-            <a:off x="457200" y="155448"/>
-            <a:ext cx="6257940" cy="1252728"/>
-          </a:xfrm>
-        </p:spPr>
-        <p:txBody>
-          <a:bodyPr>
-            <a:normAutofit/>
-          </a:bodyPr>
-          <a:lstStyle/>
-          <a:p>
-            <a:r>
-              <a:rPr lang="it-IT" dirty="0" smtClean="0">
-                <a:solidFill>
-                  <a:srgbClr val="FFC000"/>
-                </a:solidFill>
-              </a:rPr>
-              <a:t>Test Suite</a:t>
-            </a:r>
-            <a:endParaRPr lang="en-US" dirty="0">
-              <a:solidFill>
-                <a:srgbClr val="FFC000"/>
-              </a:solidFill>
-            </a:endParaRPr>
-          </a:p>
-        </p:txBody>
-      </p:sp>
-      <p:pic>
-        <p:nvPicPr>
-          <p:cNvPr id="4" name="Picture 4" descr="C:\Users\error0\Desktop\logoRoma32.gif"/>
-          <p:cNvPicPr>
-            <a:picLocks noChangeAspect="1" noChangeArrowheads="1"/>
-          </p:cNvPicPr>
-          <p:nvPr/>
-        </p:nvPicPr>
-        <p:blipFill>
-          <a:blip r:embed="rId2">
-            <a:duotone>
-              <a:schemeClr val="accent1">
-                <a:shade val="45000"/>
-                <a:satMod val="135000"/>
-              </a:schemeClr>
-              <a:prstClr val="white"/>
-            </a:duotone>
-            <a:lum bright="20000"/>
-          </a:blip>
-          <a:srcRect/>
-          <a:stretch>
-            <a:fillRect/>
-          </a:stretch>
-        </p:blipFill>
-        <p:spPr bwMode="auto">
-          <a:xfrm>
-            <a:off x="6858016" y="153964"/>
-            <a:ext cx="2214578" cy="1131896"/>
-          </a:xfrm>
-          <a:prstGeom prst="rect">
-            <a:avLst/>
-          </a:prstGeom>
-          <a:noFill/>
-        </p:spPr>
-      </p:pic>
-      <p:sp>
-        <p:nvSpPr>
-          <p:cNvPr id="6" name="Segnaposto contenuto 5"/>
-          <p:cNvSpPr>
-            <a:spLocks noGrp="1"/>
-          </p:cNvSpPr>
-          <p:nvPr>
-            <p:ph idx="1"/>
-          </p:nvPr>
-        </p:nvSpPr>
-        <p:spPr>
-          <a:xfrm>
-            <a:off x="457200" y="1775191"/>
-            <a:ext cx="8043890" cy="4625609"/>
-          </a:xfrm>
-        </p:spPr>
-        <p:txBody>
-          <a:bodyPr>
-            <a:normAutofit/>
-          </a:bodyPr>
-          <a:lstStyle/>
-          <a:p>
-            <a:endParaRPr lang="en-US" dirty="0" smtClean="0"/>
-          </a:p>
-          <a:p>
-            <a:r>
-              <a:rPr lang="en-US" dirty="0" smtClean="0"/>
-              <a:t>Base </a:t>
-            </a:r>
-            <a:r>
-              <a:rPr lang="en-US" dirty="0" smtClean="0"/>
-              <a:t>test case </a:t>
-            </a:r>
-            <a:endParaRPr lang="it-IT" dirty="0" smtClean="0"/>
-          </a:p>
-          <a:p>
-            <a:endParaRPr lang="it-IT" dirty="0" smtClean="0"/>
-          </a:p>
-          <a:p>
-            <a:endParaRPr lang="en-US" dirty="0" smtClean="0"/>
-          </a:p>
-          <a:p>
-            <a:r>
-              <a:rPr lang="en-US" dirty="0" smtClean="0"/>
-              <a:t>Load test case: Real Time Prepaid System</a:t>
-            </a:r>
-          </a:p>
-          <a:p>
-            <a:endParaRPr lang="en-US" dirty="0" smtClean="0"/>
-          </a:p>
-          <a:p>
-            <a:endParaRPr lang="en-US" dirty="0" smtClean="0"/>
-          </a:p>
-          <a:p>
-            <a:pPr>
-              <a:buNone/>
-            </a:pPr>
-            <a:r>
-              <a:rPr lang="it-IT" dirty="0" smtClean="0"/>
-              <a:t> </a:t>
-            </a:r>
-          </a:p>
-          <a:p>
-            <a:pPr>
-              <a:buNone/>
-            </a:pPr>
-            <a:r>
-              <a:rPr lang="it-IT" dirty="0" smtClean="0"/>
-              <a:t> </a:t>
-            </a:r>
-            <a:endParaRPr lang="en-US" dirty="0" smtClean="0"/>
-          </a:p>
-        </p:txBody>
-      </p:sp>
-      <p:sp>
-        <p:nvSpPr>
-          <p:cNvPr id="16" name="Parentesi graffa chiusa 15"/>
-          <p:cNvSpPr/>
-          <p:nvPr/>
-        </p:nvSpPr>
-        <p:spPr>
-          <a:xfrm rot="16200000">
-            <a:off x="3893339" y="1607331"/>
-            <a:ext cx="857256" cy="6786610"/>
-          </a:xfrm>
-          <a:prstGeom prst="rightBrace">
-            <a:avLst>
-              <a:gd name="adj1" fmla="val 90554"/>
-              <a:gd name="adj2" fmla="val 49813"/>
-            </a:avLst>
-          </a:prstGeom>
-          <a:ln w="38100"/>
-        </p:spPr>
-        <p:style>
-          <a:lnRef idx="1">
-            <a:schemeClr val="accent1"/>
-          </a:lnRef>
-          <a:fillRef idx="0">
-            <a:schemeClr val="accent1"/>
-          </a:fillRef>
-          <a:effectRef idx="0">
-            <a:schemeClr val="accent1"/>
-          </a:effectRef>
-          <a:fontRef idx="minor">
-            <a:schemeClr val="tx1"/>
-          </a:fontRef>
-        </p:style>
-        <p:txBody>
-          <a:bodyPr rtlCol="0" anchor="ctr"/>
-          <a:lstStyle/>
-          <a:p>
-            <a:pPr algn="ctr"/>
-            <a:endParaRPr lang="it-IT" dirty="0"/>
-          </a:p>
-        </p:txBody>
-      </p:sp>
-      <p:sp>
-        <p:nvSpPr>
-          <p:cNvPr id="17" name="Elaborazione predefinita 16"/>
-          <p:cNvSpPr/>
-          <p:nvPr/>
-        </p:nvSpPr>
-        <p:spPr>
-          <a:xfrm>
-            <a:off x="428596" y="5500702"/>
-            <a:ext cx="1785950" cy="785818"/>
-          </a:xfrm>
-          <a:prstGeom prst="flowChartPredefinedProcess">
-            <a:avLst/>
-          </a:prstGeom>
-          <a:solidFill>
-            <a:schemeClr val="bg1"/>
-          </a:solidFill>
-          <a:ln>
-            <a:solidFill>
-              <a:schemeClr val="tx1"/>
-            </a:solidFill>
-          </a:ln>
-        </p:spPr>
-        <p:style>
-          <a:lnRef idx="1">
-            <a:schemeClr val="accent1"/>
-          </a:lnRef>
-          <a:fillRef idx="2">
-            <a:schemeClr val="accent1"/>
-          </a:fillRef>
-          <a:effectRef idx="1">
-            <a:schemeClr val="accent1"/>
-          </a:effectRef>
-          <a:fontRef idx="minor">
-            <a:schemeClr val="dk1"/>
-          </a:fontRef>
-        </p:style>
-        <p:txBody>
-          <a:bodyPr rtlCol="0" anchor="ctr"/>
-          <a:lstStyle/>
-          <a:p>
-            <a:pPr algn="ctr"/>
-            <a:r>
-              <a:rPr lang="en-US" sz="2200" dirty="0" smtClean="0"/>
-              <a:t>Balance</a:t>
-            </a:r>
-            <a:r>
-              <a:rPr lang="it-IT" sz="2200" dirty="0" smtClean="0"/>
-              <a:t> </a:t>
-            </a:r>
-            <a:r>
-              <a:rPr lang="en-US" sz="2200" dirty="0" smtClean="0"/>
-              <a:t>check</a:t>
-            </a:r>
-            <a:endParaRPr lang="en-US" sz="2200" dirty="0"/>
-          </a:p>
-        </p:txBody>
-      </p:sp>
-      <p:sp>
-        <p:nvSpPr>
-          <p:cNvPr id="18" name="Elaborazione predefinita 17"/>
-          <p:cNvSpPr/>
-          <p:nvPr/>
-        </p:nvSpPr>
-        <p:spPr>
-          <a:xfrm>
-            <a:off x="2571736" y="5500702"/>
-            <a:ext cx="3571900" cy="785818"/>
-          </a:xfrm>
-          <a:prstGeom prst="flowChartPredefinedProcess">
-            <a:avLst/>
-          </a:prstGeom>
-          <a:solidFill>
-            <a:schemeClr val="bg1"/>
-          </a:solidFill>
-          <a:ln>
-            <a:solidFill>
-              <a:schemeClr val="tx1"/>
-            </a:solidFill>
-          </a:ln>
-        </p:spPr>
-        <p:style>
-          <a:lnRef idx="1">
-            <a:schemeClr val="accent1"/>
-          </a:lnRef>
-          <a:fillRef idx="2">
-            <a:schemeClr val="accent1"/>
-          </a:fillRef>
-          <a:effectRef idx="1">
-            <a:schemeClr val="accent1"/>
-          </a:effectRef>
-          <a:fontRef idx="minor">
-            <a:schemeClr val="dk1"/>
-          </a:fontRef>
-        </p:style>
-        <p:txBody>
-          <a:bodyPr rtlCol="0" anchor="ctr"/>
-          <a:lstStyle/>
-          <a:p>
-            <a:pPr algn="ctr"/>
-            <a:r>
-              <a:rPr lang="en-US" sz="2200" dirty="0" smtClean="0"/>
-              <a:t>Service authorization and management</a:t>
-            </a:r>
-            <a:endParaRPr lang="en-US" sz="2200" dirty="0"/>
-          </a:p>
-        </p:txBody>
-      </p:sp>
-      <p:sp>
-        <p:nvSpPr>
-          <p:cNvPr id="19" name="Elaborazione predefinita 18"/>
-          <p:cNvSpPr/>
-          <p:nvPr/>
-        </p:nvSpPr>
-        <p:spPr>
-          <a:xfrm>
-            <a:off x="6500826" y="5500702"/>
-            <a:ext cx="2357454" cy="785818"/>
-          </a:xfrm>
-          <a:prstGeom prst="flowChartPredefinedProcess">
-            <a:avLst/>
-          </a:prstGeom>
-          <a:solidFill>
-            <a:schemeClr val="bg1"/>
-          </a:solidFill>
-          <a:ln>
-            <a:solidFill>
-              <a:schemeClr val="tx1"/>
-            </a:solidFill>
-          </a:ln>
-        </p:spPr>
-        <p:style>
-          <a:lnRef idx="1">
-            <a:schemeClr val="accent1"/>
-          </a:lnRef>
-          <a:fillRef idx="2">
-            <a:schemeClr val="accent1"/>
-          </a:fillRef>
-          <a:effectRef idx="1">
-            <a:schemeClr val="accent1"/>
-          </a:effectRef>
-          <a:fontRef idx="minor">
-            <a:schemeClr val="dk1"/>
-          </a:fontRef>
-        </p:style>
-        <p:txBody>
-          <a:bodyPr rtlCol="0" anchor="ctr"/>
-          <a:lstStyle/>
-          <a:p>
-            <a:pPr algn="ctr"/>
-            <a:r>
-              <a:rPr lang="en-US" sz="2200" dirty="0" smtClean="0"/>
-              <a:t>Accounts management</a:t>
-            </a:r>
-            <a:endParaRPr lang="en-US" sz="2200" dirty="0"/>
-          </a:p>
-        </p:txBody>
-      </p:sp>
-      <p:sp>
-        <p:nvSpPr>
-          <p:cNvPr id="9" name="Parentesi graffa aperta 8"/>
-          <p:cNvSpPr/>
-          <p:nvPr/>
-        </p:nvSpPr>
-        <p:spPr>
-          <a:xfrm>
-            <a:off x="3500430" y="2071678"/>
-            <a:ext cx="441200" cy="1158540"/>
-          </a:xfrm>
-          <a:prstGeom prst="leftBrace">
-            <a:avLst/>
-          </a:prstGeom>
-          <a:ln w="38100"/>
-        </p:spPr>
-        <p:style>
-          <a:lnRef idx="1">
-            <a:schemeClr val="accent1"/>
-          </a:lnRef>
-          <a:fillRef idx="0">
-            <a:schemeClr val="accent1"/>
-          </a:fillRef>
-          <a:effectRef idx="0">
-            <a:schemeClr val="accent1"/>
-          </a:effectRef>
-          <a:fontRef idx="minor">
-            <a:schemeClr val="tx1"/>
-          </a:fontRef>
-        </p:style>
-        <p:txBody>
-          <a:bodyPr rtlCol="0" anchor="ctr"/>
-          <a:lstStyle/>
-          <a:p>
-            <a:pPr algn="ctr"/>
-            <a:endParaRPr lang="it-IT"/>
-          </a:p>
-        </p:txBody>
-      </p:sp>
-      <p:sp>
-        <p:nvSpPr>
-          <p:cNvPr id="10" name="CasellaDiTesto 9"/>
-          <p:cNvSpPr txBox="1"/>
-          <p:nvPr/>
-        </p:nvSpPr>
-        <p:spPr>
-          <a:xfrm>
-            <a:off x="3929058" y="2000240"/>
-            <a:ext cx="4714908" cy="1292662"/>
-          </a:xfrm>
-          <a:prstGeom prst="rect">
-            <a:avLst/>
-          </a:prstGeom>
-          <a:noFill/>
-        </p:spPr>
-        <p:txBody>
-          <a:bodyPr wrap="square" rtlCol="0">
-            <a:spAutoFit/>
-          </a:bodyPr>
-          <a:lstStyle/>
-          <a:p>
-            <a:pPr>
-              <a:buFont typeface="Arial" pitchFamily="34" charset="0"/>
-              <a:buChar char="•"/>
-            </a:pPr>
-            <a:r>
-              <a:rPr lang="it-IT" sz="2600" dirty="0" smtClean="0"/>
-              <a:t> </a:t>
-            </a:r>
-            <a:r>
-              <a:rPr lang="it-IT" sz="2600" dirty="0" err="1" smtClean="0"/>
-              <a:t>different</a:t>
-            </a:r>
-            <a:r>
-              <a:rPr lang="it-IT" sz="2600" dirty="0" smtClean="0"/>
-              <a:t> </a:t>
-            </a:r>
-            <a:r>
-              <a:rPr lang="it-IT" sz="2600" dirty="0" err="1" smtClean="0"/>
-              <a:t>kind</a:t>
-            </a:r>
-            <a:r>
-              <a:rPr lang="it-IT" sz="2600" dirty="0" smtClean="0"/>
-              <a:t> </a:t>
-            </a:r>
-            <a:r>
-              <a:rPr lang="it-IT" sz="2600" dirty="0" err="1" smtClean="0"/>
-              <a:t>of</a:t>
-            </a:r>
-            <a:r>
-              <a:rPr lang="it-IT" sz="2600" dirty="0" smtClean="0"/>
-              <a:t> </a:t>
-            </a:r>
-            <a:r>
-              <a:rPr lang="it-IT" sz="2600" dirty="0" err="1" smtClean="0"/>
-              <a:t>objects</a:t>
-            </a:r>
-            <a:endParaRPr lang="it-IT" sz="2600" dirty="0" smtClean="0"/>
-          </a:p>
-          <a:p>
-            <a:pPr>
-              <a:buFont typeface="Arial" pitchFamily="34" charset="0"/>
-              <a:buChar char="•"/>
-            </a:pPr>
-            <a:r>
-              <a:rPr lang="it-IT" sz="2600" dirty="0" smtClean="0"/>
-              <a:t> single </a:t>
-            </a:r>
-            <a:r>
-              <a:rPr lang="it-IT" sz="2600" dirty="0" smtClean="0"/>
-              <a:t>task</a:t>
-            </a:r>
-          </a:p>
-          <a:p>
-            <a:pPr>
-              <a:buFont typeface="Arial" pitchFamily="34" charset="0"/>
-              <a:buChar char="•"/>
-            </a:pPr>
-            <a:r>
-              <a:rPr lang="it-IT" sz="2600" dirty="0" smtClean="0"/>
-              <a:t> </a:t>
-            </a:r>
-            <a:r>
-              <a:rPr lang="it-IT" sz="2600" dirty="0" err="1" smtClean="0"/>
-              <a:t>fixed</a:t>
-            </a:r>
-            <a:r>
-              <a:rPr lang="it-IT" sz="2600" dirty="0" smtClean="0"/>
-              <a:t> </a:t>
-            </a:r>
-            <a:r>
-              <a:rPr lang="it-IT" sz="2600" dirty="0" err="1" smtClean="0"/>
-              <a:t>number</a:t>
-            </a:r>
-            <a:r>
-              <a:rPr lang="it-IT" sz="2600" dirty="0" smtClean="0"/>
-              <a:t> </a:t>
-            </a:r>
-            <a:r>
-              <a:rPr lang="it-IT" sz="2600" dirty="0" err="1" smtClean="0"/>
-              <a:t>of</a:t>
-            </a:r>
-            <a:r>
-              <a:rPr lang="it-IT" sz="2600" dirty="0" smtClean="0"/>
-              <a:t> </a:t>
-            </a:r>
-            <a:r>
-              <a:rPr lang="it-IT" sz="2600" dirty="0" err="1" smtClean="0"/>
-              <a:t>transactions</a:t>
-            </a:r>
-            <a:endParaRPr lang="it-IT" sz="2600" dirty="0" smtClean="0"/>
-          </a:p>
-        </p:txBody>
-      </p:sp>
-    </p:spTree>
-  </p:cSld>
-  <p:clrMapOvr>
-    <a:masterClrMapping/>
-  </p:clrMapOvr>
-  <p:transition>
-    <p:fade/>
-  </p:transition>
-  <p:timing>
-    <p:tnLst>
-      <p:par>
-        <p:cTn id="1" dur="indefinite" restart="never" nodeType="tmRoot">
-          <p:childTnLst>
-            <p:seq concurrent="1" nextAc="seek">
-              <p:cTn id="2" dur="indefinite" nodeType="mainSeq">
-                <p:childTnLst>
-                  <p:par>
-                    <p:cTn id="3" fill="hold">
-                      <p:stCondLst>
-                        <p:cond delay="indefinite"/>
-                      </p:stCondLst>
-                      <p:childTnLst>
-                        <p:par>
-                          <p:cTn id="4" fill="hold">
-                            <p:stCondLst>
-                              <p:cond delay="0"/>
-                            </p:stCondLst>
-                            <p:childTnLst>
-                              <p:par>
-                                <p:cTn id="5" presetID="10" presetClass="entr" presetSubtype="0" fill="hold" nodeType="clickEffect">
-                                  <p:stCondLst>
-                                    <p:cond delay="0"/>
-                                  </p:stCondLst>
-                                  <p:childTnLst>
-                                    <p:set>
-                                      <p:cBhvr>
-                                        <p:cTn id="6" dur="1" fill="hold">
-                                          <p:stCondLst>
-                                            <p:cond delay="0"/>
-                                          </p:stCondLst>
-                                        </p:cTn>
-                                        <p:tgtEl>
-                                          <p:spTgt spid="6">
-                                            <p:txEl>
-                                              <p:pRg st="1" end="1"/>
-                                            </p:txEl>
-                                          </p:spTgt>
-                                        </p:tgtEl>
-                                        <p:attrNameLst>
-                                          <p:attrName>style.visibility</p:attrName>
-                                        </p:attrNameLst>
-                                      </p:cBhvr>
-                                      <p:to>
-                                        <p:strVal val="visible"/>
-                                      </p:to>
-                                    </p:set>
-                                    <p:animEffect transition="in" filter="fade">
-                                      <p:cBhvr>
-                                        <p:cTn id="7" dur="1000"/>
-                                        <p:tgtEl>
-                                          <p:spTgt spid="6">
-                                            <p:txEl>
-                                              <p:pRg st="1" end="1"/>
-                                            </p:txEl>
-                                          </p:spTgt>
-                                        </p:tgtEl>
-                                      </p:cBhvr>
-                                    </p:animEffect>
-                                  </p:childTnLst>
-                                </p:cTn>
-                              </p:par>
-                            </p:childTnLst>
-                          </p:cTn>
-                        </p:par>
-                      </p:childTnLst>
-                    </p:cTn>
-                  </p:par>
-                  <p:par>
-                    <p:cTn id="8" fill="hold">
-                      <p:stCondLst>
-                        <p:cond delay="indefinite"/>
-                      </p:stCondLst>
-                      <p:childTnLst>
-                        <p:par>
-                          <p:cTn id="9" fill="hold">
-                            <p:stCondLst>
-                              <p:cond delay="0"/>
-                            </p:stCondLst>
-                            <p:childTnLst>
-                              <p:par>
-                                <p:cTn id="10" presetID="10" presetClass="entr" presetSubtype="0" fill="hold" grpId="0" nodeType="clickEffect">
-                                  <p:stCondLst>
-                                    <p:cond delay="0"/>
-                                  </p:stCondLst>
-                                  <p:childTnLst>
-                                    <p:set>
-                                      <p:cBhvr>
-                                        <p:cTn id="11" dur="1" fill="hold">
-                                          <p:stCondLst>
-                                            <p:cond delay="0"/>
-                                          </p:stCondLst>
-                                        </p:cTn>
-                                        <p:tgtEl>
-                                          <p:spTgt spid="9"/>
-                                        </p:tgtEl>
-                                        <p:attrNameLst>
-                                          <p:attrName>style.visibility</p:attrName>
-                                        </p:attrNameLst>
-                                      </p:cBhvr>
-                                      <p:to>
-                                        <p:strVal val="visible"/>
-                                      </p:to>
-                                    </p:set>
-                                    <p:animEffect transition="in" filter="fade">
-                                      <p:cBhvr>
-                                        <p:cTn id="12" dur="1000"/>
-                                        <p:tgtEl>
-                                          <p:spTgt spid="9"/>
-                                        </p:tgtEl>
-                                      </p:cBhvr>
-                                    </p:animEffect>
-                                  </p:childTnLst>
-                                </p:cTn>
-                              </p:par>
-                              <p:par>
-                                <p:cTn id="13" presetID="10" presetClass="entr" presetSubtype="0" fill="hold" grpId="0" nodeType="withEffect">
-                                  <p:stCondLst>
-                                    <p:cond delay="0"/>
-                                  </p:stCondLst>
-                                  <p:childTnLst>
-                                    <p:set>
-                                      <p:cBhvr>
-                                        <p:cTn id="14" dur="1" fill="hold">
-                                          <p:stCondLst>
-                                            <p:cond delay="0"/>
-                                          </p:stCondLst>
-                                        </p:cTn>
-                                        <p:tgtEl>
-                                          <p:spTgt spid="10"/>
-                                        </p:tgtEl>
-                                        <p:attrNameLst>
-                                          <p:attrName>style.visibility</p:attrName>
-                                        </p:attrNameLst>
-                                      </p:cBhvr>
-                                      <p:to>
-                                        <p:strVal val="visible"/>
-                                      </p:to>
-                                    </p:set>
-                                    <p:animEffect transition="in" filter="fade">
-                                      <p:cBhvr>
-                                        <p:cTn id="15" dur="1000"/>
-                                        <p:tgtEl>
-                                          <p:spTgt spid="10"/>
-                                        </p:tgtEl>
-                                      </p:cBhvr>
-                                    </p:animEffect>
-                                  </p:childTnLst>
-                                </p:cTn>
-                              </p:par>
-                            </p:childTnLst>
-                          </p:cTn>
-                        </p:par>
-                      </p:childTnLst>
-                    </p:cTn>
-                  </p:par>
-                  <p:par>
-                    <p:cTn id="16" fill="hold">
-                      <p:stCondLst>
-                        <p:cond delay="indefinite"/>
-                      </p:stCondLst>
-                      <p:childTnLst>
-                        <p:par>
-                          <p:cTn id="17" fill="hold">
-                            <p:stCondLst>
-                              <p:cond delay="0"/>
-                            </p:stCondLst>
-                            <p:childTnLst>
-                              <p:par>
-                                <p:cTn id="18" presetID="10" presetClass="entr" presetSubtype="0" fill="hold" nodeType="clickEffect">
-                                  <p:stCondLst>
-                                    <p:cond delay="0"/>
-                                  </p:stCondLst>
-                                  <p:childTnLst>
-                                    <p:set>
-                                      <p:cBhvr>
-                                        <p:cTn id="19" dur="1" fill="hold">
-                                          <p:stCondLst>
-                                            <p:cond delay="0"/>
-                                          </p:stCondLst>
-                                        </p:cTn>
-                                        <p:tgtEl>
-                                          <p:spTgt spid="6">
-                                            <p:txEl>
-                                              <p:pRg st="4" end="4"/>
-                                            </p:txEl>
-                                          </p:spTgt>
-                                        </p:tgtEl>
-                                        <p:attrNameLst>
-                                          <p:attrName>style.visibility</p:attrName>
-                                        </p:attrNameLst>
-                                      </p:cBhvr>
-                                      <p:to>
-                                        <p:strVal val="visible"/>
-                                      </p:to>
-                                    </p:set>
-                                    <p:animEffect transition="in" filter="fade">
-                                      <p:cBhvr>
-                                        <p:cTn id="20" dur="2000"/>
-                                        <p:tgtEl>
-                                          <p:spTgt spid="6">
-                                            <p:txEl>
-                                              <p:pRg st="4" end="4"/>
-                                            </p:txEl>
-                                          </p:spTgt>
-                                        </p:tgtEl>
-                                      </p:cBhvr>
-                                    </p:animEffect>
-                                  </p:childTnLst>
-                                </p:cTn>
-                              </p:par>
-                            </p:childTnLst>
-                          </p:cTn>
-                        </p:par>
-                      </p:childTnLst>
-                    </p:cTn>
-                  </p:par>
-                  <p:par>
-                    <p:cTn id="21" fill="hold">
-                      <p:stCondLst>
-                        <p:cond delay="indefinite"/>
-                      </p:stCondLst>
-                      <p:childTnLst>
-                        <p:par>
-                          <p:cTn id="22" fill="hold">
-                            <p:stCondLst>
-                              <p:cond delay="0"/>
-                            </p:stCondLst>
-                            <p:childTnLst>
-                              <p:par>
-                                <p:cTn id="23" presetID="10" presetClass="entr" presetSubtype="0" fill="hold" grpId="0" nodeType="clickEffect">
-                                  <p:stCondLst>
-                                    <p:cond delay="0"/>
-                                  </p:stCondLst>
-                                  <p:childTnLst>
-                                    <p:set>
-                                      <p:cBhvr>
-                                        <p:cTn id="24" dur="1" fill="hold">
-                                          <p:stCondLst>
-                                            <p:cond delay="0"/>
-                                          </p:stCondLst>
-                                        </p:cTn>
-                                        <p:tgtEl>
-                                          <p:spTgt spid="16"/>
-                                        </p:tgtEl>
-                                        <p:attrNameLst>
-                                          <p:attrName>style.visibility</p:attrName>
-                                        </p:attrNameLst>
-                                      </p:cBhvr>
-                                      <p:to>
-                                        <p:strVal val="visible"/>
-                                      </p:to>
-                                    </p:set>
-                                    <p:animEffect transition="in" filter="fade">
-                                      <p:cBhvr>
-                                        <p:cTn id="25" dur="1000"/>
-                                        <p:tgtEl>
-                                          <p:spTgt spid="16"/>
-                                        </p:tgtEl>
-                                      </p:cBhvr>
-                                    </p:animEffect>
-                                  </p:childTnLst>
-                                </p:cTn>
-                              </p:par>
-                              <p:par>
-                                <p:cTn id="26" presetID="10" presetClass="entr" presetSubtype="0" fill="hold" grpId="0" nodeType="withEffect">
-                                  <p:stCondLst>
-                                    <p:cond delay="0"/>
-                                  </p:stCondLst>
-                                  <p:childTnLst>
-                                    <p:set>
-                                      <p:cBhvr>
-                                        <p:cTn id="27" dur="1" fill="hold">
-                                          <p:stCondLst>
-                                            <p:cond delay="0"/>
-                                          </p:stCondLst>
-                                        </p:cTn>
-                                        <p:tgtEl>
-                                          <p:spTgt spid="19"/>
-                                        </p:tgtEl>
-                                        <p:attrNameLst>
-                                          <p:attrName>style.visibility</p:attrName>
-                                        </p:attrNameLst>
-                                      </p:cBhvr>
-                                      <p:to>
-                                        <p:strVal val="visible"/>
-                                      </p:to>
-                                    </p:set>
-                                    <p:animEffect transition="in" filter="fade">
-                                      <p:cBhvr>
-                                        <p:cTn id="28" dur="1000"/>
-                                        <p:tgtEl>
-                                          <p:spTgt spid="19"/>
-                                        </p:tgtEl>
-                                      </p:cBhvr>
-                                    </p:animEffect>
-                                  </p:childTnLst>
-                                </p:cTn>
-                              </p:par>
-                              <p:par>
-                                <p:cTn id="29" presetID="10" presetClass="entr" presetSubtype="0" fill="hold" grpId="0" nodeType="withEffect">
-                                  <p:stCondLst>
-                                    <p:cond delay="0"/>
-                                  </p:stCondLst>
-                                  <p:childTnLst>
-                                    <p:set>
-                                      <p:cBhvr>
-                                        <p:cTn id="30" dur="1" fill="hold">
-                                          <p:stCondLst>
-                                            <p:cond delay="0"/>
-                                          </p:stCondLst>
-                                        </p:cTn>
-                                        <p:tgtEl>
-                                          <p:spTgt spid="18"/>
-                                        </p:tgtEl>
-                                        <p:attrNameLst>
-                                          <p:attrName>style.visibility</p:attrName>
-                                        </p:attrNameLst>
-                                      </p:cBhvr>
-                                      <p:to>
-                                        <p:strVal val="visible"/>
-                                      </p:to>
-                                    </p:set>
-                                    <p:animEffect transition="in" filter="fade">
-                                      <p:cBhvr>
-                                        <p:cTn id="31" dur="1000"/>
-                                        <p:tgtEl>
-                                          <p:spTgt spid="18"/>
-                                        </p:tgtEl>
-                                      </p:cBhvr>
-                                    </p:animEffect>
-                                  </p:childTnLst>
-                                </p:cTn>
-                              </p:par>
-                              <p:par>
-                                <p:cTn id="32" presetID="10" presetClass="entr" presetSubtype="0" fill="hold" grpId="0" nodeType="withEffect">
-                                  <p:stCondLst>
-                                    <p:cond delay="0"/>
-                                  </p:stCondLst>
-                                  <p:childTnLst>
-                                    <p:set>
-                                      <p:cBhvr>
-                                        <p:cTn id="33" dur="1" fill="hold">
-                                          <p:stCondLst>
-                                            <p:cond delay="0"/>
-                                          </p:stCondLst>
-                                        </p:cTn>
-                                        <p:tgtEl>
-                                          <p:spTgt spid="17"/>
-                                        </p:tgtEl>
-                                        <p:attrNameLst>
-                                          <p:attrName>style.visibility</p:attrName>
-                                        </p:attrNameLst>
-                                      </p:cBhvr>
-                                      <p:to>
-                                        <p:strVal val="visible"/>
-                                      </p:to>
-                                    </p:set>
-                                    <p:animEffect transition="in" filter="fade">
-                                      <p:cBhvr>
-                                        <p:cTn id="34" dur="1000"/>
-                                        <p:tgtEl>
-                                          <p:spTgt spid="17"/>
-                                        </p:tgtEl>
-                                      </p:cBhvr>
-                                    </p:animEffect>
-                                  </p:childTnLst>
-                                </p:cTn>
-                              </p:par>
-                            </p:childTnLst>
-                          </p:cTn>
-                        </p:par>
-                      </p:childTnLst>
-                    </p:cTn>
-                  </p:par>
-                </p:childTnLst>
-              </p:cTn>
-              <p:prevCondLst>
-                <p:cond evt="onPrev" delay="0">
-                  <p:tgtEl>
-                    <p:sldTgt/>
-                  </p:tgtEl>
-                </p:cond>
-              </p:prevCondLst>
-              <p:nextCondLst>
-                <p:cond evt="onNext" delay="0">
-                  <p:tgtEl>
-                    <p:sldTgt/>
-                  </p:tgtEl>
-                </p:cond>
-              </p:nextCondLst>
-            </p:seq>
-          </p:childTnLst>
-        </p:cTn>
-      </p:par>
-    </p:tnLst>
-    <p:bldLst>
-      <p:bldP spid="16" grpId="0" animBg="1"/>
-      <p:bldP spid="17" grpId="0" animBg="1"/>
-      <p:bldP spid="18" grpId="0" animBg="1"/>
-      <p:bldP spid="19" grpId="0" animBg="1"/>
-      <p:bldP spid="9" grpId="0" animBg="1"/>
-      <p:bldP spid="10" grpId="0"/>
-    </p:bldLst>
   </p:timing>
 </p:sld>
 </file>
@@ -13009,7 +12595,15 @@
             </a:r>
             <a:r>
               <a:rPr lang="en-US" dirty="0" smtClean="0"/>
-              <a:t>) is computer software that manages databases</a:t>
+              <a:t>) is </a:t>
+            </a:r>
+            <a:r>
+              <a:rPr lang="en-US" dirty="0" smtClean="0"/>
+              <a:t>a computer </a:t>
+            </a:r>
+            <a:r>
+              <a:rPr lang="en-US" dirty="0" smtClean="0"/>
+              <a:t>software that manages databases</a:t>
             </a:r>
           </a:p>
           <a:p>
@@ -13668,8 +13262,8 @@
 </p:sld>
 </file>
 
-<file path=ppt/slides/slide3.xml><?xml version="1.0" encoding="utf-8"?>
-<p:sld xmlns:a="http://schemas.openxmlformats.org/drawingml/2006/main" xmlns:r="http://schemas.openxmlformats.org/officeDocument/2006/relationships" xmlns:p="http://schemas.openxmlformats.org/presentationml/2006/main">
+<file path=ppt/slides/slide20.xml><?xml version="1.0" encoding="utf-8"?>
+<p:sld xmlns:a="http://schemas.openxmlformats.org/drawingml/2006/main" xmlns:r="http://schemas.openxmlformats.org/officeDocument/2006/relationships" xmlns:p="http://schemas.openxmlformats.org/presentationml/2006/main" show="0">
   <p:cSld>
     <p:spTree>
       <p:nvGrpSpPr>
@@ -13695,10 +13289,15 @@
             <p:ph type="title"/>
           </p:nvPr>
         </p:nvSpPr>
-        <p:spPr/>
+        <p:spPr>
+          <a:xfrm>
+            <a:off x="457200" y="155448"/>
+            <a:ext cx="6257940" cy="1252728"/>
+          </a:xfrm>
+        </p:spPr>
         <p:txBody>
           <a:bodyPr>
-            <a:normAutofit/>
+            <a:normAutofit fontScale="90000"/>
           </a:bodyPr>
           <a:lstStyle/>
           <a:p>
@@ -13708,7 +13307,7 @@
                   <a:srgbClr val="FFC000"/>
                 </a:solidFill>
               </a:rPr>
-              <a:t>Application Scenario</a:t>
+              <a:t>Real Time Prepaid System Configuration</a:t>
             </a:r>
             <a:endParaRPr lang="en-US" dirty="0">
               <a:solidFill>
@@ -13753,6 +13352,1048 @@
           <a:noFill/>
         </p:spPr>
       </p:pic>
+      <p:pic>
+        <p:nvPicPr>
+          <p:cNvPr id="2052" name="Picture 4"/>
+          <p:cNvPicPr>
+            <a:picLocks noChangeAspect="1" noChangeArrowheads="1"/>
+          </p:cNvPicPr>
+          <p:nvPr/>
+        </p:nvPicPr>
+        <p:blipFill>
+          <a:blip r:embed="rId3"/>
+          <a:srcRect l="6445" t="16875" r="27929" b="24062"/>
+          <a:stretch>
+            <a:fillRect/>
+          </a:stretch>
+        </p:blipFill>
+        <p:spPr bwMode="auto">
+          <a:xfrm>
+            <a:off x="0" y="1571611"/>
+            <a:ext cx="9144000" cy="5143500"/>
+          </a:xfrm>
+          <a:prstGeom prst="rect">
+            <a:avLst/>
+          </a:prstGeom>
+          <a:noFill/>
+          <a:ln w="9525">
+            <a:noFill/>
+            <a:miter lim="800000"/>
+            <a:headEnd/>
+            <a:tailEnd/>
+          </a:ln>
+          <a:effectLst/>
+        </p:spPr>
+      </p:pic>
+      <p:pic>
+        <p:nvPicPr>
+          <p:cNvPr id="14" name="Picture 4"/>
+          <p:cNvPicPr>
+            <a:picLocks noChangeAspect="1" noChangeArrowheads="1"/>
+          </p:cNvPicPr>
+          <p:nvPr/>
+        </p:nvPicPr>
+        <p:blipFill>
+          <a:blip r:embed="rId3"/>
+          <a:srcRect l="6445" t="16875" r="46455" b="72570"/>
+          <a:stretch>
+            <a:fillRect/>
+          </a:stretch>
+        </p:blipFill>
+        <p:spPr bwMode="auto">
+          <a:xfrm>
+            <a:off x="-1" y="1571611"/>
+            <a:ext cx="9144001" cy="1285885"/>
+          </a:xfrm>
+          <a:prstGeom prst="rect">
+            <a:avLst/>
+          </a:prstGeom>
+          <a:noFill/>
+          <a:ln w="9525">
+            <a:noFill/>
+            <a:miter lim="800000"/>
+            <a:headEnd/>
+            <a:tailEnd/>
+          </a:ln>
+          <a:effectLst/>
+        </p:spPr>
+      </p:pic>
+      <p:pic>
+        <p:nvPicPr>
+          <p:cNvPr id="15" name="Picture 4"/>
+          <p:cNvPicPr>
+            <a:picLocks noChangeAspect="1" noChangeArrowheads="1"/>
+          </p:cNvPicPr>
+          <p:nvPr/>
+        </p:nvPicPr>
+        <p:blipFill>
+          <a:blip r:embed="rId3"/>
+          <a:srcRect l="6445" t="27539" r="43823" b="42929"/>
+          <a:stretch>
+            <a:fillRect/>
+          </a:stretch>
+        </p:blipFill>
+        <p:spPr bwMode="auto">
+          <a:xfrm>
+            <a:off x="-1" y="2500306"/>
+            <a:ext cx="9046787" cy="3357586"/>
+          </a:xfrm>
+          <a:prstGeom prst="rect">
+            <a:avLst/>
+          </a:prstGeom>
+          <a:noFill/>
+          <a:ln w="9525">
+            <a:noFill/>
+            <a:miter lim="800000"/>
+            <a:headEnd/>
+            <a:tailEnd/>
+          </a:ln>
+          <a:effectLst/>
+        </p:spPr>
+      </p:pic>
+      <p:pic>
+        <p:nvPicPr>
+          <p:cNvPr id="16" name="Picture 4"/>
+          <p:cNvPicPr>
+            <a:picLocks noChangeAspect="1" noChangeArrowheads="1"/>
+          </p:cNvPicPr>
+          <p:nvPr/>
+        </p:nvPicPr>
+        <p:blipFill>
+          <a:blip r:embed="rId3"/>
+          <a:srcRect l="6445" t="56962" r="27929" b="24062"/>
+          <a:stretch>
+            <a:fillRect/>
+          </a:stretch>
+        </p:blipFill>
+        <p:spPr bwMode="auto">
+          <a:xfrm>
+            <a:off x="-33" y="4500570"/>
+            <a:ext cx="12701591" cy="2295503"/>
+          </a:xfrm>
+          <a:prstGeom prst="rect">
+            <a:avLst/>
+          </a:prstGeom>
+          <a:noFill/>
+          <a:ln w="9525">
+            <a:noFill/>
+            <a:miter lim="800000"/>
+            <a:headEnd/>
+            <a:tailEnd/>
+          </a:ln>
+          <a:effectLst/>
+        </p:spPr>
+      </p:pic>
+    </p:spTree>
+  </p:cSld>
+  <p:clrMapOvr>
+    <a:masterClrMapping/>
+  </p:clrMapOvr>
+  <p:transition>
+    <p:fade/>
+  </p:transition>
+  <p:timing>
+    <p:tnLst>
+      <p:par>
+        <p:cTn id="1" dur="indefinite" restart="never" nodeType="tmRoot">
+          <p:childTnLst>
+            <p:seq concurrent="1" nextAc="seek">
+              <p:cTn id="2" dur="indefinite" nodeType="mainSeq">
+                <p:childTnLst>
+                  <p:par>
+                    <p:cTn id="3" fill="hold">
+                      <p:stCondLst>
+                        <p:cond delay="indefinite"/>
+                      </p:stCondLst>
+                      <p:childTnLst>
+                        <p:par>
+                          <p:cTn id="4" fill="hold">
+                            <p:stCondLst>
+                              <p:cond delay="0"/>
+                            </p:stCondLst>
+                            <p:childTnLst>
+                              <p:par>
+                                <p:cTn id="5" presetID="9" presetClass="emph" presetSubtype="0" nodeType="clickEffect">
+                                  <p:stCondLst>
+                                    <p:cond delay="0"/>
+                                  </p:stCondLst>
+                                  <p:childTnLst>
+                                    <p:set>
+                                      <p:cBhvr rctx="PPT">
+                                        <p:cTn id="6" dur="indefinite"/>
+                                        <p:tgtEl>
+                                          <p:spTgt spid="2052"/>
+                                        </p:tgtEl>
+                                        <p:attrNameLst>
+                                          <p:attrName>style.opacity</p:attrName>
+                                        </p:attrNameLst>
+                                      </p:cBhvr>
+                                      <p:to>
+                                        <p:strVal val="0.25"/>
+                                      </p:to>
+                                    </p:set>
+                                    <p:animEffect filter="image" prLst="opacity: 0.25">
+                                      <p:cBhvr rctx="IE">
+                                        <p:cTn id="7" dur="indefinite"/>
+                                        <p:tgtEl>
+                                          <p:spTgt spid="2052"/>
+                                        </p:tgtEl>
+                                      </p:cBhvr>
+                                    </p:animEffect>
+                                  </p:childTnLst>
+                                </p:cTn>
+                              </p:par>
+                            </p:childTnLst>
+                          </p:cTn>
+                        </p:par>
+                      </p:childTnLst>
+                    </p:cTn>
+                  </p:par>
+                  <p:par>
+                    <p:cTn id="8" fill="hold">
+                      <p:stCondLst>
+                        <p:cond delay="indefinite"/>
+                      </p:stCondLst>
+                      <p:childTnLst>
+                        <p:par>
+                          <p:cTn id="9" fill="hold">
+                            <p:stCondLst>
+                              <p:cond delay="0"/>
+                            </p:stCondLst>
+                            <p:childTnLst>
+                              <p:par>
+                                <p:cTn id="10" presetID="53" presetClass="entr" presetSubtype="0" fill="hold" nodeType="clickEffect">
+                                  <p:stCondLst>
+                                    <p:cond delay="0"/>
+                                  </p:stCondLst>
+                                  <p:childTnLst>
+                                    <p:set>
+                                      <p:cBhvr>
+                                        <p:cTn id="11" dur="1" fill="hold">
+                                          <p:stCondLst>
+                                            <p:cond delay="0"/>
+                                          </p:stCondLst>
+                                        </p:cTn>
+                                        <p:tgtEl>
+                                          <p:spTgt spid="14"/>
+                                        </p:tgtEl>
+                                        <p:attrNameLst>
+                                          <p:attrName>style.visibility</p:attrName>
+                                        </p:attrNameLst>
+                                      </p:cBhvr>
+                                      <p:to>
+                                        <p:strVal val="visible"/>
+                                      </p:to>
+                                    </p:set>
+                                    <p:anim calcmode="lin" valueType="num">
+                                      <p:cBhvr>
+                                        <p:cTn id="12" dur="500" fill="hold"/>
+                                        <p:tgtEl>
+                                          <p:spTgt spid="14"/>
+                                        </p:tgtEl>
+                                        <p:attrNameLst>
+                                          <p:attrName>ppt_w</p:attrName>
+                                        </p:attrNameLst>
+                                      </p:cBhvr>
+                                      <p:tavLst>
+                                        <p:tav tm="0">
+                                          <p:val>
+                                            <p:fltVal val="0"/>
+                                          </p:val>
+                                        </p:tav>
+                                        <p:tav tm="100000">
+                                          <p:val>
+                                            <p:strVal val="#ppt_w"/>
+                                          </p:val>
+                                        </p:tav>
+                                      </p:tavLst>
+                                    </p:anim>
+                                    <p:anim calcmode="lin" valueType="num">
+                                      <p:cBhvr>
+                                        <p:cTn id="13" dur="500" fill="hold"/>
+                                        <p:tgtEl>
+                                          <p:spTgt spid="14"/>
+                                        </p:tgtEl>
+                                        <p:attrNameLst>
+                                          <p:attrName>ppt_h</p:attrName>
+                                        </p:attrNameLst>
+                                      </p:cBhvr>
+                                      <p:tavLst>
+                                        <p:tav tm="0">
+                                          <p:val>
+                                            <p:fltVal val="0"/>
+                                          </p:val>
+                                        </p:tav>
+                                        <p:tav tm="100000">
+                                          <p:val>
+                                            <p:strVal val="#ppt_h"/>
+                                          </p:val>
+                                        </p:tav>
+                                      </p:tavLst>
+                                    </p:anim>
+                                    <p:animEffect transition="in" filter="fade">
+                                      <p:cBhvr>
+                                        <p:cTn id="14" dur="500"/>
+                                        <p:tgtEl>
+                                          <p:spTgt spid="14"/>
+                                        </p:tgtEl>
+                                      </p:cBhvr>
+                                    </p:animEffect>
+                                  </p:childTnLst>
+                                </p:cTn>
+                              </p:par>
+                            </p:childTnLst>
+                          </p:cTn>
+                        </p:par>
+                      </p:childTnLst>
+                    </p:cTn>
+                  </p:par>
+                  <p:par>
+                    <p:cTn id="15" fill="hold">
+                      <p:stCondLst>
+                        <p:cond delay="indefinite"/>
+                      </p:stCondLst>
+                      <p:childTnLst>
+                        <p:par>
+                          <p:cTn id="16" fill="hold">
+                            <p:stCondLst>
+                              <p:cond delay="0"/>
+                            </p:stCondLst>
+                            <p:childTnLst>
+                              <p:par>
+                                <p:cTn id="17" presetID="53" presetClass="exit" presetSubtype="0" fill="hold" nodeType="clickEffect">
+                                  <p:stCondLst>
+                                    <p:cond delay="0"/>
+                                  </p:stCondLst>
+                                  <p:childTnLst>
+                                    <p:anim calcmode="lin" valueType="num">
+                                      <p:cBhvr>
+                                        <p:cTn id="18" dur="500"/>
+                                        <p:tgtEl>
+                                          <p:spTgt spid="14"/>
+                                        </p:tgtEl>
+                                        <p:attrNameLst>
+                                          <p:attrName>ppt_w</p:attrName>
+                                        </p:attrNameLst>
+                                      </p:cBhvr>
+                                      <p:tavLst>
+                                        <p:tav tm="0">
+                                          <p:val>
+                                            <p:strVal val="ppt_w"/>
+                                          </p:val>
+                                        </p:tav>
+                                        <p:tav tm="100000">
+                                          <p:val>
+                                            <p:fltVal val="0"/>
+                                          </p:val>
+                                        </p:tav>
+                                      </p:tavLst>
+                                    </p:anim>
+                                    <p:anim calcmode="lin" valueType="num">
+                                      <p:cBhvr>
+                                        <p:cTn id="19" dur="500"/>
+                                        <p:tgtEl>
+                                          <p:spTgt spid="14"/>
+                                        </p:tgtEl>
+                                        <p:attrNameLst>
+                                          <p:attrName>ppt_h</p:attrName>
+                                        </p:attrNameLst>
+                                      </p:cBhvr>
+                                      <p:tavLst>
+                                        <p:tav tm="0">
+                                          <p:val>
+                                            <p:strVal val="ppt_h"/>
+                                          </p:val>
+                                        </p:tav>
+                                        <p:tav tm="100000">
+                                          <p:val>
+                                            <p:fltVal val="0"/>
+                                          </p:val>
+                                        </p:tav>
+                                      </p:tavLst>
+                                    </p:anim>
+                                    <p:animEffect transition="out" filter="fade">
+                                      <p:cBhvr>
+                                        <p:cTn id="20" dur="500"/>
+                                        <p:tgtEl>
+                                          <p:spTgt spid="14"/>
+                                        </p:tgtEl>
+                                      </p:cBhvr>
+                                    </p:animEffect>
+                                    <p:set>
+                                      <p:cBhvr>
+                                        <p:cTn id="21" dur="1" fill="hold">
+                                          <p:stCondLst>
+                                            <p:cond delay="499"/>
+                                          </p:stCondLst>
+                                        </p:cTn>
+                                        <p:tgtEl>
+                                          <p:spTgt spid="14"/>
+                                        </p:tgtEl>
+                                        <p:attrNameLst>
+                                          <p:attrName>style.visibility</p:attrName>
+                                        </p:attrNameLst>
+                                      </p:cBhvr>
+                                      <p:to>
+                                        <p:strVal val="hidden"/>
+                                      </p:to>
+                                    </p:set>
+                                  </p:childTnLst>
+                                </p:cTn>
+                              </p:par>
+                            </p:childTnLst>
+                          </p:cTn>
+                        </p:par>
+                      </p:childTnLst>
+                    </p:cTn>
+                  </p:par>
+                  <p:par>
+                    <p:cTn id="22" fill="hold">
+                      <p:stCondLst>
+                        <p:cond delay="indefinite"/>
+                      </p:stCondLst>
+                      <p:childTnLst>
+                        <p:par>
+                          <p:cTn id="23" fill="hold">
+                            <p:stCondLst>
+                              <p:cond delay="0"/>
+                            </p:stCondLst>
+                            <p:childTnLst>
+                              <p:par>
+                                <p:cTn id="24" presetID="53" presetClass="entr" presetSubtype="0" fill="hold" nodeType="clickEffect">
+                                  <p:stCondLst>
+                                    <p:cond delay="0"/>
+                                  </p:stCondLst>
+                                  <p:childTnLst>
+                                    <p:set>
+                                      <p:cBhvr>
+                                        <p:cTn id="25" dur="1" fill="hold">
+                                          <p:stCondLst>
+                                            <p:cond delay="0"/>
+                                          </p:stCondLst>
+                                        </p:cTn>
+                                        <p:tgtEl>
+                                          <p:spTgt spid="15"/>
+                                        </p:tgtEl>
+                                        <p:attrNameLst>
+                                          <p:attrName>style.visibility</p:attrName>
+                                        </p:attrNameLst>
+                                      </p:cBhvr>
+                                      <p:to>
+                                        <p:strVal val="visible"/>
+                                      </p:to>
+                                    </p:set>
+                                    <p:anim calcmode="lin" valueType="num">
+                                      <p:cBhvr>
+                                        <p:cTn id="26" dur="500" fill="hold"/>
+                                        <p:tgtEl>
+                                          <p:spTgt spid="15"/>
+                                        </p:tgtEl>
+                                        <p:attrNameLst>
+                                          <p:attrName>ppt_w</p:attrName>
+                                        </p:attrNameLst>
+                                      </p:cBhvr>
+                                      <p:tavLst>
+                                        <p:tav tm="0">
+                                          <p:val>
+                                            <p:fltVal val="0"/>
+                                          </p:val>
+                                        </p:tav>
+                                        <p:tav tm="100000">
+                                          <p:val>
+                                            <p:strVal val="#ppt_w"/>
+                                          </p:val>
+                                        </p:tav>
+                                      </p:tavLst>
+                                    </p:anim>
+                                    <p:anim calcmode="lin" valueType="num">
+                                      <p:cBhvr>
+                                        <p:cTn id="27" dur="500" fill="hold"/>
+                                        <p:tgtEl>
+                                          <p:spTgt spid="15"/>
+                                        </p:tgtEl>
+                                        <p:attrNameLst>
+                                          <p:attrName>ppt_h</p:attrName>
+                                        </p:attrNameLst>
+                                      </p:cBhvr>
+                                      <p:tavLst>
+                                        <p:tav tm="0">
+                                          <p:val>
+                                            <p:fltVal val="0"/>
+                                          </p:val>
+                                        </p:tav>
+                                        <p:tav tm="100000">
+                                          <p:val>
+                                            <p:strVal val="#ppt_h"/>
+                                          </p:val>
+                                        </p:tav>
+                                      </p:tavLst>
+                                    </p:anim>
+                                    <p:animEffect transition="in" filter="fade">
+                                      <p:cBhvr>
+                                        <p:cTn id="28" dur="500"/>
+                                        <p:tgtEl>
+                                          <p:spTgt spid="15"/>
+                                        </p:tgtEl>
+                                      </p:cBhvr>
+                                    </p:animEffect>
+                                  </p:childTnLst>
+                                </p:cTn>
+                              </p:par>
+                            </p:childTnLst>
+                          </p:cTn>
+                        </p:par>
+                      </p:childTnLst>
+                    </p:cTn>
+                  </p:par>
+                  <p:par>
+                    <p:cTn id="29" fill="hold">
+                      <p:stCondLst>
+                        <p:cond delay="indefinite"/>
+                      </p:stCondLst>
+                      <p:childTnLst>
+                        <p:par>
+                          <p:cTn id="30" fill="hold">
+                            <p:stCondLst>
+                              <p:cond delay="0"/>
+                            </p:stCondLst>
+                            <p:childTnLst>
+                              <p:par>
+                                <p:cTn id="31" presetID="53" presetClass="exit" presetSubtype="0" fill="hold" nodeType="clickEffect">
+                                  <p:stCondLst>
+                                    <p:cond delay="0"/>
+                                  </p:stCondLst>
+                                  <p:childTnLst>
+                                    <p:anim calcmode="lin" valueType="num">
+                                      <p:cBhvr>
+                                        <p:cTn id="32" dur="500"/>
+                                        <p:tgtEl>
+                                          <p:spTgt spid="15"/>
+                                        </p:tgtEl>
+                                        <p:attrNameLst>
+                                          <p:attrName>ppt_w</p:attrName>
+                                        </p:attrNameLst>
+                                      </p:cBhvr>
+                                      <p:tavLst>
+                                        <p:tav tm="0">
+                                          <p:val>
+                                            <p:strVal val="ppt_w"/>
+                                          </p:val>
+                                        </p:tav>
+                                        <p:tav tm="100000">
+                                          <p:val>
+                                            <p:fltVal val="0"/>
+                                          </p:val>
+                                        </p:tav>
+                                      </p:tavLst>
+                                    </p:anim>
+                                    <p:anim calcmode="lin" valueType="num">
+                                      <p:cBhvr>
+                                        <p:cTn id="33" dur="500"/>
+                                        <p:tgtEl>
+                                          <p:spTgt spid="15"/>
+                                        </p:tgtEl>
+                                        <p:attrNameLst>
+                                          <p:attrName>ppt_h</p:attrName>
+                                        </p:attrNameLst>
+                                      </p:cBhvr>
+                                      <p:tavLst>
+                                        <p:tav tm="0">
+                                          <p:val>
+                                            <p:strVal val="ppt_h"/>
+                                          </p:val>
+                                        </p:tav>
+                                        <p:tav tm="100000">
+                                          <p:val>
+                                            <p:fltVal val="0"/>
+                                          </p:val>
+                                        </p:tav>
+                                      </p:tavLst>
+                                    </p:anim>
+                                    <p:animEffect transition="out" filter="fade">
+                                      <p:cBhvr>
+                                        <p:cTn id="34" dur="500"/>
+                                        <p:tgtEl>
+                                          <p:spTgt spid="15"/>
+                                        </p:tgtEl>
+                                      </p:cBhvr>
+                                    </p:animEffect>
+                                    <p:set>
+                                      <p:cBhvr>
+                                        <p:cTn id="35" dur="1" fill="hold">
+                                          <p:stCondLst>
+                                            <p:cond delay="499"/>
+                                          </p:stCondLst>
+                                        </p:cTn>
+                                        <p:tgtEl>
+                                          <p:spTgt spid="15"/>
+                                        </p:tgtEl>
+                                        <p:attrNameLst>
+                                          <p:attrName>style.visibility</p:attrName>
+                                        </p:attrNameLst>
+                                      </p:cBhvr>
+                                      <p:to>
+                                        <p:strVal val="hidden"/>
+                                      </p:to>
+                                    </p:set>
+                                  </p:childTnLst>
+                                </p:cTn>
+                              </p:par>
+                            </p:childTnLst>
+                          </p:cTn>
+                        </p:par>
+                      </p:childTnLst>
+                    </p:cTn>
+                  </p:par>
+                  <p:par>
+                    <p:cTn id="36" fill="hold">
+                      <p:stCondLst>
+                        <p:cond delay="indefinite"/>
+                      </p:stCondLst>
+                      <p:childTnLst>
+                        <p:par>
+                          <p:cTn id="37" fill="hold">
+                            <p:stCondLst>
+                              <p:cond delay="0"/>
+                            </p:stCondLst>
+                            <p:childTnLst>
+                              <p:par>
+                                <p:cTn id="38" presetID="53" presetClass="entr" presetSubtype="0" fill="hold" nodeType="clickEffect">
+                                  <p:stCondLst>
+                                    <p:cond delay="0"/>
+                                  </p:stCondLst>
+                                  <p:childTnLst>
+                                    <p:set>
+                                      <p:cBhvr>
+                                        <p:cTn id="39" dur="1" fill="hold">
+                                          <p:stCondLst>
+                                            <p:cond delay="0"/>
+                                          </p:stCondLst>
+                                        </p:cTn>
+                                        <p:tgtEl>
+                                          <p:spTgt spid="16"/>
+                                        </p:tgtEl>
+                                        <p:attrNameLst>
+                                          <p:attrName>style.visibility</p:attrName>
+                                        </p:attrNameLst>
+                                      </p:cBhvr>
+                                      <p:to>
+                                        <p:strVal val="visible"/>
+                                      </p:to>
+                                    </p:set>
+                                    <p:anim calcmode="lin" valueType="num">
+                                      <p:cBhvr>
+                                        <p:cTn id="40" dur="500" fill="hold"/>
+                                        <p:tgtEl>
+                                          <p:spTgt spid="16"/>
+                                        </p:tgtEl>
+                                        <p:attrNameLst>
+                                          <p:attrName>ppt_w</p:attrName>
+                                        </p:attrNameLst>
+                                      </p:cBhvr>
+                                      <p:tavLst>
+                                        <p:tav tm="0">
+                                          <p:val>
+                                            <p:fltVal val="0"/>
+                                          </p:val>
+                                        </p:tav>
+                                        <p:tav tm="100000">
+                                          <p:val>
+                                            <p:strVal val="#ppt_w"/>
+                                          </p:val>
+                                        </p:tav>
+                                      </p:tavLst>
+                                    </p:anim>
+                                    <p:anim calcmode="lin" valueType="num">
+                                      <p:cBhvr>
+                                        <p:cTn id="41" dur="500" fill="hold"/>
+                                        <p:tgtEl>
+                                          <p:spTgt spid="16"/>
+                                        </p:tgtEl>
+                                        <p:attrNameLst>
+                                          <p:attrName>ppt_h</p:attrName>
+                                        </p:attrNameLst>
+                                      </p:cBhvr>
+                                      <p:tavLst>
+                                        <p:tav tm="0">
+                                          <p:val>
+                                            <p:fltVal val="0"/>
+                                          </p:val>
+                                        </p:tav>
+                                        <p:tav tm="100000">
+                                          <p:val>
+                                            <p:strVal val="#ppt_h"/>
+                                          </p:val>
+                                        </p:tav>
+                                      </p:tavLst>
+                                    </p:anim>
+                                    <p:animEffect transition="in" filter="fade">
+                                      <p:cBhvr>
+                                        <p:cTn id="42" dur="500"/>
+                                        <p:tgtEl>
+                                          <p:spTgt spid="16"/>
+                                        </p:tgtEl>
+                                      </p:cBhvr>
+                                    </p:animEffect>
+                                  </p:childTnLst>
+                                </p:cTn>
+                              </p:par>
+                            </p:childTnLst>
+                          </p:cTn>
+                        </p:par>
+                      </p:childTnLst>
+                    </p:cTn>
+                  </p:par>
+                  <p:par>
+                    <p:cTn id="43" fill="hold">
+                      <p:stCondLst>
+                        <p:cond delay="indefinite"/>
+                      </p:stCondLst>
+                      <p:childTnLst>
+                        <p:par>
+                          <p:cTn id="44" fill="hold">
+                            <p:stCondLst>
+                              <p:cond delay="0"/>
+                            </p:stCondLst>
+                            <p:childTnLst>
+                              <p:par>
+                                <p:cTn id="45" presetID="53" presetClass="exit" presetSubtype="0" fill="hold" nodeType="clickEffect">
+                                  <p:stCondLst>
+                                    <p:cond delay="0"/>
+                                  </p:stCondLst>
+                                  <p:childTnLst>
+                                    <p:anim calcmode="lin" valueType="num">
+                                      <p:cBhvr>
+                                        <p:cTn id="46" dur="500"/>
+                                        <p:tgtEl>
+                                          <p:spTgt spid="16"/>
+                                        </p:tgtEl>
+                                        <p:attrNameLst>
+                                          <p:attrName>ppt_w</p:attrName>
+                                        </p:attrNameLst>
+                                      </p:cBhvr>
+                                      <p:tavLst>
+                                        <p:tav tm="0">
+                                          <p:val>
+                                            <p:strVal val="ppt_w"/>
+                                          </p:val>
+                                        </p:tav>
+                                        <p:tav tm="100000">
+                                          <p:val>
+                                            <p:fltVal val="0"/>
+                                          </p:val>
+                                        </p:tav>
+                                      </p:tavLst>
+                                    </p:anim>
+                                    <p:anim calcmode="lin" valueType="num">
+                                      <p:cBhvr>
+                                        <p:cTn id="47" dur="500"/>
+                                        <p:tgtEl>
+                                          <p:spTgt spid="16"/>
+                                        </p:tgtEl>
+                                        <p:attrNameLst>
+                                          <p:attrName>ppt_h</p:attrName>
+                                        </p:attrNameLst>
+                                      </p:cBhvr>
+                                      <p:tavLst>
+                                        <p:tav tm="0">
+                                          <p:val>
+                                            <p:strVal val="ppt_h"/>
+                                          </p:val>
+                                        </p:tav>
+                                        <p:tav tm="100000">
+                                          <p:val>
+                                            <p:fltVal val="0"/>
+                                          </p:val>
+                                        </p:tav>
+                                      </p:tavLst>
+                                    </p:anim>
+                                    <p:animEffect transition="out" filter="fade">
+                                      <p:cBhvr>
+                                        <p:cTn id="48" dur="500"/>
+                                        <p:tgtEl>
+                                          <p:spTgt spid="16"/>
+                                        </p:tgtEl>
+                                      </p:cBhvr>
+                                    </p:animEffect>
+                                    <p:set>
+                                      <p:cBhvr>
+                                        <p:cTn id="49" dur="1" fill="hold">
+                                          <p:stCondLst>
+                                            <p:cond delay="499"/>
+                                          </p:stCondLst>
+                                        </p:cTn>
+                                        <p:tgtEl>
+                                          <p:spTgt spid="16"/>
+                                        </p:tgtEl>
+                                        <p:attrNameLst>
+                                          <p:attrName>style.visibility</p:attrName>
+                                        </p:attrNameLst>
+                                      </p:cBhvr>
+                                      <p:to>
+                                        <p:strVal val="hidden"/>
+                                      </p:to>
+                                    </p:set>
+                                  </p:childTnLst>
+                                </p:cTn>
+                              </p:par>
+                            </p:childTnLst>
+                          </p:cTn>
+                        </p:par>
+                      </p:childTnLst>
+                    </p:cTn>
+                  </p:par>
+                </p:childTnLst>
+              </p:cTn>
+              <p:prevCondLst>
+                <p:cond evt="onPrev" delay="0">
+                  <p:tgtEl>
+                    <p:sldTgt/>
+                  </p:tgtEl>
+                </p:cond>
+              </p:prevCondLst>
+              <p:nextCondLst>
+                <p:cond evt="onNext" delay="0">
+                  <p:tgtEl>
+                    <p:sldTgt/>
+                  </p:tgtEl>
+                </p:cond>
+              </p:nextCondLst>
+            </p:seq>
+          </p:childTnLst>
+        </p:cTn>
+      </p:par>
+    </p:tnLst>
+  </p:timing>
+</p:sld>
+</file>
+
+<file path=ppt/slides/slide21.xml><?xml version="1.0" encoding="utf-8"?>
+<p:sld xmlns:a="http://schemas.openxmlformats.org/drawingml/2006/main" xmlns:r="http://schemas.openxmlformats.org/officeDocument/2006/relationships" xmlns:p="http://schemas.openxmlformats.org/presentationml/2006/main" show="0">
+  <p:cSld>
+    <p:spTree>
+      <p:nvGrpSpPr>
+        <p:cNvPr id="1" name=""/>
+        <p:cNvGrpSpPr/>
+        <p:nvPr/>
+      </p:nvGrpSpPr>
+      <p:grpSpPr>
+        <a:xfrm>
+          <a:off x="0" y="0"/>
+          <a:ext cx="0" cy="0"/>
+          <a:chOff x="0" y="0"/>
+          <a:chExt cx="0" cy="0"/>
+        </a:xfrm>
+      </p:grpSpPr>
+      <p:sp>
+        <p:nvSpPr>
+          <p:cNvPr id="2" name="Titolo 1"/>
+          <p:cNvSpPr>
+            <a:spLocks noGrp="1"/>
+          </p:cNvSpPr>
+          <p:nvPr>
+            <p:ph type="title"/>
+          </p:nvPr>
+        </p:nvSpPr>
+        <p:spPr/>
+        <p:txBody>
+          <a:bodyPr>
+            <a:normAutofit/>
+          </a:bodyPr>
+          <a:lstStyle/>
+          <a:p>
+            <a:r>
+              <a:rPr lang="en-US" dirty="0" smtClean="0">
+                <a:solidFill>
+                  <a:srgbClr val="FFC000"/>
+                </a:solidFill>
+              </a:rPr>
+              <a:t>Concurrent View</a:t>
+            </a:r>
+            <a:endParaRPr lang="en-US" dirty="0">
+              <a:solidFill>
+                <a:srgbClr val="FFC000"/>
+              </a:solidFill>
+            </a:endParaRPr>
+          </a:p>
+        </p:txBody>
+      </p:sp>
+      <p:pic>
+        <p:nvPicPr>
+          <p:cNvPr id="4" name="Picture 4" descr="C:\Users\error0\Desktop\logoRoma32.gif"/>
+          <p:cNvPicPr>
+            <a:picLocks noChangeAspect="1" noChangeArrowheads="1"/>
+          </p:cNvPicPr>
+          <p:nvPr/>
+        </p:nvPicPr>
+        <p:blipFill>
+          <a:blip r:embed="rId2">
+            <a:duotone>
+              <a:schemeClr val="accent1">
+                <a:shade val="45000"/>
+                <a:satMod val="135000"/>
+              </a:schemeClr>
+              <a:prstClr val="white"/>
+            </a:duotone>
+            <a:lum bright="20000"/>
+          </a:blip>
+          <a:srcRect/>
+          <a:stretch>
+            <a:fillRect/>
+          </a:stretch>
+        </p:blipFill>
+        <p:spPr bwMode="auto">
+          <a:xfrm>
+            <a:off x="6858016" y="153964"/>
+            <a:ext cx="2214578" cy="1131896"/>
+          </a:xfrm>
+          <a:prstGeom prst="rect">
+            <a:avLst/>
+          </a:prstGeom>
+          <a:noFill/>
+        </p:spPr>
+      </p:pic>
+      <p:pic>
+        <p:nvPicPr>
+          <p:cNvPr id="1026" name="Picture 2"/>
+          <p:cNvPicPr>
+            <a:picLocks noChangeAspect="1" noChangeArrowheads="1"/>
+          </p:cNvPicPr>
+          <p:nvPr/>
+        </p:nvPicPr>
+        <p:blipFill>
+          <a:blip r:embed="rId3"/>
+          <a:srcRect/>
+          <a:stretch>
+            <a:fillRect/>
+          </a:stretch>
+        </p:blipFill>
+        <p:spPr bwMode="auto">
+          <a:xfrm>
+            <a:off x="0" y="1500174"/>
+            <a:ext cx="9144000" cy="5357826"/>
+          </a:xfrm>
+          <a:prstGeom prst="rect">
+            <a:avLst/>
+          </a:prstGeom>
+          <a:noFill/>
+          <a:ln w="9525">
+            <a:noFill/>
+            <a:miter lim="800000"/>
+            <a:headEnd/>
+            <a:tailEnd/>
+          </a:ln>
+          <a:effectLst/>
+        </p:spPr>
+      </p:pic>
+    </p:spTree>
+  </p:cSld>
+  <p:clrMapOvr>
+    <a:masterClrMapping/>
+  </p:clrMapOvr>
+  <p:transition>
+    <p:fade/>
+  </p:transition>
+  <p:timing>
+    <p:tnLst>
+      <p:par>
+        <p:cTn id="1" dur="indefinite" restart="never" nodeType="tmRoot"/>
+      </p:par>
+    </p:tnLst>
+  </p:timing>
+</p:sld>
+</file>
+
+<file path=ppt/slides/slide22.xml><?xml version="1.0" encoding="utf-8"?>
+<p:sld xmlns:a="http://schemas.openxmlformats.org/drawingml/2006/main" xmlns:r="http://schemas.openxmlformats.org/officeDocument/2006/relationships" xmlns:p="http://schemas.openxmlformats.org/presentationml/2006/main" show="0">
+  <p:cSld>
+    <p:spTree>
+      <p:nvGrpSpPr>
+        <p:cNvPr id="1" name=""/>
+        <p:cNvGrpSpPr/>
+        <p:nvPr/>
+      </p:nvGrpSpPr>
+      <p:grpSpPr>
+        <a:xfrm>
+          <a:off x="0" y="0"/>
+          <a:ext cx="0" cy="0"/>
+          <a:chOff x="0" y="0"/>
+          <a:chExt cx="0" cy="0"/>
+        </a:xfrm>
+      </p:grpSpPr>
+      <p:sp>
+        <p:nvSpPr>
+          <p:cNvPr id="2" name="Titolo 1"/>
+          <p:cNvSpPr>
+            <a:spLocks noGrp="1"/>
+          </p:cNvSpPr>
+          <p:nvPr>
+            <p:ph type="title"/>
+          </p:nvPr>
+        </p:nvSpPr>
+        <p:spPr>
+          <a:xfrm>
+            <a:off x="457200" y="155448"/>
+            <a:ext cx="6257940" cy="1252728"/>
+          </a:xfrm>
+        </p:spPr>
+        <p:txBody>
+          <a:bodyPr>
+            <a:normAutofit/>
+          </a:bodyPr>
+          <a:lstStyle/>
+          <a:p>
+            <a:r>
+              <a:rPr lang="it-IT" dirty="0" smtClean="0">
+                <a:solidFill>
+                  <a:srgbClr val="FFC000"/>
+                </a:solidFill>
+              </a:rPr>
+              <a:t>Test Suite</a:t>
+            </a:r>
+            <a:endParaRPr lang="en-US" dirty="0">
+              <a:solidFill>
+                <a:srgbClr val="FFC000"/>
+              </a:solidFill>
+            </a:endParaRPr>
+          </a:p>
+        </p:txBody>
+      </p:sp>
+      <p:pic>
+        <p:nvPicPr>
+          <p:cNvPr id="4" name="Picture 4" descr="C:\Users\error0\Desktop\logoRoma32.gif"/>
+          <p:cNvPicPr>
+            <a:picLocks noChangeAspect="1" noChangeArrowheads="1"/>
+          </p:cNvPicPr>
+          <p:nvPr/>
+        </p:nvPicPr>
+        <p:blipFill>
+          <a:blip r:embed="rId2">
+            <a:duotone>
+              <a:schemeClr val="accent1">
+                <a:shade val="45000"/>
+                <a:satMod val="135000"/>
+              </a:schemeClr>
+              <a:prstClr val="white"/>
+            </a:duotone>
+            <a:lum bright="20000"/>
+          </a:blip>
+          <a:srcRect/>
+          <a:stretch>
+            <a:fillRect/>
+          </a:stretch>
+        </p:blipFill>
+        <p:spPr bwMode="auto">
+          <a:xfrm>
+            <a:off x="6858016" y="153964"/>
+            <a:ext cx="2214578" cy="1131896"/>
+          </a:xfrm>
+          <a:prstGeom prst="rect">
+            <a:avLst/>
+          </a:prstGeom>
+          <a:noFill/>
+        </p:spPr>
+      </p:pic>
       <p:sp>
         <p:nvSpPr>
           <p:cNvPr id="6" name="Segnaposto contenuto 5"/>
@@ -13775,6 +14416,933 @@
           </a:bodyPr>
           <a:lstStyle/>
           <a:p>
+            <a:endParaRPr lang="en-US" dirty="0" smtClean="0"/>
+          </a:p>
+          <a:p>
+            <a:r>
+              <a:rPr lang="en-US" dirty="0" smtClean="0"/>
+              <a:t>Base test case </a:t>
+            </a:r>
+            <a:endParaRPr lang="it-IT" dirty="0" smtClean="0"/>
+          </a:p>
+          <a:p>
+            <a:endParaRPr lang="it-IT" dirty="0" smtClean="0"/>
+          </a:p>
+          <a:p>
+            <a:endParaRPr lang="en-US" dirty="0" smtClean="0"/>
+          </a:p>
+          <a:p>
+            <a:r>
+              <a:rPr lang="en-US" dirty="0" smtClean="0"/>
+              <a:t>Load test case: Real Time Prepaid System</a:t>
+            </a:r>
+          </a:p>
+          <a:p>
+            <a:endParaRPr lang="en-US" dirty="0" smtClean="0"/>
+          </a:p>
+          <a:p>
+            <a:endParaRPr lang="en-US" dirty="0" smtClean="0"/>
+          </a:p>
+          <a:p>
+            <a:pPr>
+              <a:buNone/>
+            </a:pPr>
+            <a:r>
+              <a:rPr lang="it-IT" dirty="0" smtClean="0"/>
+              <a:t> </a:t>
+            </a:r>
+          </a:p>
+          <a:p>
+            <a:pPr>
+              <a:buNone/>
+            </a:pPr>
+            <a:r>
+              <a:rPr lang="it-IT" dirty="0" smtClean="0"/>
+              <a:t> </a:t>
+            </a:r>
+            <a:endParaRPr lang="en-US" dirty="0" smtClean="0"/>
+          </a:p>
+        </p:txBody>
+      </p:sp>
+      <p:sp>
+        <p:nvSpPr>
+          <p:cNvPr id="16" name="Parentesi graffa chiusa 15"/>
+          <p:cNvSpPr/>
+          <p:nvPr/>
+        </p:nvSpPr>
+        <p:spPr>
+          <a:xfrm rot="16200000">
+            <a:off x="3893339" y="1607331"/>
+            <a:ext cx="857256" cy="6786610"/>
+          </a:xfrm>
+          <a:prstGeom prst="rightBrace">
+            <a:avLst>
+              <a:gd name="adj1" fmla="val 90554"/>
+              <a:gd name="adj2" fmla="val 49813"/>
+            </a:avLst>
+          </a:prstGeom>
+          <a:ln w="38100"/>
+        </p:spPr>
+        <p:style>
+          <a:lnRef idx="1">
+            <a:schemeClr val="accent1"/>
+          </a:lnRef>
+          <a:fillRef idx="0">
+            <a:schemeClr val="accent1"/>
+          </a:fillRef>
+          <a:effectRef idx="0">
+            <a:schemeClr val="accent1"/>
+          </a:effectRef>
+          <a:fontRef idx="minor">
+            <a:schemeClr val="tx1"/>
+          </a:fontRef>
+        </p:style>
+        <p:txBody>
+          <a:bodyPr rtlCol="0" anchor="ctr"/>
+          <a:lstStyle/>
+          <a:p>
+            <a:pPr algn="ctr"/>
+            <a:endParaRPr lang="it-IT" dirty="0"/>
+          </a:p>
+        </p:txBody>
+      </p:sp>
+      <p:sp>
+        <p:nvSpPr>
+          <p:cNvPr id="17" name="Elaborazione predefinita 16"/>
+          <p:cNvSpPr/>
+          <p:nvPr/>
+        </p:nvSpPr>
+        <p:spPr>
+          <a:xfrm>
+            <a:off x="428596" y="5500702"/>
+            <a:ext cx="1785950" cy="785818"/>
+          </a:xfrm>
+          <a:prstGeom prst="flowChartPredefinedProcess">
+            <a:avLst/>
+          </a:prstGeom>
+          <a:solidFill>
+            <a:schemeClr val="bg1"/>
+          </a:solidFill>
+          <a:ln>
+            <a:solidFill>
+              <a:schemeClr val="tx1"/>
+            </a:solidFill>
+          </a:ln>
+        </p:spPr>
+        <p:style>
+          <a:lnRef idx="1">
+            <a:schemeClr val="accent1"/>
+          </a:lnRef>
+          <a:fillRef idx="2">
+            <a:schemeClr val="accent1"/>
+          </a:fillRef>
+          <a:effectRef idx="1">
+            <a:schemeClr val="accent1"/>
+          </a:effectRef>
+          <a:fontRef idx="minor">
+            <a:schemeClr val="dk1"/>
+          </a:fontRef>
+        </p:style>
+        <p:txBody>
+          <a:bodyPr rtlCol="0" anchor="ctr"/>
+          <a:lstStyle/>
+          <a:p>
+            <a:pPr algn="ctr"/>
+            <a:r>
+              <a:rPr lang="en-US" sz="2200" dirty="0" smtClean="0"/>
+              <a:t>Balance</a:t>
+            </a:r>
+            <a:r>
+              <a:rPr lang="it-IT" sz="2200" dirty="0" smtClean="0"/>
+              <a:t> </a:t>
+            </a:r>
+            <a:r>
+              <a:rPr lang="en-US" sz="2200" dirty="0" smtClean="0"/>
+              <a:t>check</a:t>
+            </a:r>
+            <a:endParaRPr lang="en-US" sz="2200" dirty="0"/>
+          </a:p>
+        </p:txBody>
+      </p:sp>
+      <p:sp>
+        <p:nvSpPr>
+          <p:cNvPr id="18" name="Elaborazione predefinita 17"/>
+          <p:cNvSpPr/>
+          <p:nvPr/>
+        </p:nvSpPr>
+        <p:spPr>
+          <a:xfrm>
+            <a:off x="2571736" y="5500702"/>
+            <a:ext cx="3571900" cy="785818"/>
+          </a:xfrm>
+          <a:prstGeom prst="flowChartPredefinedProcess">
+            <a:avLst/>
+          </a:prstGeom>
+          <a:solidFill>
+            <a:schemeClr val="bg1"/>
+          </a:solidFill>
+          <a:ln>
+            <a:solidFill>
+              <a:schemeClr val="tx1"/>
+            </a:solidFill>
+          </a:ln>
+        </p:spPr>
+        <p:style>
+          <a:lnRef idx="1">
+            <a:schemeClr val="accent1"/>
+          </a:lnRef>
+          <a:fillRef idx="2">
+            <a:schemeClr val="accent1"/>
+          </a:fillRef>
+          <a:effectRef idx="1">
+            <a:schemeClr val="accent1"/>
+          </a:effectRef>
+          <a:fontRef idx="minor">
+            <a:schemeClr val="dk1"/>
+          </a:fontRef>
+        </p:style>
+        <p:txBody>
+          <a:bodyPr rtlCol="0" anchor="ctr"/>
+          <a:lstStyle/>
+          <a:p>
+            <a:pPr algn="ctr"/>
+            <a:r>
+              <a:rPr lang="en-US" sz="2200" dirty="0" smtClean="0"/>
+              <a:t>Service authorization and management</a:t>
+            </a:r>
+            <a:endParaRPr lang="en-US" sz="2200" dirty="0"/>
+          </a:p>
+        </p:txBody>
+      </p:sp>
+      <p:sp>
+        <p:nvSpPr>
+          <p:cNvPr id="19" name="Elaborazione predefinita 18"/>
+          <p:cNvSpPr/>
+          <p:nvPr/>
+        </p:nvSpPr>
+        <p:spPr>
+          <a:xfrm>
+            <a:off x="6500826" y="5500702"/>
+            <a:ext cx="2357454" cy="785818"/>
+          </a:xfrm>
+          <a:prstGeom prst="flowChartPredefinedProcess">
+            <a:avLst/>
+          </a:prstGeom>
+          <a:solidFill>
+            <a:schemeClr val="bg1"/>
+          </a:solidFill>
+          <a:ln>
+            <a:solidFill>
+              <a:schemeClr val="tx1"/>
+            </a:solidFill>
+          </a:ln>
+        </p:spPr>
+        <p:style>
+          <a:lnRef idx="1">
+            <a:schemeClr val="accent1"/>
+          </a:lnRef>
+          <a:fillRef idx="2">
+            <a:schemeClr val="accent1"/>
+          </a:fillRef>
+          <a:effectRef idx="1">
+            <a:schemeClr val="accent1"/>
+          </a:effectRef>
+          <a:fontRef idx="minor">
+            <a:schemeClr val="dk1"/>
+          </a:fontRef>
+        </p:style>
+        <p:txBody>
+          <a:bodyPr rtlCol="0" anchor="ctr"/>
+          <a:lstStyle/>
+          <a:p>
+            <a:pPr algn="ctr"/>
+            <a:r>
+              <a:rPr lang="en-US" sz="2200" dirty="0" smtClean="0"/>
+              <a:t>Accounts management</a:t>
+            </a:r>
+            <a:endParaRPr lang="en-US" sz="2200" dirty="0"/>
+          </a:p>
+        </p:txBody>
+      </p:sp>
+      <p:sp>
+        <p:nvSpPr>
+          <p:cNvPr id="9" name="Parentesi graffa aperta 8"/>
+          <p:cNvSpPr/>
+          <p:nvPr/>
+        </p:nvSpPr>
+        <p:spPr>
+          <a:xfrm>
+            <a:off x="3500430" y="2071678"/>
+            <a:ext cx="441200" cy="1158540"/>
+          </a:xfrm>
+          <a:prstGeom prst="leftBrace">
+            <a:avLst/>
+          </a:prstGeom>
+          <a:ln w="38100"/>
+        </p:spPr>
+        <p:style>
+          <a:lnRef idx="1">
+            <a:schemeClr val="accent1"/>
+          </a:lnRef>
+          <a:fillRef idx="0">
+            <a:schemeClr val="accent1"/>
+          </a:fillRef>
+          <a:effectRef idx="0">
+            <a:schemeClr val="accent1"/>
+          </a:effectRef>
+          <a:fontRef idx="minor">
+            <a:schemeClr val="tx1"/>
+          </a:fontRef>
+        </p:style>
+        <p:txBody>
+          <a:bodyPr rtlCol="0" anchor="ctr"/>
+          <a:lstStyle/>
+          <a:p>
+            <a:pPr algn="ctr"/>
+            <a:endParaRPr lang="it-IT"/>
+          </a:p>
+        </p:txBody>
+      </p:sp>
+      <p:sp>
+        <p:nvSpPr>
+          <p:cNvPr id="10" name="CasellaDiTesto 9"/>
+          <p:cNvSpPr txBox="1"/>
+          <p:nvPr/>
+        </p:nvSpPr>
+        <p:spPr>
+          <a:xfrm>
+            <a:off x="3929058" y="2000240"/>
+            <a:ext cx="4714908" cy="1292662"/>
+          </a:xfrm>
+          <a:prstGeom prst="rect">
+            <a:avLst/>
+          </a:prstGeom>
+          <a:noFill/>
+        </p:spPr>
+        <p:txBody>
+          <a:bodyPr wrap="square" rtlCol="0">
+            <a:spAutoFit/>
+          </a:bodyPr>
+          <a:lstStyle/>
+          <a:p>
+            <a:pPr>
+              <a:buFont typeface="Arial" pitchFamily="34" charset="0"/>
+              <a:buChar char="•"/>
+            </a:pPr>
+            <a:r>
+              <a:rPr lang="it-IT" sz="2600" dirty="0" smtClean="0"/>
+              <a:t> </a:t>
+            </a:r>
+            <a:r>
+              <a:rPr lang="it-IT" sz="2600" dirty="0" err="1" smtClean="0"/>
+              <a:t>different</a:t>
+            </a:r>
+            <a:r>
+              <a:rPr lang="it-IT" sz="2600" dirty="0" smtClean="0"/>
+              <a:t> </a:t>
+            </a:r>
+            <a:r>
+              <a:rPr lang="it-IT" sz="2600" dirty="0" err="1" smtClean="0"/>
+              <a:t>kind</a:t>
+            </a:r>
+            <a:r>
+              <a:rPr lang="it-IT" sz="2600" dirty="0" smtClean="0"/>
+              <a:t> </a:t>
+            </a:r>
+            <a:r>
+              <a:rPr lang="it-IT" sz="2600" dirty="0" err="1" smtClean="0"/>
+              <a:t>of</a:t>
+            </a:r>
+            <a:r>
+              <a:rPr lang="it-IT" sz="2600" dirty="0" smtClean="0"/>
+              <a:t> </a:t>
+            </a:r>
+            <a:r>
+              <a:rPr lang="it-IT" sz="2600" dirty="0" err="1" smtClean="0"/>
+              <a:t>objects</a:t>
+            </a:r>
+            <a:endParaRPr lang="it-IT" sz="2600" dirty="0" smtClean="0"/>
+          </a:p>
+          <a:p>
+            <a:pPr>
+              <a:buFont typeface="Arial" pitchFamily="34" charset="0"/>
+              <a:buChar char="•"/>
+            </a:pPr>
+            <a:r>
+              <a:rPr lang="it-IT" sz="2600" dirty="0" smtClean="0"/>
+              <a:t> single task</a:t>
+            </a:r>
+          </a:p>
+          <a:p>
+            <a:pPr>
+              <a:buFont typeface="Arial" pitchFamily="34" charset="0"/>
+              <a:buChar char="•"/>
+            </a:pPr>
+            <a:r>
+              <a:rPr lang="it-IT" sz="2600" dirty="0" smtClean="0"/>
+              <a:t> </a:t>
+            </a:r>
+            <a:r>
+              <a:rPr lang="it-IT" sz="2600" dirty="0" err="1" smtClean="0"/>
+              <a:t>fixed</a:t>
+            </a:r>
+            <a:r>
+              <a:rPr lang="it-IT" sz="2600" dirty="0" smtClean="0"/>
+              <a:t> </a:t>
+            </a:r>
+            <a:r>
+              <a:rPr lang="it-IT" sz="2600" dirty="0" err="1" smtClean="0"/>
+              <a:t>number</a:t>
+            </a:r>
+            <a:r>
+              <a:rPr lang="it-IT" sz="2600" dirty="0" smtClean="0"/>
+              <a:t> </a:t>
+            </a:r>
+            <a:r>
+              <a:rPr lang="it-IT" sz="2600" dirty="0" err="1" smtClean="0"/>
+              <a:t>of</a:t>
+            </a:r>
+            <a:r>
+              <a:rPr lang="it-IT" sz="2600" dirty="0" smtClean="0"/>
+              <a:t> </a:t>
+            </a:r>
+            <a:r>
+              <a:rPr lang="it-IT" sz="2600" dirty="0" err="1" smtClean="0"/>
+              <a:t>transactions</a:t>
+            </a:r>
+            <a:endParaRPr lang="it-IT" sz="2600" dirty="0" smtClean="0"/>
+          </a:p>
+        </p:txBody>
+      </p:sp>
+    </p:spTree>
+  </p:cSld>
+  <p:clrMapOvr>
+    <a:masterClrMapping/>
+  </p:clrMapOvr>
+  <p:transition>
+    <p:fade/>
+  </p:transition>
+  <p:timing>
+    <p:tnLst>
+      <p:par>
+        <p:cTn id="1" dur="indefinite" restart="never" nodeType="tmRoot">
+          <p:childTnLst>
+            <p:seq concurrent="1" nextAc="seek">
+              <p:cTn id="2" dur="indefinite" nodeType="mainSeq">
+                <p:childTnLst>
+                  <p:par>
+                    <p:cTn id="3" fill="hold">
+                      <p:stCondLst>
+                        <p:cond delay="indefinite"/>
+                      </p:stCondLst>
+                      <p:childTnLst>
+                        <p:par>
+                          <p:cTn id="4" fill="hold">
+                            <p:stCondLst>
+                              <p:cond delay="0"/>
+                            </p:stCondLst>
+                            <p:childTnLst>
+                              <p:par>
+                                <p:cTn id="5" presetID="10" presetClass="entr" presetSubtype="0" fill="hold" nodeType="clickEffect">
+                                  <p:stCondLst>
+                                    <p:cond delay="0"/>
+                                  </p:stCondLst>
+                                  <p:childTnLst>
+                                    <p:set>
+                                      <p:cBhvr>
+                                        <p:cTn id="6" dur="1" fill="hold">
+                                          <p:stCondLst>
+                                            <p:cond delay="0"/>
+                                          </p:stCondLst>
+                                        </p:cTn>
+                                        <p:tgtEl>
+                                          <p:spTgt spid="6">
+                                            <p:txEl>
+                                              <p:pRg st="1" end="1"/>
+                                            </p:txEl>
+                                          </p:spTgt>
+                                        </p:tgtEl>
+                                        <p:attrNameLst>
+                                          <p:attrName>style.visibility</p:attrName>
+                                        </p:attrNameLst>
+                                      </p:cBhvr>
+                                      <p:to>
+                                        <p:strVal val="visible"/>
+                                      </p:to>
+                                    </p:set>
+                                    <p:animEffect transition="in" filter="fade">
+                                      <p:cBhvr>
+                                        <p:cTn id="7" dur="1000"/>
+                                        <p:tgtEl>
+                                          <p:spTgt spid="6">
+                                            <p:txEl>
+                                              <p:pRg st="1" end="1"/>
+                                            </p:txEl>
+                                          </p:spTgt>
+                                        </p:tgtEl>
+                                      </p:cBhvr>
+                                    </p:animEffect>
+                                  </p:childTnLst>
+                                </p:cTn>
+                              </p:par>
+                            </p:childTnLst>
+                          </p:cTn>
+                        </p:par>
+                      </p:childTnLst>
+                    </p:cTn>
+                  </p:par>
+                  <p:par>
+                    <p:cTn id="8" fill="hold">
+                      <p:stCondLst>
+                        <p:cond delay="indefinite"/>
+                      </p:stCondLst>
+                      <p:childTnLst>
+                        <p:par>
+                          <p:cTn id="9" fill="hold">
+                            <p:stCondLst>
+                              <p:cond delay="0"/>
+                            </p:stCondLst>
+                            <p:childTnLst>
+                              <p:par>
+                                <p:cTn id="10" presetID="10" presetClass="entr" presetSubtype="0" fill="hold" grpId="0" nodeType="clickEffect">
+                                  <p:stCondLst>
+                                    <p:cond delay="0"/>
+                                  </p:stCondLst>
+                                  <p:childTnLst>
+                                    <p:set>
+                                      <p:cBhvr>
+                                        <p:cTn id="11" dur="1" fill="hold">
+                                          <p:stCondLst>
+                                            <p:cond delay="0"/>
+                                          </p:stCondLst>
+                                        </p:cTn>
+                                        <p:tgtEl>
+                                          <p:spTgt spid="9"/>
+                                        </p:tgtEl>
+                                        <p:attrNameLst>
+                                          <p:attrName>style.visibility</p:attrName>
+                                        </p:attrNameLst>
+                                      </p:cBhvr>
+                                      <p:to>
+                                        <p:strVal val="visible"/>
+                                      </p:to>
+                                    </p:set>
+                                    <p:animEffect transition="in" filter="fade">
+                                      <p:cBhvr>
+                                        <p:cTn id="12" dur="1000"/>
+                                        <p:tgtEl>
+                                          <p:spTgt spid="9"/>
+                                        </p:tgtEl>
+                                      </p:cBhvr>
+                                    </p:animEffect>
+                                  </p:childTnLst>
+                                </p:cTn>
+                              </p:par>
+                              <p:par>
+                                <p:cTn id="13" presetID="10" presetClass="entr" presetSubtype="0" fill="hold" grpId="0" nodeType="withEffect">
+                                  <p:stCondLst>
+                                    <p:cond delay="0"/>
+                                  </p:stCondLst>
+                                  <p:childTnLst>
+                                    <p:set>
+                                      <p:cBhvr>
+                                        <p:cTn id="14" dur="1" fill="hold">
+                                          <p:stCondLst>
+                                            <p:cond delay="0"/>
+                                          </p:stCondLst>
+                                        </p:cTn>
+                                        <p:tgtEl>
+                                          <p:spTgt spid="10"/>
+                                        </p:tgtEl>
+                                        <p:attrNameLst>
+                                          <p:attrName>style.visibility</p:attrName>
+                                        </p:attrNameLst>
+                                      </p:cBhvr>
+                                      <p:to>
+                                        <p:strVal val="visible"/>
+                                      </p:to>
+                                    </p:set>
+                                    <p:animEffect transition="in" filter="fade">
+                                      <p:cBhvr>
+                                        <p:cTn id="15" dur="1000"/>
+                                        <p:tgtEl>
+                                          <p:spTgt spid="10"/>
+                                        </p:tgtEl>
+                                      </p:cBhvr>
+                                    </p:animEffect>
+                                  </p:childTnLst>
+                                </p:cTn>
+                              </p:par>
+                            </p:childTnLst>
+                          </p:cTn>
+                        </p:par>
+                      </p:childTnLst>
+                    </p:cTn>
+                  </p:par>
+                  <p:par>
+                    <p:cTn id="16" fill="hold">
+                      <p:stCondLst>
+                        <p:cond delay="indefinite"/>
+                      </p:stCondLst>
+                      <p:childTnLst>
+                        <p:par>
+                          <p:cTn id="17" fill="hold">
+                            <p:stCondLst>
+                              <p:cond delay="0"/>
+                            </p:stCondLst>
+                            <p:childTnLst>
+                              <p:par>
+                                <p:cTn id="18" presetID="10" presetClass="entr" presetSubtype="0" fill="hold" nodeType="clickEffect">
+                                  <p:stCondLst>
+                                    <p:cond delay="0"/>
+                                  </p:stCondLst>
+                                  <p:childTnLst>
+                                    <p:set>
+                                      <p:cBhvr>
+                                        <p:cTn id="19" dur="1" fill="hold">
+                                          <p:stCondLst>
+                                            <p:cond delay="0"/>
+                                          </p:stCondLst>
+                                        </p:cTn>
+                                        <p:tgtEl>
+                                          <p:spTgt spid="6">
+                                            <p:txEl>
+                                              <p:pRg st="4" end="4"/>
+                                            </p:txEl>
+                                          </p:spTgt>
+                                        </p:tgtEl>
+                                        <p:attrNameLst>
+                                          <p:attrName>style.visibility</p:attrName>
+                                        </p:attrNameLst>
+                                      </p:cBhvr>
+                                      <p:to>
+                                        <p:strVal val="visible"/>
+                                      </p:to>
+                                    </p:set>
+                                    <p:animEffect transition="in" filter="fade">
+                                      <p:cBhvr>
+                                        <p:cTn id="20" dur="2000"/>
+                                        <p:tgtEl>
+                                          <p:spTgt spid="6">
+                                            <p:txEl>
+                                              <p:pRg st="4" end="4"/>
+                                            </p:txEl>
+                                          </p:spTgt>
+                                        </p:tgtEl>
+                                      </p:cBhvr>
+                                    </p:animEffect>
+                                  </p:childTnLst>
+                                </p:cTn>
+                              </p:par>
+                            </p:childTnLst>
+                          </p:cTn>
+                        </p:par>
+                      </p:childTnLst>
+                    </p:cTn>
+                  </p:par>
+                  <p:par>
+                    <p:cTn id="21" fill="hold">
+                      <p:stCondLst>
+                        <p:cond delay="indefinite"/>
+                      </p:stCondLst>
+                      <p:childTnLst>
+                        <p:par>
+                          <p:cTn id="22" fill="hold">
+                            <p:stCondLst>
+                              <p:cond delay="0"/>
+                            </p:stCondLst>
+                            <p:childTnLst>
+                              <p:par>
+                                <p:cTn id="23" presetID="10" presetClass="entr" presetSubtype="0" fill="hold" grpId="0" nodeType="clickEffect">
+                                  <p:stCondLst>
+                                    <p:cond delay="0"/>
+                                  </p:stCondLst>
+                                  <p:childTnLst>
+                                    <p:set>
+                                      <p:cBhvr>
+                                        <p:cTn id="24" dur="1" fill="hold">
+                                          <p:stCondLst>
+                                            <p:cond delay="0"/>
+                                          </p:stCondLst>
+                                        </p:cTn>
+                                        <p:tgtEl>
+                                          <p:spTgt spid="16"/>
+                                        </p:tgtEl>
+                                        <p:attrNameLst>
+                                          <p:attrName>style.visibility</p:attrName>
+                                        </p:attrNameLst>
+                                      </p:cBhvr>
+                                      <p:to>
+                                        <p:strVal val="visible"/>
+                                      </p:to>
+                                    </p:set>
+                                    <p:animEffect transition="in" filter="fade">
+                                      <p:cBhvr>
+                                        <p:cTn id="25" dur="1000"/>
+                                        <p:tgtEl>
+                                          <p:spTgt spid="16"/>
+                                        </p:tgtEl>
+                                      </p:cBhvr>
+                                    </p:animEffect>
+                                  </p:childTnLst>
+                                </p:cTn>
+                              </p:par>
+                              <p:par>
+                                <p:cTn id="26" presetID="10" presetClass="entr" presetSubtype="0" fill="hold" grpId="0" nodeType="withEffect">
+                                  <p:stCondLst>
+                                    <p:cond delay="0"/>
+                                  </p:stCondLst>
+                                  <p:childTnLst>
+                                    <p:set>
+                                      <p:cBhvr>
+                                        <p:cTn id="27" dur="1" fill="hold">
+                                          <p:stCondLst>
+                                            <p:cond delay="0"/>
+                                          </p:stCondLst>
+                                        </p:cTn>
+                                        <p:tgtEl>
+                                          <p:spTgt spid="19"/>
+                                        </p:tgtEl>
+                                        <p:attrNameLst>
+                                          <p:attrName>style.visibility</p:attrName>
+                                        </p:attrNameLst>
+                                      </p:cBhvr>
+                                      <p:to>
+                                        <p:strVal val="visible"/>
+                                      </p:to>
+                                    </p:set>
+                                    <p:animEffect transition="in" filter="fade">
+                                      <p:cBhvr>
+                                        <p:cTn id="28" dur="1000"/>
+                                        <p:tgtEl>
+                                          <p:spTgt spid="19"/>
+                                        </p:tgtEl>
+                                      </p:cBhvr>
+                                    </p:animEffect>
+                                  </p:childTnLst>
+                                </p:cTn>
+                              </p:par>
+                              <p:par>
+                                <p:cTn id="29" presetID="10" presetClass="entr" presetSubtype="0" fill="hold" grpId="0" nodeType="withEffect">
+                                  <p:stCondLst>
+                                    <p:cond delay="0"/>
+                                  </p:stCondLst>
+                                  <p:childTnLst>
+                                    <p:set>
+                                      <p:cBhvr>
+                                        <p:cTn id="30" dur="1" fill="hold">
+                                          <p:stCondLst>
+                                            <p:cond delay="0"/>
+                                          </p:stCondLst>
+                                        </p:cTn>
+                                        <p:tgtEl>
+                                          <p:spTgt spid="18"/>
+                                        </p:tgtEl>
+                                        <p:attrNameLst>
+                                          <p:attrName>style.visibility</p:attrName>
+                                        </p:attrNameLst>
+                                      </p:cBhvr>
+                                      <p:to>
+                                        <p:strVal val="visible"/>
+                                      </p:to>
+                                    </p:set>
+                                    <p:animEffect transition="in" filter="fade">
+                                      <p:cBhvr>
+                                        <p:cTn id="31" dur="1000"/>
+                                        <p:tgtEl>
+                                          <p:spTgt spid="18"/>
+                                        </p:tgtEl>
+                                      </p:cBhvr>
+                                    </p:animEffect>
+                                  </p:childTnLst>
+                                </p:cTn>
+                              </p:par>
+                              <p:par>
+                                <p:cTn id="32" presetID="10" presetClass="entr" presetSubtype="0" fill="hold" grpId="0" nodeType="withEffect">
+                                  <p:stCondLst>
+                                    <p:cond delay="0"/>
+                                  </p:stCondLst>
+                                  <p:childTnLst>
+                                    <p:set>
+                                      <p:cBhvr>
+                                        <p:cTn id="33" dur="1" fill="hold">
+                                          <p:stCondLst>
+                                            <p:cond delay="0"/>
+                                          </p:stCondLst>
+                                        </p:cTn>
+                                        <p:tgtEl>
+                                          <p:spTgt spid="17"/>
+                                        </p:tgtEl>
+                                        <p:attrNameLst>
+                                          <p:attrName>style.visibility</p:attrName>
+                                        </p:attrNameLst>
+                                      </p:cBhvr>
+                                      <p:to>
+                                        <p:strVal val="visible"/>
+                                      </p:to>
+                                    </p:set>
+                                    <p:animEffect transition="in" filter="fade">
+                                      <p:cBhvr>
+                                        <p:cTn id="34" dur="1000"/>
+                                        <p:tgtEl>
+                                          <p:spTgt spid="17"/>
+                                        </p:tgtEl>
+                                      </p:cBhvr>
+                                    </p:animEffect>
+                                  </p:childTnLst>
+                                </p:cTn>
+                              </p:par>
+                            </p:childTnLst>
+                          </p:cTn>
+                        </p:par>
+                      </p:childTnLst>
+                    </p:cTn>
+                  </p:par>
+                </p:childTnLst>
+              </p:cTn>
+              <p:prevCondLst>
+                <p:cond evt="onPrev" delay="0">
+                  <p:tgtEl>
+                    <p:sldTgt/>
+                  </p:tgtEl>
+                </p:cond>
+              </p:prevCondLst>
+              <p:nextCondLst>
+                <p:cond evt="onNext" delay="0">
+                  <p:tgtEl>
+                    <p:sldTgt/>
+                  </p:tgtEl>
+                </p:cond>
+              </p:nextCondLst>
+            </p:seq>
+          </p:childTnLst>
+        </p:cTn>
+      </p:par>
+    </p:tnLst>
+    <p:bldLst>
+      <p:bldP spid="16" grpId="0" animBg="1"/>
+      <p:bldP spid="17" grpId="0" animBg="1"/>
+      <p:bldP spid="18" grpId="0" animBg="1"/>
+      <p:bldP spid="19" grpId="0" animBg="1"/>
+      <p:bldP spid="9" grpId="0" animBg="1"/>
+      <p:bldP spid="10" grpId="0"/>
+    </p:bldLst>
+  </p:timing>
+</p:sld>
+</file>
+
+<file path=ppt/slides/slide3.xml><?xml version="1.0" encoding="utf-8"?>
+<p:sld xmlns:a="http://schemas.openxmlformats.org/drawingml/2006/main" xmlns:r="http://schemas.openxmlformats.org/officeDocument/2006/relationships" xmlns:p="http://schemas.openxmlformats.org/presentationml/2006/main">
+  <p:cSld>
+    <p:spTree>
+      <p:nvGrpSpPr>
+        <p:cNvPr id="1" name=""/>
+        <p:cNvGrpSpPr/>
+        <p:nvPr/>
+      </p:nvGrpSpPr>
+      <p:grpSpPr>
+        <a:xfrm>
+          <a:off x="0" y="0"/>
+          <a:ext cx="0" cy="0"/>
+          <a:chOff x="0" y="0"/>
+          <a:chExt cx="0" cy="0"/>
+        </a:xfrm>
+      </p:grpSpPr>
+      <p:sp>
+        <p:nvSpPr>
+          <p:cNvPr id="2" name="Titolo 1"/>
+          <p:cNvSpPr>
+            <a:spLocks noGrp="1"/>
+          </p:cNvSpPr>
+          <p:nvPr>
+            <p:ph type="title"/>
+          </p:nvPr>
+        </p:nvSpPr>
+        <p:spPr>
+          <a:xfrm>
+            <a:off x="285720" y="155448"/>
+            <a:ext cx="6500858" cy="1252728"/>
+          </a:xfrm>
+        </p:spPr>
+        <p:txBody>
+          <a:bodyPr>
+            <a:normAutofit fontScale="90000"/>
+          </a:bodyPr>
+          <a:lstStyle/>
+          <a:p>
+            <a:r>
+              <a:rPr lang="en-US" dirty="0" smtClean="0">
+                <a:solidFill>
+                  <a:srgbClr val="FFC000"/>
+                </a:solidFill>
+              </a:rPr>
+              <a:t>IMDB: Application Scenarios</a:t>
+            </a:r>
+            <a:endParaRPr lang="en-US" dirty="0">
+              <a:solidFill>
+                <a:srgbClr val="FFC000"/>
+              </a:solidFill>
+            </a:endParaRPr>
+          </a:p>
+        </p:txBody>
+      </p:sp>
+      <p:pic>
+        <p:nvPicPr>
+          <p:cNvPr id="4" name="Picture 4" descr="C:\Users\error0\Desktop\logoRoma32.gif"/>
+          <p:cNvPicPr>
+            <a:picLocks noChangeAspect="1" noChangeArrowheads="1"/>
+          </p:cNvPicPr>
+          <p:nvPr/>
+        </p:nvPicPr>
+        <p:blipFill>
+          <a:blip r:embed="rId2">
+            <a:duotone>
+              <a:schemeClr val="accent1">
+                <a:shade val="45000"/>
+                <a:satMod val="135000"/>
+              </a:schemeClr>
+              <a:prstClr val="white"/>
+            </a:duotone>
+            <a:lum bright="20000"/>
+          </a:blip>
+          <a:srcRect/>
+          <a:stretch>
+            <a:fillRect/>
+          </a:stretch>
+        </p:blipFill>
+        <p:spPr bwMode="auto">
+          <a:xfrm>
+            <a:off x="6858016" y="153964"/>
+            <a:ext cx="2214578" cy="1131896"/>
+          </a:xfrm>
+          <a:prstGeom prst="rect">
+            <a:avLst/>
+          </a:prstGeom>
+          <a:noFill/>
+        </p:spPr>
+      </p:pic>
+      <p:sp>
+        <p:nvSpPr>
+          <p:cNvPr id="6" name="Segnaposto contenuto 5"/>
+          <p:cNvSpPr>
+            <a:spLocks noGrp="1"/>
+          </p:cNvSpPr>
+          <p:nvPr>
+            <p:ph idx="1"/>
+          </p:nvPr>
+        </p:nvSpPr>
+        <p:spPr>
+          <a:xfrm>
+            <a:off x="457200" y="1775191"/>
+            <a:ext cx="8043890" cy="4625609"/>
+          </a:xfrm>
+        </p:spPr>
+        <p:txBody>
+          <a:bodyPr>
+            <a:normAutofit/>
+          </a:bodyPr>
+          <a:lstStyle/>
+          <a:p>
             <a:r>
               <a:rPr lang="en-US" dirty="0" smtClean="0"/>
               <a:t>Real time applications with no durability needs (e.g.: router)</a:t>
@@ -13799,27 +15367,7 @@
           <a:p>
             <a:r>
               <a:rPr lang="en-US" dirty="0" smtClean="0"/>
-              <a:t>Traditional applications during the </a:t>
-            </a:r>
-            <a:r>
-              <a:rPr lang="en-US" dirty="0" smtClean="0"/>
-              <a:t>development </a:t>
-            </a:r>
-            <a:r>
-              <a:rPr lang="en-US" dirty="0" smtClean="0"/>
-              <a:t>and </a:t>
-            </a:r>
-            <a:r>
-              <a:rPr lang="en-US" dirty="0" smtClean="0"/>
-              <a:t>testing</a:t>
-            </a:r>
-            <a:r>
-              <a:rPr lang="en-US" dirty="0" smtClean="0"/>
-              <a:t> </a:t>
-            </a:r>
-            <a:r>
-              <a:rPr lang="en-US" dirty="0" smtClean="0"/>
-              <a:t>phase</a:t>
+              <a:t>Traditional applications during the development and testing phase</a:t>
             </a:r>
             <a:endParaRPr lang="en-US" dirty="0"/>
           </a:p>
@@ -14158,24 +15706,25 @@
           <a:p>
             <a:r>
               <a:rPr lang="en-US" dirty="0" smtClean="0"/>
-              <a:t>IMDB vs. Traditional DBMS</a:t>
-            </a:r>
-          </a:p>
-          <a:p>
+              <a:t>IMDBs </a:t>
+            </a:r>
+            <a:r>
+              <a:rPr lang="en-US" dirty="0" smtClean="0"/>
+              <a:t>vs. Traditional </a:t>
+            </a:r>
+            <a:r>
+              <a:rPr lang="en-US" dirty="0" smtClean="0"/>
+              <a:t>DBMSs</a:t>
+            </a:r>
             <a:endParaRPr lang="en-US" dirty="0" smtClean="0"/>
           </a:p>
           <a:p>
+            <a:endParaRPr lang="en-US" dirty="0" smtClean="0"/>
+          </a:p>
+          <a:p>
             <a:r>
               <a:rPr lang="en-US" dirty="0" smtClean="0"/>
-              <a:t>Databases</a:t>
-            </a:r>
-            <a:r>
-              <a:rPr lang="en-US" dirty="0" smtClean="0"/>
-              <a:t>’ Performance </a:t>
-            </a:r>
-            <a:r>
-              <a:rPr lang="en-US" dirty="0" smtClean="0"/>
-              <a:t>Analysis</a:t>
+              <a:t>Databases’ Performance Analysis</a:t>
             </a:r>
           </a:p>
           <a:p>
@@ -14186,19 +15735,14 @@
               <a:rPr lang="en-US" dirty="0" smtClean="0"/>
               <a:t>Real Time Prepaid System Load Test Case</a:t>
             </a:r>
+          </a:p>
+          <a:p>
             <a:endParaRPr lang="en-US" dirty="0" smtClean="0"/>
           </a:p>
           <a:p>
-            <a:endParaRPr lang="en-US" dirty="0" smtClean="0"/>
-          </a:p>
-          <a:p>
             <a:r>
               <a:rPr lang="en-US" dirty="0" smtClean="0"/>
-              <a:t>Results’ </a:t>
-            </a:r>
-            <a:r>
-              <a:rPr lang="en-US" dirty="0" smtClean="0"/>
-              <a:t>Analysis</a:t>
+              <a:t>Results’ Analysis</a:t>
             </a:r>
           </a:p>
           <a:p>
@@ -17071,14 +18615,14 @@
             <a:pPr lvl="1"/>
             <a:r>
               <a:rPr lang="en-US" dirty="0" smtClean="0"/>
-              <a:t>Test scenario</a:t>
+              <a:t>Application scenario</a:t>
             </a:r>
           </a:p>
           <a:p>
             <a:pPr lvl="1"/>
             <a:r>
               <a:rPr lang="en-US" dirty="0" smtClean="0"/>
-              <a:t>Test implementation</a:t>
+              <a:t>Implementation</a:t>
             </a:r>
           </a:p>
           <a:p>
@@ -17094,15 +18638,7 @@
             <a:pPr lvl="1"/>
             <a:r>
               <a:rPr lang="it-IT" dirty="0" smtClean="0"/>
-              <a:t>Base </a:t>
-            </a:r>
-            <a:r>
-              <a:rPr lang="it-IT" dirty="0" smtClean="0"/>
-              <a:t>test </a:t>
-            </a:r>
-            <a:r>
-              <a:rPr lang="it-IT" dirty="0" smtClean="0"/>
-              <a:t>case</a:t>
+              <a:t>Base test case</a:t>
             </a:r>
             <a:endParaRPr lang="en-US" dirty="0" smtClean="0"/>
           </a:p>
@@ -17110,17 +18646,8 @@
             <a:pPr lvl="1"/>
             <a:r>
               <a:rPr lang="en-US" dirty="0" smtClean="0"/>
-              <a:t>Load </a:t>
-            </a:r>
-            <a:r>
-              <a:rPr lang="en-US" dirty="0" smtClean="0"/>
-              <a:t>test </a:t>
-            </a:r>
-            <a:r>
-              <a:rPr lang="en-US" dirty="0" smtClean="0"/>
-              <a:t>case</a:t>
-            </a:r>
-            <a:endParaRPr lang="en-US" dirty="0" smtClean="0"/>
+              <a:t>Load test case</a:t>
+            </a:r>
           </a:p>
         </p:txBody>
       </p:sp>

--- a/trunk/tesi/presentazione/Barbagallo-IMDB.pptx
+++ b/trunk/tesi/presentazione/Barbagallo-IMDB.pptx
@@ -12,19 +12,19 @@
     <p:sldId id="257" r:id="rId3"/>
     <p:sldId id="260" r:id="rId4"/>
     <p:sldId id="258" r:id="rId5"/>
-    <p:sldId id="259" r:id="rId6"/>
-    <p:sldId id="262" r:id="rId7"/>
-    <p:sldId id="261" r:id="rId8"/>
-    <p:sldId id="263" r:id="rId9"/>
-    <p:sldId id="264" r:id="rId10"/>
-    <p:sldId id="265" r:id="rId11"/>
-    <p:sldId id="274" r:id="rId12"/>
-    <p:sldId id="275" r:id="rId13"/>
-    <p:sldId id="278" r:id="rId14"/>
-    <p:sldId id="269" r:id="rId15"/>
-    <p:sldId id="276" r:id="rId16"/>
-    <p:sldId id="270" r:id="rId17"/>
-    <p:sldId id="277" r:id="rId18"/>
+    <p:sldId id="279" r:id="rId6"/>
+    <p:sldId id="259" r:id="rId7"/>
+    <p:sldId id="262" r:id="rId8"/>
+    <p:sldId id="261" r:id="rId9"/>
+    <p:sldId id="263" r:id="rId10"/>
+    <p:sldId id="264" r:id="rId11"/>
+    <p:sldId id="265" r:id="rId12"/>
+    <p:sldId id="274" r:id="rId13"/>
+    <p:sldId id="275" r:id="rId14"/>
+    <p:sldId id="278" r:id="rId15"/>
+    <p:sldId id="269" r:id="rId16"/>
+    <p:sldId id="276" r:id="rId17"/>
+    <p:sldId id="270" r:id="rId18"/>
     <p:sldId id="271" r:id="rId19"/>
     <p:sldId id="272" r:id="rId20"/>
     <p:sldId id="268" r:id="rId21"/>
@@ -735,7 +735,7 @@
             <a:fld id="{06112A3B-D3CD-4C64-AF08-DDC9323A61EB}" type="slidenum">
               <a:rPr lang="it-IT" smtClean="0"/>
               <a:pPr/>
-              <a:t>5</a:t>
+              <a:t>6</a:t>
             </a:fld>
             <a:endParaRPr lang="it-IT"/>
           </a:p>
@@ -858,7 +858,7 @@
             <a:fld id="{06112A3B-D3CD-4C64-AF08-DDC9323A61EB}" type="slidenum">
               <a:rPr lang="it-IT" smtClean="0"/>
               <a:pPr/>
-              <a:t>6</a:t>
+              <a:t>7</a:t>
             </a:fld>
             <a:endParaRPr lang="it-IT" dirty="0"/>
           </a:p>
@@ -964,7 +964,7 @@
             <a:fld id="{06112A3B-D3CD-4C64-AF08-DDC9323A61EB}" type="slidenum">
               <a:rPr lang="it-IT" smtClean="0"/>
               <a:pPr/>
-              <a:t>7</a:t>
+              <a:t>8</a:t>
             </a:fld>
             <a:endParaRPr lang="it-IT" dirty="0"/>
           </a:p>
@@ -5164,6 +5164,655 @@
             <p:ph type="title"/>
           </p:nvPr>
         </p:nvSpPr>
+        <p:spPr>
+          <a:xfrm>
+            <a:off x="285720" y="155448"/>
+            <a:ext cx="6500858" cy="1252728"/>
+          </a:xfrm>
+        </p:spPr>
+        <p:txBody>
+          <a:bodyPr>
+            <a:normAutofit fontScale="90000"/>
+          </a:bodyPr>
+          <a:lstStyle/>
+          <a:p>
+            <a:r>
+              <a:rPr lang="en-US" dirty="0" smtClean="0">
+                <a:solidFill>
+                  <a:srgbClr val="FFC000"/>
+                </a:solidFill>
+              </a:rPr>
+              <a:t>Benchmark Requirements</a:t>
+            </a:r>
+            <a:endParaRPr lang="en-US" dirty="0">
+              <a:solidFill>
+                <a:srgbClr val="FFC000"/>
+              </a:solidFill>
+            </a:endParaRPr>
+          </a:p>
+        </p:txBody>
+      </p:sp>
+      <p:pic>
+        <p:nvPicPr>
+          <p:cNvPr id="4" name="Picture 4" descr="C:\Users\error0\Desktop\logoRoma32.gif"/>
+          <p:cNvPicPr>
+            <a:picLocks noChangeAspect="1" noChangeArrowheads="1"/>
+          </p:cNvPicPr>
+          <p:nvPr/>
+        </p:nvPicPr>
+        <p:blipFill>
+          <a:blip r:embed="rId2">
+            <a:duotone>
+              <a:schemeClr val="accent1">
+                <a:shade val="45000"/>
+                <a:satMod val="135000"/>
+              </a:schemeClr>
+              <a:prstClr val="white"/>
+            </a:duotone>
+            <a:lum bright="20000"/>
+          </a:blip>
+          <a:srcRect/>
+          <a:stretch>
+            <a:fillRect/>
+          </a:stretch>
+        </p:blipFill>
+        <p:spPr bwMode="auto">
+          <a:xfrm>
+            <a:off x="6858016" y="153964"/>
+            <a:ext cx="2214578" cy="1131896"/>
+          </a:xfrm>
+          <a:prstGeom prst="rect">
+            <a:avLst/>
+          </a:prstGeom>
+          <a:noFill/>
+        </p:spPr>
+      </p:pic>
+      <p:sp>
+        <p:nvSpPr>
+          <p:cNvPr id="6" name="Segnaposto contenuto 5"/>
+          <p:cNvSpPr>
+            <a:spLocks noGrp="1"/>
+          </p:cNvSpPr>
+          <p:nvPr>
+            <p:ph idx="1"/>
+          </p:nvPr>
+        </p:nvSpPr>
+        <p:spPr>
+          <a:xfrm>
+            <a:off x="457200" y="1775191"/>
+            <a:ext cx="8043890" cy="4625609"/>
+          </a:xfrm>
+        </p:spPr>
+        <p:txBody>
+          <a:bodyPr>
+            <a:normAutofit fontScale="92500" lnSpcReduction="10000"/>
+          </a:bodyPr>
+          <a:lstStyle/>
+          <a:p>
+            <a:r>
+              <a:rPr lang="en-US" dirty="0" smtClean="0"/>
+              <a:t>A benchmark is a point of reference used to measure the performance</a:t>
+            </a:r>
+          </a:p>
+          <a:p>
+            <a:endParaRPr lang="en-US" dirty="0" smtClean="0"/>
+          </a:p>
+          <a:p>
+            <a:r>
+              <a:rPr lang="en-US" dirty="0" smtClean="0"/>
+              <a:t>Requirements:</a:t>
+            </a:r>
+          </a:p>
+          <a:p>
+            <a:pPr lvl="1"/>
+            <a:r>
+              <a:rPr lang="en-US" dirty="0" smtClean="0"/>
+              <a:t>Portable</a:t>
+            </a:r>
+          </a:p>
+          <a:p>
+            <a:pPr lvl="1"/>
+            <a:r>
+              <a:rPr lang="en-US" dirty="0" smtClean="0"/>
+              <a:t>Flexible</a:t>
+            </a:r>
+          </a:p>
+          <a:p>
+            <a:pPr lvl="1"/>
+            <a:r>
+              <a:rPr lang="en-US" dirty="0" smtClean="0"/>
+              <a:t>Detailed report for each test</a:t>
+            </a:r>
+          </a:p>
+          <a:p>
+            <a:pPr lvl="1"/>
+            <a:r>
+              <a:rPr lang="en-US" dirty="0" smtClean="0"/>
+              <a:t>Visual report</a:t>
+            </a:r>
+          </a:p>
+          <a:p>
+            <a:pPr lvl="1"/>
+            <a:r>
+              <a:rPr lang="en-US" dirty="0" smtClean="0"/>
+              <a:t>For both relational and object database</a:t>
+            </a:r>
+          </a:p>
+          <a:p>
+            <a:pPr lvl="1"/>
+            <a:r>
+              <a:rPr lang="en-US" dirty="0" smtClean="0"/>
+              <a:t>Easy to use</a:t>
+            </a:r>
+          </a:p>
+          <a:p>
+            <a:pPr lvl="1"/>
+            <a:endParaRPr lang="en-US" dirty="0"/>
+          </a:p>
+        </p:txBody>
+      </p:sp>
+    </p:spTree>
+  </p:cSld>
+  <p:clrMapOvr>
+    <a:masterClrMapping/>
+  </p:clrMapOvr>
+  <p:transition>
+    <p:fade/>
+  </p:transition>
+  <p:timing>
+    <p:tnLst>
+      <p:par>
+        <p:cTn id="1" dur="indefinite" restart="never" nodeType="tmRoot">
+          <p:childTnLst>
+            <p:seq concurrent="1" nextAc="seek">
+              <p:cTn id="2" dur="indefinite" nodeType="mainSeq">
+                <p:childTnLst>
+                  <p:par>
+                    <p:cTn id="3" fill="hold">
+                      <p:stCondLst>
+                        <p:cond delay="indefinite"/>
+                      </p:stCondLst>
+                      <p:childTnLst>
+                        <p:par>
+                          <p:cTn id="4" fill="hold">
+                            <p:stCondLst>
+                              <p:cond delay="0"/>
+                            </p:stCondLst>
+                            <p:childTnLst>
+                              <p:par>
+                                <p:cTn id="5" presetID="10" presetClass="entr" presetSubtype="0" fill="hold" nodeType="clickEffect">
+                                  <p:stCondLst>
+                                    <p:cond delay="0"/>
+                                  </p:stCondLst>
+                                  <p:childTnLst>
+                                    <p:set>
+                                      <p:cBhvr>
+                                        <p:cTn id="6" dur="1" fill="hold">
+                                          <p:stCondLst>
+                                            <p:cond delay="0"/>
+                                          </p:stCondLst>
+                                        </p:cTn>
+                                        <p:tgtEl>
+                                          <p:spTgt spid="6">
+                                            <p:txEl>
+                                              <p:pRg st="0" end="0"/>
+                                            </p:txEl>
+                                          </p:spTgt>
+                                        </p:tgtEl>
+                                        <p:attrNameLst>
+                                          <p:attrName>style.visibility</p:attrName>
+                                        </p:attrNameLst>
+                                      </p:cBhvr>
+                                      <p:to>
+                                        <p:strVal val="visible"/>
+                                      </p:to>
+                                    </p:set>
+                                    <p:animEffect transition="in" filter="fade">
+                                      <p:cBhvr>
+                                        <p:cTn id="7" dur="1000"/>
+                                        <p:tgtEl>
+                                          <p:spTgt spid="6">
+                                            <p:txEl>
+                                              <p:pRg st="0" end="0"/>
+                                            </p:txEl>
+                                          </p:spTgt>
+                                        </p:tgtEl>
+                                      </p:cBhvr>
+                                    </p:animEffect>
+                                  </p:childTnLst>
+                                </p:cTn>
+                              </p:par>
+                            </p:childTnLst>
+                          </p:cTn>
+                        </p:par>
+                      </p:childTnLst>
+                    </p:cTn>
+                  </p:par>
+                  <p:par>
+                    <p:cTn id="8" fill="hold">
+                      <p:stCondLst>
+                        <p:cond delay="indefinite"/>
+                      </p:stCondLst>
+                      <p:childTnLst>
+                        <p:par>
+                          <p:cTn id="9" fill="hold">
+                            <p:stCondLst>
+                              <p:cond delay="0"/>
+                            </p:stCondLst>
+                            <p:childTnLst>
+                              <p:par>
+                                <p:cTn id="10" presetID="10" presetClass="entr" presetSubtype="0" fill="hold" nodeType="clickEffect">
+                                  <p:stCondLst>
+                                    <p:cond delay="0"/>
+                                  </p:stCondLst>
+                                  <p:childTnLst>
+                                    <p:set>
+                                      <p:cBhvr>
+                                        <p:cTn id="11" dur="1" fill="hold">
+                                          <p:stCondLst>
+                                            <p:cond delay="0"/>
+                                          </p:stCondLst>
+                                        </p:cTn>
+                                        <p:tgtEl>
+                                          <p:spTgt spid="6">
+                                            <p:txEl>
+                                              <p:pRg st="2" end="2"/>
+                                            </p:txEl>
+                                          </p:spTgt>
+                                        </p:tgtEl>
+                                        <p:attrNameLst>
+                                          <p:attrName>style.visibility</p:attrName>
+                                        </p:attrNameLst>
+                                      </p:cBhvr>
+                                      <p:to>
+                                        <p:strVal val="visible"/>
+                                      </p:to>
+                                    </p:set>
+                                    <p:animEffect transition="in" filter="fade">
+                                      <p:cBhvr>
+                                        <p:cTn id="12" dur="1000"/>
+                                        <p:tgtEl>
+                                          <p:spTgt spid="6">
+                                            <p:txEl>
+                                              <p:pRg st="2" end="2"/>
+                                            </p:txEl>
+                                          </p:spTgt>
+                                        </p:tgtEl>
+                                      </p:cBhvr>
+                                    </p:animEffect>
+                                  </p:childTnLst>
+                                </p:cTn>
+                              </p:par>
+                            </p:childTnLst>
+                          </p:cTn>
+                        </p:par>
+                        <p:par>
+                          <p:cTn id="13" fill="hold">
+                            <p:stCondLst>
+                              <p:cond delay="1000"/>
+                            </p:stCondLst>
+                            <p:childTnLst>
+                              <p:par>
+                                <p:cTn id="14" presetID="10" presetClass="entr" presetSubtype="0" fill="hold" nodeType="afterEffect">
+                                  <p:stCondLst>
+                                    <p:cond delay="0"/>
+                                  </p:stCondLst>
+                                  <p:childTnLst>
+                                    <p:set>
+                                      <p:cBhvr>
+                                        <p:cTn id="15" dur="1" fill="hold">
+                                          <p:stCondLst>
+                                            <p:cond delay="0"/>
+                                          </p:stCondLst>
+                                        </p:cTn>
+                                        <p:tgtEl>
+                                          <p:spTgt spid="6">
+                                            <p:txEl>
+                                              <p:pRg st="3" end="3"/>
+                                            </p:txEl>
+                                          </p:spTgt>
+                                        </p:tgtEl>
+                                        <p:attrNameLst>
+                                          <p:attrName>style.visibility</p:attrName>
+                                        </p:attrNameLst>
+                                      </p:cBhvr>
+                                      <p:to>
+                                        <p:strVal val="visible"/>
+                                      </p:to>
+                                    </p:set>
+                                    <p:animEffect transition="in" filter="fade">
+                                      <p:cBhvr>
+                                        <p:cTn id="16" dur="1000"/>
+                                        <p:tgtEl>
+                                          <p:spTgt spid="6">
+                                            <p:txEl>
+                                              <p:pRg st="3" end="3"/>
+                                            </p:txEl>
+                                          </p:spTgt>
+                                        </p:tgtEl>
+                                      </p:cBhvr>
+                                    </p:animEffect>
+                                  </p:childTnLst>
+                                </p:cTn>
+                              </p:par>
+                            </p:childTnLst>
+                          </p:cTn>
+                        </p:par>
+                        <p:par>
+                          <p:cTn id="17" fill="hold">
+                            <p:stCondLst>
+                              <p:cond delay="2000"/>
+                            </p:stCondLst>
+                            <p:childTnLst>
+                              <p:par>
+                                <p:cTn id="18" presetID="10" presetClass="entr" presetSubtype="0" fill="hold" nodeType="afterEffect">
+                                  <p:stCondLst>
+                                    <p:cond delay="0"/>
+                                  </p:stCondLst>
+                                  <p:childTnLst>
+                                    <p:set>
+                                      <p:cBhvr>
+                                        <p:cTn id="19" dur="1" fill="hold">
+                                          <p:stCondLst>
+                                            <p:cond delay="0"/>
+                                          </p:stCondLst>
+                                        </p:cTn>
+                                        <p:tgtEl>
+                                          <p:spTgt spid="6">
+                                            <p:txEl>
+                                              <p:pRg st="4" end="4"/>
+                                            </p:txEl>
+                                          </p:spTgt>
+                                        </p:tgtEl>
+                                        <p:attrNameLst>
+                                          <p:attrName>style.visibility</p:attrName>
+                                        </p:attrNameLst>
+                                      </p:cBhvr>
+                                      <p:to>
+                                        <p:strVal val="visible"/>
+                                      </p:to>
+                                    </p:set>
+                                    <p:animEffect transition="in" filter="fade">
+                                      <p:cBhvr>
+                                        <p:cTn id="20" dur="1000"/>
+                                        <p:tgtEl>
+                                          <p:spTgt spid="6">
+                                            <p:txEl>
+                                              <p:pRg st="4" end="4"/>
+                                            </p:txEl>
+                                          </p:spTgt>
+                                        </p:tgtEl>
+                                      </p:cBhvr>
+                                    </p:animEffect>
+                                  </p:childTnLst>
+                                </p:cTn>
+                              </p:par>
+                            </p:childTnLst>
+                          </p:cTn>
+                        </p:par>
+                        <p:par>
+                          <p:cTn id="21" fill="hold">
+                            <p:stCondLst>
+                              <p:cond delay="3000"/>
+                            </p:stCondLst>
+                            <p:childTnLst>
+                              <p:par>
+                                <p:cTn id="22" presetID="10" presetClass="entr" presetSubtype="0" fill="hold" nodeType="afterEffect">
+                                  <p:stCondLst>
+                                    <p:cond delay="0"/>
+                                  </p:stCondLst>
+                                  <p:childTnLst>
+                                    <p:set>
+                                      <p:cBhvr>
+                                        <p:cTn id="23" dur="1" fill="hold">
+                                          <p:stCondLst>
+                                            <p:cond delay="0"/>
+                                          </p:stCondLst>
+                                        </p:cTn>
+                                        <p:tgtEl>
+                                          <p:spTgt spid="6">
+                                            <p:txEl>
+                                              <p:pRg st="5" end="5"/>
+                                            </p:txEl>
+                                          </p:spTgt>
+                                        </p:tgtEl>
+                                        <p:attrNameLst>
+                                          <p:attrName>style.visibility</p:attrName>
+                                        </p:attrNameLst>
+                                      </p:cBhvr>
+                                      <p:to>
+                                        <p:strVal val="visible"/>
+                                      </p:to>
+                                    </p:set>
+                                    <p:animEffect transition="in" filter="fade">
+                                      <p:cBhvr>
+                                        <p:cTn id="24" dur="1000"/>
+                                        <p:tgtEl>
+                                          <p:spTgt spid="6">
+                                            <p:txEl>
+                                              <p:pRg st="5" end="5"/>
+                                            </p:txEl>
+                                          </p:spTgt>
+                                        </p:tgtEl>
+                                      </p:cBhvr>
+                                    </p:animEffect>
+                                  </p:childTnLst>
+                                </p:cTn>
+                              </p:par>
+                            </p:childTnLst>
+                          </p:cTn>
+                        </p:par>
+                        <p:par>
+                          <p:cTn id="25" fill="hold">
+                            <p:stCondLst>
+                              <p:cond delay="4000"/>
+                            </p:stCondLst>
+                            <p:childTnLst>
+                              <p:par>
+                                <p:cTn id="26" presetID="10" presetClass="entr" presetSubtype="0" fill="hold" nodeType="afterEffect">
+                                  <p:stCondLst>
+                                    <p:cond delay="0"/>
+                                  </p:stCondLst>
+                                  <p:childTnLst>
+                                    <p:set>
+                                      <p:cBhvr>
+                                        <p:cTn id="27" dur="1" fill="hold">
+                                          <p:stCondLst>
+                                            <p:cond delay="0"/>
+                                          </p:stCondLst>
+                                        </p:cTn>
+                                        <p:tgtEl>
+                                          <p:spTgt spid="6">
+                                            <p:txEl>
+                                              <p:pRg st="6" end="6"/>
+                                            </p:txEl>
+                                          </p:spTgt>
+                                        </p:tgtEl>
+                                        <p:attrNameLst>
+                                          <p:attrName>style.visibility</p:attrName>
+                                        </p:attrNameLst>
+                                      </p:cBhvr>
+                                      <p:to>
+                                        <p:strVal val="visible"/>
+                                      </p:to>
+                                    </p:set>
+                                    <p:animEffect transition="in" filter="fade">
+                                      <p:cBhvr>
+                                        <p:cTn id="28" dur="1000"/>
+                                        <p:tgtEl>
+                                          <p:spTgt spid="6">
+                                            <p:txEl>
+                                              <p:pRg st="6" end="6"/>
+                                            </p:txEl>
+                                          </p:spTgt>
+                                        </p:tgtEl>
+                                      </p:cBhvr>
+                                    </p:animEffect>
+                                  </p:childTnLst>
+                                </p:cTn>
+                              </p:par>
+                            </p:childTnLst>
+                          </p:cTn>
+                        </p:par>
+                        <p:par>
+                          <p:cTn id="29" fill="hold">
+                            <p:stCondLst>
+                              <p:cond delay="5000"/>
+                            </p:stCondLst>
+                            <p:childTnLst>
+                              <p:par>
+                                <p:cTn id="30" presetID="10" presetClass="entr" presetSubtype="0" fill="hold" nodeType="afterEffect">
+                                  <p:stCondLst>
+                                    <p:cond delay="0"/>
+                                  </p:stCondLst>
+                                  <p:childTnLst>
+                                    <p:set>
+                                      <p:cBhvr>
+                                        <p:cTn id="31" dur="1" fill="hold">
+                                          <p:stCondLst>
+                                            <p:cond delay="0"/>
+                                          </p:stCondLst>
+                                        </p:cTn>
+                                        <p:tgtEl>
+                                          <p:spTgt spid="6">
+                                            <p:txEl>
+                                              <p:pRg st="7" end="7"/>
+                                            </p:txEl>
+                                          </p:spTgt>
+                                        </p:tgtEl>
+                                        <p:attrNameLst>
+                                          <p:attrName>style.visibility</p:attrName>
+                                        </p:attrNameLst>
+                                      </p:cBhvr>
+                                      <p:to>
+                                        <p:strVal val="visible"/>
+                                      </p:to>
+                                    </p:set>
+                                    <p:animEffect transition="in" filter="fade">
+                                      <p:cBhvr>
+                                        <p:cTn id="32" dur="1000"/>
+                                        <p:tgtEl>
+                                          <p:spTgt spid="6">
+                                            <p:txEl>
+                                              <p:pRg st="7" end="7"/>
+                                            </p:txEl>
+                                          </p:spTgt>
+                                        </p:tgtEl>
+                                      </p:cBhvr>
+                                    </p:animEffect>
+                                  </p:childTnLst>
+                                </p:cTn>
+                              </p:par>
+                            </p:childTnLst>
+                          </p:cTn>
+                        </p:par>
+                        <p:par>
+                          <p:cTn id="33" fill="hold">
+                            <p:stCondLst>
+                              <p:cond delay="6000"/>
+                            </p:stCondLst>
+                            <p:childTnLst>
+                              <p:par>
+                                <p:cTn id="34" presetID="10" presetClass="entr" presetSubtype="0" fill="hold" nodeType="afterEffect">
+                                  <p:stCondLst>
+                                    <p:cond delay="0"/>
+                                  </p:stCondLst>
+                                  <p:childTnLst>
+                                    <p:set>
+                                      <p:cBhvr>
+                                        <p:cTn id="35" dur="1" fill="hold">
+                                          <p:stCondLst>
+                                            <p:cond delay="0"/>
+                                          </p:stCondLst>
+                                        </p:cTn>
+                                        <p:tgtEl>
+                                          <p:spTgt spid="6">
+                                            <p:txEl>
+                                              <p:pRg st="8" end="8"/>
+                                            </p:txEl>
+                                          </p:spTgt>
+                                        </p:tgtEl>
+                                        <p:attrNameLst>
+                                          <p:attrName>style.visibility</p:attrName>
+                                        </p:attrNameLst>
+                                      </p:cBhvr>
+                                      <p:to>
+                                        <p:strVal val="visible"/>
+                                      </p:to>
+                                    </p:set>
+                                    <p:animEffect transition="in" filter="fade">
+                                      <p:cBhvr>
+                                        <p:cTn id="36" dur="1000"/>
+                                        <p:tgtEl>
+                                          <p:spTgt spid="6">
+                                            <p:txEl>
+                                              <p:pRg st="8" end="8"/>
+                                            </p:txEl>
+                                          </p:spTgt>
+                                        </p:tgtEl>
+                                      </p:cBhvr>
+                                    </p:animEffect>
+                                  </p:childTnLst>
+                                </p:cTn>
+                              </p:par>
+                            </p:childTnLst>
+                          </p:cTn>
+                        </p:par>
+                      </p:childTnLst>
+                    </p:cTn>
+                  </p:par>
+                </p:childTnLst>
+              </p:cTn>
+              <p:prevCondLst>
+                <p:cond evt="onPrev" delay="0">
+                  <p:tgtEl>
+                    <p:sldTgt/>
+                  </p:tgtEl>
+                </p:cond>
+              </p:prevCondLst>
+              <p:nextCondLst>
+                <p:cond evt="onNext" delay="0">
+                  <p:tgtEl>
+                    <p:sldTgt/>
+                  </p:tgtEl>
+                </p:cond>
+              </p:nextCondLst>
+            </p:seq>
+          </p:childTnLst>
+        </p:cTn>
+      </p:par>
+    </p:tnLst>
+  </p:timing>
+</p:sld>
+</file>
+
+<file path=ppt/slides/slide11.xml><?xml version="1.0" encoding="utf-8"?>
+<p:sld xmlns:a="http://schemas.openxmlformats.org/drawingml/2006/main" xmlns:r="http://schemas.openxmlformats.org/officeDocument/2006/relationships" xmlns:p="http://schemas.openxmlformats.org/presentationml/2006/main">
+  <p:cSld>
+    <p:spTree>
+      <p:nvGrpSpPr>
+        <p:cNvPr id="1" name=""/>
+        <p:cNvGrpSpPr/>
+        <p:nvPr/>
+      </p:nvGrpSpPr>
+      <p:grpSpPr>
+        <a:xfrm>
+          <a:off x="0" y="0"/>
+          <a:ext cx="0" cy="0"/>
+          <a:chOff x="0" y="0"/>
+          <a:chExt cx="0" cy="0"/>
+        </a:xfrm>
+      </p:grpSpPr>
+      <p:sp>
+        <p:nvSpPr>
+          <p:cNvPr id="2" name="Titolo 1"/>
+          <p:cNvSpPr>
+            <a:spLocks noGrp="1"/>
+          </p:cNvSpPr>
+          <p:nvPr>
+            <p:ph type="title"/>
+          </p:nvPr>
+        </p:nvSpPr>
         <p:spPr/>
         <p:txBody>
           <a:bodyPr>
@@ -7094,7 +7743,7 @@
 </p:sld>
 </file>
 
-<file path=ppt/slides/slide11.xml><?xml version="1.0" encoding="utf-8"?>
+<file path=ppt/slides/slide12.xml><?xml version="1.0" encoding="utf-8"?>
 <p:sld xmlns:a="http://schemas.openxmlformats.org/drawingml/2006/main" xmlns:r="http://schemas.openxmlformats.org/officeDocument/2006/relationships" xmlns:p="http://schemas.openxmlformats.org/presentationml/2006/main">
   <p:cSld>
     <p:spTree>
@@ -7884,7 +8533,7 @@
 </p:sld>
 </file>
 
-<file path=ppt/slides/slide12.xml><?xml version="1.0" encoding="utf-8"?>
+<file path=ppt/slides/slide13.xml><?xml version="1.0" encoding="utf-8"?>
 <p:sld xmlns:a="http://schemas.openxmlformats.org/drawingml/2006/main" xmlns:r="http://schemas.openxmlformats.org/officeDocument/2006/relationships" xmlns:p="http://schemas.openxmlformats.org/presentationml/2006/main">
   <p:cSld>
     <p:spTree>
@@ -8943,7 +9592,7 @@
 </p:sld>
 </file>
 
-<file path=ppt/slides/slide13.xml><?xml version="1.0" encoding="utf-8"?>
+<file path=ppt/slides/slide14.xml><?xml version="1.0" encoding="utf-8"?>
 <p:sld xmlns:a="http://schemas.openxmlformats.org/drawingml/2006/main" xmlns:r="http://schemas.openxmlformats.org/officeDocument/2006/relationships" xmlns:p="http://schemas.openxmlformats.org/presentationml/2006/main">
   <p:cSld>
     <p:spTree>
@@ -9449,530 +10098,6 @@
           <a:noFill/>
         </p:spPr>
       </p:pic>
-    </p:spTree>
-  </p:cSld>
-  <p:clrMapOvr>
-    <a:masterClrMapping/>
-  </p:clrMapOvr>
-  <p:transition>
-    <p:fade/>
-  </p:transition>
-  <p:timing>
-    <p:tnLst>
-      <p:par>
-        <p:cTn id="1" dur="indefinite" restart="never" nodeType="tmRoot"/>
-      </p:par>
-    </p:tnLst>
-  </p:timing>
-</p:sld>
-</file>
-
-<file path=ppt/slides/slide14.xml><?xml version="1.0" encoding="utf-8"?>
-<p:sld xmlns:a="http://schemas.openxmlformats.org/drawingml/2006/main" xmlns:r="http://schemas.openxmlformats.org/officeDocument/2006/relationships" xmlns:p="http://schemas.openxmlformats.org/presentationml/2006/main">
-  <p:cSld>
-    <p:spTree>
-      <p:nvGrpSpPr>
-        <p:cNvPr id="1" name=""/>
-        <p:cNvGrpSpPr/>
-        <p:nvPr/>
-      </p:nvGrpSpPr>
-      <p:grpSpPr>
-        <a:xfrm>
-          <a:off x="0" y="0"/>
-          <a:ext cx="0" cy="0"/>
-          <a:chOff x="0" y="0"/>
-          <a:chExt cx="0" cy="0"/>
-        </a:xfrm>
-      </p:grpSpPr>
-      <p:sp>
-        <p:nvSpPr>
-          <p:cNvPr id="2" name="Titolo 1"/>
-          <p:cNvSpPr>
-            <a:spLocks noGrp="1"/>
-          </p:cNvSpPr>
-          <p:nvPr>
-            <p:ph type="title"/>
-          </p:nvPr>
-        </p:nvSpPr>
-        <p:spPr>
-          <a:xfrm>
-            <a:off x="457200" y="155448"/>
-            <a:ext cx="6257940" cy="1252728"/>
-          </a:xfrm>
-        </p:spPr>
-        <p:txBody>
-          <a:bodyPr>
-            <a:normAutofit fontScale="90000"/>
-          </a:bodyPr>
-          <a:lstStyle/>
-          <a:p>
-            <a:r>
-              <a:rPr lang="en-US" dirty="0" smtClean="0">
-                <a:solidFill>
-                  <a:srgbClr val="FFC000"/>
-                </a:solidFill>
-              </a:rPr>
-              <a:t>Throughput Of Service Management Task</a:t>
-            </a:r>
-            <a:endParaRPr lang="en-US" dirty="0">
-              <a:solidFill>
-                <a:srgbClr val="FFC000"/>
-              </a:solidFill>
-            </a:endParaRPr>
-          </a:p>
-        </p:txBody>
-      </p:sp>
-      <p:pic>
-        <p:nvPicPr>
-          <p:cNvPr id="4" name="Picture 4" descr="C:\Users\error0\Desktop\logoRoma32.gif"/>
-          <p:cNvPicPr>
-            <a:picLocks noChangeAspect="1" noChangeArrowheads="1"/>
-          </p:cNvPicPr>
-          <p:nvPr/>
-        </p:nvPicPr>
-        <p:blipFill>
-          <a:blip r:embed="rId2">
-            <a:duotone>
-              <a:schemeClr val="accent1">
-                <a:shade val="45000"/>
-                <a:satMod val="135000"/>
-              </a:schemeClr>
-              <a:prstClr val="white"/>
-            </a:duotone>
-            <a:lum bright="20000"/>
-          </a:blip>
-          <a:srcRect/>
-          <a:stretch>
-            <a:fillRect/>
-          </a:stretch>
-        </p:blipFill>
-        <p:spPr bwMode="auto">
-          <a:xfrm>
-            <a:off x="6858016" y="153964"/>
-            <a:ext cx="2214578" cy="1131896"/>
-          </a:xfrm>
-          <a:prstGeom prst="rect">
-            <a:avLst/>
-          </a:prstGeom>
-          <a:noFill/>
-        </p:spPr>
-      </p:pic>
-      <p:pic>
-        <p:nvPicPr>
-          <p:cNvPr id="3074" name="Picture 2" descr="C:\Users\error0\Documents\universita\tesi\workspace\tesi\tex\img\result10.jpg"/>
-          <p:cNvPicPr>
-            <a:picLocks noChangeAspect="1" noChangeArrowheads="1"/>
-          </p:cNvPicPr>
-          <p:nvPr/>
-        </p:nvPicPr>
-        <p:blipFill>
-          <a:blip r:embed="rId3"/>
-          <a:srcRect t="17236" r="1015" b="5390"/>
-          <a:stretch>
-            <a:fillRect/>
-          </a:stretch>
-        </p:blipFill>
-        <p:spPr bwMode="auto">
-          <a:xfrm>
-            <a:off x="0" y="1500174"/>
-            <a:ext cx="9144000" cy="4786346"/>
-          </a:xfrm>
-          <a:prstGeom prst="rect">
-            <a:avLst/>
-          </a:prstGeom>
-          <a:noFill/>
-        </p:spPr>
-      </p:pic>
-      <p:sp>
-        <p:nvSpPr>
-          <p:cNvPr id="5" name="Rettangolo 4"/>
-          <p:cNvSpPr/>
-          <p:nvPr/>
-        </p:nvSpPr>
-        <p:spPr>
-          <a:xfrm>
-            <a:off x="928662" y="6500834"/>
-            <a:ext cx="142876" cy="142876"/>
-          </a:xfrm>
-          <a:prstGeom prst="rect">
-            <a:avLst/>
-          </a:prstGeom>
-          <a:solidFill>
-            <a:srgbClr val="FF0000"/>
-          </a:solidFill>
-          <a:ln>
-            <a:solidFill>
-              <a:srgbClr val="FF0000"/>
-            </a:solidFill>
-          </a:ln>
-        </p:spPr>
-        <p:style>
-          <a:lnRef idx="2">
-            <a:schemeClr val="accent3">
-              <a:shade val="50000"/>
-            </a:schemeClr>
-          </a:lnRef>
-          <a:fillRef idx="1">
-            <a:schemeClr val="accent3"/>
-          </a:fillRef>
-          <a:effectRef idx="0">
-            <a:schemeClr val="accent3"/>
-          </a:effectRef>
-          <a:fontRef idx="minor">
-            <a:schemeClr val="lt1"/>
-          </a:fontRef>
-        </p:style>
-        <p:txBody>
-          <a:bodyPr rtlCol="0" anchor="ctr"/>
-          <a:lstStyle/>
-          <a:p>
-            <a:pPr algn="ctr"/>
-            <a:endParaRPr lang="it-IT"/>
-          </a:p>
-        </p:txBody>
-      </p:sp>
-      <p:sp>
-        <p:nvSpPr>
-          <p:cNvPr id="6" name="Rettangolo 5"/>
-          <p:cNvSpPr/>
-          <p:nvPr/>
-        </p:nvSpPr>
-        <p:spPr>
-          <a:xfrm>
-            <a:off x="5357818" y="6500834"/>
-            <a:ext cx="142876" cy="142876"/>
-          </a:xfrm>
-          <a:prstGeom prst="rect">
-            <a:avLst/>
-          </a:prstGeom>
-          <a:solidFill>
-            <a:srgbClr val="FFFF00"/>
-          </a:solidFill>
-          <a:ln>
-            <a:solidFill>
-              <a:srgbClr val="FFFF00"/>
-            </a:solidFill>
-          </a:ln>
-        </p:spPr>
-        <p:style>
-          <a:lnRef idx="2">
-            <a:schemeClr val="accent1">
-              <a:shade val="50000"/>
-            </a:schemeClr>
-          </a:lnRef>
-          <a:fillRef idx="1">
-            <a:schemeClr val="accent1"/>
-          </a:fillRef>
-          <a:effectRef idx="0">
-            <a:schemeClr val="accent1"/>
-          </a:effectRef>
-          <a:fontRef idx="minor">
-            <a:schemeClr val="lt1"/>
-          </a:fontRef>
-        </p:style>
-        <p:txBody>
-          <a:bodyPr rtlCol="0" anchor="ctr"/>
-          <a:lstStyle/>
-          <a:p>
-            <a:pPr algn="ctr"/>
-            <a:endParaRPr lang="it-IT"/>
-          </a:p>
-        </p:txBody>
-      </p:sp>
-      <p:sp>
-        <p:nvSpPr>
-          <p:cNvPr id="7" name="Rettangolo 6"/>
-          <p:cNvSpPr/>
-          <p:nvPr/>
-        </p:nvSpPr>
-        <p:spPr>
-          <a:xfrm>
-            <a:off x="2357422" y="6500834"/>
-            <a:ext cx="142876" cy="142876"/>
-          </a:xfrm>
-          <a:prstGeom prst="rect">
-            <a:avLst/>
-          </a:prstGeom>
-          <a:solidFill>
-            <a:srgbClr val="0070C0"/>
-          </a:solidFill>
-          <a:ln>
-            <a:solidFill>
-              <a:srgbClr val="0070C0"/>
-            </a:solidFill>
-          </a:ln>
-        </p:spPr>
-        <p:style>
-          <a:lnRef idx="2">
-            <a:schemeClr val="accent1">
-              <a:shade val="50000"/>
-            </a:schemeClr>
-          </a:lnRef>
-          <a:fillRef idx="1">
-            <a:schemeClr val="accent1"/>
-          </a:fillRef>
-          <a:effectRef idx="0">
-            <a:schemeClr val="accent1"/>
-          </a:effectRef>
-          <a:fontRef idx="minor">
-            <a:schemeClr val="lt1"/>
-          </a:fontRef>
-        </p:style>
-        <p:txBody>
-          <a:bodyPr rtlCol="0" anchor="ctr"/>
-          <a:lstStyle/>
-          <a:p>
-            <a:pPr algn="ctr"/>
-            <a:endParaRPr lang="it-IT"/>
-          </a:p>
-        </p:txBody>
-      </p:sp>
-      <p:sp>
-        <p:nvSpPr>
-          <p:cNvPr id="8" name="Rettangolo 7"/>
-          <p:cNvSpPr/>
-          <p:nvPr/>
-        </p:nvSpPr>
-        <p:spPr>
-          <a:xfrm>
-            <a:off x="4143372" y="6500834"/>
-            <a:ext cx="142876" cy="142876"/>
-          </a:xfrm>
-          <a:prstGeom prst="rect">
-            <a:avLst/>
-          </a:prstGeom>
-          <a:solidFill>
-            <a:srgbClr val="92D050"/>
-          </a:solidFill>
-          <a:ln>
-            <a:solidFill>
-              <a:srgbClr val="92D050"/>
-            </a:solidFill>
-          </a:ln>
-        </p:spPr>
-        <p:style>
-          <a:lnRef idx="2">
-            <a:schemeClr val="accent1">
-              <a:shade val="50000"/>
-            </a:schemeClr>
-          </a:lnRef>
-          <a:fillRef idx="1">
-            <a:schemeClr val="accent1"/>
-          </a:fillRef>
-          <a:effectRef idx="0">
-            <a:schemeClr val="accent1"/>
-          </a:effectRef>
-          <a:fontRef idx="minor">
-            <a:schemeClr val="lt1"/>
-          </a:fontRef>
-        </p:style>
-        <p:txBody>
-          <a:bodyPr rtlCol="0" anchor="ctr"/>
-          <a:lstStyle/>
-          <a:p>
-            <a:pPr algn="ctr"/>
-            <a:endParaRPr lang="it-IT"/>
-          </a:p>
-        </p:txBody>
-      </p:sp>
-      <p:sp>
-        <p:nvSpPr>
-          <p:cNvPr id="9" name="Rettangolo 8"/>
-          <p:cNvSpPr/>
-          <p:nvPr/>
-        </p:nvSpPr>
-        <p:spPr>
-          <a:xfrm>
-            <a:off x="7000892" y="6500834"/>
-            <a:ext cx="142876" cy="142876"/>
-          </a:xfrm>
-          <a:prstGeom prst="rect">
-            <a:avLst/>
-          </a:prstGeom>
-          <a:solidFill>
-            <a:srgbClr val="C52BA8"/>
-          </a:solidFill>
-          <a:ln>
-            <a:solidFill>
-              <a:srgbClr val="C52BA8"/>
-            </a:solidFill>
-          </a:ln>
-        </p:spPr>
-        <p:style>
-          <a:lnRef idx="2">
-            <a:schemeClr val="accent1">
-              <a:shade val="50000"/>
-            </a:schemeClr>
-          </a:lnRef>
-          <a:fillRef idx="1">
-            <a:schemeClr val="accent1"/>
-          </a:fillRef>
-          <a:effectRef idx="0">
-            <a:schemeClr val="accent1"/>
-          </a:effectRef>
-          <a:fontRef idx="minor">
-            <a:schemeClr val="lt1"/>
-          </a:fontRef>
-        </p:style>
-        <p:txBody>
-          <a:bodyPr rtlCol="0" anchor="ctr"/>
-          <a:lstStyle/>
-          <a:p>
-            <a:pPr algn="ctr"/>
-            <a:endParaRPr lang="it-IT"/>
-          </a:p>
-        </p:txBody>
-      </p:sp>
-      <p:sp>
-        <p:nvSpPr>
-          <p:cNvPr id="10" name="CasellaDiTesto 9"/>
-          <p:cNvSpPr txBox="1"/>
-          <p:nvPr/>
-        </p:nvSpPr>
-        <p:spPr>
-          <a:xfrm>
-            <a:off x="1142976" y="6357958"/>
-            <a:ext cx="1071570" cy="430887"/>
-          </a:xfrm>
-          <a:prstGeom prst="rect">
-            <a:avLst/>
-          </a:prstGeom>
-          <a:noFill/>
-        </p:spPr>
-        <p:txBody>
-          <a:bodyPr wrap="square" rtlCol="0">
-            <a:spAutoFit/>
-          </a:bodyPr>
-          <a:lstStyle/>
-          <a:p>
-            <a:r>
-              <a:rPr lang="it-IT" sz="2200" dirty="0" smtClean="0"/>
-              <a:t>PICO4</a:t>
-            </a:r>
-            <a:endParaRPr lang="it-IT" sz="2200" dirty="0"/>
-          </a:p>
-        </p:txBody>
-      </p:sp>
-      <p:sp>
-        <p:nvSpPr>
-          <p:cNvPr id="11" name="CasellaDiTesto 10"/>
-          <p:cNvSpPr txBox="1"/>
-          <p:nvPr/>
-        </p:nvSpPr>
-        <p:spPr>
-          <a:xfrm>
-            <a:off x="2571736" y="6357958"/>
-            <a:ext cx="1500198" cy="430887"/>
-          </a:xfrm>
-          <a:prstGeom prst="rect">
-            <a:avLst/>
-          </a:prstGeom>
-          <a:noFill/>
-        </p:spPr>
-        <p:txBody>
-          <a:bodyPr wrap="square" rtlCol="0">
-            <a:spAutoFit/>
-          </a:bodyPr>
-          <a:lstStyle/>
-          <a:p>
-            <a:r>
-              <a:rPr lang="it-IT" sz="2200" dirty="0" err="1" smtClean="0"/>
-              <a:t>Prevayler</a:t>
-            </a:r>
-            <a:endParaRPr lang="it-IT" sz="2200" dirty="0"/>
-          </a:p>
-        </p:txBody>
-      </p:sp>
-      <p:sp>
-        <p:nvSpPr>
-          <p:cNvPr id="12" name="CasellaDiTesto 11"/>
-          <p:cNvSpPr txBox="1"/>
-          <p:nvPr/>
-        </p:nvSpPr>
-        <p:spPr>
-          <a:xfrm>
-            <a:off x="4357686" y="6357958"/>
-            <a:ext cx="1500198" cy="430887"/>
-          </a:xfrm>
-          <a:prstGeom prst="rect">
-            <a:avLst/>
-          </a:prstGeom>
-          <a:noFill/>
-        </p:spPr>
-        <p:txBody>
-          <a:bodyPr wrap="square" rtlCol="0">
-            <a:spAutoFit/>
-          </a:bodyPr>
-          <a:lstStyle/>
-          <a:p>
-            <a:r>
-              <a:rPr lang="it-IT" sz="2200" dirty="0" smtClean="0"/>
-              <a:t>H2</a:t>
-            </a:r>
-            <a:endParaRPr lang="it-IT" sz="2200" dirty="0"/>
-          </a:p>
-        </p:txBody>
-      </p:sp>
-      <p:sp>
-        <p:nvSpPr>
-          <p:cNvPr id="13" name="CasellaDiTesto 12"/>
-          <p:cNvSpPr txBox="1"/>
-          <p:nvPr/>
-        </p:nvSpPr>
-        <p:spPr>
-          <a:xfrm>
-            <a:off x="5572132" y="6357958"/>
-            <a:ext cx="1500198" cy="430887"/>
-          </a:xfrm>
-          <a:prstGeom prst="rect">
-            <a:avLst/>
-          </a:prstGeom>
-          <a:noFill/>
-        </p:spPr>
-        <p:txBody>
-          <a:bodyPr wrap="square" rtlCol="0">
-            <a:spAutoFit/>
-          </a:bodyPr>
-          <a:lstStyle/>
-          <a:p>
-            <a:r>
-              <a:rPr lang="it-IT" sz="2200" dirty="0" smtClean="0"/>
-              <a:t>HSQLDB</a:t>
-            </a:r>
-            <a:endParaRPr lang="it-IT" sz="2200" dirty="0"/>
-          </a:p>
-        </p:txBody>
-      </p:sp>
-      <p:sp>
-        <p:nvSpPr>
-          <p:cNvPr id="14" name="CasellaDiTesto 13"/>
-          <p:cNvSpPr txBox="1"/>
-          <p:nvPr/>
-        </p:nvSpPr>
-        <p:spPr>
-          <a:xfrm>
-            <a:off x="7215206" y="6357958"/>
-            <a:ext cx="1500198" cy="430887"/>
-          </a:xfrm>
-          <a:prstGeom prst="rect">
-            <a:avLst/>
-          </a:prstGeom>
-          <a:noFill/>
-        </p:spPr>
-        <p:txBody>
-          <a:bodyPr wrap="square" rtlCol="0">
-            <a:spAutoFit/>
-          </a:bodyPr>
-          <a:lstStyle/>
-          <a:p>
-            <a:r>
-              <a:rPr lang="it-IT" sz="2200" dirty="0" smtClean="0"/>
-              <a:t>Db4o</a:t>
-            </a:r>
-            <a:endParaRPr lang="it-IT" sz="2200" dirty="0"/>
-          </a:p>
-        </p:txBody>
-      </p:sp>
     </p:spTree>
   </p:cSld>
   <p:clrMapOvr>
@@ -10026,7 +10151,7 @@
         </p:spPr>
         <p:txBody>
           <a:bodyPr>
-            <a:normAutofit/>
+            <a:normAutofit fontScale="90000"/>
           </a:bodyPr>
           <a:lstStyle/>
           <a:p>
@@ -10036,7 +10161,7 @@
                   <a:srgbClr val="FFC000"/>
                 </a:solidFill>
               </a:rPr>
-              <a:t>Memory Usage</a:t>
+              <a:t>Throughput Of Service Management Task</a:t>
             </a:r>
             <a:endParaRPr lang="en-US" dirty="0">
               <a:solidFill>
@@ -10083,7 +10208,7 @@
       </p:pic>
       <p:pic>
         <p:nvPicPr>
-          <p:cNvPr id="4098" name="Picture 2" descr="C:\Users\error0\Documents\universita\tesi\workspace\tesi\tex\img\result11.jpg"/>
+          <p:cNvPr id="3074" name="Picture 2" descr="C:\Users\error0\Documents\universita\tesi\workspace\tesi\tex\img\result10.jpg"/>
           <p:cNvPicPr>
             <a:picLocks noChangeAspect="1" noChangeArrowheads="1"/>
           </p:cNvPicPr>
@@ -10091,14 +10216,14 @@
         </p:nvPicPr>
         <p:blipFill>
           <a:blip r:embed="rId3"/>
-          <a:srcRect t="16898" r="-250" b="5000"/>
+          <a:srcRect t="17236" r="1015" b="5390"/>
           <a:stretch>
             <a:fillRect/>
           </a:stretch>
         </p:blipFill>
         <p:spPr bwMode="auto">
           <a:xfrm>
-            <a:off x="0" y="1500175"/>
+            <a:off x="0" y="1500174"/>
             <a:ext cx="9144000" cy="4786346"/>
           </a:xfrm>
           <a:prstGeom prst="rect">
@@ -10560,7 +10685,7 @@
                   <a:srgbClr val="FFC000"/>
                 </a:solidFill>
               </a:rPr>
-              <a:t>File Size</a:t>
+              <a:t>Memory Usage</a:t>
             </a:r>
             <a:endParaRPr lang="en-US" dirty="0">
               <a:solidFill>
@@ -10605,6 +10730,32 @@
           <a:noFill/>
         </p:spPr>
       </p:pic>
+      <p:pic>
+        <p:nvPicPr>
+          <p:cNvPr id="4098" name="Picture 2" descr="C:\Users\error0\Documents\universita\tesi\workspace\tesi\tex\img\result11.jpg"/>
+          <p:cNvPicPr>
+            <a:picLocks noChangeAspect="1" noChangeArrowheads="1"/>
+          </p:cNvPicPr>
+          <p:nvPr/>
+        </p:nvPicPr>
+        <p:blipFill>
+          <a:blip r:embed="rId3"/>
+          <a:srcRect t="16898" r="-250" b="5000"/>
+          <a:stretch>
+            <a:fillRect/>
+          </a:stretch>
+        </p:blipFill>
+        <p:spPr bwMode="auto">
+          <a:xfrm>
+            <a:off x="0" y="1500175"/>
+            <a:ext cx="9144000" cy="4786346"/>
+          </a:xfrm>
+          <a:prstGeom prst="rect">
+            <a:avLst/>
+          </a:prstGeom>
+          <a:noFill/>
+        </p:spPr>
+      </p:pic>
       <p:sp>
         <p:nvSpPr>
           <p:cNvPr id="5" name="Rettangolo 4"/>
@@ -10995,32 +11146,6 @@
           </a:p>
         </p:txBody>
       </p:sp>
-      <p:pic>
-        <p:nvPicPr>
-          <p:cNvPr id="2050" name="Picture 2" descr="C:\Users\error0\Documents\universita\tesi\workspace\tesi\tex\img\result13.jpg"/>
-          <p:cNvPicPr>
-            <a:picLocks noChangeAspect="1" noChangeArrowheads="1"/>
-          </p:cNvPicPr>
-          <p:nvPr/>
-        </p:nvPicPr>
-        <p:blipFill>
-          <a:blip r:embed="rId3"/>
-          <a:srcRect l="500" t="15714" r="2000" b="5000"/>
-          <a:stretch>
-            <a:fillRect/>
-          </a:stretch>
-        </p:blipFill>
-        <p:spPr bwMode="auto">
-          <a:xfrm>
-            <a:off x="-64" y="1500174"/>
-            <a:ext cx="9144064" cy="4786346"/>
-          </a:xfrm>
-          <a:prstGeom prst="rect">
-            <a:avLst/>
-          </a:prstGeom>
-          <a:noFill/>
-        </p:spPr>
-      </p:pic>
     </p:spTree>
   </p:cSld>
   <p:clrMapOvr>
@@ -11079,12 +11204,12 @@
           <a:lstStyle/>
           <a:p>
             <a:r>
-              <a:rPr lang="en-US" smtClean="0">
+              <a:rPr lang="en-US" dirty="0" smtClean="0">
                 <a:solidFill>
                   <a:srgbClr val="FFC000"/>
                 </a:solidFill>
               </a:rPr>
-              <a:t>Max Write</a:t>
+              <a:t>File Size</a:t>
             </a:r>
             <a:endParaRPr lang="en-US" dirty="0">
               <a:solidFill>
@@ -11519,6 +11644,32 @@
           </a:p>
         </p:txBody>
       </p:sp>
+      <p:pic>
+        <p:nvPicPr>
+          <p:cNvPr id="2050" name="Picture 2" descr="C:\Users\error0\Documents\universita\tesi\workspace\tesi\tex\img\result13.jpg"/>
+          <p:cNvPicPr>
+            <a:picLocks noChangeAspect="1" noChangeArrowheads="1"/>
+          </p:cNvPicPr>
+          <p:nvPr/>
+        </p:nvPicPr>
+        <p:blipFill>
+          <a:blip r:embed="rId3"/>
+          <a:srcRect l="500" t="15714" r="2000" b="5000"/>
+          <a:stretch>
+            <a:fillRect/>
+          </a:stretch>
+        </p:blipFill>
+        <p:spPr bwMode="auto">
+          <a:xfrm>
+            <a:off x="-64" y="1500174"/>
+            <a:ext cx="9144064" cy="4786346"/>
+          </a:xfrm>
+          <a:prstGeom prst="rect">
+            <a:avLst/>
+          </a:prstGeom>
+          <a:noFill/>
+        </p:spPr>
+      </p:pic>
     </p:spTree>
   </p:cSld>
   <p:clrMapOvr>
@@ -15637,7 +15788,7 @@
                   <a:srgbClr val="FFC000"/>
                 </a:solidFill>
               </a:rPr>
-              <a:t>Summary</a:t>
+              <a:t>Objectives	</a:t>
             </a:r>
             <a:endParaRPr lang="en-US" dirty="0">
               <a:solidFill>
@@ -15705,53 +15856,38 @@
           <a:lstStyle/>
           <a:p>
             <a:r>
-              <a:rPr lang="en-US" dirty="0" smtClean="0"/>
-              <a:t>IMDBs </a:t>
-            </a:r>
-            <a:r>
-              <a:rPr lang="en-US" dirty="0" smtClean="0"/>
-              <a:t>vs. Traditional </a:t>
-            </a:r>
-            <a:r>
-              <a:rPr lang="en-US" dirty="0" smtClean="0"/>
-              <a:t>DBMSs</a:t>
+              <a:rPr lang="en-US" dirty="0" err="1" smtClean="0"/>
+              <a:t>Panoramica</a:t>
             </a:r>
             <a:endParaRPr lang="en-US" dirty="0" smtClean="0"/>
           </a:p>
           <a:p>
-            <a:endParaRPr lang="en-US" dirty="0" smtClean="0"/>
-          </a:p>
-          <a:p>
-            <a:r>
-              <a:rPr lang="en-US" dirty="0" smtClean="0"/>
-              <a:t>Databases’ Performance Analysis</a:t>
-            </a:r>
-          </a:p>
-          <a:p>
-            <a:endParaRPr lang="en-US" dirty="0" smtClean="0"/>
-          </a:p>
-          <a:p>
-            <a:r>
-              <a:rPr lang="en-US" dirty="0" smtClean="0"/>
-              <a:t>Real Time Prepaid System Load Test Case</a:t>
-            </a:r>
-          </a:p>
-          <a:p>
-            <a:endParaRPr lang="en-US" dirty="0" smtClean="0"/>
-          </a:p>
-          <a:p>
-            <a:r>
-              <a:rPr lang="en-US" dirty="0" smtClean="0"/>
-              <a:t>Results’ Analysis</a:t>
-            </a:r>
-          </a:p>
-          <a:p>
-            <a:endParaRPr lang="en-US" dirty="0" smtClean="0"/>
-          </a:p>
-          <a:p>
-            <a:r>
-              <a:rPr lang="en-US" dirty="0" smtClean="0"/>
-              <a:t>Conclusion</a:t>
+            <a:r>
+              <a:rPr lang="it-IT" dirty="0" smtClean="0"/>
+              <a:t>Performance </a:t>
+            </a:r>
+            <a:r>
+              <a:rPr lang="it-IT" dirty="0" err="1" smtClean="0"/>
+              <a:t>analysis</a:t>
+            </a:r>
+            <a:endParaRPr lang="it-IT" dirty="0" smtClean="0"/>
+          </a:p>
+          <a:p>
+            <a:r>
+              <a:rPr lang="it-IT" dirty="0" smtClean="0"/>
+              <a:t>Definizione di una metodologia di valutazione delle prestazioni dei database</a:t>
+            </a:r>
+          </a:p>
+          <a:p>
+            <a:r>
+              <a:rPr lang="it-IT" dirty="0" smtClean="0"/>
+              <a:t>Progettazione e realizzazione di uno strumento per l’esecuzione di test</a:t>
+            </a:r>
+          </a:p>
+          <a:p>
+            <a:r>
+              <a:rPr lang="it-IT" dirty="0" smtClean="0"/>
+              <a:t>Sperimentazione su alcuni DB e analisi dei risultati</a:t>
             </a:r>
             <a:endParaRPr lang="en-US" dirty="0"/>
           </a:p>
@@ -15776,6 +15912,184 @@
 </file>
 
 <file path=ppt/slides/slide5.xml><?xml version="1.0" encoding="utf-8"?>
+<p:sld xmlns:a="http://schemas.openxmlformats.org/drawingml/2006/main" xmlns:r="http://schemas.openxmlformats.org/officeDocument/2006/relationships" xmlns:p="http://schemas.openxmlformats.org/presentationml/2006/main">
+  <p:cSld>
+    <p:spTree>
+      <p:nvGrpSpPr>
+        <p:cNvPr id="1" name=""/>
+        <p:cNvGrpSpPr/>
+        <p:nvPr/>
+      </p:nvGrpSpPr>
+      <p:grpSpPr>
+        <a:xfrm>
+          <a:off x="0" y="0"/>
+          <a:ext cx="0" cy="0"/>
+          <a:chOff x="0" y="0"/>
+          <a:chExt cx="0" cy="0"/>
+        </a:xfrm>
+      </p:grpSpPr>
+      <p:sp>
+        <p:nvSpPr>
+          <p:cNvPr id="2" name="Titolo 1"/>
+          <p:cNvSpPr>
+            <a:spLocks noGrp="1"/>
+          </p:cNvSpPr>
+          <p:nvPr>
+            <p:ph type="title"/>
+          </p:nvPr>
+        </p:nvSpPr>
+        <p:spPr/>
+        <p:txBody>
+          <a:bodyPr>
+            <a:normAutofit/>
+          </a:bodyPr>
+          <a:lstStyle/>
+          <a:p>
+            <a:r>
+              <a:rPr lang="en-US" dirty="0" smtClean="0">
+                <a:solidFill>
+                  <a:srgbClr val="FFC000"/>
+                </a:solidFill>
+              </a:rPr>
+              <a:t>Summary</a:t>
+            </a:r>
+            <a:endParaRPr lang="en-US" dirty="0">
+              <a:solidFill>
+                <a:srgbClr val="FFC000"/>
+              </a:solidFill>
+            </a:endParaRPr>
+          </a:p>
+        </p:txBody>
+      </p:sp>
+      <p:pic>
+        <p:nvPicPr>
+          <p:cNvPr id="4" name="Picture 4" descr="C:\Users\error0\Desktop\logoRoma32.gif"/>
+          <p:cNvPicPr>
+            <a:picLocks noChangeAspect="1" noChangeArrowheads="1"/>
+          </p:cNvPicPr>
+          <p:nvPr/>
+        </p:nvPicPr>
+        <p:blipFill>
+          <a:blip r:embed="rId2">
+            <a:duotone>
+              <a:schemeClr val="accent1">
+                <a:shade val="45000"/>
+                <a:satMod val="135000"/>
+              </a:schemeClr>
+              <a:prstClr val="white"/>
+            </a:duotone>
+            <a:lum bright="20000"/>
+          </a:blip>
+          <a:srcRect/>
+          <a:stretch>
+            <a:fillRect/>
+          </a:stretch>
+        </p:blipFill>
+        <p:spPr bwMode="auto">
+          <a:xfrm>
+            <a:off x="6858016" y="153964"/>
+            <a:ext cx="2214578" cy="1131896"/>
+          </a:xfrm>
+          <a:prstGeom prst="rect">
+            <a:avLst/>
+          </a:prstGeom>
+          <a:noFill/>
+        </p:spPr>
+      </p:pic>
+      <p:sp>
+        <p:nvSpPr>
+          <p:cNvPr id="6" name="Segnaposto contenuto 5"/>
+          <p:cNvSpPr>
+            <a:spLocks noGrp="1"/>
+          </p:cNvSpPr>
+          <p:nvPr>
+            <p:ph idx="1"/>
+          </p:nvPr>
+        </p:nvSpPr>
+        <p:spPr>
+          <a:xfrm>
+            <a:off x="457200" y="1775191"/>
+            <a:ext cx="8043890" cy="4625609"/>
+          </a:xfrm>
+        </p:spPr>
+        <p:txBody>
+          <a:bodyPr>
+            <a:normAutofit/>
+          </a:bodyPr>
+          <a:lstStyle/>
+          <a:p>
+            <a:r>
+              <a:rPr lang="en-US" dirty="0" smtClean="0"/>
+              <a:t>IMDBs </a:t>
+            </a:r>
+            <a:r>
+              <a:rPr lang="en-US" dirty="0" smtClean="0"/>
+              <a:t>vs. Traditional </a:t>
+            </a:r>
+            <a:r>
+              <a:rPr lang="en-US" dirty="0" smtClean="0"/>
+              <a:t>DBMSs</a:t>
+            </a:r>
+            <a:endParaRPr lang="en-US" dirty="0" smtClean="0"/>
+          </a:p>
+          <a:p>
+            <a:endParaRPr lang="en-US" dirty="0" smtClean="0"/>
+          </a:p>
+          <a:p>
+            <a:r>
+              <a:rPr lang="en-US" dirty="0" smtClean="0"/>
+              <a:t>Databases’ Performance Analysis</a:t>
+            </a:r>
+          </a:p>
+          <a:p>
+            <a:endParaRPr lang="en-US" dirty="0" smtClean="0"/>
+          </a:p>
+          <a:p>
+            <a:r>
+              <a:rPr lang="en-US" dirty="0" smtClean="0"/>
+              <a:t>Real Time Prepaid System Load Test Case</a:t>
+            </a:r>
+          </a:p>
+          <a:p>
+            <a:endParaRPr lang="en-US" dirty="0" smtClean="0"/>
+          </a:p>
+          <a:p>
+            <a:r>
+              <a:rPr lang="en-US" dirty="0" smtClean="0"/>
+              <a:t>Results’ Analysis</a:t>
+            </a:r>
+          </a:p>
+          <a:p>
+            <a:endParaRPr lang="en-US" dirty="0" smtClean="0"/>
+          </a:p>
+          <a:p>
+            <a:r>
+              <a:rPr lang="en-US" dirty="0" smtClean="0"/>
+              <a:t>Conclusion</a:t>
+            </a:r>
+            <a:endParaRPr lang="en-US" dirty="0"/>
+          </a:p>
+        </p:txBody>
+      </p:sp>
+    </p:spTree>
+  </p:cSld>
+  <p:clrMapOvr>
+    <a:masterClrMapping/>
+  </p:clrMapOvr>
+  <p:transition>
+    <p:fade/>
+  </p:transition>
+  <p:timing>
+    <p:tnLst>
+      <p:par>
+        <p:cTn id="1" dur="indefinite" restart="never" nodeType="tmRoot"/>
+      </p:par>
+    </p:tnLst>
+  </p:timing>
+</p:sld>
+</file>
+
+<file path=ppt/slides/slide6.xml><?xml version="1.0" encoding="utf-8"?>
 <p:sld xmlns:a="http://schemas.openxmlformats.org/drawingml/2006/main" xmlns:r="http://schemas.openxmlformats.org/officeDocument/2006/relationships" xmlns:p="http://schemas.openxmlformats.org/presentationml/2006/main">
   <p:cSld>
     <p:spTree>
@@ -16913,7 +17227,7 @@
 </p:sld>
 </file>
 
-<file path=ppt/slides/slide6.xml><?xml version="1.0" encoding="utf-8"?>
+<file path=ppt/slides/slide7.xml><?xml version="1.0" encoding="utf-8"?>
 <p:sld xmlns:a="http://schemas.openxmlformats.org/drawingml/2006/main" xmlns:r="http://schemas.openxmlformats.org/officeDocument/2006/relationships" xmlns:p="http://schemas.openxmlformats.org/presentationml/2006/main">
   <p:cSld>
     <p:spTree>
@@ -17572,7 +17886,7 @@
 </p:sld>
 </file>
 
-<file path=ppt/slides/slide7.xml><?xml version="1.0" encoding="utf-8"?>
+<file path=ppt/slides/slide8.xml><?xml version="1.0" encoding="utf-8"?>
 <p:sld xmlns:a="http://schemas.openxmlformats.org/drawingml/2006/main" xmlns:r="http://schemas.openxmlformats.org/officeDocument/2006/relationships" xmlns:p="http://schemas.openxmlformats.org/presentationml/2006/main">
   <p:cSld>
     <p:spTree>
@@ -18448,611 +18762,6 @@
                                           <p:spTgt spid="5">
                                             <p:txEl>
                                               <p:pRg st="4" end="4"/>
-                                            </p:txEl>
-                                          </p:spTgt>
-                                        </p:tgtEl>
-                                      </p:cBhvr>
-                                    </p:animEffect>
-                                  </p:childTnLst>
-                                </p:cTn>
-                              </p:par>
-                            </p:childTnLst>
-                          </p:cTn>
-                        </p:par>
-                      </p:childTnLst>
-                    </p:cTn>
-                  </p:par>
-                </p:childTnLst>
-              </p:cTn>
-              <p:prevCondLst>
-                <p:cond evt="onPrev" delay="0">
-                  <p:tgtEl>
-                    <p:sldTgt/>
-                  </p:tgtEl>
-                </p:cond>
-              </p:prevCondLst>
-              <p:nextCondLst>
-                <p:cond evt="onNext" delay="0">
-                  <p:tgtEl>
-                    <p:sldTgt/>
-                  </p:tgtEl>
-                </p:cond>
-              </p:nextCondLst>
-            </p:seq>
-          </p:childTnLst>
-        </p:cTn>
-      </p:par>
-    </p:tnLst>
-  </p:timing>
-</p:sld>
-</file>
-
-<file path=ppt/slides/slide8.xml><?xml version="1.0" encoding="utf-8"?>
-<p:sld xmlns:a="http://schemas.openxmlformats.org/drawingml/2006/main" xmlns:r="http://schemas.openxmlformats.org/officeDocument/2006/relationships" xmlns:p="http://schemas.openxmlformats.org/presentationml/2006/main">
-  <p:cSld>
-    <p:spTree>
-      <p:nvGrpSpPr>
-        <p:cNvPr id="1" name=""/>
-        <p:cNvGrpSpPr/>
-        <p:nvPr/>
-      </p:nvGrpSpPr>
-      <p:grpSpPr>
-        <a:xfrm>
-          <a:off x="0" y="0"/>
-          <a:ext cx="0" cy="0"/>
-          <a:chOff x="0" y="0"/>
-          <a:chExt cx="0" cy="0"/>
-        </a:xfrm>
-      </p:grpSpPr>
-      <p:sp>
-        <p:nvSpPr>
-          <p:cNvPr id="2" name="Titolo 1"/>
-          <p:cNvSpPr>
-            <a:spLocks noGrp="1"/>
-          </p:cNvSpPr>
-          <p:nvPr>
-            <p:ph type="title"/>
-          </p:nvPr>
-        </p:nvSpPr>
-        <p:spPr>
-          <a:xfrm>
-            <a:off x="457200" y="155448"/>
-            <a:ext cx="6257940" cy="1252728"/>
-          </a:xfrm>
-        </p:spPr>
-        <p:txBody>
-          <a:bodyPr>
-            <a:normAutofit fontScale="90000"/>
-          </a:bodyPr>
-          <a:lstStyle/>
-          <a:p>
-            <a:r>
-              <a:rPr lang="en-US" dirty="0" smtClean="0">
-                <a:solidFill>
-                  <a:srgbClr val="FFC000"/>
-                </a:solidFill>
-              </a:rPr>
-              <a:t>Databases’ Performance Analysis</a:t>
-            </a:r>
-            <a:endParaRPr lang="en-US" dirty="0">
-              <a:solidFill>
-                <a:srgbClr val="FFC000"/>
-              </a:solidFill>
-            </a:endParaRPr>
-          </a:p>
-        </p:txBody>
-      </p:sp>
-      <p:pic>
-        <p:nvPicPr>
-          <p:cNvPr id="4" name="Picture 4" descr="C:\Users\error0\Desktop\logoRoma32.gif"/>
-          <p:cNvPicPr>
-            <a:picLocks noChangeAspect="1" noChangeArrowheads="1"/>
-          </p:cNvPicPr>
-          <p:nvPr/>
-        </p:nvPicPr>
-        <p:blipFill>
-          <a:blip r:embed="rId2">
-            <a:duotone>
-              <a:schemeClr val="accent1">
-                <a:shade val="45000"/>
-                <a:satMod val="135000"/>
-              </a:schemeClr>
-              <a:prstClr val="white"/>
-            </a:duotone>
-            <a:lum bright="20000"/>
-          </a:blip>
-          <a:srcRect/>
-          <a:stretch>
-            <a:fillRect/>
-          </a:stretch>
-        </p:blipFill>
-        <p:spPr bwMode="auto">
-          <a:xfrm>
-            <a:off x="6858016" y="153964"/>
-            <a:ext cx="2214578" cy="1131896"/>
-          </a:xfrm>
-          <a:prstGeom prst="rect">
-            <a:avLst/>
-          </a:prstGeom>
-          <a:noFill/>
-        </p:spPr>
-      </p:pic>
-      <p:sp>
-        <p:nvSpPr>
-          <p:cNvPr id="6" name="Segnaposto contenuto 5"/>
-          <p:cNvSpPr>
-            <a:spLocks noGrp="1"/>
-          </p:cNvSpPr>
-          <p:nvPr>
-            <p:ph idx="1"/>
-          </p:nvPr>
-        </p:nvSpPr>
-        <p:spPr>
-          <a:xfrm>
-            <a:off x="457200" y="1775191"/>
-            <a:ext cx="8043890" cy="4625609"/>
-          </a:xfrm>
-        </p:spPr>
-        <p:txBody>
-          <a:bodyPr>
-            <a:normAutofit lnSpcReduction="10000"/>
-          </a:bodyPr>
-          <a:lstStyle/>
-          <a:p>
-            <a:r>
-              <a:rPr lang="en-US" dirty="0" smtClean="0"/>
-              <a:t>Databases are only slower or faster given a specific set of criteria in a given benchmark</a:t>
-            </a:r>
-          </a:p>
-          <a:p>
-            <a:pPr lvl="1"/>
-            <a:r>
-              <a:rPr lang="en-US" dirty="0" smtClean="0"/>
-              <a:t>Execution platform</a:t>
-            </a:r>
-          </a:p>
-          <a:p>
-            <a:pPr lvl="1"/>
-            <a:r>
-              <a:rPr lang="en-US" dirty="0" smtClean="0"/>
-              <a:t>Application scenario</a:t>
-            </a:r>
-          </a:p>
-          <a:p>
-            <a:pPr lvl="1"/>
-            <a:r>
-              <a:rPr lang="en-US" dirty="0" smtClean="0"/>
-              <a:t>Implementation</a:t>
-            </a:r>
-          </a:p>
-          <a:p>
-            <a:endParaRPr lang="en-US" dirty="0" smtClean="0"/>
-          </a:p>
-          <a:p>
-            <a:r>
-              <a:rPr lang="it-IT" dirty="0" smtClean="0"/>
-              <a:t>Test Suite:</a:t>
-            </a:r>
-          </a:p>
-          <a:p>
-            <a:pPr lvl="1"/>
-            <a:r>
-              <a:rPr lang="it-IT" dirty="0" smtClean="0"/>
-              <a:t>Base test case</a:t>
-            </a:r>
-            <a:endParaRPr lang="en-US" dirty="0" smtClean="0"/>
-          </a:p>
-          <a:p>
-            <a:pPr lvl="1"/>
-            <a:r>
-              <a:rPr lang="en-US" dirty="0" smtClean="0"/>
-              <a:t>Load test case</a:t>
-            </a:r>
-          </a:p>
-        </p:txBody>
-      </p:sp>
-    </p:spTree>
-  </p:cSld>
-  <p:clrMapOvr>
-    <a:masterClrMapping/>
-  </p:clrMapOvr>
-  <p:transition>
-    <p:fade/>
-  </p:transition>
-  <p:timing>
-    <p:tnLst>
-      <p:par>
-        <p:cTn id="1" dur="indefinite" restart="never" nodeType="tmRoot">
-          <p:childTnLst>
-            <p:seq concurrent="1" nextAc="seek">
-              <p:cTn id="2" dur="indefinite" nodeType="mainSeq">
-                <p:childTnLst>
-                  <p:par>
-                    <p:cTn id="3" fill="hold">
-                      <p:stCondLst>
-                        <p:cond delay="indefinite"/>
-                      </p:stCondLst>
-                      <p:childTnLst>
-                        <p:par>
-                          <p:cTn id="4" fill="hold">
-                            <p:stCondLst>
-                              <p:cond delay="0"/>
-                            </p:stCondLst>
-                            <p:childTnLst>
-                              <p:par>
-                                <p:cTn id="5" presetID="10" presetClass="entr" presetSubtype="0" fill="hold" nodeType="clickEffect">
-                                  <p:stCondLst>
-                                    <p:cond delay="0"/>
-                                  </p:stCondLst>
-                                  <p:childTnLst>
-                                    <p:set>
-                                      <p:cBhvr>
-                                        <p:cTn id="6" dur="1" fill="hold">
-                                          <p:stCondLst>
-                                            <p:cond delay="0"/>
-                                          </p:stCondLst>
-                                        </p:cTn>
-                                        <p:tgtEl>
-                                          <p:spTgt spid="6">
-                                            <p:txEl>
-                                              <p:pRg st="0" end="0"/>
-                                            </p:txEl>
-                                          </p:spTgt>
-                                        </p:tgtEl>
-                                        <p:attrNameLst>
-                                          <p:attrName>style.visibility</p:attrName>
-                                        </p:attrNameLst>
-                                      </p:cBhvr>
-                                      <p:to>
-                                        <p:strVal val="visible"/>
-                                      </p:to>
-                                    </p:set>
-                                    <p:animEffect transition="in" filter="fade">
-                                      <p:cBhvr>
-                                        <p:cTn id="7" dur="1000"/>
-                                        <p:tgtEl>
-                                          <p:spTgt spid="6">
-                                            <p:txEl>
-                                              <p:pRg st="0" end="0"/>
-                                            </p:txEl>
-                                          </p:spTgt>
-                                        </p:tgtEl>
-                                      </p:cBhvr>
-                                    </p:animEffect>
-                                  </p:childTnLst>
-                                </p:cTn>
-                              </p:par>
-                            </p:childTnLst>
-                          </p:cTn>
-                        </p:par>
-                      </p:childTnLst>
-                    </p:cTn>
-                  </p:par>
-                  <p:par>
-                    <p:cTn id="8" fill="hold">
-                      <p:stCondLst>
-                        <p:cond delay="indefinite"/>
-                      </p:stCondLst>
-                      <p:childTnLst>
-                        <p:par>
-                          <p:cTn id="9" fill="hold">
-                            <p:stCondLst>
-                              <p:cond delay="0"/>
-                            </p:stCondLst>
-                            <p:childTnLst>
-                              <p:par>
-                                <p:cTn id="10" presetID="10" presetClass="entr" presetSubtype="0" fill="hold" nodeType="clickEffect">
-                                  <p:stCondLst>
-                                    <p:cond delay="0"/>
-                                  </p:stCondLst>
-                                  <p:childTnLst>
-                                    <p:set>
-                                      <p:cBhvr>
-                                        <p:cTn id="11" dur="1" fill="hold">
-                                          <p:stCondLst>
-                                            <p:cond delay="0"/>
-                                          </p:stCondLst>
-                                        </p:cTn>
-                                        <p:tgtEl>
-                                          <p:spTgt spid="6">
-                                            <p:txEl>
-                                              <p:pRg st="1" end="1"/>
-                                            </p:txEl>
-                                          </p:spTgt>
-                                        </p:tgtEl>
-                                        <p:attrNameLst>
-                                          <p:attrName>style.visibility</p:attrName>
-                                        </p:attrNameLst>
-                                      </p:cBhvr>
-                                      <p:to>
-                                        <p:strVal val="visible"/>
-                                      </p:to>
-                                    </p:set>
-                                    <p:animEffect transition="in" filter="fade">
-                                      <p:cBhvr>
-                                        <p:cTn id="12" dur="1000"/>
-                                        <p:tgtEl>
-                                          <p:spTgt spid="6">
-                                            <p:txEl>
-                                              <p:pRg st="1" end="1"/>
-                                            </p:txEl>
-                                          </p:spTgt>
-                                        </p:tgtEl>
-                                      </p:cBhvr>
-                                    </p:animEffect>
-                                  </p:childTnLst>
-                                </p:cTn>
-                              </p:par>
-                            </p:childTnLst>
-                          </p:cTn>
-                        </p:par>
-                        <p:par>
-                          <p:cTn id="13" fill="hold">
-                            <p:stCondLst>
-                              <p:cond delay="1000"/>
-                            </p:stCondLst>
-                            <p:childTnLst>
-                              <p:par>
-                                <p:cTn id="14" presetID="10" presetClass="entr" presetSubtype="0" fill="hold" nodeType="afterEffect">
-                                  <p:stCondLst>
-                                    <p:cond delay="0"/>
-                                  </p:stCondLst>
-                                  <p:childTnLst>
-                                    <p:set>
-                                      <p:cBhvr>
-                                        <p:cTn id="15" dur="1" fill="hold">
-                                          <p:stCondLst>
-                                            <p:cond delay="0"/>
-                                          </p:stCondLst>
-                                        </p:cTn>
-                                        <p:tgtEl>
-                                          <p:spTgt spid="6">
-                                            <p:txEl>
-                                              <p:pRg st="2" end="2"/>
-                                            </p:txEl>
-                                          </p:spTgt>
-                                        </p:tgtEl>
-                                        <p:attrNameLst>
-                                          <p:attrName>style.visibility</p:attrName>
-                                        </p:attrNameLst>
-                                      </p:cBhvr>
-                                      <p:to>
-                                        <p:strVal val="visible"/>
-                                      </p:to>
-                                    </p:set>
-                                    <p:animEffect transition="in" filter="fade">
-                                      <p:cBhvr>
-                                        <p:cTn id="16" dur="1000"/>
-                                        <p:tgtEl>
-                                          <p:spTgt spid="6">
-                                            <p:txEl>
-                                              <p:pRg st="2" end="2"/>
-                                            </p:txEl>
-                                          </p:spTgt>
-                                        </p:tgtEl>
-                                      </p:cBhvr>
-                                    </p:animEffect>
-                                  </p:childTnLst>
-                                </p:cTn>
-                              </p:par>
-                            </p:childTnLst>
-                          </p:cTn>
-                        </p:par>
-                        <p:par>
-                          <p:cTn id="17" fill="hold">
-                            <p:stCondLst>
-                              <p:cond delay="2000"/>
-                            </p:stCondLst>
-                            <p:childTnLst>
-                              <p:par>
-                                <p:cTn id="18" presetID="10" presetClass="entr" presetSubtype="0" fill="hold" nodeType="afterEffect">
-                                  <p:stCondLst>
-                                    <p:cond delay="0"/>
-                                  </p:stCondLst>
-                                  <p:childTnLst>
-                                    <p:set>
-                                      <p:cBhvr>
-                                        <p:cTn id="19" dur="1" fill="hold">
-                                          <p:stCondLst>
-                                            <p:cond delay="0"/>
-                                          </p:stCondLst>
-                                        </p:cTn>
-                                        <p:tgtEl>
-                                          <p:spTgt spid="6">
-                                            <p:txEl>
-                                              <p:pRg st="3" end="3"/>
-                                            </p:txEl>
-                                          </p:spTgt>
-                                        </p:tgtEl>
-                                        <p:attrNameLst>
-                                          <p:attrName>style.visibility</p:attrName>
-                                        </p:attrNameLst>
-                                      </p:cBhvr>
-                                      <p:to>
-                                        <p:strVal val="visible"/>
-                                      </p:to>
-                                    </p:set>
-                                    <p:animEffect transition="in" filter="fade">
-                                      <p:cBhvr>
-                                        <p:cTn id="20" dur="1000"/>
-                                        <p:tgtEl>
-                                          <p:spTgt spid="6">
-                                            <p:txEl>
-                                              <p:pRg st="3" end="3"/>
-                                            </p:txEl>
-                                          </p:spTgt>
-                                        </p:tgtEl>
-                                      </p:cBhvr>
-                                    </p:animEffect>
-                                  </p:childTnLst>
-                                </p:cTn>
-                              </p:par>
-                            </p:childTnLst>
-                          </p:cTn>
-                        </p:par>
-                      </p:childTnLst>
-                    </p:cTn>
-                  </p:par>
-                  <p:par>
-                    <p:cTn id="21" fill="hold">
-                      <p:stCondLst>
-                        <p:cond delay="indefinite"/>
-                      </p:stCondLst>
-                      <p:childTnLst>
-                        <p:par>
-                          <p:cTn id="22" fill="hold">
-                            <p:stCondLst>
-                              <p:cond delay="0"/>
-                            </p:stCondLst>
-                            <p:childTnLst>
-                              <p:par>
-                                <p:cTn id="23" presetID="10" presetClass="entr" presetSubtype="0" fill="hold" nodeType="clickEffect">
-                                  <p:stCondLst>
-                                    <p:cond delay="0"/>
-                                  </p:stCondLst>
-                                  <p:childTnLst>
-                                    <p:set>
-                                      <p:cBhvr>
-                                        <p:cTn id="24" dur="1" fill="hold">
-                                          <p:stCondLst>
-                                            <p:cond delay="0"/>
-                                          </p:stCondLst>
-                                        </p:cTn>
-                                        <p:tgtEl>
-                                          <p:spTgt spid="6">
-                                            <p:txEl>
-                                              <p:pRg st="5" end="5"/>
-                                            </p:txEl>
-                                          </p:spTgt>
-                                        </p:tgtEl>
-                                        <p:attrNameLst>
-                                          <p:attrName>style.visibility</p:attrName>
-                                        </p:attrNameLst>
-                                      </p:cBhvr>
-                                      <p:to>
-                                        <p:strVal val="visible"/>
-                                      </p:to>
-                                    </p:set>
-                                    <p:animEffect transition="in" filter="fade">
-                                      <p:cBhvr>
-                                        <p:cTn id="25" dur="1000"/>
-                                        <p:tgtEl>
-                                          <p:spTgt spid="6">
-                                            <p:txEl>
-                                              <p:pRg st="5" end="5"/>
-                                            </p:txEl>
-                                          </p:spTgt>
-                                        </p:tgtEl>
-                                      </p:cBhvr>
-                                    </p:animEffect>
-                                  </p:childTnLst>
-                                </p:cTn>
-                              </p:par>
-                            </p:childTnLst>
-                          </p:cTn>
-                        </p:par>
-                      </p:childTnLst>
-                    </p:cTn>
-                  </p:par>
-                  <p:par>
-                    <p:cTn id="26" fill="hold">
-                      <p:stCondLst>
-                        <p:cond delay="indefinite"/>
-                      </p:stCondLst>
-                      <p:childTnLst>
-                        <p:par>
-                          <p:cTn id="27" fill="hold">
-                            <p:stCondLst>
-                              <p:cond delay="0"/>
-                            </p:stCondLst>
-                            <p:childTnLst>
-                              <p:par>
-                                <p:cTn id="28" presetID="10" presetClass="entr" presetSubtype="0" fill="hold" nodeType="clickEffect">
-                                  <p:stCondLst>
-                                    <p:cond delay="0"/>
-                                  </p:stCondLst>
-                                  <p:childTnLst>
-                                    <p:set>
-                                      <p:cBhvr>
-                                        <p:cTn id="29" dur="1" fill="hold">
-                                          <p:stCondLst>
-                                            <p:cond delay="0"/>
-                                          </p:stCondLst>
-                                        </p:cTn>
-                                        <p:tgtEl>
-                                          <p:spTgt spid="6">
-                                            <p:txEl>
-                                              <p:pRg st="6" end="6"/>
-                                            </p:txEl>
-                                          </p:spTgt>
-                                        </p:tgtEl>
-                                        <p:attrNameLst>
-                                          <p:attrName>style.visibility</p:attrName>
-                                        </p:attrNameLst>
-                                      </p:cBhvr>
-                                      <p:to>
-                                        <p:strVal val="visible"/>
-                                      </p:to>
-                                    </p:set>
-                                    <p:animEffect transition="in" filter="fade">
-                                      <p:cBhvr>
-                                        <p:cTn id="30" dur="1000"/>
-                                        <p:tgtEl>
-                                          <p:spTgt spid="6">
-                                            <p:txEl>
-                                              <p:pRg st="6" end="6"/>
-                                            </p:txEl>
-                                          </p:spTgt>
-                                        </p:tgtEl>
-                                      </p:cBhvr>
-                                    </p:animEffect>
-                                  </p:childTnLst>
-                                </p:cTn>
-                              </p:par>
-                            </p:childTnLst>
-                          </p:cTn>
-                        </p:par>
-                        <p:par>
-                          <p:cTn id="31" fill="hold">
-                            <p:stCondLst>
-                              <p:cond delay="1000"/>
-                            </p:stCondLst>
-                            <p:childTnLst>
-                              <p:par>
-                                <p:cTn id="32" presetID="10" presetClass="entr" presetSubtype="0" fill="hold" nodeType="afterEffect">
-                                  <p:stCondLst>
-                                    <p:cond delay="0"/>
-                                  </p:stCondLst>
-                                  <p:childTnLst>
-                                    <p:set>
-                                      <p:cBhvr>
-                                        <p:cTn id="33" dur="1" fill="hold">
-                                          <p:stCondLst>
-                                            <p:cond delay="0"/>
-                                          </p:stCondLst>
-                                        </p:cTn>
-                                        <p:tgtEl>
-                                          <p:spTgt spid="6">
-                                            <p:txEl>
-                                              <p:pRg st="7" end="7"/>
-                                            </p:txEl>
-                                          </p:spTgt>
-                                        </p:tgtEl>
-                                        <p:attrNameLst>
-                                          <p:attrName>style.visibility</p:attrName>
-                                        </p:attrNameLst>
-                                      </p:cBhvr>
-                                      <p:to>
-                                        <p:strVal val="visible"/>
-                                      </p:to>
-                                    </p:set>
-                                    <p:animEffect transition="in" filter="fade">
-                                      <p:cBhvr>
-                                        <p:cTn id="34" dur="1000"/>
-                                        <p:tgtEl>
-                                          <p:spTgt spid="6">
-                                            <p:txEl>
-                                              <p:pRg st="7" end="7"/>
                                             </p:txEl>
                                           </p:spTgt>
                                         </p:tgtEl>
@@ -19121,8 +18830,8 @@
         </p:nvSpPr>
         <p:spPr>
           <a:xfrm>
-            <a:off x="285720" y="155448"/>
-            <a:ext cx="6500858" cy="1252728"/>
+            <a:off x="457200" y="155448"/>
+            <a:ext cx="6257940" cy="1252728"/>
           </a:xfrm>
         </p:spPr>
         <p:txBody>
@@ -19137,7 +18846,7 @@
                   <a:srgbClr val="FFC000"/>
                 </a:solidFill>
               </a:rPr>
-              <a:t>Benchmark Requirements</a:t>
+              <a:t>Databases’ Performance Analysis</a:t>
             </a:r>
             <a:endParaRPr lang="en-US" dirty="0">
               <a:solidFill>
@@ -19200,13 +18909,34 @@
         </p:spPr>
         <p:txBody>
           <a:bodyPr>
-            <a:normAutofit fontScale="92500" lnSpcReduction="10000"/>
+            <a:normAutofit lnSpcReduction="10000"/>
           </a:bodyPr>
           <a:lstStyle/>
           <a:p>
             <a:r>
               <a:rPr lang="en-US" dirty="0" smtClean="0"/>
-              <a:t>A benchmark is a point of reference used to measure the performance</a:t>
+              <a:t>Databases are only slower or faster given a specific set of criteria in a given benchmark</a:t>
+            </a:r>
+          </a:p>
+          <a:p>
+            <a:pPr lvl="1"/>
+            <a:r>
+              <a:rPr lang="en-US" dirty="0" smtClean="0"/>
+              <a:t>Execution platform</a:t>
+            </a:r>
+          </a:p>
+          <a:p>
+            <a:pPr lvl="1"/>
+            <a:r>
+              <a:rPr lang="en-US" dirty="0" smtClean="0"/>
+              <a:t>Application scenario</a:t>
+            </a:r>
+          </a:p>
+          <a:p>
+            <a:pPr lvl="1"/>
+            <a:r>
+              <a:rPr lang="en-US" dirty="0" smtClean="0"/>
+              <a:t>Implementation</a:t>
             </a:r>
           </a:p>
           <a:p>
@@ -19214,55 +18944,24 @@
           </a:p>
           <a:p>
             <a:r>
+              <a:rPr lang="it-IT" dirty="0" smtClean="0"/>
+              <a:t>Test Suite:</a:t>
+            </a:r>
+          </a:p>
+          <a:p>
+            <a:pPr lvl="1"/>
+            <a:r>
+              <a:rPr lang="it-IT" dirty="0" smtClean="0"/>
+              <a:t>Base test case</a:t>
+            </a:r>
+            <a:endParaRPr lang="en-US" dirty="0" smtClean="0"/>
+          </a:p>
+          <a:p>
+            <a:pPr lvl="1"/>
+            <a:r>
               <a:rPr lang="en-US" dirty="0" smtClean="0"/>
-              <a:t>Requirements:</a:t>
-            </a:r>
-          </a:p>
-          <a:p>
-            <a:pPr lvl="1"/>
-            <a:r>
-              <a:rPr lang="en-US" dirty="0" smtClean="0"/>
-              <a:t>Portable</a:t>
-            </a:r>
-          </a:p>
-          <a:p>
-            <a:pPr lvl="1"/>
-            <a:r>
-              <a:rPr lang="en-US" dirty="0" smtClean="0"/>
-              <a:t>Flexible</a:t>
-            </a:r>
-          </a:p>
-          <a:p>
-            <a:pPr lvl="1"/>
-            <a:r>
-              <a:rPr lang="en-US" dirty="0" smtClean="0"/>
-              <a:t>Detailed report for each test</a:t>
-            </a:r>
-          </a:p>
-          <a:p>
-            <a:pPr lvl="1"/>
-            <a:r>
-              <a:rPr lang="en-US" dirty="0" smtClean="0"/>
-              <a:t>Visual report</a:t>
-            </a:r>
-          </a:p>
-          <a:p>
-            <a:pPr lvl="1"/>
-            <a:r>
-              <a:rPr lang="en-US" dirty="0" smtClean="0"/>
-              <a:t>For both relational and object database</a:t>
-            </a:r>
-          </a:p>
-          <a:p>
-            <a:pPr lvl="1"/>
-            <a:r>
-              <a:rPr lang="en-US" dirty="0" smtClean="0"/>
-              <a:t>Easy to use</a:t>
-            </a:r>
-          </a:p>
-          <a:p>
-            <a:pPr lvl="1"/>
-            <a:endParaRPr lang="en-US" dirty="0"/>
+              <a:t>Load test case</a:t>
+            </a:r>
           </a:p>
         </p:txBody>
       </p:sp>
@@ -19371,7 +19070,7 @@
                                         <p:tgtEl>
                                           <p:spTgt spid="6">
                                             <p:txEl>
-                                              <p:pRg st="2" end="2"/>
+                                              <p:pRg st="1" end="1"/>
                                             </p:txEl>
                                           </p:spTgt>
                                         </p:tgtEl>
@@ -19389,7 +19088,7 @@
                                         <p:tgtEl>
                                           <p:spTgt spid="6">
                                             <p:txEl>
-                                              <p:pRg st="2" end="2"/>
+                                              <p:pRg st="1" end="1"/>
                                             </p:txEl>
                                           </p:spTgt>
                                         </p:tgtEl>
@@ -19423,7 +19122,7 @@
                                         <p:tgtEl>
                                           <p:spTgt spid="6">
                                             <p:txEl>
-                                              <p:pRg st="3" end="3"/>
+                                              <p:pRg st="2" end="2"/>
                                             </p:txEl>
                                           </p:spTgt>
                                         </p:tgtEl>
@@ -19441,7 +19140,7 @@
                                         <p:tgtEl>
                                           <p:spTgt spid="6">
                                             <p:txEl>
-                                              <p:pRg st="3" end="3"/>
+                                              <p:pRg st="2" end="2"/>
                                             </p:txEl>
                                           </p:spTgt>
                                         </p:tgtEl>
@@ -19475,7 +19174,7 @@
                                         <p:tgtEl>
                                           <p:spTgt spid="6">
                                             <p:txEl>
-                                              <p:pRg st="4" end="4"/>
+                                              <p:pRg st="3" end="3"/>
                                             </p:txEl>
                                           </p:spTgt>
                                         </p:tgtEl>
@@ -19493,7 +19192,129 @@
                                         <p:tgtEl>
                                           <p:spTgt spid="6">
                                             <p:txEl>
-                                              <p:pRg st="4" end="4"/>
+                                              <p:pRg st="3" end="3"/>
+                                            </p:txEl>
+                                          </p:spTgt>
+                                        </p:tgtEl>
+                                      </p:cBhvr>
+                                    </p:animEffect>
+                                  </p:childTnLst>
+                                </p:cTn>
+                              </p:par>
+                            </p:childTnLst>
+                          </p:cTn>
+                        </p:par>
+                      </p:childTnLst>
+                    </p:cTn>
+                  </p:par>
+                  <p:par>
+                    <p:cTn id="21" fill="hold">
+                      <p:stCondLst>
+                        <p:cond delay="indefinite"/>
+                      </p:stCondLst>
+                      <p:childTnLst>
+                        <p:par>
+                          <p:cTn id="22" fill="hold">
+                            <p:stCondLst>
+                              <p:cond delay="0"/>
+                            </p:stCondLst>
+                            <p:childTnLst>
+                              <p:par>
+                                <p:cTn id="23" presetID="10" presetClass="entr" presetSubtype="0" fill="hold" nodeType="clickEffect">
+                                  <p:stCondLst>
+                                    <p:cond delay="0"/>
+                                  </p:stCondLst>
+                                  <p:childTnLst>
+                                    <p:set>
+                                      <p:cBhvr>
+                                        <p:cTn id="24" dur="1" fill="hold">
+                                          <p:stCondLst>
+                                            <p:cond delay="0"/>
+                                          </p:stCondLst>
+                                        </p:cTn>
+                                        <p:tgtEl>
+                                          <p:spTgt spid="6">
+                                            <p:txEl>
+                                              <p:pRg st="5" end="5"/>
+                                            </p:txEl>
+                                          </p:spTgt>
+                                        </p:tgtEl>
+                                        <p:attrNameLst>
+                                          <p:attrName>style.visibility</p:attrName>
+                                        </p:attrNameLst>
+                                      </p:cBhvr>
+                                      <p:to>
+                                        <p:strVal val="visible"/>
+                                      </p:to>
+                                    </p:set>
+                                    <p:animEffect transition="in" filter="fade">
+                                      <p:cBhvr>
+                                        <p:cTn id="25" dur="1000"/>
+                                        <p:tgtEl>
+                                          <p:spTgt spid="6">
+                                            <p:txEl>
+                                              <p:pRg st="5" end="5"/>
+                                            </p:txEl>
+                                          </p:spTgt>
+                                        </p:tgtEl>
+                                      </p:cBhvr>
+                                    </p:animEffect>
+                                  </p:childTnLst>
+                                </p:cTn>
+                              </p:par>
+                            </p:childTnLst>
+                          </p:cTn>
+                        </p:par>
+                      </p:childTnLst>
+                    </p:cTn>
+                  </p:par>
+                  <p:par>
+                    <p:cTn id="26" fill="hold">
+                      <p:stCondLst>
+                        <p:cond delay="indefinite"/>
+                      </p:stCondLst>
+                      <p:childTnLst>
+                        <p:par>
+                          <p:cTn id="27" fill="hold">
+                            <p:stCondLst>
+                              <p:cond delay="0"/>
+                            </p:stCondLst>
+                            <p:childTnLst>
+                              <p:par>
+                                <p:cTn id="28" presetID="10" presetClass="entr" presetSubtype="0" fill="hold" nodeType="clickEffect">
+                                  <p:stCondLst>
+                                    <p:cond delay="0"/>
+                                  </p:stCondLst>
+                                  <p:childTnLst>
+                                    <p:set>
+                                      <p:cBhvr>
+                                        <p:cTn id="29" dur="1" fill="hold">
+                                          <p:stCondLst>
+                                            <p:cond delay="0"/>
+                                          </p:stCondLst>
+                                        </p:cTn>
+                                        <p:tgtEl>
+                                          <p:spTgt spid="6">
+                                            <p:txEl>
+                                              <p:pRg st="6" end="6"/>
+                                            </p:txEl>
+                                          </p:spTgt>
+                                        </p:tgtEl>
+                                        <p:attrNameLst>
+                                          <p:attrName>style.visibility</p:attrName>
+                                        </p:attrNameLst>
+                                      </p:cBhvr>
+                                      <p:to>
+                                        <p:strVal val="visible"/>
+                                      </p:to>
+                                    </p:set>
+                                    <p:animEffect transition="in" filter="fade">
+                                      <p:cBhvr>
+                                        <p:cTn id="30" dur="1000"/>
+                                        <p:tgtEl>
+                                          <p:spTgt spid="6">
+                                            <p:txEl>
+                                              <p:pRg st="6" end="6"/>
                                             </p:txEl>
                                           </p:spTgt>
                                         </p:tgtEl>
@@ -19506,20 +19327,20 @@
                           </p:cTn>
                         </p:par>
                         <p:par>
-                          <p:cTn id="21" fill="hold">
+                          <p:cTn id="31" fill="hold">
                             <p:stCondLst>
-                              <p:cond delay="3000"/>
+                              <p:cond delay="1000"/>
                             </p:stCondLst>
                             <p:childTnLst>
                               <p:par>
-                                <p:cTn id="22" presetID="10" presetClass="entr" presetSubtype="0" fill="hold" nodeType="afterEffect">
+                                <p:cTn id="32" presetID="10" presetClass="entr" presetSubtype="0" fill="hold" nodeType="afterEffect">
                                   <p:stCondLst>
                                     <p:cond delay="0"/>
                                   </p:stCondLst>
                                   <p:childTnLst>
                                     <p:set>
                                       <p:cBhvr>
-                                        <p:cTn id="23" dur="1" fill="hold">
+                                        <p:cTn id="33" dur="1" fill="hold">
                                           <p:stCondLst>
                                             <p:cond delay="0"/>
                                           </p:stCondLst>
@@ -19527,7 +19348,7 @@
                                         <p:tgtEl>
                                           <p:spTgt spid="6">
                                             <p:txEl>
-                                              <p:pRg st="5" end="5"/>
+                                              <p:pRg st="7" end="7"/>
                                             </p:txEl>
                                           </p:spTgt>
                                         </p:tgtEl>
@@ -19541,167 +19362,11 @@
                                     </p:set>
                                     <p:animEffect transition="in" filter="fade">
                                       <p:cBhvr>
-                                        <p:cTn id="24" dur="1000"/>
-                                        <p:tgtEl>
-                                          <p:spTgt spid="6">
-                                            <p:txEl>
-                                              <p:pRg st="5" end="5"/>
-                                            </p:txEl>
-                                          </p:spTgt>
-                                        </p:tgtEl>
-                                      </p:cBhvr>
-                                    </p:animEffect>
-                                  </p:childTnLst>
-                                </p:cTn>
-                              </p:par>
-                            </p:childTnLst>
-                          </p:cTn>
-                        </p:par>
-                        <p:par>
-                          <p:cTn id="25" fill="hold">
-                            <p:stCondLst>
-                              <p:cond delay="4000"/>
-                            </p:stCondLst>
-                            <p:childTnLst>
-                              <p:par>
-                                <p:cTn id="26" presetID="10" presetClass="entr" presetSubtype="0" fill="hold" nodeType="afterEffect">
-                                  <p:stCondLst>
-                                    <p:cond delay="0"/>
-                                  </p:stCondLst>
-                                  <p:childTnLst>
-                                    <p:set>
-                                      <p:cBhvr>
-                                        <p:cTn id="27" dur="1" fill="hold">
-                                          <p:stCondLst>
-                                            <p:cond delay="0"/>
-                                          </p:stCondLst>
-                                        </p:cTn>
-                                        <p:tgtEl>
-                                          <p:spTgt spid="6">
-                                            <p:txEl>
-                                              <p:pRg st="6" end="6"/>
-                                            </p:txEl>
-                                          </p:spTgt>
-                                        </p:tgtEl>
-                                        <p:attrNameLst>
-                                          <p:attrName>style.visibility</p:attrName>
-                                        </p:attrNameLst>
-                                      </p:cBhvr>
-                                      <p:to>
-                                        <p:strVal val="visible"/>
-                                      </p:to>
-                                    </p:set>
-                                    <p:animEffect transition="in" filter="fade">
-                                      <p:cBhvr>
-                                        <p:cTn id="28" dur="1000"/>
-                                        <p:tgtEl>
-                                          <p:spTgt spid="6">
-                                            <p:txEl>
-                                              <p:pRg st="6" end="6"/>
-                                            </p:txEl>
-                                          </p:spTgt>
-                                        </p:tgtEl>
-                                      </p:cBhvr>
-                                    </p:animEffect>
-                                  </p:childTnLst>
-                                </p:cTn>
-                              </p:par>
-                            </p:childTnLst>
-                          </p:cTn>
-                        </p:par>
-                        <p:par>
-                          <p:cTn id="29" fill="hold">
-                            <p:stCondLst>
-                              <p:cond delay="5000"/>
-                            </p:stCondLst>
-                            <p:childTnLst>
-                              <p:par>
-                                <p:cTn id="30" presetID="10" presetClass="entr" presetSubtype="0" fill="hold" nodeType="afterEffect">
-                                  <p:stCondLst>
-                                    <p:cond delay="0"/>
-                                  </p:stCondLst>
-                                  <p:childTnLst>
-                                    <p:set>
-                                      <p:cBhvr>
-                                        <p:cTn id="31" dur="1" fill="hold">
-                                          <p:stCondLst>
-                                            <p:cond delay="0"/>
-                                          </p:stCondLst>
-                                        </p:cTn>
+                                        <p:cTn id="34" dur="1000"/>
                                         <p:tgtEl>
                                           <p:spTgt spid="6">
                                             <p:txEl>
                                               <p:pRg st="7" end="7"/>
-                                            </p:txEl>
-                                          </p:spTgt>
-                                        </p:tgtEl>
-                                        <p:attrNameLst>
-                                          <p:attrName>style.visibility</p:attrName>
-                                        </p:attrNameLst>
-                                      </p:cBhvr>
-                                      <p:to>
-                                        <p:strVal val="visible"/>
-                                      </p:to>
-                                    </p:set>
-                                    <p:animEffect transition="in" filter="fade">
-                                      <p:cBhvr>
-                                        <p:cTn id="32" dur="1000"/>
-                                        <p:tgtEl>
-                                          <p:spTgt spid="6">
-                                            <p:txEl>
-                                              <p:pRg st="7" end="7"/>
-                                            </p:txEl>
-                                          </p:spTgt>
-                                        </p:tgtEl>
-                                      </p:cBhvr>
-                                    </p:animEffect>
-                                  </p:childTnLst>
-                                </p:cTn>
-                              </p:par>
-                            </p:childTnLst>
-                          </p:cTn>
-                        </p:par>
-                        <p:par>
-                          <p:cTn id="33" fill="hold">
-                            <p:stCondLst>
-                              <p:cond delay="6000"/>
-                            </p:stCondLst>
-                            <p:childTnLst>
-                              <p:par>
-                                <p:cTn id="34" presetID="10" presetClass="entr" presetSubtype="0" fill="hold" nodeType="afterEffect">
-                                  <p:stCondLst>
-                                    <p:cond delay="0"/>
-                                  </p:stCondLst>
-                                  <p:childTnLst>
-                                    <p:set>
-                                      <p:cBhvr>
-                                        <p:cTn id="35" dur="1" fill="hold">
-                                          <p:stCondLst>
-                                            <p:cond delay="0"/>
-                                          </p:stCondLst>
-                                        </p:cTn>
-                                        <p:tgtEl>
-                                          <p:spTgt spid="6">
-                                            <p:txEl>
-                                              <p:pRg st="8" end="8"/>
-                                            </p:txEl>
-                                          </p:spTgt>
-                                        </p:tgtEl>
-                                        <p:attrNameLst>
-                                          <p:attrName>style.visibility</p:attrName>
-                                        </p:attrNameLst>
-                                      </p:cBhvr>
-                                      <p:to>
-                                        <p:strVal val="visible"/>
-                                      </p:to>
-                                    </p:set>
-                                    <p:animEffect transition="in" filter="fade">
-                                      <p:cBhvr>
-                                        <p:cTn id="36" dur="1000"/>
-                                        <p:tgtEl>
-                                          <p:spTgt spid="6">
-                                            <p:txEl>
-                                              <p:pRg st="8" end="8"/>
                                             </p:txEl>
                                           </p:spTgt>
                                         </p:tgtEl>

--- a/trunk/tesi/presentazione/Barbagallo-IMDB.pptx
+++ b/trunk/tesi/presentazione/Barbagallo-IMDB.pptx
@@ -214,7 +214,7 @@
             <a:fld id="{23F755C8-B5BC-4E8F-B906-339D1A3E340F}" type="datetimeFigureOut">
               <a:rPr lang="it-IT" smtClean="0"/>
               <a:pPr/>
-              <a:t>17/12/2008</a:t>
+              <a:t>18/12/2008</a:t>
             </a:fld>
             <a:endParaRPr lang="it-IT" dirty="0"/>
           </a:p>
@@ -527,193 +527,40 @@
           <a:lstStyle/>
           <a:p>
             <a:r>
+              <a:rPr lang="en-US" dirty="0" smtClean="0"/>
+              <a:t>IMDBs landscape</a:t>
+            </a:r>
+          </a:p>
+          <a:p>
+            <a:endParaRPr lang="en-US" dirty="0" smtClean="0"/>
+          </a:p>
+          <a:p>
+            <a:r>
               <a:rPr lang="it-IT" dirty="0" smtClean="0"/>
-              <a:t>Un </a:t>
-            </a:r>
-            <a:r>
-              <a:rPr lang="it-IT" dirty="0" err="1" smtClean="0"/>
-              <a:t>imdb</a:t>
-            </a:r>
-            <a:r>
-              <a:rPr lang="it-IT" baseline="0" dirty="0" smtClean="0"/>
-              <a:t> non è come un </a:t>
-            </a:r>
-            <a:r>
-              <a:rPr lang="it-IT" baseline="0" dirty="0" err="1" smtClean="0"/>
-              <a:t>dbms</a:t>
-            </a:r>
-            <a:r>
-              <a:rPr lang="it-IT" baseline="0" dirty="0" smtClean="0"/>
-              <a:t> tradizionale </a:t>
-            </a:r>
-            <a:r>
-              <a:rPr lang="it-IT" baseline="0" dirty="0" err="1" smtClean="0"/>
-              <a:t>deployato</a:t>
-            </a:r>
-            <a:r>
-              <a:rPr lang="it-IT" baseline="0" dirty="0" smtClean="0"/>
-              <a:t> in ram</a:t>
-            </a:r>
+              <a:t>Definizione di una metodologia di valutazione delle prestazioni dei database</a:t>
+            </a:r>
+          </a:p>
+          <a:p>
             <a:endParaRPr lang="it-IT" dirty="0" smtClean="0"/>
           </a:p>
           <a:p>
+            <a:r>
+              <a:rPr lang="it-IT" dirty="0" smtClean="0"/>
+              <a:t>Progettazione e realizzazione di uno strumento per l’esecuzione di test</a:t>
+            </a:r>
+          </a:p>
+          <a:p>
             <a:endParaRPr lang="it-IT" dirty="0" smtClean="0"/>
           </a:p>
           <a:p>
             <a:r>
               <a:rPr lang="it-IT" dirty="0" smtClean="0"/>
-              <a:t>Caching: </a:t>
-            </a:r>
-          </a:p>
-          <a:p>
-            <a:pPr lvl="1"/>
-            <a:r>
-              <a:rPr lang="it-IT" dirty="0" smtClean="0"/>
-              <a:t>cache </a:t>
-            </a:r>
-            <a:r>
-              <a:rPr lang="it-IT" dirty="0" err="1" smtClean="0"/>
-              <a:t>synchronization</a:t>
-            </a:r>
-            <a:endParaRPr lang="it-IT" dirty="0" smtClean="0"/>
-          </a:p>
-          <a:p>
-            <a:pPr lvl="1"/>
-            <a:r>
-              <a:rPr lang="it-IT" dirty="0" smtClean="0"/>
-              <a:t>cache </a:t>
-            </a:r>
-            <a:r>
-              <a:rPr lang="it-IT" dirty="0" err="1" smtClean="0"/>
-              <a:t>lookup</a:t>
-            </a:r>
-            <a:endParaRPr lang="it-IT" dirty="0" smtClean="0"/>
-          </a:p>
-          <a:p>
-            <a:endParaRPr lang="it-IT" dirty="0" smtClean="0"/>
-          </a:p>
-          <a:p>
-            <a:r>
-              <a:rPr lang="it-IT" dirty="0" err="1" smtClean="0"/>
-              <a:t>Data-transfer</a:t>
-            </a:r>
-            <a:r>
-              <a:rPr lang="it-IT" dirty="0" smtClean="0"/>
-              <a:t> </a:t>
-            </a:r>
-            <a:r>
-              <a:rPr lang="it-IT" dirty="0" err="1" smtClean="0"/>
-              <a:t>overhead</a:t>
-            </a:r>
-            <a:r>
-              <a:rPr lang="it-IT" dirty="0" smtClean="0"/>
-              <a:t>: </a:t>
-            </a:r>
-          </a:p>
-          <a:p>
-            <a:pPr lvl="1"/>
-            <a:r>
-              <a:rPr lang="it-IT" dirty="0" smtClean="0"/>
-              <a:t>file system cache </a:t>
-            </a:r>
-          </a:p>
-          <a:p>
-            <a:pPr lvl="1"/>
-            <a:r>
-              <a:rPr lang="it-IT" dirty="0" smtClean="0"/>
-              <a:t>database API, copy</a:t>
-            </a:r>
-            <a:r>
-              <a:rPr lang="it-IT" baseline="0" dirty="0" smtClean="0"/>
-              <a:t> </a:t>
-            </a:r>
-            <a:r>
-              <a:rPr lang="it-IT" baseline="0" dirty="0" err="1" smtClean="0"/>
-              <a:t>of</a:t>
-            </a:r>
-            <a:r>
-              <a:rPr lang="it-IT" baseline="0" dirty="0" smtClean="0"/>
-              <a:t> data in </a:t>
-            </a:r>
-            <a:r>
-              <a:rPr lang="it-IT" baseline="0" dirty="0" err="1" smtClean="0"/>
-              <a:t>main</a:t>
-            </a:r>
-            <a:r>
-              <a:rPr lang="it-IT" baseline="0" dirty="0" smtClean="0"/>
-              <a:t> </a:t>
-            </a:r>
-            <a:r>
-              <a:rPr lang="it-IT" baseline="0" dirty="0" err="1" smtClean="0"/>
-              <a:t>memory</a:t>
-            </a:r>
-            <a:endParaRPr lang="it-IT" dirty="0" smtClean="0"/>
-          </a:p>
-          <a:p>
-            <a:endParaRPr lang="it-IT" dirty="0" smtClean="0"/>
-          </a:p>
-          <a:p>
-            <a:r>
-              <a:rPr lang="it-IT" dirty="0" err="1" smtClean="0"/>
-              <a:t>Transaction</a:t>
-            </a:r>
-            <a:r>
-              <a:rPr lang="it-IT" dirty="0" smtClean="0"/>
-              <a:t> processing: </a:t>
-            </a:r>
-          </a:p>
-          <a:p>
-            <a:pPr marL="0" marR="0" lvl="1" indent="0" algn="l" defTabSz="914400" rtl="0" eaLnBrk="1" fontAlgn="auto" latinLnBrk="0" hangingPunct="1">
-              <a:lnSpc>
-                <a:spcPct val="100000"/>
-              </a:lnSpc>
-              <a:spcBef>
-                <a:spcPts val="0"/>
-              </a:spcBef>
-              <a:spcAft>
-                <a:spcPts val="0"/>
-              </a:spcAft>
-              <a:buClrTx/>
-              <a:buSzTx/>
-              <a:buFontTx/>
-              <a:buNone/>
-              <a:tabLst/>
-              <a:defRPr/>
-            </a:pPr>
-            <a:r>
-              <a:rPr lang="it-IT" baseline="0" dirty="0" smtClean="0"/>
-              <a:t>          </a:t>
-            </a:r>
-            <a:r>
-              <a:rPr lang="it-IT" dirty="0" err="1" smtClean="0"/>
-              <a:t>recovery</a:t>
-            </a:r>
-            <a:r>
-              <a:rPr lang="it-IT" dirty="0" smtClean="0"/>
-              <a:t> </a:t>
-            </a:r>
-            <a:r>
-              <a:rPr lang="it-IT" dirty="0" err="1" smtClean="0"/>
-              <a:t>process</a:t>
-            </a:r>
-            <a:r>
-              <a:rPr lang="it-IT" dirty="0" smtClean="0"/>
-              <a:t>, veloce e senza file</a:t>
-            </a:r>
-          </a:p>
-          <a:p>
-            <a:pPr lvl="1"/>
-            <a:r>
-              <a:rPr lang="it-IT" dirty="0" err="1" smtClean="0"/>
-              <a:t>transaction</a:t>
-            </a:r>
-            <a:r>
-              <a:rPr lang="it-IT" dirty="0" smtClean="0"/>
-              <a:t> log file non serve, perché si perde l’immagine in caso di crash</a:t>
-            </a:r>
-          </a:p>
-          <a:p>
-            <a:endParaRPr lang="it-IT" dirty="0"/>
+              <a:t>Sperimentazione su alcuni DB e analisi dei risultati</a:t>
+            </a:r>
+            <a:endParaRPr lang="en-US" dirty="0" smtClean="0"/>
+          </a:p>
+          <a:p>
+            <a:endParaRPr lang="en-US" dirty="0"/>
           </a:p>
         </p:txBody>
       </p:sp>
@@ -735,9 +582,9 @@
             <a:fld id="{06112A3B-D3CD-4C64-AF08-DDC9323A61EB}" type="slidenum">
               <a:rPr lang="it-IT" smtClean="0"/>
               <a:pPr/>
-              <a:t>6</a:t>
+              <a:t>4</a:t>
             </a:fld>
-            <a:endParaRPr lang="it-IT"/>
+            <a:endParaRPr lang="it-IT" dirty="0"/>
           </a:p>
         </p:txBody>
       </p:sp>
@@ -797,46 +644,192 @@
           <a:p>
             <a:r>
               <a:rPr lang="it-IT" dirty="0" smtClean="0"/>
-              <a:t>Il </a:t>
-            </a:r>
+              <a:t>Un </a:t>
+            </a:r>
+            <a:r>
+              <a:rPr lang="it-IT" dirty="0" err="1" smtClean="0"/>
+              <a:t>imdb</a:t>
+            </a:r>
+            <a:r>
+              <a:rPr lang="it-IT" baseline="0" dirty="0" smtClean="0"/>
+              <a:t> non è come un </a:t>
+            </a:r>
+            <a:r>
+              <a:rPr lang="it-IT" baseline="0" dirty="0" err="1" smtClean="0"/>
+              <a:t>dbms</a:t>
+            </a:r>
+            <a:r>
+              <a:rPr lang="it-IT" baseline="0" dirty="0" smtClean="0"/>
+              <a:t> tradizionale </a:t>
+            </a:r>
+            <a:r>
+              <a:rPr lang="it-IT" baseline="0" dirty="0" err="1" smtClean="0"/>
+              <a:t>deployato</a:t>
+            </a:r>
+            <a:r>
+              <a:rPr lang="it-IT" baseline="0" dirty="0" smtClean="0"/>
+              <a:t> in ram</a:t>
+            </a:r>
+            <a:endParaRPr lang="it-IT" dirty="0" smtClean="0"/>
+          </a:p>
+          <a:p>
+            <a:endParaRPr lang="it-IT" dirty="0" smtClean="0"/>
+          </a:p>
+          <a:p>
+            <a:r>
+              <a:rPr lang="it-IT" dirty="0" smtClean="0"/>
+              <a:t>Caching: </a:t>
+            </a:r>
+          </a:p>
+          <a:p>
+            <a:pPr lvl="1"/>
+            <a:r>
+              <a:rPr lang="it-IT" dirty="0" smtClean="0"/>
+              <a:t>cache </a:t>
+            </a:r>
+            <a:r>
+              <a:rPr lang="it-IT" dirty="0" err="1" smtClean="0"/>
+              <a:t>synchronization</a:t>
+            </a:r>
+            <a:endParaRPr lang="it-IT" dirty="0" smtClean="0"/>
+          </a:p>
+          <a:p>
+            <a:pPr lvl="1"/>
+            <a:r>
+              <a:rPr lang="it-IT" dirty="0" smtClean="0"/>
+              <a:t>cache </a:t>
+            </a:r>
+            <a:r>
+              <a:rPr lang="it-IT" dirty="0" err="1" smtClean="0"/>
+              <a:t>lookup</a:t>
+            </a:r>
+            <a:endParaRPr lang="it-IT" dirty="0" smtClean="0"/>
+          </a:p>
+          <a:p>
+            <a:endParaRPr lang="it-IT" dirty="0" smtClean="0"/>
+          </a:p>
+          <a:p>
+            <a:r>
+              <a:rPr lang="it-IT" dirty="0" err="1" smtClean="0"/>
+              <a:t>Data-transfer</a:t>
+            </a:r>
+            <a:r>
+              <a:rPr lang="it-IT" dirty="0" smtClean="0"/>
+              <a:t> </a:t>
+            </a:r>
+            <a:r>
+              <a:rPr lang="it-IT" dirty="0" err="1" smtClean="0"/>
+              <a:t>overhead</a:t>
+            </a:r>
+            <a:r>
+              <a:rPr lang="it-IT" dirty="0" smtClean="0"/>
+              <a:t>: </a:t>
+            </a:r>
+          </a:p>
+          <a:p>
+            <a:pPr lvl="1"/>
+            <a:r>
+              <a:rPr lang="it-IT" dirty="0" smtClean="0"/>
+              <a:t>file system cache </a:t>
+            </a:r>
+          </a:p>
+          <a:p>
+            <a:pPr lvl="1"/>
+            <a:r>
+              <a:rPr lang="it-IT" dirty="0" smtClean="0"/>
+              <a:t>database API, copy</a:t>
+            </a:r>
+            <a:r>
+              <a:rPr lang="it-IT" baseline="0" dirty="0" smtClean="0"/>
+              <a:t> </a:t>
+            </a:r>
+            <a:r>
+              <a:rPr lang="it-IT" baseline="0" dirty="0" err="1" smtClean="0"/>
+              <a:t>of</a:t>
+            </a:r>
+            <a:r>
+              <a:rPr lang="it-IT" baseline="0" dirty="0" smtClean="0"/>
+              <a:t> data in </a:t>
+            </a:r>
+            <a:r>
+              <a:rPr lang="it-IT" baseline="0" dirty="0" err="1" smtClean="0"/>
+              <a:t>main</a:t>
+            </a:r>
+            <a:r>
+              <a:rPr lang="it-IT" baseline="0" dirty="0" smtClean="0"/>
+              <a:t> </a:t>
+            </a:r>
+            <a:r>
+              <a:rPr lang="it-IT" baseline="0" dirty="0" err="1" smtClean="0"/>
+              <a:t>memory</a:t>
+            </a:r>
+            <a:endParaRPr lang="it-IT" dirty="0" smtClean="0"/>
+          </a:p>
+          <a:p>
+            <a:endParaRPr lang="it-IT" dirty="0" smtClean="0"/>
+          </a:p>
+          <a:p>
+            <a:r>
+              <a:rPr lang="it-IT" dirty="0" err="1" smtClean="0"/>
+              <a:t>Transaction</a:t>
+            </a:r>
+            <a:r>
+              <a:rPr lang="it-IT" dirty="0" smtClean="0"/>
+              <a:t> processing: </a:t>
+            </a:r>
+          </a:p>
+          <a:p>
+            <a:pPr marL="0" marR="0" lvl="1" indent="0" algn="l" defTabSz="914400" rtl="0" eaLnBrk="1" fontAlgn="auto" latinLnBrk="0" hangingPunct="1">
+              <a:lnSpc>
+                <a:spcPct val="100000"/>
+              </a:lnSpc>
+              <a:spcBef>
+                <a:spcPts val="0"/>
+              </a:spcBef>
+              <a:spcAft>
+                <a:spcPts val="0"/>
+              </a:spcAft>
+              <a:buClrTx/>
+              <a:buSzTx/>
+              <a:buFontTx/>
+              <a:buNone/>
+              <a:tabLst/>
+              <a:defRPr/>
+            </a:pPr>
+            <a:r>
+              <a:rPr lang="it-IT" baseline="0" dirty="0" smtClean="0"/>
+              <a:t>          </a:t>
+            </a:r>
+            <a:r>
+              <a:rPr lang="it-IT" dirty="0" err="1" smtClean="0"/>
+              <a:t>recovery</a:t>
+            </a:r>
+            <a:r>
+              <a:rPr lang="it-IT" dirty="0" smtClean="0"/>
+              <a:t> </a:t>
+            </a:r>
+            <a:r>
+              <a:rPr lang="it-IT" dirty="0" err="1" smtClean="0"/>
+              <a:t>process</a:t>
+            </a:r>
+            <a:r>
+              <a:rPr lang="it-IT" dirty="0" smtClean="0"/>
+              <a:t>, veloce e senza file</a:t>
+            </a:r>
+          </a:p>
+          <a:p>
+            <a:pPr lvl="1"/>
             <a:r>
               <a:rPr lang="it-IT" dirty="0" err="1" smtClean="0"/>
               <a:t>transaction</a:t>
             </a:r>
             <a:r>
               <a:rPr lang="it-IT" dirty="0" smtClean="0"/>
-              <a:t> </a:t>
-            </a:r>
-            <a:r>
-              <a:rPr lang="it-IT" dirty="0" err="1" smtClean="0"/>
-              <a:t>logging</a:t>
-            </a:r>
-            <a:r>
-              <a:rPr lang="it-IT" dirty="0" smtClean="0"/>
-              <a:t> richiede solo 1 scrittura su hard disk, mentre i normali database scrivono anche i dati nelle “tabelle” e gli indici.</a:t>
-            </a:r>
-          </a:p>
-          <a:p>
-            <a:endParaRPr lang="it-IT" dirty="0" smtClean="0"/>
-          </a:p>
-          <a:p>
-            <a:r>
-              <a:rPr lang="it-IT" dirty="0" smtClean="0"/>
-              <a:t>NVRAM</a:t>
-            </a:r>
-            <a:r>
-              <a:rPr lang="it-IT" baseline="0" dirty="0" smtClean="0"/>
-              <a:t>  fanno risparmiare anche i tempi di accesso a disk: hanno latenze minori come i </a:t>
-            </a:r>
-            <a:r>
-              <a:rPr lang="it-IT" baseline="0" dirty="0" err="1" smtClean="0"/>
-              <a:t>device</a:t>
-            </a:r>
-            <a:r>
-              <a:rPr lang="it-IT" baseline="0" dirty="0" smtClean="0"/>
-              <a:t> flash</a:t>
-            </a:r>
-            <a:endParaRPr lang="en-US" dirty="0"/>
+              <a:t> log file non serve, perché si perde l’immagine in caso di crash</a:t>
+            </a:r>
+          </a:p>
+          <a:p>
+            <a:endParaRPr lang="it-IT" dirty="0"/>
           </a:p>
         </p:txBody>
       </p:sp>
@@ -858,9 +851,9 @@
             <a:fld id="{06112A3B-D3CD-4C64-AF08-DDC9323A61EB}" type="slidenum">
               <a:rPr lang="it-IT" smtClean="0"/>
               <a:pPr/>
-              <a:t>7</a:t>
+              <a:t>6</a:t>
             </a:fld>
-            <a:endParaRPr lang="it-IT" dirty="0"/>
+            <a:endParaRPr lang="it-IT"/>
           </a:p>
         </p:txBody>
       </p:sp>
@@ -920,27 +913,44 @@
           <a:p>
             <a:r>
               <a:rPr lang="it-IT" dirty="0" smtClean="0"/>
-              <a:t>High performance sia in</a:t>
+              <a:t>Il </a:t>
+            </a:r>
+            <a:r>
+              <a:rPr lang="it-IT" dirty="0" err="1" smtClean="0"/>
+              <a:t>transaction</a:t>
+            </a:r>
+            <a:r>
+              <a:rPr lang="it-IT" dirty="0" smtClean="0"/>
+              <a:t> </a:t>
+            </a:r>
+            <a:r>
+              <a:rPr lang="it-IT" dirty="0" err="1" smtClean="0"/>
+              <a:t>logging</a:t>
+            </a:r>
+            <a:r>
+              <a:rPr lang="it-IT" dirty="0" smtClean="0"/>
+              <a:t> richiede solo 1 scrittura su hard disk, mentre i normali database scrivono anche i dati nelle “tabelle” e gli indici.</a:t>
+            </a:r>
+          </a:p>
+          <a:p>
+            <a:endParaRPr lang="it-IT" dirty="0" smtClean="0"/>
+          </a:p>
+          <a:p>
+            <a:r>
+              <a:rPr lang="it-IT" dirty="0" smtClean="0"/>
+              <a:t>NVRAM</a:t>
             </a:r>
             <a:r>
               <a:rPr lang="it-IT" baseline="0" dirty="0" smtClean="0"/>
-              <a:t> termini di </a:t>
+              <a:t>  fanno risparmiare anche i tempi di accesso a disk: hanno latenze minori come i </a:t>
             </a:r>
             <a:r>
               <a:rPr lang="it-IT" baseline="0" dirty="0" err="1" smtClean="0"/>
-              <a:t>throughput</a:t>
+              <a:t>device</a:t>
             </a:r>
             <a:r>
               <a:rPr lang="it-IT" baseline="0" dirty="0" smtClean="0"/>
-              <a:t> che di </a:t>
-            </a:r>
-            <a:r>
-              <a:rPr lang="it-IT" baseline="0" dirty="0" err="1" smtClean="0"/>
-              <a:t>latency</a:t>
-            </a:r>
-            <a:r>
-              <a:rPr lang="it-IT" baseline="0" dirty="0" smtClean="0"/>
-              <a:t>.</a:t>
+              <a:t> flash</a:t>
             </a:r>
             <a:endParaRPr lang="en-US" dirty="0"/>
           </a:p>
@@ -964,7 +974,7 @@
             <a:fld id="{06112A3B-D3CD-4C64-AF08-DDC9323A61EB}" type="slidenum">
               <a:rPr lang="it-IT" smtClean="0"/>
               <a:pPr/>
-              <a:t>8</a:t>
+              <a:t>7</a:t>
             </a:fld>
             <a:endParaRPr lang="it-IT" dirty="0"/>
           </a:p>
@@ -979,6 +989,112 @@
 </file>
 
 <file path=ppt/notesSlides/notesSlide4.xml><?xml version="1.0" encoding="utf-8"?>
+<p:notes xmlns:a="http://schemas.openxmlformats.org/drawingml/2006/main" xmlns:r="http://schemas.openxmlformats.org/officeDocument/2006/relationships" xmlns:p="http://schemas.openxmlformats.org/presentationml/2006/main">
+  <p:cSld>
+    <p:spTree>
+      <p:nvGrpSpPr>
+        <p:cNvPr id="1" name=""/>
+        <p:cNvGrpSpPr/>
+        <p:nvPr/>
+      </p:nvGrpSpPr>
+      <p:grpSpPr>
+        <a:xfrm>
+          <a:off x="0" y="0"/>
+          <a:ext cx="0" cy="0"/>
+          <a:chOff x="0" y="0"/>
+          <a:chExt cx="0" cy="0"/>
+        </a:xfrm>
+      </p:grpSpPr>
+      <p:sp>
+        <p:nvSpPr>
+          <p:cNvPr id="2" name="Segnaposto immagine diapositiva 1"/>
+          <p:cNvSpPr>
+            <a:spLocks noGrp="1" noRot="1" noChangeAspect="1"/>
+          </p:cNvSpPr>
+          <p:nvPr>
+            <p:ph type="sldImg"/>
+          </p:nvPr>
+        </p:nvSpPr>
+        <p:spPr/>
+      </p:sp>
+      <p:sp>
+        <p:nvSpPr>
+          <p:cNvPr id="3" name="Segnaposto note 2"/>
+          <p:cNvSpPr>
+            <a:spLocks noGrp="1"/>
+          </p:cNvSpPr>
+          <p:nvPr>
+            <p:ph type="body" idx="1"/>
+          </p:nvPr>
+        </p:nvSpPr>
+        <p:spPr/>
+        <p:txBody>
+          <a:bodyPr>
+            <a:normAutofit/>
+          </a:bodyPr>
+          <a:lstStyle/>
+          <a:p>
+            <a:r>
+              <a:rPr lang="it-IT" dirty="0" smtClean="0"/>
+              <a:t>High performance sia in</a:t>
+            </a:r>
+            <a:r>
+              <a:rPr lang="it-IT" baseline="0" dirty="0" smtClean="0"/>
+              <a:t> termini di </a:t>
+            </a:r>
+            <a:r>
+              <a:rPr lang="it-IT" baseline="0" dirty="0" err="1" smtClean="0"/>
+              <a:t>throughput</a:t>
+            </a:r>
+            <a:r>
+              <a:rPr lang="it-IT" baseline="0" dirty="0" smtClean="0"/>
+              <a:t> che di </a:t>
+            </a:r>
+            <a:r>
+              <a:rPr lang="it-IT" baseline="0" dirty="0" err="1" smtClean="0"/>
+              <a:t>latency</a:t>
+            </a:r>
+            <a:r>
+              <a:rPr lang="it-IT" baseline="0" dirty="0" smtClean="0"/>
+              <a:t>.</a:t>
+            </a:r>
+            <a:endParaRPr lang="en-US" dirty="0"/>
+          </a:p>
+        </p:txBody>
+      </p:sp>
+      <p:sp>
+        <p:nvSpPr>
+          <p:cNvPr id="4" name="Segnaposto numero diapositiva 3"/>
+          <p:cNvSpPr>
+            <a:spLocks noGrp="1"/>
+          </p:cNvSpPr>
+          <p:nvPr>
+            <p:ph type="sldNum" sz="quarter" idx="10"/>
+          </p:nvPr>
+        </p:nvSpPr>
+        <p:spPr/>
+        <p:txBody>
+          <a:bodyPr/>
+          <a:lstStyle/>
+          <a:p>
+            <a:fld id="{06112A3B-D3CD-4C64-AF08-DDC9323A61EB}" type="slidenum">
+              <a:rPr lang="it-IT" smtClean="0"/>
+              <a:pPr/>
+              <a:t>8</a:t>
+            </a:fld>
+            <a:endParaRPr lang="it-IT" dirty="0"/>
+          </a:p>
+        </p:txBody>
+      </p:sp>
+    </p:spTree>
+  </p:cSld>
+  <p:clrMapOvr>
+    <a:masterClrMapping/>
+  </p:clrMapOvr>
+</p:notes>
+</file>
+
+<file path=ppt/notesSlides/notesSlide5.xml><?xml version="1.0" encoding="utf-8"?>
 <p:notes xmlns:a="http://schemas.openxmlformats.org/drawingml/2006/main" xmlns:r="http://schemas.openxmlformats.org/officeDocument/2006/relationships" xmlns:p="http://schemas.openxmlformats.org/presentationml/2006/main">
   <p:cSld>
     <p:spTree>
@@ -1413,7 +1529,7 @@
             <a:fld id="{5FABFC92-4644-45C7-8B88-DDEEC91723C1}" type="datetimeFigureOut">
               <a:rPr lang="it-IT" smtClean="0"/>
               <a:pPr/>
-              <a:t>17/12/2008</a:t>
+              <a:t>18/12/2008</a:t>
             </a:fld>
             <a:endParaRPr lang="it-IT" dirty="0"/>
           </a:p>
@@ -1638,7 +1754,7 @@
             <a:fld id="{5FABFC92-4644-45C7-8B88-DDEEC91723C1}" type="datetimeFigureOut">
               <a:rPr lang="it-IT" smtClean="0"/>
               <a:pPr/>
-              <a:t>17/12/2008</a:t>
+              <a:t>18/12/2008</a:t>
             </a:fld>
             <a:endParaRPr lang="it-IT" dirty="0"/>
           </a:p>
@@ -1920,7 +2036,7 @@
             <a:fld id="{5FABFC92-4644-45C7-8B88-DDEEC91723C1}" type="datetimeFigureOut">
               <a:rPr lang="it-IT" smtClean="0"/>
               <a:pPr/>
-              <a:t>17/12/2008</a:t>
+              <a:t>18/12/2008</a:t>
             </a:fld>
             <a:endParaRPr lang="it-IT" dirty="0"/>
           </a:p>
@@ -2101,7 +2217,7 @@
             <a:fld id="{5FABFC92-4644-45C7-8B88-DDEEC91723C1}" type="datetimeFigureOut">
               <a:rPr lang="it-IT" smtClean="0"/>
               <a:pPr/>
-              <a:t>17/12/2008</a:t>
+              <a:t>18/12/2008</a:t>
             </a:fld>
             <a:endParaRPr lang="it-IT" dirty="0"/>
           </a:p>
@@ -2456,7 +2572,7 @@
             <a:fld id="{5FABFC92-4644-45C7-8B88-DDEEC91723C1}" type="datetimeFigureOut">
               <a:rPr lang="it-IT" smtClean="0"/>
               <a:pPr/>
-              <a:t>17/12/2008</a:t>
+              <a:t>18/12/2008</a:t>
             </a:fld>
             <a:endParaRPr lang="it-IT" dirty="0"/>
           </a:p>
@@ -2745,7 +2861,7 @@
             <a:fld id="{5FABFC92-4644-45C7-8B88-DDEEC91723C1}" type="datetimeFigureOut">
               <a:rPr lang="it-IT" smtClean="0"/>
               <a:pPr/>
-              <a:t>17/12/2008</a:t>
+              <a:t>18/12/2008</a:t>
             </a:fld>
             <a:endParaRPr lang="it-IT" dirty="0"/>
           </a:p>
@@ -3169,7 +3285,7 @@
             <a:fld id="{5FABFC92-4644-45C7-8B88-DDEEC91723C1}" type="datetimeFigureOut">
               <a:rPr lang="it-IT" smtClean="0"/>
               <a:pPr/>
-              <a:t>17/12/2008</a:t>
+              <a:t>18/12/2008</a:t>
             </a:fld>
             <a:endParaRPr lang="it-IT" dirty="0"/>
           </a:p>
@@ -3286,7 +3402,7 @@
             <a:fld id="{5FABFC92-4644-45C7-8B88-DDEEC91723C1}" type="datetimeFigureOut">
               <a:rPr lang="it-IT" smtClean="0"/>
               <a:pPr/>
-              <a:t>17/12/2008</a:t>
+              <a:t>18/12/2008</a:t>
             </a:fld>
             <a:endParaRPr lang="it-IT" dirty="0"/>
           </a:p>
@@ -3378,7 +3494,7 @@
             <a:fld id="{5FABFC92-4644-45C7-8B88-DDEEC91723C1}" type="datetimeFigureOut">
               <a:rPr lang="it-IT" smtClean="0"/>
               <a:pPr/>
-              <a:t>17/12/2008</a:t>
+              <a:t>18/12/2008</a:t>
             </a:fld>
             <a:endParaRPr lang="it-IT" dirty="0"/>
           </a:p>
@@ -3658,7 +3774,7 @@
             <a:fld id="{5FABFC92-4644-45C7-8B88-DDEEC91723C1}" type="datetimeFigureOut">
               <a:rPr lang="it-IT" smtClean="0"/>
               <a:pPr/>
-              <a:t>17/12/2008</a:t>
+              <a:t>18/12/2008</a:t>
             </a:fld>
             <a:endParaRPr lang="it-IT" dirty="0"/>
           </a:p>
@@ -4021,7 +4137,7 @@
             <a:fld id="{5FABFC92-4644-45C7-8B88-DDEEC91723C1}" type="datetimeFigureOut">
               <a:rPr lang="it-IT" smtClean="0"/>
               <a:pPr/>
-              <a:t>17/12/2008</a:t>
+              <a:t>18/12/2008</a:t>
             </a:fld>
             <a:endParaRPr lang="it-IT" dirty="0"/>
           </a:p>
@@ -4460,7 +4576,7 @@
             <a:fld id="{5FABFC92-4644-45C7-8B88-DDEEC91723C1}" type="datetimeFigureOut">
               <a:rPr lang="it-IT" smtClean="0"/>
               <a:pPr/>
-              <a:t>17/12/2008</a:t>
+              <a:t>18/12/2008</a:t>
             </a:fld>
             <a:endParaRPr lang="it-IT" dirty="0"/>
           </a:p>
@@ -5103,12 +5219,8 @@
           <a:p>
             <a:pPr algn="ctr"/>
             <a:r>
-              <a:rPr lang="it-IT" sz="2200" dirty="0" err="1" smtClean="0"/>
-              <a:t>Corelatore</a:t>
-            </a:r>
-            <a:r>
               <a:rPr lang="it-IT" sz="2200" dirty="0" smtClean="0"/>
-              <a:t>:</a:t>
+              <a:t>Correlatore:</a:t>
             </a:r>
             <a:endParaRPr lang="it-IT" sz="2200" dirty="0" smtClean="0"/>
           </a:p>
@@ -12746,15 +12858,7 @@
             </a:r>
             <a:r>
               <a:rPr lang="en-US" dirty="0" smtClean="0"/>
-              <a:t>) is </a:t>
-            </a:r>
-            <a:r>
-              <a:rPr lang="en-US" dirty="0" smtClean="0"/>
-              <a:t>a computer </a:t>
-            </a:r>
-            <a:r>
-              <a:rPr lang="en-US" dirty="0" smtClean="0"/>
-              <a:t>software that manages databases</a:t>
+              <a:t>) is a computer software that manages databases</a:t>
             </a:r>
           </a:p>
           <a:p>
@@ -15807,7 +15911,7 @@
           <p:nvPr/>
         </p:nvPicPr>
         <p:blipFill>
-          <a:blip r:embed="rId2">
+          <a:blip r:embed="rId3">
             <a:duotone>
               <a:schemeClr val="accent1">
                 <a:shade val="45000"/>
@@ -15855,41 +15959,79 @@
           </a:bodyPr>
           <a:lstStyle/>
           <a:p>
-            <a:r>
-              <a:rPr lang="en-US" dirty="0" err="1" smtClean="0"/>
-              <a:t>Panoramica</a:t>
-            </a:r>
-            <a:endParaRPr lang="en-US" dirty="0" smtClean="0"/>
-          </a:p>
-          <a:p>
-            <a:r>
-              <a:rPr lang="it-IT" dirty="0" smtClean="0"/>
-              <a:t>Performance </a:t>
-            </a:r>
-            <a:r>
-              <a:rPr lang="it-IT" dirty="0" err="1" smtClean="0"/>
-              <a:t>analysis</a:t>
-            </a:r>
-            <a:endParaRPr lang="it-IT" dirty="0" smtClean="0"/>
-          </a:p>
-          <a:p>
-            <a:r>
-              <a:rPr lang="it-IT" dirty="0" smtClean="0"/>
-              <a:t>Definizione di una metodologia di valutazione delle prestazioni dei database</a:t>
-            </a:r>
-          </a:p>
-          <a:p>
-            <a:r>
-              <a:rPr lang="it-IT" dirty="0" smtClean="0"/>
-              <a:t>Progettazione e realizzazione di uno strumento per l’esecuzione di test</a:t>
-            </a:r>
-          </a:p>
-          <a:p>
-            <a:r>
-              <a:rPr lang="it-IT" dirty="0" smtClean="0"/>
-              <a:t>Sperimentazione su alcuni DB e analisi dei risultati</a:t>
-            </a:r>
-            <a:endParaRPr lang="en-US" dirty="0"/>
+            <a:pPr>
+              <a:lnSpc>
+                <a:spcPct val="150000"/>
+              </a:lnSpc>
+            </a:pPr>
+            <a:r>
+              <a:rPr lang="en-US" smtClean="0"/>
+              <a:t>IMDBs landscape</a:t>
+            </a:r>
+            <a:endParaRPr lang="en-US" smtClean="0"/>
+          </a:p>
+          <a:p>
+            <a:pPr>
+              <a:lnSpc>
+                <a:spcPct val="150000"/>
+              </a:lnSpc>
+            </a:pPr>
+            <a:r>
+              <a:rPr lang="en-US" smtClean="0"/>
+              <a:t>Methodology </a:t>
+            </a:r>
+            <a:r>
+              <a:rPr lang="en-US" smtClean="0"/>
+              <a:t>for evaluating the </a:t>
+            </a:r>
+            <a:r>
+              <a:rPr lang="en-US" smtClean="0"/>
+              <a:t>database’s performance</a:t>
+            </a:r>
+          </a:p>
+          <a:p>
+            <a:pPr>
+              <a:lnSpc>
+                <a:spcPct val="150000"/>
+              </a:lnSpc>
+            </a:pPr>
+            <a:r>
+              <a:rPr lang="en-US" smtClean="0"/>
+              <a:t>Design </a:t>
+            </a:r>
+            <a:r>
+              <a:rPr lang="en-US" smtClean="0"/>
+              <a:t>and development of a </a:t>
+            </a:r>
+            <a:r>
+              <a:rPr lang="en-US" smtClean="0"/>
+              <a:t>benchmark</a:t>
+            </a:r>
+            <a:endParaRPr lang="en-US" smtClean="0"/>
+          </a:p>
+          <a:p>
+            <a:pPr>
+              <a:lnSpc>
+                <a:spcPct val="150000"/>
+              </a:lnSpc>
+            </a:pPr>
+            <a:r>
+              <a:rPr lang="en-US" smtClean="0"/>
+              <a:t>Testing and </a:t>
+            </a:r>
+            <a:r>
+              <a:rPr lang="en-US" smtClean="0"/>
+              <a:t>results</a:t>
+            </a:r>
+            <a:r>
+              <a:rPr lang="en-US" smtClean="0"/>
+              <a:t>’ analysis of different </a:t>
+            </a:r>
+            <a:r>
+              <a:rPr lang="en-US" smtClean="0"/>
+              <a:t>IMDBs</a:t>
+            </a:r>
+            <a:endParaRPr lang="en-US" smtClean="0"/>
           </a:p>
         </p:txBody>
       </p:sp>
@@ -16020,17 +16162,8 @@
           <a:p>
             <a:r>
               <a:rPr lang="en-US" dirty="0" smtClean="0"/>
-              <a:t>IMDBs </a:t>
-            </a:r>
-            <a:r>
-              <a:rPr lang="en-US" dirty="0" smtClean="0"/>
-              <a:t>vs. Traditional </a:t>
-            </a:r>
-            <a:r>
-              <a:rPr lang="en-US" dirty="0" smtClean="0"/>
-              <a:t>DBMSs</a:t>
-            </a:r>
-            <a:endParaRPr lang="en-US" dirty="0" smtClean="0"/>
+              <a:t>IMDBs vs. Traditional DBMSs</a:t>
+            </a:r>
           </a:p>
           <a:p>
             <a:endParaRPr lang="en-US" dirty="0" smtClean="0"/>

--- a/trunk/tesi/presentazione/Barbagallo-IMDB.pptx
+++ b/trunk/tesi/presentazione/Barbagallo-IMDB.pptx
@@ -527,37 +527,34 @@
           <a:lstStyle/>
           <a:p>
             <a:r>
-              <a:rPr lang="en-US" dirty="0" smtClean="0"/>
-              <a:t>IMDBs landscape</a:t>
-            </a:r>
-          </a:p>
-          <a:p>
-            <a:endParaRPr lang="en-US" dirty="0" smtClean="0"/>
-          </a:p>
-          <a:p>
-            <a:r>
-              <a:rPr lang="it-IT" dirty="0" smtClean="0"/>
-              <a:t>Definizione di una metodologia di valutazione delle prestazioni dei database</a:t>
-            </a:r>
-          </a:p>
-          <a:p>
-            <a:endParaRPr lang="it-IT" dirty="0" smtClean="0"/>
-          </a:p>
-          <a:p>
-            <a:r>
-              <a:rPr lang="it-IT" dirty="0" smtClean="0"/>
-              <a:t>Progettazione e realizzazione di uno strumento per l’esecuzione di test</a:t>
-            </a:r>
-          </a:p>
-          <a:p>
-            <a:endParaRPr lang="it-IT" dirty="0" smtClean="0"/>
-          </a:p>
-          <a:p>
-            <a:r>
-              <a:rPr lang="it-IT" dirty="0" smtClean="0"/>
-              <a:t>Sperimentazione su alcuni DB e analisi dei risultati</a:t>
-            </a:r>
-            <a:endParaRPr lang="en-US" dirty="0" smtClean="0"/>
+              <a:rPr lang="it-IT" b="1" dirty="0" smtClean="0"/>
+              <a:t>Sono Valerio Barbagallo.</a:t>
+            </a:r>
+          </a:p>
+          <a:p>
+            <a:endParaRPr lang="it-IT" b="1" dirty="0" smtClean="0"/>
+          </a:p>
+          <a:p>
+            <a:r>
+              <a:rPr lang="it-IT" b="1" dirty="0" smtClean="0"/>
+              <a:t>Il lavoro da me svolto riguarda gli IMDB,</a:t>
+            </a:r>
+            <a:r>
+              <a:rPr lang="it-IT" b="1" baseline="0" dirty="0" smtClean="0"/>
+              <a:t> in particolare è stata fatta una panoramica sugli IMDB e dei competitor sul mercato e uno studio di performance.</a:t>
+            </a:r>
+          </a:p>
+          <a:p>
+            <a:endParaRPr lang="it-IT" b="1" baseline="0" dirty="0" smtClean="0"/>
+          </a:p>
+          <a:p>
+            <a:r>
+              <a:rPr lang="it-IT" b="1" baseline="0" dirty="0" smtClean="0"/>
+              <a:t>Il mio relatore è Paolo Merialdo, mentre il mio correlatore è Michele Aiello.</a:t>
+            </a:r>
+          </a:p>
+          <a:p>
+            <a:endParaRPr lang="it-IT" baseline="0" dirty="0" smtClean="0"/>
           </a:p>
           <a:p>
             <a:endParaRPr lang="en-US" dirty="0"/>
@@ -582,7 +579,7 @@
             <a:fld id="{06112A3B-D3CD-4C64-AF08-DDC9323A61EB}" type="slidenum">
               <a:rPr lang="it-IT" smtClean="0"/>
               <a:pPr/>
-              <a:t>4</a:t>
+              <a:t>1</a:t>
             </a:fld>
             <a:endParaRPr lang="it-IT" dirty="0"/>
           </a:p>
@@ -643,193 +640,19 @@
           <a:lstStyle/>
           <a:p>
             <a:r>
-              <a:rPr lang="it-IT" dirty="0" smtClean="0"/>
-              <a:t>Un </a:t>
-            </a:r>
-            <a:r>
-              <a:rPr lang="it-IT" dirty="0" err="1" smtClean="0"/>
-              <a:t>imdb</a:t>
-            </a:r>
-            <a:r>
-              <a:rPr lang="it-IT" baseline="0" dirty="0" smtClean="0"/>
-              <a:t> non è come un </a:t>
-            </a:r>
-            <a:r>
-              <a:rPr lang="it-IT" baseline="0" dirty="0" err="1" smtClean="0"/>
-              <a:t>dbms</a:t>
-            </a:r>
-            <a:r>
-              <a:rPr lang="it-IT" baseline="0" dirty="0" smtClean="0"/>
-              <a:t> tradizionale </a:t>
-            </a:r>
-            <a:r>
-              <a:rPr lang="it-IT" baseline="0" dirty="0" err="1" smtClean="0"/>
-              <a:t>deployato</a:t>
-            </a:r>
-            <a:r>
-              <a:rPr lang="it-IT" baseline="0" dirty="0" smtClean="0"/>
-              <a:t> in ram</a:t>
-            </a:r>
-            <a:endParaRPr lang="it-IT" dirty="0" smtClean="0"/>
-          </a:p>
-          <a:p>
-            <a:endParaRPr lang="it-IT" dirty="0" smtClean="0"/>
-          </a:p>
-          <a:p>
-            <a:r>
-              <a:rPr lang="it-IT" dirty="0" smtClean="0"/>
-              <a:t>Caching: </a:t>
-            </a:r>
-          </a:p>
-          <a:p>
-            <a:pPr lvl="1"/>
-            <a:r>
-              <a:rPr lang="it-IT" dirty="0" smtClean="0"/>
-              <a:t>cache </a:t>
-            </a:r>
-            <a:r>
-              <a:rPr lang="it-IT" dirty="0" err="1" smtClean="0"/>
-              <a:t>synchronization</a:t>
-            </a:r>
-            <a:endParaRPr lang="it-IT" dirty="0" smtClean="0"/>
-          </a:p>
-          <a:p>
-            <a:pPr lvl="1"/>
-            <a:r>
-              <a:rPr lang="it-IT" dirty="0" smtClean="0"/>
-              <a:t>cache </a:t>
-            </a:r>
-            <a:r>
-              <a:rPr lang="it-IT" dirty="0" err="1" smtClean="0"/>
-              <a:t>lookup</a:t>
-            </a:r>
-            <a:endParaRPr lang="it-IT" dirty="0" smtClean="0"/>
-          </a:p>
-          <a:p>
-            <a:endParaRPr lang="it-IT" dirty="0" smtClean="0"/>
-          </a:p>
-          <a:p>
-            <a:r>
-              <a:rPr lang="it-IT" dirty="0" err="1" smtClean="0"/>
-              <a:t>Data-transfer</a:t>
-            </a:r>
-            <a:r>
-              <a:rPr lang="it-IT" dirty="0" smtClean="0"/>
-              <a:t> </a:t>
-            </a:r>
-            <a:r>
-              <a:rPr lang="it-IT" dirty="0" err="1" smtClean="0"/>
-              <a:t>overhead</a:t>
-            </a:r>
-            <a:r>
-              <a:rPr lang="it-IT" dirty="0" smtClean="0"/>
-              <a:t>: </a:t>
-            </a:r>
-          </a:p>
-          <a:p>
-            <a:pPr lvl="1"/>
-            <a:r>
-              <a:rPr lang="it-IT" dirty="0" smtClean="0"/>
-              <a:t>file system cache </a:t>
-            </a:r>
-          </a:p>
-          <a:p>
-            <a:pPr lvl="1"/>
-            <a:r>
-              <a:rPr lang="it-IT" dirty="0" smtClean="0"/>
-              <a:t>database API, copy</a:t>
-            </a:r>
-            <a:r>
-              <a:rPr lang="it-IT" baseline="0" dirty="0" smtClean="0"/>
-              <a:t> </a:t>
-            </a:r>
-            <a:r>
-              <a:rPr lang="it-IT" baseline="0" dirty="0" err="1" smtClean="0"/>
-              <a:t>of</a:t>
-            </a:r>
-            <a:r>
-              <a:rPr lang="it-IT" baseline="0" dirty="0" smtClean="0"/>
-              <a:t> data in </a:t>
-            </a:r>
-            <a:r>
-              <a:rPr lang="it-IT" baseline="0" dirty="0" err="1" smtClean="0"/>
-              <a:t>main</a:t>
-            </a:r>
-            <a:r>
-              <a:rPr lang="it-IT" baseline="0" dirty="0" smtClean="0"/>
-              <a:t> </a:t>
-            </a:r>
-            <a:r>
-              <a:rPr lang="it-IT" baseline="0" dirty="0" err="1" smtClean="0"/>
-              <a:t>memory</a:t>
-            </a:r>
-            <a:endParaRPr lang="it-IT" dirty="0" smtClean="0"/>
-          </a:p>
-          <a:p>
-            <a:endParaRPr lang="it-IT" dirty="0" smtClean="0"/>
-          </a:p>
-          <a:p>
-            <a:r>
-              <a:rPr lang="it-IT" dirty="0" err="1" smtClean="0"/>
-              <a:t>Transaction</a:t>
-            </a:r>
-            <a:r>
-              <a:rPr lang="it-IT" dirty="0" smtClean="0"/>
-              <a:t> processing: </a:t>
-            </a:r>
-          </a:p>
-          <a:p>
-            <a:pPr marL="0" marR="0" lvl="1" indent="0" algn="l" defTabSz="914400" rtl="0" eaLnBrk="1" fontAlgn="auto" latinLnBrk="0" hangingPunct="1">
-              <a:lnSpc>
-                <a:spcPct val="100000"/>
-              </a:lnSpc>
-              <a:spcBef>
-                <a:spcPts val="0"/>
-              </a:spcBef>
-              <a:spcAft>
-                <a:spcPts val="0"/>
-              </a:spcAft>
-              <a:buClrTx/>
-              <a:buSzTx/>
-              <a:buFontTx/>
-              <a:buNone/>
-              <a:tabLst/>
-              <a:defRPr/>
-            </a:pPr>
-            <a:r>
-              <a:rPr lang="it-IT" baseline="0" dirty="0" smtClean="0"/>
-              <a:t>          </a:t>
-            </a:r>
-            <a:r>
-              <a:rPr lang="it-IT" dirty="0" err="1" smtClean="0"/>
-              <a:t>recovery</a:t>
-            </a:r>
-            <a:r>
-              <a:rPr lang="it-IT" dirty="0" smtClean="0"/>
-              <a:t> </a:t>
-            </a:r>
-            <a:r>
-              <a:rPr lang="it-IT" dirty="0" err="1" smtClean="0"/>
-              <a:t>process</a:t>
-            </a:r>
-            <a:r>
-              <a:rPr lang="it-IT" dirty="0" smtClean="0"/>
-              <a:t>, veloce e senza file</a:t>
-            </a:r>
-          </a:p>
-          <a:p>
-            <a:pPr lvl="1"/>
-            <a:r>
-              <a:rPr lang="it-IT" dirty="0" err="1" smtClean="0"/>
-              <a:t>transaction</a:t>
-            </a:r>
-            <a:r>
-              <a:rPr lang="it-IT" dirty="0" smtClean="0"/>
-              <a:t> log file non serve, perché si perde l’immagine in caso di crash</a:t>
-            </a:r>
-          </a:p>
-          <a:p>
-            <a:endParaRPr lang="it-IT" dirty="0"/>
+              <a:rPr lang="it-IT" b="1" dirty="0" smtClean="0"/>
+              <a:t>Prima di iniziare</a:t>
+            </a:r>
+            <a:r>
+              <a:rPr lang="it-IT" b="1" baseline="0" dirty="0" smtClean="0"/>
+              <a:t> ritengo necessario spiegare brevemente il contesto del lavoro, ossia spiegare cos’è un IMDB.</a:t>
+            </a:r>
+          </a:p>
+          <a:p>
+            <a:endParaRPr lang="it-IT" baseline="0" dirty="0" smtClean="0"/>
+          </a:p>
+          <a:p>
+            <a:endParaRPr lang="en-US" dirty="0"/>
           </a:p>
         </p:txBody>
       </p:sp>
@@ -851,9 +674,9 @@
             <a:fld id="{06112A3B-D3CD-4C64-AF08-DDC9323A61EB}" type="slidenum">
               <a:rPr lang="it-IT" smtClean="0"/>
               <a:pPr/>
-              <a:t>6</a:t>
+              <a:t>2</a:t>
             </a:fld>
-            <a:endParaRPr lang="it-IT"/>
+            <a:endParaRPr lang="it-IT" dirty="0"/>
           </a:p>
         </p:txBody>
       </p:sp>
@@ -912,47 +735,14 @@
           <a:lstStyle/>
           <a:p>
             <a:r>
-              <a:rPr lang="it-IT" dirty="0" smtClean="0"/>
-              <a:t>Il </a:t>
-            </a:r>
-            <a:r>
-              <a:rPr lang="it-IT" dirty="0" err="1" smtClean="0"/>
-              <a:t>transaction</a:t>
-            </a:r>
-            <a:r>
-              <a:rPr lang="it-IT" dirty="0" smtClean="0"/>
-              <a:t> </a:t>
-            </a:r>
-            <a:r>
-              <a:rPr lang="it-IT" dirty="0" err="1" smtClean="0"/>
-              <a:t>logging</a:t>
-            </a:r>
-            <a:r>
-              <a:rPr lang="it-IT" dirty="0" smtClean="0"/>
-              <a:t> richiede solo 1 scrittura su hard disk, mentre i normali database scrivono anche i dati nelle “tabelle” e gli indici.</a:t>
-            </a:r>
-          </a:p>
-          <a:p>
-            <a:endParaRPr lang="it-IT" dirty="0" smtClean="0"/>
-          </a:p>
-          <a:p>
-            <a:r>
-              <a:rPr lang="it-IT" dirty="0" smtClean="0"/>
-              <a:t>NVRAM</a:t>
-            </a:r>
-            <a:r>
-              <a:rPr lang="it-IT" baseline="0" dirty="0" smtClean="0"/>
-              <a:t>  fanno risparmiare anche i tempi di accesso a disk: hanno latenze minori come i </a:t>
-            </a:r>
-            <a:r>
-              <a:rPr lang="it-IT" baseline="0" dirty="0" err="1" smtClean="0"/>
-              <a:t>device</a:t>
-            </a:r>
-            <a:r>
-              <a:rPr lang="it-IT" baseline="0" dirty="0" smtClean="0"/>
-              <a:t> flash</a:t>
-            </a:r>
-            <a:endParaRPr lang="en-US" dirty="0"/>
+              <a:rPr lang="it-IT" b="1" dirty="0" smtClean="0"/>
+              <a:t>Ma a cosa servono</a:t>
+            </a:r>
+            <a:r>
+              <a:rPr lang="it-IT" b="1" baseline="0" dirty="0" smtClean="0"/>
+              <a:t> questi IMDB? Diamo allora un’idea dei possibili impieghi di tale tecnologia.</a:t>
+            </a:r>
+            <a:endParaRPr lang="en-US" b="1" dirty="0"/>
           </a:p>
         </p:txBody>
       </p:sp>
@@ -974,7 +764,7 @@
             <a:fld id="{06112A3B-D3CD-4C64-AF08-DDC9323A61EB}" type="slidenum">
               <a:rPr lang="it-IT" smtClean="0"/>
               <a:pPr/>
-              <a:t>7</a:t>
+              <a:t>3</a:t>
             </a:fld>
             <a:endParaRPr lang="it-IT" dirty="0"/>
           </a:p>
@@ -1035,30 +825,56 @@
           <a:lstStyle/>
           <a:p>
             <a:r>
-              <a:rPr lang="it-IT" dirty="0" smtClean="0"/>
-              <a:t>High performance sia in</a:t>
-            </a:r>
-            <a:r>
-              <a:rPr lang="it-IT" baseline="0" dirty="0" smtClean="0"/>
-              <a:t> termini di </a:t>
-            </a:r>
-            <a:r>
-              <a:rPr lang="it-IT" baseline="0" dirty="0" err="1" smtClean="0"/>
-              <a:t>throughput</a:t>
-            </a:r>
-            <a:r>
-              <a:rPr lang="it-IT" baseline="0" dirty="0" smtClean="0"/>
-              <a:t> che di </a:t>
-            </a:r>
-            <a:r>
-              <a:rPr lang="it-IT" baseline="0" dirty="0" err="1" smtClean="0"/>
-              <a:t>latency</a:t>
-            </a:r>
-            <a:r>
-              <a:rPr lang="it-IT" baseline="0" dirty="0" smtClean="0"/>
+              <a:rPr lang="it-IT" b="1" dirty="0" smtClean="0"/>
+              <a:t>Adesso che è stato introdotto il contesto posso</a:t>
+            </a:r>
+            <a:r>
+              <a:rPr lang="it-IT" b="1" baseline="0" dirty="0" smtClean="0"/>
+              <a:t> illustrare gli obiettivi del lavoro svolto. </a:t>
+            </a:r>
+          </a:p>
+          <a:p>
+            <a:endParaRPr lang="it-IT" b="1" baseline="0" dirty="0" smtClean="0"/>
+          </a:p>
+          <a:p>
+            <a:r>
+              <a:rPr lang="it-IT" b="1" baseline="0" dirty="0" smtClean="0"/>
+              <a:t>Il mio lavoro è stato svolto presso l’azienda ERIS4 le cui necessità erano quelle di analizzare le performance del loro prodotto, PICO4, un </a:t>
+            </a:r>
+            <a:r>
+              <a:rPr lang="it-IT" b="1" baseline="0" dirty="0" err="1" smtClean="0"/>
+              <a:t>in-memory</a:t>
+            </a:r>
+            <a:r>
+              <a:rPr lang="it-IT" b="1" baseline="0" dirty="0" smtClean="0"/>
+              <a:t> database da loro sviluppato e utilizzato in sistemi di rating </a:t>
+            </a:r>
+            <a:r>
+              <a:rPr lang="it-IT" b="1" baseline="0" dirty="0" err="1" smtClean="0"/>
+              <a:t>real</a:t>
+            </a:r>
+            <a:r>
+              <a:rPr lang="it-IT" b="1" baseline="0" dirty="0" smtClean="0"/>
+              <a:t> </a:t>
+            </a:r>
+            <a:r>
+              <a:rPr lang="it-IT" b="1" baseline="0" dirty="0" err="1" smtClean="0"/>
+              <a:t>time</a:t>
+            </a:r>
+            <a:r>
+              <a:rPr lang="it-IT" b="1" baseline="0" dirty="0" smtClean="0"/>
               <a:t>.</a:t>
             </a:r>
-            <a:endParaRPr lang="en-US" dirty="0"/>
+          </a:p>
+          <a:p>
+            <a:endParaRPr lang="it-IT" b="1" baseline="0" dirty="0" smtClean="0"/>
+          </a:p>
+          <a:p>
+            <a:r>
+              <a:rPr lang="it-IT" b="1" baseline="0" dirty="0" smtClean="0"/>
+              <a:t>Tale necessità è stata quindi articolata nei seguenti obiettivi:</a:t>
+            </a:r>
+            <a:endParaRPr lang="en-US" b="1" dirty="0"/>
           </a:p>
         </p:txBody>
       </p:sp>
@@ -1080,7 +896,7 @@
             <a:fld id="{06112A3B-D3CD-4C64-AF08-DDC9323A61EB}" type="slidenum">
               <a:rPr lang="it-IT" smtClean="0"/>
               <a:pPr/>
-              <a:t>8</a:t>
+              <a:t>4</a:t>
             </a:fld>
             <a:endParaRPr lang="it-IT" dirty="0"/>
           </a:p>
@@ -1095,6 +911,690 @@
 </file>
 
 <file path=ppt/notesSlides/notesSlide5.xml><?xml version="1.0" encoding="utf-8"?>
+<p:notes xmlns:a="http://schemas.openxmlformats.org/drawingml/2006/main" xmlns:r="http://schemas.openxmlformats.org/officeDocument/2006/relationships" xmlns:p="http://schemas.openxmlformats.org/presentationml/2006/main">
+  <p:cSld>
+    <p:spTree>
+      <p:nvGrpSpPr>
+        <p:cNvPr id="1" name=""/>
+        <p:cNvGrpSpPr/>
+        <p:nvPr/>
+      </p:nvGrpSpPr>
+      <p:grpSpPr>
+        <a:xfrm>
+          <a:off x="0" y="0"/>
+          <a:ext cx="0" cy="0"/>
+          <a:chOff x="0" y="0"/>
+          <a:chExt cx="0" cy="0"/>
+        </a:xfrm>
+      </p:grpSpPr>
+      <p:sp>
+        <p:nvSpPr>
+          <p:cNvPr id="2" name="Segnaposto immagine diapositiva 1"/>
+          <p:cNvSpPr>
+            <a:spLocks noGrp="1" noRot="1" noChangeAspect="1"/>
+          </p:cNvSpPr>
+          <p:nvPr>
+            <p:ph type="sldImg"/>
+          </p:nvPr>
+        </p:nvSpPr>
+        <p:spPr/>
+      </p:sp>
+      <p:sp>
+        <p:nvSpPr>
+          <p:cNvPr id="3" name="Segnaposto note 2"/>
+          <p:cNvSpPr>
+            <a:spLocks noGrp="1"/>
+          </p:cNvSpPr>
+          <p:nvPr>
+            <p:ph type="body" idx="1"/>
+          </p:nvPr>
+        </p:nvSpPr>
+        <p:spPr/>
+        <p:txBody>
+          <a:bodyPr>
+            <a:normAutofit/>
+          </a:bodyPr>
+          <a:lstStyle/>
+          <a:p>
+            <a:r>
+              <a:rPr lang="it-IT" b="1" dirty="0" smtClean="0"/>
+              <a:t>Ovviamente non bastano 10 minuti per parlare di tutto. </a:t>
+            </a:r>
+          </a:p>
+          <a:p>
+            <a:endParaRPr lang="it-IT" b="1" dirty="0" smtClean="0"/>
+          </a:p>
+          <a:p>
+            <a:r>
+              <a:rPr lang="it-IT" b="1" dirty="0" smtClean="0"/>
+              <a:t>In questa presentazione discuteremo delle:</a:t>
+            </a:r>
+          </a:p>
+          <a:p>
+            <a:r>
+              <a:rPr lang="it-IT" dirty="0" smtClean="0"/>
+              <a:t> </a:t>
+            </a:r>
+          </a:p>
+          <a:p>
+            <a:pPr>
+              <a:buFontTx/>
+              <a:buChar char="-"/>
+            </a:pPr>
+            <a:r>
+              <a:rPr lang="it-IT" dirty="0" smtClean="0"/>
+              <a:t> differenze tra</a:t>
+            </a:r>
+            <a:r>
+              <a:rPr lang="it-IT" baseline="0" dirty="0" smtClean="0"/>
+              <a:t> IMDB e DBMS tradizionali</a:t>
+            </a:r>
+          </a:p>
+          <a:p>
+            <a:pPr>
+              <a:buFontTx/>
+              <a:buChar char="-"/>
+            </a:pPr>
+            <a:r>
+              <a:rPr lang="it-IT" baseline="0" dirty="0" smtClean="0"/>
+              <a:t> come affrontare uno studio delle performance per i database e produrre un benchmark</a:t>
+            </a:r>
+          </a:p>
+          <a:p>
+            <a:pPr>
+              <a:buFontTx/>
+              <a:buChar char="-"/>
+            </a:pPr>
+            <a:r>
+              <a:rPr lang="it-IT" baseline="0" dirty="0" smtClean="0"/>
+              <a:t> parleremo anche dello scenario principale utilizzato per l’analisi delle performance</a:t>
+            </a:r>
+          </a:p>
+          <a:p>
+            <a:pPr>
+              <a:buFontTx/>
+              <a:buChar char="-"/>
+            </a:pPr>
+            <a:r>
+              <a:rPr lang="it-IT" baseline="0" dirty="0" smtClean="0"/>
+              <a:t> analizzeremo poi brevemente alcuni dei risultati ottenuti</a:t>
+            </a:r>
+          </a:p>
+          <a:p>
+            <a:pPr>
+              <a:buFontTx/>
+              <a:buChar char="-"/>
+            </a:pPr>
+            <a:r>
+              <a:rPr lang="it-IT" baseline="0" dirty="0" smtClean="0"/>
+              <a:t> infine una breve e immancabile conclusione.</a:t>
+            </a:r>
+            <a:endParaRPr lang="en-US" dirty="0"/>
+          </a:p>
+        </p:txBody>
+      </p:sp>
+      <p:sp>
+        <p:nvSpPr>
+          <p:cNvPr id="4" name="Segnaposto numero diapositiva 3"/>
+          <p:cNvSpPr>
+            <a:spLocks noGrp="1"/>
+          </p:cNvSpPr>
+          <p:nvPr>
+            <p:ph type="sldNum" sz="quarter" idx="10"/>
+          </p:nvPr>
+        </p:nvSpPr>
+        <p:spPr/>
+        <p:txBody>
+          <a:bodyPr/>
+          <a:lstStyle/>
+          <a:p>
+            <a:fld id="{06112A3B-D3CD-4C64-AF08-DDC9323A61EB}" type="slidenum">
+              <a:rPr lang="it-IT" smtClean="0"/>
+              <a:pPr/>
+              <a:t>5</a:t>
+            </a:fld>
+            <a:endParaRPr lang="it-IT" dirty="0"/>
+          </a:p>
+        </p:txBody>
+      </p:sp>
+    </p:spTree>
+  </p:cSld>
+  <p:clrMapOvr>
+    <a:masterClrMapping/>
+  </p:clrMapOvr>
+</p:notes>
+</file>
+
+<file path=ppt/notesSlides/notesSlide6.xml><?xml version="1.0" encoding="utf-8"?>
+<p:notes xmlns:a="http://schemas.openxmlformats.org/drawingml/2006/main" xmlns:r="http://schemas.openxmlformats.org/officeDocument/2006/relationships" xmlns:p="http://schemas.openxmlformats.org/presentationml/2006/main">
+  <p:cSld>
+    <p:spTree>
+      <p:nvGrpSpPr>
+        <p:cNvPr id="1" name=""/>
+        <p:cNvGrpSpPr/>
+        <p:nvPr/>
+      </p:nvGrpSpPr>
+      <p:grpSpPr>
+        <a:xfrm>
+          <a:off x="0" y="0"/>
+          <a:ext cx="0" cy="0"/>
+          <a:chOff x="0" y="0"/>
+          <a:chExt cx="0" cy="0"/>
+        </a:xfrm>
+      </p:grpSpPr>
+      <p:sp>
+        <p:nvSpPr>
+          <p:cNvPr id="2" name="Segnaposto immagine diapositiva 1"/>
+          <p:cNvSpPr>
+            <a:spLocks noGrp="1" noRot="1" noChangeAspect="1"/>
+          </p:cNvSpPr>
+          <p:nvPr>
+            <p:ph type="sldImg"/>
+          </p:nvPr>
+        </p:nvSpPr>
+        <p:spPr/>
+      </p:sp>
+      <p:sp>
+        <p:nvSpPr>
+          <p:cNvPr id="3" name="Segnaposto note 2"/>
+          <p:cNvSpPr>
+            <a:spLocks noGrp="1"/>
+          </p:cNvSpPr>
+          <p:nvPr>
+            <p:ph type="body" idx="1"/>
+          </p:nvPr>
+        </p:nvSpPr>
+        <p:spPr/>
+        <p:txBody>
+          <a:bodyPr>
+            <a:normAutofit/>
+          </a:bodyPr>
+          <a:lstStyle/>
+          <a:p>
+            <a:r>
+              <a:rPr lang="it-IT" b="1" dirty="0" smtClean="0"/>
+              <a:t>Partiamo quindi</a:t>
+            </a:r>
+            <a:r>
+              <a:rPr lang="it-IT" b="1" baseline="0" dirty="0" smtClean="0"/>
+              <a:t> dalle differenze sostanziali tra un IMDB e un DBMS tradizionale. </a:t>
+            </a:r>
+          </a:p>
+          <a:p>
+            <a:endParaRPr lang="it-IT" b="1" baseline="0" dirty="0" smtClean="0"/>
+          </a:p>
+          <a:p>
+            <a:r>
+              <a:rPr lang="it-IT" b="1" baseline="0" dirty="0" smtClean="0"/>
+              <a:t>Quando si parla di IMDB spesso come primo </a:t>
+            </a:r>
+            <a:r>
+              <a:rPr lang="it-IT" b="1" baseline="0" smtClean="0"/>
+              <a:t>pensiero si </a:t>
+            </a:r>
+            <a:r>
+              <a:rPr lang="it-IT" b="1" baseline="0" dirty="0" smtClean="0"/>
+              <a:t>pensa ad un DBMS tradizionale </a:t>
+            </a:r>
+            <a:endParaRPr lang="it-IT" b="1" dirty="0" smtClean="0"/>
+          </a:p>
+          <a:p>
+            <a:endParaRPr lang="it-IT" dirty="0" smtClean="0"/>
+          </a:p>
+          <a:p>
+            <a:r>
+              <a:rPr lang="it-IT" dirty="0" smtClean="0"/>
+              <a:t>Un </a:t>
+            </a:r>
+            <a:r>
+              <a:rPr lang="it-IT" dirty="0" err="1" smtClean="0"/>
+              <a:t>imdb</a:t>
+            </a:r>
+            <a:r>
+              <a:rPr lang="it-IT" baseline="0" dirty="0" smtClean="0"/>
+              <a:t> non è come un </a:t>
+            </a:r>
+            <a:r>
+              <a:rPr lang="it-IT" baseline="0" dirty="0" err="1" smtClean="0"/>
+              <a:t>dbms</a:t>
+            </a:r>
+            <a:r>
+              <a:rPr lang="it-IT" baseline="0" dirty="0" smtClean="0"/>
+              <a:t> tradizionale </a:t>
+            </a:r>
+            <a:r>
+              <a:rPr lang="it-IT" baseline="0" dirty="0" err="1" smtClean="0"/>
+              <a:t>deployato</a:t>
+            </a:r>
+            <a:r>
+              <a:rPr lang="it-IT" baseline="0" dirty="0" smtClean="0"/>
+              <a:t> in ram</a:t>
+            </a:r>
+            <a:endParaRPr lang="it-IT" dirty="0" smtClean="0"/>
+          </a:p>
+          <a:p>
+            <a:endParaRPr lang="it-IT" dirty="0" smtClean="0"/>
+          </a:p>
+          <a:p>
+            <a:r>
+              <a:rPr lang="it-IT" dirty="0" smtClean="0"/>
+              <a:t>Caching: </a:t>
+            </a:r>
+          </a:p>
+          <a:p>
+            <a:pPr lvl="1"/>
+            <a:r>
+              <a:rPr lang="it-IT" dirty="0" smtClean="0"/>
+              <a:t>cache </a:t>
+            </a:r>
+            <a:r>
+              <a:rPr lang="it-IT" dirty="0" err="1" smtClean="0"/>
+              <a:t>synchronization</a:t>
+            </a:r>
+            <a:endParaRPr lang="it-IT" dirty="0" smtClean="0"/>
+          </a:p>
+          <a:p>
+            <a:pPr lvl="1"/>
+            <a:r>
+              <a:rPr lang="it-IT" dirty="0" smtClean="0"/>
+              <a:t>cache </a:t>
+            </a:r>
+            <a:r>
+              <a:rPr lang="it-IT" dirty="0" err="1" smtClean="0"/>
+              <a:t>lookup</a:t>
+            </a:r>
+            <a:endParaRPr lang="it-IT" dirty="0" smtClean="0"/>
+          </a:p>
+          <a:p>
+            <a:endParaRPr lang="it-IT" dirty="0" smtClean="0"/>
+          </a:p>
+          <a:p>
+            <a:r>
+              <a:rPr lang="it-IT" dirty="0" err="1" smtClean="0"/>
+              <a:t>Data-transfer</a:t>
+            </a:r>
+            <a:r>
+              <a:rPr lang="it-IT" dirty="0" smtClean="0"/>
+              <a:t> </a:t>
+            </a:r>
+            <a:r>
+              <a:rPr lang="it-IT" dirty="0" err="1" smtClean="0"/>
+              <a:t>overhead</a:t>
+            </a:r>
+            <a:r>
+              <a:rPr lang="it-IT" dirty="0" smtClean="0"/>
+              <a:t>: </a:t>
+            </a:r>
+          </a:p>
+          <a:p>
+            <a:pPr lvl="1"/>
+            <a:r>
+              <a:rPr lang="it-IT" dirty="0" smtClean="0"/>
+              <a:t>file system cache </a:t>
+            </a:r>
+          </a:p>
+          <a:p>
+            <a:pPr lvl="1"/>
+            <a:r>
+              <a:rPr lang="it-IT" dirty="0" smtClean="0"/>
+              <a:t>database API, copy</a:t>
+            </a:r>
+            <a:r>
+              <a:rPr lang="it-IT" baseline="0" dirty="0" smtClean="0"/>
+              <a:t> </a:t>
+            </a:r>
+            <a:r>
+              <a:rPr lang="it-IT" baseline="0" dirty="0" err="1" smtClean="0"/>
+              <a:t>of</a:t>
+            </a:r>
+            <a:r>
+              <a:rPr lang="it-IT" baseline="0" dirty="0" smtClean="0"/>
+              <a:t> data in </a:t>
+            </a:r>
+            <a:r>
+              <a:rPr lang="it-IT" baseline="0" dirty="0" err="1" smtClean="0"/>
+              <a:t>main</a:t>
+            </a:r>
+            <a:r>
+              <a:rPr lang="it-IT" baseline="0" dirty="0" smtClean="0"/>
+              <a:t> </a:t>
+            </a:r>
+            <a:r>
+              <a:rPr lang="it-IT" baseline="0" dirty="0" err="1" smtClean="0"/>
+              <a:t>memory</a:t>
+            </a:r>
+            <a:endParaRPr lang="it-IT" dirty="0" smtClean="0"/>
+          </a:p>
+          <a:p>
+            <a:endParaRPr lang="it-IT" dirty="0" smtClean="0"/>
+          </a:p>
+          <a:p>
+            <a:r>
+              <a:rPr lang="it-IT" dirty="0" err="1" smtClean="0"/>
+              <a:t>Transaction</a:t>
+            </a:r>
+            <a:r>
+              <a:rPr lang="it-IT" dirty="0" smtClean="0"/>
+              <a:t> processing: </a:t>
+            </a:r>
+          </a:p>
+          <a:p>
+            <a:pPr marL="0" marR="0" lvl="1" indent="0" algn="l" defTabSz="914400" rtl="0" eaLnBrk="1" fontAlgn="auto" latinLnBrk="0" hangingPunct="1">
+              <a:lnSpc>
+                <a:spcPct val="100000"/>
+              </a:lnSpc>
+              <a:spcBef>
+                <a:spcPts val="0"/>
+              </a:spcBef>
+              <a:spcAft>
+                <a:spcPts val="0"/>
+              </a:spcAft>
+              <a:buClrTx/>
+              <a:buSzTx/>
+              <a:buFontTx/>
+              <a:buNone/>
+              <a:tabLst/>
+              <a:defRPr/>
+            </a:pPr>
+            <a:r>
+              <a:rPr lang="it-IT" baseline="0" dirty="0" smtClean="0"/>
+              <a:t>          </a:t>
+            </a:r>
+            <a:r>
+              <a:rPr lang="it-IT" dirty="0" err="1" smtClean="0"/>
+              <a:t>recovery</a:t>
+            </a:r>
+            <a:r>
+              <a:rPr lang="it-IT" dirty="0" smtClean="0"/>
+              <a:t> </a:t>
+            </a:r>
+            <a:r>
+              <a:rPr lang="it-IT" dirty="0" err="1" smtClean="0"/>
+              <a:t>process</a:t>
+            </a:r>
+            <a:r>
+              <a:rPr lang="it-IT" dirty="0" smtClean="0"/>
+              <a:t>, veloce e senza file</a:t>
+            </a:r>
+          </a:p>
+          <a:p>
+            <a:pPr lvl="1"/>
+            <a:r>
+              <a:rPr lang="it-IT" dirty="0" err="1" smtClean="0"/>
+              <a:t>transaction</a:t>
+            </a:r>
+            <a:r>
+              <a:rPr lang="it-IT" dirty="0" smtClean="0"/>
+              <a:t> log file non serve, perché si perde l’immagine in caso di crash</a:t>
+            </a:r>
+          </a:p>
+          <a:p>
+            <a:endParaRPr lang="it-IT" dirty="0"/>
+          </a:p>
+        </p:txBody>
+      </p:sp>
+      <p:sp>
+        <p:nvSpPr>
+          <p:cNvPr id="4" name="Segnaposto numero diapositiva 3"/>
+          <p:cNvSpPr>
+            <a:spLocks noGrp="1"/>
+          </p:cNvSpPr>
+          <p:nvPr>
+            <p:ph type="sldNum" sz="quarter" idx="10"/>
+          </p:nvPr>
+        </p:nvSpPr>
+        <p:spPr/>
+        <p:txBody>
+          <a:bodyPr/>
+          <a:lstStyle/>
+          <a:p>
+            <a:fld id="{06112A3B-D3CD-4C64-AF08-DDC9323A61EB}" type="slidenum">
+              <a:rPr lang="it-IT" smtClean="0"/>
+              <a:pPr/>
+              <a:t>6</a:t>
+            </a:fld>
+            <a:endParaRPr lang="it-IT"/>
+          </a:p>
+        </p:txBody>
+      </p:sp>
+    </p:spTree>
+  </p:cSld>
+  <p:clrMapOvr>
+    <a:masterClrMapping/>
+  </p:clrMapOvr>
+</p:notes>
+</file>
+
+<file path=ppt/notesSlides/notesSlide7.xml><?xml version="1.0" encoding="utf-8"?>
+<p:notes xmlns:a="http://schemas.openxmlformats.org/drawingml/2006/main" xmlns:r="http://schemas.openxmlformats.org/officeDocument/2006/relationships" xmlns:p="http://schemas.openxmlformats.org/presentationml/2006/main">
+  <p:cSld>
+    <p:spTree>
+      <p:nvGrpSpPr>
+        <p:cNvPr id="1" name=""/>
+        <p:cNvGrpSpPr/>
+        <p:nvPr/>
+      </p:nvGrpSpPr>
+      <p:grpSpPr>
+        <a:xfrm>
+          <a:off x="0" y="0"/>
+          <a:ext cx="0" cy="0"/>
+          <a:chOff x="0" y="0"/>
+          <a:chExt cx="0" cy="0"/>
+        </a:xfrm>
+      </p:grpSpPr>
+      <p:sp>
+        <p:nvSpPr>
+          <p:cNvPr id="2" name="Segnaposto immagine diapositiva 1"/>
+          <p:cNvSpPr>
+            <a:spLocks noGrp="1" noRot="1" noChangeAspect="1"/>
+          </p:cNvSpPr>
+          <p:nvPr>
+            <p:ph type="sldImg"/>
+          </p:nvPr>
+        </p:nvSpPr>
+        <p:spPr/>
+      </p:sp>
+      <p:sp>
+        <p:nvSpPr>
+          <p:cNvPr id="3" name="Segnaposto note 2"/>
+          <p:cNvSpPr>
+            <a:spLocks noGrp="1"/>
+          </p:cNvSpPr>
+          <p:nvPr>
+            <p:ph type="body" idx="1"/>
+          </p:nvPr>
+        </p:nvSpPr>
+        <p:spPr/>
+        <p:txBody>
+          <a:bodyPr>
+            <a:normAutofit/>
+          </a:bodyPr>
+          <a:lstStyle/>
+          <a:p>
+            <a:r>
+              <a:rPr lang="it-IT" dirty="0" smtClean="0"/>
+              <a:t>Il </a:t>
+            </a:r>
+            <a:r>
+              <a:rPr lang="it-IT" dirty="0" err="1" smtClean="0"/>
+              <a:t>transaction</a:t>
+            </a:r>
+            <a:r>
+              <a:rPr lang="it-IT" dirty="0" smtClean="0"/>
+              <a:t> </a:t>
+            </a:r>
+            <a:r>
+              <a:rPr lang="it-IT" dirty="0" err="1" smtClean="0"/>
+              <a:t>logging</a:t>
+            </a:r>
+            <a:r>
+              <a:rPr lang="it-IT" dirty="0" smtClean="0"/>
+              <a:t> richiede solo 1 scrittura su hard disk, mentre i normali database scrivono anche i dati nelle “tabelle” e gli indici.</a:t>
+            </a:r>
+          </a:p>
+          <a:p>
+            <a:endParaRPr lang="it-IT" dirty="0" smtClean="0"/>
+          </a:p>
+          <a:p>
+            <a:r>
+              <a:rPr lang="it-IT" dirty="0" smtClean="0"/>
+              <a:t>NVRAM</a:t>
+            </a:r>
+            <a:r>
+              <a:rPr lang="it-IT" baseline="0" dirty="0" smtClean="0"/>
+              <a:t>  fanno risparmiare anche i tempi di accesso a disk: hanno latenze minori come i </a:t>
+            </a:r>
+            <a:r>
+              <a:rPr lang="it-IT" baseline="0" dirty="0" err="1" smtClean="0"/>
+              <a:t>device</a:t>
+            </a:r>
+            <a:r>
+              <a:rPr lang="it-IT" baseline="0" dirty="0" smtClean="0"/>
+              <a:t> flash</a:t>
+            </a:r>
+            <a:endParaRPr lang="en-US" dirty="0"/>
+          </a:p>
+        </p:txBody>
+      </p:sp>
+      <p:sp>
+        <p:nvSpPr>
+          <p:cNvPr id="4" name="Segnaposto numero diapositiva 3"/>
+          <p:cNvSpPr>
+            <a:spLocks noGrp="1"/>
+          </p:cNvSpPr>
+          <p:nvPr>
+            <p:ph type="sldNum" sz="quarter" idx="10"/>
+          </p:nvPr>
+        </p:nvSpPr>
+        <p:spPr/>
+        <p:txBody>
+          <a:bodyPr/>
+          <a:lstStyle/>
+          <a:p>
+            <a:fld id="{06112A3B-D3CD-4C64-AF08-DDC9323A61EB}" type="slidenum">
+              <a:rPr lang="it-IT" smtClean="0"/>
+              <a:pPr/>
+              <a:t>7</a:t>
+            </a:fld>
+            <a:endParaRPr lang="it-IT" dirty="0"/>
+          </a:p>
+        </p:txBody>
+      </p:sp>
+    </p:spTree>
+  </p:cSld>
+  <p:clrMapOvr>
+    <a:masterClrMapping/>
+  </p:clrMapOvr>
+</p:notes>
+</file>
+
+<file path=ppt/notesSlides/notesSlide8.xml><?xml version="1.0" encoding="utf-8"?>
+<p:notes xmlns:a="http://schemas.openxmlformats.org/drawingml/2006/main" xmlns:r="http://schemas.openxmlformats.org/officeDocument/2006/relationships" xmlns:p="http://schemas.openxmlformats.org/presentationml/2006/main">
+  <p:cSld>
+    <p:spTree>
+      <p:nvGrpSpPr>
+        <p:cNvPr id="1" name=""/>
+        <p:cNvGrpSpPr/>
+        <p:nvPr/>
+      </p:nvGrpSpPr>
+      <p:grpSpPr>
+        <a:xfrm>
+          <a:off x="0" y="0"/>
+          <a:ext cx="0" cy="0"/>
+          <a:chOff x="0" y="0"/>
+          <a:chExt cx="0" cy="0"/>
+        </a:xfrm>
+      </p:grpSpPr>
+      <p:sp>
+        <p:nvSpPr>
+          <p:cNvPr id="2" name="Segnaposto immagine diapositiva 1"/>
+          <p:cNvSpPr>
+            <a:spLocks noGrp="1" noRot="1" noChangeAspect="1"/>
+          </p:cNvSpPr>
+          <p:nvPr>
+            <p:ph type="sldImg"/>
+          </p:nvPr>
+        </p:nvSpPr>
+        <p:spPr/>
+      </p:sp>
+      <p:sp>
+        <p:nvSpPr>
+          <p:cNvPr id="3" name="Segnaposto note 2"/>
+          <p:cNvSpPr>
+            <a:spLocks noGrp="1"/>
+          </p:cNvSpPr>
+          <p:nvPr>
+            <p:ph type="body" idx="1"/>
+          </p:nvPr>
+        </p:nvSpPr>
+        <p:spPr/>
+        <p:txBody>
+          <a:bodyPr>
+            <a:normAutofit/>
+          </a:bodyPr>
+          <a:lstStyle/>
+          <a:p>
+            <a:r>
+              <a:rPr lang="it-IT" dirty="0" smtClean="0"/>
+              <a:t>High performance sia in</a:t>
+            </a:r>
+            <a:r>
+              <a:rPr lang="it-IT" baseline="0" dirty="0" smtClean="0"/>
+              <a:t> termini di </a:t>
+            </a:r>
+            <a:r>
+              <a:rPr lang="it-IT" baseline="0" dirty="0" err="1" smtClean="0"/>
+              <a:t>throughput</a:t>
+            </a:r>
+            <a:r>
+              <a:rPr lang="it-IT" baseline="0" dirty="0" smtClean="0"/>
+              <a:t> che di </a:t>
+            </a:r>
+            <a:r>
+              <a:rPr lang="it-IT" baseline="0" dirty="0" err="1" smtClean="0"/>
+              <a:t>latency</a:t>
+            </a:r>
+            <a:r>
+              <a:rPr lang="it-IT" baseline="0" dirty="0" smtClean="0"/>
+              <a:t>.</a:t>
+            </a:r>
+            <a:endParaRPr lang="en-US" dirty="0"/>
+          </a:p>
+        </p:txBody>
+      </p:sp>
+      <p:sp>
+        <p:nvSpPr>
+          <p:cNvPr id="4" name="Segnaposto numero diapositiva 3"/>
+          <p:cNvSpPr>
+            <a:spLocks noGrp="1"/>
+          </p:cNvSpPr>
+          <p:nvPr>
+            <p:ph type="sldNum" sz="quarter" idx="10"/>
+          </p:nvPr>
+        </p:nvSpPr>
+        <p:spPr/>
+        <p:txBody>
+          <a:bodyPr/>
+          <a:lstStyle/>
+          <a:p>
+            <a:fld id="{06112A3B-D3CD-4C64-AF08-DDC9323A61EB}" type="slidenum">
+              <a:rPr lang="it-IT" smtClean="0"/>
+              <a:pPr/>
+              <a:t>8</a:t>
+            </a:fld>
+            <a:endParaRPr lang="it-IT" dirty="0"/>
+          </a:p>
+        </p:txBody>
+      </p:sp>
+    </p:spTree>
+  </p:cSld>
+  <p:clrMapOvr>
+    <a:masterClrMapping/>
+  </p:clrMapOvr>
+</p:notes>
+</file>
+
+<file path=ppt/notesSlides/notesSlide9.xml><?xml version="1.0" encoding="utf-8"?>
 <p:notes xmlns:a="http://schemas.openxmlformats.org/drawingml/2006/main" xmlns:r="http://schemas.openxmlformats.org/officeDocument/2006/relationships" xmlns:p="http://schemas.openxmlformats.org/presentationml/2006/main">
   <p:cSld>
     <p:spTree>
@@ -4972,7 +5472,7 @@
     <p:bg>
       <p:bgPr>
         <a:blipFill dpi="0" rotWithShape="1">
-          <a:blip r:embed="rId2">
+          <a:blip r:embed="rId3">
             <a:grayscl/>
             <a:lum bright="-39000" contrast="39000"/>
           </a:blip>
@@ -5093,7 +5593,7 @@
           <p:nvPr/>
         </p:nvPicPr>
         <p:blipFill>
-          <a:blip r:embed="rId3">
+          <a:blip r:embed="rId4">
             <a:duotone>
               <a:schemeClr val="accent1">
                 <a:shade val="45000"/>
@@ -12630,7 +13130,7 @@
           <p:nvPr/>
         </p:nvPicPr>
         <p:blipFill>
-          <a:blip r:embed="rId2"/>
+          <a:blip r:embed="rId3"/>
           <a:srcRect/>
           <a:stretch>
             <a:fillRect/>
@@ -12775,7 +13275,7 @@
           <p:nvPr/>
         </p:nvPicPr>
         <p:blipFill>
-          <a:blip r:embed="rId3">
+          <a:blip r:embed="rId4">
             <a:duotone>
               <a:schemeClr val="accent1">
                 <a:shade val="45000"/>
@@ -12944,7 +13444,7 @@
           <p:nvPr/>
         </p:nvPicPr>
         <p:blipFill>
-          <a:blip r:embed="rId4"/>
+          <a:blip r:embed="rId5"/>
           <a:srcRect/>
           <a:stretch>
             <a:fillRect/>
@@ -15550,7 +16050,7 @@
           <p:nvPr/>
         </p:nvPicPr>
         <p:blipFill>
-          <a:blip r:embed="rId2">
+          <a:blip r:embed="rId3">
             <a:duotone>
               <a:schemeClr val="accent1">
                 <a:shade val="45000"/>
@@ -15959,79 +16459,46 @@
           </a:bodyPr>
           <a:lstStyle/>
           <a:p>
-            <a:pPr>
-              <a:lnSpc>
-                <a:spcPct val="150000"/>
-              </a:lnSpc>
-            </a:pPr>
-            <a:r>
-              <a:rPr lang="en-US" smtClean="0"/>
-              <a:t>IMDBs landscape</a:t>
-            </a:r>
-            <a:endParaRPr lang="en-US" smtClean="0"/>
-          </a:p>
-          <a:p>
-            <a:pPr>
-              <a:lnSpc>
-                <a:spcPct val="150000"/>
-              </a:lnSpc>
-            </a:pPr>
-            <a:r>
-              <a:rPr lang="en-US" smtClean="0"/>
+            <a:r>
+              <a:rPr lang="en-US" dirty="0" smtClean="0"/>
+              <a:t>IMDBs landscape and in-depth analysis</a:t>
+            </a:r>
+          </a:p>
+          <a:p>
+            <a:endParaRPr lang="en-US" sz="2800" dirty="0" smtClean="0"/>
+          </a:p>
+          <a:p>
+            <a:r>
+              <a:rPr lang="en-US" dirty="0" smtClean="0"/>
               <a:t>Methodology </a:t>
             </a:r>
             <a:r>
-              <a:rPr lang="en-US" smtClean="0"/>
+              <a:rPr lang="en-US" dirty="0" smtClean="0"/>
               <a:t>for evaluating the </a:t>
             </a:r>
             <a:r>
-              <a:rPr lang="en-US" smtClean="0"/>
+              <a:rPr lang="en-US" dirty="0" smtClean="0"/>
               <a:t>database’s performance</a:t>
             </a:r>
           </a:p>
           <a:p>
-            <a:pPr>
-              <a:lnSpc>
-                <a:spcPct val="150000"/>
-              </a:lnSpc>
-            </a:pPr>
-            <a:r>
-              <a:rPr lang="en-US" smtClean="0"/>
-              <a:t>Design </a:t>
-            </a:r>
-            <a:r>
-              <a:rPr lang="en-US" smtClean="0"/>
-              <a:t>and development of a </a:t>
-            </a:r>
-            <a:r>
-              <a:rPr lang="en-US" smtClean="0"/>
-              <a:t>benchmark</a:t>
-            </a:r>
-            <a:endParaRPr lang="en-US" smtClean="0"/>
-          </a:p>
-          <a:p>
-            <a:pPr>
-              <a:lnSpc>
-                <a:spcPct val="150000"/>
-              </a:lnSpc>
-            </a:pPr>
-            <a:r>
-              <a:rPr lang="en-US" smtClean="0"/>
-              <a:t>Testing and </a:t>
-            </a:r>
-            <a:r>
-              <a:rPr lang="en-US" smtClean="0"/>
-              <a:t>results</a:t>
-            </a:r>
-            <a:r>
-              <a:rPr lang="en-US" smtClean="0"/>
-              <a:t>’ analysis of different </a:t>
-            </a:r>
-            <a:r>
-              <a:rPr lang="en-US" smtClean="0"/>
-              <a:t>IMDBs</a:t>
-            </a:r>
-            <a:endParaRPr lang="en-US" smtClean="0"/>
+            <a:endParaRPr lang="en-US" sz="2800" dirty="0" smtClean="0"/>
+          </a:p>
+          <a:p>
+            <a:r>
+              <a:rPr lang="en-US" dirty="0" smtClean="0"/>
+              <a:t>Design and development of a benchmark</a:t>
+            </a:r>
+          </a:p>
+          <a:p>
+            <a:endParaRPr lang="en-US" sz="2800" dirty="0" smtClean="0"/>
+          </a:p>
+          <a:p>
+            <a:r>
+              <a:rPr lang="en-US" dirty="0" smtClean="0"/>
+              <a:t>Testing and results’ analysis of different IMDBs</a:t>
+            </a:r>
+            <a:endParaRPr lang="en-US" dirty="0" smtClean="0"/>
           </a:p>
         </p:txBody>
       </p:sp>
@@ -16112,7 +16579,7 @@
           <p:nvPr/>
         </p:nvPicPr>
         <p:blipFill>
-          <a:blip r:embed="rId2">
+          <a:blip r:embed="rId3">
             <a:duotone>
               <a:schemeClr val="accent1">
                 <a:shade val="45000"/>
@@ -16156,7 +16623,7 @@
         </p:spPr>
         <p:txBody>
           <a:bodyPr>
-            <a:normAutofit/>
+            <a:normAutofit lnSpcReduction="10000"/>
           </a:bodyPr>
           <a:lstStyle/>
           <a:p>
@@ -16171,8 +16638,13 @@
           <a:p>
             <a:r>
               <a:rPr lang="en-US" dirty="0" smtClean="0"/>
-              <a:t>Databases’ Performance Analysis</a:t>
-            </a:r>
+              <a:t>Databases’ Performance </a:t>
+            </a:r>
+            <a:r>
+              <a:rPr lang="en-US" dirty="0" smtClean="0"/>
+              <a:t>Analysis and Benchmark</a:t>
+            </a:r>
+            <a:endParaRPr lang="en-US" dirty="0" smtClean="0"/>
           </a:p>
           <a:p>
             <a:endParaRPr lang="en-US" dirty="0" smtClean="0"/>

--- a/trunk/tesi/presentazione/Barbagallo-IMDB.pptx
+++ b/trunk/tesi/presentazione/Barbagallo-IMDB.pptx
@@ -593,6 +593,1084 @@
 </p:notes>
 </file>
 
+<file path=ppt/notesSlides/notesSlide10.xml><?xml version="1.0" encoding="utf-8"?>
+<p:notes xmlns:a="http://schemas.openxmlformats.org/drawingml/2006/main" xmlns:r="http://schemas.openxmlformats.org/officeDocument/2006/relationships" xmlns:p="http://schemas.openxmlformats.org/presentationml/2006/main">
+  <p:cSld>
+    <p:spTree>
+      <p:nvGrpSpPr>
+        <p:cNvPr id="1" name=""/>
+        <p:cNvGrpSpPr/>
+        <p:nvPr/>
+      </p:nvGrpSpPr>
+      <p:grpSpPr>
+        <a:xfrm>
+          <a:off x="0" y="0"/>
+          <a:ext cx="0" cy="0"/>
+          <a:chOff x="0" y="0"/>
+          <a:chExt cx="0" cy="0"/>
+        </a:xfrm>
+      </p:grpSpPr>
+      <p:sp>
+        <p:nvSpPr>
+          <p:cNvPr id="2" name="Segnaposto immagine diapositiva 1"/>
+          <p:cNvSpPr>
+            <a:spLocks noGrp="1" noRot="1" noChangeAspect="1"/>
+          </p:cNvSpPr>
+          <p:nvPr>
+            <p:ph type="sldImg"/>
+          </p:nvPr>
+        </p:nvSpPr>
+        <p:spPr/>
+      </p:sp>
+      <p:sp>
+        <p:nvSpPr>
+          <p:cNvPr id="3" name="Segnaposto note 2"/>
+          <p:cNvSpPr>
+            <a:spLocks noGrp="1"/>
+          </p:cNvSpPr>
+          <p:nvPr>
+            <p:ph type="body" idx="1"/>
+          </p:nvPr>
+        </p:nvSpPr>
+        <p:spPr/>
+        <p:txBody>
+          <a:bodyPr>
+            <a:normAutofit/>
+          </a:bodyPr>
+          <a:lstStyle/>
+          <a:p>
+            <a:r>
+              <a:rPr lang="it-IT" b="1" dirty="0" smtClean="0"/>
+              <a:t>Un altro dei criteri che influiscono sulle</a:t>
+            </a:r>
+            <a:r>
+              <a:rPr lang="it-IT" b="1" baseline="0" dirty="0" smtClean="0"/>
+              <a:t> performance dei DB è anche l’implementazione dei vari test. </a:t>
+            </a:r>
+          </a:p>
+          <a:p>
+            <a:endParaRPr lang="it-IT" b="1" baseline="0" dirty="0" smtClean="0"/>
+          </a:p>
+          <a:p>
+            <a:r>
+              <a:rPr lang="it-IT" b="1" baseline="0" dirty="0" smtClean="0"/>
+              <a:t>Abbiamo così sviluppato un’applicazione di benchmark per l’esecuzione della suite di test.</a:t>
+            </a:r>
+          </a:p>
+          <a:p>
+            <a:endParaRPr lang="it-IT" b="1" baseline="0" dirty="0" smtClean="0"/>
+          </a:p>
+          <a:p>
+            <a:r>
+              <a:rPr lang="it-IT" b="1" baseline="0" dirty="0" smtClean="0"/>
+              <a:t>Ma che cos’è un benchmark? </a:t>
+            </a:r>
+          </a:p>
+          <a:p>
+            <a:endParaRPr lang="it-IT" b="1" baseline="0" dirty="0" smtClean="0"/>
+          </a:p>
+          <a:p>
+            <a:r>
+              <a:rPr lang="it-IT" b="1" baseline="0" dirty="0" err="1" smtClean="0"/>
+              <a:t>Portable</a:t>
+            </a:r>
+            <a:r>
+              <a:rPr lang="it-IT" b="1" baseline="0" dirty="0" smtClean="0"/>
+              <a:t> oltretutto risolve il problema della piattaforma di esecuzione, perché mentre per gli DBMS server tale requisito non è richiesto, lo è invece per gli IMDB che sono per la maggior parte </a:t>
+            </a:r>
+            <a:r>
+              <a:rPr lang="it-IT" b="1" baseline="0" dirty="0" err="1" smtClean="0"/>
+              <a:t>embedded</a:t>
+            </a:r>
+            <a:r>
+              <a:rPr lang="it-IT" b="1" baseline="0" dirty="0" smtClean="0"/>
+              <a:t> nell’applicazione.</a:t>
+            </a:r>
+            <a:endParaRPr lang="en-US" b="1" dirty="0"/>
+          </a:p>
+        </p:txBody>
+      </p:sp>
+      <p:sp>
+        <p:nvSpPr>
+          <p:cNvPr id="4" name="Segnaposto numero diapositiva 3"/>
+          <p:cNvSpPr>
+            <a:spLocks noGrp="1"/>
+          </p:cNvSpPr>
+          <p:nvPr>
+            <p:ph type="sldNum" sz="quarter" idx="10"/>
+          </p:nvPr>
+        </p:nvSpPr>
+        <p:spPr/>
+        <p:txBody>
+          <a:bodyPr/>
+          <a:lstStyle/>
+          <a:p>
+            <a:fld id="{06112A3B-D3CD-4C64-AF08-DDC9323A61EB}" type="slidenum">
+              <a:rPr lang="it-IT" smtClean="0"/>
+              <a:pPr/>
+              <a:t>10</a:t>
+            </a:fld>
+            <a:endParaRPr lang="it-IT" dirty="0"/>
+          </a:p>
+        </p:txBody>
+      </p:sp>
+    </p:spTree>
+  </p:cSld>
+  <p:clrMapOvr>
+    <a:masterClrMapping/>
+  </p:clrMapOvr>
+</p:notes>
+</file>
+
+<file path=ppt/notesSlides/notesSlide11.xml><?xml version="1.0" encoding="utf-8"?>
+<p:notes xmlns:a="http://schemas.openxmlformats.org/drawingml/2006/main" xmlns:r="http://schemas.openxmlformats.org/officeDocument/2006/relationships" xmlns:p="http://schemas.openxmlformats.org/presentationml/2006/main">
+  <p:cSld>
+    <p:spTree>
+      <p:nvGrpSpPr>
+        <p:cNvPr id="1" name=""/>
+        <p:cNvGrpSpPr/>
+        <p:nvPr/>
+      </p:nvGrpSpPr>
+      <p:grpSpPr>
+        <a:xfrm>
+          <a:off x="0" y="0"/>
+          <a:ext cx="0" cy="0"/>
+          <a:chOff x="0" y="0"/>
+          <a:chExt cx="0" cy="0"/>
+        </a:xfrm>
+      </p:grpSpPr>
+      <p:sp>
+        <p:nvSpPr>
+          <p:cNvPr id="2" name="Segnaposto immagine diapositiva 1"/>
+          <p:cNvSpPr>
+            <a:spLocks noGrp="1" noRot="1" noChangeAspect="1"/>
+          </p:cNvSpPr>
+          <p:nvPr>
+            <p:ph type="sldImg"/>
+          </p:nvPr>
+        </p:nvSpPr>
+        <p:spPr/>
+      </p:sp>
+      <p:sp>
+        <p:nvSpPr>
+          <p:cNvPr id="3" name="Segnaposto note 2"/>
+          <p:cNvSpPr>
+            <a:spLocks noGrp="1"/>
+          </p:cNvSpPr>
+          <p:nvPr>
+            <p:ph type="body" idx="1"/>
+          </p:nvPr>
+        </p:nvSpPr>
+        <p:spPr/>
+        <p:txBody>
+          <a:bodyPr>
+            <a:normAutofit/>
+          </a:bodyPr>
+          <a:lstStyle/>
+          <a:p>
+            <a:r>
+              <a:rPr lang="it-IT" b="1" dirty="0" smtClean="0"/>
+              <a:t>Abbiamo quindi progettato e sviluppato</a:t>
+            </a:r>
+            <a:r>
+              <a:rPr lang="it-IT" b="1" baseline="0" dirty="0" smtClean="0"/>
+              <a:t> un’applicazione per l’esecuzione del benchmark.</a:t>
+            </a:r>
+          </a:p>
+          <a:p>
+            <a:endParaRPr lang="it-IT" b="1" baseline="0" dirty="0" smtClean="0"/>
+          </a:p>
+          <a:p>
+            <a:r>
+              <a:rPr lang="it-IT" b="1" baseline="0" dirty="0" smtClean="0"/>
+              <a:t>Ne raffiguriamo ora una vista funzionale.</a:t>
+            </a:r>
+          </a:p>
+          <a:p>
+            <a:endParaRPr lang="it-IT" b="1" baseline="0" dirty="0" smtClean="0"/>
+          </a:p>
+          <a:p>
+            <a:r>
+              <a:rPr lang="it-IT" b="1" baseline="0" dirty="0" smtClean="0"/>
+              <a:t>Tale applicazione si pone come un </a:t>
+            </a:r>
+            <a:r>
+              <a:rPr lang="it-IT" b="1" baseline="0" dirty="0" err="1" smtClean="0"/>
+              <a:t>framework</a:t>
+            </a:r>
+            <a:r>
+              <a:rPr lang="it-IT" b="1" baseline="0" dirty="0" smtClean="0"/>
+              <a:t> che può essere esteso con nuovi test e database, in modo tale da garantire la flessibilità.</a:t>
+            </a:r>
+            <a:endParaRPr lang="en-US" b="1" dirty="0"/>
+          </a:p>
+        </p:txBody>
+      </p:sp>
+      <p:sp>
+        <p:nvSpPr>
+          <p:cNvPr id="4" name="Segnaposto numero diapositiva 3"/>
+          <p:cNvSpPr>
+            <a:spLocks noGrp="1"/>
+          </p:cNvSpPr>
+          <p:nvPr>
+            <p:ph type="sldNum" sz="quarter" idx="10"/>
+          </p:nvPr>
+        </p:nvSpPr>
+        <p:spPr/>
+        <p:txBody>
+          <a:bodyPr/>
+          <a:lstStyle/>
+          <a:p>
+            <a:fld id="{06112A3B-D3CD-4C64-AF08-DDC9323A61EB}" type="slidenum">
+              <a:rPr lang="it-IT" smtClean="0"/>
+              <a:pPr/>
+              <a:t>11</a:t>
+            </a:fld>
+            <a:endParaRPr lang="it-IT" dirty="0"/>
+          </a:p>
+        </p:txBody>
+      </p:sp>
+    </p:spTree>
+  </p:cSld>
+  <p:clrMapOvr>
+    <a:masterClrMapping/>
+  </p:clrMapOvr>
+</p:notes>
+</file>
+
+<file path=ppt/notesSlides/notesSlide12.xml><?xml version="1.0" encoding="utf-8"?>
+<p:notes xmlns:a="http://schemas.openxmlformats.org/drawingml/2006/main" xmlns:r="http://schemas.openxmlformats.org/officeDocument/2006/relationships" xmlns:p="http://schemas.openxmlformats.org/presentationml/2006/main">
+  <p:cSld>
+    <p:spTree>
+      <p:nvGrpSpPr>
+        <p:cNvPr id="1" name=""/>
+        <p:cNvGrpSpPr/>
+        <p:nvPr/>
+      </p:nvGrpSpPr>
+      <p:grpSpPr>
+        <a:xfrm>
+          <a:off x="0" y="0"/>
+          <a:ext cx="0" cy="0"/>
+          <a:chOff x="0" y="0"/>
+          <a:chExt cx="0" cy="0"/>
+        </a:xfrm>
+      </p:grpSpPr>
+      <p:sp>
+        <p:nvSpPr>
+          <p:cNvPr id="2" name="Segnaposto immagine diapositiva 1"/>
+          <p:cNvSpPr>
+            <a:spLocks noGrp="1" noRot="1" noChangeAspect="1"/>
+          </p:cNvSpPr>
+          <p:nvPr>
+            <p:ph type="sldImg"/>
+          </p:nvPr>
+        </p:nvSpPr>
+        <p:spPr/>
+      </p:sp>
+      <p:sp>
+        <p:nvSpPr>
+          <p:cNvPr id="3" name="Segnaposto note 2"/>
+          <p:cNvSpPr>
+            <a:spLocks noGrp="1"/>
+          </p:cNvSpPr>
+          <p:nvPr>
+            <p:ph type="body" idx="1"/>
+          </p:nvPr>
+        </p:nvSpPr>
+        <p:spPr/>
+        <p:txBody>
+          <a:bodyPr>
+            <a:normAutofit/>
+          </a:bodyPr>
+          <a:lstStyle/>
+          <a:p>
+            <a:r>
+              <a:rPr lang="it-IT" b="1" dirty="0" smtClean="0"/>
+              <a:t>Per chiarire ulteriormente la struttura dell’applicazione descriviamo alcuni degli elementi principali che la compongono.</a:t>
+            </a:r>
+            <a:r>
+              <a:rPr lang="it-IT" b="1" baseline="0" dirty="0" smtClean="0"/>
+              <a:t> Concetti che sono necessari anche per un consapevole utilizzo dell’applicazione.</a:t>
+            </a:r>
+          </a:p>
+          <a:p>
+            <a:endParaRPr lang="it-IT" baseline="0" dirty="0" smtClean="0"/>
+          </a:p>
+          <a:p>
+            <a:endParaRPr lang="en-US" dirty="0"/>
+          </a:p>
+        </p:txBody>
+      </p:sp>
+      <p:sp>
+        <p:nvSpPr>
+          <p:cNvPr id="4" name="Segnaposto numero diapositiva 3"/>
+          <p:cNvSpPr>
+            <a:spLocks noGrp="1"/>
+          </p:cNvSpPr>
+          <p:nvPr>
+            <p:ph type="sldNum" sz="quarter" idx="10"/>
+          </p:nvPr>
+        </p:nvSpPr>
+        <p:spPr/>
+        <p:txBody>
+          <a:bodyPr/>
+          <a:lstStyle/>
+          <a:p>
+            <a:fld id="{06112A3B-D3CD-4C64-AF08-DDC9323A61EB}" type="slidenum">
+              <a:rPr lang="it-IT" smtClean="0"/>
+              <a:pPr/>
+              <a:t>12</a:t>
+            </a:fld>
+            <a:endParaRPr lang="it-IT" dirty="0"/>
+          </a:p>
+        </p:txBody>
+      </p:sp>
+    </p:spTree>
+  </p:cSld>
+  <p:clrMapOvr>
+    <a:masterClrMapping/>
+  </p:clrMapOvr>
+</p:notes>
+</file>
+
+<file path=ppt/notesSlides/notesSlide13.xml><?xml version="1.0" encoding="utf-8"?>
+<p:notes xmlns:a="http://schemas.openxmlformats.org/drawingml/2006/main" xmlns:r="http://schemas.openxmlformats.org/officeDocument/2006/relationships" xmlns:p="http://schemas.openxmlformats.org/presentationml/2006/main">
+  <p:cSld>
+    <p:spTree>
+      <p:nvGrpSpPr>
+        <p:cNvPr id="1" name=""/>
+        <p:cNvGrpSpPr/>
+        <p:nvPr/>
+      </p:nvGrpSpPr>
+      <p:grpSpPr>
+        <a:xfrm>
+          <a:off x="0" y="0"/>
+          <a:ext cx="0" cy="0"/>
+          <a:chOff x="0" y="0"/>
+          <a:chExt cx="0" cy="0"/>
+        </a:xfrm>
+      </p:grpSpPr>
+      <p:sp>
+        <p:nvSpPr>
+          <p:cNvPr id="2" name="Segnaposto immagine diapositiva 1"/>
+          <p:cNvSpPr>
+            <a:spLocks noGrp="1" noRot="1" noChangeAspect="1"/>
+          </p:cNvSpPr>
+          <p:nvPr>
+            <p:ph type="sldImg"/>
+          </p:nvPr>
+        </p:nvSpPr>
+        <p:spPr/>
+      </p:sp>
+      <p:sp>
+        <p:nvSpPr>
+          <p:cNvPr id="3" name="Segnaposto note 2"/>
+          <p:cNvSpPr>
+            <a:spLocks noGrp="1"/>
+          </p:cNvSpPr>
+          <p:nvPr>
+            <p:ph type="body" idx="1"/>
+          </p:nvPr>
+        </p:nvSpPr>
+        <p:spPr/>
+        <p:txBody>
+          <a:bodyPr>
+            <a:normAutofit/>
+          </a:bodyPr>
+          <a:lstStyle/>
+          <a:p>
+            <a:r>
+              <a:rPr lang="it-IT" b="1" dirty="0" smtClean="0"/>
+              <a:t>Illustriamo</a:t>
+            </a:r>
+            <a:r>
+              <a:rPr lang="it-IT" b="1" baseline="0" dirty="0" smtClean="0"/>
+              <a:t> ora lo scenario d’uso principale utilizzato per l’analisi delle performance, di cui successivamente vedremo brevi risultati.</a:t>
+            </a:r>
+            <a:endParaRPr lang="en-US" b="1" dirty="0"/>
+          </a:p>
+        </p:txBody>
+      </p:sp>
+      <p:sp>
+        <p:nvSpPr>
+          <p:cNvPr id="4" name="Segnaposto numero diapositiva 3"/>
+          <p:cNvSpPr>
+            <a:spLocks noGrp="1"/>
+          </p:cNvSpPr>
+          <p:nvPr>
+            <p:ph type="sldNum" sz="quarter" idx="10"/>
+          </p:nvPr>
+        </p:nvSpPr>
+        <p:spPr/>
+        <p:txBody>
+          <a:bodyPr/>
+          <a:lstStyle/>
+          <a:p>
+            <a:fld id="{06112A3B-D3CD-4C64-AF08-DDC9323A61EB}" type="slidenum">
+              <a:rPr lang="it-IT" smtClean="0"/>
+              <a:pPr/>
+              <a:t>13</a:t>
+            </a:fld>
+            <a:endParaRPr lang="it-IT" dirty="0"/>
+          </a:p>
+        </p:txBody>
+      </p:sp>
+    </p:spTree>
+  </p:cSld>
+  <p:clrMapOvr>
+    <a:masterClrMapping/>
+  </p:clrMapOvr>
+</p:notes>
+</file>
+
+<file path=ppt/notesSlides/notesSlide14.xml><?xml version="1.0" encoding="utf-8"?>
+<p:notes xmlns:a="http://schemas.openxmlformats.org/drawingml/2006/main" xmlns:r="http://schemas.openxmlformats.org/officeDocument/2006/relationships" xmlns:p="http://schemas.openxmlformats.org/presentationml/2006/main">
+  <p:cSld>
+    <p:spTree>
+      <p:nvGrpSpPr>
+        <p:cNvPr id="1" name=""/>
+        <p:cNvGrpSpPr/>
+        <p:nvPr/>
+      </p:nvGrpSpPr>
+      <p:grpSpPr>
+        <a:xfrm>
+          <a:off x="0" y="0"/>
+          <a:ext cx="0" cy="0"/>
+          <a:chOff x="0" y="0"/>
+          <a:chExt cx="0" cy="0"/>
+        </a:xfrm>
+      </p:grpSpPr>
+      <p:sp>
+        <p:nvSpPr>
+          <p:cNvPr id="2" name="Segnaposto immagine diapositiva 1"/>
+          <p:cNvSpPr>
+            <a:spLocks noGrp="1" noRot="1" noChangeAspect="1"/>
+          </p:cNvSpPr>
+          <p:nvPr>
+            <p:ph type="sldImg"/>
+          </p:nvPr>
+        </p:nvSpPr>
+        <p:spPr/>
+      </p:sp>
+      <p:sp>
+        <p:nvSpPr>
+          <p:cNvPr id="3" name="Segnaposto note 2"/>
+          <p:cNvSpPr>
+            <a:spLocks noGrp="1"/>
+          </p:cNvSpPr>
+          <p:nvPr>
+            <p:ph type="body" idx="1"/>
+          </p:nvPr>
+        </p:nvSpPr>
+        <p:spPr/>
+        <p:txBody>
+          <a:bodyPr>
+            <a:normAutofit/>
+          </a:bodyPr>
+          <a:lstStyle/>
+          <a:p>
+            <a:r>
+              <a:rPr lang="it-IT" b="1" dirty="0" smtClean="0"/>
+              <a:t>Vediamo</a:t>
+            </a:r>
+            <a:r>
+              <a:rPr lang="it-IT" b="1" baseline="0" dirty="0" smtClean="0"/>
+              <a:t> come uno dei DB abbia un comportamento altalenate, e sebbene il valore medio corrisponda a quello imposto, ossia 10 </a:t>
+            </a:r>
+            <a:r>
+              <a:rPr lang="it-IT" b="1" baseline="0" dirty="0" err="1" smtClean="0"/>
+              <a:t>tps</a:t>
+            </a:r>
+            <a:r>
+              <a:rPr lang="it-IT" b="1" baseline="0" dirty="0" smtClean="0"/>
+              <a:t>, per sistemi </a:t>
+            </a:r>
+            <a:r>
+              <a:rPr lang="it-IT" b="1" baseline="0" dirty="0" err="1" smtClean="0"/>
+              <a:t>real</a:t>
+            </a:r>
+            <a:r>
+              <a:rPr lang="it-IT" b="1" baseline="0" dirty="0" smtClean="0"/>
+              <a:t> </a:t>
+            </a:r>
+            <a:r>
+              <a:rPr lang="it-IT" b="1" baseline="0" dirty="0" err="1" smtClean="0"/>
+              <a:t>time</a:t>
+            </a:r>
+            <a:r>
+              <a:rPr lang="it-IT" b="1" baseline="0" dirty="0" smtClean="0"/>
+              <a:t> tale comportamento non è assolutamente adatto.</a:t>
+            </a:r>
+            <a:endParaRPr lang="en-US" b="1" dirty="0"/>
+          </a:p>
+        </p:txBody>
+      </p:sp>
+      <p:sp>
+        <p:nvSpPr>
+          <p:cNvPr id="4" name="Segnaposto numero diapositiva 3"/>
+          <p:cNvSpPr>
+            <a:spLocks noGrp="1"/>
+          </p:cNvSpPr>
+          <p:nvPr>
+            <p:ph type="sldNum" sz="quarter" idx="10"/>
+          </p:nvPr>
+        </p:nvSpPr>
+        <p:spPr/>
+        <p:txBody>
+          <a:bodyPr/>
+          <a:lstStyle/>
+          <a:p>
+            <a:fld id="{06112A3B-D3CD-4C64-AF08-DDC9323A61EB}" type="slidenum">
+              <a:rPr lang="it-IT" smtClean="0"/>
+              <a:pPr/>
+              <a:t>14</a:t>
+            </a:fld>
+            <a:endParaRPr lang="it-IT" dirty="0"/>
+          </a:p>
+        </p:txBody>
+      </p:sp>
+    </p:spTree>
+  </p:cSld>
+  <p:clrMapOvr>
+    <a:masterClrMapping/>
+  </p:clrMapOvr>
+</p:notes>
+</file>
+
+<file path=ppt/notesSlides/notesSlide15.xml><?xml version="1.0" encoding="utf-8"?>
+<p:notes xmlns:a="http://schemas.openxmlformats.org/drawingml/2006/main" xmlns:r="http://schemas.openxmlformats.org/officeDocument/2006/relationships" xmlns:p="http://schemas.openxmlformats.org/presentationml/2006/main">
+  <p:cSld>
+    <p:spTree>
+      <p:nvGrpSpPr>
+        <p:cNvPr id="1" name=""/>
+        <p:cNvGrpSpPr/>
+        <p:nvPr/>
+      </p:nvGrpSpPr>
+      <p:grpSpPr>
+        <a:xfrm>
+          <a:off x="0" y="0"/>
+          <a:ext cx="0" cy="0"/>
+          <a:chOff x="0" y="0"/>
+          <a:chExt cx="0" cy="0"/>
+        </a:xfrm>
+      </p:grpSpPr>
+      <p:sp>
+        <p:nvSpPr>
+          <p:cNvPr id="2" name="Segnaposto immagine diapositiva 1"/>
+          <p:cNvSpPr>
+            <a:spLocks noGrp="1" noRot="1" noChangeAspect="1"/>
+          </p:cNvSpPr>
+          <p:nvPr>
+            <p:ph type="sldImg"/>
+          </p:nvPr>
+        </p:nvSpPr>
+        <p:spPr/>
+      </p:sp>
+      <p:sp>
+        <p:nvSpPr>
+          <p:cNvPr id="3" name="Segnaposto note 2"/>
+          <p:cNvSpPr>
+            <a:spLocks noGrp="1"/>
+          </p:cNvSpPr>
+          <p:nvPr>
+            <p:ph type="body" idx="1"/>
+          </p:nvPr>
+        </p:nvSpPr>
+        <p:spPr/>
+        <p:txBody>
+          <a:bodyPr>
+            <a:normAutofit/>
+          </a:bodyPr>
+          <a:lstStyle/>
+          <a:p>
+            <a:r>
+              <a:rPr lang="it-IT" b="1" dirty="0" smtClean="0"/>
+              <a:t>Questo invece è il task principale con 2000 transazioni</a:t>
+            </a:r>
+            <a:r>
+              <a:rPr lang="it-IT" b="1" baseline="0" dirty="0" smtClean="0"/>
+              <a:t> al secondo. In questo altro caso invece uno dei DB non riesce ad arrivare a quanto richieste, e verrà quindi escluso dalla scelta dei candidati.</a:t>
+            </a:r>
+            <a:endParaRPr lang="en-US" b="1" dirty="0"/>
+          </a:p>
+        </p:txBody>
+      </p:sp>
+      <p:sp>
+        <p:nvSpPr>
+          <p:cNvPr id="4" name="Segnaposto numero diapositiva 3"/>
+          <p:cNvSpPr>
+            <a:spLocks noGrp="1"/>
+          </p:cNvSpPr>
+          <p:nvPr>
+            <p:ph type="sldNum" sz="quarter" idx="10"/>
+          </p:nvPr>
+        </p:nvSpPr>
+        <p:spPr/>
+        <p:txBody>
+          <a:bodyPr/>
+          <a:lstStyle/>
+          <a:p>
+            <a:fld id="{06112A3B-D3CD-4C64-AF08-DDC9323A61EB}" type="slidenum">
+              <a:rPr lang="it-IT" smtClean="0"/>
+              <a:pPr/>
+              <a:t>15</a:t>
+            </a:fld>
+            <a:endParaRPr lang="it-IT" dirty="0"/>
+          </a:p>
+        </p:txBody>
+      </p:sp>
+    </p:spTree>
+  </p:cSld>
+  <p:clrMapOvr>
+    <a:masterClrMapping/>
+  </p:clrMapOvr>
+</p:notes>
+</file>
+
+<file path=ppt/notesSlides/notesSlide16.xml><?xml version="1.0" encoding="utf-8"?>
+<p:notes xmlns:a="http://schemas.openxmlformats.org/drawingml/2006/main" xmlns:r="http://schemas.openxmlformats.org/officeDocument/2006/relationships" xmlns:p="http://schemas.openxmlformats.org/presentationml/2006/main">
+  <p:cSld>
+    <p:spTree>
+      <p:nvGrpSpPr>
+        <p:cNvPr id="1" name=""/>
+        <p:cNvGrpSpPr/>
+        <p:nvPr/>
+      </p:nvGrpSpPr>
+      <p:grpSpPr>
+        <a:xfrm>
+          <a:off x="0" y="0"/>
+          <a:ext cx="0" cy="0"/>
+          <a:chOff x="0" y="0"/>
+          <a:chExt cx="0" cy="0"/>
+        </a:xfrm>
+      </p:grpSpPr>
+      <p:sp>
+        <p:nvSpPr>
+          <p:cNvPr id="2" name="Segnaposto immagine diapositiva 1"/>
+          <p:cNvSpPr>
+            <a:spLocks noGrp="1" noRot="1" noChangeAspect="1"/>
+          </p:cNvSpPr>
+          <p:nvPr>
+            <p:ph type="sldImg"/>
+          </p:nvPr>
+        </p:nvSpPr>
+        <p:spPr/>
+      </p:sp>
+      <p:sp>
+        <p:nvSpPr>
+          <p:cNvPr id="3" name="Segnaposto note 2"/>
+          <p:cNvSpPr>
+            <a:spLocks noGrp="1"/>
+          </p:cNvSpPr>
+          <p:nvPr>
+            <p:ph type="body" idx="1"/>
+          </p:nvPr>
+        </p:nvSpPr>
+        <p:spPr/>
+        <p:txBody>
+          <a:bodyPr>
+            <a:normAutofit/>
+          </a:bodyPr>
+          <a:lstStyle/>
+          <a:p>
+            <a:r>
+              <a:rPr lang="it-IT" b="1" dirty="0" smtClean="0"/>
+              <a:t>In questo grafico invece viene mostrata l’utilizzo di RAM durante l’esecuzione del</a:t>
+            </a:r>
+            <a:r>
+              <a:rPr lang="it-IT" b="1" baseline="0" dirty="0" smtClean="0"/>
+              <a:t> test</a:t>
+            </a:r>
+          </a:p>
+          <a:p>
+            <a:endParaRPr lang="it-IT" b="1" baseline="0" dirty="0" smtClean="0"/>
+          </a:p>
+          <a:p>
+            <a:r>
+              <a:rPr lang="it-IT" b="0" baseline="0" dirty="0" smtClean="0"/>
+              <a:t>(grafico candidato ad essere eliminato se mancasse il tempo)</a:t>
+            </a:r>
+            <a:endParaRPr lang="en-US" b="0" dirty="0"/>
+          </a:p>
+        </p:txBody>
+      </p:sp>
+      <p:sp>
+        <p:nvSpPr>
+          <p:cNvPr id="4" name="Segnaposto numero diapositiva 3"/>
+          <p:cNvSpPr>
+            <a:spLocks noGrp="1"/>
+          </p:cNvSpPr>
+          <p:nvPr>
+            <p:ph type="sldNum" sz="quarter" idx="10"/>
+          </p:nvPr>
+        </p:nvSpPr>
+        <p:spPr/>
+        <p:txBody>
+          <a:bodyPr/>
+          <a:lstStyle/>
+          <a:p>
+            <a:fld id="{06112A3B-D3CD-4C64-AF08-DDC9323A61EB}" type="slidenum">
+              <a:rPr lang="it-IT" smtClean="0"/>
+              <a:pPr/>
+              <a:t>16</a:t>
+            </a:fld>
+            <a:endParaRPr lang="it-IT" dirty="0"/>
+          </a:p>
+        </p:txBody>
+      </p:sp>
+    </p:spTree>
+  </p:cSld>
+  <p:clrMapOvr>
+    <a:masterClrMapping/>
+  </p:clrMapOvr>
+</p:notes>
+</file>
+
+<file path=ppt/notesSlides/notesSlide17.xml><?xml version="1.0" encoding="utf-8"?>
+<p:notes xmlns:a="http://schemas.openxmlformats.org/drawingml/2006/main" xmlns:r="http://schemas.openxmlformats.org/officeDocument/2006/relationships" xmlns:p="http://schemas.openxmlformats.org/presentationml/2006/main">
+  <p:cSld>
+    <p:spTree>
+      <p:nvGrpSpPr>
+        <p:cNvPr id="1" name=""/>
+        <p:cNvGrpSpPr/>
+        <p:nvPr/>
+      </p:nvGrpSpPr>
+      <p:grpSpPr>
+        <a:xfrm>
+          <a:off x="0" y="0"/>
+          <a:ext cx="0" cy="0"/>
+          <a:chOff x="0" y="0"/>
+          <a:chExt cx="0" cy="0"/>
+        </a:xfrm>
+      </p:grpSpPr>
+      <p:sp>
+        <p:nvSpPr>
+          <p:cNvPr id="2" name="Segnaposto immagine diapositiva 1"/>
+          <p:cNvSpPr>
+            <a:spLocks noGrp="1" noRot="1" noChangeAspect="1"/>
+          </p:cNvSpPr>
+          <p:nvPr>
+            <p:ph type="sldImg"/>
+          </p:nvPr>
+        </p:nvSpPr>
+        <p:spPr/>
+      </p:sp>
+      <p:sp>
+        <p:nvSpPr>
+          <p:cNvPr id="3" name="Segnaposto note 2"/>
+          <p:cNvSpPr>
+            <a:spLocks noGrp="1"/>
+          </p:cNvSpPr>
+          <p:nvPr>
+            <p:ph type="body" idx="1"/>
+          </p:nvPr>
+        </p:nvSpPr>
+        <p:spPr/>
+        <p:txBody>
+          <a:bodyPr>
+            <a:normAutofit/>
+          </a:bodyPr>
+          <a:lstStyle/>
+          <a:p>
+            <a:r>
+              <a:rPr lang="it-IT" b="1" dirty="0" smtClean="0"/>
+              <a:t>Questo grafico invece mostra la dimensione del</a:t>
+            </a:r>
+            <a:r>
+              <a:rPr lang="it-IT" b="1" baseline="0" dirty="0" smtClean="0"/>
+              <a:t> o dei file utilizzati dal database durante il test. </a:t>
+            </a:r>
+          </a:p>
+          <a:p>
+            <a:endParaRPr lang="it-IT" b="1" baseline="0" dirty="0" smtClean="0"/>
+          </a:p>
+          <a:p>
+            <a:r>
+              <a:rPr lang="it-IT" b="1" baseline="0" dirty="0" smtClean="0"/>
+              <a:t>In particolare è interessante notare il valore iniziale, ricordando che in questo test ci sono più di 15 milioni di oggetti inizializzati, ma in particolare notiamo la disparità di utilizzo della memoria su disco.</a:t>
+            </a:r>
+            <a:endParaRPr lang="en-US" b="1" dirty="0"/>
+          </a:p>
+        </p:txBody>
+      </p:sp>
+      <p:sp>
+        <p:nvSpPr>
+          <p:cNvPr id="4" name="Segnaposto numero diapositiva 3"/>
+          <p:cNvSpPr>
+            <a:spLocks noGrp="1"/>
+          </p:cNvSpPr>
+          <p:nvPr>
+            <p:ph type="sldNum" sz="quarter" idx="10"/>
+          </p:nvPr>
+        </p:nvSpPr>
+        <p:spPr/>
+        <p:txBody>
+          <a:bodyPr/>
+          <a:lstStyle/>
+          <a:p>
+            <a:fld id="{06112A3B-D3CD-4C64-AF08-DDC9323A61EB}" type="slidenum">
+              <a:rPr lang="it-IT" smtClean="0"/>
+              <a:pPr/>
+              <a:t>17</a:t>
+            </a:fld>
+            <a:endParaRPr lang="it-IT" dirty="0"/>
+          </a:p>
+        </p:txBody>
+      </p:sp>
+    </p:spTree>
+  </p:cSld>
+  <p:clrMapOvr>
+    <a:masterClrMapping/>
+  </p:clrMapOvr>
+</p:notes>
+</file>
+
+<file path=ppt/notesSlides/notesSlide18.xml><?xml version="1.0" encoding="utf-8"?>
+<p:notes xmlns:a="http://schemas.openxmlformats.org/drawingml/2006/main" xmlns:r="http://schemas.openxmlformats.org/officeDocument/2006/relationships" xmlns:p="http://schemas.openxmlformats.org/presentationml/2006/main">
+  <p:cSld>
+    <p:spTree>
+      <p:nvGrpSpPr>
+        <p:cNvPr id="1" name=""/>
+        <p:cNvGrpSpPr/>
+        <p:nvPr/>
+      </p:nvGrpSpPr>
+      <p:grpSpPr>
+        <a:xfrm>
+          <a:off x="0" y="0"/>
+          <a:ext cx="0" cy="0"/>
+          <a:chOff x="0" y="0"/>
+          <a:chExt cx="0" cy="0"/>
+        </a:xfrm>
+      </p:grpSpPr>
+      <p:sp>
+        <p:nvSpPr>
+          <p:cNvPr id="2" name="Segnaposto immagine diapositiva 1"/>
+          <p:cNvSpPr>
+            <a:spLocks noGrp="1" noRot="1" noChangeAspect="1"/>
+          </p:cNvSpPr>
+          <p:nvPr>
+            <p:ph type="sldImg"/>
+          </p:nvPr>
+        </p:nvSpPr>
+        <p:spPr/>
+      </p:sp>
+      <p:sp>
+        <p:nvSpPr>
+          <p:cNvPr id="3" name="Segnaposto note 2"/>
+          <p:cNvSpPr>
+            <a:spLocks noGrp="1"/>
+          </p:cNvSpPr>
+          <p:nvPr>
+            <p:ph type="body" idx="1"/>
+          </p:nvPr>
+        </p:nvSpPr>
+        <p:spPr/>
+        <p:txBody>
+          <a:bodyPr>
+            <a:normAutofit/>
+          </a:bodyPr>
+          <a:lstStyle/>
+          <a:p>
+            <a:r>
+              <a:rPr lang="it-IT" b="1" dirty="0" smtClean="0"/>
+              <a:t>Giungiamo</a:t>
+            </a:r>
+            <a:r>
+              <a:rPr lang="it-IT" b="1" baseline="0" dirty="0" smtClean="0"/>
+              <a:t> quindi alle conclusioni.</a:t>
+            </a:r>
+          </a:p>
+          <a:p>
+            <a:endParaRPr lang="it-IT" b="1" baseline="0" dirty="0" smtClean="0"/>
+          </a:p>
+          <a:p>
+            <a:r>
+              <a:rPr lang="it-IT" b="1" baseline="0" dirty="0" smtClean="0"/>
+              <a:t>I seguenti sono i contributi apportati da questo lavoro:</a:t>
+            </a:r>
+          </a:p>
+          <a:p>
+            <a:pPr>
+              <a:buFontTx/>
+              <a:buChar char="-"/>
+            </a:pPr>
+            <a:r>
+              <a:rPr lang="it-IT" b="1" baseline="0" dirty="0" smtClean="0"/>
+              <a:t>Abbiamo fatto un’analisi approfondita di vari IMDB</a:t>
+            </a:r>
+          </a:p>
+          <a:p>
+            <a:pPr>
+              <a:buFontTx/>
+              <a:buChar char="-"/>
+            </a:pPr>
+            <a:r>
+              <a:rPr lang="it-IT" b="1" baseline="0" dirty="0" smtClean="0"/>
+              <a:t>Affrontando poi il problema dell’analisi delle performance</a:t>
+            </a:r>
+          </a:p>
+          <a:p>
+            <a:pPr>
+              <a:buFontTx/>
+              <a:buChar char="-"/>
+            </a:pPr>
+            <a:r>
+              <a:rPr lang="it-IT" b="1" dirty="0" smtClean="0"/>
+              <a:t>E sviluppato quindi un’applicazione di benchmark</a:t>
+            </a:r>
+          </a:p>
+          <a:p>
+            <a:pPr>
+              <a:buFontTx/>
+              <a:buChar char="-"/>
+            </a:pPr>
+            <a:r>
+              <a:rPr lang="it-IT" b="1" dirty="0" smtClean="0"/>
+              <a:t>Infine analizzando sperimentando</a:t>
+            </a:r>
+            <a:r>
+              <a:rPr lang="it-IT" b="1" baseline="0" dirty="0" smtClean="0"/>
+              <a:t> alcuni di questi IMDB e analizzandone quindi i risultati.</a:t>
+            </a:r>
+            <a:endParaRPr lang="it-IT" b="1" dirty="0" smtClean="0"/>
+          </a:p>
+          <a:p>
+            <a:endParaRPr lang="it-IT" dirty="0" smtClean="0"/>
+          </a:p>
+          <a:p>
+            <a:endParaRPr lang="it-IT" dirty="0" smtClean="0"/>
+          </a:p>
+          <a:p>
+            <a:r>
+              <a:rPr lang="it-IT" dirty="0" err="1" smtClean="0"/>
+              <a:t>new</a:t>
+            </a:r>
+            <a:r>
+              <a:rPr lang="it-IT" baseline="0" dirty="0" smtClean="0"/>
+              <a:t> </a:t>
+            </a:r>
+            <a:r>
+              <a:rPr lang="it-IT" baseline="0" dirty="0" err="1" smtClean="0"/>
+              <a:t>mapping</a:t>
+            </a:r>
+            <a:r>
+              <a:rPr lang="it-IT" baseline="0" dirty="0" smtClean="0"/>
+              <a:t> </a:t>
+            </a:r>
+            <a:r>
+              <a:rPr lang="it-IT" baseline="0" dirty="0" err="1" smtClean="0"/>
+              <a:t>layer</a:t>
+            </a:r>
+            <a:r>
+              <a:rPr lang="it-IT" baseline="0" dirty="0" smtClean="0"/>
+              <a:t>:</a:t>
+            </a:r>
+          </a:p>
+          <a:p>
+            <a:r>
+              <a:rPr lang="en-US" sz="1200" kern="1200" baseline="0" dirty="0" smtClean="0">
+                <a:solidFill>
+                  <a:schemeClr val="tx1"/>
+                </a:solidFill>
+                <a:latin typeface="+mn-lt"/>
+                <a:ea typeface="+mn-ea"/>
+                <a:cs typeface="+mn-cs"/>
+              </a:rPr>
+              <a:t>- a further layer in the software may slow down the database's </a:t>
+            </a:r>
+            <a:r>
+              <a:rPr lang="en-US" sz="1200" kern="1200" baseline="0" dirty="0" smtClean="0">
+                <a:solidFill>
+                  <a:schemeClr val="tx1"/>
+                </a:solidFill>
+                <a:latin typeface="+mn-lt"/>
+                <a:ea typeface="+mn-ea"/>
+                <a:cs typeface="+mn-cs"/>
+              </a:rPr>
+              <a:t>performance</a:t>
+            </a:r>
+            <a:r>
+              <a:rPr lang="en-US" sz="1200" kern="1200" baseline="0" dirty="0" smtClean="0">
+                <a:solidFill>
+                  <a:schemeClr val="tx1"/>
+                </a:solidFill>
+                <a:latin typeface="+mn-lt"/>
+                <a:ea typeface="+mn-ea"/>
+                <a:cs typeface="+mn-cs"/>
+              </a:rPr>
+              <a:t>;</a:t>
+            </a:r>
+          </a:p>
+          <a:p>
+            <a:r>
+              <a:rPr lang="en-US" sz="1200" kern="1200" baseline="0" dirty="0" smtClean="0">
+                <a:solidFill>
+                  <a:schemeClr val="tx1"/>
+                </a:solidFill>
+                <a:latin typeface="+mn-lt"/>
+                <a:ea typeface="+mn-ea"/>
+                <a:cs typeface="+mn-cs"/>
+              </a:rPr>
+              <a:t>- it's not possible to implement complex test scenarios composed by </a:t>
+            </a:r>
+            <a:r>
+              <a:rPr lang="en-US" sz="1200" kern="1200" baseline="0" dirty="0" smtClean="0">
+                <a:solidFill>
+                  <a:schemeClr val="tx1"/>
+                </a:solidFill>
+                <a:latin typeface="+mn-lt"/>
+                <a:ea typeface="+mn-ea"/>
+                <a:cs typeface="+mn-cs"/>
+              </a:rPr>
+              <a:t>not pre-existing </a:t>
+            </a:r>
+            <a:r>
+              <a:rPr lang="en-US" sz="1200" kern="1200" baseline="0" dirty="0" smtClean="0">
+                <a:solidFill>
+                  <a:schemeClr val="tx1"/>
+                </a:solidFill>
+                <a:latin typeface="+mn-lt"/>
+                <a:ea typeface="+mn-ea"/>
+                <a:cs typeface="+mn-cs"/>
+              </a:rPr>
+              <a:t>operations.</a:t>
+            </a:r>
+            <a:endParaRPr lang="en-US" dirty="0"/>
+          </a:p>
+        </p:txBody>
+      </p:sp>
+      <p:sp>
+        <p:nvSpPr>
+          <p:cNvPr id="4" name="Segnaposto numero diapositiva 3"/>
+          <p:cNvSpPr>
+            <a:spLocks noGrp="1"/>
+          </p:cNvSpPr>
+          <p:nvPr>
+            <p:ph type="sldNum" sz="quarter" idx="10"/>
+          </p:nvPr>
+        </p:nvSpPr>
+        <p:spPr/>
+        <p:txBody>
+          <a:bodyPr/>
+          <a:lstStyle/>
+          <a:p>
+            <a:fld id="{06112A3B-D3CD-4C64-AF08-DDC9323A61EB}" type="slidenum">
+              <a:rPr lang="it-IT" smtClean="0"/>
+              <a:pPr/>
+              <a:t>18</a:t>
+            </a:fld>
+            <a:endParaRPr lang="it-IT" dirty="0"/>
+          </a:p>
+        </p:txBody>
+      </p:sp>
+    </p:spTree>
+  </p:cSld>
+  <p:clrMapOvr>
+    <a:masterClrMapping/>
+  </p:clrMapOvr>
+</p:notes>
+</file>
+
 <file path=ppt/notesSlides/notesSlide2.xml><?xml version="1.0" encoding="utf-8"?>
 <p:notes xmlns:a="http://schemas.openxmlformats.org/drawingml/2006/main" xmlns:r="http://schemas.openxmlformats.org/officeDocument/2006/relationships" xmlns:p="http://schemas.openxmlformats.org/presentationml/2006/main">
   <p:cSld>
@@ -1126,15 +2204,7 @@
           <a:p>
             <a:r>
               <a:rPr lang="it-IT" b="1" baseline="0" dirty="0" smtClean="0"/>
-              <a:t>Quando si parla di IMDB spesso come primo </a:t>
-            </a:r>
-            <a:r>
-              <a:rPr lang="it-IT" b="1" baseline="0" smtClean="0"/>
-              <a:t>pensiero si </a:t>
-            </a:r>
-            <a:r>
-              <a:rPr lang="it-IT" b="1" baseline="0" dirty="0" smtClean="0"/>
-              <a:t>pensa ad un DBMS tradizionale </a:t>
+              <a:t>Quando si parla di IMDB spesso come primo pensiero lo si immagina come fosse un DBMS tradizionale completamente eseguito in RAM, ma non è così. Un IMDB è comunque più veloce di tale configurazione poiché non ha tutta una serie di meccanismi che risultano essere inutili in RAM, anzi addirittura controproducenti.</a:t>
             </a:r>
             <a:endParaRPr lang="it-IT" b="1" dirty="0" smtClean="0"/>
           </a:p>
@@ -1144,66 +2214,36 @@
           <a:p>
             <a:r>
               <a:rPr lang="it-IT" dirty="0" smtClean="0"/>
-              <a:t>Un </a:t>
-            </a:r>
-            <a:r>
-              <a:rPr lang="it-IT" dirty="0" err="1" smtClean="0"/>
-              <a:t>imdb</a:t>
-            </a:r>
-            <a:r>
-              <a:rPr lang="it-IT" baseline="0" dirty="0" smtClean="0"/>
-              <a:t> non è come un </a:t>
-            </a:r>
-            <a:r>
-              <a:rPr lang="it-IT" baseline="0" dirty="0" err="1" smtClean="0"/>
-              <a:t>dbms</a:t>
-            </a:r>
-            <a:r>
-              <a:rPr lang="it-IT" baseline="0" dirty="0" smtClean="0"/>
-              <a:t> tradizionale </a:t>
-            </a:r>
-            <a:r>
-              <a:rPr lang="it-IT" baseline="0" dirty="0" err="1" smtClean="0"/>
-              <a:t>deployato</a:t>
-            </a:r>
-            <a:r>
-              <a:rPr lang="it-IT" baseline="0" dirty="0" smtClean="0"/>
-              <a:t> in ram</a:t>
-            </a:r>
-            <a:endParaRPr lang="it-IT" dirty="0" smtClean="0"/>
-          </a:p>
-          <a:p>
-            <a:endParaRPr lang="it-IT" dirty="0" smtClean="0"/>
-          </a:p>
-          <a:p>
+              <a:t>Caching</a:t>
+            </a:r>
             <a:r>
               <a:rPr lang="it-IT" dirty="0" smtClean="0"/>
-              <a:t>Caching: </a:t>
+              <a:t>: </a:t>
             </a:r>
           </a:p>
           <a:p>
             <a:pPr lvl="1"/>
             <a:r>
-              <a:rPr lang="it-IT" dirty="0" smtClean="0"/>
+              <a:rPr lang="it-IT" b="1" dirty="0" smtClean="0"/>
               <a:t>cache </a:t>
             </a:r>
             <a:r>
-              <a:rPr lang="it-IT" dirty="0" err="1" smtClean="0"/>
+              <a:rPr lang="it-IT" b="1" dirty="0" err="1" smtClean="0"/>
               <a:t>synchronization</a:t>
             </a:r>
-            <a:endParaRPr lang="it-IT" dirty="0" smtClean="0"/>
+            <a:endParaRPr lang="it-IT" b="1" dirty="0" smtClean="0"/>
           </a:p>
           <a:p>
             <a:pPr lvl="1"/>
             <a:r>
-              <a:rPr lang="it-IT" dirty="0" smtClean="0"/>
+              <a:rPr lang="it-IT" b="1" dirty="0" smtClean="0"/>
               <a:t>cache </a:t>
             </a:r>
             <a:r>
-              <a:rPr lang="it-IT" dirty="0" err="1" smtClean="0"/>
+              <a:rPr lang="it-IT" b="1" dirty="0" err="1" smtClean="0"/>
               <a:t>lookup</a:t>
             </a:r>
-            <a:endParaRPr lang="it-IT" dirty="0" smtClean="0"/>
+            <a:endParaRPr lang="it-IT" b="1" dirty="0" smtClean="0"/>
           </a:p>
           <a:p>
             <a:endParaRPr lang="it-IT" dirty="0" smtClean="0"/>
@@ -1229,7 +2269,7 @@
           <a:p>
             <a:pPr lvl="1"/>
             <a:r>
-              <a:rPr lang="it-IT" dirty="0" smtClean="0"/>
+              <a:rPr lang="it-IT" b="1" dirty="0" smtClean="0"/>
               <a:t>file system cache </a:t>
             </a:r>
           </a:p>
@@ -1297,23 +2337,23 @@
               <a:defRPr/>
             </a:pPr>
             <a:r>
-              <a:rPr lang="it-IT" baseline="0" dirty="0" smtClean="0"/>
+              <a:rPr lang="it-IT" b="1" baseline="0" dirty="0" smtClean="0"/>
               <a:t>          </a:t>
             </a:r>
             <a:r>
-              <a:rPr lang="it-IT" dirty="0" err="1" smtClean="0"/>
+              <a:rPr lang="it-IT" b="1" dirty="0" err="1" smtClean="0"/>
               <a:t>recovery</a:t>
             </a:r>
             <a:r>
-              <a:rPr lang="it-IT" dirty="0" smtClean="0"/>
+              <a:rPr lang="it-IT" b="1" dirty="0" smtClean="0"/>
               <a:t> </a:t>
             </a:r>
             <a:r>
-              <a:rPr lang="it-IT" dirty="0" err="1" smtClean="0"/>
+              <a:rPr lang="it-IT" b="1" dirty="0" err="1" smtClean="0"/>
               <a:t>process</a:t>
             </a:r>
             <a:r>
-              <a:rPr lang="it-IT" dirty="0" smtClean="0"/>
+              <a:rPr lang="it-IT" b="1" dirty="0" smtClean="0"/>
               <a:t>, veloce e senza file</a:t>
             </a:r>
           </a:p>
@@ -1325,8 +2365,16 @@
             </a:r>
             <a:r>
               <a:rPr lang="it-IT" dirty="0" smtClean="0"/>
-              <a:t> log file non serve, perché si perde l’immagine in caso di crash</a:t>
-            </a:r>
+              <a:t> log file non serve, perché si perde l’immagine in caso di </a:t>
+            </a:r>
+            <a:r>
+              <a:rPr lang="it-IT" dirty="0" smtClean="0"/>
+              <a:t>crash</a:t>
+            </a:r>
+          </a:p>
+          <a:p>
+            <a:pPr lvl="1"/>
+            <a:endParaRPr lang="it-IT" dirty="0" smtClean="0"/>
           </a:p>
           <a:p>
             <a:endParaRPr lang="it-IT" dirty="0"/>
@@ -1412,23 +2460,91 @@
           <a:lstStyle/>
           <a:p>
             <a:r>
-              <a:rPr lang="it-IT" dirty="0" smtClean="0"/>
+              <a:rPr lang="it-IT" b="1" dirty="0" smtClean="0"/>
+              <a:t>A questo punto</a:t>
+            </a:r>
+            <a:r>
+              <a:rPr lang="it-IT" b="1" baseline="0" dirty="0" smtClean="0"/>
+              <a:t> ci si potrebbe chiedere: ma allora un IMDB non offre la persistenza? Non è così. È possibile aggiungere la </a:t>
+            </a:r>
+            <a:r>
+              <a:rPr lang="it-IT" b="1" baseline="0" dirty="0" err="1" smtClean="0"/>
+              <a:t>durability</a:t>
+            </a:r>
+            <a:r>
+              <a:rPr lang="it-IT" b="1" baseline="0" dirty="0" smtClean="0"/>
+              <a:t> ad un IMDB attraverso diversi meccanismi, ognuno dei quali offre un diverso livello di </a:t>
+            </a:r>
+            <a:r>
+              <a:rPr lang="it-IT" b="1" baseline="0" dirty="0" err="1" smtClean="0"/>
+              <a:t>durability</a:t>
+            </a:r>
+            <a:r>
+              <a:rPr lang="it-IT" b="1" baseline="0" dirty="0" smtClean="0"/>
+              <a:t>.</a:t>
+            </a:r>
+            <a:endParaRPr lang="it-IT" b="1" dirty="0" smtClean="0"/>
+          </a:p>
+          <a:p>
+            <a:endParaRPr lang="it-IT" dirty="0" smtClean="0"/>
+          </a:p>
+          <a:p>
+            <a:r>
+              <a:rPr lang="it-IT" b="1" dirty="0" smtClean="0"/>
+              <a:t>Lo stesso </a:t>
+            </a:r>
+            <a:r>
+              <a:rPr lang="it-IT" b="1" dirty="0" err="1" smtClean="0"/>
+              <a:t>transaction</a:t>
+            </a:r>
+            <a:r>
+              <a:rPr lang="it-IT" b="1" dirty="0" smtClean="0"/>
+              <a:t> </a:t>
+            </a:r>
+            <a:r>
+              <a:rPr lang="it-IT" b="1" dirty="0" err="1" smtClean="0"/>
+              <a:t>loggin</a:t>
+            </a:r>
+            <a:r>
+              <a:rPr lang="it-IT" b="1" dirty="0" smtClean="0"/>
+              <a:t> può offrire diversi livelli di </a:t>
+            </a:r>
+            <a:r>
+              <a:rPr lang="it-IT" b="1" dirty="0" err="1" smtClean="0"/>
+              <a:t>durability</a:t>
+            </a:r>
+            <a:r>
+              <a:rPr lang="it-IT" b="1" dirty="0" smtClean="0"/>
+              <a:t>, a seconda che le scritture su disco</a:t>
+            </a:r>
+            <a:r>
+              <a:rPr lang="it-IT" b="1" baseline="0" dirty="0" smtClean="0"/>
+              <a:t> siano sincrone o meno.</a:t>
+            </a:r>
+            <a:endParaRPr lang="it-IT" b="1" dirty="0" smtClean="0"/>
+          </a:p>
+          <a:p>
+            <a:endParaRPr lang="it-IT" dirty="0" smtClean="0"/>
+          </a:p>
+          <a:p>
+            <a:r>
+              <a:rPr lang="it-IT" b="1" dirty="0" smtClean="0"/>
               <a:t>Il </a:t>
             </a:r>
             <a:r>
-              <a:rPr lang="it-IT" dirty="0" err="1" smtClean="0"/>
+              <a:rPr lang="it-IT" b="1" dirty="0" err="1" smtClean="0"/>
               <a:t>transaction</a:t>
             </a:r>
             <a:r>
-              <a:rPr lang="it-IT" dirty="0" smtClean="0"/>
+              <a:rPr lang="it-IT" b="1" dirty="0" smtClean="0"/>
               <a:t> </a:t>
             </a:r>
             <a:r>
-              <a:rPr lang="it-IT" dirty="0" err="1" smtClean="0"/>
+              <a:rPr lang="it-IT" b="1" dirty="0" err="1" smtClean="0"/>
               <a:t>logging</a:t>
             </a:r>
             <a:r>
-              <a:rPr lang="it-IT" dirty="0" smtClean="0"/>
+              <a:rPr lang="it-IT" b="1" dirty="0" smtClean="0"/>
               <a:t> richiede solo 1 scrittura su hard disk, mentre i normali database scrivono anche i dati nelle “tabelle” e gli indici.</a:t>
             </a:r>
           </a:p>
@@ -1436,23 +2552,7 @@
             <a:endParaRPr lang="it-IT" dirty="0" smtClean="0"/>
           </a:p>
           <a:p>
-            <a:r>
-              <a:rPr lang="it-IT" dirty="0" smtClean="0"/>
-              <a:t>NVRAM</a:t>
-            </a:r>
-            <a:r>
-              <a:rPr lang="it-IT" baseline="0" dirty="0" smtClean="0"/>
-              <a:t>  fanno risparmiare anche i tempi di accesso a disk: hanno latenze minori come i </a:t>
-            </a:r>
-            <a:r>
-              <a:rPr lang="it-IT" baseline="0" dirty="0" err="1" smtClean="0"/>
-              <a:t>device</a:t>
-            </a:r>
-            <a:r>
-              <a:rPr lang="it-IT" baseline="0" dirty="0" smtClean="0"/>
-              <a:t> flash</a:t>
-            </a:r>
-            <a:endParaRPr lang="en-US" dirty="0"/>
+            <a:endParaRPr lang="it-IT" dirty="0" smtClean="0"/>
           </a:p>
         </p:txBody>
       </p:sp>
@@ -1535,30 +2635,105 @@
           <a:lstStyle/>
           <a:p>
             <a:r>
-              <a:rPr lang="it-IT" dirty="0" smtClean="0"/>
-              <a:t>High performance sia in</a:t>
-            </a:r>
-            <a:r>
-              <a:rPr lang="it-IT" baseline="0" dirty="0" smtClean="0"/>
+              <a:rPr lang="it-IT" b="1" dirty="0" smtClean="0"/>
+              <a:t>Questo approccio, degli</a:t>
+            </a:r>
+            <a:r>
+              <a:rPr lang="it-IT" b="1" baseline="0" dirty="0" smtClean="0"/>
+              <a:t> IMDB, sembra quindi molto promettente. Ciò non significa che non abbia svantaggi. Vediamo ora un breve riepilogo dei maggiori vantaggi e svantaggi degli IMDB.</a:t>
+            </a:r>
+          </a:p>
+          <a:p>
+            <a:endParaRPr lang="it-IT" b="1" baseline="0" dirty="0" smtClean="0"/>
+          </a:p>
+          <a:p>
+            <a:r>
+              <a:rPr lang="it-IT" b="1" dirty="0" smtClean="0"/>
+              <a:t>High </a:t>
+            </a:r>
+            <a:r>
+              <a:rPr lang="it-IT" b="1" dirty="0" smtClean="0"/>
+              <a:t>performance sia in</a:t>
+            </a:r>
+            <a:r>
+              <a:rPr lang="it-IT" b="1" baseline="0" dirty="0" smtClean="0"/>
               <a:t> termini di </a:t>
             </a:r>
             <a:r>
-              <a:rPr lang="it-IT" baseline="0" dirty="0" err="1" smtClean="0"/>
+              <a:rPr lang="it-IT" b="1" baseline="0" dirty="0" err="1" smtClean="0"/>
               <a:t>throughput</a:t>
             </a:r>
             <a:r>
-              <a:rPr lang="it-IT" baseline="0" dirty="0" smtClean="0"/>
+              <a:rPr lang="it-IT" b="1" baseline="0" dirty="0" smtClean="0"/>
               <a:t> che di </a:t>
             </a:r>
             <a:r>
-              <a:rPr lang="it-IT" baseline="0" dirty="0" err="1" smtClean="0"/>
+              <a:rPr lang="it-IT" b="1" baseline="0" dirty="0" err="1" smtClean="0"/>
               <a:t>latency</a:t>
             </a:r>
             <a:r>
-              <a:rPr lang="it-IT" baseline="0" dirty="0" smtClean="0"/>
+              <a:rPr lang="it-IT" b="1" baseline="0" dirty="0" smtClean="0"/>
               <a:t>.</a:t>
             </a:r>
-            <a:endParaRPr lang="en-US" dirty="0"/>
+          </a:p>
+          <a:p>
+            <a:endParaRPr lang="it-IT" b="1" baseline="0" dirty="0" smtClean="0"/>
+          </a:p>
+          <a:p>
+            <a:r>
+              <a:rPr lang="it-IT" b="1" baseline="0" dirty="0" smtClean="0"/>
+              <a:t>Come abbiamo visto il problema della </a:t>
+            </a:r>
+            <a:r>
+              <a:rPr lang="it-IT" b="1" baseline="0" dirty="0" err="1" smtClean="0"/>
+              <a:t>durability</a:t>
+            </a:r>
+            <a:r>
+              <a:rPr lang="it-IT" b="1" baseline="0" dirty="0" smtClean="0"/>
+              <a:t> si risolve tramite l’uso di alcuni meccanismi quale il </a:t>
+            </a:r>
+            <a:r>
+              <a:rPr lang="it-IT" b="1" baseline="0" dirty="0" err="1" smtClean="0"/>
+              <a:t>transaction</a:t>
+            </a:r>
+            <a:r>
+              <a:rPr lang="it-IT" b="1" baseline="0" dirty="0" smtClean="0"/>
+              <a:t> </a:t>
+            </a:r>
+            <a:r>
+              <a:rPr lang="it-IT" b="1" baseline="0" dirty="0" err="1" smtClean="0"/>
+              <a:t>logging</a:t>
+            </a:r>
+            <a:r>
+              <a:rPr lang="it-IT" b="1" baseline="0" dirty="0" smtClean="0"/>
+              <a:t>. Questo però porta inevitabilmente ad un incremento dei tempi di </a:t>
+            </a:r>
+            <a:r>
+              <a:rPr lang="it-IT" b="1" baseline="0" dirty="0" err="1" smtClean="0"/>
+              <a:t>startup</a:t>
+            </a:r>
+            <a:r>
+              <a:rPr lang="it-IT" b="1" baseline="0" dirty="0" smtClean="0"/>
+              <a:t> del database.</a:t>
+            </a:r>
+          </a:p>
+          <a:p>
+            <a:endParaRPr lang="it-IT" b="1" baseline="0" dirty="0" smtClean="0"/>
+          </a:p>
+          <a:p>
+            <a:r>
+              <a:rPr lang="it-IT" b="1" baseline="0" dirty="0" smtClean="0"/>
+              <a:t>Anche tale problema può essere mitigato tramite l’uso degli </a:t>
+            </a:r>
+            <a:r>
+              <a:rPr lang="it-IT" b="1" baseline="0" dirty="0" err="1" smtClean="0"/>
+              <a:t>snapshot</a:t>
+            </a:r>
+            <a:r>
+              <a:rPr lang="it-IT" b="1" baseline="0" dirty="0" smtClean="0"/>
+              <a:t>, che però richiedono molto tempo.</a:t>
+            </a:r>
+            <a:endParaRPr lang="en-US" b="1" dirty="0"/>
           </a:p>
         </p:txBody>
       </p:sp>
@@ -1641,115 +2816,40 @@
           <a:lstStyle/>
           <a:p>
             <a:r>
-              <a:rPr lang="it-IT" dirty="0" err="1" smtClean="0"/>
-              <a:t>new</a:t>
-            </a:r>
-            <a:r>
-              <a:rPr lang="it-IT" baseline="0" dirty="0" smtClean="0"/>
-              <a:t> </a:t>
-            </a:r>
-            <a:r>
-              <a:rPr lang="it-IT" baseline="0" dirty="0" err="1" smtClean="0"/>
-              <a:t>mapping</a:t>
-            </a:r>
-            <a:r>
-              <a:rPr lang="it-IT" baseline="0" dirty="0" smtClean="0"/>
-              <a:t> </a:t>
-            </a:r>
-            <a:r>
-              <a:rPr lang="it-IT" baseline="0" dirty="0" err="1" smtClean="0"/>
-              <a:t>layer</a:t>
-            </a:r>
-            <a:r>
-              <a:rPr lang="it-IT" baseline="0" dirty="0" smtClean="0"/>
-              <a:t>:</a:t>
-            </a:r>
-          </a:p>
-          <a:p>
-            <a:r>
-              <a:rPr lang="en-US" sz="1200" kern="1200" baseline="0" dirty="0" smtClean="0">
-                <a:solidFill>
-                  <a:schemeClr val="tx1"/>
-                </a:solidFill>
-                <a:latin typeface="+mn-lt"/>
-                <a:ea typeface="+mn-ea"/>
-                <a:cs typeface="+mn-cs"/>
-              </a:rPr>
-              <a:t>- a further layer in the software may slow down the database's </a:t>
-            </a:r>
-            <a:r>
-              <a:rPr lang="en-US" sz="1200" kern="1200" baseline="0" dirty="0" err="1" smtClean="0">
-                <a:solidFill>
-                  <a:schemeClr val="tx1"/>
-                </a:solidFill>
-                <a:latin typeface="+mn-lt"/>
-                <a:ea typeface="+mn-ea"/>
-                <a:cs typeface="+mn-cs"/>
-              </a:rPr>
-              <a:t>perfor</a:t>
-            </a:r>
-            <a:r>
-              <a:rPr lang="en-US" sz="1200" kern="1200" baseline="0" dirty="0" smtClean="0">
-                <a:solidFill>
-                  <a:schemeClr val="tx1"/>
-                </a:solidFill>
-                <a:latin typeface="+mn-lt"/>
-                <a:ea typeface="+mn-ea"/>
-                <a:cs typeface="+mn-cs"/>
-              </a:rPr>
-              <a:t>-</a:t>
-            </a:r>
-          </a:p>
-          <a:p>
-            <a:r>
-              <a:rPr lang="en-US" sz="1200" kern="1200" baseline="0" dirty="0" err="1" smtClean="0">
-                <a:solidFill>
-                  <a:schemeClr val="tx1"/>
-                </a:solidFill>
-                <a:latin typeface="+mn-lt"/>
-                <a:ea typeface="+mn-ea"/>
-                <a:cs typeface="+mn-cs"/>
-              </a:rPr>
-              <a:t>mance</a:t>
-            </a:r>
-            <a:r>
-              <a:rPr lang="en-US" sz="1200" kern="1200" baseline="0" dirty="0" smtClean="0">
-                <a:solidFill>
-                  <a:schemeClr val="tx1"/>
-                </a:solidFill>
-                <a:latin typeface="+mn-lt"/>
-                <a:ea typeface="+mn-ea"/>
-                <a:cs typeface="+mn-cs"/>
-              </a:rPr>
-              <a:t>;</a:t>
-            </a:r>
-          </a:p>
-          <a:p>
-            <a:r>
-              <a:rPr lang="en-US" sz="1200" kern="1200" baseline="0" dirty="0" smtClean="0">
-                <a:solidFill>
-                  <a:schemeClr val="tx1"/>
-                </a:solidFill>
-                <a:latin typeface="+mn-lt"/>
-                <a:ea typeface="+mn-ea"/>
-                <a:cs typeface="+mn-cs"/>
-              </a:rPr>
-              <a:t>- it's not possible to implement complex test scenarios composed by not</a:t>
-            </a:r>
-          </a:p>
-          <a:p>
-            <a:r>
-              <a:rPr lang="en-US" sz="1200" kern="1200" baseline="0" dirty="0" smtClean="0">
-                <a:solidFill>
-                  <a:schemeClr val="tx1"/>
-                </a:solidFill>
-                <a:latin typeface="+mn-lt"/>
-                <a:ea typeface="+mn-ea"/>
-                <a:cs typeface="+mn-cs"/>
-              </a:rPr>
-              <a:t>pre-existing operations.</a:t>
-            </a:r>
-            <a:endParaRPr lang="en-US" dirty="0"/>
+              <a:rPr lang="it-IT" b="1" dirty="0" smtClean="0"/>
+              <a:t>Affrontiamo ora il problema dello studio delle performance per i database.</a:t>
+            </a:r>
+          </a:p>
+          <a:p>
+            <a:endParaRPr lang="it-IT" b="1" dirty="0" smtClean="0"/>
+          </a:p>
+          <a:p>
+            <a:r>
+              <a:rPr lang="it-IT" b="1" dirty="0" smtClean="0"/>
+              <a:t>Il lavoro svolto si</a:t>
+            </a:r>
+            <a:r>
+              <a:rPr lang="it-IT" b="1" baseline="0" dirty="0" smtClean="0"/>
+              <a:t> basa sul seguente postulato.</a:t>
+            </a:r>
+          </a:p>
+          <a:p>
+            <a:endParaRPr lang="it-IT" b="1" baseline="0" dirty="0" smtClean="0"/>
+          </a:p>
+          <a:p>
+            <a:r>
+              <a:rPr lang="it-IT" b="1" baseline="0" dirty="0" smtClean="0"/>
+              <a:t>Quindi uno dei criteri che influiscono sulle performance dei DB, è l’</a:t>
+            </a:r>
+            <a:r>
+              <a:rPr lang="it-IT" b="1" baseline="0" dirty="0" err="1" smtClean="0"/>
+              <a:t>application</a:t>
+            </a:r>
+            <a:r>
+              <a:rPr lang="it-IT" b="1" baseline="0" dirty="0" smtClean="0"/>
+              <a:t> scenario. Di conseguenza abbiamo sviluppato una suite di test.</a:t>
+            </a:r>
+            <a:endParaRPr lang="en-US" b="1" dirty="0"/>
           </a:p>
         </p:txBody>
       </p:sp>
@@ -1771,7 +2871,7 @@
             <a:fld id="{06112A3B-D3CD-4C64-AF08-DDC9323A61EB}" type="slidenum">
               <a:rPr lang="it-IT" smtClean="0"/>
               <a:pPr/>
-              <a:t>18</a:t>
+              <a:t>9</a:t>
             </a:fld>
             <a:endParaRPr lang="it-IT" dirty="0"/>
           </a:p>
@@ -5813,7 +6913,7 @@
           <p:nvPr/>
         </p:nvPicPr>
         <p:blipFill>
-          <a:blip r:embed="rId2">
+          <a:blip r:embed="rId3">
             <a:duotone>
               <a:schemeClr val="accent1">
                 <a:shade val="45000"/>
@@ -6457,7 +7557,7 @@
           <p:nvPr/>
         </p:nvPicPr>
         <p:blipFill>
-          <a:blip r:embed="rId2">
+          <a:blip r:embed="rId3">
             <a:duotone>
               <a:schemeClr val="accent1">
                 <a:shade val="45000"/>
@@ -6492,7 +7592,7 @@
           <p:nvPr/>
         </p:nvPicPr>
         <p:blipFill>
-          <a:blip r:embed="rId3" cstate="print"/>
+          <a:blip r:embed="rId4" cstate="print"/>
           <a:srcRect l="5649" t="9071" r="9609" b="6380"/>
           <a:stretch>
             <a:fillRect/>
@@ -6525,7 +7625,7 @@
           <p:nvPr/>
         </p:nvPicPr>
         <p:blipFill>
-          <a:blip r:embed="rId4"/>
+          <a:blip r:embed="rId5"/>
           <a:srcRect t="7462" b="-1452"/>
           <a:stretch>
             <a:fillRect/>
@@ -6558,7 +7658,7 @@
           <p:nvPr/>
         </p:nvPicPr>
         <p:blipFill>
-          <a:blip r:embed="rId5"/>
+          <a:blip r:embed="rId6"/>
           <a:srcRect/>
           <a:stretch>
             <a:fillRect/>
@@ -6729,7 +7829,7 @@
           <p:nvPr/>
         </p:nvPicPr>
         <p:blipFill>
-          <a:blip r:embed="rId6" cstate="print"/>
+          <a:blip r:embed="rId7" cstate="print"/>
           <a:srcRect/>
           <a:stretch>
             <a:fillRect/>
@@ -6764,7 +7864,7 @@
           <p:nvPr/>
         </p:nvPicPr>
         <p:blipFill>
-          <a:blip r:embed="rId7" cstate="print"/>
+          <a:blip r:embed="rId8" cstate="print"/>
           <a:srcRect/>
           <a:stretch>
             <a:fillRect/>
@@ -6799,7 +7899,7 @@
           <p:nvPr/>
         </p:nvPicPr>
         <p:blipFill>
-          <a:blip r:embed="rId8" cstate="print"/>
+          <a:blip r:embed="rId9" cstate="print"/>
           <a:srcRect/>
           <a:stretch>
             <a:fillRect/>
@@ -7084,7 +8184,7 @@
           <p:nvPr/>
         </p:nvPicPr>
         <p:blipFill>
-          <a:blip r:embed="rId9"/>
+          <a:blip r:embed="rId10"/>
           <a:srcRect r="60360" b="16129"/>
           <a:stretch>
             <a:fillRect/>
@@ -7119,7 +8219,7 @@
           <p:nvPr/>
         </p:nvPicPr>
         <p:blipFill>
-          <a:blip r:embed="rId9"/>
+          <a:blip r:embed="rId10"/>
           <a:srcRect r="60360" b="16129"/>
           <a:stretch>
             <a:fillRect/>
@@ -7154,7 +8254,7 @@
           <p:nvPr/>
         </p:nvPicPr>
         <p:blipFill>
-          <a:blip r:embed="rId9"/>
+          <a:blip r:embed="rId10"/>
           <a:srcRect r="60360" b="16129"/>
           <a:stretch>
             <a:fillRect/>
@@ -8414,7 +9514,7 @@
           <p:nvPr/>
         </p:nvPicPr>
         <p:blipFill>
-          <a:blip r:embed="rId2">
+          <a:blip r:embed="rId3">
             <a:duotone>
               <a:schemeClr val="accent1">
                 <a:shade val="45000"/>
@@ -8526,7 +9626,7 @@
           <p:nvPr/>
         </p:nvPicPr>
         <p:blipFill>
-          <a:blip r:embed="rId3"/>
+          <a:blip r:embed="rId4"/>
           <a:srcRect/>
           <a:stretch>
             <a:fillRect/>
@@ -8552,7 +9652,7 @@
           <p:nvPr/>
         </p:nvPicPr>
         <p:blipFill>
-          <a:blip r:embed="rId4"/>
+          <a:blip r:embed="rId5"/>
           <a:srcRect/>
           <a:stretch>
             <a:fillRect/>
@@ -8578,7 +9678,7 @@
           <p:nvPr/>
         </p:nvPicPr>
         <p:blipFill>
-          <a:blip r:embed="rId5"/>
+          <a:blip r:embed="rId6"/>
           <a:srcRect/>
           <a:stretch>
             <a:fillRect/>
@@ -9265,7 +10365,7 @@
           <p:nvPr/>
         </p:nvPicPr>
         <p:blipFill>
-          <a:blip r:embed="rId2">
+          <a:blip r:embed="rId3">
             <a:duotone>
               <a:schemeClr val="accent1">
                 <a:shade val="45000"/>
@@ -10268,7 +11368,7 @@
           <p:nvPr/>
         </p:nvPicPr>
         <p:blipFill>
-          <a:blip r:embed="rId2">
+          <a:blip r:embed="rId3">
             <a:duotone>
               <a:schemeClr val="accent1">
                 <a:shade val="45000"/>
@@ -10693,7 +11793,7 @@
           <p:nvPr/>
         </p:nvPicPr>
         <p:blipFill>
-          <a:blip r:embed="rId3"/>
+          <a:blip r:embed="rId4"/>
           <a:srcRect l="-250" t="16785" r="3500" b="5000"/>
           <a:stretch>
             <a:fillRect/>
@@ -10792,7 +11892,7 @@
           <p:nvPr/>
         </p:nvPicPr>
         <p:blipFill>
-          <a:blip r:embed="rId2">
+          <a:blip r:embed="rId3">
             <a:duotone>
               <a:schemeClr val="accent1">
                 <a:shade val="45000"/>
@@ -10827,7 +11927,7 @@
           <p:nvPr/>
         </p:nvPicPr>
         <p:blipFill>
-          <a:blip r:embed="rId3"/>
+          <a:blip r:embed="rId4"/>
           <a:srcRect t="17236" r="1015" b="5390"/>
           <a:stretch>
             <a:fillRect/>
@@ -11316,7 +12416,7 @@
           <p:nvPr/>
         </p:nvPicPr>
         <p:blipFill>
-          <a:blip r:embed="rId2">
+          <a:blip r:embed="rId3">
             <a:duotone>
               <a:schemeClr val="accent1">
                 <a:shade val="45000"/>
@@ -11351,7 +12451,7 @@
           <p:nvPr/>
         </p:nvPicPr>
         <p:blipFill>
-          <a:blip r:embed="rId3"/>
+          <a:blip r:embed="rId4"/>
           <a:srcRect t="16898" r="-250" b="5000"/>
           <a:stretch>
             <a:fillRect/>
@@ -11840,7 +12940,7 @@
           <p:nvPr/>
         </p:nvPicPr>
         <p:blipFill>
-          <a:blip r:embed="rId2">
+          <a:blip r:embed="rId3">
             <a:duotone>
               <a:schemeClr val="accent1">
                 <a:shade val="45000"/>
@@ -12265,7 +13365,7 @@
           <p:nvPr/>
         </p:nvPicPr>
         <p:blipFill>
-          <a:blip r:embed="rId3"/>
+          <a:blip r:embed="rId4"/>
           <a:srcRect l="500" t="15714" r="2000" b="5000"/>
           <a:stretch>
             <a:fillRect/>
@@ -12421,14 +13521,22 @@
             <a:pPr lvl="1"/>
             <a:r>
               <a:rPr lang="en-US" dirty="0" smtClean="0"/>
-              <a:t>Introduction to IMDB with an in-depth analysis</a:t>
+              <a:t>IMDB’s in-depth </a:t>
+            </a:r>
+            <a:r>
+              <a:rPr lang="en-US" dirty="0" smtClean="0"/>
+              <a:t>analysis</a:t>
             </a:r>
           </a:p>
           <a:p>
             <a:pPr lvl="1"/>
             <a:r>
               <a:rPr lang="en-US" dirty="0" smtClean="0"/>
-              <a:t>Performance analysis problem</a:t>
+              <a:t>Performance </a:t>
+            </a:r>
+            <a:r>
+              <a:rPr lang="en-US" dirty="0" smtClean="0"/>
+              <a:t>analysis problem</a:t>
             </a:r>
           </a:p>
           <a:p>
@@ -12442,8 +13550,9 @@
             <a:pPr lvl="1"/>
             <a:r>
               <a:rPr lang="en-US" dirty="0" smtClean="0"/>
-              <a:t>Prevayler, H2, Db4o, HSQLDB, PICO4</a:t>
-            </a:r>
+              <a:t>Results’ analysis</a:t>
+            </a:r>
+            <a:endParaRPr lang="en-US" dirty="0" smtClean="0"/>
           </a:p>
           <a:p>
             <a:endParaRPr lang="en-US" dirty="0" smtClean="0"/>
@@ -19470,7 +20579,7 @@
           <p:nvPr/>
         </p:nvPicPr>
         <p:blipFill>
-          <a:blip r:embed="rId2">
+          <a:blip r:embed="rId3">
             <a:duotone>
               <a:schemeClr val="accent1">
                 <a:shade val="45000"/>

--- a/trunk/tesi/presentazione/Barbagallo-IMDB.pptx
+++ b/trunk/tesi/presentazione/Barbagallo-IMDB.pptx
@@ -5,7 +5,7 @@
     <p:sldMasterId id="2147483660" r:id="rId1"/>
   </p:sldMasterIdLst>
   <p:notesMasterIdLst>
-    <p:notesMasterId r:id="rId24"/>
+    <p:notesMasterId r:id="rId25"/>
   </p:notesMasterIdLst>
   <p:sldIdLst>
     <p:sldId id="256" r:id="rId2"/>
@@ -23,13 +23,14 @@
     <p:sldId id="275" r:id="rId14"/>
     <p:sldId id="278" r:id="rId15"/>
     <p:sldId id="269" r:id="rId16"/>
-    <p:sldId id="276" r:id="rId17"/>
-    <p:sldId id="270" r:id="rId18"/>
-    <p:sldId id="271" r:id="rId19"/>
-    <p:sldId id="272" r:id="rId20"/>
-    <p:sldId id="268" r:id="rId21"/>
-    <p:sldId id="266" r:id="rId22"/>
-    <p:sldId id="273" r:id="rId23"/>
+    <p:sldId id="270" r:id="rId17"/>
+    <p:sldId id="271" r:id="rId18"/>
+    <p:sldId id="280" r:id="rId19"/>
+    <p:sldId id="276" r:id="rId20"/>
+    <p:sldId id="272" r:id="rId21"/>
+    <p:sldId id="268" r:id="rId22"/>
+    <p:sldId id="266" r:id="rId23"/>
+    <p:sldId id="273" r:id="rId24"/>
   </p:sldIdLst>
   <p:sldSz cx="9144000" cy="6858000" type="screen4x3"/>
   <p:notesSz cx="6858000" cy="9144000"/>
@@ -214,7 +215,7 @@
             <a:fld id="{23F755C8-B5BC-4E8F-B906-339D1A3E340F}" type="datetimeFigureOut">
               <a:rPr lang="it-IT" smtClean="0"/>
               <a:pPr/>
-              <a:t>18/12/2008</a:t>
+              <a:t>19/12/2008</a:t>
             </a:fld>
             <a:endParaRPr lang="it-IT" dirty="0"/>
           </a:p>
@@ -1275,11 +1276,11 @@
           <a:p>
             <a:r>
               <a:rPr lang="it-IT" b="1" dirty="0" smtClean="0"/>
-              <a:t>In questo grafico invece viene mostrata l’utilizzo di RAM durante l’esecuzione del</a:t>
+              <a:t>Questo grafico invece mostra la dimensione del</a:t>
             </a:r>
             <a:r>
               <a:rPr lang="it-IT" b="1" baseline="0" dirty="0" smtClean="0"/>
-              <a:t> test</a:t>
+              <a:t> o dei file utilizzati dal database durante il test. </a:t>
             </a:r>
           </a:p>
           <a:p>
@@ -1287,10 +1288,10 @@
           </a:p>
           <a:p>
             <a:r>
-              <a:rPr lang="it-IT" b="0" baseline="0" dirty="0" smtClean="0"/>
-              <a:t>(grafico candidato ad essere eliminato se mancasse il tempo)</a:t>
-            </a:r>
-            <a:endParaRPr lang="en-US" b="0" dirty="0"/>
+              <a:rPr lang="it-IT" b="1" baseline="0" dirty="0" smtClean="0"/>
+              <a:t>In particolare è interessante notare il valore iniziale, ricordando che in questo test ci sono più di 15 milioni di oggetti inizializzati, ma in particolare notiamo la disparità di utilizzo della memoria su disco.</a:t>
+            </a:r>
+            <a:endParaRPr lang="en-US" b="1" dirty="0"/>
           </a:p>
         </p:txBody>
       </p:sp>
@@ -1374,11 +1375,11 @@
           <a:p>
             <a:r>
               <a:rPr lang="it-IT" b="1" dirty="0" smtClean="0"/>
-              <a:t>Questo grafico invece mostra la dimensione del</a:t>
+              <a:t>Giungiamo</a:t>
             </a:r>
             <a:r>
               <a:rPr lang="it-IT" b="1" baseline="0" dirty="0" smtClean="0"/>
-              <a:t> o dei file utilizzati dal database durante il test. </a:t>
+              <a:t> quindi alle conclusioni.</a:t>
             </a:r>
           </a:p>
           <a:p>
@@ -1387,9 +1388,112 @@
           <a:p>
             <a:r>
               <a:rPr lang="it-IT" b="1" baseline="0" dirty="0" smtClean="0"/>
-              <a:t>In particolare è interessante notare il valore iniziale, ricordando che in questo test ci sono più di 15 milioni di oggetti inizializzati, ma in particolare notiamo la disparità di utilizzo della memoria su disco.</a:t>
-            </a:r>
-            <a:endParaRPr lang="en-US" b="1" dirty="0"/>
+              <a:t>I seguenti sono i contributi apportati da questo lavoro:</a:t>
+            </a:r>
+          </a:p>
+          <a:p>
+            <a:pPr>
+              <a:buFontTx/>
+              <a:buChar char="-"/>
+            </a:pPr>
+            <a:r>
+              <a:rPr lang="it-IT" b="1" baseline="0" dirty="0" smtClean="0"/>
+              <a:t>Abbiamo fatto un’analisi approfondita di vari IMDB</a:t>
+            </a:r>
+          </a:p>
+          <a:p>
+            <a:pPr>
+              <a:buFontTx/>
+              <a:buChar char="-"/>
+            </a:pPr>
+            <a:r>
+              <a:rPr lang="it-IT" b="1" baseline="0" dirty="0" smtClean="0"/>
+              <a:t>Affrontando poi il problema dell’analisi delle performance</a:t>
+            </a:r>
+          </a:p>
+          <a:p>
+            <a:pPr>
+              <a:buFontTx/>
+              <a:buChar char="-"/>
+            </a:pPr>
+            <a:r>
+              <a:rPr lang="it-IT" b="1" dirty="0" smtClean="0"/>
+              <a:t>E sviluppato quindi un’applicazione di benchmark</a:t>
+            </a:r>
+          </a:p>
+          <a:p>
+            <a:pPr>
+              <a:buFontTx/>
+              <a:buChar char="-"/>
+            </a:pPr>
+            <a:r>
+              <a:rPr lang="it-IT" b="1" dirty="0" smtClean="0"/>
+              <a:t>Infine analizzando sperimentando</a:t>
+            </a:r>
+            <a:r>
+              <a:rPr lang="it-IT" b="1" baseline="0" dirty="0" smtClean="0"/>
+              <a:t> alcuni di questi IMDB e analizzandone quindi i risultati.</a:t>
+            </a:r>
+            <a:endParaRPr lang="it-IT" b="1" dirty="0" smtClean="0"/>
+          </a:p>
+          <a:p>
+            <a:endParaRPr lang="it-IT" dirty="0" smtClean="0"/>
+          </a:p>
+          <a:p>
+            <a:endParaRPr lang="it-IT" dirty="0" smtClean="0"/>
+          </a:p>
+          <a:p>
+            <a:r>
+              <a:rPr lang="it-IT" dirty="0" err="1" smtClean="0"/>
+              <a:t>new</a:t>
+            </a:r>
+            <a:r>
+              <a:rPr lang="it-IT" baseline="0" dirty="0" smtClean="0"/>
+              <a:t> </a:t>
+            </a:r>
+            <a:r>
+              <a:rPr lang="it-IT" baseline="0" dirty="0" err="1" smtClean="0"/>
+              <a:t>mapping</a:t>
+            </a:r>
+            <a:r>
+              <a:rPr lang="it-IT" baseline="0" dirty="0" smtClean="0"/>
+              <a:t> </a:t>
+            </a:r>
+            <a:r>
+              <a:rPr lang="it-IT" baseline="0" dirty="0" err="1" smtClean="0"/>
+              <a:t>layer</a:t>
+            </a:r>
+            <a:r>
+              <a:rPr lang="it-IT" baseline="0" dirty="0" smtClean="0"/>
+              <a:t>:</a:t>
+            </a:r>
+          </a:p>
+          <a:p>
+            <a:r>
+              <a:rPr lang="en-US" sz="1200" kern="1200" baseline="0" dirty="0" smtClean="0">
+                <a:solidFill>
+                  <a:schemeClr val="tx1"/>
+                </a:solidFill>
+                <a:latin typeface="+mn-lt"/>
+                <a:ea typeface="+mn-ea"/>
+                <a:cs typeface="+mn-cs"/>
+              </a:rPr>
+              <a:t>- a further layer in the software may slow down the database's performance;</a:t>
+            </a:r>
+          </a:p>
+          <a:p>
+            <a:r>
+              <a:rPr lang="en-US" sz="1200" kern="1200" baseline="0" dirty="0" smtClean="0">
+                <a:solidFill>
+                  <a:schemeClr val="tx1"/>
+                </a:solidFill>
+                <a:latin typeface="+mn-lt"/>
+                <a:ea typeface="+mn-ea"/>
+                <a:cs typeface="+mn-cs"/>
+              </a:rPr>
+              <a:t>- it's not possible to implement complex test scenarios composed by not pre-existing operations.</a:t>
+            </a:r>
+            <a:endParaRPr lang="en-US" dirty="0"/>
           </a:p>
         </p:txBody>
       </p:sp>
@@ -1473,11 +1577,20 @@
           <a:p>
             <a:r>
               <a:rPr lang="it-IT" b="1" dirty="0" smtClean="0"/>
-              <a:t>Giungiamo</a:t>
+              <a:t>Sono Valerio Barbagallo.</a:t>
+            </a:r>
+          </a:p>
+          <a:p>
+            <a:endParaRPr lang="it-IT" b="1" dirty="0" smtClean="0"/>
+          </a:p>
+          <a:p>
+            <a:r>
+              <a:rPr lang="it-IT" b="1" dirty="0" smtClean="0"/>
+              <a:t>Il lavoro da me svolto riguarda gli IMDB,</a:t>
             </a:r>
             <a:r>
               <a:rPr lang="it-IT" b="1" baseline="0" dirty="0" smtClean="0"/>
-              <a:t> quindi alle conclusioni.</a:t>
+              <a:t> in particolare è stata fatta una panoramica sugli IMDB e dei competitor sul mercato e uno studio di performance.</a:t>
             </a:r>
           </a:p>
           <a:p>
@@ -1486,155 +1599,13 @@
           <a:p>
             <a:r>
               <a:rPr lang="it-IT" b="1" baseline="0" dirty="0" smtClean="0"/>
-              <a:t>I seguenti sono i contributi apportati da questo lavoro:</a:t>
-            </a:r>
-          </a:p>
-          <a:p>
-            <a:pPr>
-              <a:buFontTx/>
-              <a:buChar char="-"/>
-            </a:pPr>
-            <a:r>
-              <a:rPr lang="it-IT" b="1" baseline="0" dirty="0" smtClean="0"/>
-              <a:t>Abbiamo fatto un’analisi approfondita di vari IMDB</a:t>
-            </a:r>
-          </a:p>
-          <a:p>
-            <a:pPr>
-              <a:buFontTx/>
-              <a:buChar char="-"/>
-            </a:pPr>
-            <a:r>
-              <a:rPr lang="it-IT" b="1" baseline="0" dirty="0" smtClean="0"/>
-              <a:t>Affrontando poi il problema dell’analisi delle performance</a:t>
-            </a:r>
-          </a:p>
-          <a:p>
-            <a:pPr>
-              <a:buFontTx/>
-              <a:buChar char="-"/>
-            </a:pPr>
-            <a:r>
-              <a:rPr lang="it-IT" b="1" dirty="0" smtClean="0"/>
-              <a:t>E sviluppato quindi un’applicazione di benchmark</a:t>
-            </a:r>
-          </a:p>
-          <a:p>
-            <a:pPr>
-              <a:buFontTx/>
-              <a:buChar char="-"/>
-            </a:pPr>
-            <a:r>
-              <a:rPr lang="it-IT" b="1" dirty="0" smtClean="0"/>
-              <a:t>Infine analizzando sperimentando</a:t>
-            </a:r>
-            <a:r>
-              <a:rPr lang="it-IT" b="1" baseline="0" dirty="0" smtClean="0"/>
-              <a:t> alcuni di questi IMDB e analizzandone quindi i risultati.</a:t>
-            </a:r>
-            <a:endParaRPr lang="it-IT" b="1" dirty="0" smtClean="0"/>
-          </a:p>
-          <a:p>
-            <a:endParaRPr lang="it-IT" dirty="0" smtClean="0"/>
-          </a:p>
-          <a:p>
-            <a:endParaRPr lang="it-IT" dirty="0" smtClean="0"/>
-          </a:p>
-          <a:p>
-            <a:r>
-              <a:rPr lang="it-IT" dirty="0" err="1" smtClean="0"/>
-              <a:t>new</a:t>
-            </a:r>
-            <a:r>
-              <a:rPr lang="it-IT" baseline="0" dirty="0" smtClean="0"/>
-              <a:t> </a:t>
-            </a:r>
-            <a:r>
-              <a:rPr lang="it-IT" baseline="0" dirty="0" err="1" smtClean="0"/>
-              <a:t>mapping</a:t>
-            </a:r>
-            <a:r>
-              <a:rPr lang="it-IT" baseline="0" dirty="0" smtClean="0"/>
-              <a:t> </a:t>
-            </a:r>
-            <a:r>
-              <a:rPr lang="it-IT" baseline="0" dirty="0" err="1" smtClean="0"/>
-              <a:t>layer</a:t>
-            </a:r>
-            <a:r>
-              <a:rPr lang="it-IT" baseline="0" dirty="0" smtClean="0"/>
-              <a:t>:</a:t>
-            </a:r>
-          </a:p>
-          <a:p>
-            <a:r>
-              <a:rPr lang="en-US" sz="1200" kern="1200" baseline="0" dirty="0" smtClean="0">
-                <a:solidFill>
-                  <a:schemeClr val="tx1"/>
-                </a:solidFill>
-                <a:latin typeface="+mn-lt"/>
-                <a:ea typeface="+mn-ea"/>
-                <a:cs typeface="+mn-cs"/>
-              </a:rPr>
-              <a:t>- a further layer in the software may slow down the database's </a:t>
-            </a:r>
-            <a:r>
-              <a:rPr lang="en-US" sz="1200" kern="1200" baseline="0" dirty="0" smtClean="0">
-                <a:solidFill>
-                  <a:schemeClr val="tx1"/>
-                </a:solidFill>
-                <a:latin typeface="+mn-lt"/>
-                <a:ea typeface="+mn-ea"/>
-                <a:cs typeface="+mn-cs"/>
-              </a:rPr>
-              <a:t>performance</a:t>
-            </a:r>
-            <a:r>
-              <a:rPr lang="en-US" sz="1200" kern="1200" baseline="0" dirty="0" smtClean="0">
-                <a:solidFill>
-                  <a:schemeClr val="tx1"/>
-                </a:solidFill>
-                <a:latin typeface="+mn-lt"/>
-                <a:ea typeface="+mn-ea"/>
-                <a:cs typeface="+mn-cs"/>
-              </a:rPr>
-              <a:t>;</a:t>
-            </a:r>
-          </a:p>
-          <a:p>
-            <a:r>
-              <a:rPr lang="en-US" sz="1200" kern="1200" baseline="0" dirty="0" smtClean="0">
-                <a:solidFill>
-                  <a:schemeClr val="tx1"/>
-                </a:solidFill>
-                <a:latin typeface="+mn-lt"/>
-                <a:ea typeface="+mn-ea"/>
-                <a:cs typeface="+mn-cs"/>
-              </a:rPr>
-              <a:t>- it's not possible to implement complex test scenarios composed by </a:t>
-            </a:r>
-            <a:r>
-              <a:rPr lang="en-US" sz="1200" kern="1200" baseline="0" dirty="0" smtClean="0">
-                <a:solidFill>
-                  <a:schemeClr val="tx1"/>
-                </a:solidFill>
-                <a:latin typeface="+mn-lt"/>
-                <a:ea typeface="+mn-ea"/>
-                <a:cs typeface="+mn-cs"/>
-              </a:rPr>
-              <a:t>not pre-existing </a:t>
-            </a:r>
-            <a:r>
-              <a:rPr lang="en-US" sz="1200" kern="1200" baseline="0" dirty="0" smtClean="0">
-                <a:solidFill>
-                  <a:schemeClr val="tx1"/>
-                </a:solidFill>
-                <a:latin typeface="+mn-lt"/>
-                <a:ea typeface="+mn-ea"/>
-                <a:cs typeface="+mn-cs"/>
-              </a:rPr>
-              <a:t>operations.</a:t>
-            </a:r>
+              <a:t>Il mio relatore è Paolo Merialdo, mentre il mio correlatore è Michele Aiello.</a:t>
+            </a:r>
+          </a:p>
+          <a:p>
+            <a:endParaRPr lang="it-IT" baseline="0" dirty="0" smtClean="0"/>
+          </a:p>
+          <a:p>
             <a:endParaRPr lang="en-US" dirty="0"/>
           </a:p>
         </p:txBody>
@@ -1658,6 +1629,105 @@
               <a:rPr lang="it-IT" smtClean="0"/>
               <a:pPr/>
               <a:t>18</a:t>
+            </a:fld>
+            <a:endParaRPr lang="it-IT" dirty="0"/>
+          </a:p>
+        </p:txBody>
+      </p:sp>
+    </p:spTree>
+  </p:cSld>
+  <p:clrMapOvr>
+    <a:masterClrMapping/>
+  </p:clrMapOvr>
+</p:notes>
+</file>
+
+<file path=ppt/notesSlides/notesSlide19.xml><?xml version="1.0" encoding="utf-8"?>
+<p:notes xmlns:a="http://schemas.openxmlformats.org/drawingml/2006/main" xmlns:r="http://schemas.openxmlformats.org/officeDocument/2006/relationships" xmlns:p="http://schemas.openxmlformats.org/presentationml/2006/main">
+  <p:cSld>
+    <p:spTree>
+      <p:nvGrpSpPr>
+        <p:cNvPr id="1" name=""/>
+        <p:cNvGrpSpPr/>
+        <p:nvPr/>
+      </p:nvGrpSpPr>
+      <p:grpSpPr>
+        <a:xfrm>
+          <a:off x="0" y="0"/>
+          <a:ext cx="0" cy="0"/>
+          <a:chOff x="0" y="0"/>
+          <a:chExt cx="0" cy="0"/>
+        </a:xfrm>
+      </p:grpSpPr>
+      <p:sp>
+        <p:nvSpPr>
+          <p:cNvPr id="2" name="Segnaposto immagine diapositiva 1"/>
+          <p:cNvSpPr>
+            <a:spLocks noGrp="1" noRot="1" noChangeAspect="1"/>
+          </p:cNvSpPr>
+          <p:nvPr>
+            <p:ph type="sldImg"/>
+          </p:nvPr>
+        </p:nvSpPr>
+        <p:spPr/>
+      </p:sp>
+      <p:sp>
+        <p:nvSpPr>
+          <p:cNvPr id="3" name="Segnaposto note 2"/>
+          <p:cNvSpPr>
+            <a:spLocks noGrp="1"/>
+          </p:cNvSpPr>
+          <p:nvPr>
+            <p:ph type="body" idx="1"/>
+          </p:nvPr>
+        </p:nvSpPr>
+        <p:spPr/>
+        <p:txBody>
+          <a:bodyPr>
+            <a:normAutofit/>
+          </a:bodyPr>
+          <a:lstStyle/>
+          <a:p>
+            <a:r>
+              <a:rPr lang="it-IT" b="1" dirty="0" smtClean="0"/>
+              <a:t>In questo grafico invece viene mostrata l’utilizzo di RAM durante l’esecuzione del</a:t>
+            </a:r>
+            <a:r>
+              <a:rPr lang="it-IT" b="1" baseline="0" dirty="0" smtClean="0"/>
+              <a:t> test</a:t>
+            </a:r>
+          </a:p>
+          <a:p>
+            <a:endParaRPr lang="it-IT" b="1" baseline="0" dirty="0" smtClean="0"/>
+          </a:p>
+          <a:p>
+            <a:r>
+              <a:rPr lang="it-IT" b="0" baseline="0" dirty="0" smtClean="0"/>
+              <a:t>(grafico candidato ad essere eliminato se mancasse il tempo)</a:t>
+            </a:r>
+            <a:endParaRPr lang="en-US" b="0" dirty="0"/>
+          </a:p>
+        </p:txBody>
+      </p:sp>
+      <p:sp>
+        <p:nvSpPr>
+          <p:cNvPr id="4" name="Segnaposto numero diapositiva 3"/>
+          <p:cNvSpPr>
+            <a:spLocks noGrp="1"/>
+          </p:cNvSpPr>
+          <p:nvPr>
+            <p:ph type="sldNum" sz="quarter" idx="10"/>
+          </p:nvPr>
+        </p:nvSpPr>
+        <p:spPr/>
+        <p:txBody>
+          <a:bodyPr/>
+          <a:lstStyle/>
+          <a:p>
+            <a:fld id="{06112A3B-D3CD-4C64-AF08-DDC9323A61EB}" type="slidenum">
+              <a:rPr lang="it-IT" smtClean="0"/>
+              <a:pPr/>
+              <a:t>19</a:t>
             </a:fld>
             <a:endParaRPr lang="it-IT" dirty="0"/>
           </a:p>
@@ -2214,11 +2284,7 @@
           <a:p>
             <a:r>
               <a:rPr lang="it-IT" dirty="0" smtClean="0"/>
-              <a:t>Caching</a:t>
-            </a:r>
-            <a:r>
-              <a:rPr lang="it-IT" dirty="0" smtClean="0"/>
-              <a:t>: </a:t>
+              <a:t>Caching: </a:t>
             </a:r>
           </a:p>
           <a:p>
@@ -2365,11 +2431,7 @@
             </a:r>
             <a:r>
               <a:rPr lang="it-IT" dirty="0" smtClean="0"/>
-              <a:t> log file non serve, perché si perde l’immagine in caso di </a:t>
-            </a:r>
-            <a:r>
-              <a:rPr lang="it-IT" dirty="0" smtClean="0"/>
-              <a:t>crash</a:t>
+              <a:t> log file non serve, perché si perde l’immagine in caso di crash</a:t>
             </a:r>
           </a:p>
           <a:p>
@@ -2649,11 +2711,7 @@
           <a:p>
             <a:r>
               <a:rPr lang="it-IT" b="1" dirty="0" smtClean="0"/>
-              <a:t>High </a:t>
-            </a:r>
-            <a:r>
-              <a:rPr lang="it-IT" b="1" dirty="0" smtClean="0"/>
-              <a:t>performance sia in</a:t>
+              <a:t>High performance sia in</a:t>
             </a:r>
             <a:r>
               <a:rPr lang="it-IT" b="1" baseline="0" dirty="0" smtClean="0"/>
@@ -3129,7 +3187,7 @@
             <a:fld id="{5FABFC92-4644-45C7-8B88-DDEEC91723C1}" type="datetimeFigureOut">
               <a:rPr lang="it-IT" smtClean="0"/>
               <a:pPr/>
-              <a:t>18/12/2008</a:t>
+              <a:t>19/12/2008</a:t>
             </a:fld>
             <a:endParaRPr lang="it-IT" dirty="0"/>
           </a:p>
@@ -3354,7 +3412,7 @@
             <a:fld id="{5FABFC92-4644-45C7-8B88-DDEEC91723C1}" type="datetimeFigureOut">
               <a:rPr lang="it-IT" smtClean="0"/>
               <a:pPr/>
-              <a:t>18/12/2008</a:t>
+              <a:t>19/12/2008</a:t>
             </a:fld>
             <a:endParaRPr lang="it-IT" dirty="0"/>
           </a:p>
@@ -3636,7 +3694,7 @@
             <a:fld id="{5FABFC92-4644-45C7-8B88-DDEEC91723C1}" type="datetimeFigureOut">
               <a:rPr lang="it-IT" smtClean="0"/>
               <a:pPr/>
-              <a:t>18/12/2008</a:t>
+              <a:t>19/12/2008</a:t>
             </a:fld>
             <a:endParaRPr lang="it-IT" dirty="0"/>
           </a:p>
@@ -3817,7 +3875,7 @@
             <a:fld id="{5FABFC92-4644-45C7-8B88-DDEEC91723C1}" type="datetimeFigureOut">
               <a:rPr lang="it-IT" smtClean="0"/>
               <a:pPr/>
-              <a:t>18/12/2008</a:t>
+              <a:t>19/12/2008</a:t>
             </a:fld>
             <a:endParaRPr lang="it-IT" dirty="0"/>
           </a:p>
@@ -4172,7 +4230,7 @@
             <a:fld id="{5FABFC92-4644-45C7-8B88-DDEEC91723C1}" type="datetimeFigureOut">
               <a:rPr lang="it-IT" smtClean="0"/>
               <a:pPr/>
-              <a:t>18/12/2008</a:t>
+              <a:t>19/12/2008</a:t>
             </a:fld>
             <a:endParaRPr lang="it-IT" dirty="0"/>
           </a:p>
@@ -4461,7 +4519,7 @@
             <a:fld id="{5FABFC92-4644-45C7-8B88-DDEEC91723C1}" type="datetimeFigureOut">
               <a:rPr lang="it-IT" smtClean="0"/>
               <a:pPr/>
-              <a:t>18/12/2008</a:t>
+              <a:t>19/12/2008</a:t>
             </a:fld>
             <a:endParaRPr lang="it-IT" dirty="0"/>
           </a:p>
@@ -4885,7 +4943,7 @@
             <a:fld id="{5FABFC92-4644-45C7-8B88-DDEEC91723C1}" type="datetimeFigureOut">
               <a:rPr lang="it-IT" smtClean="0"/>
               <a:pPr/>
-              <a:t>18/12/2008</a:t>
+              <a:t>19/12/2008</a:t>
             </a:fld>
             <a:endParaRPr lang="it-IT" dirty="0"/>
           </a:p>
@@ -5002,7 +5060,7 @@
             <a:fld id="{5FABFC92-4644-45C7-8B88-DDEEC91723C1}" type="datetimeFigureOut">
               <a:rPr lang="it-IT" smtClean="0"/>
               <a:pPr/>
-              <a:t>18/12/2008</a:t>
+              <a:t>19/12/2008</a:t>
             </a:fld>
             <a:endParaRPr lang="it-IT" dirty="0"/>
           </a:p>
@@ -5094,7 +5152,7 @@
             <a:fld id="{5FABFC92-4644-45C7-8B88-DDEEC91723C1}" type="datetimeFigureOut">
               <a:rPr lang="it-IT" smtClean="0"/>
               <a:pPr/>
-              <a:t>18/12/2008</a:t>
+              <a:t>19/12/2008</a:t>
             </a:fld>
             <a:endParaRPr lang="it-IT" dirty="0"/>
           </a:p>
@@ -5374,7 +5432,7 @@
             <a:fld id="{5FABFC92-4644-45C7-8B88-DDEEC91723C1}" type="datetimeFigureOut">
               <a:rPr lang="it-IT" smtClean="0"/>
               <a:pPr/>
-              <a:t>18/12/2008</a:t>
+              <a:t>19/12/2008</a:t>
             </a:fld>
             <a:endParaRPr lang="it-IT" dirty="0"/>
           </a:p>
@@ -5737,7 +5795,7 @@
             <a:fld id="{5FABFC92-4644-45C7-8B88-DDEEC91723C1}" type="datetimeFigureOut">
               <a:rPr lang="it-IT" smtClean="0"/>
               <a:pPr/>
-              <a:t>18/12/2008</a:t>
+              <a:t>19/12/2008</a:t>
             </a:fld>
             <a:endParaRPr lang="it-IT" dirty="0"/>
           </a:p>
@@ -6176,7 +6234,7 @@
             <a:fld id="{5FABFC92-4644-45C7-8B88-DDEEC91723C1}" type="datetimeFigureOut">
               <a:rPr lang="it-IT" smtClean="0"/>
               <a:pPr/>
-              <a:t>18/12/2008</a:t>
+              <a:t>19/12/2008</a:t>
             </a:fld>
             <a:endParaRPr lang="it-IT" dirty="0"/>
           </a:p>
@@ -6822,7 +6880,6 @@
               <a:rPr lang="it-IT" sz="2200" dirty="0" smtClean="0"/>
               <a:t>Correlatore:</a:t>
             </a:r>
-            <a:endParaRPr lang="it-IT" sz="2200" dirty="0" smtClean="0"/>
           </a:p>
           <a:p>
             <a:pPr algn="ctr"/>
@@ -12397,6 +12454,1456 @@
                   <a:srgbClr val="FFC000"/>
                 </a:solidFill>
               </a:rPr>
+              <a:t>File Size</a:t>
+            </a:r>
+            <a:endParaRPr lang="en-US" dirty="0">
+              <a:solidFill>
+                <a:srgbClr val="FFC000"/>
+              </a:solidFill>
+            </a:endParaRPr>
+          </a:p>
+        </p:txBody>
+      </p:sp>
+      <p:pic>
+        <p:nvPicPr>
+          <p:cNvPr id="4" name="Picture 4" descr="C:\Users\error0\Desktop\logoRoma32.gif"/>
+          <p:cNvPicPr>
+            <a:picLocks noChangeAspect="1" noChangeArrowheads="1"/>
+          </p:cNvPicPr>
+          <p:nvPr/>
+        </p:nvPicPr>
+        <p:blipFill>
+          <a:blip r:embed="rId3">
+            <a:duotone>
+              <a:schemeClr val="accent1">
+                <a:shade val="45000"/>
+                <a:satMod val="135000"/>
+              </a:schemeClr>
+              <a:prstClr val="white"/>
+            </a:duotone>
+            <a:lum bright="20000"/>
+          </a:blip>
+          <a:srcRect/>
+          <a:stretch>
+            <a:fillRect/>
+          </a:stretch>
+        </p:blipFill>
+        <p:spPr bwMode="auto">
+          <a:xfrm>
+            <a:off x="6858016" y="153964"/>
+            <a:ext cx="2214578" cy="1131896"/>
+          </a:xfrm>
+          <a:prstGeom prst="rect">
+            <a:avLst/>
+          </a:prstGeom>
+          <a:noFill/>
+        </p:spPr>
+      </p:pic>
+      <p:sp>
+        <p:nvSpPr>
+          <p:cNvPr id="5" name="Rettangolo 4"/>
+          <p:cNvSpPr/>
+          <p:nvPr/>
+        </p:nvSpPr>
+        <p:spPr>
+          <a:xfrm>
+            <a:off x="928662" y="6500834"/>
+            <a:ext cx="142876" cy="142876"/>
+          </a:xfrm>
+          <a:prstGeom prst="rect">
+            <a:avLst/>
+          </a:prstGeom>
+          <a:solidFill>
+            <a:srgbClr val="FF0000"/>
+          </a:solidFill>
+          <a:ln>
+            <a:solidFill>
+              <a:srgbClr val="FF0000"/>
+            </a:solidFill>
+          </a:ln>
+        </p:spPr>
+        <p:style>
+          <a:lnRef idx="2">
+            <a:schemeClr val="accent3">
+              <a:shade val="50000"/>
+            </a:schemeClr>
+          </a:lnRef>
+          <a:fillRef idx="1">
+            <a:schemeClr val="accent3"/>
+          </a:fillRef>
+          <a:effectRef idx="0">
+            <a:schemeClr val="accent3"/>
+          </a:effectRef>
+          <a:fontRef idx="minor">
+            <a:schemeClr val="lt1"/>
+          </a:fontRef>
+        </p:style>
+        <p:txBody>
+          <a:bodyPr rtlCol="0" anchor="ctr"/>
+          <a:lstStyle/>
+          <a:p>
+            <a:pPr algn="ctr"/>
+            <a:endParaRPr lang="it-IT"/>
+          </a:p>
+        </p:txBody>
+      </p:sp>
+      <p:sp>
+        <p:nvSpPr>
+          <p:cNvPr id="6" name="Rettangolo 5"/>
+          <p:cNvSpPr/>
+          <p:nvPr/>
+        </p:nvSpPr>
+        <p:spPr>
+          <a:xfrm>
+            <a:off x="5357818" y="6500834"/>
+            <a:ext cx="142876" cy="142876"/>
+          </a:xfrm>
+          <a:prstGeom prst="rect">
+            <a:avLst/>
+          </a:prstGeom>
+          <a:solidFill>
+            <a:srgbClr val="FFFF00"/>
+          </a:solidFill>
+          <a:ln>
+            <a:solidFill>
+              <a:srgbClr val="FFFF00"/>
+            </a:solidFill>
+          </a:ln>
+        </p:spPr>
+        <p:style>
+          <a:lnRef idx="2">
+            <a:schemeClr val="accent1">
+              <a:shade val="50000"/>
+            </a:schemeClr>
+          </a:lnRef>
+          <a:fillRef idx="1">
+            <a:schemeClr val="accent1"/>
+          </a:fillRef>
+          <a:effectRef idx="0">
+            <a:schemeClr val="accent1"/>
+          </a:effectRef>
+          <a:fontRef idx="minor">
+            <a:schemeClr val="lt1"/>
+          </a:fontRef>
+        </p:style>
+        <p:txBody>
+          <a:bodyPr rtlCol="0" anchor="ctr"/>
+          <a:lstStyle/>
+          <a:p>
+            <a:pPr algn="ctr"/>
+            <a:endParaRPr lang="it-IT"/>
+          </a:p>
+        </p:txBody>
+      </p:sp>
+      <p:sp>
+        <p:nvSpPr>
+          <p:cNvPr id="7" name="Rettangolo 6"/>
+          <p:cNvSpPr/>
+          <p:nvPr/>
+        </p:nvSpPr>
+        <p:spPr>
+          <a:xfrm>
+            <a:off x="2357422" y="6500834"/>
+            <a:ext cx="142876" cy="142876"/>
+          </a:xfrm>
+          <a:prstGeom prst="rect">
+            <a:avLst/>
+          </a:prstGeom>
+          <a:solidFill>
+            <a:srgbClr val="0070C0"/>
+          </a:solidFill>
+          <a:ln>
+            <a:solidFill>
+              <a:srgbClr val="0070C0"/>
+            </a:solidFill>
+          </a:ln>
+        </p:spPr>
+        <p:style>
+          <a:lnRef idx="2">
+            <a:schemeClr val="accent1">
+              <a:shade val="50000"/>
+            </a:schemeClr>
+          </a:lnRef>
+          <a:fillRef idx="1">
+            <a:schemeClr val="accent1"/>
+          </a:fillRef>
+          <a:effectRef idx="0">
+            <a:schemeClr val="accent1"/>
+          </a:effectRef>
+          <a:fontRef idx="minor">
+            <a:schemeClr val="lt1"/>
+          </a:fontRef>
+        </p:style>
+        <p:txBody>
+          <a:bodyPr rtlCol="0" anchor="ctr"/>
+          <a:lstStyle/>
+          <a:p>
+            <a:pPr algn="ctr"/>
+            <a:endParaRPr lang="it-IT"/>
+          </a:p>
+        </p:txBody>
+      </p:sp>
+      <p:sp>
+        <p:nvSpPr>
+          <p:cNvPr id="8" name="Rettangolo 7"/>
+          <p:cNvSpPr/>
+          <p:nvPr/>
+        </p:nvSpPr>
+        <p:spPr>
+          <a:xfrm>
+            <a:off x="4143372" y="6500834"/>
+            <a:ext cx="142876" cy="142876"/>
+          </a:xfrm>
+          <a:prstGeom prst="rect">
+            <a:avLst/>
+          </a:prstGeom>
+          <a:solidFill>
+            <a:srgbClr val="92D050"/>
+          </a:solidFill>
+          <a:ln>
+            <a:solidFill>
+              <a:srgbClr val="92D050"/>
+            </a:solidFill>
+          </a:ln>
+        </p:spPr>
+        <p:style>
+          <a:lnRef idx="2">
+            <a:schemeClr val="accent1">
+              <a:shade val="50000"/>
+            </a:schemeClr>
+          </a:lnRef>
+          <a:fillRef idx="1">
+            <a:schemeClr val="accent1"/>
+          </a:fillRef>
+          <a:effectRef idx="0">
+            <a:schemeClr val="accent1"/>
+          </a:effectRef>
+          <a:fontRef idx="minor">
+            <a:schemeClr val="lt1"/>
+          </a:fontRef>
+        </p:style>
+        <p:txBody>
+          <a:bodyPr rtlCol="0" anchor="ctr"/>
+          <a:lstStyle/>
+          <a:p>
+            <a:pPr algn="ctr"/>
+            <a:endParaRPr lang="it-IT"/>
+          </a:p>
+        </p:txBody>
+      </p:sp>
+      <p:sp>
+        <p:nvSpPr>
+          <p:cNvPr id="9" name="Rettangolo 8"/>
+          <p:cNvSpPr/>
+          <p:nvPr/>
+        </p:nvSpPr>
+        <p:spPr>
+          <a:xfrm>
+            <a:off x="7000892" y="6500834"/>
+            <a:ext cx="142876" cy="142876"/>
+          </a:xfrm>
+          <a:prstGeom prst="rect">
+            <a:avLst/>
+          </a:prstGeom>
+          <a:solidFill>
+            <a:srgbClr val="C52BA8"/>
+          </a:solidFill>
+          <a:ln>
+            <a:solidFill>
+              <a:srgbClr val="C52BA8"/>
+            </a:solidFill>
+          </a:ln>
+        </p:spPr>
+        <p:style>
+          <a:lnRef idx="2">
+            <a:schemeClr val="accent1">
+              <a:shade val="50000"/>
+            </a:schemeClr>
+          </a:lnRef>
+          <a:fillRef idx="1">
+            <a:schemeClr val="accent1"/>
+          </a:fillRef>
+          <a:effectRef idx="0">
+            <a:schemeClr val="accent1"/>
+          </a:effectRef>
+          <a:fontRef idx="minor">
+            <a:schemeClr val="lt1"/>
+          </a:fontRef>
+        </p:style>
+        <p:txBody>
+          <a:bodyPr rtlCol="0" anchor="ctr"/>
+          <a:lstStyle/>
+          <a:p>
+            <a:pPr algn="ctr"/>
+            <a:endParaRPr lang="it-IT"/>
+          </a:p>
+        </p:txBody>
+      </p:sp>
+      <p:sp>
+        <p:nvSpPr>
+          <p:cNvPr id="10" name="CasellaDiTesto 9"/>
+          <p:cNvSpPr txBox="1"/>
+          <p:nvPr/>
+        </p:nvSpPr>
+        <p:spPr>
+          <a:xfrm>
+            <a:off x="1142976" y="6357958"/>
+            <a:ext cx="1071570" cy="430887"/>
+          </a:xfrm>
+          <a:prstGeom prst="rect">
+            <a:avLst/>
+          </a:prstGeom>
+          <a:noFill/>
+        </p:spPr>
+        <p:txBody>
+          <a:bodyPr wrap="square" rtlCol="0">
+            <a:spAutoFit/>
+          </a:bodyPr>
+          <a:lstStyle/>
+          <a:p>
+            <a:r>
+              <a:rPr lang="it-IT" sz="2200" dirty="0" smtClean="0"/>
+              <a:t>PICO4</a:t>
+            </a:r>
+            <a:endParaRPr lang="it-IT" sz="2200" dirty="0"/>
+          </a:p>
+        </p:txBody>
+      </p:sp>
+      <p:sp>
+        <p:nvSpPr>
+          <p:cNvPr id="11" name="CasellaDiTesto 10"/>
+          <p:cNvSpPr txBox="1"/>
+          <p:nvPr/>
+        </p:nvSpPr>
+        <p:spPr>
+          <a:xfrm>
+            <a:off x="2571736" y="6357958"/>
+            <a:ext cx="1500198" cy="430887"/>
+          </a:xfrm>
+          <a:prstGeom prst="rect">
+            <a:avLst/>
+          </a:prstGeom>
+          <a:noFill/>
+        </p:spPr>
+        <p:txBody>
+          <a:bodyPr wrap="square" rtlCol="0">
+            <a:spAutoFit/>
+          </a:bodyPr>
+          <a:lstStyle/>
+          <a:p>
+            <a:r>
+              <a:rPr lang="it-IT" sz="2200" dirty="0" err="1" smtClean="0"/>
+              <a:t>Prevayler</a:t>
+            </a:r>
+            <a:endParaRPr lang="it-IT" sz="2200" dirty="0"/>
+          </a:p>
+        </p:txBody>
+      </p:sp>
+      <p:sp>
+        <p:nvSpPr>
+          <p:cNvPr id="12" name="CasellaDiTesto 11"/>
+          <p:cNvSpPr txBox="1"/>
+          <p:nvPr/>
+        </p:nvSpPr>
+        <p:spPr>
+          <a:xfrm>
+            <a:off x="4357686" y="6357958"/>
+            <a:ext cx="1500198" cy="430887"/>
+          </a:xfrm>
+          <a:prstGeom prst="rect">
+            <a:avLst/>
+          </a:prstGeom>
+          <a:noFill/>
+        </p:spPr>
+        <p:txBody>
+          <a:bodyPr wrap="square" rtlCol="0">
+            <a:spAutoFit/>
+          </a:bodyPr>
+          <a:lstStyle/>
+          <a:p>
+            <a:r>
+              <a:rPr lang="it-IT" sz="2200" dirty="0" smtClean="0"/>
+              <a:t>H2</a:t>
+            </a:r>
+            <a:endParaRPr lang="it-IT" sz="2200" dirty="0"/>
+          </a:p>
+        </p:txBody>
+      </p:sp>
+      <p:sp>
+        <p:nvSpPr>
+          <p:cNvPr id="13" name="CasellaDiTesto 12"/>
+          <p:cNvSpPr txBox="1"/>
+          <p:nvPr/>
+        </p:nvSpPr>
+        <p:spPr>
+          <a:xfrm>
+            <a:off x="5572132" y="6357958"/>
+            <a:ext cx="1500198" cy="430887"/>
+          </a:xfrm>
+          <a:prstGeom prst="rect">
+            <a:avLst/>
+          </a:prstGeom>
+          <a:noFill/>
+        </p:spPr>
+        <p:txBody>
+          <a:bodyPr wrap="square" rtlCol="0">
+            <a:spAutoFit/>
+          </a:bodyPr>
+          <a:lstStyle/>
+          <a:p>
+            <a:r>
+              <a:rPr lang="it-IT" sz="2200" dirty="0" smtClean="0"/>
+              <a:t>HSQLDB</a:t>
+            </a:r>
+            <a:endParaRPr lang="it-IT" sz="2200" dirty="0"/>
+          </a:p>
+        </p:txBody>
+      </p:sp>
+      <p:sp>
+        <p:nvSpPr>
+          <p:cNvPr id="14" name="CasellaDiTesto 13"/>
+          <p:cNvSpPr txBox="1"/>
+          <p:nvPr/>
+        </p:nvSpPr>
+        <p:spPr>
+          <a:xfrm>
+            <a:off x="7215206" y="6357958"/>
+            <a:ext cx="1500198" cy="430887"/>
+          </a:xfrm>
+          <a:prstGeom prst="rect">
+            <a:avLst/>
+          </a:prstGeom>
+          <a:noFill/>
+        </p:spPr>
+        <p:txBody>
+          <a:bodyPr wrap="square" rtlCol="0">
+            <a:spAutoFit/>
+          </a:bodyPr>
+          <a:lstStyle/>
+          <a:p>
+            <a:r>
+              <a:rPr lang="it-IT" sz="2200" dirty="0" smtClean="0"/>
+              <a:t>Db4o</a:t>
+            </a:r>
+            <a:endParaRPr lang="it-IT" sz="2200" dirty="0"/>
+          </a:p>
+        </p:txBody>
+      </p:sp>
+      <p:pic>
+        <p:nvPicPr>
+          <p:cNvPr id="2050" name="Picture 2" descr="C:\Users\error0\Documents\universita\tesi\workspace\tesi\tex\img\result13.jpg"/>
+          <p:cNvPicPr>
+            <a:picLocks noChangeAspect="1" noChangeArrowheads="1"/>
+          </p:cNvPicPr>
+          <p:nvPr/>
+        </p:nvPicPr>
+        <p:blipFill>
+          <a:blip r:embed="rId4"/>
+          <a:srcRect l="500" t="15714" r="2000" b="5000"/>
+          <a:stretch>
+            <a:fillRect/>
+          </a:stretch>
+        </p:blipFill>
+        <p:spPr bwMode="auto">
+          <a:xfrm>
+            <a:off x="-64" y="1500174"/>
+            <a:ext cx="9144064" cy="4786346"/>
+          </a:xfrm>
+          <a:prstGeom prst="rect">
+            <a:avLst/>
+          </a:prstGeom>
+          <a:noFill/>
+        </p:spPr>
+      </p:pic>
+    </p:spTree>
+  </p:cSld>
+  <p:clrMapOvr>
+    <a:masterClrMapping/>
+  </p:clrMapOvr>
+  <p:transition>
+    <p:fade/>
+  </p:transition>
+  <p:timing>
+    <p:tnLst>
+      <p:par>
+        <p:cTn id="1" dur="indefinite" restart="never" nodeType="tmRoot"/>
+      </p:par>
+    </p:tnLst>
+  </p:timing>
+</p:sld>
+</file>
+
+<file path=ppt/slides/slide17.xml><?xml version="1.0" encoding="utf-8"?>
+<p:sld xmlns:a="http://schemas.openxmlformats.org/drawingml/2006/main" xmlns:r="http://schemas.openxmlformats.org/officeDocument/2006/relationships" xmlns:p="http://schemas.openxmlformats.org/presentationml/2006/main">
+  <p:cSld>
+    <p:spTree>
+      <p:nvGrpSpPr>
+        <p:cNvPr id="1" name=""/>
+        <p:cNvGrpSpPr/>
+        <p:nvPr/>
+      </p:nvGrpSpPr>
+      <p:grpSpPr>
+        <a:xfrm>
+          <a:off x="0" y="0"/>
+          <a:ext cx="0" cy="0"/>
+          <a:chOff x="0" y="0"/>
+          <a:chExt cx="0" cy="0"/>
+        </a:xfrm>
+      </p:grpSpPr>
+      <p:sp>
+        <p:nvSpPr>
+          <p:cNvPr id="2" name="Titolo 1"/>
+          <p:cNvSpPr>
+            <a:spLocks noGrp="1"/>
+          </p:cNvSpPr>
+          <p:nvPr>
+            <p:ph type="title"/>
+          </p:nvPr>
+        </p:nvSpPr>
+        <p:spPr>
+          <a:xfrm>
+            <a:off x="457200" y="155448"/>
+            <a:ext cx="6257940" cy="1252728"/>
+          </a:xfrm>
+        </p:spPr>
+        <p:txBody>
+          <a:bodyPr>
+            <a:normAutofit/>
+          </a:bodyPr>
+          <a:lstStyle/>
+          <a:p>
+            <a:r>
+              <a:rPr lang="en-US" dirty="0" smtClean="0">
+                <a:solidFill>
+                  <a:srgbClr val="FFC000"/>
+                </a:solidFill>
+              </a:rPr>
+              <a:t>Conclusion</a:t>
+            </a:r>
+            <a:endParaRPr lang="en-US" dirty="0">
+              <a:solidFill>
+                <a:srgbClr val="FFC000"/>
+              </a:solidFill>
+            </a:endParaRPr>
+          </a:p>
+        </p:txBody>
+      </p:sp>
+      <p:pic>
+        <p:nvPicPr>
+          <p:cNvPr id="4" name="Picture 4" descr="C:\Users\error0\Desktop\logoRoma32.gif"/>
+          <p:cNvPicPr>
+            <a:picLocks noChangeAspect="1" noChangeArrowheads="1"/>
+          </p:cNvPicPr>
+          <p:nvPr/>
+        </p:nvPicPr>
+        <p:blipFill>
+          <a:blip r:embed="rId3">
+            <a:duotone>
+              <a:schemeClr val="accent1">
+                <a:shade val="45000"/>
+                <a:satMod val="135000"/>
+              </a:schemeClr>
+              <a:prstClr val="white"/>
+            </a:duotone>
+            <a:lum bright="20000"/>
+          </a:blip>
+          <a:srcRect/>
+          <a:stretch>
+            <a:fillRect/>
+          </a:stretch>
+        </p:blipFill>
+        <p:spPr bwMode="auto">
+          <a:xfrm>
+            <a:off x="6858016" y="153964"/>
+            <a:ext cx="2214578" cy="1131896"/>
+          </a:xfrm>
+          <a:prstGeom prst="rect">
+            <a:avLst/>
+          </a:prstGeom>
+          <a:noFill/>
+        </p:spPr>
+      </p:pic>
+      <p:sp>
+        <p:nvSpPr>
+          <p:cNvPr id="6" name="Segnaposto contenuto 5"/>
+          <p:cNvSpPr>
+            <a:spLocks noGrp="1"/>
+          </p:cNvSpPr>
+          <p:nvPr>
+            <p:ph idx="1"/>
+          </p:nvPr>
+        </p:nvSpPr>
+        <p:spPr>
+          <a:xfrm>
+            <a:off x="457200" y="1643049"/>
+            <a:ext cx="8401080" cy="5000661"/>
+          </a:xfrm>
+        </p:spPr>
+        <p:txBody>
+          <a:bodyPr>
+            <a:normAutofit fontScale="92500"/>
+          </a:bodyPr>
+          <a:lstStyle/>
+          <a:p>
+            <a:r>
+              <a:rPr lang="en-US" dirty="0" smtClean="0"/>
+              <a:t>Contributions:</a:t>
+            </a:r>
+          </a:p>
+          <a:p>
+            <a:pPr lvl="1"/>
+            <a:r>
+              <a:rPr lang="en-US" dirty="0" smtClean="0"/>
+              <a:t>IMDB’s in-depth analysis</a:t>
+            </a:r>
+          </a:p>
+          <a:p>
+            <a:pPr lvl="1"/>
+            <a:r>
+              <a:rPr lang="en-US" dirty="0" smtClean="0"/>
+              <a:t>Performance analysis problem</a:t>
+            </a:r>
+          </a:p>
+          <a:p>
+            <a:pPr lvl="1"/>
+            <a:r>
+              <a:rPr lang="en-US" dirty="0" smtClean="0"/>
+              <a:t>Database benchmark framework with powerful graphs</a:t>
+            </a:r>
+          </a:p>
+          <a:p>
+            <a:pPr lvl="1"/>
+            <a:r>
+              <a:rPr lang="en-US" dirty="0" smtClean="0"/>
+              <a:t>Results’ analysis</a:t>
+            </a:r>
+          </a:p>
+          <a:p>
+            <a:endParaRPr lang="en-US" dirty="0" smtClean="0"/>
+          </a:p>
+          <a:p>
+            <a:r>
+              <a:rPr lang="en-US" dirty="0" smtClean="0"/>
+              <a:t>Future Development:</a:t>
+            </a:r>
+          </a:p>
+          <a:p>
+            <a:pPr lvl="1"/>
+            <a:r>
+              <a:rPr lang="en-US" dirty="0" smtClean="0"/>
+              <a:t>New tests and databases</a:t>
+            </a:r>
+          </a:p>
+          <a:p>
+            <a:pPr lvl="1"/>
+            <a:r>
+              <a:rPr lang="en-US" dirty="0" smtClean="0"/>
+              <a:t>Graphical user interface</a:t>
+            </a:r>
+          </a:p>
+          <a:p>
+            <a:pPr lvl="1"/>
+            <a:r>
+              <a:rPr lang="en-US" dirty="0" smtClean="0"/>
+              <a:t>Mapping technology layer</a:t>
+            </a:r>
+            <a:endParaRPr lang="en-US" dirty="0"/>
+          </a:p>
+        </p:txBody>
+      </p:sp>
+    </p:spTree>
+  </p:cSld>
+  <p:clrMapOvr>
+    <a:masterClrMapping/>
+  </p:clrMapOvr>
+  <p:transition>
+    <p:fade/>
+  </p:transition>
+  <p:timing>
+    <p:tnLst>
+      <p:par>
+        <p:cTn id="1" dur="indefinite" restart="never" nodeType="tmRoot">
+          <p:childTnLst>
+            <p:seq concurrent="1" nextAc="seek">
+              <p:cTn id="2" dur="indefinite" nodeType="mainSeq">
+                <p:childTnLst>
+                  <p:par>
+                    <p:cTn id="3" fill="hold">
+                      <p:stCondLst>
+                        <p:cond delay="indefinite"/>
+                      </p:stCondLst>
+                      <p:childTnLst>
+                        <p:par>
+                          <p:cTn id="4" fill="hold">
+                            <p:stCondLst>
+                              <p:cond delay="0"/>
+                            </p:stCondLst>
+                            <p:childTnLst>
+                              <p:par>
+                                <p:cTn id="5" presetID="10" presetClass="entr" presetSubtype="0" fill="hold" nodeType="clickEffect">
+                                  <p:stCondLst>
+                                    <p:cond delay="0"/>
+                                  </p:stCondLst>
+                                  <p:childTnLst>
+                                    <p:set>
+                                      <p:cBhvr>
+                                        <p:cTn id="6" dur="1" fill="hold">
+                                          <p:stCondLst>
+                                            <p:cond delay="0"/>
+                                          </p:stCondLst>
+                                        </p:cTn>
+                                        <p:tgtEl>
+                                          <p:spTgt spid="6">
+                                            <p:txEl>
+                                              <p:pRg st="0" end="0"/>
+                                            </p:txEl>
+                                          </p:spTgt>
+                                        </p:tgtEl>
+                                        <p:attrNameLst>
+                                          <p:attrName>style.visibility</p:attrName>
+                                        </p:attrNameLst>
+                                      </p:cBhvr>
+                                      <p:to>
+                                        <p:strVal val="visible"/>
+                                      </p:to>
+                                    </p:set>
+                                    <p:animEffect transition="in" filter="fade">
+                                      <p:cBhvr>
+                                        <p:cTn id="7" dur="1000"/>
+                                        <p:tgtEl>
+                                          <p:spTgt spid="6">
+                                            <p:txEl>
+                                              <p:pRg st="0" end="0"/>
+                                            </p:txEl>
+                                          </p:spTgt>
+                                        </p:tgtEl>
+                                      </p:cBhvr>
+                                    </p:animEffect>
+                                  </p:childTnLst>
+                                </p:cTn>
+                              </p:par>
+                              <p:par>
+                                <p:cTn id="8" presetID="10" presetClass="entr" presetSubtype="0" fill="hold" nodeType="withEffect">
+                                  <p:stCondLst>
+                                    <p:cond delay="0"/>
+                                  </p:stCondLst>
+                                  <p:childTnLst>
+                                    <p:set>
+                                      <p:cBhvr>
+                                        <p:cTn id="9" dur="1" fill="hold">
+                                          <p:stCondLst>
+                                            <p:cond delay="0"/>
+                                          </p:stCondLst>
+                                        </p:cTn>
+                                        <p:tgtEl>
+                                          <p:spTgt spid="6">
+                                            <p:txEl>
+                                              <p:pRg st="1" end="1"/>
+                                            </p:txEl>
+                                          </p:spTgt>
+                                        </p:tgtEl>
+                                        <p:attrNameLst>
+                                          <p:attrName>style.visibility</p:attrName>
+                                        </p:attrNameLst>
+                                      </p:cBhvr>
+                                      <p:to>
+                                        <p:strVal val="visible"/>
+                                      </p:to>
+                                    </p:set>
+                                    <p:animEffect transition="in" filter="fade">
+                                      <p:cBhvr>
+                                        <p:cTn id="10" dur="1000"/>
+                                        <p:tgtEl>
+                                          <p:spTgt spid="6">
+                                            <p:txEl>
+                                              <p:pRg st="1" end="1"/>
+                                            </p:txEl>
+                                          </p:spTgt>
+                                        </p:tgtEl>
+                                      </p:cBhvr>
+                                    </p:animEffect>
+                                  </p:childTnLst>
+                                </p:cTn>
+                              </p:par>
+                              <p:par>
+                                <p:cTn id="11" presetID="10" presetClass="entr" presetSubtype="0" fill="hold" nodeType="withEffect">
+                                  <p:stCondLst>
+                                    <p:cond delay="0"/>
+                                  </p:stCondLst>
+                                  <p:childTnLst>
+                                    <p:set>
+                                      <p:cBhvr>
+                                        <p:cTn id="12" dur="1" fill="hold">
+                                          <p:stCondLst>
+                                            <p:cond delay="0"/>
+                                          </p:stCondLst>
+                                        </p:cTn>
+                                        <p:tgtEl>
+                                          <p:spTgt spid="6">
+                                            <p:txEl>
+                                              <p:pRg st="2" end="2"/>
+                                            </p:txEl>
+                                          </p:spTgt>
+                                        </p:tgtEl>
+                                        <p:attrNameLst>
+                                          <p:attrName>style.visibility</p:attrName>
+                                        </p:attrNameLst>
+                                      </p:cBhvr>
+                                      <p:to>
+                                        <p:strVal val="visible"/>
+                                      </p:to>
+                                    </p:set>
+                                    <p:animEffect transition="in" filter="fade">
+                                      <p:cBhvr>
+                                        <p:cTn id="13" dur="1000"/>
+                                        <p:tgtEl>
+                                          <p:spTgt spid="6">
+                                            <p:txEl>
+                                              <p:pRg st="2" end="2"/>
+                                            </p:txEl>
+                                          </p:spTgt>
+                                        </p:tgtEl>
+                                      </p:cBhvr>
+                                    </p:animEffect>
+                                  </p:childTnLst>
+                                </p:cTn>
+                              </p:par>
+                              <p:par>
+                                <p:cTn id="14" presetID="10" presetClass="entr" presetSubtype="0" fill="hold" nodeType="withEffect">
+                                  <p:stCondLst>
+                                    <p:cond delay="0"/>
+                                  </p:stCondLst>
+                                  <p:childTnLst>
+                                    <p:set>
+                                      <p:cBhvr>
+                                        <p:cTn id="15" dur="1" fill="hold">
+                                          <p:stCondLst>
+                                            <p:cond delay="0"/>
+                                          </p:stCondLst>
+                                        </p:cTn>
+                                        <p:tgtEl>
+                                          <p:spTgt spid="6">
+                                            <p:txEl>
+                                              <p:pRg st="3" end="3"/>
+                                            </p:txEl>
+                                          </p:spTgt>
+                                        </p:tgtEl>
+                                        <p:attrNameLst>
+                                          <p:attrName>style.visibility</p:attrName>
+                                        </p:attrNameLst>
+                                      </p:cBhvr>
+                                      <p:to>
+                                        <p:strVal val="visible"/>
+                                      </p:to>
+                                    </p:set>
+                                    <p:animEffect transition="in" filter="fade">
+                                      <p:cBhvr>
+                                        <p:cTn id="16" dur="1000"/>
+                                        <p:tgtEl>
+                                          <p:spTgt spid="6">
+                                            <p:txEl>
+                                              <p:pRg st="3" end="3"/>
+                                            </p:txEl>
+                                          </p:spTgt>
+                                        </p:tgtEl>
+                                      </p:cBhvr>
+                                    </p:animEffect>
+                                  </p:childTnLst>
+                                </p:cTn>
+                              </p:par>
+                              <p:par>
+                                <p:cTn id="17" presetID="10" presetClass="entr" presetSubtype="0" fill="hold" nodeType="withEffect">
+                                  <p:stCondLst>
+                                    <p:cond delay="0"/>
+                                  </p:stCondLst>
+                                  <p:childTnLst>
+                                    <p:set>
+                                      <p:cBhvr>
+                                        <p:cTn id="18" dur="1" fill="hold">
+                                          <p:stCondLst>
+                                            <p:cond delay="0"/>
+                                          </p:stCondLst>
+                                        </p:cTn>
+                                        <p:tgtEl>
+                                          <p:spTgt spid="6">
+                                            <p:txEl>
+                                              <p:pRg st="4" end="4"/>
+                                            </p:txEl>
+                                          </p:spTgt>
+                                        </p:tgtEl>
+                                        <p:attrNameLst>
+                                          <p:attrName>style.visibility</p:attrName>
+                                        </p:attrNameLst>
+                                      </p:cBhvr>
+                                      <p:to>
+                                        <p:strVal val="visible"/>
+                                      </p:to>
+                                    </p:set>
+                                    <p:animEffect transition="in" filter="fade">
+                                      <p:cBhvr>
+                                        <p:cTn id="19" dur="1000"/>
+                                        <p:tgtEl>
+                                          <p:spTgt spid="6">
+                                            <p:txEl>
+                                              <p:pRg st="4" end="4"/>
+                                            </p:txEl>
+                                          </p:spTgt>
+                                        </p:tgtEl>
+                                      </p:cBhvr>
+                                    </p:animEffect>
+                                  </p:childTnLst>
+                                </p:cTn>
+                              </p:par>
+                            </p:childTnLst>
+                          </p:cTn>
+                        </p:par>
+                      </p:childTnLst>
+                    </p:cTn>
+                  </p:par>
+                  <p:par>
+                    <p:cTn id="20" fill="hold">
+                      <p:stCondLst>
+                        <p:cond delay="indefinite"/>
+                      </p:stCondLst>
+                      <p:childTnLst>
+                        <p:par>
+                          <p:cTn id="21" fill="hold">
+                            <p:stCondLst>
+                              <p:cond delay="0"/>
+                            </p:stCondLst>
+                            <p:childTnLst>
+                              <p:par>
+                                <p:cTn id="22" presetID="10" presetClass="entr" presetSubtype="0" fill="hold" nodeType="clickEffect">
+                                  <p:stCondLst>
+                                    <p:cond delay="0"/>
+                                  </p:stCondLst>
+                                  <p:childTnLst>
+                                    <p:set>
+                                      <p:cBhvr>
+                                        <p:cTn id="23" dur="1" fill="hold">
+                                          <p:stCondLst>
+                                            <p:cond delay="0"/>
+                                          </p:stCondLst>
+                                        </p:cTn>
+                                        <p:tgtEl>
+                                          <p:spTgt spid="6">
+                                            <p:txEl>
+                                              <p:pRg st="6" end="6"/>
+                                            </p:txEl>
+                                          </p:spTgt>
+                                        </p:tgtEl>
+                                        <p:attrNameLst>
+                                          <p:attrName>style.visibility</p:attrName>
+                                        </p:attrNameLst>
+                                      </p:cBhvr>
+                                      <p:to>
+                                        <p:strVal val="visible"/>
+                                      </p:to>
+                                    </p:set>
+                                    <p:animEffect transition="in" filter="fade">
+                                      <p:cBhvr>
+                                        <p:cTn id="24" dur="1000"/>
+                                        <p:tgtEl>
+                                          <p:spTgt spid="6">
+                                            <p:txEl>
+                                              <p:pRg st="6" end="6"/>
+                                            </p:txEl>
+                                          </p:spTgt>
+                                        </p:tgtEl>
+                                      </p:cBhvr>
+                                    </p:animEffect>
+                                  </p:childTnLst>
+                                </p:cTn>
+                              </p:par>
+                              <p:par>
+                                <p:cTn id="25" presetID="10" presetClass="entr" presetSubtype="0" fill="hold" nodeType="withEffect">
+                                  <p:stCondLst>
+                                    <p:cond delay="0"/>
+                                  </p:stCondLst>
+                                  <p:childTnLst>
+                                    <p:set>
+                                      <p:cBhvr>
+                                        <p:cTn id="26" dur="1" fill="hold">
+                                          <p:stCondLst>
+                                            <p:cond delay="0"/>
+                                          </p:stCondLst>
+                                        </p:cTn>
+                                        <p:tgtEl>
+                                          <p:spTgt spid="6">
+                                            <p:txEl>
+                                              <p:pRg st="7" end="7"/>
+                                            </p:txEl>
+                                          </p:spTgt>
+                                        </p:tgtEl>
+                                        <p:attrNameLst>
+                                          <p:attrName>style.visibility</p:attrName>
+                                        </p:attrNameLst>
+                                      </p:cBhvr>
+                                      <p:to>
+                                        <p:strVal val="visible"/>
+                                      </p:to>
+                                    </p:set>
+                                    <p:animEffect transition="in" filter="fade">
+                                      <p:cBhvr>
+                                        <p:cTn id="27" dur="1000"/>
+                                        <p:tgtEl>
+                                          <p:spTgt spid="6">
+                                            <p:txEl>
+                                              <p:pRg st="7" end="7"/>
+                                            </p:txEl>
+                                          </p:spTgt>
+                                        </p:tgtEl>
+                                      </p:cBhvr>
+                                    </p:animEffect>
+                                  </p:childTnLst>
+                                </p:cTn>
+                              </p:par>
+                              <p:par>
+                                <p:cTn id="28" presetID="10" presetClass="entr" presetSubtype="0" fill="hold" nodeType="withEffect">
+                                  <p:stCondLst>
+                                    <p:cond delay="0"/>
+                                  </p:stCondLst>
+                                  <p:childTnLst>
+                                    <p:set>
+                                      <p:cBhvr>
+                                        <p:cTn id="29" dur="1" fill="hold">
+                                          <p:stCondLst>
+                                            <p:cond delay="0"/>
+                                          </p:stCondLst>
+                                        </p:cTn>
+                                        <p:tgtEl>
+                                          <p:spTgt spid="6">
+                                            <p:txEl>
+                                              <p:pRg st="8" end="8"/>
+                                            </p:txEl>
+                                          </p:spTgt>
+                                        </p:tgtEl>
+                                        <p:attrNameLst>
+                                          <p:attrName>style.visibility</p:attrName>
+                                        </p:attrNameLst>
+                                      </p:cBhvr>
+                                      <p:to>
+                                        <p:strVal val="visible"/>
+                                      </p:to>
+                                    </p:set>
+                                    <p:animEffect transition="in" filter="fade">
+                                      <p:cBhvr>
+                                        <p:cTn id="30" dur="1000"/>
+                                        <p:tgtEl>
+                                          <p:spTgt spid="6">
+                                            <p:txEl>
+                                              <p:pRg st="8" end="8"/>
+                                            </p:txEl>
+                                          </p:spTgt>
+                                        </p:tgtEl>
+                                      </p:cBhvr>
+                                    </p:animEffect>
+                                  </p:childTnLst>
+                                </p:cTn>
+                              </p:par>
+                              <p:par>
+                                <p:cTn id="31" presetID="10" presetClass="entr" presetSubtype="0" fill="hold" nodeType="withEffect">
+                                  <p:stCondLst>
+                                    <p:cond delay="0"/>
+                                  </p:stCondLst>
+                                  <p:childTnLst>
+                                    <p:set>
+                                      <p:cBhvr>
+                                        <p:cTn id="32" dur="1" fill="hold">
+                                          <p:stCondLst>
+                                            <p:cond delay="0"/>
+                                          </p:stCondLst>
+                                        </p:cTn>
+                                        <p:tgtEl>
+                                          <p:spTgt spid="6">
+                                            <p:txEl>
+                                              <p:pRg st="9" end="9"/>
+                                            </p:txEl>
+                                          </p:spTgt>
+                                        </p:tgtEl>
+                                        <p:attrNameLst>
+                                          <p:attrName>style.visibility</p:attrName>
+                                        </p:attrNameLst>
+                                      </p:cBhvr>
+                                      <p:to>
+                                        <p:strVal val="visible"/>
+                                      </p:to>
+                                    </p:set>
+                                    <p:animEffect transition="in" filter="fade">
+                                      <p:cBhvr>
+                                        <p:cTn id="33" dur="1000"/>
+                                        <p:tgtEl>
+                                          <p:spTgt spid="6">
+                                            <p:txEl>
+                                              <p:pRg st="9" end="9"/>
+                                            </p:txEl>
+                                          </p:spTgt>
+                                        </p:tgtEl>
+                                      </p:cBhvr>
+                                    </p:animEffect>
+                                  </p:childTnLst>
+                                </p:cTn>
+                              </p:par>
+                            </p:childTnLst>
+                          </p:cTn>
+                        </p:par>
+                      </p:childTnLst>
+                    </p:cTn>
+                  </p:par>
+                </p:childTnLst>
+              </p:cTn>
+              <p:prevCondLst>
+                <p:cond evt="onPrev" delay="0">
+                  <p:tgtEl>
+                    <p:sldTgt/>
+                  </p:tgtEl>
+                </p:cond>
+              </p:prevCondLst>
+              <p:nextCondLst>
+                <p:cond evt="onNext" delay="0">
+                  <p:tgtEl>
+                    <p:sldTgt/>
+                  </p:tgtEl>
+                </p:cond>
+              </p:nextCondLst>
+            </p:seq>
+          </p:childTnLst>
+        </p:cTn>
+      </p:par>
+    </p:tnLst>
+  </p:timing>
+</p:sld>
+</file>
+
+<file path=ppt/slides/slide18.xml><?xml version="1.0" encoding="utf-8"?>
+<p:sld xmlns:a="http://schemas.openxmlformats.org/drawingml/2006/main" xmlns:r="http://schemas.openxmlformats.org/officeDocument/2006/relationships" xmlns:p="http://schemas.openxmlformats.org/presentationml/2006/main">
+  <p:cSld>
+    <p:bg>
+      <p:bgPr>
+        <a:blipFill>
+          <a:blip r:embed="rId3"/>
+          <a:tile tx="0" ty="0" sx="100000" sy="100000" flip="none" algn="tl"/>
+        </a:blipFill>
+        <a:effectLst/>
+      </p:bgPr>
+    </p:bg>
+    <p:spTree>
+      <p:nvGrpSpPr>
+        <p:cNvPr id="1" name=""/>
+        <p:cNvGrpSpPr/>
+        <p:nvPr/>
+      </p:nvGrpSpPr>
+      <p:grpSpPr>
+        <a:xfrm>
+          <a:off x="0" y="0"/>
+          <a:ext cx="0" cy="0"/>
+          <a:chOff x="0" y="0"/>
+          <a:chExt cx="0" cy="0"/>
+        </a:xfrm>
+      </p:grpSpPr>
+      <p:sp>
+        <p:nvSpPr>
+          <p:cNvPr id="2" name="Titolo 1"/>
+          <p:cNvSpPr>
+            <a:spLocks noGrp="1"/>
+          </p:cNvSpPr>
+          <p:nvPr>
+            <p:ph type="ctrTitle"/>
+          </p:nvPr>
+        </p:nvSpPr>
+        <p:spPr>
+          <a:xfrm>
+            <a:off x="0" y="2428868"/>
+            <a:ext cx="9144000" cy="2286016"/>
+          </a:xfrm>
+        </p:spPr>
+        <p:txBody>
+          <a:bodyPr>
+            <a:normAutofit/>
+          </a:bodyPr>
+          <a:lstStyle/>
+          <a:p>
+            <a:pPr algn="ctr"/>
+            <a:r>
+              <a:rPr lang="it-IT" sz="5400" dirty="0" err="1" smtClean="0">
+                <a:solidFill>
+                  <a:srgbClr val="FFC000"/>
+                </a:solidFill>
+              </a:rPr>
+              <a:t>Thanks</a:t>
+            </a:r>
+            <a:r>
+              <a:rPr lang="it-IT" sz="5400" dirty="0" smtClean="0">
+                <a:solidFill>
+                  <a:srgbClr val="FFC000"/>
+                </a:solidFill>
+              </a:rPr>
+              <a:t/>
+            </a:r>
+            <a:br>
+              <a:rPr lang="it-IT" sz="5400" dirty="0" smtClean="0">
+                <a:solidFill>
+                  <a:srgbClr val="FFC000"/>
+                </a:solidFill>
+              </a:rPr>
+            </a:br>
+            <a:r>
+              <a:rPr lang="it-IT" sz="5400" dirty="0" err="1" smtClean="0">
+                <a:solidFill>
+                  <a:srgbClr val="FFC000"/>
+                </a:solidFill>
+              </a:rPr>
+              <a:t>for</a:t>
+            </a:r>
+            <a:r>
+              <a:rPr lang="it-IT" sz="5400" dirty="0" smtClean="0">
+                <a:solidFill>
+                  <a:srgbClr val="FFC000"/>
+                </a:solidFill>
+              </a:rPr>
+              <a:t> </a:t>
+            </a:r>
+            <a:r>
+              <a:rPr lang="it-IT" sz="5400" dirty="0" err="1" smtClean="0">
+                <a:solidFill>
+                  <a:srgbClr val="FFC000"/>
+                </a:solidFill>
+              </a:rPr>
+              <a:t>your</a:t>
+            </a:r>
+            <a:r>
+              <a:rPr lang="it-IT" sz="5400" dirty="0" smtClean="0">
+                <a:solidFill>
+                  <a:srgbClr val="FFC000"/>
+                </a:solidFill>
+              </a:rPr>
+              <a:t> </a:t>
+            </a:r>
+            <a:r>
+              <a:rPr lang="it-IT" sz="5400" dirty="0" err="1" smtClean="0">
+                <a:solidFill>
+                  <a:srgbClr val="FFC000"/>
+                </a:solidFill>
+              </a:rPr>
+              <a:t>attention</a:t>
+            </a:r>
+            <a:endParaRPr lang="it-IT" sz="5400" dirty="0">
+              <a:solidFill>
+                <a:srgbClr val="FFC000"/>
+              </a:solidFill>
+            </a:endParaRPr>
+          </a:p>
+        </p:txBody>
+      </p:sp>
+      <p:pic>
+        <p:nvPicPr>
+          <p:cNvPr id="7" name="Picture 4" descr="C:\Users\error0\Desktop\logoRoma32.gif"/>
+          <p:cNvPicPr>
+            <a:picLocks noChangeAspect="1" noChangeArrowheads="1"/>
+          </p:cNvPicPr>
+          <p:nvPr/>
+        </p:nvPicPr>
+        <p:blipFill>
+          <a:blip r:embed="rId4">
+            <a:duotone>
+              <a:schemeClr val="accent1">
+                <a:shade val="45000"/>
+                <a:satMod val="135000"/>
+              </a:schemeClr>
+              <a:prstClr val="white"/>
+            </a:duotone>
+            <a:lum bright="20000"/>
+          </a:blip>
+          <a:srcRect/>
+          <a:stretch>
+            <a:fillRect/>
+          </a:stretch>
+        </p:blipFill>
+        <p:spPr bwMode="auto">
+          <a:xfrm>
+            <a:off x="3357554" y="285728"/>
+            <a:ext cx="2376089" cy="1214446"/>
+          </a:xfrm>
+          <a:prstGeom prst="rect">
+            <a:avLst/>
+          </a:prstGeom>
+          <a:noFill/>
+        </p:spPr>
+      </p:pic>
+      <p:sp>
+        <p:nvSpPr>
+          <p:cNvPr id="8" name="CasellaDiTesto 7"/>
+          <p:cNvSpPr txBox="1"/>
+          <p:nvPr/>
+        </p:nvSpPr>
+        <p:spPr>
+          <a:xfrm>
+            <a:off x="0" y="5374203"/>
+            <a:ext cx="9358346" cy="830997"/>
+          </a:xfrm>
+          <a:prstGeom prst="rect">
+            <a:avLst/>
+          </a:prstGeom>
+          <a:noFill/>
+        </p:spPr>
+        <p:txBody>
+          <a:bodyPr wrap="square" rtlCol="0">
+            <a:spAutoFit/>
+          </a:bodyPr>
+          <a:lstStyle/>
+          <a:p>
+            <a:pPr algn="ctr"/>
+            <a:r>
+              <a:rPr lang="it-IT" sz="2200" dirty="0" smtClean="0"/>
+              <a:t>Laureando:</a:t>
+            </a:r>
+          </a:p>
+          <a:p>
+            <a:pPr algn="ctr"/>
+            <a:r>
+              <a:rPr lang="it-IT" sz="2600" b="1" dirty="0" smtClean="0"/>
+              <a:t>Valerio Barbagallo</a:t>
+            </a:r>
+            <a:endParaRPr lang="it-IT" sz="2600" b="1" dirty="0"/>
+          </a:p>
+        </p:txBody>
+      </p:sp>
+      <p:sp>
+        <p:nvSpPr>
+          <p:cNvPr id="9" name="CasellaDiTesto 8"/>
+          <p:cNvSpPr txBox="1"/>
+          <p:nvPr/>
+        </p:nvSpPr>
+        <p:spPr>
+          <a:xfrm>
+            <a:off x="0" y="5929330"/>
+            <a:ext cx="3428992" cy="830997"/>
+          </a:xfrm>
+          <a:prstGeom prst="rect">
+            <a:avLst/>
+          </a:prstGeom>
+          <a:noFill/>
+        </p:spPr>
+        <p:txBody>
+          <a:bodyPr wrap="square" rtlCol="0">
+            <a:spAutoFit/>
+          </a:bodyPr>
+          <a:lstStyle/>
+          <a:p>
+            <a:pPr algn="ctr"/>
+            <a:r>
+              <a:rPr lang="it-IT" sz="2200" dirty="0" smtClean="0"/>
+              <a:t>Relatore:</a:t>
+            </a:r>
+          </a:p>
+          <a:p>
+            <a:pPr algn="ctr"/>
+            <a:r>
+              <a:rPr lang="it-IT" sz="2400" b="1" dirty="0" smtClean="0"/>
+              <a:t>Paolo Merialdo</a:t>
+            </a:r>
+            <a:endParaRPr lang="it-IT" sz="2400" b="1" dirty="0"/>
+          </a:p>
+        </p:txBody>
+      </p:sp>
+      <p:sp>
+        <p:nvSpPr>
+          <p:cNvPr id="10" name="CasellaDiTesto 9"/>
+          <p:cNvSpPr txBox="1"/>
+          <p:nvPr/>
+        </p:nvSpPr>
+        <p:spPr>
+          <a:xfrm>
+            <a:off x="5857884" y="5905046"/>
+            <a:ext cx="3286148" cy="830997"/>
+          </a:xfrm>
+          <a:prstGeom prst="rect">
+            <a:avLst/>
+          </a:prstGeom>
+          <a:noFill/>
+        </p:spPr>
+        <p:txBody>
+          <a:bodyPr wrap="square" rtlCol="0">
+            <a:spAutoFit/>
+          </a:bodyPr>
+          <a:lstStyle/>
+          <a:p>
+            <a:pPr algn="ctr"/>
+            <a:r>
+              <a:rPr lang="it-IT" sz="2200" dirty="0" smtClean="0"/>
+              <a:t>Correlatore:</a:t>
+            </a:r>
+          </a:p>
+          <a:p>
+            <a:pPr algn="ctr"/>
+            <a:r>
+              <a:rPr lang="it-IT" sz="2400" b="1" dirty="0" smtClean="0"/>
+              <a:t>Michele Aiello</a:t>
+            </a:r>
+            <a:endParaRPr lang="it-IT" sz="2400" b="1" dirty="0"/>
+          </a:p>
+        </p:txBody>
+      </p:sp>
+    </p:spTree>
+  </p:cSld>
+  <p:clrMapOvr>
+    <a:masterClrMapping/>
+  </p:clrMapOvr>
+  <p:timing>
+    <p:tnLst>
+      <p:par>
+        <p:cTn id="1" dur="indefinite" restart="never" nodeType="tmRoot"/>
+      </p:par>
+    </p:tnLst>
+  </p:timing>
+</p:sld>
+</file>
+
+<file path=ppt/slides/slide19.xml><?xml version="1.0" encoding="utf-8"?>
+<p:sld xmlns:a="http://schemas.openxmlformats.org/drawingml/2006/main" xmlns:r="http://schemas.openxmlformats.org/officeDocument/2006/relationships" xmlns:p="http://schemas.openxmlformats.org/presentationml/2006/main" show="0">
+  <p:cSld>
+    <p:spTree>
+      <p:nvGrpSpPr>
+        <p:cNvPr id="1" name=""/>
+        <p:cNvGrpSpPr/>
+        <p:nvPr/>
+      </p:nvGrpSpPr>
+      <p:grpSpPr>
+        <a:xfrm>
+          <a:off x="0" y="0"/>
+          <a:ext cx="0" cy="0"/>
+          <a:chOff x="0" y="0"/>
+          <a:chExt cx="0" cy="0"/>
+        </a:xfrm>
+      </p:grpSpPr>
+      <p:sp>
+        <p:nvSpPr>
+          <p:cNvPr id="2" name="Titolo 1"/>
+          <p:cNvSpPr>
+            <a:spLocks noGrp="1"/>
+          </p:cNvSpPr>
+          <p:nvPr>
+            <p:ph type="title"/>
+          </p:nvPr>
+        </p:nvSpPr>
+        <p:spPr>
+          <a:xfrm>
+            <a:off x="457200" y="155448"/>
+            <a:ext cx="6257940" cy="1252728"/>
+          </a:xfrm>
+        </p:spPr>
+        <p:txBody>
+          <a:bodyPr>
+            <a:normAutofit/>
+          </a:bodyPr>
+          <a:lstStyle/>
+          <a:p>
+            <a:r>
+              <a:rPr lang="en-US" dirty="0" smtClean="0">
+                <a:solidFill>
+                  <a:srgbClr val="FFC000"/>
+                </a:solidFill>
+              </a:rPr>
               <a:t>Memory Usage</a:t>
             </a:r>
             <a:endParaRPr lang="en-US" dirty="0">
@@ -12855,1343 +14362,6 @@
               <a:t>Db4o</a:t>
             </a:r>
             <a:endParaRPr lang="it-IT" sz="2200" dirty="0"/>
-          </a:p>
-        </p:txBody>
-      </p:sp>
-    </p:spTree>
-  </p:cSld>
-  <p:clrMapOvr>
-    <a:masterClrMapping/>
-  </p:clrMapOvr>
-  <p:transition>
-    <p:fade/>
-  </p:transition>
-  <p:timing>
-    <p:tnLst>
-      <p:par>
-        <p:cTn id="1" dur="indefinite" restart="never" nodeType="tmRoot"/>
-      </p:par>
-    </p:tnLst>
-  </p:timing>
-</p:sld>
-</file>
-
-<file path=ppt/slides/slide17.xml><?xml version="1.0" encoding="utf-8"?>
-<p:sld xmlns:a="http://schemas.openxmlformats.org/drawingml/2006/main" xmlns:r="http://schemas.openxmlformats.org/officeDocument/2006/relationships" xmlns:p="http://schemas.openxmlformats.org/presentationml/2006/main">
-  <p:cSld>
-    <p:spTree>
-      <p:nvGrpSpPr>
-        <p:cNvPr id="1" name=""/>
-        <p:cNvGrpSpPr/>
-        <p:nvPr/>
-      </p:nvGrpSpPr>
-      <p:grpSpPr>
-        <a:xfrm>
-          <a:off x="0" y="0"/>
-          <a:ext cx="0" cy="0"/>
-          <a:chOff x="0" y="0"/>
-          <a:chExt cx="0" cy="0"/>
-        </a:xfrm>
-      </p:grpSpPr>
-      <p:sp>
-        <p:nvSpPr>
-          <p:cNvPr id="2" name="Titolo 1"/>
-          <p:cNvSpPr>
-            <a:spLocks noGrp="1"/>
-          </p:cNvSpPr>
-          <p:nvPr>
-            <p:ph type="title"/>
-          </p:nvPr>
-        </p:nvSpPr>
-        <p:spPr>
-          <a:xfrm>
-            <a:off x="457200" y="155448"/>
-            <a:ext cx="6257940" cy="1252728"/>
-          </a:xfrm>
-        </p:spPr>
-        <p:txBody>
-          <a:bodyPr>
-            <a:normAutofit/>
-          </a:bodyPr>
-          <a:lstStyle/>
-          <a:p>
-            <a:r>
-              <a:rPr lang="en-US" dirty="0" smtClean="0">
-                <a:solidFill>
-                  <a:srgbClr val="FFC000"/>
-                </a:solidFill>
-              </a:rPr>
-              <a:t>File Size</a:t>
-            </a:r>
-            <a:endParaRPr lang="en-US" dirty="0">
-              <a:solidFill>
-                <a:srgbClr val="FFC000"/>
-              </a:solidFill>
-            </a:endParaRPr>
-          </a:p>
-        </p:txBody>
-      </p:sp>
-      <p:pic>
-        <p:nvPicPr>
-          <p:cNvPr id="4" name="Picture 4" descr="C:\Users\error0\Desktop\logoRoma32.gif"/>
-          <p:cNvPicPr>
-            <a:picLocks noChangeAspect="1" noChangeArrowheads="1"/>
-          </p:cNvPicPr>
-          <p:nvPr/>
-        </p:nvPicPr>
-        <p:blipFill>
-          <a:blip r:embed="rId3">
-            <a:duotone>
-              <a:schemeClr val="accent1">
-                <a:shade val="45000"/>
-                <a:satMod val="135000"/>
-              </a:schemeClr>
-              <a:prstClr val="white"/>
-            </a:duotone>
-            <a:lum bright="20000"/>
-          </a:blip>
-          <a:srcRect/>
-          <a:stretch>
-            <a:fillRect/>
-          </a:stretch>
-        </p:blipFill>
-        <p:spPr bwMode="auto">
-          <a:xfrm>
-            <a:off x="6858016" y="153964"/>
-            <a:ext cx="2214578" cy="1131896"/>
-          </a:xfrm>
-          <a:prstGeom prst="rect">
-            <a:avLst/>
-          </a:prstGeom>
-          <a:noFill/>
-        </p:spPr>
-      </p:pic>
-      <p:sp>
-        <p:nvSpPr>
-          <p:cNvPr id="5" name="Rettangolo 4"/>
-          <p:cNvSpPr/>
-          <p:nvPr/>
-        </p:nvSpPr>
-        <p:spPr>
-          <a:xfrm>
-            <a:off x="928662" y="6500834"/>
-            <a:ext cx="142876" cy="142876"/>
-          </a:xfrm>
-          <a:prstGeom prst="rect">
-            <a:avLst/>
-          </a:prstGeom>
-          <a:solidFill>
-            <a:srgbClr val="FF0000"/>
-          </a:solidFill>
-          <a:ln>
-            <a:solidFill>
-              <a:srgbClr val="FF0000"/>
-            </a:solidFill>
-          </a:ln>
-        </p:spPr>
-        <p:style>
-          <a:lnRef idx="2">
-            <a:schemeClr val="accent3">
-              <a:shade val="50000"/>
-            </a:schemeClr>
-          </a:lnRef>
-          <a:fillRef idx="1">
-            <a:schemeClr val="accent3"/>
-          </a:fillRef>
-          <a:effectRef idx="0">
-            <a:schemeClr val="accent3"/>
-          </a:effectRef>
-          <a:fontRef idx="minor">
-            <a:schemeClr val="lt1"/>
-          </a:fontRef>
-        </p:style>
-        <p:txBody>
-          <a:bodyPr rtlCol="0" anchor="ctr"/>
-          <a:lstStyle/>
-          <a:p>
-            <a:pPr algn="ctr"/>
-            <a:endParaRPr lang="it-IT"/>
-          </a:p>
-        </p:txBody>
-      </p:sp>
-      <p:sp>
-        <p:nvSpPr>
-          <p:cNvPr id="6" name="Rettangolo 5"/>
-          <p:cNvSpPr/>
-          <p:nvPr/>
-        </p:nvSpPr>
-        <p:spPr>
-          <a:xfrm>
-            <a:off x="5357818" y="6500834"/>
-            <a:ext cx="142876" cy="142876"/>
-          </a:xfrm>
-          <a:prstGeom prst="rect">
-            <a:avLst/>
-          </a:prstGeom>
-          <a:solidFill>
-            <a:srgbClr val="FFFF00"/>
-          </a:solidFill>
-          <a:ln>
-            <a:solidFill>
-              <a:srgbClr val="FFFF00"/>
-            </a:solidFill>
-          </a:ln>
-        </p:spPr>
-        <p:style>
-          <a:lnRef idx="2">
-            <a:schemeClr val="accent1">
-              <a:shade val="50000"/>
-            </a:schemeClr>
-          </a:lnRef>
-          <a:fillRef idx="1">
-            <a:schemeClr val="accent1"/>
-          </a:fillRef>
-          <a:effectRef idx="0">
-            <a:schemeClr val="accent1"/>
-          </a:effectRef>
-          <a:fontRef idx="minor">
-            <a:schemeClr val="lt1"/>
-          </a:fontRef>
-        </p:style>
-        <p:txBody>
-          <a:bodyPr rtlCol="0" anchor="ctr"/>
-          <a:lstStyle/>
-          <a:p>
-            <a:pPr algn="ctr"/>
-            <a:endParaRPr lang="it-IT"/>
-          </a:p>
-        </p:txBody>
-      </p:sp>
-      <p:sp>
-        <p:nvSpPr>
-          <p:cNvPr id="7" name="Rettangolo 6"/>
-          <p:cNvSpPr/>
-          <p:nvPr/>
-        </p:nvSpPr>
-        <p:spPr>
-          <a:xfrm>
-            <a:off x="2357422" y="6500834"/>
-            <a:ext cx="142876" cy="142876"/>
-          </a:xfrm>
-          <a:prstGeom prst="rect">
-            <a:avLst/>
-          </a:prstGeom>
-          <a:solidFill>
-            <a:srgbClr val="0070C0"/>
-          </a:solidFill>
-          <a:ln>
-            <a:solidFill>
-              <a:srgbClr val="0070C0"/>
-            </a:solidFill>
-          </a:ln>
-        </p:spPr>
-        <p:style>
-          <a:lnRef idx="2">
-            <a:schemeClr val="accent1">
-              <a:shade val="50000"/>
-            </a:schemeClr>
-          </a:lnRef>
-          <a:fillRef idx="1">
-            <a:schemeClr val="accent1"/>
-          </a:fillRef>
-          <a:effectRef idx="0">
-            <a:schemeClr val="accent1"/>
-          </a:effectRef>
-          <a:fontRef idx="minor">
-            <a:schemeClr val="lt1"/>
-          </a:fontRef>
-        </p:style>
-        <p:txBody>
-          <a:bodyPr rtlCol="0" anchor="ctr"/>
-          <a:lstStyle/>
-          <a:p>
-            <a:pPr algn="ctr"/>
-            <a:endParaRPr lang="it-IT"/>
-          </a:p>
-        </p:txBody>
-      </p:sp>
-      <p:sp>
-        <p:nvSpPr>
-          <p:cNvPr id="8" name="Rettangolo 7"/>
-          <p:cNvSpPr/>
-          <p:nvPr/>
-        </p:nvSpPr>
-        <p:spPr>
-          <a:xfrm>
-            <a:off x="4143372" y="6500834"/>
-            <a:ext cx="142876" cy="142876"/>
-          </a:xfrm>
-          <a:prstGeom prst="rect">
-            <a:avLst/>
-          </a:prstGeom>
-          <a:solidFill>
-            <a:srgbClr val="92D050"/>
-          </a:solidFill>
-          <a:ln>
-            <a:solidFill>
-              <a:srgbClr val="92D050"/>
-            </a:solidFill>
-          </a:ln>
-        </p:spPr>
-        <p:style>
-          <a:lnRef idx="2">
-            <a:schemeClr val="accent1">
-              <a:shade val="50000"/>
-            </a:schemeClr>
-          </a:lnRef>
-          <a:fillRef idx="1">
-            <a:schemeClr val="accent1"/>
-          </a:fillRef>
-          <a:effectRef idx="0">
-            <a:schemeClr val="accent1"/>
-          </a:effectRef>
-          <a:fontRef idx="minor">
-            <a:schemeClr val="lt1"/>
-          </a:fontRef>
-        </p:style>
-        <p:txBody>
-          <a:bodyPr rtlCol="0" anchor="ctr"/>
-          <a:lstStyle/>
-          <a:p>
-            <a:pPr algn="ctr"/>
-            <a:endParaRPr lang="it-IT"/>
-          </a:p>
-        </p:txBody>
-      </p:sp>
-      <p:sp>
-        <p:nvSpPr>
-          <p:cNvPr id="9" name="Rettangolo 8"/>
-          <p:cNvSpPr/>
-          <p:nvPr/>
-        </p:nvSpPr>
-        <p:spPr>
-          <a:xfrm>
-            <a:off x="7000892" y="6500834"/>
-            <a:ext cx="142876" cy="142876"/>
-          </a:xfrm>
-          <a:prstGeom prst="rect">
-            <a:avLst/>
-          </a:prstGeom>
-          <a:solidFill>
-            <a:srgbClr val="C52BA8"/>
-          </a:solidFill>
-          <a:ln>
-            <a:solidFill>
-              <a:srgbClr val="C52BA8"/>
-            </a:solidFill>
-          </a:ln>
-        </p:spPr>
-        <p:style>
-          <a:lnRef idx="2">
-            <a:schemeClr val="accent1">
-              <a:shade val="50000"/>
-            </a:schemeClr>
-          </a:lnRef>
-          <a:fillRef idx="1">
-            <a:schemeClr val="accent1"/>
-          </a:fillRef>
-          <a:effectRef idx="0">
-            <a:schemeClr val="accent1"/>
-          </a:effectRef>
-          <a:fontRef idx="minor">
-            <a:schemeClr val="lt1"/>
-          </a:fontRef>
-        </p:style>
-        <p:txBody>
-          <a:bodyPr rtlCol="0" anchor="ctr"/>
-          <a:lstStyle/>
-          <a:p>
-            <a:pPr algn="ctr"/>
-            <a:endParaRPr lang="it-IT"/>
-          </a:p>
-        </p:txBody>
-      </p:sp>
-      <p:sp>
-        <p:nvSpPr>
-          <p:cNvPr id="10" name="CasellaDiTesto 9"/>
-          <p:cNvSpPr txBox="1"/>
-          <p:nvPr/>
-        </p:nvSpPr>
-        <p:spPr>
-          <a:xfrm>
-            <a:off x="1142976" y="6357958"/>
-            <a:ext cx="1071570" cy="430887"/>
-          </a:xfrm>
-          <a:prstGeom prst="rect">
-            <a:avLst/>
-          </a:prstGeom>
-          <a:noFill/>
-        </p:spPr>
-        <p:txBody>
-          <a:bodyPr wrap="square" rtlCol="0">
-            <a:spAutoFit/>
-          </a:bodyPr>
-          <a:lstStyle/>
-          <a:p>
-            <a:r>
-              <a:rPr lang="it-IT" sz="2200" dirty="0" smtClean="0"/>
-              <a:t>PICO4</a:t>
-            </a:r>
-            <a:endParaRPr lang="it-IT" sz="2200" dirty="0"/>
-          </a:p>
-        </p:txBody>
-      </p:sp>
-      <p:sp>
-        <p:nvSpPr>
-          <p:cNvPr id="11" name="CasellaDiTesto 10"/>
-          <p:cNvSpPr txBox="1"/>
-          <p:nvPr/>
-        </p:nvSpPr>
-        <p:spPr>
-          <a:xfrm>
-            <a:off x="2571736" y="6357958"/>
-            <a:ext cx="1500198" cy="430887"/>
-          </a:xfrm>
-          <a:prstGeom prst="rect">
-            <a:avLst/>
-          </a:prstGeom>
-          <a:noFill/>
-        </p:spPr>
-        <p:txBody>
-          <a:bodyPr wrap="square" rtlCol="0">
-            <a:spAutoFit/>
-          </a:bodyPr>
-          <a:lstStyle/>
-          <a:p>
-            <a:r>
-              <a:rPr lang="it-IT" sz="2200" dirty="0" err="1" smtClean="0"/>
-              <a:t>Prevayler</a:t>
-            </a:r>
-            <a:endParaRPr lang="it-IT" sz="2200" dirty="0"/>
-          </a:p>
-        </p:txBody>
-      </p:sp>
-      <p:sp>
-        <p:nvSpPr>
-          <p:cNvPr id="12" name="CasellaDiTesto 11"/>
-          <p:cNvSpPr txBox="1"/>
-          <p:nvPr/>
-        </p:nvSpPr>
-        <p:spPr>
-          <a:xfrm>
-            <a:off x="4357686" y="6357958"/>
-            <a:ext cx="1500198" cy="430887"/>
-          </a:xfrm>
-          <a:prstGeom prst="rect">
-            <a:avLst/>
-          </a:prstGeom>
-          <a:noFill/>
-        </p:spPr>
-        <p:txBody>
-          <a:bodyPr wrap="square" rtlCol="0">
-            <a:spAutoFit/>
-          </a:bodyPr>
-          <a:lstStyle/>
-          <a:p>
-            <a:r>
-              <a:rPr lang="it-IT" sz="2200" dirty="0" smtClean="0"/>
-              <a:t>H2</a:t>
-            </a:r>
-            <a:endParaRPr lang="it-IT" sz="2200" dirty="0"/>
-          </a:p>
-        </p:txBody>
-      </p:sp>
-      <p:sp>
-        <p:nvSpPr>
-          <p:cNvPr id="13" name="CasellaDiTesto 12"/>
-          <p:cNvSpPr txBox="1"/>
-          <p:nvPr/>
-        </p:nvSpPr>
-        <p:spPr>
-          <a:xfrm>
-            <a:off x="5572132" y="6357958"/>
-            <a:ext cx="1500198" cy="430887"/>
-          </a:xfrm>
-          <a:prstGeom prst="rect">
-            <a:avLst/>
-          </a:prstGeom>
-          <a:noFill/>
-        </p:spPr>
-        <p:txBody>
-          <a:bodyPr wrap="square" rtlCol="0">
-            <a:spAutoFit/>
-          </a:bodyPr>
-          <a:lstStyle/>
-          <a:p>
-            <a:r>
-              <a:rPr lang="it-IT" sz="2200" dirty="0" smtClean="0"/>
-              <a:t>HSQLDB</a:t>
-            </a:r>
-            <a:endParaRPr lang="it-IT" sz="2200" dirty="0"/>
-          </a:p>
-        </p:txBody>
-      </p:sp>
-      <p:sp>
-        <p:nvSpPr>
-          <p:cNvPr id="14" name="CasellaDiTesto 13"/>
-          <p:cNvSpPr txBox="1"/>
-          <p:nvPr/>
-        </p:nvSpPr>
-        <p:spPr>
-          <a:xfrm>
-            <a:off x="7215206" y="6357958"/>
-            <a:ext cx="1500198" cy="430887"/>
-          </a:xfrm>
-          <a:prstGeom prst="rect">
-            <a:avLst/>
-          </a:prstGeom>
-          <a:noFill/>
-        </p:spPr>
-        <p:txBody>
-          <a:bodyPr wrap="square" rtlCol="0">
-            <a:spAutoFit/>
-          </a:bodyPr>
-          <a:lstStyle/>
-          <a:p>
-            <a:r>
-              <a:rPr lang="it-IT" sz="2200" dirty="0" smtClean="0"/>
-              <a:t>Db4o</a:t>
-            </a:r>
-            <a:endParaRPr lang="it-IT" sz="2200" dirty="0"/>
-          </a:p>
-        </p:txBody>
-      </p:sp>
-      <p:pic>
-        <p:nvPicPr>
-          <p:cNvPr id="2050" name="Picture 2" descr="C:\Users\error0\Documents\universita\tesi\workspace\tesi\tex\img\result13.jpg"/>
-          <p:cNvPicPr>
-            <a:picLocks noChangeAspect="1" noChangeArrowheads="1"/>
-          </p:cNvPicPr>
-          <p:nvPr/>
-        </p:nvPicPr>
-        <p:blipFill>
-          <a:blip r:embed="rId4"/>
-          <a:srcRect l="500" t="15714" r="2000" b="5000"/>
-          <a:stretch>
-            <a:fillRect/>
-          </a:stretch>
-        </p:blipFill>
-        <p:spPr bwMode="auto">
-          <a:xfrm>
-            <a:off x="-64" y="1500174"/>
-            <a:ext cx="9144064" cy="4786346"/>
-          </a:xfrm>
-          <a:prstGeom prst="rect">
-            <a:avLst/>
-          </a:prstGeom>
-          <a:noFill/>
-        </p:spPr>
-      </p:pic>
-    </p:spTree>
-  </p:cSld>
-  <p:clrMapOvr>
-    <a:masterClrMapping/>
-  </p:clrMapOvr>
-  <p:transition>
-    <p:fade/>
-  </p:transition>
-  <p:timing>
-    <p:tnLst>
-      <p:par>
-        <p:cTn id="1" dur="indefinite" restart="never" nodeType="tmRoot"/>
-      </p:par>
-    </p:tnLst>
-  </p:timing>
-</p:sld>
-</file>
-
-<file path=ppt/slides/slide18.xml><?xml version="1.0" encoding="utf-8"?>
-<p:sld xmlns:a="http://schemas.openxmlformats.org/drawingml/2006/main" xmlns:r="http://schemas.openxmlformats.org/officeDocument/2006/relationships" xmlns:p="http://schemas.openxmlformats.org/presentationml/2006/main">
-  <p:cSld>
-    <p:spTree>
-      <p:nvGrpSpPr>
-        <p:cNvPr id="1" name=""/>
-        <p:cNvGrpSpPr/>
-        <p:nvPr/>
-      </p:nvGrpSpPr>
-      <p:grpSpPr>
-        <a:xfrm>
-          <a:off x="0" y="0"/>
-          <a:ext cx="0" cy="0"/>
-          <a:chOff x="0" y="0"/>
-          <a:chExt cx="0" cy="0"/>
-        </a:xfrm>
-      </p:grpSpPr>
-      <p:sp>
-        <p:nvSpPr>
-          <p:cNvPr id="2" name="Titolo 1"/>
-          <p:cNvSpPr>
-            <a:spLocks noGrp="1"/>
-          </p:cNvSpPr>
-          <p:nvPr>
-            <p:ph type="title"/>
-          </p:nvPr>
-        </p:nvSpPr>
-        <p:spPr>
-          <a:xfrm>
-            <a:off x="457200" y="155448"/>
-            <a:ext cx="6257940" cy="1252728"/>
-          </a:xfrm>
-        </p:spPr>
-        <p:txBody>
-          <a:bodyPr>
-            <a:normAutofit/>
-          </a:bodyPr>
-          <a:lstStyle/>
-          <a:p>
-            <a:r>
-              <a:rPr lang="en-US" dirty="0" smtClean="0">
-                <a:solidFill>
-                  <a:srgbClr val="FFC000"/>
-                </a:solidFill>
-              </a:rPr>
-              <a:t>Conclusion</a:t>
-            </a:r>
-            <a:endParaRPr lang="en-US" dirty="0">
-              <a:solidFill>
-                <a:srgbClr val="FFC000"/>
-              </a:solidFill>
-            </a:endParaRPr>
-          </a:p>
-        </p:txBody>
-      </p:sp>
-      <p:pic>
-        <p:nvPicPr>
-          <p:cNvPr id="4" name="Picture 4" descr="C:\Users\error0\Desktop\logoRoma32.gif"/>
-          <p:cNvPicPr>
-            <a:picLocks noChangeAspect="1" noChangeArrowheads="1"/>
-          </p:cNvPicPr>
-          <p:nvPr/>
-        </p:nvPicPr>
-        <p:blipFill>
-          <a:blip r:embed="rId3">
-            <a:duotone>
-              <a:schemeClr val="accent1">
-                <a:shade val="45000"/>
-                <a:satMod val="135000"/>
-              </a:schemeClr>
-              <a:prstClr val="white"/>
-            </a:duotone>
-            <a:lum bright="20000"/>
-          </a:blip>
-          <a:srcRect/>
-          <a:stretch>
-            <a:fillRect/>
-          </a:stretch>
-        </p:blipFill>
-        <p:spPr bwMode="auto">
-          <a:xfrm>
-            <a:off x="6858016" y="153964"/>
-            <a:ext cx="2214578" cy="1131896"/>
-          </a:xfrm>
-          <a:prstGeom prst="rect">
-            <a:avLst/>
-          </a:prstGeom>
-          <a:noFill/>
-        </p:spPr>
-      </p:pic>
-      <p:sp>
-        <p:nvSpPr>
-          <p:cNvPr id="6" name="Segnaposto contenuto 5"/>
-          <p:cNvSpPr>
-            <a:spLocks noGrp="1"/>
-          </p:cNvSpPr>
-          <p:nvPr>
-            <p:ph idx="1"/>
-          </p:nvPr>
-        </p:nvSpPr>
-        <p:spPr>
-          <a:xfrm>
-            <a:off x="457200" y="1643049"/>
-            <a:ext cx="8401080" cy="5000661"/>
-          </a:xfrm>
-        </p:spPr>
-        <p:txBody>
-          <a:bodyPr>
-            <a:normAutofit fontScale="92500"/>
-          </a:bodyPr>
-          <a:lstStyle/>
-          <a:p>
-            <a:r>
-              <a:rPr lang="en-US" dirty="0" smtClean="0"/>
-              <a:t>Contributions:</a:t>
-            </a:r>
-          </a:p>
-          <a:p>
-            <a:pPr lvl="1"/>
-            <a:r>
-              <a:rPr lang="en-US" dirty="0" smtClean="0"/>
-              <a:t>IMDB’s in-depth </a:t>
-            </a:r>
-            <a:r>
-              <a:rPr lang="en-US" dirty="0" smtClean="0"/>
-              <a:t>analysis</a:t>
-            </a:r>
-          </a:p>
-          <a:p>
-            <a:pPr lvl="1"/>
-            <a:r>
-              <a:rPr lang="en-US" dirty="0" smtClean="0"/>
-              <a:t>Performance </a:t>
-            </a:r>
-            <a:r>
-              <a:rPr lang="en-US" dirty="0" smtClean="0"/>
-              <a:t>analysis problem</a:t>
-            </a:r>
-          </a:p>
-          <a:p>
-            <a:pPr lvl="1"/>
-            <a:r>
-              <a:rPr lang="en-US" dirty="0" smtClean="0"/>
-              <a:t>Database benchmark framework with powerful graphs</a:t>
-            </a:r>
-          </a:p>
-          <a:p>
-            <a:pPr lvl="1"/>
-            <a:r>
-              <a:rPr lang="en-US" dirty="0" smtClean="0"/>
-              <a:t>Results’ analysis</a:t>
-            </a:r>
-            <a:endParaRPr lang="en-US" dirty="0" smtClean="0"/>
-          </a:p>
-          <a:p>
-            <a:endParaRPr lang="en-US" dirty="0" smtClean="0"/>
-          </a:p>
-          <a:p>
-            <a:r>
-              <a:rPr lang="en-US" dirty="0" smtClean="0"/>
-              <a:t>Future Development:</a:t>
-            </a:r>
-          </a:p>
-          <a:p>
-            <a:pPr lvl="1"/>
-            <a:r>
-              <a:rPr lang="en-US" dirty="0" smtClean="0"/>
-              <a:t>New tests and databases</a:t>
-            </a:r>
-          </a:p>
-          <a:p>
-            <a:pPr lvl="1"/>
-            <a:r>
-              <a:rPr lang="en-US" dirty="0" smtClean="0"/>
-              <a:t>Graphical user interface</a:t>
-            </a:r>
-          </a:p>
-          <a:p>
-            <a:pPr lvl="1"/>
-            <a:r>
-              <a:rPr lang="en-US" dirty="0" smtClean="0"/>
-              <a:t>Mapping technology layer</a:t>
-            </a:r>
-            <a:endParaRPr lang="en-US" dirty="0"/>
-          </a:p>
-        </p:txBody>
-      </p:sp>
-    </p:spTree>
-  </p:cSld>
-  <p:clrMapOvr>
-    <a:masterClrMapping/>
-  </p:clrMapOvr>
-  <p:transition>
-    <p:fade/>
-  </p:transition>
-  <p:timing>
-    <p:tnLst>
-      <p:par>
-        <p:cTn id="1" dur="indefinite" restart="never" nodeType="tmRoot">
-          <p:childTnLst>
-            <p:seq concurrent="1" nextAc="seek">
-              <p:cTn id="2" dur="indefinite" nodeType="mainSeq">
-                <p:childTnLst>
-                  <p:par>
-                    <p:cTn id="3" fill="hold">
-                      <p:stCondLst>
-                        <p:cond delay="indefinite"/>
-                      </p:stCondLst>
-                      <p:childTnLst>
-                        <p:par>
-                          <p:cTn id="4" fill="hold">
-                            <p:stCondLst>
-                              <p:cond delay="0"/>
-                            </p:stCondLst>
-                            <p:childTnLst>
-                              <p:par>
-                                <p:cTn id="5" presetID="10" presetClass="entr" presetSubtype="0" fill="hold" nodeType="clickEffect">
-                                  <p:stCondLst>
-                                    <p:cond delay="0"/>
-                                  </p:stCondLst>
-                                  <p:childTnLst>
-                                    <p:set>
-                                      <p:cBhvr>
-                                        <p:cTn id="6" dur="1" fill="hold">
-                                          <p:stCondLst>
-                                            <p:cond delay="0"/>
-                                          </p:stCondLst>
-                                        </p:cTn>
-                                        <p:tgtEl>
-                                          <p:spTgt spid="6">
-                                            <p:txEl>
-                                              <p:pRg st="0" end="0"/>
-                                            </p:txEl>
-                                          </p:spTgt>
-                                        </p:tgtEl>
-                                        <p:attrNameLst>
-                                          <p:attrName>style.visibility</p:attrName>
-                                        </p:attrNameLst>
-                                      </p:cBhvr>
-                                      <p:to>
-                                        <p:strVal val="visible"/>
-                                      </p:to>
-                                    </p:set>
-                                    <p:animEffect transition="in" filter="fade">
-                                      <p:cBhvr>
-                                        <p:cTn id="7" dur="1000"/>
-                                        <p:tgtEl>
-                                          <p:spTgt spid="6">
-                                            <p:txEl>
-                                              <p:pRg st="0" end="0"/>
-                                            </p:txEl>
-                                          </p:spTgt>
-                                        </p:tgtEl>
-                                      </p:cBhvr>
-                                    </p:animEffect>
-                                  </p:childTnLst>
-                                </p:cTn>
-                              </p:par>
-                              <p:par>
-                                <p:cTn id="8" presetID="10" presetClass="entr" presetSubtype="0" fill="hold" nodeType="withEffect">
-                                  <p:stCondLst>
-                                    <p:cond delay="0"/>
-                                  </p:stCondLst>
-                                  <p:childTnLst>
-                                    <p:set>
-                                      <p:cBhvr>
-                                        <p:cTn id="9" dur="1" fill="hold">
-                                          <p:stCondLst>
-                                            <p:cond delay="0"/>
-                                          </p:stCondLst>
-                                        </p:cTn>
-                                        <p:tgtEl>
-                                          <p:spTgt spid="6">
-                                            <p:txEl>
-                                              <p:pRg st="1" end="1"/>
-                                            </p:txEl>
-                                          </p:spTgt>
-                                        </p:tgtEl>
-                                        <p:attrNameLst>
-                                          <p:attrName>style.visibility</p:attrName>
-                                        </p:attrNameLst>
-                                      </p:cBhvr>
-                                      <p:to>
-                                        <p:strVal val="visible"/>
-                                      </p:to>
-                                    </p:set>
-                                    <p:animEffect transition="in" filter="fade">
-                                      <p:cBhvr>
-                                        <p:cTn id="10" dur="1000"/>
-                                        <p:tgtEl>
-                                          <p:spTgt spid="6">
-                                            <p:txEl>
-                                              <p:pRg st="1" end="1"/>
-                                            </p:txEl>
-                                          </p:spTgt>
-                                        </p:tgtEl>
-                                      </p:cBhvr>
-                                    </p:animEffect>
-                                  </p:childTnLst>
-                                </p:cTn>
-                              </p:par>
-                              <p:par>
-                                <p:cTn id="11" presetID="10" presetClass="entr" presetSubtype="0" fill="hold" nodeType="withEffect">
-                                  <p:stCondLst>
-                                    <p:cond delay="0"/>
-                                  </p:stCondLst>
-                                  <p:childTnLst>
-                                    <p:set>
-                                      <p:cBhvr>
-                                        <p:cTn id="12" dur="1" fill="hold">
-                                          <p:stCondLst>
-                                            <p:cond delay="0"/>
-                                          </p:stCondLst>
-                                        </p:cTn>
-                                        <p:tgtEl>
-                                          <p:spTgt spid="6">
-                                            <p:txEl>
-                                              <p:pRg st="2" end="2"/>
-                                            </p:txEl>
-                                          </p:spTgt>
-                                        </p:tgtEl>
-                                        <p:attrNameLst>
-                                          <p:attrName>style.visibility</p:attrName>
-                                        </p:attrNameLst>
-                                      </p:cBhvr>
-                                      <p:to>
-                                        <p:strVal val="visible"/>
-                                      </p:to>
-                                    </p:set>
-                                    <p:animEffect transition="in" filter="fade">
-                                      <p:cBhvr>
-                                        <p:cTn id="13" dur="1000"/>
-                                        <p:tgtEl>
-                                          <p:spTgt spid="6">
-                                            <p:txEl>
-                                              <p:pRg st="2" end="2"/>
-                                            </p:txEl>
-                                          </p:spTgt>
-                                        </p:tgtEl>
-                                      </p:cBhvr>
-                                    </p:animEffect>
-                                  </p:childTnLst>
-                                </p:cTn>
-                              </p:par>
-                              <p:par>
-                                <p:cTn id="14" presetID="10" presetClass="entr" presetSubtype="0" fill="hold" nodeType="withEffect">
-                                  <p:stCondLst>
-                                    <p:cond delay="0"/>
-                                  </p:stCondLst>
-                                  <p:childTnLst>
-                                    <p:set>
-                                      <p:cBhvr>
-                                        <p:cTn id="15" dur="1" fill="hold">
-                                          <p:stCondLst>
-                                            <p:cond delay="0"/>
-                                          </p:stCondLst>
-                                        </p:cTn>
-                                        <p:tgtEl>
-                                          <p:spTgt spid="6">
-                                            <p:txEl>
-                                              <p:pRg st="3" end="3"/>
-                                            </p:txEl>
-                                          </p:spTgt>
-                                        </p:tgtEl>
-                                        <p:attrNameLst>
-                                          <p:attrName>style.visibility</p:attrName>
-                                        </p:attrNameLst>
-                                      </p:cBhvr>
-                                      <p:to>
-                                        <p:strVal val="visible"/>
-                                      </p:to>
-                                    </p:set>
-                                    <p:animEffect transition="in" filter="fade">
-                                      <p:cBhvr>
-                                        <p:cTn id="16" dur="1000"/>
-                                        <p:tgtEl>
-                                          <p:spTgt spid="6">
-                                            <p:txEl>
-                                              <p:pRg st="3" end="3"/>
-                                            </p:txEl>
-                                          </p:spTgt>
-                                        </p:tgtEl>
-                                      </p:cBhvr>
-                                    </p:animEffect>
-                                  </p:childTnLst>
-                                </p:cTn>
-                              </p:par>
-                              <p:par>
-                                <p:cTn id="17" presetID="10" presetClass="entr" presetSubtype="0" fill="hold" nodeType="withEffect">
-                                  <p:stCondLst>
-                                    <p:cond delay="0"/>
-                                  </p:stCondLst>
-                                  <p:childTnLst>
-                                    <p:set>
-                                      <p:cBhvr>
-                                        <p:cTn id="18" dur="1" fill="hold">
-                                          <p:stCondLst>
-                                            <p:cond delay="0"/>
-                                          </p:stCondLst>
-                                        </p:cTn>
-                                        <p:tgtEl>
-                                          <p:spTgt spid="6">
-                                            <p:txEl>
-                                              <p:pRg st="4" end="4"/>
-                                            </p:txEl>
-                                          </p:spTgt>
-                                        </p:tgtEl>
-                                        <p:attrNameLst>
-                                          <p:attrName>style.visibility</p:attrName>
-                                        </p:attrNameLst>
-                                      </p:cBhvr>
-                                      <p:to>
-                                        <p:strVal val="visible"/>
-                                      </p:to>
-                                    </p:set>
-                                    <p:animEffect transition="in" filter="fade">
-                                      <p:cBhvr>
-                                        <p:cTn id="19" dur="1000"/>
-                                        <p:tgtEl>
-                                          <p:spTgt spid="6">
-                                            <p:txEl>
-                                              <p:pRg st="4" end="4"/>
-                                            </p:txEl>
-                                          </p:spTgt>
-                                        </p:tgtEl>
-                                      </p:cBhvr>
-                                    </p:animEffect>
-                                  </p:childTnLst>
-                                </p:cTn>
-                              </p:par>
-                            </p:childTnLst>
-                          </p:cTn>
-                        </p:par>
-                      </p:childTnLst>
-                    </p:cTn>
-                  </p:par>
-                  <p:par>
-                    <p:cTn id="20" fill="hold">
-                      <p:stCondLst>
-                        <p:cond delay="indefinite"/>
-                      </p:stCondLst>
-                      <p:childTnLst>
-                        <p:par>
-                          <p:cTn id="21" fill="hold">
-                            <p:stCondLst>
-                              <p:cond delay="0"/>
-                            </p:stCondLst>
-                            <p:childTnLst>
-                              <p:par>
-                                <p:cTn id="22" presetID="10" presetClass="entr" presetSubtype="0" fill="hold" nodeType="clickEffect">
-                                  <p:stCondLst>
-                                    <p:cond delay="0"/>
-                                  </p:stCondLst>
-                                  <p:childTnLst>
-                                    <p:set>
-                                      <p:cBhvr>
-                                        <p:cTn id="23" dur="1" fill="hold">
-                                          <p:stCondLst>
-                                            <p:cond delay="0"/>
-                                          </p:stCondLst>
-                                        </p:cTn>
-                                        <p:tgtEl>
-                                          <p:spTgt spid="6">
-                                            <p:txEl>
-                                              <p:pRg st="6" end="6"/>
-                                            </p:txEl>
-                                          </p:spTgt>
-                                        </p:tgtEl>
-                                        <p:attrNameLst>
-                                          <p:attrName>style.visibility</p:attrName>
-                                        </p:attrNameLst>
-                                      </p:cBhvr>
-                                      <p:to>
-                                        <p:strVal val="visible"/>
-                                      </p:to>
-                                    </p:set>
-                                    <p:animEffect transition="in" filter="fade">
-                                      <p:cBhvr>
-                                        <p:cTn id="24" dur="1000"/>
-                                        <p:tgtEl>
-                                          <p:spTgt spid="6">
-                                            <p:txEl>
-                                              <p:pRg st="6" end="6"/>
-                                            </p:txEl>
-                                          </p:spTgt>
-                                        </p:tgtEl>
-                                      </p:cBhvr>
-                                    </p:animEffect>
-                                  </p:childTnLst>
-                                </p:cTn>
-                              </p:par>
-                              <p:par>
-                                <p:cTn id="25" presetID="10" presetClass="entr" presetSubtype="0" fill="hold" nodeType="withEffect">
-                                  <p:stCondLst>
-                                    <p:cond delay="0"/>
-                                  </p:stCondLst>
-                                  <p:childTnLst>
-                                    <p:set>
-                                      <p:cBhvr>
-                                        <p:cTn id="26" dur="1" fill="hold">
-                                          <p:stCondLst>
-                                            <p:cond delay="0"/>
-                                          </p:stCondLst>
-                                        </p:cTn>
-                                        <p:tgtEl>
-                                          <p:spTgt spid="6">
-                                            <p:txEl>
-                                              <p:pRg st="7" end="7"/>
-                                            </p:txEl>
-                                          </p:spTgt>
-                                        </p:tgtEl>
-                                        <p:attrNameLst>
-                                          <p:attrName>style.visibility</p:attrName>
-                                        </p:attrNameLst>
-                                      </p:cBhvr>
-                                      <p:to>
-                                        <p:strVal val="visible"/>
-                                      </p:to>
-                                    </p:set>
-                                    <p:animEffect transition="in" filter="fade">
-                                      <p:cBhvr>
-                                        <p:cTn id="27" dur="1000"/>
-                                        <p:tgtEl>
-                                          <p:spTgt spid="6">
-                                            <p:txEl>
-                                              <p:pRg st="7" end="7"/>
-                                            </p:txEl>
-                                          </p:spTgt>
-                                        </p:tgtEl>
-                                      </p:cBhvr>
-                                    </p:animEffect>
-                                  </p:childTnLst>
-                                </p:cTn>
-                              </p:par>
-                              <p:par>
-                                <p:cTn id="28" presetID="10" presetClass="entr" presetSubtype="0" fill="hold" nodeType="withEffect">
-                                  <p:stCondLst>
-                                    <p:cond delay="0"/>
-                                  </p:stCondLst>
-                                  <p:childTnLst>
-                                    <p:set>
-                                      <p:cBhvr>
-                                        <p:cTn id="29" dur="1" fill="hold">
-                                          <p:stCondLst>
-                                            <p:cond delay="0"/>
-                                          </p:stCondLst>
-                                        </p:cTn>
-                                        <p:tgtEl>
-                                          <p:spTgt spid="6">
-                                            <p:txEl>
-                                              <p:pRg st="8" end="8"/>
-                                            </p:txEl>
-                                          </p:spTgt>
-                                        </p:tgtEl>
-                                        <p:attrNameLst>
-                                          <p:attrName>style.visibility</p:attrName>
-                                        </p:attrNameLst>
-                                      </p:cBhvr>
-                                      <p:to>
-                                        <p:strVal val="visible"/>
-                                      </p:to>
-                                    </p:set>
-                                    <p:animEffect transition="in" filter="fade">
-                                      <p:cBhvr>
-                                        <p:cTn id="30" dur="1000"/>
-                                        <p:tgtEl>
-                                          <p:spTgt spid="6">
-                                            <p:txEl>
-                                              <p:pRg st="8" end="8"/>
-                                            </p:txEl>
-                                          </p:spTgt>
-                                        </p:tgtEl>
-                                      </p:cBhvr>
-                                    </p:animEffect>
-                                  </p:childTnLst>
-                                </p:cTn>
-                              </p:par>
-                              <p:par>
-                                <p:cTn id="31" presetID="10" presetClass="entr" presetSubtype="0" fill="hold" nodeType="withEffect">
-                                  <p:stCondLst>
-                                    <p:cond delay="0"/>
-                                  </p:stCondLst>
-                                  <p:childTnLst>
-                                    <p:set>
-                                      <p:cBhvr>
-                                        <p:cTn id="32" dur="1" fill="hold">
-                                          <p:stCondLst>
-                                            <p:cond delay="0"/>
-                                          </p:stCondLst>
-                                        </p:cTn>
-                                        <p:tgtEl>
-                                          <p:spTgt spid="6">
-                                            <p:txEl>
-                                              <p:pRg st="9" end="9"/>
-                                            </p:txEl>
-                                          </p:spTgt>
-                                        </p:tgtEl>
-                                        <p:attrNameLst>
-                                          <p:attrName>style.visibility</p:attrName>
-                                        </p:attrNameLst>
-                                      </p:cBhvr>
-                                      <p:to>
-                                        <p:strVal val="visible"/>
-                                      </p:to>
-                                    </p:set>
-                                    <p:animEffect transition="in" filter="fade">
-                                      <p:cBhvr>
-                                        <p:cTn id="33" dur="1000"/>
-                                        <p:tgtEl>
-                                          <p:spTgt spid="6">
-                                            <p:txEl>
-                                              <p:pRg st="9" end="9"/>
-                                            </p:txEl>
-                                          </p:spTgt>
-                                        </p:tgtEl>
-                                      </p:cBhvr>
-                                    </p:animEffect>
-                                  </p:childTnLst>
-                                </p:cTn>
-                              </p:par>
-                            </p:childTnLst>
-                          </p:cTn>
-                        </p:par>
-                      </p:childTnLst>
-                    </p:cTn>
-                  </p:par>
-                </p:childTnLst>
-              </p:cTn>
-              <p:prevCondLst>
-                <p:cond evt="onPrev" delay="0">
-                  <p:tgtEl>
-                    <p:sldTgt/>
-                  </p:tgtEl>
-                </p:cond>
-              </p:prevCondLst>
-              <p:nextCondLst>
-                <p:cond evt="onNext" delay="0">
-                  <p:tgtEl>
-                    <p:sldTgt/>
-                  </p:tgtEl>
-                </p:cond>
-              </p:nextCondLst>
-            </p:seq>
-          </p:childTnLst>
-        </p:cTn>
-      </p:par>
-    </p:tnLst>
-  </p:timing>
-</p:sld>
-</file>
-
-<file path=ppt/slides/slide19.xml><?xml version="1.0" encoding="utf-8"?>
-<p:sld xmlns:a="http://schemas.openxmlformats.org/drawingml/2006/main" xmlns:r="http://schemas.openxmlformats.org/officeDocument/2006/relationships" xmlns:p="http://schemas.openxmlformats.org/presentationml/2006/main">
-  <p:cSld>
-    <p:spTree>
-      <p:nvGrpSpPr>
-        <p:cNvPr id="1" name=""/>
-        <p:cNvGrpSpPr/>
-        <p:nvPr/>
-      </p:nvGrpSpPr>
-      <p:grpSpPr>
-        <a:xfrm>
-          <a:off x="0" y="0"/>
-          <a:ext cx="0" cy="0"/>
-          <a:chOff x="0" y="0"/>
-          <a:chExt cx="0" cy="0"/>
-        </a:xfrm>
-      </p:grpSpPr>
-      <p:sp>
-        <p:nvSpPr>
-          <p:cNvPr id="2" name="Titolo 1"/>
-          <p:cNvSpPr>
-            <a:spLocks noGrp="1"/>
-          </p:cNvSpPr>
-          <p:nvPr>
-            <p:ph type="title"/>
-          </p:nvPr>
-        </p:nvSpPr>
-        <p:spPr>
-          <a:xfrm>
-            <a:off x="457200" y="155448"/>
-            <a:ext cx="6257940" cy="1252728"/>
-          </a:xfrm>
-        </p:spPr>
-        <p:txBody>
-          <a:bodyPr>
-            <a:normAutofit/>
-          </a:bodyPr>
-          <a:lstStyle/>
-          <a:p>
-            <a:r>
-              <a:rPr lang="it-IT" dirty="0" smtClean="0">
-                <a:solidFill>
-                  <a:srgbClr val="FFC000"/>
-                </a:solidFill>
-              </a:rPr>
-              <a:t> </a:t>
-            </a:r>
-            <a:endParaRPr lang="en-US" dirty="0">
-              <a:solidFill>
-                <a:srgbClr val="FFC000"/>
-              </a:solidFill>
-            </a:endParaRPr>
-          </a:p>
-        </p:txBody>
-      </p:sp>
-      <p:pic>
-        <p:nvPicPr>
-          <p:cNvPr id="4" name="Picture 4" descr="C:\Users\error0\Desktop\logoRoma32.gif"/>
-          <p:cNvPicPr>
-            <a:picLocks noChangeAspect="1" noChangeArrowheads="1"/>
-          </p:cNvPicPr>
-          <p:nvPr/>
-        </p:nvPicPr>
-        <p:blipFill>
-          <a:blip r:embed="rId2">
-            <a:duotone>
-              <a:schemeClr val="accent1">
-                <a:shade val="45000"/>
-                <a:satMod val="135000"/>
-              </a:schemeClr>
-              <a:prstClr val="white"/>
-            </a:duotone>
-            <a:lum bright="20000"/>
-          </a:blip>
-          <a:srcRect/>
-          <a:stretch>
-            <a:fillRect/>
-          </a:stretch>
-        </p:blipFill>
-        <p:spPr bwMode="auto">
-          <a:xfrm>
-            <a:off x="6858016" y="153964"/>
-            <a:ext cx="2214578" cy="1131896"/>
-          </a:xfrm>
-          <a:prstGeom prst="rect">
-            <a:avLst/>
-          </a:prstGeom>
-          <a:noFill/>
-        </p:spPr>
-      </p:pic>
-      <p:sp>
-        <p:nvSpPr>
-          <p:cNvPr id="6" name="Segnaposto contenuto 5"/>
-          <p:cNvSpPr>
-            <a:spLocks noGrp="1"/>
-          </p:cNvSpPr>
-          <p:nvPr>
-            <p:ph idx="1"/>
-          </p:nvPr>
-        </p:nvSpPr>
-        <p:spPr>
-          <a:xfrm>
-            <a:off x="457200" y="1775191"/>
-            <a:ext cx="8043890" cy="4625609"/>
-          </a:xfrm>
-        </p:spPr>
-        <p:txBody>
-          <a:bodyPr>
-            <a:normAutofit/>
-          </a:bodyPr>
-          <a:lstStyle/>
-          <a:p>
-            <a:pPr lvl="1" algn="ctr">
-              <a:buNone/>
-            </a:pPr>
-            <a:endParaRPr lang="it-IT" dirty="0" smtClean="0"/>
-          </a:p>
-          <a:p>
-            <a:pPr lvl="1" algn="ctr">
-              <a:buNone/>
-            </a:pPr>
-            <a:endParaRPr lang="it-IT" dirty="0" smtClean="0"/>
-          </a:p>
-          <a:p>
-            <a:pPr lvl="1" algn="ctr">
-              <a:buNone/>
-            </a:pPr>
-            <a:r>
-              <a:rPr lang="en-US" sz="4800" dirty="0" smtClean="0"/>
-              <a:t>Thanks </a:t>
-            </a:r>
-          </a:p>
-          <a:p>
-            <a:pPr lvl="1" algn="ctr">
-              <a:buNone/>
-            </a:pPr>
-            <a:r>
-              <a:rPr lang="en-US" sz="4800" dirty="0" smtClean="0"/>
-              <a:t>for your attention</a:t>
-            </a:r>
-            <a:endParaRPr lang="en-US" sz="4800" dirty="0"/>
           </a:p>
         </p:txBody>
       </p:sp>
@@ -15127,6 +15297,168 @@
 </file>
 
 <file path=ppt/slides/slide20.xml><?xml version="1.0" encoding="utf-8"?>
+<p:sld xmlns:a="http://schemas.openxmlformats.org/drawingml/2006/main" xmlns:r="http://schemas.openxmlformats.org/officeDocument/2006/relationships" xmlns:p="http://schemas.openxmlformats.org/presentationml/2006/main" show="0">
+  <p:cSld>
+    <p:spTree>
+      <p:nvGrpSpPr>
+        <p:cNvPr id="1" name=""/>
+        <p:cNvGrpSpPr/>
+        <p:nvPr/>
+      </p:nvGrpSpPr>
+      <p:grpSpPr>
+        <a:xfrm>
+          <a:off x="0" y="0"/>
+          <a:ext cx="0" cy="0"/>
+          <a:chOff x="0" y="0"/>
+          <a:chExt cx="0" cy="0"/>
+        </a:xfrm>
+      </p:grpSpPr>
+      <p:sp>
+        <p:nvSpPr>
+          <p:cNvPr id="2" name="Titolo 1"/>
+          <p:cNvSpPr>
+            <a:spLocks noGrp="1"/>
+          </p:cNvSpPr>
+          <p:nvPr>
+            <p:ph type="title"/>
+          </p:nvPr>
+        </p:nvSpPr>
+        <p:spPr>
+          <a:xfrm>
+            <a:off x="457200" y="155448"/>
+            <a:ext cx="6257940" cy="1252728"/>
+          </a:xfrm>
+        </p:spPr>
+        <p:txBody>
+          <a:bodyPr>
+            <a:normAutofit/>
+          </a:bodyPr>
+          <a:lstStyle/>
+          <a:p>
+            <a:r>
+              <a:rPr lang="it-IT" dirty="0" smtClean="0">
+                <a:solidFill>
+                  <a:srgbClr val="FFC000"/>
+                </a:solidFill>
+              </a:rPr>
+              <a:t> </a:t>
+            </a:r>
+            <a:endParaRPr lang="en-US" dirty="0">
+              <a:solidFill>
+                <a:srgbClr val="FFC000"/>
+              </a:solidFill>
+            </a:endParaRPr>
+          </a:p>
+        </p:txBody>
+      </p:sp>
+      <p:pic>
+        <p:nvPicPr>
+          <p:cNvPr id="4" name="Picture 4" descr="C:\Users\error0\Desktop\logoRoma32.gif"/>
+          <p:cNvPicPr>
+            <a:picLocks noChangeAspect="1" noChangeArrowheads="1"/>
+          </p:cNvPicPr>
+          <p:nvPr/>
+        </p:nvPicPr>
+        <p:blipFill>
+          <a:blip r:embed="rId2">
+            <a:duotone>
+              <a:schemeClr val="accent1">
+                <a:shade val="45000"/>
+                <a:satMod val="135000"/>
+              </a:schemeClr>
+              <a:prstClr val="white"/>
+            </a:duotone>
+            <a:lum bright="20000"/>
+          </a:blip>
+          <a:srcRect/>
+          <a:stretch>
+            <a:fillRect/>
+          </a:stretch>
+        </p:blipFill>
+        <p:spPr bwMode="auto">
+          <a:xfrm>
+            <a:off x="6858016" y="153964"/>
+            <a:ext cx="2214578" cy="1131896"/>
+          </a:xfrm>
+          <a:prstGeom prst="rect">
+            <a:avLst/>
+          </a:prstGeom>
+          <a:noFill/>
+        </p:spPr>
+      </p:pic>
+      <p:sp>
+        <p:nvSpPr>
+          <p:cNvPr id="6" name="Segnaposto contenuto 5"/>
+          <p:cNvSpPr>
+            <a:spLocks noGrp="1"/>
+          </p:cNvSpPr>
+          <p:nvPr>
+            <p:ph idx="1"/>
+          </p:nvPr>
+        </p:nvSpPr>
+        <p:spPr>
+          <a:xfrm>
+            <a:off x="457200" y="1775191"/>
+            <a:ext cx="8043890" cy="4625609"/>
+          </a:xfrm>
+        </p:spPr>
+        <p:txBody>
+          <a:bodyPr>
+            <a:normAutofit/>
+          </a:bodyPr>
+          <a:lstStyle/>
+          <a:p>
+            <a:pPr lvl="1" algn="ctr">
+              <a:buNone/>
+            </a:pPr>
+            <a:endParaRPr lang="it-IT" dirty="0" smtClean="0"/>
+          </a:p>
+          <a:p>
+            <a:pPr lvl="1" algn="ctr">
+              <a:buNone/>
+            </a:pPr>
+            <a:endParaRPr lang="it-IT" dirty="0" smtClean="0"/>
+          </a:p>
+          <a:p>
+            <a:pPr lvl="1" algn="ctr">
+              <a:buNone/>
+            </a:pPr>
+            <a:r>
+              <a:rPr lang="en-US" sz="4800" dirty="0" smtClean="0"/>
+              <a:t>Thanks </a:t>
+            </a:r>
+          </a:p>
+          <a:p>
+            <a:pPr lvl="1" algn="ctr">
+              <a:buNone/>
+            </a:pPr>
+            <a:r>
+              <a:rPr lang="en-US" sz="4800" dirty="0" smtClean="0"/>
+              <a:t>for your attention</a:t>
+            </a:r>
+            <a:endParaRPr lang="en-US" sz="4800" dirty="0"/>
+          </a:p>
+        </p:txBody>
+      </p:sp>
+    </p:spTree>
+  </p:cSld>
+  <p:clrMapOvr>
+    <a:masterClrMapping/>
+  </p:clrMapOvr>
+  <p:transition>
+    <p:fade/>
+  </p:transition>
+  <p:timing>
+    <p:tnLst>
+      <p:par>
+        <p:cTn id="1" dur="indefinite" restart="never" nodeType="tmRoot"/>
+      </p:par>
+    </p:tnLst>
+  </p:timing>
+</p:sld>
+</file>
+
+<file path=ppt/slides/slide21.xml><?xml version="1.0" encoding="utf-8"?>
 <p:sld xmlns:a="http://schemas.openxmlformats.org/drawingml/2006/main" xmlns:r="http://schemas.openxmlformats.org/officeDocument/2006/relationships" xmlns:p="http://schemas.openxmlformats.org/presentationml/2006/main" show="0">
   <p:cSld>
     <p:spTree>
@@ -16032,7 +16364,7 @@
 </p:sld>
 </file>
 
-<file path=ppt/slides/slide21.xml><?xml version="1.0" encoding="utf-8"?>
+<file path=ppt/slides/slide22.xml><?xml version="1.0" encoding="utf-8"?>
 <p:sld xmlns:a="http://schemas.openxmlformats.org/drawingml/2006/main" xmlns:r="http://schemas.openxmlformats.org/officeDocument/2006/relationships" xmlns:p="http://schemas.openxmlformats.org/presentationml/2006/main" show="0">
   <p:cSld>
     <p:spTree>
@@ -16168,7 +16500,7 @@
 </p:sld>
 </file>
 
-<file path=ppt/slides/slide22.xml><?xml version="1.0" encoding="utf-8"?>
+<file path=ppt/slides/slide23.xml><?xml version="1.0" encoding="utf-8"?>
 <p:sld xmlns:a="http://schemas.openxmlformats.org/drawingml/2006/main" xmlns:r="http://schemas.openxmlformats.org/officeDocument/2006/relationships" xmlns:p="http://schemas.openxmlformats.org/presentationml/2006/main" show="0">
   <p:cSld>
     <p:spTree>
@@ -17579,15 +17911,7 @@
           <a:p>
             <a:r>
               <a:rPr lang="en-US" dirty="0" smtClean="0"/>
-              <a:t>Methodology </a:t>
-            </a:r>
-            <a:r>
-              <a:rPr lang="en-US" dirty="0" smtClean="0"/>
-              <a:t>for evaluating the </a:t>
-            </a:r>
-            <a:r>
-              <a:rPr lang="en-US" dirty="0" smtClean="0"/>
-              <a:t>database’s performance</a:t>
+              <a:t>Methodology for evaluating the database’s performance</a:t>
             </a:r>
           </a:p>
           <a:p>
@@ -17607,7 +17931,6 @@
               <a:rPr lang="en-US" dirty="0" smtClean="0"/>
               <a:t>Testing and results’ analysis of different IMDBs</a:t>
             </a:r>
-            <a:endParaRPr lang="en-US" dirty="0" smtClean="0"/>
           </a:p>
         </p:txBody>
       </p:sp>
@@ -17747,13 +18070,8 @@
           <a:p>
             <a:r>
               <a:rPr lang="en-US" dirty="0" smtClean="0"/>
-              <a:t>Databases’ Performance </a:t>
-            </a:r>
-            <a:r>
-              <a:rPr lang="en-US" dirty="0" smtClean="0"/>
-              <a:t>Analysis and Benchmark</a:t>
-            </a:r>
-            <a:endParaRPr lang="en-US" dirty="0" smtClean="0"/>
+              <a:t>Databases’ Performance Analysis and Benchmark</a:t>
+            </a:r>
           </a:p>
           <a:p>
             <a:endParaRPr lang="en-US" dirty="0" smtClean="0"/>
